--- a/Aulas/04 - Criação de Tabela com Controles/04 - Tabela com Controles.pptx
+++ b/Aulas/04 - Criação de Tabela com Controles/04 - Tabela com Controles.pptx
@@ -25,6 +25,10 @@
     <p:sldId id="273" r:id="rId19"/>
     <p:sldId id="274" r:id="rId20"/>
     <p:sldId id="275" r:id="rId21"/>
+    <p:sldId id="276" r:id="rId22"/>
+    <p:sldId id="277" r:id="rId23"/>
+    <p:sldId id="278" r:id="rId24"/>
+    <p:sldId id="279" r:id="rId25"/>
   </p:sldIdLst>
   <p:sldSz cx="12192000" cy="6858000"/>
   <p:notesSz cx="6858000" cy="9144000"/>
@@ -278,7 +282,7 @@
           <a:p>
             <a:fld id="{24D17872-9A4D-44D0-91A6-4828DF7E3E35}" type="datetimeFigureOut">
               <a:rPr lang="pt-BR" smtClean="0"/>
-              <a:t>26/03/2024</a:t>
+              <a:t>28/03/2024</a:t>
             </a:fld>
             <a:endParaRPr lang="pt-BR"/>
           </a:p>
@@ -476,7 +480,7 @@
           <a:p>
             <a:fld id="{24D17872-9A4D-44D0-91A6-4828DF7E3E35}" type="datetimeFigureOut">
               <a:rPr lang="pt-BR" smtClean="0"/>
-              <a:t>26/03/2024</a:t>
+              <a:t>28/03/2024</a:t>
             </a:fld>
             <a:endParaRPr lang="pt-BR"/>
           </a:p>
@@ -684,7 +688,7 @@
           <a:p>
             <a:fld id="{24D17872-9A4D-44D0-91A6-4828DF7E3E35}" type="datetimeFigureOut">
               <a:rPr lang="pt-BR" smtClean="0"/>
-              <a:t>26/03/2024</a:t>
+              <a:t>28/03/2024</a:t>
             </a:fld>
             <a:endParaRPr lang="pt-BR"/>
           </a:p>
@@ -882,7 +886,7 @@
           <a:p>
             <a:fld id="{24D17872-9A4D-44D0-91A6-4828DF7E3E35}" type="datetimeFigureOut">
               <a:rPr lang="pt-BR" smtClean="0"/>
-              <a:t>26/03/2024</a:t>
+              <a:t>28/03/2024</a:t>
             </a:fld>
             <a:endParaRPr lang="pt-BR"/>
           </a:p>
@@ -1157,7 +1161,7 @@
           <a:p>
             <a:fld id="{24D17872-9A4D-44D0-91A6-4828DF7E3E35}" type="datetimeFigureOut">
               <a:rPr lang="pt-BR" smtClean="0"/>
-              <a:t>26/03/2024</a:t>
+              <a:t>28/03/2024</a:t>
             </a:fld>
             <a:endParaRPr lang="pt-BR"/>
           </a:p>
@@ -1422,7 +1426,7 @@
           <a:p>
             <a:fld id="{24D17872-9A4D-44D0-91A6-4828DF7E3E35}" type="datetimeFigureOut">
               <a:rPr lang="pt-BR" smtClean="0"/>
-              <a:t>26/03/2024</a:t>
+              <a:t>28/03/2024</a:t>
             </a:fld>
             <a:endParaRPr lang="pt-BR"/>
           </a:p>
@@ -1834,7 +1838,7 @@
           <a:p>
             <a:fld id="{24D17872-9A4D-44D0-91A6-4828DF7E3E35}" type="datetimeFigureOut">
               <a:rPr lang="pt-BR" smtClean="0"/>
-              <a:t>26/03/2024</a:t>
+              <a:t>28/03/2024</a:t>
             </a:fld>
             <a:endParaRPr lang="pt-BR"/>
           </a:p>
@@ -1975,7 +1979,7 @@
           <a:p>
             <a:fld id="{24D17872-9A4D-44D0-91A6-4828DF7E3E35}" type="datetimeFigureOut">
               <a:rPr lang="pt-BR" smtClean="0"/>
-              <a:t>26/03/2024</a:t>
+              <a:t>28/03/2024</a:t>
             </a:fld>
             <a:endParaRPr lang="pt-BR"/>
           </a:p>
@@ -2088,7 +2092,7 @@
           <a:p>
             <a:fld id="{24D17872-9A4D-44D0-91A6-4828DF7E3E35}" type="datetimeFigureOut">
               <a:rPr lang="pt-BR" smtClean="0"/>
-              <a:t>26/03/2024</a:t>
+              <a:t>28/03/2024</a:t>
             </a:fld>
             <a:endParaRPr lang="pt-BR"/>
           </a:p>
@@ -2399,7 +2403,7 @@
           <a:p>
             <a:fld id="{24D17872-9A4D-44D0-91A6-4828DF7E3E35}" type="datetimeFigureOut">
               <a:rPr lang="pt-BR" smtClean="0"/>
-              <a:t>26/03/2024</a:t>
+              <a:t>28/03/2024</a:t>
             </a:fld>
             <a:endParaRPr lang="pt-BR"/>
           </a:p>
@@ -2687,7 +2691,7 @@
           <a:p>
             <a:fld id="{24D17872-9A4D-44D0-91A6-4828DF7E3E35}" type="datetimeFigureOut">
               <a:rPr lang="pt-BR" smtClean="0"/>
-              <a:t>26/03/2024</a:t>
+              <a:t>28/03/2024</a:t>
             </a:fld>
             <a:endParaRPr lang="pt-BR"/>
           </a:p>
@@ -2928,7 +2932,7 @@
           <a:p>
             <a:fld id="{24D17872-9A4D-44D0-91A6-4828DF7E3E35}" type="datetimeFigureOut">
               <a:rPr lang="pt-BR" smtClean="0"/>
-              <a:t>26/03/2024</a:t>
+              <a:t>28/03/2024</a:t>
             </a:fld>
             <a:endParaRPr lang="pt-BR"/>
           </a:p>
@@ -8075,8 +8079,13 @@
             <a:pPr lvl="1"/>
             <a:r>
               <a:rPr lang="pt-BR" dirty="0"/>
-              <a:t>Criação a partir de um arquivo JSON</a:t>
-            </a:r>
+              <a:t>Criação a partir de um arquivo JSON/</a:t>
+            </a:r>
+            <a:r>
+              <a:rPr lang="pt-BR" dirty="0" err="1"/>
+              <a:t>Array</a:t>
+            </a:r>
+            <a:endParaRPr lang="pt-BR" dirty="0"/>
           </a:p>
           <a:p>
             <a:pPr lvl="1"/>
@@ -8217,56 +8226,35 @@
           <a:p>
             <a:r>
               <a:rPr lang="pt-BR" dirty="0"/>
-              <a:t>Componentes</a:t>
+              <a:t>Tabela </a:t>
             </a:r>
           </a:p>
           <a:p>
             <a:pPr lvl="1"/>
             <a:r>
-              <a:rPr lang="pt-BR" dirty="0" err="1"/>
-              <a:t>PMTable</a:t>
-            </a:r>
+              <a:rPr lang="pt-BR" dirty="0"/>
+              <a:t>Tratamento de eventos</a:t>
+            </a:r>
+          </a:p>
+          <a:p>
+            <a:pPr lvl="1"/>
+            <a:r>
+              <a:rPr lang="pt-BR" dirty="0"/>
+              <a:t>Identificação do elemento da tabela</a:t>
+            </a:r>
+          </a:p>
+          <a:p>
+            <a:pPr lvl="1"/>
+            <a:r>
+              <a:rPr lang="pt-BR" dirty="0"/>
+              <a:t>Alteração do conteúdo da tabela dinamicamente</a:t>
+            </a:r>
+          </a:p>
+          <a:p>
+            <a:pPr marL="457200" lvl="1" indent="0">
+              <a:buNone/>
+            </a:pPr>
             <a:endParaRPr lang="pt-BR" dirty="0"/>
-          </a:p>
-          <a:p>
-            <a:pPr lvl="2"/>
-            <a:r>
-              <a:rPr lang="pt-BR" dirty="0" err="1"/>
-              <a:t>PMTableCaption</a:t>
-            </a:r>
-            <a:endParaRPr lang="pt-BR" dirty="0"/>
-          </a:p>
-          <a:p>
-            <a:pPr lvl="2"/>
-            <a:r>
-              <a:rPr lang="pt-BR" dirty="0" err="1"/>
-              <a:t>PMTableHeader</a:t>
-            </a:r>
-            <a:endParaRPr lang="pt-BR" dirty="0"/>
-          </a:p>
-          <a:p>
-            <a:pPr lvl="2"/>
-            <a:r>
-              <a:rPr lang="pt-BR" dirty="0" err="1"/>
-              <a:t>PMTableBody</a:t>
-            </a:r>
-            <a:endParaRPr lang="pt-BR" dirty="0"/>
-          </a:p>
-          <a:p>
-            <a:pPr lvl="3"/>
-            <a:r>
-              <a:rPr lang="pt-BR" dirty="0" err="1"/>
-              <a:t>PMTableRow</a:t>
-            </a:r>
-            <a:endParaRPr lang="pt-BR" dirty="0"/>
-          </a:p>
-          <a:p>
-            <a:pPr lvl="4"/>
-            <a:r>
-              <a:rPr lang="pt-BR" dirty="0" err="1"/>
-              <a:t>PMTableCell</a:t>
-            </a:r>
-            <a:endParaRPr lang="pt-BR" u="sng" dirty="0"/>
           </a:p>
           <a:p>
             <a:pPr marL="0" indent="0">
@@ -8750,15 +8738,7 @@
             </a:br>
             <a:r>
               <a:rPr lang="pt-BR" sz="2400" dirty="0"/>
-              <a:t>(</a:t>
-            </a:r>
-            <a:r>
-              <a:rPr lang="pt-BR" sz="2400" dirty="0" err="1"/>
-              <a:t>Component</a:t>
-            </a:r>
-            <a:r>
-              <a:rPr lang="pt-BR" sz="2400" dirty="0"/>
-              <a:t> </a:t>
+              <a:t>(Componente </a:t>
             </a:r>
             <a:r>
               <a:rPr lang="pt-BR" sz="2400" dirty="0" err="1"/>
@@ -8766,7 +8746,7 @@
             </a:r>
             <a:r>
               <a:rPr lang="pt-BR" sz="2400" dirty="0"/>
-              <a:t>)</a:t>
+              <a:t>: Comentários e dependências)</a:t>
             </a:r>
           </a:p>
         </p:txBody>
@@ -8970,44 +8950,618 @@
               <a:buNone/>
             </a:pPr>
             <a:r>
-              <a:rPr lang="pt-BR" sz="1000" dirty="0" err="1">
-                <a:latin typeface="Courier New" panose="02070309020205020404" pitchFamily="49" charset="0"/>
-                <a:cs typeface="Courier New" panose="02070309020205020404" pitchFamily="49" charset="0"/>
-              </a:rPr>
-              <a:t>npm</a:t>
-            </a:r>
-            <a:r>
-              <a:rPr lang="pt-BR" sz="1000" dirty="0">
+              <a:rPr lang="pt-BR" sz="1200" dirty="0">
+                <a:latin typeface="Courier New" panose="02070309020205020404" pitchFamily="49" charset="0"/>
+                <a:cs typeface="Courier New" panose="02070309020205020404" pitchFamily="49" charset="0"/>
+              </a:rPr>
+              <a:t>/** </a:t>
+            </a:r>
+          </a:p>
+          <a:p>
+            <a:pPr marL="0" indent="0">
+              <a:spcBef>
+                <a:spcPts val="0"/>
+              </a:spcBef>
+              <a:buNone/>
+            </a:pPr>
+            <a:r>
+              <a:rPr lang="pt-BR" sz="1200" dirty="0">
+                <a:latin typeface="Courier New" panose="02070309020205020404" pitchFamily="49" charset="0"/>
+                <a:cs typeface="Courier New" panose="02070309020205020404" pitchFamily="49" charset="0"/>
+              </a:rPr>
+              <a:t> * </a:t>
+            </a:r>
+            <a:r>
+              <a:rPr lang="pt-BR" sz="1200" dirty="0" err="1">
+                <a:latin typeface="Courier New" panose="02070309020205020404" pitchFamily="49" charset="0"/>
+                <a:cs typeface="Courier New" panose="02070309020205020404" pitchFamily="49" charset="0"/>
+              </a:rPr>
+              <a:t>Component</a:t>
+            </a:r>
+            <a:r>
+              <a:rPr lang="pt-BR" sz="1200" dirty="0">
                 <a:latin typeface="Courier New" panose="02070309020205020404" pitchFamily="49" charset="0"/>
                 <a:cs typeface="Courier New" panose="02070309020205020404" pitchFamily="49" charset="0"/>
               </a:rPr>
               <a:t> </a:t>
             </a:r>
             <a:r>
-              <a:rPr lang="pt-BR" sz="1000" dirty="0" err="1">
-                <a:latin typeface="Courier New" panose="02070309020205020404" pitchFamily="49" charset="0"/>
-                <a:cs typeface="Courier New" panose="02070309020205020404" pitchFamily="49" charset="0"/>
-              </a:rPr>
-              <a:t>install</a:t>
-            </a:r>
-            <a:r>
-              <a:rPr lang="pt-BR" sz="1000" dirty="0">
-                <a:latin typeface="Courier New" panose="02070309020205020404" pitchFamily="49" charset="0"/>
-                <a:cs typeface="Courier New" panose="02070309020205020404" pitchFamily="49" charset="0"/>
-              </a:rPr>
-              <a:t> </a:t>
-            </a:r>
-            <a:r>
-              <a:rPr lang="pt-BR" sz="1000" dirty="0" err="1">
-                <a:latin typeface="Courier New" panose="02070309020205020404" pitchFamily="49" charset="0"/>
-                <a:cs typeface="Courier New" panose="02070309020205020404" pitchFamily="49" charset="0"/>
-              </a:rPr>
-              <a:t>prop-types</a:t>
-            </a:r>
-            <a:endParaRPr lang="pt-BR" sz="1000" dirty="0">
+              <a:rPr lang="pt-BR" sz="1200" dirty="0" err="1">
+                <a:latin typeface="Courier New" panose="02070309020205020404" pitchFamily="49" charset="0"/>
+                <a:cs typeface="Courier New" panose="02070309020205020404" pitchFamily="49" charset="0"/>
+              </a:rPr>
+              <a:t>PMTable</a:t>
+            </a:r>
+            <a:endParaRPr lang="pt-BR" sz="1200" dirty="0">
               <a:latin typeface="Courier New" panose="02070309020205020404" pitchFamily="49" charset="0"/>
               <a:cs typeface="Courier New" panose="02070309020205020404" pitchFamily="49" charset="0"/>
             </a:endParaRPr>
+          </a:p>
+          <a:p>
+            <a:pPr marL="0" indent="0">
+              <a:spcBef>
+                <a:spcPts val="0"/>
+              </a:spcBef>
+              <a:buNone/>
+            </a:pPr>
+            <a:r>
+              <a:rPr lang="pt-BR" sz="1200" dirty="0">
+                <a:latin typeface="Courier New" panose="02070309020205020404" pitchFamily="49" charset="0"/>
+                <a:cs typeface="Courier New" panose="02070309020205020404" pitchFamily="49" charset="0"/>
+              </a:rPr>
+              <a:t> *</a:t>
+            </a:r>
+          </a:p>
+          <a:p>
+            <a:pPr marL="0" indent="0">
+              <a:spcBef>
+                <a:spcPts val="0"/>
+              </a:spcBef>
+              <a:buNone/>
+            </a:pPr>
+            <a:r>
+              <a:rPr lang="pt-BR" sz="1200" dirty="0">
+                <a:latin typeface="Courier New" panose="02070309020205020404" pitchFamily="49" charset="0"/>
+                <a:cs typeface="Courier New" panose="02070309020205020404" pitchFamily="49" charset="0"/>
+              </a:rPr>
+              <a:t> * File: </a:t>
+            </a:r>
+            <a:r>
+              <a:rPr lang="pt-BR" sz="1200" dirty="0" err="1">
+                <a:latin typeface="Courier New" panose="02070309020205020404" pitchFamily="49" charset="0"/>
+                <a:cs typeface="Courier New" panose="02070309020205020404" pitchFamily="49" charset="0"/>
+              </a:rPr>
+              <a:t>PMTable.jsx</a:t>
+            </a:r>
+            <a:endParaRPr lang="pt-BR" sz="1200" dirty="0">
+              <a:latin typeface="Courier New" panose="02070309020205020404" pitchFamily="49" charset="0"/>
+              <a:cs typeface="Courier New" panose="02070309020205020404" pitchFamily="49" charset="0"/>
+            </a:endParaRPr>
+          </a:p>
+          <a:p>
+            <a:pPr marL="0" indent="0">
+              <a:spcBef>
+                <a:spcPts val="0"/>
+              </a:spcBef>
+              <a:buNone/>
+            </a:pPr>
+            <a:r>
+              <a:rPr lang="pt-BR" sz="1200" dirty="0">
+                <a:latin typeface="Courier New" panose="02070309020205020404" pitchFamily="49" charset="0"/>
+                <a:cs typeface="Courier New" panose="02070309020205020404" pitchFamily="49" charset="0"/>
+              </a:rPr>
+              <a:t> *</a:t>
+            </a:r>
+          </a:p>
+          <a:p>
+            <a:pPr marL="0" indent="0">
+              <a:spcBef>
+                <a:spcPts val="0"/>
+              </a:spcBef>
+              <a:buNone/>
+            </a:pPr>
+            <a:r>
+              <a:rPr lang="pt-BR" sz="1200" dirty="0">
+                <a:latin typeface="Courier New" panose="02070309020205020404" pitchFamily="49" charset="0"/>
+                <a:cs typeface="Courier New" panose="02070309020205020404" pitchFamily="49" charset="0"/>
+              </a:rPr>
+              <a:t> * </a:t>
+            </a:r>
+            <a:r>
+              <a:rPr lang="pt-BR" sz="1200" dirty="0" err="1">
+                <a:latin typeface="Courier New" panose="02070309020205020404" pitchFamily="49" charset="0"/>
+                <a:cs typeface="Courier New" panose="02070309020205020404" pitchFamily="49" charset="0"/>
+              </a:rPr>
+              <a:t>Author</a:t>
+            </a:r>
+            <a:r>
+              <a:rPr lang="pt-BR" sz="1200" dirty="0">
+                <a:latin typeface="Courier New" panose="02070309020205020404" pitchFamily="49" charset="0"/>
+                <a:cs typeface="Courier New" panose="02070309020205020404" pitchFamily="49" charset="0"/>
+              </a:rPr>
+              <a:t>: </a:t>
+            </a:r>
+            <a:r>
+              <a:rPr lang="pt-BR" sz="1200" dirty="0" err="1">
+                <a:latin typeface="Courier New" panose="02070309020205020404" pitchFamily="49" charset="0"/>
+                <a:cs typeface="Courier New" panose="02070309020205020404" pitchFamily="49" charset="0"/>
+              </a:rPr>
+              <a:t>Antonio</a:t>
+            </a:r>
+            <a:r>
+              <a:rPr lang="pt-BR" sz="1200" dirty="0">
+                <a:latin typeface="Courier New" panose="02070309020205020404" pitchFamily="49" charset="0"/>
+                <a:cs typeface="Courier New" panose="02070309020205020404" pitchFamily="49" charset="0"/>
+              </a:rPr>
+              <a:t> Tadeu </a:t>
+            </a:r>
+            <a:r>
+              <a:rPr lang="pt-BR" sz="1200" dirty="0" err="1">
+                <a:latin typeface="Courier New" panose="02070309020205020404" pitchFamily="49" charset="0"/>
+                <a:cs typeface="Courier New" panose="02070309020205020404" pitchFamily="49" charset="0"/>
+              </a:rPr>
+              <a:t>Maffeis</a:t>
+            </a:r>
+            <a:endParaRPr lang="pt-BR" sz="1200" dirty="0">
+              <a:latin typeface="Courier New" panose="02070309020205020404" pitchFamily="49" charset="0"/>
+              <a:cs typeface="Courier New" panose="02070309020205020404" pitchFamily="49" charset="0"/>
+            </a:endParaRPr>
+          </a:p>
+          <a:p>
+            <a:pPr marL="0" indent="0">
+              <a:spcBef>
+                <a:spcPts val="0"/>
+              </a:spcBef>
+              <a:buNone/>
+            </a:pPr>
+            <a:r>
+              <a:rPr lang="pt-BR" sz="1200" dirty="0">
+                <a:latin typeface="Courier New" panose="02070309020205020404" pitchFamily="49" charset="0"/>
+                <a:cs typeface="Courier New" panose="02070309020205020404" pitchFamily="49" charset="0"/>
+              </a:rPr>
+              <a:t> *</a:t>
+            </a:r>
+          </a:p>
+          <a:p>
+            <a:pPr marL="0" indent="0">
+              <a:spcBef>
+                <a:spcPts val="0"/>
+              </a:spcBef>
+              <a:buNone/>
+            </a:pPr>
+            <a:r>
+              <a:rPr lang="pt-BR" sz="1200" dirty="0">
+                <a:latin typeface="Courier New" panose="02070309020205020404" pitchFamily="49" charset="0"/>
+                <a:cs typeface="Courier New" panose="02070309020205020404" pitchFamily="49" charset="0"/>
+              </a:rPr>
+              <a:t> * Data: 27/03/2024</a:t>
+            </a:r>
+          </a:p>
+          <a:p>
+            <a:pPr marL="0" indent="0">
+              <a:spcBef>
+                <a:spcPts val="0"/>
+              </a:spcBef>
+              <a:buNone/>
+            </a:pPr>
+            <a:r>
+              <a:rPr lang="pt-BR" sz="1200" dirty="0">
+                <a:latin typeface="Courier New" panose="02070309020205020404" pitchFamily="49" charset="0"/>
+                <a:cs typeface="Courier New" panose="02070309020205020404" pitchFamily="49" charset="0"/>
+              </a:rPr>
+              <a:t> *</a:t>
+            </a:r>
+          </a:p>
+          <a:p>
+            <a:pPr marL="0" indent="0">
+              <a:spcBef>
+                <a:spcPts val="0"/>
+              </a:spcBef>
+              <a:buNone/>
+            </a:pPr>
+            <a:r>
+              <a:rPr lang="pt-BR" sz="1200" dirty="0">
+                <a:latin typeface="Courier New" panose="02070309020205020404" pitchFamily="49" charset="0"/>
+                <a:cs typeface="Courier New" panose="02070309020205020404" pitchFamily="49" charset="0"/>
+              </a:rPr>
+              <a:t> * </a:t>
+            </a:r>
+            <a:r>
+              <a:rPr lang="pt-BR" sz="1200" dirty="0" err="1">
+                <a:latin typeface="Courier New" panose="02070309020205020404" pitchFamily="49" charset="0"/>
+                <a:cs typeface="Courier New" panose="02070309020205020404" pitchFamily="49" charset="0"/>
+              </a:rPr>
+              <a:t>Description</a:t>
+            </a:r>
+            <a:r>
+              <a:rPr lang="pt-BR" sz="1200" dirty="0">
+                <a:latin typeface="Courier New" panose="02070309020205020404" pitchFamily="49" charset="0"/>
+                <a:cs typeface="Courier New" panose="02070309020205020404" pitchFamily="49" charset="0"/>
+              </a:rPr>
+              <a:t>: Componente que exibe uma tabela com os dados de um </a:t>
+            </a:r>
+            <a:r>
+              <a:rPr lang="pt-BR" sz="1200" dirty="0" err="1">
+                <a:latin typeface="Courier New" panose="02070309020205020404" pitchFamily="49" charset="0"/>
+                <a:cs typeface="Courier New" panose="02070309020205020404" pitchFamily="49" charset="0"/>
+              </a:rPr>
+              <a:t>array</a:t>
+            </a:r>
+            <a:r>
+              <a:rPr lang="pt-BR" sz="1200" dirty="0">
+                <a:latin typeface="Courier New" panose="02070309020205020404" pitchFamily="49" charset="0"/>
+                <a:cs typeface="Courier New" panose="02070309020205020404" pitchFamily="49" charset="0"/>
+              </a:rPr>
+              <a:t> de objetos</a:t>
+            </a:r>
+          </a:p>
+          <a:p>
+            <a:pPr marL="0" indent="0">
+              <a:spcBef>
+                <a:spcPts val="0"/>
+              </a:spcBef>
+              <a:buNone/>
+            </a:pPr>
+            <a:r>
+              <a:rPr lang="pt-BR" sz="1200" dirty="0">
+                <a:latin typeface="Courier New" panose="02070309020205020404" pitchFamily="49" charset="0"/>
+                <a:cs typeface="Courier New" panose="02070309020205020404" pitchFamily="49" charset="0"/>
+              </a:rPr>
+              <a:t> *</a:t>
+            </a:r>
+          </a:p>
+          <a:p>
+            <a:pPr marL="0" indent="0">
+              <a:spcBef>
+                <a:spcPts val="0"/>
+              </a:spcBef>
+              <a:buNone/>
+            </a:pPr>
+            <a:r>
+              <a:rPr lang="pt-BR" sz="1200" dirty="0">
+                <a:latin typeface="Courier New" panose="02070309020205020404" pitchFamily="49" charset="0"/>
+                <a:cs typeface="Courier New" panose="02070309020205020404" pitchFamily="49" charset="0"/>
+              </a:rPr>
+              <a:t> * </a:t>
+            </a:r>
+            <a:r>
+              <a:rPr lang="pt-BR" sz="1200" dirty="0" err="1">
+                <a:latin typeface="Courier New" panose="02070309020205020404" pitchFamily="49" charset="0"/>
+                <a:cs typeface="Courier New" panose="02070309020205020404" pitchFamily="49" charset="0"/>
+              </a:rPr>
+              <a:t>Dependency</a:t>
+            </a:r>
+            <a:r>
+              <a:rPr lang="pt-BR" sz="1200" dirty="0">
+                <a:latin typeface="Courier New" panose="02070309020205020404" pitchFamily="49" charset="0"/>
+                <a:cs typeface="Courier New" panose="02070309020205020404" pitchFamily="49" charset="0"/>
+              </a:rPr>
+              <a:t>: </a:t>
+            </a:r>
+            <a:r>
+              <a:rPr lang="pt-BR" sz="1200" dirty="0" err="1">
+                <a:latin typeface="Courier New" panose="02070309020205020404" pitchFamily="49" charset="0"/>
+                <a:cs typeface="Courier New" panose="02070309020205020404" pitchFamily="49" charset="0"/>
+              </a:rPr>
+              <a:t>prop-types</a:t>
+            </a:r>
+            <a:r>
+              <a:rPr lang="pt-BR" sz="1200" dirty="0">
+                <a:latin typeface="Courier New" panose="02070309020205020404" pitchFamily="49" charset="0"/>
+                <a:cs typeface="Courier New" panose="02070309020205020404" pitchFamily="49" charset="0"/>
+              </a:rPr>
+              <a:t> (</a:t>
+            </a:r>
+            <a:r>
+              <a:rPr lang="pt-BR" sz="1200" dirty="0" err="1">
+                <a:latin typeface="Courier New" panose="02070309020205020404" pitchFamily="49" charset="0"/>
+                <a:cs typeface="Courier New" panose="02070309020205020404" pitchFamily="49" charset="0"/>
+              </a:rPr>
+              <a:t>npm</a:t>
+            </a:r>
+            <a:r>
+              <a:rPr lang="pt-BR" sz="1200" dirty="0">
+                <a:latin typeface="Courier New" panose="02070309020205020404" pitchFamily="49" charset="0"/>
+                <a:cs typeface="Courier New" panose="02070309020205020404" pitchFamily="49" charset="0"/>
+              </a:rPr>
+              <a:t> </a:t>
+            </a:r>
+            <a:r>
+              <a:rPr lang="pt-BR" sz="1200" dirty="0" err="1">
+                <a:latin typeface="Courier New" panose="02070309020205020404" pitchFamily="49" charset="0"/>
+                <a:cs typeface="Courier New" panose="02070309020205020404" pitchFamily="49" charset="0"/>
+              </a:rPr>
+              <a:t>install</a:t>
+            </a:r>
+            <a:r>
+              <a:rPr lang="pt-BR" sz="1200" dirty="0">
+                <a:latin typeface="Courier New" panose="02070309020205020404" pitchFamily="49" charset="0"/>
+                <a:cs typeface="Courier New" panose="02070309020205020404" pitchFamily="49" charset="0"/>
+              </a:rPr>
+              <a:t> </a:t>
+            </a:r>
+            <a:r>
+              <a:rPr lang="pt-BR" sz="1200" dirty="0" err="1">
+                <a:latin typeface="Courier New" panose="02070309020205020404" pitchFamily="49" charset="0"/>
+                <a:cs typeface="Courier New" panose="02070309020205020404" pitchFamily="49" charset="0"/>
+              </a:rPr>
+              <a:t>prop-types</a:t>
+            </a:r>
+            <a:r>
+              <a:rPr lang="pt-BR" sz="1200" dirty="0">
+                <a:latin typeface="Courier New" panose="02070309020205020404" pitchFamily="49" charset="0"/>
+                <a:cs typeface="Courier New" panose="02070309020205020404" pitchFamily="49" charset="0"/>
+              </a:rPr>
+              <a:t>)</a:t>
+            </a:r>
+          </a:p>
+          <a:p>
+            <a:pPr marL="0" indent="0">
+              <a:spcBef>
+                <a:spcPts val="0"/>
+              </a:spcBef>
+              <a:buNone/>
+            </a:pPr>
+            <a:r>
+              <a:rPr lang="pt-BR" sz="1200" dirty="0">
+                <a:latin typeface="Courier New" panose="02070309020205020404" pitchFamily="49" charset="0"/>
+                <a:cs typeface="Courier New" panose="02070309020205020404" pitchFamily="49" charset="0"/>
+              </a:rPr>
+              <a:t> *</a:t>
+            </a:r>
+          </a:p>
+          <a:p>
+            <a:pPr marL="0" indent="0">
+              <a:spcBef>
+                <a:spcPts val="0"/>
+              </a:spcBef>
+              <a:buNone/>
+            </a:pPr>
+            <a:r>
+              <a:rPr lang="pt-BR" sz="1200" dirty="0">
+                <a:latin typeface="Courier New" panose="02070309020205020404" pitchFamily="49" charset="0"/>
+                <a:cs typeface="Courier New" panose="02070309020205020404" pitchFamily="49" charset="0"/>
+              </a:rPr>
+              <a:t> * </a:t>
+            </a:r>
+            <a:r>
+              <a:rPr lang="pt-BR" sz="1200" dirty="0" err="1">
+                <a:latin typeface="Courier New" panose="02070309020205020404" pitchFamily="49" charset="0"/>
+                <a:cs typeface="Courier New" panose="02070309020205020404" pitchFamily="49" charset="0"/>
+              </a:rPr>
+              <a:t>History</a:t>
+            </a:r>
+            <a:endParaRPr lang="pt-BR" sz="1200" dirty="0">
+              <a:latin typeface="Courier New" panose="02070309020205020404" pitchFamily="49" charset="0"/>
+              <a:cs typeface="Courier New" panose="02070309020205020404" pitchFamily="49" charset="0"/>
+            </a:endParaRPr>
+          </a:p>
+          <a:p>
+            <a:pPr marL="0" indent="0">
+              <a:spcBef>
+                <a:spcPts val="0"/>
+              </a:spcBef>
+              <a:buNone/>
+            </a:pPr>
+            <a:r>
+              <a:rPr lang="pt-BR" sz="1200" dirty="0">
+                <a:latin typeface="Courier New" panose="02070309020205020404" pitchFamily="49" charset="0"/>
+                <a:cs typeface="Courier New" panose="02070309020205020404" pitchFamily="49" charset="0"/>
+              </a:rPr>
+              <a:t> * 27/03/2024 - </a:t>
+            </a:r>
+            <a:r>
+              <a:rPr lang="pt-BR" sz="1200" dirty="0" err="1">
+                <a:latin typeface="Courier New" panose="02070309020205020404" pitchFamily="49" charset="0"/>
+                <a:cs typeface="Courier New" panose="02070309020205020404" pitchFamily="49" charset="0"/>
+              </a:rPr>
+              <a:t>Antonio</a:t>
+            </a:r>
+            <a:r>
+              <a:rPr lang="pt-BR" sz="1200" dirty="0">
+                <a:latin typeface="Courier New" panose="02070309020205020404" pitchFamily="49" charset="0"/>
+                <a:cs typeface="Courier New" panose="02070309020205020404" pitchFamily="49" charset="0"/>
+              </a:rPr>
+              <a:t> Tadeu </a:t>
+            </a:r>
+            <a:r>
+              <a:rPr lang="pt-BR" sz="1200" dirty="0" err="1">
+                <a:latin typeface="Courier New" panose="02070309020205020404" pitchFamily="49" charset="0"/>
+                <a:cs typeface="Courier New" panose="02070309020205020404" pitchFamily="49" charset="0"/>
+              </a:rPr>
+              <a:t>Maffeis</a:t>
+            </a:r>
+            <a:r>
+              <a:rPr lang="pt-BR" sz="1200" dirty="0">
+                <a:latin typeface="Courier New" panose="02070309020205020404" pitchFamily="49" charset="0"/>
+                <a:cs typeface="Courier New" panose="02070309020205020404" pitchFamily="49" charset="0"/>
+              </a:rPr>
+              <a:t> - </a:t>
+            </a:r>
+            <a:r>
+              <a:rPr lang="pt-BR" sz="1200" dirty="0" err="1">
+                <a:latin typeface="Courier New" panose="02070309020205020404" pitchFamily="49" charset="0"/>
+                <a:cs typeface="Courier New" panose="02070309020205020404" pitchFamily="49" charset="0"/>
+              </a:rPr>
+              <a:t>Criacao</a:t>
+            </a:r>
+            <a:r>
+              <a:rPr lang="pt-BR" sz="1200" dirty="0">
+                <a:latin typeface="Courier New" panose="02070309020205020404" pitchFamily="49" charset="0"/>
+                <a:cs typeface="Courier New" panose="02070309020205020404" pitchFamily="49" charset="0"/>
+              </a:rPr>
+              <a:t> do componente</a:t>
+            </a:r>
+          </a:p>
+          <a:p>
+            <a:pPr marL="0" indent="0">
+              <a:spcBef>
+                <a:spcPts val="0"/>
+              </a:spcBef>
+              <a:buNone/>
+            </a:pPr>
+            <a:r>
+              <a:rPr lang="pt-BR" sz="1200" dirty="0">
+                <a:latin typeface="Courier New" panose="02070309020205020404" pitchFamily="49" charset="0"/>
+                <a:cs typeface="Courier New" panose="02070309020205020404" pitchFamily="49" charset="0"/>
+              </a:rPr>
+              <a:t> * </a:t>
+            </a:r>
+          </a:p>
+          <a:p>
+            <a:pPr marL="0" indent="0">
+              <a:spcBef>
+                <a:spcPts val="0"/>
+              </a:spcBef>
+              <a:buNone/>
+            </a:pPr>
+            <a:r>
+              <a:rPr lang="pt-BR" sz="1200" dirty="0">
+                <a:latin typeface="Courier New" panose="02070309020205020404" pitchFamily="49" charset="0"/>
+                <a:cs typeface="Courier New" panose="02070309020205020404" pitchFamily="49" charset="0"/>
+              </a:rPr>
+              <a:t> */</a:t>
+            </a:r>
+          </a:p>
+          <a:p>
+            <a:pPr marL="0" indent="0">
+              <a:spcBef>
+                <a:spcPts val="0"/>
+              </a:spcBef>
+              <a:buNone/>
+            </a:pPr>
+            <a:endParaRPr lang="pt-BR" sz="1200" dirty="0">
+              <a:latin typeface="Courier New" panose="02070309020205020404" pitchFamily="49" charset="0"/>
+              <a:cs typeface="Courier New" panose="02070309020205020404" pitchFamily="49" charset="0"/>
+            </a:endParaRPr>
+          </a:p>
+          <a:p>
+            <a:pPr marL="0" indent="0">
+              <a:spcBef>
+                <a:spcPts val="0"/>
+              </a:spcBef>
+              <a:buNone/>
+            </a:pPr>
+            <a:r>
+              <a:rPr lang="pt-BR" sz="1200" dirty="0" err="1">
+                <a:latin typeface="Courier New" panose="02070309020205020404" pitchFamily="49" charset="0"/>
+                <a:cs typeface="Courier New" panose="02070309020205020404" pitchFamily="49" charset="0"/>
+              </a:rPr>
+              <a:t>import</a:t>
+            </a:r>
+            <a:r>
+              <a:rPr lang="pt-BR" sz="1200" dirty="0">
+                <a:latin typeface="Courier New" panose="02070309020205020404" pitchFamily="49" charset="0"/>
+                <a:cs typeface="Courier New" panose="02070309020205020404" pitchFamily="49" charset="0"/>
+              </a:rPr>
+              <a:t> </a:t>
+            </a:r>
+            <a:r>
+              <a:rPr lang="pt-BR" sz="1200" dirty="0" err="1">
+                <a:latin typeface="Courier New" panose="02070309020205020404" pitchFamily="49" charset="0"/>
+                <a:cs typeface="Courier New" panose="02070309020205020404" pitchFamily="49" charset="0"/>
+              </a:rPr>
+              <a:t>React</a:t>
+            </a:r>
+            <a:r>
+              <a:rPr lang="pt-BR" sz="1200" dirty="0">
+                <a:latin typeface="Courier New" panose="02070309020205020404" pitchFamily="49" charset="0"/>
+                <a:cs typeface="Courier New" panose="02070309020205020404" pitchFamily="49" charset="0"/>
+              </a:rPr>
+              <a:t> </a:t>
+            </a:r>
+            <a:r>
+              <a:rPr lang="pt-BR" sz="1200" dirty="0" err="1">
+                <a:latin typeface="Courier New" panose="02070309020205020404" pitchFamily="49" charset="0"/>
+                <a:cs typeface="Courier New" panose="02070309020205020404" pitchFamily="49" charset="0"/>
+              </a:rPr>
+              <a:t>from</a:t>
+            </a:r>
+            <a:r>
+              <a:rPr lang="pt-BR" sz="1200" dirty="0">
+                <a:latin typeface="Courier New" panose="02070309020205020404" pitchFamily="49" charset="0"/>
+                <a:cs typeface="Courier New" panose="02070309020205020404" pitchFamily="49" charset="0"/>
+              </a:rPr>
+              <a:t> '</a:t>
+            </a:r>
+            <a:r>
+              <a:rPr lang="pt-BR" sz="1200" dirty="0" err="1">
+                <a:latin typeface="Courier New" panose="02070309020205020404" pitchFamily="49" charset="0"/>
+                <a:cs typeface="Courier New" panose="02070309020205020404" pitchFamily="49" charset="0"/>
+              </a:rPr>
+              <a:t>react</a:t>
+            </a:r>
+            <a:r>
+              <a:rPr lang="pt-BR" sz="1200" dirty="0">
+                <a:latin typeface="Courier New" panose="02070309020205020404" pitchFamily="49" charset="0"/>
+                <a:cs typeface="Courier New" panose="02070309020205020404" pitchFamily="49" charset="0"/>
+              </a:rPr>
+              <a:t>';</a:t>
+            </a:r>
+          </a:p>
+          <a:p>
+            <a:pPr marL="0" indent="0">
+              <a:spcBef>
+                <a:spcPts val="0"/>
+              </a:spcBef>
+              <a:buNone/>
+            </a:pPr>
+            <a:r>
+              <a:rPr lang="pt-BR" sz="1200" dirty="0" err="1">
+                <a:latin typeface="Courier New" panose="02070309020205020404" pitchFamily="49" charset="0"/>
+                <a:cs typeface="Courier New" panose="02070309020205020404" pitchFamily="49" charset="0"/>
+              </a:rPr>
+              <a:t>import</a:t>
+            </a:r>
+            <a:r>
+              <a:rPr lang="pt-BR" sz="1200" dirty="0">
+                <a:latin typeface="Courier New" panose="02070309020205020404" pitchFamily="49" charset="0"/>
+                <a:cs typeface="Courier New" panose="02070309020205020404" pitchFamily="49" charset="0"/>
+              </a:rPr>
+              <a:t> </a:t>
+            </a:r>
+            <a:r>
+              <a:rPr lang="pt-BR" sz="1200" dirty="0" err="1">
+                <a:latin typeface="Courier New" panose="02070309020205020404" pitchFamily="49" charset="0"/>
+                <a:cs typeface="Courier New" panose="02070309020205020404" pitchFamily="49" charset="0"/>
+              </a:rPr>
+              <a:t>PropTypes</a:t>
+            </a:r>
+            <a:r>
+              <a:rPr lang="pt-BR" sz="1200" dirty="0">
+                <a:latin typeface="Courier New" panose="02070309020205020404" pitchFamily="49" charset="0"/>
+                <a:cs typeface="Courier New" panose="02070309020205020404" pitchFamily="49" charset="0"/>
+              </a:rPr>
+              <a:t> </a:t>
+            </a:r>
+            <a:r>
+              <a:rPr lang="pt-BR" sz="1200" dirty="0" err="1">
+                <a:latin typeface="Courier New" panose="02070309020205020404" pitchFamily="49" charset="0"/>
+                <a:cs typeface="Courier New" panose="02070309020205020404" pitchFamily="49" charset="0"/>
+              </a:rPr>
+              <a:t>from</a:t>
+            </a:r>
+            <a:r>
+              <a:rPr lang="pt-BR" sz="1200" dirty="0">
+                <a:latin typeface="Courier New" panose="02070309020205020404" pitchFamily="49" charset="0"/>
+                <a:cs typeface="Courier New" panose="02070309020205020404" pitchFamily="49" charset="0"/>
+              </a:rPr>
+              <a:t> '</a:t>
+            </a:r>
+            <a:r>
+              <a:rPr lang="pt-BR" sz="1200" dirty="0" err="1">
+                <a:latin typeface="Courier New" panose="02070309020205020404" pitchFamily="49" charset="0"/>
+                <a:cs typeface="Courier New" panose="02070309020205020404" pitchFamily="49" charset="0"/>
+              </a:rPr>
+              <a:t>prop-types</a:t>
+            </a:r>
+            <a:r>
+              <a:rPr lang="pt-BR" sz="1200" dirty="0">
+                <a:latin typeface="Courier New" panose="02070309020205020404" pitchFamily="49" charset="0"/>
+                <a:cs typeface="Courier New" panose="02070309020205020404" pitchFamily="49" charset="0"/>
+              </a:rPr>
+              <a:t>';</a:t>
+            </a:r>
           </a:p>
           <a:p>
             <a:pPr marL="0" indent="0">
@@ -9039,6 +9593,7515 @@
     <p:extLst>
       <p:ext uri="{BB962C8B-B14F-4D97-AF65-F5344CB8AC3E}">
         <p14:creationId xmlns:p14="http://schemas.microsoft.com/office/powerpoint/2010/main" val="3973197266"/>
+      </p:ext>
+    </p:extLst>
+  </p:cSld>
+  <p:clrMapOvr>
+    <a:masterClrMapping/>
+  </p:clrMapOvr>
+</p:sld>
+</file>
+
+<file path=ppt/slides/slide21.xml><?xml version="1.0" encoding="utf-8"?>
+<p:sld xmlns:a="http://schemas.openxmlformats.org/drawingml/2006/main" xmlns:r="http://schemas.openxmlformats.org/officeDocument/2006/relationships" xmlns:p="http://schemas.openxmlformats.org/presentationml/2006/main">
+  <p:cSld>
+    <p:spTree>
+      <p:nvGrpSpPr>
+        <p:cNvPr id="1" name=""/>
+        <p:cNvGrpSpPr/>
+        <p:nvPr/>
+      </p:nvGrpSpPr>
+      <p:grpSpPr>
+        <a:xfrm>
+          <a:off x="0" y="0"/>
+          <a:ext cx="0" cy="0"/>
+          <a:chOff x="0" y="0"/>
+          <a:chExt cx="0" cy="0"/>
+        </a:xfrm>
+      </p:grpSpPr>
+      <p:sp>
+        <p:nvSpPr>
+          <p:cNvPr id="2" name="Título 1">
+            <a:extLst>
+              <a:ext uri="{FF2B5EF4-FFF2-40B4-BE49-F238E27FC236}">
+                <a16:creationId xmlns:a16="http://schemas.microsoft.com/office/drawing/2014/main" id="{D0F80180-59C9-400E-840A-0AD6B22FAACD}"/>
+              </a:ext>
+            </a:extLst>
+          </p:cNvPr>
+          <p:cNvSpPr>
+            <a:spLocks noGrp="1"/>
+          </p:cNvSpPr>
+          <p:nvPr>
+            <p:ph type="title"/>
+          </p:nvPr>
+        </p:nvSpPr>
+        <p:spPr/>
+        <p:txBody>
+          <a:bodyPr/>
+          <a:lstStyle/>
+          <a:p>
+            <a:pPr algn="r"/>
+            <a:r>
+              <a:rPr lang="pt-BR" dirty="0">
+                <a:solidFill>
+                  <a:prstClr val="black"/>
+                </a:solidFill>
+              </a:rPr>
+              <a:t>Criação da Tabela</a:t>
+            </a:r>
+            <a:br>
+              <a:rPr lang="pt-BR" dirty="0">
+                <a:solidFill>
+                  <a:prstClr val="black"/>
+                </a:solidFill>
+              </a:rPr>
+            </a:br>
+            <a:r>
+              <a:rPr lang="pt-BR" sz="2400" dirty="0">
+                <a:solidFill>
+                  <a:prstClr val="black"/>
+                </a:solidFill>
+              </a:rPr>
+              <a:t>(Componente </a:t>
+            </a:r>
+            <a:r>
+              <a:rPr lang="pt-BR" sz="2400" dirty="0" err="1">
+                <a:solidFill>
+                  <a:prstClr val="black"/>
+                </a:solidFill>
+              </a:rPr>
+              <a:t>PMTable</a:t>
+            </a:r>
+            <a:r>
+              <a:rPr lang="pt-BR" sz="2400" dirty="0">
+                <a:solidFill>
+                  <a:prstClr val="black"/>
+                </a:solidFill>
+              </a:rPr>
+              <a:t>: definição da classe e método construtor)</a:t>
+            </a:r>
+            <a:endParaRPr lang="pt-BR" dirty="0"/>
+          </a:p>
+        </p:txBody>
+      </p:sp>
+      <p:sp>
+        <p:nvSpPr>
+          <p:cNvPr id="4" name="Espaço Reservado para Conteúdo 2">
+            <a:extLst>
+              <a:ext uri="{FF2B5EF4-FFF2-40B4-BE49-F238E27FC236}">
+                <a16:creationId xmlns:a16="http://schemas.microsoft.com/office/drawing/2014/main" id="{3DD04E44-6F09-45CB-BA94-213AA249F167}"/>
+              </a:ext>
+            </a:extLst>
+          </p:cNvPr>
+          <p:cNvSpPr txBox="1">
+            <a:spLocks/>
+          </p:cNvSpPr>
+          <p:nvPr/>
+        </p:nvSpPr>
+        <p:spPr>
+          <a:xfrm>
+            <a:off x="990600" y="1978025"/>
+            <a:ext cx="10515600" cy="4351338"/>
+          </a:xfrm>
+          <a:prstGeom prst="rect">
+            <a:avLst/>
+          </a:prstGeom>
+        </p:spPr>
+        <p:txBody>
+          <a:bodyPr vert="horz" lIns="91440" tIns="45720" rIns="91440" bIns="45720" rtlCol="0">
+            <a:noAutofit/>
+          </a:bodyPr>
+          <a:lstStyle>
+            <a:lvl1pPr marL="228600" indent="-228600" algn="l" defTabSz="914400" rtl="0" eaLnBrk="1" latinLnBrk="0" hangingPunct="1">
+              <a:lnSpc>
+                <a:spcPct val="90000"/>
+              </a:lnSpc>
+              <a:spcBef>
+                <a:spcPts val="1000"/>
+              </a:spcBef>
+              <a:buFont typeface="Arial" panose="020B0604020202020204" pitchFamily="34" charset="0"/>
+              <a:buChar char="•"/>
+              <a:defRPr sz="2800" kern="1200">
+                <a:solidFill>
+                  <a:schemeClr val="tx1"/>
+                </a:solidFill>
+                <a:latin typeface="+mn-lt"/>
+                <a:ea typeface="+mn-ea"/>
+                <a:cs typeface="+mn-cs"/>
+              </a:defRPr>
+            </a:lvl1pPr>
+            <a:lvl2pPr marL="685800" indent="-228600" algn="l" defTabSz="914400" rtl="0" eaLnBrk="1" latinLnBrk="0" hangingPunct="1">
+              <a:lnSpc>
+                <a:spcPct val="90000"/>
+              </a:lnSpc>
+              <a:spcBef>
+                <a:spcPts val="500"/>
+              </a:spcBef>
+              <a:buFont typeface="Arial" panose="020B0604020202020204" pitchFamily="34" charset="0"/>
+              <a:buChar char="•"/>
+              <a:defRPr sz="2400" kern="1200">
+                <a:solidFill>
+                  <a:schemeClr val="tx1"/>
+                </a:solidFill>
+                <a:latin typeface="+mn-lt"/>
+                <a:ea typeface="+mn-ea"/>
+                <a:cs typeface="+mn-cs"/>
+              </a:defRPr>
+            </a:lvl2pPr>
+            <a:lvl3pPr marL="1143000" indent="-228600" algn="l" defTabSz="914400" rtl="0" eaLnBrk="1" latinLnBrk="0" hangingPunct="1">
+              <a:lnSpc>
+                <a:spcPct val="90000"/>
+              </a:lnSpc>
+              <a:spcBef>
+                <a:spcPts val="500"/>
+              </a:spcBef>
+              <a:buFont typeface="Arial" panose="020B0604020202020204" pitchFamily="34" charset="0"/>
+              <a:buChar char="•"/>
+              <a:defRPr sz="2000" kern="1200">
+                <a:solidFill>
+                  <a:schemeClr val="tx1"/>
+                </a:solidFill>
+                <a:latin typeface="+mn-lt"/>
+                <a:ea typeface="+mn-ea"/>
+                <a:cs typeface="+mn-cs"/>
+              </a:defRPr>
+            </a:lvl3pPr>
+            <a:lvl4pPr marL="1600200" indent="-228600" algn="l" defTabSz="914400" rtl="0" eaLnBrk="1" latinLnBrk="0" hangingPunct="1">
+              <a:lnSpc>
+                <a:spcPct val="90000"/>
+              </a:lnSpc>
+              <a:spcBef>
+                <a:spcPts val="500"/>
+              </a:spcBef>
+              <a:buFont typeface="Arial" panose="020B0604020202020204" pitchFamily="34" charset="0"/>
+              <a:buChar char="•"/>
+              <a:defRPr sz="1800" kern="1200">
+                <a:solidFill>
+                  <a:schemeClr val="tx1"/>
+                </a:solidFill>
+                <a:latin typeface="+mn-lt"/>
+                <a:ea typeface="+mn-ea"/>
+                <a:cs typeface="+mn-cs"/>
+              </a:defRPr>
+            </a:lvl4pPr>
+            <a:lvl5pPr marL="2057400" indent="-228600" algn="l" defTabSz="914400" rtl="0" eaLnBrk="1" latinLnBrk="0" hangingPunct="1">
+              <a:lnSpc>
+                <a:spcPct val="90000"/>
+              </a:lnSpc>
+              <a:spcBef>
+                <a:spcPts val="500"/>
+              </a:spcBef>
+              <a:buFont typeface="Arial" panose="020B0604020202020204" pitchFamily="34" charset="0"/>
+              <a:buChar char="•"/>
+              <a:defRPr sz="1800" kern="1200">
+                <a:solidFill>
+                  <a:schemeClr val="tx1"/>
+                </a:solidFill>
+                <a:latin typeface="+mn-lt"/>
+                <a:ea typeface="+mn-ea"/>
+                <a:cs typeface="+mn-cs"/>
+              </a:defRPr>
+            </a:lvl5pPr>
+            <a:lvl6pPr marL="2514600" indent="-228600" algn="l" defTabSz="914400" rtl="0" eaLnBrk="1" latinLnBrk="0" hangingPunct="1">
+              <a:lnSpc>
+                <a:spcPct val="90000"/>
+              </a:lnSpc>
+              <a:spcBef>
+                <a:spcPts val="500"/>
+              </a:spcBef>
+              <a:buFont typeface="Arial" panose="020B0604020202020204" pitchFamily="34" charset="0"/>
+              <a:buChar char="•"/>
+              <a:defRPr sz="1800" kern="1200">
+                <a:solidFill>
+                  <a:schemeClr val="tx1"/>
+                </a:solidFill>
+                <a:latin typeface="+mn-lt"/>
+                <a:ea typeface="+mn-ea"/>
+                <a:cs typeface="+mn-cs"/>
+              </a:defRPr>
+            </a:lvl6pPr>
+            <a:lvl7pPr marL="2971800" indent="-228600" algn="l" defTabSz="914400" rtl="0" eaLnBrk="1" latinLnBrk="0" hangingPunct="1">
+              <a:lnSpc>
+                <a:spcPct val="90000"/>
+              </a:lnSpc>
+              <a:spcBef>
+                <a:spcPts val="500"/>
+              </a:spcBef>
+              <a:buFont typeface="Arial" panose="020B0604020202020204" pitchFamily="34" charset="0"/>
+              <a:buChar char="•"/>
+              <a:defRPr sz="1800" kern="1200">
+                <a:solidFill>
+                  <a:schemeClr val="tx1"/>
+                </a:solidFill>
+                <a:latin typeface="+mn-lt"/>
+                <a:ea typeface="+mn-ea"/>
+                <a:cs typeface="+mn-cs"/>
+              </a:defRPr>
+            </a:lvl7pPr>
+            <a:lvl8pPr marL="3429000" indent="-228600" algn="l" defTabSz="914400" rtl="0" eaLnBrk="1" latinLnBrk="0" hangingPunct="1">
+              <a:lnSpc>
+                <a:spcPct val="90000"/>
+              </a:lnSpc>
+              <a:spcBef>
+                <a:spcPts val="500"/>
+              </a:spcBef>
+              <a:buFont typeface="Arial" panose="020B0604020202020204" pitchFamily="34" charset="0"/>
+              <a:buChar char="•"/>
+              <a:defRPr sz="1800" kern="1200">
+                <a:solidFill>
+                  <a:schemeClr val="tx1"/>
+                </a:solidFill>
+                <a:latin typeface="+mn-lt"/>
+                <a:ea typeface="+mn-ea"/>
+                <a:cs typeface="+mn-cs"/>
+              </a:defRPr>
+            </a:lvl8pPr>
+            <a:lvl9pPr marL="3886200" indent="-228600" algn="l" defTabSz="914400" rtl="0" eaLnBrk="1" latinLnBrk="0" hangingPunct="1">
+              <a:lnSpc>
+                <a:spcPct val="90000"/>
+              </a:lnSpc>
+              <a:spcBef>
+                <a:spcPts val="500"/>
+              </a:spcBef>
+              <a:buFont typeface="Arial" panose="020B0604020202020204" pitchFamily="34" charset="0"/>
+              <a:buChar char="•"/>
+              <a:defRPr sz="1800" kern="1200">
+                <a:solidFill>
+                  <a:schemeClr val="tx1"/>
+                </a:solidFill>
+                <a:latin typeface="+mn-lt"/>
+                <a:ea typeface="+mn-ea"/>
+                <a:cs typeface="+mn-cs"/>
+              </a:defRPr>
+            </a:lvl9pPr>
+          </a:lstStyle>
+          <a:p>
+            <a:pPr marL="0" indent="0">
+              <a:spcBef>
+                <a:spcPts val="0"/>
+              </a:spcBef>
+              <a:buNone/>
+            </a:pPr>
+            <a:endParaRPr lang="pt-BR" sz="1000" dirty="0">
+              <a:latin typeface="Courier New" panose="02070309020205020404" pitchFamily="49" charset="0"/>
+              <a:cs typeface="Courier New" panose="02070309020205020404" pitchFamily="49" charset="0"/>
+            </a:endParaRPr>
+          </a:p>
+          <a:p>
+            <a:pPr marL="0" indent="0">
+              <a:spcBef>
+                <a:spcPts val="0"/>
+              </a:spcBef>
+              <a:buNone/>
+            </a:pPr>
+            <a:endParaRPr lang="pt-BR" sz="800" dirty="0">
+              <a:latin typeface="Courier New" panose="02070309020205020404" pitchFamily="49" charset="0"/>
+              <a:cs typeface="Courier New" panose="02070309020205020404" pitchFamily="49" charset="0"/>
+            </a:endParaRPr>
+          </a:p>
+        </p:txBody>
+      </p:sp>
+      <p:sp>
+        <p:nvSpPr>
+          <p:cNvPr id="5" name="Retângulo 4">
+            <a:extLst>
+              <a:ext uri="{FF2B5EF4-FFF2-40B4-BE49-F238E27FC236}">
+                <a16:creationId xmlns:a16="http://schemas.microsoft.com/office/drawing/2014/main" id="{33C81DA9-E550-4FBE-B151-EB28E4C90F9D}"/>
+              </a:ext>
+            </a:extLst>
+          </p:cNvPr>
+          <p:cNvSpPr/>
+          <p:nvPr/>
+        </p:nvSpPr>
+        <p:spPr>
+          <a:xfrm>
+            <a:off x="990600" y="1690688"/>
+            <a:ext cx="10363200" cy="3877985"/>
+          </a:xfrm>
+          <a:prstGeom prst="rect">
+            <a:avLst/>
+          </a:prstGeom>
+        </p:spPr>
+        <p:txBody>
+          <a:bodyPr wrap="square">
+            <a:spAutoFit/>
+          </a:bodyPr>
+          <a:lstStyle/>
+          <a:p>
+            <a:r>
+              <a:rPr lang="pt-BR" sz="1200" dirty="0" err="1">
+                <a:solidFill>
+                  <a:srgbClr val="C586C0"/>
+                </a:solidFill>
+                <a:latin typeface="Consolas" panose="020B0609020204030204" pitchFamily="49" charset="0"/>
+              </a:rPr>
+              <a:t>export</a:t>
+            </a:r>
+            <a:r>
+              <a:rPr lang="pt-BR" sz="1200" dirty="0">
+                <a:solidFill>
+                  <a:srgbClr val="CCCCCC"/>
+                </a:solidFill>
+                <a:latin typeface="Consolas" panose="020B0609020204030204" pitchFamily="49" charset="0"/>
+              </a:rPr>
+              <a:t> </a:t>
+            </a:r>
+            <a:r>
+              <a:rPr lang="pt-BR" sz="1200" dirty="0">
+                <a:solidFill>
+                  <a:srgbClr val="C586C0"/>
+                </a:solidFill>
+                <a:latin typeface="Consolas" panose="020B0609020204030204" pitchFamily="49" charset="0"/>
+              </a:rPr>
+              <a:t>default</a:t>
+            </a:r>
+            <a:r>
+              <a:rPr lang="pt-BR" sz="1200" dirty="0">
+                <a:solidFill>
+                  <a:srgbClr val="CCCCCC"/>
+                </a:solidFill>
+                <a:latin typeface="Consolas" panose="020B0609020204030204" pitchFamily="49" charset="0"/>
+              </a:rPr>
+              <a:t> </a:t>
+            </a:r>
+            <a:r>
+              <a:rPr lang="pt-BR" sz="1200" dirty="0" err="1">
+                <a:solidFill>
+                  <a:srgbClr val="569CD6"/>
+                </a:solidFill>
+                <a:latin typeface="Consolas" panose="020B0609020204030204" pitchFamily="49" charset="0"/>
+              </a:rPr>
+              <a:t>class</a:t>
+            </a:r>
+            <a:r>
+              <a:rPr lang="pt-BR" sz="1200" dirty="0">
+                <a:solidFill>
+                  <a:srgbClr val="CCCCCC"/>
+                </a:solidFill>
+                <a:latin typeface="Consolas" panose="020B0609020204030204" pitchFamily="49" charset="0"/>
+              </a:rPr>
+              <a:t> </a:t>
+            </a:r>
+            <a:r>
+              <a:rPr lang="pt-BR" sz="1200" dirty="0" err="1">
+                <a:solidFill>
+                  <a:srgbClr val="4EC9B0"/>
+                </a:solidFill>
+                <a:latin typeface="Consolas" panose="020B0609020204030204" pitchFamily="49" charset="0"/>
+              </a:rPr>
+              <a:t>PMTable</a:t>
+            </a:r>
+            <a:r>
+              <a:rPr lang="pt-BR" sz="1200" dirty="0">
+                <a:solidFill>
+                  <a:srgbClr val="CCCCCC"/>
+                </a:solidFill>
+                <a:latin typeface="Consolas" panose="020B0609020204030204" pitchFamily="49" charset="0"/>
+              </a:rPr>
+              <a:t> </a:t>
+            </a:r>
+            <a:r>
+              <a:rPr lang="pt-BR" sz="1200" dirty="0" err="1">
+                <a:solidFill>
+                  <a:srgbClr val="569CD6"/>
+                </a:solidFill>
+                <a:latin typeface="Consolas" panose="020B0609020204030204" pitchFamily="49" charset="0"/>
+              </a:rPr>
+              <a:t>extends</a:t>
+            </a:r>
+            <a:r>
+              <a:rPr lang="pt-BR" sz="1200" dirty="0">
+                <a:solidFill>
+                  <a:srgbClr val="CCCCCC"/>
+                </a:solidFill>
+                <a:latin typeface="Consolas" panose="020B0609020204030204" pitchFamily="49" charset="0"/>
+              </a:rPr>
+              <a:t> </a:t>
+            </a:r>
+            <a:r>
+              <a:rPr lang="pt-BR" sz="1200" dirty="0" err="1">
+                <a:solidFill>
+                  <a:srgbClr val="4EC9B0"/>
+                </a:solidFill>
+                <a:latin typeface="Consolas" panose="020B0609020204030204" pitchFamily="49" charset="0"/>
+              </a:rPr>
+              <a:t>React</a:t>
+            </a:r>
+            <a:r>
+              <a:rPr lang="pt-BR" sz="1200" dirty="0" err="1">
+                <a:solidFill>
+                  <a:srgbClr val="CCCCCC"/>
+                </a:solidFill>
+                <a:latin typeface="Consolas" panose="020B0609020204030204" pitchFamily="49" charset="0"/>
+              </a:rPr>
+              <a:t>.</a:t>
+            </a:r>
+            <a:r>
+              <a:rPr lang="pt-BR" sz="1200" dirty="0" err="1">
+                <a:solidFill>
+                  <a:srgbClr val="4EC9B0"/>
+                </a:solidFill>
+                <a:latin typeface="Consolas" panose="020B0609020204030204" pitchFamily="49" charset="0"/>
+              </a:rPr>
+              <a:t>Component</a:t>
+            </a:r>
+            <a:r>
+              <a:rPr lang="pt-BR" sz="1200" dirty="0">
+                <a:solidFill>
+                  <a:srgbClr val="CCCCCC"/>
+                </a:solidFill>
+                <a:latin typeface="Consolas" panose="020B0609020204030204" pitchFamily="49" charset="0"/>
+              </a:rPr>
+              <a:t> {</a:t>
+            </a:r>
+          </a:p>
+          <a:p>
+            <a:br>
+              <a:rPr lang="pt-BR" sz="1200" dirty="0">
+                <a:solidFill>
+                  <a:srgbClr val="CCCCCC"/>
+                </a:solidFill>
+                <a:latin typeface="Consolas" panose="020B0609020204030204" pitchFamily="49" charset="0"/>
+              </a:rPr>
+            </a:br>
+            <a:r>
+              <a:rPr lang="pt-BR" sz="1200" dirty="0">
+                <a:solidFill>
+                  <a:srgbClr val="CCCCCC"/>
+                </a:solidFill>
+                <a:latin typeface="Consolas" panose="020B0609020204030204" pitchFamily="49" charset="0"/>
+              </a:rPr>
+              <a:t>    </a:t>
+            </a:r>
+            <a:r>
+              <a:rPr lang="pt-BR" sz="1200" dirty="0" err="1">
+                <a:solidFill>
+                  <a:srgbClr val="569CD6"/>
+                </a:solidFill>
+                <a:latin typeface="Consolas" panose="020B0609020204030204" pitchFamily="49" charset="0"/>
+              </a:rPr>
+              <a:t>constructor</a:t>
+            </a:r>
+            <a:r>
+              <a:rPr lang="pt-BR" sz="1200" dirty="0">
+                <a:solidFill>
+                  <a:srgbClr val="CCCCCC"/>
+                </a:solidFill>
+                <a:latin typeface="Consolas" panose="020B0609020204030204" pitchFamily="49" charset="0"/>
+              </a:rPr>
+              <a:t>(</a:t>
+            </a:r>
+            <a:r>
+              <a:rPr lang="pt-BR" sz="1200" dirty="0" err="1">
+                <a:solidFill>
+                  <a:srgbClr val="9CDCFE"/>
+                </a:solidFill>
+                <a:latin typeface="Consolas" panose="020B0609020204030204" pitchFamily="49" charset="0"/>
+              </a:rPr>
+              <a:t>props</a:t>
+            </a:r>
+            <a:r>
+              <a:rPr lang="pt-BR" sz="1200" dirty="0">
+                <a:solidFill>
+                  <a:srgbClr val="CCCCCC"/>
+                </a:solidFill>
+                <a:latin typeface="Consolas" panose="020B0609020204030204" pitchFamily="49" charset="0"/>
+              </a:rPr>
+              <a:t>) {</a:t>
+            </a:r>
+          </a:p>
+          <a:p>
+            <a:r>
+              <a:rPr lang="pt-BR" sz="1200" dirty="0">
+                <a:solidFill>
+                  <a:srgbClr val="CCCCCC"/>
+                </a:solidFill>
+                <a:latin typeface="Consolas" panose="020B0609020204030204" pitchFamily="49" charset="0"/>
+              </a:rPr>
+              <a:t>        </a:t>
+            </a:r>
+            <a:r>
+              <a:rPr lang="pt-BR" sz="1200" dirty="0" err="1">
+                <a:solidFill>
+                  <a:srgbClr val="569CD6"/>
+                </a:solidFill>
+                <a:latin typeface="Consolas" panose="020B0609020204030204" pitchFamily="49" charset="0"/>
+              </a:rPr>
+              <a:t>super</a:t>
+            </a:r>
+            <a:r>
+              <a:rPr lang="pt-BR" sz="1200" dirty="0">
+                <a:solidFill>
+                  <a:srgbClr val="CCCCCC"/>
+                </a:solidFill>
+                <a:latin typeface="Consolas" panose="020B0609020204030204" pitchFamily="49" charset="0"/>
+              </a:rPr>
+              <a:t>();</a:t>
+            </a:r>
+          </a:p>
+          <a:p>
+            <a:br>
+              <a:rPr lang="pt-BR" sz="1200" dirty="0">
+                <a:solidFill>
+                  <a:srgbClr val="CCCCCC"/>
+                </a:solidFill>
+                <a:latin typeface="Consolas" panose="020B0609020204030204" pitchFamily="49" charset="0"/>
+              </a:rPr>
+            </a:br>
+            <a:r>
+              <a:rPr lang="pt-BR" sz="1200" dirty="0">
+                <a:solidFill>
+                  <a:srgbClr val="CCCCCC"/>
+                </a:solidFill>
+                <a:latin typeface="Consolas" panose="020B0609020204030204" pitchFamily="49" charset="0"/>
+              </a:rPr>
+              <a:t>        </a:t>
+            </a:r>
+            <a:r>
+              <a:rPr lang="pt-BR" sz="1200" dirty="0" err="1">
+                <a:solidFill>
+                  <a:srgbClr val="569CD6"/>
+                </a:solidFill>
+                <a:latin typeface="Consolas" panose="020B0609020204030204" pitchFamily="49" charset="0"/>
+              </a:rPr>
+              <a:t>this</a:t>
+            </a:r>
+            <a:r>
+              <a:rPr lang="pt-BR" sz="1200" dirty="0" err="1">
+                <a:solidFill>
+                  <a:srgbClr val="CCCCCC"/>
+                </a:solidFill>
+                <a:latin typeface="Consolas" panose="020B0609020204030204" pitchFamily="49" charset="0"/>
+              </a:rPr>
+              <a:t>.</a:t>
+            </a:r>
+            <a:r>
+              <a:rPr lang="pt-BR" sz="1200" dirty="0" err="1">
+                <a:solidFill>
+                  <a:srgbClr val="9CDCFE"/>
+                </a:solidFill>
+                <a:latin typeface="Consolas" panose="020B0609020204030204" pitchFamily="49" charset="0"/>
+              </a:rPr>
+              <a:t>state</a:t>
+            </a:r>
+            <a:r>
+              <a:rPr lang="pt-BR" sz="1200" dirty="0">
+                <a:solidFill>
+                  <a:srgbClr val="CCCCCC"/>
+                </a:solidFill>
+                <a:latin typeface="Consolas" panose="020B0609020204030204" pitchFamily="49" charset="0"/>
+              </a:rPr>
+              <a:t> </a:t>
+            </a:r>
+            <a:r>
+              <a:rPr lang="pt-BR" sz="1200" dirty="0">
+                <a:solidFill>
+                  <a:srgbClr val="D4D4D4"/>
+                </a:solidFill>
+                <a:latin typeface="Consolas" panose="020B0609020204030204" pitchFamily="49" charset="0"/>
+              </a:rPr>
+              <a:t>=</a:t>
+            </a:r>
+            <a:r>
+              <a:rPr lang="pt-BR" sz="1200" dirty="0">
+                <a:solidFill>
+                  <a:srgbClr val="CCCCCC"/>
+                </a:solidFill>
+                <a:latin typeface="Consolas" panose="020B0609020204030204" pitchFamily="49" charset="0"/>
+              </a:rPr>
+              <a:t> {</a:t>
+            </a:r>
+          </a:p>
+          <a:p>
+            <a:r>
+              <a:rPr lang="pt-BR" sz="1200" dirty="0">
+                <a:solidFill>
+                  <a:srgbClr val="CCCCCC"/>
+                </a:solidFill>
+                <a:latin typeface="Consolas" panose="020B0609020204030204" pitchFamily="49" charset="0"/>
+              </a:rPr>
+              <a:t>            </a:t>
+            </a:r>
+            <a:r>
+              <a:rPr lang="pt-BR" sz="1200" dirty="0" err="1">
+                <a:solidFill>
+                  <a:srgbClr val="9CDCFE"/>
+                </a:solidFill>
+                <a:latin typeface="Consolas" panose="020B0609020204030204" pitchFamily="49" charset="0"/>
+              </a:rPr>
+              <a:t>caption</a:t>
+            </a:r>
+            <a:r>
+              <a:rPr lang="pt-BR" sz="1200" dirty="0">
+                <a:solidFill>
+                  <a:srgbClr val="9CDCFE"/>
+                </a:solidFill>
+                <a:latin typeface="Consolas" panose="020B0609020204030204" pitchFamily="49" charset="0"/>
+              </a:rPr>
+              <a:t>:</a:t>
+            </a:r>
+            <a:r>
+              <a:rPr lang="pt-BR" sz="1200" dirty="0">
+                <a:solidFill>
+                  <a:srgbClr val="CCCCCC"/>
+                </a:solidFill>
+                <a:latin typeface="Consolas" panose="020B0609020204030204" pitchFamily="49" charset="0"/>
+              </a:rPr>
+              <a:t> </a:t>
+            </a:r>
+            <a:r>
+              <a:rPr lang="pt-BR" sz="1200" dirty="0" err="1">
+                <a:solidFill>
+                  <a:srgbClr val="9CDCFE"/>
+                </a:solidFill>
+                <a:latin typeface="Consolas" panose="020B0609020204030204" pitchFamily="49" charset="0"/>
+              </a:rPr>
+              <a:t>props</a:t>
+            </a:r>
+            <a:r>
+              <a:rPr lang="pt-BR" sz="1200" dirty="0" err="1">
+                <a:solidFill>
+                  <a:srgbClr val="CCCCCC"/>
+                </a:solidFill>
+                <a:latin typeface="Consolas" panose="020B0609020204030204" pitchFamily="49" charset="0"/>
+              </a:rPr>
+              <a:t>.</a:t>
+            </a:r>
+            <a:r>
+              <a:rPr lang="pt-BR" sz="1200" dirty="0" err="1">
+                <a:solidFill>
+                  <a:srgbClr val="9CDCFE"/>
+                </a:solidFill>
+                <a:latin typeface="Consolas" panose="020B0609020204030204" pitchFamily="49" charset="0"/>
+              </a:rPr>
+              <a:t>caption</a:t>
+            </a:r>
+            <a:r>
+              <a:rPr lang="pt-BR" sz="1200" dirty="0">
+                <a:solidFill>
+                  <a:srgbClr val="CCCCCC"/>
+                </a:solidFill>
+                <a:latin typeface="Consolas" panose="020B0609020204030204" pitchFamily="49" charset="0"/>
+              </a:rPr>
+              <a:t>,</a:t>
+            </a:r>
+          </a:p>
+          <a:p>
+            <a:r>
+              <a:rPr lang="pt-BR" sz="1200" dirty="0">
+                <a:solidFill>
+                  <a:srgbClr val="CCCCCC"/>
+                </a:solidFill>
+                <a:latin typeface="Consolas" panose="020B0609020204030204" pitchFamily="49" charset="0"/>
+              </a:rPr>
+              <a:t>            </a:t>
+            </a:r>
+            <a:r>
+              <a:rPr lang="pt-BR" sz="1200" dirty="0">
+                <a:solidFill>
+                  <a:srgbClr val="9CDCFE"/>
+                </a:solidFill>
+                <a:latin typeface="Consolas" panose="020B0609020204030204" pitchFamily="49" charset="0"/>
+              </a:rPr>
+              <a:t>header:</a:t>
+            </a:r>
+            <a:r>
+              <a:rPr lang="pt-BR" sz="1200" dirty="0">
+                <a:solidFill>
+                  <a:srgbClr val="CCCCCC"/>
+                </a:solidFill>
+                <a:latin typeface="Consolas" panose="020B0609020204030204" pitchFamily="49" charset="0"/>
+              </a:rPr>
+              <a:t> </a:t>
+            </a:r>
+            <a:r>
+              <a:rPr lang="pt-BR" sz="1200" dirty="0" err="1">
+                <a:solidFill>
+                  <a:srgbClr val="9CDCFE"/>
+                </a:solidFill>
+                <a:latin typeface="Consolas" panose="020B0609020204030204" pitchFamily="49" charset="0"/>
+              </a:rPr>
+              <a:t>props</a:t>
+            </a:r>
+            <a:r>
+              <a:rPr lang="pt-BR" sz="1200" dirty="0" err="1">
+                <a:solidFill>
+                  <a:srgbClr val="CCCCCC"/>
+                </a:solidFill>
+                <a:latin typeface="Consolas" panose="020B0609020204030204" pitchFamily="49" charset="0"/>
+              </a:rPr>
+              <a:t>.</a:t>
+            </a:r>
+            <a:r>
+              <a:rPr lang="pt-BR" sz="1200" dirty="0" err="1">
+                <a:solidFill>
+                  <a:srgbClr val="9CDCFE"/>
+                </a:solidFill>
+                <a:latin typeface="Consolas" panose="020B0609020204030204" pitchFamily="49" charset="0"/>
+              </a:rPr>
+              <a:t>header</a:t>
+            </a:r>
+            <a:r>
+              <a:rPr lang="pt-BR" sz="1200" dirty="0">
+                <a:solidFill>
+                  <a:srgbClr val="CCCCCC"/>
+                </a:solidFill>
+                <a:latin typeface="Consolas" panose="020B0609020204030204" pitchFamily="49" charset="0"/>
+              </a:rPr>
+              <a:t>,</a:t>
+            </a:r>
+          </a:p>
+          <a:p>
+            <a:r>
+              <a:rPr lang="pt-BR" sz="1200" dirty="0">
+                <a:solidFill>
+                  <a:srgbClr val="CCCCCC"/>
+                </a:solidFill>
+                <a:latin typeface="Consolas" panose="020B0609020204030204" pitchFamily="49" charset="0"/>
+              </a:rPr>
+              <a:t>            </a:t>
+            </a:r>
+            <a:r>
+              <a:rPr lang="pt-BR" sz="1200" dirty="0">
+                <a:solidFill>
+                  <a:srgbClr val="9CDCFE"/>
+                </a:solidFill>
+                <a:latin typeface="Consolas" panose="020B0609020204030204" pitchFamily="49" charset="0"/>
+              </a:rPr>
+              <a:t>data:</a:t>
+            </a:r>
+            <a:r>
+              <a:rPr lang="pt-BR" sz="1200" dirty="0">
+                <a:solidFill>
+                  <a:srgbClr val="CCCCCC"/>
+                </a:solidFill>
+                <a:latin typeface="Consolas" panose="020B0609020204030204" pitchFamily="49" charset="0"/>
+              </a:rPr>
+              <a:t> </a:t>
+            </a:r>
+            <a:r>
+              <a:rPr lang="pt-BR" sz="1200" dirty="0" err="1">
+                <a:solidFill>
+                  <a:srgbClr val="9CDCFE"/>
+                </a:solidFill>
+                <a:latin typeface="Consolas" panose="020B0609020204030204" pitchFamily="49" charset="0"/>
+              </a:rPr>
+              <a:t>props</a:t>
+            </a:r>
+            <a:r>
+              <a:rPr lang="pt-BR" sz="1200" dirty="0" err="1">
+                <a:solidFill>
+                  <a:srgbClr val="CCCCCC"/>
+                </a:solidFill>
+                <a:latin typeface="Consolas" panose="020B0609020204030204" pitchFamily="49" charset="0"/>
+              </a:rPr>
+              <a:t>.</a:t>
+            </a:r>
+            <a:r>
+              <a:rPr lang="pt-BR" sz="1200" dirty="0" err="1">
+                <a:solidFill>
+                  <a:srgbClr val="9CDCFE"/>
+                </a:solidFill>
+                <a:latin typeface="Consolas" panose="020B0609020204030204" pitchFamily="49" charset="0"/>
+              </a:rPr>
+              <a:t>data</a:t>
+            </a:r>
+            <a:r>
+              <a:rPr lang="pt-BR" sz="1200" dirty="0">
+                <a:solidFill>
+                  <a:srgbClr val="CCCCCC"/>
+                </a:solidFill>
+                <a:latin typeface="Consolas" panose="020B0609020204030204" pitchFamily="49" charset="0"/>
+              </a:rPr>
+              <a:t>,</a:t>
+            </a:r>
+          </a:p>
+          <a:p>
+            <a:r>
+              <a:rPr lang="pt-BR" sz="1200" dirty="0">
+                <a:solidFill>
+                  <a:srgbClr val="CCCCCC"/>
+                </a:solidFill>
+                <a:latin typeface="Consolas" panose="020B0609020204030204" pitchFamily="49" charset="0"/>
+              </a:rPr>
+              <a:t>            </a:t>
+            </a:r>
+            <a:r>
+              <a:rPr lang="pt-BR" sz="1200" dirty="0" err="1">
+                <a:solidFill>
+                  <a:srgbClr val="9CDCFE"/>
+                </a:solidFill>
+                <a:latin typeface="Consolas" panose="020B0609020204030204" pitchFamily="49" charset="0"/>
+              </a:rPr>
+              <a:t>sortby</a:t>
+            </a:r>
+            <a:r>
+              <a:rPr lang="pt-BR" sz="1200" dirty="0">
+                <a:solidFill>
+                  <a:srgbClr val="9CDCFE"/>
+                </a:solidFill>
+                <a:latin typeface="Consolas" panose="020B0609020204030204" pitchFamily="49" charset="0"/>
+              </a:rPr>
+              <a:t>:</a:t>
+            </a:r>
+            <a:r>
+              <a:rPr lang="pt-BR" sz="1200" dirty="0">
+                <a:solidFill>
+                  <a:srgbClr val="CCCCCC"/>
+                </a:solidFill>
+                <a:latin typeface="Consolas" panose="020B0609020204030204" pitchFamily="49" charset="0"/>
+              </a:rPr>
+              <a:t> </a:t>
+            </a:r>
+            <a:r>
+              <a:rPr lang="pt-BR" sz="1200" dirty="0" err="1">
+                <a:solidFill>
+                  <a:srgbClr val="569CD6"/>
+                </a:solidFill>
+                <a:latin typeface="Consolas" panose="020B0609020204030204" pitchFamily="49" charset="0"/>
+              </a:rPr>
+              <a:t>null</a:t>
+            </a:r>
+            <a:r>
+              <a:rPr lang="pt-BR" sz="1200" dirty="0">
+                <a:solidFill>
+                  <a:srgbClr val="CCCCCC"/>
+                </a:solidFill>
+                <a:latin typeface="Consolas" panose="020B0609020204030204" pitchFamily="49" charset="0"/>
+              </a:rPr>
+              <a:t>,</a:t>
+            </a:r>
+          </a:p>
+          <a:p>
+            <a:r>
+              <a:rPr lang="pt-BR" sz="1200" dirty="0">
+                <a:solidFill>
+                  <a:srgbClr val="CCCCCC"/>
+                </a:solidFill>
+                <a:latin typeface="Consolas" panose="020B0609020204030204" pitchFamily="49" charset="0"/>
+              </a:rPr>
+              <a:t>            </a:t>
+            </a:r>
+            <a:r>
+              <a:rPr lang="pt-BR" sz="1200" dirty="0" err="1">
+                <a:solidFill>
+                  <a:srgbClr val="9CDCFE"/>
+                </a:solidFill>
+                <a:latin typeface="Consolas" panose="020B0609020204030204" pitchFamily="49" charset="0"/>
+              </a:rPr>
+              <a:t>descending</a:t>
+            </a:r>
+            <a:r>
+              <a:rPr lang="pt-BR" sz="1200" dirty="0">
+                <a:solidFill>
+                  <a:srgbClr val="9CDCFE"/>
+                </a:solidFill>
+                <a:latin typeface="Consolas" panose="020B0609020204030204" pitchFamily="49" charset="0"/>
+              </a:rPr>
+              <a:t>:</a:t>
+            </a:r>
+            <a:r>
+              <a:rPr lang="pt-BR" sz="1200" dirty="0">
+                <a:solidFill>
+                  <a:srgbClr val="CCCCCC"/>
+                </a:solidFill>
+                <a:latin typeface="Consolas" panose="020B0609020204030204" pitchFamily="49" charset="0"/>
+              </a:rPr>
+              <a:t> </a:t>
+            </a:r>
+            <a:r>
+              <a:rPr lang="pt-BR" sz="1200" dirty="0">
+                <a:solidFill>
+                  <a:srgbClr val="569CD6"/>
+                </a:solidFill>
+                <a:latin typeface="Consolas" panose="020B0609020204030204" pitchFamily="49" charset="0"/>
+              </a:rPr>
+              <a:t>false</a:t>
+            </a:r>
+            <a:r>
+              <a:rPr lang="pt-BR" sz="1200" dirty="0">
+                <a:solidFill>
+                  <a:srgbClr val="CCCCCC"/>
+                </a:solidFill>
+                <a:latin typeface="Consolas" panose="020B0609020204030204" pitchFamily="49" charset="0"/>
+              </a:rPr>
+              <a:t>,</a:t>
+            </a:r>
+          </a:p>
+          <a:p>
+            <a:r>
+              <a:rPr lang="pt-BR" sz="1200" dirty="0">
+                <a:solidFill>
+                  <a:srgbClr val="CCCCCC"/>
+                </a:solidFill>
+                <a:latin typeface="Consolas" panose="020B0609020204030204" pitchFamily="49" charset="0"/>
+              </a:rPr>
+              <a:t>        };</a:t>
+            </a:r>
+          </a:p>
+          <a:p>
+            <a:r>
+              <a:rPr lang="pt-BR" sz="1200" dirty="0">
+                <a:solidFill>
+                  <a:srgbClr val="CCCCCC"/>
+                </a:solidFill>
+                <a:latin typeface="Consolas" panose="020B0609020204030204" pitchFamily="49" charset="0"/>
+              </a:rPr>
+              <a:t>        </a:t>
+            </a:r>
+            <a:r>
+              <a:rPr lang="pt-BR" sz="1200" dirty="0" err="1">
+                <a:solidFill>
+                  <a:srgbClr val="569CD6"/>
+                </a:solidFill>
+                <a:latin typeface="Consolas" panose="020B0609020204030204" pitchFamily="49" charset="0"/>
+              </a:rPr>
+              <a:t>this</a:t>
+            </a:r>
+            <a:r>
+              <a:rPr lang="pt-BR" sz="1200" dirty="0" err="1">
+                <a:solidFill>
+                  <a:srgbClr val="CCCCCC"/>
+                </a:solidFill>
+                <a:latin typeface="Consolas" panose="020B0609020204030204" pitchFamily="49" charset="0"/>
+              </a:rPr>
+              <a:t>.</a:t>
+            </a:r>
+            <a:r>
+              <a:rPr lang="pt-BR" sz="1200" dirty="0" err="1">
+                <a:solidFill>
+                  <a:srgbClr val="DCDCAA"/>
+                </a:solidFill>
+                <a:latin typeface="Consolas" panose="020B0609020204030204" pitchFamily="49" charset="0"/>
+              </a:rPr>
+              <a:t>onClick</a:t>
+            </a:r>
+            <a:r>
+              <a:rPr lang="pt-BR" sz="1200" dirty="0">
+                <a:solidFill>
+                  <a:srgbClr val="CCCCCC"/>
+                </a:solidFill>
+                <a:latin typeface="Consolas" panose="020B0609020204030204" pitchFamily="49" charset="0"/>
+              </a:rPr>
+              <a:t> </a:t>
+            </a:r>
+            <a:r>
+              <a:rPr lang="pt-BR" sz="1200" dirty="0">
+                <a:solidFill>
+                  <a:srgbClr val="D4D4D4"/>
+                </a:solidFill>
+                <a:latin typeface="Consolas" panose="020B0609020204030204" pitchFamily="49" charset="0"/>
+              </a:rPr>
+              <a:t>=</a:t>
+            </a:r>
+            <a:r>
+              <a:rPr lang="pt-BR" sz="1200" dirty="0">
+                <a:solidFill>
+                  <a:srgbClr val="CCCCCC"/>
+                </a:solidFill>
+                <a:latin typeface="Consolas" panose="020B0609020204030204" pitchFamily="49" charset="0"/>
+              </a:rPr>
+              <a:t> </a:t>
+            </a:r>
+            <a:r>
+              <a:rPr lang="pt-BR" sz="1200" dirty="0" err="1">
+                <a:solidFill>
+                  <a:srgbClr val="569CD6"/>
+                </a:solidFill>
+                <a:latin typeface="Consolas" panose="020B0609020204030204" pitchFamily="49" charset="0"/>
+              </a:rPr>
+              <a:t>this</a:t>
+            </a:r>
+            <a:r>
+              <a:rPr lang="pt-BR" sz="1200" dirty="0" err="1">
+                <a:solidFill>
+                  <a:srgbClr val="CCCCCC"/>
+                </a:solidFill>
+                <a:latin typeface="Consolas" panose="020B0609020204030204" pitchFamily="49" charset="0"/>
+              </a:rPr>
+              <a:t>.</a:t>
+            </a:r>
+            <a:r>
+              <a:rPr lang="pt-BR" sz="1200" dirty="0" err="1">
+                <a:solidFill>
+                  <a:srgbClr val="DCDCAA"/>
+                </a:solidFill>
+                <a:latin typeface="Consolas" panose="020B0609020204030204" pitchFamily="49" charset="0"/>
+              </a:rPr>
+              <a:t>onClick</a:t>
+            </a:r>
+            <a:r>
+              <a:rPr lang="pt-BR" sz="1200" dirty="0" err="1">
+                <a:solidFill>
+                  <a:srgbClr val="CCCCCC"/>
+                </a:solidFill>
+                <a:latin typeface="Consolas" panose="020B0609020204030204" pitchFamily="49" charset="0"/>
+              </a:rPr>
+              <a:t>.</a:t>
+            </a:r>
+            <a:r>
+              <a:rPr lang="pt-BR" sz="1200" dirty="0" err="1">
+                <a:solidFill>
+                  <a:srgbClr val="DCDCAA"/>
+                </a:solidFill>
+                <a:latin typeface="Consolas" panose="020B0609020204030204" pitchFamily="49" charset="0"/>
+              </a:rPr>
+              <a:t>bind</a:t>
+            </a:r>
+            <a:r>
+              <a:rPr lang="pt-BR" sz="1200" dirty="0">
+                <a:solidFill>
+                  <a:srgbClr val="CCCCCC"/>
+                </a:solidFill>
+                <a:latin typeface="Consolas" panose="020B0609020204030204" pitchFamily="49" charset="0"/>
+              </a:rPr>
+              <a:t>(</a:t>
+            </a:r>
+            <a:r>
+              <a:rPr lang="pt-BR" sz="1200" dirty="0" err="1">
+                <a:solidFill>
+                  <a:srgbClr val="569CD6"/>
+                </a:solidFill>
+                <a:latin typeface="Consolas" panose="020B0609020204030204" pitchFamily="49" charset="0"/>
+              </a:rPr>
+              <a:t>this</a:t>
+            </a:r>
+            <a:r>
+              <a:rPr lang="pt-BR" sz="1200" dirty="0">
+                <a:solidFill>
+                  <a:srgbClr val="CCCCCC"/>
+                </a:solidFill>
+                <a:latin typeface="Consolas" panose="020B0609020204030204" pitchFamily="49" charset="0"/>
+              </a:rPr>
+              <a:t>);</a:t>
+            </a:r>
+          </a:p>
+          <a:p>
+            <a:r>
+              <a:rPr lang="pt-BR" dirty="0">
+                <a:solidFill>
+                  <a:srgbClr val="CCCCCC"/>
+                </a:solidFill>
+                <a:latin typeface="Consolas" panose="020B0609020204030204" pitchFamily="49" charset="0"/>
+              </a:rPr>
+              <a:t>   </a:t>
+            </a:r>
+            <a:r>
+              <a:rPr lang="pt-BR" sz="1200" dirty="0">
+                <a:solidFill>
+                  <a:srgbClr val="CCCCCC"/>
+                </a:solidFill>
+                <a:latin typeface="Consolas" panose="020B0609020204030204" pitchFamily="49" charset="0"/>
+              </a:rPr>
+              <a:t>}</a:t>
+            </a:r>
+          </a:p>
+          <a:p>
+            <a:r>
+              <a:rPr lang="pt-BR" dirty="0">
+                <a:solidFill>
+                  <a:srgbClr val="CCCCCC"/>
+                </a:solidFill>
+                <a:latin typeface="Consolas" panose="020B0609020204030204" pitchFamily="49" charset="0"/>
+              </a:rPr>
+              <a:t>   </a:t>
+            </a:r>
+            <a:r>
+              <a:rPr lang="pt-BR" sz="1200" dirty="0">
+                <a:solidFill>
+                  <a:srgbClr val="569CD6"/>
+                </a:solidFill>
+                <a:latin typeface="Consolas" panose="020B0609020204030204" pitchFamily="49" charset="0"/>
+              </a:rPr>
+              <a:t>render { ... }</a:t>
+            </a:r>
+          </a:p>
+          <a:p>
+            <a:endParaRPr lang="pt-BR" dirty="0">
+              <a:solidFill>
+                <a:srgbClr val="CCCCCC"/>
+              </a:solidFill>
+              <a:latin typeface="Consolas" panose="020B0609020204030204" pitchFamily="49" charset="0"/>
+            </a:endParaRPr>
+          </a:p>
+          <a:p>
+            <a:r>
+              <a:rPr lang="pt-BR" sz="1200" dirty="0">
+                <a:solidFill>
+                  <a:srgbClr val="CCCCCC"/>
+                </a:solidFill>
+                <a:latin typeface="Consolas" panose="020B0609020204030204" pitchFamily="49" charset="0"/>
+              </a:rPr>
+              <a:t>}</a:t>
+            </a:r>
+          </a:p>
+          <a:p>
+            <a:endParaRPr lang="pt-BR" dirty="0">
+              <a:solidFill>
+                <a:srgbClr val="CCCCCC"/>
+              </a:solidFill>
+              <a:latin typeface="Consolas" panose="020B0609020204030204" pitchFamily="49" charset="0"/>
+            </a:endParaRPr>
+          </a:p>
+        </p:txBody>
+      </p:sp>
+    </p:spTree>
+    <p:extLst>
+      <p:ext uri="{BB962C8B-B14F-4D97-AF65-F5344CB8AC3E}">
+        <p14:creationId xmlns:p14="http://schemas.microsoft.com/office/powerpoint/2010/main" val="3612147445"/>
+      </p:ext>
+    </p:extLst>
+  </p:cSld>
+  <p:clrMapOvr>
+    <a:masterClrMapping/>
+  </p:clrMapOvr>
+</p:sld>
+</file>
+
+<file path=ppt/slides/slide22.xml><?xml version="1.0" encoding="utf-8"?>
+<p:sld xmlns:a="http://schemas.openxmlformats.org/drawingml/2006/main" xmlns:r="http://schemas.openxmlformats.org/officeDocument/2006/relationships" xmlns:p="http://schemas.openxmlformats.org/presentationml/2006/main">
+  <p:cSld>
+    <p:spTree>
+      <p:nvGrpSpPr>
+        <p:cNvPr id="1" name=""/>
+        <p:cNvGrpSpPr/>
+        <p:nvPr/>
+      </p:nvGrpSpPr>
+      <p:grpSpPr>
+        <a:xfrm>
+          <a:off x="0" y="0"/>
+          <a:ext cx="0" cy="0"/>
+          <a:chOff x="0" y="0"/>
+          <a:chExt cx="0" cy="0"/>
+        </a:xfrm>
+      </p:grpSpPr>
+      <p:sp>
+        <p:nvSpPr>
+          <p:cNvPr id="2" name="Título 1">
+            <a:extLst>
+              <a:ext uri="{FF2B5EF4-FFF2-40B4-BE49-F238E27FC236}">
+                <a16:creationId xmlns:a16="http://schemas.microsoft.com/office/drawing/2014/main" id="{AE3EA2E6-2E1F-4910-80F5-FEA8176D6347}"/>
+              </a:ext>
+            </a:extLst>
+          </p:cNvPr>
+          <p:cNvSpPr>
+            <a:spLocks noGrp="1"/>
+          </p:cNvSpPr>
+          <p:nvPr>
+            <p:ph type="title"/>
+          </p:nvPr>
+        </p:nvSpPr>
+        <p:spPr/>
+        <p:txBody>
+          <a:bodyPr/>
+          <a:lstStyle/>
+          <a:p>
+            <a:pPr algn="r"/>
+            <a:r>
+              <a:rPr lang="pt-BR" dirty="0">
+                <a:solidFill>
+                  <a:prstClr val="black"/>
+                </a:solidFill>
+              </a:rPr>
+              <a:t>Criação da Tabela</a:t>
+            </a:r>
+            <a:br>
+              <a:rPr lang="pt-BR" dirty="0">
+                <a:solidFill>
+                  <a:prstClr val="black"/>
+                </a:solidFill>
+              </a:rPr>
+            </a:br>
+            <a:r>
+              <a:rPr lang="pt-BR" sz="2400" dirty="0">
+                <a:solidFill>
+                  <a:prstClr val="black"/>
+                </a:solidFill>
+              </a:rPr>
+              <a:t>(</a:t>
+            </a:r>
+            <a:r>
+              <a:rPr lang="pt-BR" sz="2400" dirty="0" err="1">
+                <a:solidFill>
+                  <a:prstClr val="black"/>
+                </a:solidFill>
+              </a:rPr>
+              <a:t>Component</a:t>
+            </a:r>
+            <a:r>
+              <a:rPr lang="pt-BR" sz="2400" dirty="0">
+                <a:solidFill>
+                  <a:prstClr val="black"/>
+                </a:solidFill>
+              </a:rPr>
+              <a:t> </a:t>
+            </a:r>
+            <a:r>
+              <a:rPr lang="pt-BR" sz="2400" dirty="0" err="1">
+                <a:solidFill>
+                  <a:prstClr val="black"/>
+                </a:solidFill>
+              </a:rPr>
+              <a:t>PMTable</a:t>
+            </a:r>
+            <a:r>
+              <a:rPr lang="pt-BR" sz="2400" dirty="0">
+                <a:solidFill>
+                  <a:prstClr val="black"/>
+                </a:solidFill>
+              </a:rPr>
+              <a:t>: método render())</a:t>
+            </a:r>
+            <a:endParaRPr lang="pt-BR" dirty="0"/>
+          </a:p>
+        </p:txBody>
+      </p:sp>
+      <p:sp>
+        <p:nvSpPr>
+          <p:cNvPr id="3" name="Espaço Reservado para Conteúdo 2">
+            <a:extLst>
+              <a:ext uri="{FF2B5EF4-FFF2-40B4-BE49-F238E27FC236}">
+                <a16:creationId xmlns:a16="http://schemas.microsoft.com/office/drawing/2014/main" id="{76A075FF-5552-4825-A833-DC93985E762E}"/>
+              </a:ext>
+            </a:extLst>
+          </p:cNvPr>
+          <p:cNvSpPr>
+            <a:spLocks noGrp="1"/>
+          </p:cNvSpPr>
+          <p:nvPr>
+            <p:ph idx="1"/>
+          </p:nvPr>
+        </p:nvSpPr>
+        <p:spPr/>
+        <p:txBody>
+          <a:bodyPr>
+            <a:normAutofit fontScale="92500" lnSpcReduction="10000"/>
+          </a:bodyPr>
+          <a:lstStyle/>
+          <a:p>
+            <a:pPr marL="0" lvl="0" indent="0">
+              <a:lnSpc>
+                <a:spcPct val="100000"/>
+              </a:lnSpc>
+              <a:spcBef>
+                <a:spcPts val="0"/>
+              </a:spcBef>
+              <a:buNone/>
+            </a:pPr>
+            <a:r>
+              <a:rPr lang="pt-BR" sz="800" dirty="0">
+                <a:solidFill>
+                  <a:srgbClr val="DCDCAA"/>
+                </a:solidFill>
+                <a:latin typeface="Courier New" panose="02070309020205020404" pitchFamily="49" charset="0"/>
+                <a:cs typeface="Courier New" panose="02070309020205020404" pitchFamily="49" charset="0"/>
+              </a:rPr>
+              <a:t>render</a:t>
+            </a:r>
+            <a:r>
+              <a:rPr lang="pt-BR" sz="800" dirty="0">
+                <a:solidFill>
+                  <a:srgbClr val="CCCCCC"/>
+                </a:solidFill>
+                <a:latin typeface="Courier New" panose="02070309020205020404" pitchFamily="49" charset="0"/>
+                <a:cs typeface="Courier New" panose="02070309020205020404" pitchFamily="49" charset="0"/>
+              </a:rPr>
+              <a:t>() {</a:t>
+            </a:r>
+          </a:p>
+          <a:p>
+            <a:pPr marL="0" lvl="0" indent="0">
+              <a:lnSpc>
+                <a:spcPct val="100000"/>
+              </a:lnSpc>
+              <a:spcBef>
+                <a:spcPts val="0"/>
+              </a:spcBef>
+              <a:buNone/>
+            </a:pPr>
+            <a:r>
+              <a:rPr lang="pt-BR" sz="800" dirty="0">
+                <a:solidFill>
+                  <a:srgbClr val="CCCCCC"/>
+                </a:solidFill>
+                <a:latin typeface="Courier New" panose="02070309020205020404" pitchFamily="49" charset="0"/>
+                <a:cs typeface="Courier New" panose="02070309020205020404" pitchFamily="49" charset="0"/>
+              </a:rPr>
+              <a:t>        </a:t>
+            </a:r>
+            <a:r>
+              <a:rPr lang="pt-BR" sz="800" dirty="0" err="1">
+                <a:solidFill>
+                  <a:srgbClr val="569CD6"/>
+                </a:solidFill>
+                <a:latin typeface="Courier New" panose="02070309020205020404" pitchFamily="49" charset="0"/>
+                <a:cs typeface="Courier New" panose="02070309020205020404" pitchFamily="49" charset="0"/>
+              </a:rPr>
+              <a:t>const</a:t>
+            </a:r>
+            <a:r>
+              <a:rPr lang="pt-BR" sz="800" dirty="0">
+                <a:solidFill>
+                  <a:srgbClr val="CCCCCC"/>
+                </a:solidFill>
+                <a:latin typeface="Courier New" panose="02070309020205020404" pitchFamily="49" charset="0"/>
+                <a:cs typeface="Courier New" panose="02070309020205020404" pitchFamily="49" charset="0"/>
+              </a:rPr>
+              <a:t> </a:t>
+            </a:r>
+            <a:r>
+              <a:rPr lang="pt-BR" sz="800" dirty="0" err="1">
+                <a:solidFill>
+                  <a:srgbClr val="4FC1FF"/>
+                </a:solidFill>
+                <a:latin typeface="Courier New" panose="02070309020205020404" pitchFamily="49" charset="0"/>
+                <a:cs typeface="Courier New" panose="02070309020205020404" pitchFamily="49" charset="0"/>
+              </a:rPr>
+              <a:t>caption</a:t>
+            </a:r>
+            <a:r>
+              <a:rPr lang="pt-BR" sz="800" dirty="0">
+                <a:solidFill>
+                  <a:srgbClr val="CCCCCC"/>
+                </a:solidFill>
+                <a:latin typeface="Courier New" panose="02070309020205020404" pitchFamily="49" charset="0"/>
+                <a:cs typeface="Courier New" panose="02070309020205020404" pitchFamily="49" charset="0"/>
+              </a:rPr>
+              <a:t> </a:t>
+            </a:r>
+            <a:r>
+              <a:rPr lang="pt-BR" sz="800" dirty="0">
+                <a:solidFill>
+                  <a:srgbClr val="D4D4D4"/>
+                </a:solidFill>
+                <a:latin typeface="Courier New" panose="02070309020205020404" pitchFamily="49" charset="0"/>
+                <a:cs typeface="Courier New" panose="02070309020205020404" pitchFamily="49" charset="0"/>
+              </a:rPr>
+              <a:t>=</a:t>
+            </a:r>
+            <a:r>
+              <a:rPr lang="pt-BR" sz="800" dirty="0">
+                <a:solidFill>
+                  <a:srgbClr val="CCCCCC"/>
+                </a:solidFill>
+                <a:latin typeface="Courier New" panose="02070309020205020404" pitchFamily="49" charset="0"/>
+                <a:cs typeface="Courier New" panose="02070309020205020404" pitchFamily="49" charset="0"/>
+              </a:rPr>
+              <a:t> </a:t>
+            </a:r>
+            <a:r>
+              <a:rPr lang="pt-BR" sz="800" dirty="0">
+                <a:solidFill>
+                  <a:srgbClr val="CE9178"/>
+                </a:solidFill>
+                <a:latin typeface="Courier New" panose="02070309020205020404" pitchFamily="49" charset="0"/>
+                <a:cs typeface="Courier New" panose="02070309020205020404" pitchFamily="49" charset="0"/>
+              </a:rPr>
+              <a:t>'</a:t>
+            </a:r>
+            <a:r>
+              <a:rPr lang="pt-BR" sz="800" dirty="0" err="1">
+                <a:solidFill>
+                  <a:srgbClr val="CE9178"/>
+                </a:solidFill>
+                <a:latin typeface="Courier New" panose="02070309020205020404" pitchFamily="49" charset="0"/>
+                <a:cs typeface="Courier New" panose="02070309020205020404" pitchFamily="49" charset="0"/>
+              </a:rPr>
+              <a:t>caption</a:t>
+            </a:r>
+            <a:r>
+              <a:rPr lang="pt-BR" sz="800" dirty="0">
+                <a:solidFill>
+                  <a:srgbClr val="CE9178"/>
+                </a:solidFill>
+                <a:latin typeface="Courier New" panose="02070309020205020404" pitchFamily="49" charset="0"/>
+                <a:cs typeface="Courier New" panose="02070309020205020404" pitchFamily="49" charset="0"/>
+              </a:rPr>
+              <a:t>'</a:t>
+            </a:r>
+            <a:r>
+              <a:rPr lang="pt-BR" sz="800" dirty="0">
+                <a:solidFill>
+                  <a:srgbClr val="CCCCCC"/>
+                </a:solidFill>
+                <a:latin typeface="Courier New" panose="02070309020205020404" pitchFamily="49" charset="0"/>
+                <a:cs typeface="Courier New" panose="02070309020205020404" pitchFamily="49" charset="0"/>
+              </a:rPr>
+              <a:t> </a:t>
+            </a:r>
+            <a:r>
+              <a:rPr lang="pt-BR" sz="800" dirty="0">
+                <a:solidFill>
+                  <a:srgbClr val="569CD6"/>
+                </a:solidFill>
+                <a:latin typeface="Courier New" panose="02070309020205020404" pitchFamily="49" charset="0"/>
+                <a:cs typeface="Courier New" panose="02070309020205020404" pitchFamily="49" charset="0"/>
+              </a:rPr>
+              <a:t>in</a:t>
+            </a:r>
+            <a:r>
+              <a:rPr lang="pt-BR" sz="800" dirty="0">
+                <a:solidFill>
+                  <a:srgbClr val="CCCCCC"/>
+                </a:solidFill>
+                <a:latin typeface="Courier New" panose="02070309020205020404" pitchFamily="49" charset="0"/>
+                <a:cs typeface="Courier New" panose="02070309020205020404" pitchFamily="49" charset="0"/>
+              </a:rPr>
+              <a:t> </a:t>
+            </a:r>
+            <a:r>
+              <a:rPr lang="pt-BR" sz="800" dirty="0" err="1">
+                <a:solidFill>
+                  <a:srgbClr val="569CD6"/>
+                </a:solidFill>
+                <a:latin typeface="Courier New" panose="02070309020205020404" pitchFamily="49" charset="0"/>
+                <a:cs typeface="Courier New" panose="02070309020205020404" pitchFamily="49" charset="0"/>
+              </a:rPr>
+              <a:t>this</a:t>
+            </a:r>
+            <a:r>
+              <a:rPr lang="pt-BR" sz="800" dirty="0" err="1">
+                <a:solidFill>
+                  <a:srgbClr val="CCCCCC"/>
+                </a:solidFill>
+                <a:latin typeface="Courier New" panose="02070309020205020404" pitchFamily="49" charset="0"/>
+                <a:cs typeface="Courier New" panose="02070309020205020404" pitchFamily="49" charset="0"/>
+              </a:rPr>
+              <a:t>.</a:t>
+            </a:r>
+            <a:r>
+              <a:rPr lang="pt-BR" sz="800" dirty="0" err="1">
+                <a:solidFill>
+                  <a:srgbClr val="9CDCFE"/>
+                </a:solidFill>
+                <a:latin typeface="Courier New" panose="02070309020205020404" pitchFamily="49" charset="0"/>
+                <a:cs typeface="Courier New" panose="02070309020205020404" pitchFamily="49" charset="0"/>
+              </a:rPr>
+              <a:t>state</a:t>
+            </a:r>
+            <a:r>
+              <a:rPr lang="pt-BR" sz="800" dirty="0">
+                <a:solidFill>
+                  <a:srgbClr val="CCCCCC"/>
+                </a:solidFill>
+                <a:latin typeface="Courier New" panose="02070309020205020404" pitchFamily="49" charset="0"/>
+                <a:cs typeface="Courier New" panose="02070309020205020404" pitchFamily="49" charset="0"/>
+              </a:rPr>
+              <a:t> </a:t>
+            </a:r>
+          </a:p>
+          <a:p>
+            <a:pPr marL="0" lvl="0" indent="0">
+              <a:lnSpc>
+                <a:spcPct val="100000"/>
+              </a:lnSpc>
+              <a:spcBef>
+                <a:spcPts val="0"/>
+              </a:spcBef>
+              <a:buNone/>
+            </a:pPr>
+            <a:r>
+              <a:rPr lang="pt-BR" sz="800" dirty="0">
+                <a:solidFill>
+                  <a:srgbClr val="CCCCCC"/>
+                </a:solidFill>
+                <a:latin typeface="Courier New" panose="02070309020205020404" pitchFamily="49" charset="0"/>
+                <a:cs typeface="Courier New" panose="02070309020205020404" pitchFamily="49" charset="0"/>
+              </a:rPr>
+              <a:t>			</a:t>
+            </a:r>
+            <a:r>
+              <a:rPr lang="pt-BR" sz="800" dirty="0">
+                <a:solidFill>
+                  <a:srgbClr val="D4D4D4"/>
+                </a:solidFill>
+                <a:latin typeface="Courier New" panose="02070309020205020404" pitchFamily="49" charset="0"/>
+                <a:cs typeface="Courier New" panose="02070309020205020404" pitchFamily="49" charset="0"/>
+              </a:rPr>
+              <a:t>?</a:t>
+            </a:r>
+            <a:r>
+              <a:rPr lang="pt-BR" sz="800" dirty="0">
+                <a:solidFill>
+                  <a:srgbClr val="CCCCCC"/>
+                </a:solidFill>
+                <a:latin typeface="Courier New" panose="02070309020205020404" pitchFamily="49" charset="0"/>
+                <a:cs typeface="Courier New" panose="02070309020205020404" pitchFamily="49" charset="0"/>
+              </a:rPr>
+              <a:t> </a:t>
+            </a:r>
+            <a:r>
+              <a:rPr lang="pt-BR" sz="800" dirty="0" err="1">
+                <a:solidFill>
+                  <a:srgbClr val="569CD6"/>
+                </a:solidFill>
+                <a:latin typeface="Courier New" panose="02070309020205020404" pitchFamily="49" charset="0"/>
+                <a:cs typeface="Courier New" panose="02070309020205020404" pitchFamily="49" charset="0"/>
+              </a:rPr>
+              <a:t>this</a:t>
+            </a:r>
+            <a:r>
+              <a:rPr lang="pt-BR" sz="800" dirty="0" err="1">
+                <a:solidFill>
+                  <a:srgbClr val="CCCCCC"/>
+                </a:solidFill>
+                <a:latin typeface="Courier New" panose="02070309020205020404" pitchFamily="49" charset="0"/>
+                <a:cs typeface="Courier New" panose="02070309020205020404" pitchFamily="49" charset="0"/>
+              </a:rPr>
+              <a:t>.</a:t>
+            </a:r>
+            <a:r>
+              <a:rPr lang="pt-BR" sz="800" dirty="0" err="1">
+                <a:solidFill>
+                  <a:srgbClr val="9CDCFE"/>
+                </a:solidFill>
+                <a:latin typeface="Courier New" panose="02070309020205020404" pitchFamily="49" charset="0"/>
+                <a:cs typeface="Courier New" panose="02070309020205020404" pitchFamily="49" charset="0"/>
+              </a:rPr>
+              <a:t>state</a:t>
+            </a:r>
+            <a:r>
+              <a:rPr lang="pt-BR" sz="800" dirty="0" err="1">
+                <a:solidFill>
+                  <a:srgbClr val="CCCCCC"/>
+                </a:solidFill>
+                <a:latin typeface="Courier New" panose="02070309020205020404" pitchFamily="49" charset="0"/>
+                <a:cs typeface="Courier New" panose="02070309020205020404" pitchFamily="49" charset="0"/>
+              </a:rPr>
+              <a:t>.</a:t>
+            </a:r>
+            <a:r>
+              <a:rPr lang="pt-BR" sz="800" dirty="0" err="1">
+                <a:solidFill>
+                  <a:srgbClr val="9CDCFE"/>
+                </a:solidFill>
+                <a:latin typeface="Courier New" panose="02070309020205020404" pitchFamily="49" charset="0"/>
+                <a:cs typeface="Courier New" panose="02070309020205020404" pitchFamily="49" charset="0"/>
+              </a:rPr>
+              <a:t>caption</a:t>
+            </a:r>
+            <a:r>
+              <a:rPr lang="pt-BR" sz="800" dirty="0">
+                <a:solidFill>
+                  <a:srgbClr val="CCCCCC"/>
+                </a:solidFill>
+                <a:latin typeface="Courier New" panose="02070309020205020404" pitchFamily="49" charset="0"/>
+                <a:cs typeface="Courier New" panose="02070309020205020404" pitchFamily="49" charset="0"/>
+              </a:rPr>
+              <a:t> </a:t>
+            </a:r>
+          </a:p>
+          <a:p>
+            <a:pPr marL="0" lvl="0" indent="0">
+              <a:lnSpc>
+                <a:spcPct val="100000"/>
+              </a:lnSpc>
+              <a:spcBef>
+                <a:spcPts val="0"/>
+              </a:spcBef>
+              <a:buNone/>
+            </a:pPr>
+            <a:r>
+              <a:rPr lang="pt-BR" sz="800" dirty="0">
+                <a:solidFill>
+                  <a:srgbClr val="CCCCCC"/>
+                </a:solidFill>
+                <a:latin typeface="Courier New" panose="02070309020205020404" pitchFamily="49" charset="0"/>
+                <a:cs typeface="Courier New" panose="02070309020205020404" pitchFamily="49" charset="0"/>
+              </a:rPr>
+              <a:t>			</a:t>
+            </a:r>
+            <a:r>
+              <a:rPr lang="pt-BR" sz="800" dirty="0">
+                <a:solidFill>
+                  <a:srgbClr val="D4D4D4"/>
+                </a:solidFill>
+                <a:latin typeface="Courier New" panose="02070309020205020404" pitchFamily="49" charset="0"/>
+                <a:cs typeface="Courier New" panose="02070309020205020404" pitchFamily="49" charset="0"/>
+              </a:rPr>
+              <a:t>:</a:t>
+            </a:r>
+            <a:r>
+              <a:rPr lang="pt-BR" sz="800" dirty="0">
+                <a:solidFill>
+                  <a:srgbClr val="CCCCCC"/>
+                </a:solidFill>
+                <a:latin typeface="Courier New" panose="02070309020205020404" pitchFamily="49" charset="0"/>
+                <a:cs typeface="Courier New" panose="02070309020205020404" pitchFamily="49" charset="0"/>
+              </a:rPr>
+              <a:t> </a:t>
+            </a:r>
+            <a:r>
+              <a:rPr lang="pt-BR" sz="800" dirty="0" err="1">
+                <a:solidFill>
+                  <a:srgbClr val="569CD6"/>
+                </a:solidFill>
+                <a:latin typeface="Courier New" panose="02070309020205020404" pitchFamily="49" charset="0"/>
+                <a:cs typeface="Courier New" panose="02070309020205020404" pitchFamily="49" charset="0"/>
+              </a:rPr>
+              <a:t>this</a:t>
+            </a:r>
+            <a:r>
+              <a:rPr lang="pt-BR" sz="800" dirty="0" err="1">
+                <a:solidFill>
+                  <a:srgbClr val="CCCCCC"/>
+                </a:solidFill>
+                <a:latin typeface="Courier New" panose="02070309020205020404" pitchFamily="49" charset="0"/>
+                <a:cs typeface="Courier New" panose="02070309020205020404" pitchFamily="49" charset="0"/>
+              </a:rPr>
+              <a:t>.</a:t>
+            </a:r>
+            <a:r>
+              <a:rPr lang="pt-BR" sz="800" dirty="0" err="1">
+                <a:solidFill>
+                  <a:srgbClr val="4FC1FF"/>
+                </a:solidFill>
+                <a:latin typeface="Courier New" panose="02070309020205020404" pitchFamily="49" charset="0"/>
+                <a:cs typeface="Courier New" panose="02070309020205020404" pitchFamily="49" charset="0"/>
+              </a:rPr>
+              <a:t>props</a:t>
+            </a:r>
+            <a:r>
+              <a:rPr lang="pt-BR" sz="800" dirty="0" err="1">
+                <a:solidFill>
+                  <a:srgbClr val="CCCCCC"/>
+                </a:solidFill>
+                <a:latin typeface="Courier New" panose="02070309020205020404" pitchFamily="49" charset="0"/>
+                <a:cs typeface="Courier New" panose="02070309020205020404" pitchFamily="49" charset="0"/>
+              </a:rPr>
+              <a:t>.</a:t>
+            </a:r>
+            <a:r>
+              <a:rPr lang="pt-BR" sz="800" dirty="0" err="1">
+                <a:solidFill>
+                  <a:srgbClr val="9CDCFE"/>
+                </a:solidFill>
+                <a:latin typeface="Courier New" panose="02070309020205020404" pitchFamily="49" charset="0"/>
+                <a:cs typeface="Courier New" panose="02070309020205020404" pitchFamily="49" charset="0"/>
+              </a:rPr>
+              <a:t>caption</a:t>
+            </a:r>
+            <a:r>
+              <a:rPr lang="pt-BR" sz="800" dirty="0">
+                <a:solidFill>
+                  <a:srgbClr val="CCCCCC"/>
+                </a:solidFill>
+                <a:latin typeface="Courier New" panose="02070309020205020404" pitchFamily="49" charset="0"/>
+                <a:cs typeface="Courier New" panose="02070309020205020404" pitchFamily="49" charset="0"/>
+              </a:rPr>
+              <a:t>;</a:t>
+            </a:r>
+          </a:p>
+          <a:p>
+            <a:pPr marL="0" lvl="0" indent="0">
+              <a:lnSpc>
+                <a:spcPct val="100000"/>
+              </a:lnSpc>
+              <a:spcBef>
+                <a:spcPts val="0"/>
+              </a:spcBef>
+              <a:buNone/>
+            </a:pPr>
+            <a:r>
+              <a:rPr lang="pt-BR" sz="800" dirty="0">
+                <a:solidFill>
+                  <a:srgbClr val="CCCCCC"/>
+                </a:solidFill>
+                <a:latin typeface="Courier New" panose="02070309020205020404" pitchFamily="49" charset="0"/>
+                <a:cs typeface="Courier New" panose="02070309020205020404" pitchFamily="49" charset="0"/>
+              </a:rPr>
+              <a:t>        </a:t>
+            </a:r>
+            <a:r>
+              <a:rPr lang="pt-BR" sz="800" dirty="0" err="1">
+                <a:solidFill>
+                  <a:srgbClr val="569CD6"/>
+                </a:solidFill>
+                <a:latin typeface="Courier New" panose="02070309020205020404" pitchFamily="49" charset="0"/>
+                <a:cs typeface="Courier New" panose="02070309020205020404" pitchFamily="49" charset="0"/>
+              </a:rPr>
+              <a:t>const</a:t>
+            </a:r>
+            <a:r>
+              <a:rPr lang="pt-BR" sz="800" dirty="0">
+                <a:solidFill>
+                  <a:srgbClr val="CCCCCC"/>
+                </a:solidFill>
+                <a:latin typeface="Courier New" panose="02070309020205020404" pitchFamily="49" charset="0"/>
+                <a:cs typeface="Courier New" panose="02070309020205020404" pitchFamily="49" charset="0"/>
+              </a:rPr>
+              <a:t> </a:t>
+            </a:r>
+            <a:r>
+              <a:rPr lang="pt-BR" sz="800" dirty="0">
+                <a:solidFill>
+                  <a:srgbClr val="4FC1FF"/>
+                </a:solidFill>
+                <a:latin typeface="Courier New" panose="02070309020205020404" pitchFamily="49" charset="0"/>
+                <a:cs typeface="Courier New" panose="02070309020205020404" pitchFamily="49" charset="0"/>
+              </a:rPr>
+              <a:t>data</a:t>
+            </a:r>
+            <a:r>
+              <a:rPr lang="pt-BR" sz="800" dirty="0">
+                <a:solidFill>
+                  <a:srgbClr val="CCCCCC"/>
+                </a:solidFill>
+                <a:latin typeface="Courier New" panose="02070309020205020404" pitchFamily="49" charset="0"/>
+                <a:cs typeface="Courier New" panose="02070309020205020404" pitchFamily="49" charset="0"/>
+              </a:rPr>
+              <a:t> </a:t>
+            </a:r>
+            <a:r>
+              <a:rPr lang="pt-BR" sz="800" dirty="0">
+                <a:solidFill>
+                  <a:srgbClr val="D4D4D4"/>
+                </a:solidFill>
+                <a:latin typeface="Courier New" panose="02070309020205020404" pitchFamily="49" charset="0"/>
+                <a:cs typeface="Courier New" panose="02070309020205020404" pitchFamily="49" charset="0"/>
+              </a:rPr>
+              <a:t>=</a:t>
+            </a:r>
+            <a:r>
+              <a:rPr lang="pt-BR" sz="800" dirty="0">
+                <a:solidFill>
+                  <a:srgbClr val="CCCCCC"/>
+                </a:solidFill>
+                <a:latin typeface="Courier New" panose="02070309020205020404" pitchFamily="49" charset="0"/>
+                <a:cs typeface="Courier New" panose="02070309020205020404" pitchFamily="49" charset="0"/>
+              </a:rPr>
+              <a:t> </a:t>
+            </a:r>
+            <a:r>
+              <a:rPr lang="pt-BR" sz="800" dirty="0">
+                <a:solidFill>
+                  <a:srgbClr val="CE9178"/>
+                </a:solidFill>
+                <a:latin typeface="Courier New" panose="02070309020205020404" pitchFamily="49" charset="0"/>
+                <a:cs typeface="Courier New" panose="02070309020205020404" pitchFamily="49" charset="0"/>
+              </a:rPr>
+              <a:t>'data'</a:t>
+            </a:r>
+            <a:r>
+              <a:rPr lang="pt-BR" sz="800" dirty="0">
+                <a:solidFill>
+                  <a:srgbClr val="CCCCCC"/>
+                </a:solidFill>
+                <a:latin typeface="Courier New" panose="02070309020205020404" pitchFamily="49" charset="0"/>
+                <a:cs typeface="Courier New" panose="02070309020205020404" pitchFamily="49" charset="0"/>
+              </a:rPr>
+              <a:t> </a:t>
+            </a:r>
+            <a:r>
+              <a:rPr lang="pt-BR" sz="800" dirty="0">
+                <a:solidFill>
+                  <a:srgbClr val="569CD6"/>
+                </a:solidFill>
+                <a:latin typeface="Courier New" panose="02070309020205020404" pitchFamily="49" charset="0"/>
+                <a:cs typeface="Courier New" panose="02070309020205020404" pitchFamily="49" charset="0"/>
+              </a:rPr>
+              <a:t>in</a:t>
+            </a:r>
+            <a:r>
+              <a:rPr lang="pt-BR" sz="800" dirty="0">
+                <a:solidFill>
+                  <a:srgbClr val="CCCCCC"/>
+                </a:solidFill>
+                <a:latin typeface="Courier New" panose="02070309020205020404" pitchFamily="49" charset="0"/>
+                <a:cs typeface="Courier New" panose="02070309020205020404" pitchFamily="49" charset="0"/>
+              </a:rPr>
+              <a:t> </a:t>
+            </a:r>
+            <a:r>
+              <a:rPr lang="pt-BR" sz="800" dirty="0" err="1">
+                <a:solidFill>
+                  <a:srgbClr val="569CD6"/>
+                </a:solidFill>
+                <a:latin typeface="Courier New" panose="02070309020205020404" pitchFamily="49" charset="0"/>
+                <a:cs typeface="Courier New" panose="02070309020205020404" pitchFamily="49" charset="0"/>
+              </a:rPr>
+              <a:t>this</a:t>
+            </a:r>
+            <a:r>
+              <a:rPr lang="pt-BR" sz="800" dirty="0" err="1">
+                <a:solidFill>
+                  <a:srgbClr val="CCCCCC"/>
+                </a:solidFill>
+                <a:latin typeface="Courier New" panose="02070309020205020404" pitchFamily="49" charset="0"/>
+                <a:cs typeface="Courier New" panose="02070309020205020404" pitchFamily="49" charset="0"/>
+              </a:rPr>
+              <a:t>.</a:t>
+            </a:r>
+            <a:r>
+              <a:rPr lang="pt-BR" sz="800" dirty="0" err="1">
+                <a:solidFill>
+                  <a:srgbClr val="9CDCFE"/>
+                </a:solidFill>
+                <a:latin typeface="Courier New" panose="02070309020205020404" pitchFamily="49" charset="0"/>
+                <a:cs typeface="Courier New" panose="02070309020205020404" pitchFamily="49" charset="0"/>
+              </a:rPr>
+              <a:t>state</a:t>
+            </a:r>
+            <a:r>
+              <a:rPr lang="pt-BR" sz="800" dirty="0">
+                <a:solidFill>
+                  <a:srgbClr val="CCCCCC"/>
+                </a:solidFill>
+                <a:latin typeface="Courier New" panose="02070309020205020404" pitchFamily="49" charset="0"/>
+                <a:cs typeface="Courier New" panose="02070309020205020404" pitchFamily="49" charset="0"/>
+              </a:rPr>
+              <a:t> </a:t>
+            </a:r>
+          </a:p>
+          <a:p>
+            <a:pPr marL="0" lvl="0" indent="0">
+              <a:lnSpc>
+                <a:spcPct val="100000"/>
+              </a:lnSpc>
+              <a:spcBef>
+                <a:spcPts val="0"/>
+              </a:spcBef>
+              <a:buNone/>
+            </a:pPr>
+            <a:r>
+              <a:rPr lang="pt-BR" sz="800" dirty="0">
+                <a:solidFill>
+                  <a:srgbClr val="CCCCCC"/>
+                </a:solidFill>
+                <a:latin typeface="Courier New" panose="02070309020205020404" pitchFamily="49" charset="0"/>
+                <a:cs typeface="Courier New" panose="02070309020205020404" pitchFamily="49" charset="0"/>
+              </a:rPr>
+              <a:t>			</a:t>
+            </a:r>
+            <a:r>
+              <a:rPr lang="pt-BR" sz="800" dirty="0">
+                <a:solidFill>
+                  <a:srgbClr val="D4D4D4"/>
+                </a:solidFill>
+                <a:latin typeface="Courier New" panose="02070309020205020404" pitchFamily="49" charset="0"/>
+                <a:cs typeface="Courier New" panose="02070309020205020404" pitchFamily="49" charset="0"/>
+              </a:rPr>
+              <a:t>?</a:t>
+            </a:r>
+            <a:r>
+              <a:rPr lang="pt-BR" sz="800" dirty="0">
+                <a:solidFill>
+                  <a:srgbClr val="CCCCCC"/>
+                </a:solidFill>
+                <a:latin typeface="Courier New" panose="02070309020205020404" pitchFamily="49" charset="0"/>
+                <a:cs typeface="Courier New" panose="02070309020205020404" pitchFamily="49" charset="0"/>
+              </a:rPr>
+              <a:t> </a:t>
+            </a:r>
+            <a:r>
+              <a:rPr lang="pt-BR" sz="800" dirty="0" err="1">
+                <a:solidFill>
+                  <a:srgbClr val="569CD6"/>
+                </a:solidFill>
+                <a:latin typeface="Courier New" panose="02070309020205020404" pitchFamily="49" charset="0"/>
+                <a:cs typeface="Courier New" panose="02070309020205020404" pitchFamily="49" charset="0"/>
+              </a:rPr>
+              <a:t>this</a:t>
+            </a:r>
+            <a:r>
+              <a:rPr lang="pt-BR" sz="800" dirty="0" err="1">
+                <a:solidFill>
+                  <a:srgbClr val="CCCCCC"/>
+                </a:solidFill>
+                <a:latin typeface="Courier New" panose="02070309020205020404" pitchFamily="49" charset="0"/>
+                <a:cs typeface="Courier New" panose="02070309020205020404" pitchFamily="49" charset="0"/>
+              </a:rPr>
+              <a:t>.</a:t>
+            </a:r>
+            <a:r>
+              <a:rPr lang="pt-BR" sz="800" dirty="0" err="1">
+                <a:solidFill>
+                  <a:srgbClr val="9CDCFE"/>
+                </a:solidFill>
+                <a:latin typeface="Courier New" panose="02070309020205020404" pitchFamily="49" charset="0"/>
+                <a:cs typeface="Courier New" panose="02070309020205020404" pitchFamily="49" charset="0"/>
+              </a:rPr>
+              <a:t>state</a:t>
+            </a:r>
+            <a:r>
+              <a:rPr lang="pt-BR" sz="800" dirty="0" err="1">
+                <a:solidFill>
+                  <a:srgbClr val="CCCCCC"/>
+                </a:solidFill>
+                <a:latin typeface="Courier New" panose="02070309020205020404" pitchFamily="49" charset="0"/>
+                <a:cs typeface="Courier New" panose="02070309020205020404" pitchFamily="49" charset="0"/>
+              </a:rPr>
+              <a:t>.</a:t>
+            </a:r>
+            <a:r>
+              <a:rPr lang="pt-BR" sz="800" dirty="0" err="1">
+                <a:solidFill>
+                  <a:srgbClr val="9CDCFE"/>
+                </a:solidFill>
+                <a:latin typeface="Courier New" panose="02070309020205020404" pitchFamily="49" charset="0"/>
+                <a:cs typeface="Courier New" panose="02070309020205020404" pitchFamily="49" charset="0"/>
+              </a:rPr>
+              <a:t>data</a:t>
+            </a:r>
+            <a:r>
+              <a:rPr lang="pt-BR" sz="800" dirty="0">
+                <a:solidFill>
+                  <a:srgbClr val="CCCCCC"/>
+                </a:solidFill>
+                <a:latin typeface="Courier New" panose="02070309020205020404" pitchFamily="49" charset="0"/>
+                <a:cs typeface="Courier New" panose="02070309020205020404" pitchFamily="49" charset="0"/>
+              </a:rPr>
+              <a:t> </a:t>
+            </a:r>
+          </a:p>
+          <a:p>
+            <a:pPr marL="0" lvl="0" indent="0">
+              <a:lnSpc>
+                <a:spcPct val="100000"/>
+              </a:lnSpc>
+              <a:spcBef>
+                <a:spcPts val="0"/>
+              </a:spcBef>
+              <a:buNone/>
+            </a:pPr>
+            <a:r>
+              <a:rPr lang="pt-BR" sz="800" dirty="0">
+                <a:solidFill>
+                  <a:srgbClr val="CCCCCC"/>
+                </a:solidFill>
+                <a:latin typeface="Courier New" panose="02070309020205020404" pitchFamily="49" charset="0"/>
+                <a:cs typeface="Courier New" panose="02070309020205020404" pitchFamily="49" charset="0"/>
+              </a:rPr>
+              <a:t>			</a:t>
+            </a:r>
+            <a:r>
+              <a:rPr lang="pt-BR" sz="800" dirty="0">
+                <a:solidFill>
+                  <a:srgbClr val="D4D4D4"/>
+                </a:solidFill>
+                <a:latin typeface="Courier New" panose="02070309020205020404" pitchFamily="49" charset="0"/>
+                <a:cs typeface="Courier New" panose="02070309020205020404" pitchFamily="49" charset="0"/>
+              </a:rPr>
+              <a:t>:</a:t>
+            </a:r>
+            <a:r>
+              <a:rPr lang="pt-BR" sz="800" dirty="0">
+                <a:solidFill>
+                  <a:srgbClr val="CCCCCC"/>
+                </a:solidFill>
+                <a:latin typeface="Courier New" panose="02070309020205020404" pitchFamily="49" charset="0"/>
+                <a:cs typeface="Courier New" panose="02070309020205020404" pitchFamily="49" charset="0"/>
+              </a:rPr>
+              <a:t> </a:t>
+            </a:r>
+            <a:r>
+              <a:rPr lang="pt-BR" sz="800" dirty="0" err="1">
+                <a:solidFill>
+                  <a:srgbClr val="569CD6"/>
+                </a:solidFill>
+                <a:latin typeface="Courier New" panose="02070309020205020404" pitchFamily="49" charset="0"/>
+                <a:cs typeface="Courier New" panose="02070309020205020404" pitchFamily="49" charset="0"/>
+              </a:rPr>
+              <a:t>this</a:t>
+            </a:r>
+            <a:r>
+              <a:rPr lang="pt-BR" sz="800" dirty="0" err="1">
+                <a:solidFill>
+                  <a:srgbClr val="CCCCCC"/>
+                </a:solidFill>
+                <a:latin typeface="Courier New" panose="02070309020205020404" pitchFamily="49" charset="0"/>
+                <a:cs typeface="Courier New" panose="02070309020205020404" pitchFamily="49" charset="0"/>
+              </a:rPr>
+              <a:t>.</a:t>
+            </a:r>
+            <a:r>
+              <a:rPr lang="pt-BR" sz="800" dirty="0" err="1">
+                <a:solidFill>
+                  <a:srgbClr val="4FC1FF"/>
+                </a:solidFill>
+                <a:latin typeface="Courier New" panose="02070309020205020404" pitchFamily="49" charset="0"/>
+                <a:cs typeface="Courier New" panose="02070309020205020404" pitchFamily="49" charset="0"/>
+              </a:rPr>
+              <a:t>props</a:t>
+            </a:r>
+            <a:r>
+              <a:rPr lang="pt-BR" sz="800" dirty="0" err="1">
+                <a:solidFill>
+                  <a:srgbClr val="CCCCCC"/>
+                </a:solidFill>
+                <a:latin typeface="Courier New" panose="02070309020205020404" pitchFamily="49" charset="0"/>
+                <a:cs typeface="Courier New" panose="02070309020205020404" pitchFamily="49" charset="0"/>
+              </a:rPr>
+              <a:t>.</a:t>
+            </a:r>
+            <a:r>
+              <a:rPr lang="pt-BR" sz="800" dirty="0" err="1">
+                <a:solidFill>
+                  <a:srgbClr val="9CDCFE"/>
+                </a:solidFill>
+                <a:latin typeface="Courier New" panose="02070309020205020404" pitchFamily="49" charset="0"/>
+                <a:cs typeface="Courier New" panose="02070309020205020404" pitchFamily="49" charset="0"/>
+              </a:rPr>
+              <a:t>data</a:t>
+            </a:r>
+            <a:r>
+              <a:rPr lang="pt-BR" sz="800" dirty="0">
+                <a:solidFill>
+                  <a:srgbClr val="CCCCCC"/>
+                </a:solidFill>
+                <a:latin typeface="Courier New" panose="02070309020205020404" pitchFamily="49" charset="0"/>
+                <a:cs typeface="Courier New" panose="02070309020205020404" pitchFamily="49" charset="0"/>
+              </a:rPr>
+              <a:t>;</a:t>
+            </a:r>
+          </a:p>
+          <a:p>
+            <a:pPr marL="0" lvl="0" indent="0">
+              <a:lnSpc>
+                <a:spcPct val="100000"/>
+              </a:lnSpc>
+              <a:spcBef>
+                <a:spcPts val="0"/>
+              </a:spcBef>
+              <a:buNone/>
+            </a:pPr>
+            <a:r>
+              <a:rPr lang="pt-BR" sz="800" dirty="0">
+                <a:solidFill>
+                  <a:srgbClr val="CCCCCC"/>
+                </a:solidFill>
+                <a:latin typeface="Courier New" panose="02070309020205020404" pitchFamily="49" charset="0"/>
+                <a:cs typeface="Courier New" panose="02070309020205020404" pitchFamily="49" charset="0"/>
+              </a:rPr>
+              <a:t>        </a:t>
+            </a:r>
+            <a:r>
+              <a:rPr lang="pt-BR" sz="800" dirty="0" err="1">
+                <a:solidFill>
+                  <a:srgbClr val="569CD6"/>
+                </a:solidFill>
+                <a:latin typeface="Courier New" panose="02070309020205020404" pitchFamily="49" charset="0"/>
+                <a:cs typeface="Courier New" panose="02070309020205020404" pitchFamily="49" charset="0"/>
+              </a:rPr>
+              <a:t>const</a:t>
+            </a:r>
+            <a:r>
+              <a:rPr lang="pt-BR" sz="800" dirty="0">
+                <a:solidFill>
+                  <a:srgbClr val="CCCCCC"/>
+                </a:solidFill>
+                <a:latin typeface="Courier New" panose="02070309020205020404" pitchFamily="49" charset="0"/>
+                <a:cs typeface="Courier New" panose="02070309020205020404" pitchFamily="49" charset="0"/>
+              </a:rPr>
+              <a:t> </a:t>
+            </a:r>
+            <a:r>
+              <a:rPr lang="pt-BR" sz="800" dirty="0">
+                <a:solidFill>
+                  <a:srgbClr val="4FC1FF"/>
+                </a:solidFill>
+                <a:latin typeface="Courier New" panose="02070309020205020404" pitchFamily="49" charset="0"/>
+                <a:cs typeface="Courier New" panose="02070309020205020404" pitchFamily="49" charset="0"/>
+              </a:rPr>
+              <a:t>header</a:t>
+            </a:r>
+            <a:r>
+              <a:rPr lang="pt-BR" sz="800" dirty="0">
+                <a:solidFill>
+                  <a:srgbClr val="CCCCCC"/>
+                </a:solidFill>
+                <a:latin typeface="Courier New" panose="02070309020205020404" pitchFamily="49" charset="0"/>
+                <a:cs typeface="Courier New" panose="02070309020205020404" pitchFamily="49" charset="0"/>
+              </a:rPr>
+              <a:t> </a:t>
+            </a:r>
+            <a:r>
+              <a:rPr lang="pt-BR" sz="800" dirty="0">
+                <a:solidFill>
+                  <a:srgbClr val="D4D4D4"/>
+                </a:solidFill>
+                <a:latin typeface="Courier New" panose="02070309020205020404" pitchFamily="49" charset="0"/>
+                <a:cs typeface="Courier New" panose="02070309020205020404" pitchFamily="49" charset="0"/>
+              </a:rPr>
+              <a:t>=</a:t>
+            </a:r>
+            <a:r>
+              <a:rPr lang="pt-BR" sz="800" dirty="0">
+                <a:solidFill>
+                  <a:srgbClr val="CCCCCC"/>
+                </a:solidFill>
+                <a:latin typeface="Courier New" panose="02070309020205020404" pitchFamily="49" charset="0"/>
+                <a:cs typeface="Courier New" panose="02070309020205020404" pitchFamily="49" charset="0"/>
+              </a:rPr>
+              <a:t> </a:t>
+            </a:r>
+            <a:r>
+              <a:rPr lang="pt-BR" sz="800" dirty="0" err="1">
+                <a:solidFill>
+                  <a:srgbClr val="569CD6"/>
+                </a:solidFill>
+                <a:latin typeface="Courier New" panose="02070309020205020404" pitchFamily="49" charset="0"/>
+                <a:cs typeface="Courier New" panose="02070309020205020404" pitchFamily="49" charset="0"/>
+              </a:rPr>
+              <a:t>this</a:t>
+            </a:r>
+            <a:r>
+              <a:rPr lang="pt-BR" sz="800" dirty="0" err="1">
+                <a:solidFill>
+                  <a:srgbClr val="CCCCCC"/>
+                </a:solidFill>
+                <a:latin typeface="Courier New" panose="02070309020205020404" pitchFamily="49" charset="0"/>
+                <a:cs typeface="Courier New" panose="02070309020205020404" pitchFamily="49" charset="0"/>
+              </a:rPr>
+              <a:t>.</a:t>
+            </a:r>
+            <a:r>
+              <a:rPr lang="pt-BR" sz="800" dirty="0" err="1">
+                <a:solidFill>
+                  <a:srgbClr val="4FC1FF"/>
+                </a:solidFill>
+                <a:latin typeface="Courier New" panose="02070309020205020404" pitchFamily="49" charset="0"/>
+                <a:cs typeface="Courier New" panose="02070309020205020404" pitchFamily="49" charset="0"/>
+              </a:rPr>
+              <a:t>props</a:t>
+            </a:r>
+            <a:r>
+              <a:rPr lang="pt-BR" sz="800" dirty="0" err="1">
+                <a:solidFill>
+                  <a:srgbClr val="CCCCCC"/>
+                </a:solidFill>
+                <a:latin typeface="Courier New" panose="02070309020205020404" pitchFamily="49" charset="0"/>
+                <a:cs typeface="Courier New" panose="02070309020205020404" pitchFamily="49" charset="0"/>
+              </a:rPr>
+              <a:t>.</a:t>
+            </a:r>
+            <a:r>
+              <a:rPr lang="pt-BR" sz="800" dirty="0" err="1">
+                <a:solidFill>
+                  <a:srgbClr val="9CDCFE"/>
+                </a:solidFill>
+                <a:latin typeface="Courier New" panose="02070309020205020404" pitchFamily="49" charset="0"/>
+                <a:cs typeface="Courier New" panose="02070309020205020404" pitchFamily="49" charset="0"/>
+              </a:rPr>
+              <a:t>header</a:t>
+            </a:r>
+            <a:r>
+              <a:rPr lang="pt-BR" sz="800" dirty="0" err="1">
+                <a:solidFill>
+                  <a:srgbClr val="CCCCCC"/>
+                </a:solidFill>
+                <a:latin typeface="Courier New" panose="02070309020205020404" pitchFamily="49" charset="0"/>
+                <a:cs typeface="Courier New" panose="02070309020205020404" pitchFamily="49" charset="0"/>
+              </a:rPr>
+              <a:t>.</a:t>
+            </a:r>
+            <a:r>
+              <a:rPr lang="pt-BR" sz="800" dirty="0" err="1">
+                <a:solidFill>
+                  <a:srgbClr val="DCDCAA"/>
+                </a:solidFill>
+                <a:latin typeface="Courier New" panose="02070309020205020404" pitchFamily="49" charset="0"/>
+                <a:cs typeface="Courier New" panose="02070309020205020404" pitchFamily="49" charset="0"/>
+              </a:rPr>
+              <a:t>map</a:t>
+            </a:r>
+            <a:r>
+              <a:rPr lang="pt-BR" sz="800" dirty="0">
+                <a:solidFill>
+                  <a:srgbClr val="CCCCCC"/>
+                </a:solidFill>
+                <a:latin typeface="Courier New" panose="02070309020205020404" pitchFamily="49" charset="0"/>
+                <a:cs typeface="Courier New" panose="02070309020205020404" pitchFamily="49" charset="0"/>
+              </a:rPr>
+              <a:t>((</a:t>
+            </a:r>
+            <a:r>
+              <a:rPr lang="pt-BR" sz="800" dirty="0" err="1">
+                <a:solidFill>
+                  <a:srgbClr val="9CDCFE"/>
+                </a:solidFill>
+                <a:latin typeface="Courier New" panose="02070309020205020404" pitchFamily="49" charset="0"/>
+                <a:cs typeface="Courier New" panose="02070309020205020404" pitchFamily="49" charset="0"/>
+              </a:rPr>
+              <a:t>title</a:t>
+            </a:r>
+            <a:r>
+              <a:rPr lang="pt-BR" sz="800" dirty="0">
+                <a:solidFill>
+                  <a:srgbClr val="CCCCCC"/>
+                </a:solidFill>
+                <a:latin typeface="Courier New" panose="02070309020205020404" pitchFamily="49" charset="0"/>
+                <a:cs typeface="Courier New" panose="02070309020205020404" pitchFamily="49" charset="0"/>
+              </a:rPr>
+              <a:t>, </a:t>
+            </a:r>
+            <a:r>
+              <a:rPr lang="pt-BR" sz="800" dirty="0" err="1">
+                <a:solidFill>
+                  <a:srgbClr val="9CDCFE"/>
+                </a:solidFill>
+                <a:latin typeface="Courier New" panose="02070309020205020404" pitchFamily="49" charset="0"/>
+                <a:cs typeface="Courier New" panose="02070309020205020404" pitchFamily="49" charset="0"/>
+              </a:rPr>
+              <a:t>idx</a:t>
+            </a:r>
+            <a:r>
+              <a:rPr lang="pt-BR" sz="800" dirty="0">
+                <a:solidFill>
+                  <a:srgbClr val="CCCCCC"/>
+                </a:solidFill>
+                <a:latin typeface="Courier New" panose="02070309020205020404" pitchFamily="49" charset="0"/>
+                <a:cs typeface="Courier New" panose="02070309020205020404" pitchFamily="49" charset="0"/>
+              </a:rPr>
+              <a:t>) </a:t>
+            </a:r>
+            <a:r>
+              <a:rPr lang="pt-BR" sz="800" dirty="0">
+                <a:solidFill>
+                  <a:srgbClr val="569CD6"/>
+                </a:solidFill>
+                <a:latin typeface="Courier New" panose="02070309020205020404" pitchFamily="49" charset="0"/>
+                <a:cs typeface="Courier New" panose="02070309020205020404" pitchFamily="49" charset="0"/>
+              </a:rPr>
+              <a:t>=&gt;</a:t>
+            </a:r>
+            <a:r>
+              <a:rPr lang="pt-BR" sz="800" dirty="0">
+                <a:solidFill>
+                  <a:srgbClr val="CCCCCC"/>
+                </a:solidFill>
+                <a:latin typeface="Courier New" panose="02070309020205020404" pitchFamily="49" charset="0"/>
+                <a:cs typeface="Courier New" panose="02070309020205020404" pitchFamily="49" charset="0"/>
+              </a:rPr>
+              <a:t> {</a:t>
+            </a:r>
+          </a:p>
+          <a:p>
+            <a:pPr marL="0" lvl="0" indent="0">
+              <a:lnSpc>
+                <a:spcPct val="100000"/>
+              </a:lnSpc>
+              <a:spcBef>
+                <a:spcPts val="0"/>
+              </a:spcBef>
+              <a:buNone/>
+            </a:pPr>
+            <a:r>
+              <a:rPr lang="pt-BR" sz="800" dirty="0">
+                <a:solidFill>
+                  <a:srgbClr val="CCCCCC"/>
+                </a:solidFill>
+                <a:latin typeface="Courier New" panose="02070309020205020404" pitchFamily="49" charset="0"/>
+                <a:cs typeface="Courier New" panose="02070309020205020404" pitchFamily="49" charset="0"/>
+              </a:rPr>
+              <a:t>            </a:t>
+            </a:r>
+            <a:r>
+              <a:rPr lang="pt-BR" sz="800" dirty="0" err="1">
+                <a:solidFill>
+                  <a:srgbClr val="C586C0"/>
+                </a:solidFill>
+                <a:latin typeface="Courier New" panose="02070309020205020404" pitchFamily="49" charset="0"/>
+                <a:cs typeface="Courier New" panose="02070309020205020404" pitchFamily="49" charset="0"/>
+              </a:rPr>
+              <a:t>if</a:t>
+            </a:r>
+            <a:r>
+              <a:rPr lang="pt-BR" sz="800" dirty="0">
+                <a:solidFill>
+                  <a:srgbClr val="CCCCCC"/>
+                </a:solidFill>
+                <a:latin typeface="Courier New" panose="02070309020205020404" pitchFamily="49" charset="0"/>
+                <a:cs typeface="Courier New" panose="02070309020205020404" pitchFamily="49" charset="0"/>
+              </a:rPr>
+              <a:t> (</a:t>
+            </a:r>
+            <a:r>
+              <a:rPr lang="pt-BR" sz="800" dirty="0" err="1">
+                <a:solidFill>
+                  <a:srgbClr val="569CD6"/>
+                </a:solidFill>
+                <a:latin typeface="Courier New" panose="02070309020205020404" pitchFamily="49" charset="0"/>
+                <a:cs typeface="Courier New" panose="02070309020205020404" pitchFamily="49" charset="0"/>
+              </a:rPr>
+              <a:t>this</a:t>
+            </a:r>
+            <a:r>
+              <a:rPr lang="pt-BR" sz="800" dirty="0" err="1">
+                <a:solidFill>
+                  <a:srgbClr val="CCCCCC"/>
+                </a:solidFill>
+                <a:latin typeface="Courier New" panose="02070309020205020404" pitchFamily="49" charset="0"/>
+                <a:cs typeface="Courier New" panose="02070309020205020404" pitchFamily="49" charset="0"/>
+              </a:rPr>
+              <a:t>.</a:t>
+            </a:r>
+            <a:r>
+              <a:rPr lang="pt-BR" sz="800" dirty="0" err="1">
+                <a:solidFill>
+                  <a:srgbClr val="9CDCFE"/>
+                </a:solidFill>
+                <a:latin typeface="Courier New" panose="02070309020205020404" pitchFamily="49" charset="0"/>
+                <a:cs typeface="Courier New" panose="02070309020205020404" pitchFamily="49" charset="0"/>
+              </a:rPr>
+              <a:t>state</a:t>
+            </a:r>
+            <a:r>
+              <a:rPr lang="pt-BR" sz="800" dirty="0" err="1">
+                <a:solidFill>
+                  <a:srgbClr val="CCCCCC"/>
+                </a:solidFill>
+                <a:latin typeface="Courier New" panose="02070309020205020404" pitchFamily="49" charset="0"/>
+                <a:cs typeface="Courier New" panose="02070309020205020404" pitchFamily="49" charset="0"/>
+              </a:rPr>
+              <a:t>.</a:t>
+            </a:r>
+            <a:r>
+              <a:rPr lang="pt-BR" sz="800" dirty="0" err="1">
+                <a:solidFill>
+                  <a:srgbClr val="9CDCFE"/>
+                </a:solidFill>
+                <a:latin typeface="Courier New" panose="02070309020205020404" pitchFamily="49" charset="0"/>
+                <a:cs typeface="Courier New" panose="02070309020205020404" pitchFamily="49" charset="0"/>
+              </a:rPr>
+              <a:t>sortby</a:t>
+            </a:r>
+            <a:r>
+              <a:rPr lang="pt-BR" sz="800" dirty="0">
+                <a:solidFill>
+                  <a:srgbClr val="CCCCCC"/>
+                </a:solidFill>
+                <a:latin typeface="Courier New" panose="02070309020205020404" pitchFamily="49" charset="0"/>
+                <a:cs typeface="Courier New" panose="02070309020205020404" pitchFamily="49" charset="0"/>
+              </a:rPr>
+              <a:t> </a:t>
+            </a:r>
+            <a:r>
+              <a:rPr lang="pt-BR" sz="800" dirty="0">
+                <a:solidFill>
+                  <a:srgbClr val="D4D4D4"/>
+                </a:solidFill>
+                <a:latin typeface="Courier New" panose="02070309020205020404" pitchFamily="49" charset="0"/>
+                <a:cs typeface="Courier New" panose="02070309020205020404" pitchFamily="49" charset="0"/>
+              </a:rPr>
+              <a:t>===</a:t>
+            </a:r>
+            <a:r>
+              <a:rPr lang="pt-BR" sz="800" dirty="0">
+                <a:solidFill>
+                  <a:srgbClr val="CCCCCC"/>
+                </a:solidFill>
+                <a:latin typeface="Courier New" panose="02070309020205020404" pitchFamily="49" charset="0"/>
+                <a:cs typeface="Courier New" panose="02070309020205020404" pitchFamily="49" charset="0"/>
+              </a:rPr>
+              <a:t> </a:t>
+            </a:r>
+            <a:r>
+              <a:rPr lang="pt-BR" sz="800" dirty="0" err="1">
+                <a:solidFill>
+                  <a:srgbClr val="9CDCFE"/>
+                </a:solidFill>
+                <a:latin typeface="Courier New" panose="02070309020205020404" pitchFamily="49" charset="0"/>
+                <a:cs typeface="Courier New" panose="02070309020205020404" pitchFamily="49" charset="0"/>
+              </a:rPr>
+              <a:t>idx</a:t>
+            </a:r>
+            <a:r>
+              <a:rPr lang="pt-BR" sz="800" dirty="0">
+                <a:solidFill>
+                  <a:srgbClr val="CCCCCC"/>
+                </a:solidFill>
+                <a:latin typeface="Courier New" panose="02070309020205020404" pitchFamily="49" charset="0"/>
+                <a:cs typeface="Courier New" panose="02070309020205020404" pitchFamily="49" charset="0"/>
+              </a:rPr>
+              <a:t>) {</a:t>
+            </a:r>
+          </a:p>
+          <a:p>
+            <a:pPr marL="0" lvl="0" indent="0">
+              <a:lnSpc>
+                <a:spcPct val="100000"/>
+              </a:lnSpc>
+              <a:spcBef>
+                <a:spcPts val="0"/>
+              </a:spcBef>
+              <a:buNone/>
+            </a:pPr>
+            <a:r>
+              <a:rPr lang="pt-BR" sz="800" dirty="0">
+                <a:solidFill>
+                  <a:srgbClr val="CCCCCC"/>
+                </a:solidFill>
+                <a:latin typeface="Courier New" panose="02070309020205020404" pitchFamily="49" charset="0"/>
+                <a:cs typeface="Courier New" panose="02070309020205020404" pitchFamily="49" charset="0"/>
+              </a:rPr>
+              <a:t>                </a:t>
+            </a:r>
+            <a:r>
+              <a:rPr lang="pt-BR" sz="800" dirty="0" err="1">
+                <a:solidFill>
+                  <a:srgbClr val="9CDCFE"/>
+                </a:solidFill>
+                <a:latin typeface="Courier New" panose="02070309020205020404" pitchFamily="49" charset="0"/>
+                <a:cs typeface="Courier New" panose="02070309020205020404" pitchFamily="49" charset="0"/>
+              </a:rPr>
+              <a:t>title</a:t>
+            </a:r>
+            <a:r>
+              <a:rPr lang="pt-BR" sz="800" dirty="0">
+                <a:solidFill>
+                  <a:srgbClr val="CCCCCC"/>
+                </a:solidFill>
+                <a:latin typeface="Courier New" panose="02070309020205020404" pitchFamily="49" charset="0"/>
+                <a:cs typeface="Courier New" panose="02070309020205020404" pitchFamily="49" charset="0"/>
+              </a:rPr>
+              <a:t> </a:t>
+            </a:r>
+            <a:r>
+              <a:rPr lang="pt-BR" sz="800" dirty="0">
+                <a:solidFill>
+                  <a:srgbClr val="D4D4D4"/>
+                </a:solidFill>
+                <a:latin typeface="Courier New" panose="02070309020205020404" pitchFamily="49" charset="0"/>
+                <a:cs typeface="Courier New" panose="02070309020205020404" pitchFamily="49" charset="0"/>
+              </a:rPr>
+              <a:t>+=</a:t>
+            </a:r>
+            <a:r>
+              <a:rPr lang="pt-BR" sz="800" dirty="0">
+                <a:solidFill>
+                  <a:srgbClr val="CCCCCC"/>
+                </a:solidFill>
+                <a:latin typeface="Courier New" panose="02070309020205020404" pitchFamily="49" charset="0"/>
+                <a:cs typeface="Courier New" panose="02070309020205020404" pitchFamily="49" charset="0"/>
+              </a:rPr>
+              <a:t> </a:t>
+            </a:r>
+            <a:r>
+              <a:rPr lang="pt-BR" sz="800" dirty="0" err="1">
+                <a:solidFill>
+                  <a:srgbClr val="569CD6"/>
+                </a:solidFill>
+                <a:latin typeface="Courier New" panose="02070309020205020404" pitchFamily="49" charset="0"/>
+                <a:cs typeface="Courier New" panose="02070309020205020404" pitchFamily="49" charset="0"/>
+              </a:rPr>
+              <a:t>this</a:t>
+            </a:r>
+            <a:r>
+              <a:rPr lang="pt-BR" sz="800" dirty="0" err="1">
+                <a:solidFill>
+                  <a:srgbClr val="CCCCCC"/>
+                </a:solidFill>
+                <a:latin typeface="Courier New" panose="02070309020205020404" pitchFamily="49" charset="0"/>
+                <a:cs typeface="Courier New" panose="02070309020205020404" pitchFamily="49" charset="0"/>
+              </a:rPr>
+              <a:t>.</a:t>
+            </a:r>
+            <a:r>
+              <a:rPr lang="pt-BR" sz="800" dirty="0" err="1">
+                <a:solidFill>
+                  <a:srgbClr val="9CDCFE"/>
+                </a:solidFill>
+                <a:latin typeface="Courier New" panose="02070309020205020404" pitchFamily="49" charset="0"/>
+                <a:cs typeface="Courier New" panose="02070309020205020404" pitchFamily="49" charset="0"/>
+              </a:rPr>
+              <a:t>state</a:t>
+            </a:r>
+            <a:r>
+              <a:rPr lang="pt-BR" sz="800" dirty="0" err="1">
+                <a:solidFill>
+                  <a:srgbClr val="CCCCCC"/>
+                </a:solidFill>
+                <a:latin typeface="Courier New" panose="02070309020205020404" pitchFamily="49" charset="0"/>
+                <a:cs typeface="Courier New" panose="02070309020205020404" pitchFamily="49" charset="0"/>
+              </a:rPr>
+              <a:t>.</a:t>
+            </a:r>
+            <a:r>
+              <a:rPr lang="pt-BR" sz="800" dirty="0" err="1">
+                <a:solidFill>
+                  <a:srgbClr val="9CDCFE"/>
+                </a:solidFill>
+                <a:latin typeface="Courier New" panose="02070309020205020404" pitchFamily="49" charset="0"/>
+                <a:cs typeface="Courier New" panose="02070309020205020404" pitchFamily="49" charset="0"/>
+              </a:rPr>
+              <a:t>descending</a:t>
+            </a:r>
+            <a:r>
+              <a:rPr lang="pt-BR" sz="800" dirty="0">
+                <a:solidFill>
+                  <a:srgbClr val="CCCCCC"/>
+                </a:solidFill>
+                <a:latin typeface="Courier New" panose="02070309020205020404" pitchFamily="49" charset="0"/>
+                <a:cs typeface="Courier New" panose="02070309020205020404" pitchFamily="49" charset="0"/>
+              </a:rPr>
+              <a:t> </a:t>
+            </a:r>
+            <a:r>
+              <a:rPr lang="pt-BR" sz="800" dirty="0">
+                <a:solidFill>
+                  <a:srgbClr val="D4D4D4"/>
+                </a:solidFill>
+                <a:latin typeface="Courier New" panose="02070309020205020404" pitchFamily="49" charset="0"/>
+                <a:cs typeface="Courier New" panose="02070309020205020404" pitchFamily="49" charset="0"/>
+              </a:rPr>
+              <a:t>?</a:t>
+            </a:r>
+            <a:r>
+              <a:rPr lang="pt-BR" sz="800" dirty="0">
+                <a:solidFill>
+                  <a:srgbClr val="CCCCCC"/>
+                </a:solidFill>
+                <a:latin typeface="Courier New" panose="02070309020205020404" pitchFamily="49" charset="0"/>
+                <a:cs typeface="Courier New" panose="02070309020205020404" pitchFamily="49" charset="0"/>
+              </a:rPr>
+              <a:t> </a:t>
+            </a:r>
+            <a:r>
+              <a:rPr lang="pt-BR" sz="800" dirty="0">
+                <a:solidFill>
+                  <a:srgbClr val="CE9178"/>
+                </a:solidFill>
+                <a:latin typeface="Courier New" panose="02070309020205020404" pitchFamily="49" charset="0"/>
+                <a:cs typeface="Courier New" panose="02070309020205020404" pitchFamily="49" charset="0"/>
+              </a:rPr>
+              <a:t>' </a:t>
+            </a:r>
+            <a:r>
+              <a:rPr lang="pt-BR" sz="800" dirty="0">
+                <a:solidFill>
+                  <a:srgbClr val="D7BA7D"/>
+                </a:solidFill>
+                <a:latin typeface="Courier New" panose="02070309020205020404" pitchFamily="49" charset="0"/>
+                <a:cs typeface="Courier New" panose="02070309020205020404" pitchFamily="49" charset="0"/>
+              </a:rPr>
+              <a:t>\u2191</a:t>
+            </a:r>
+            <a:r>
+              <a:rPr lang="pt-BR" sz="800" dirty="0">
+                <a:solidFill>
+                  <a:srgbClr val="CE9178"/>
+                </a:solidFill>
+                <a:latin typeface="Courier New" panose="02070309020205020404" pitchFamily="49" charset="0"/>
+                <a:cs typeface="Courier New" panose="02070309020205020404" pitchFamily="49" charset="0"/>
+              </a:rPr>
+              <a:t>'</a:t>
+            </a:r>
+            <a:r>
+              <a:rPr lang="pt-BR" sz="800" dirty="0">
+                <a:solidFill>
+                  <a:srgbClr val="CCCCCC"/>
+                </a:solidFill>
+                <a:latin typeface="Courier New" panose="02070309020205020404" pitchFamily="49" charset="0"/>
+                <a:cs typeface="Courier New" panose="02070309020205020404" pitchFamily="49" charset="0"/>
+              </a:rPr>
+              <a:t> </a:t>
+            </a:r>
+            <a:r>
+              <a:rPr lang="pt-BR" sz="800" dirty="0">
+                <a:solidFill>
+                  <a:srgbClr val="D4D4D4"/>
+                </a:solidFill>
+                <a:latin typeface="Courier New" panose="02070309020205020404" pitchFamily="49" charset="0"/>
+                <a:cs typeface="Courier New" panose="02070309020205020404" pitchFamily="49" charset="0"/>
+              </a:rPr>
+              <a:t>:</a:t>
+            </a:r>
+            <a:r>
+              <a:rPr lang="pt-BR" sz="800" dirty="0">
+                <a:solidFill>
+                  <a:srgbClr val="CCCCCC"/>
+                </a:solidFill>
+                <a:latin typeface="Courier New" panose="02070309020205020404" pitchFamily="49" charset="0"/>
+                <a:cs typeface="Courier New" panose="02070309020205020404" pitchFamily="49" charset="0"/>
+              </a:rPr>
+              <a:t> </a:t>
+            </a:r>
+            <a:r>
+              <a:rPr lang="pt-BR" sz="800" dirty="0">
+                <a:solidFill>
+                  <a:srgbClr val="CE9178"/>
+                </a:solidFill>
+                <a:latin typeface="Courier New" panose="02070309020205020404" pitchFamily="49" charset="0"/>
+                <a:cs typeface="Courier New" panose="02070309020205020404" pitchFamily="49" charset="0"/>
+              </a:rPr>
+              <a:t>' </a:t>
+            </a:r>
+            <a:r>
+              <a:rPr lang="pt-BR" sz="800" dirty="0">
+                <a:solidFill>
+                  <a:srgbClr val="D7BA7D"/>
+                </a:solidFill>
+                <a:latin typeface="Courier New" panose="02070309020205020404" pitchFamily="49" charset="0"/>
+                <a:cs typeface="Courier New" panose="02070309020205020404" pitchFamily="49" charset="0"/>
+              </a:rPr>
+              <a:t>\u2193</a:t>
+            </a:r>
+            <a:r>
+              <a:rPr lang="pt-BR" sz="800" dirty="0">
+                <a:solidFill>
+                  <a:srgbClr val="CE9178"/>
+                </a:solidFill>
+                <a:latin typeface="Courier New" panose="02070309020205020404" pitchFamily="49" charset="0"/>
+                <a:cs typeface="Courier New" panose="02070309020205020404" pitchFamily="49" charset="0"/>
+              </a:rPr>
+              <a:t>'</a:t>
+            </a:r>
+            <a:r>
+              <a:rPr lang="pt-BR" sz="800" dirty="0">
+                <a:solidFill>
+                  <a:srgbClr val="CCCCCC"/>
+                </a:solidFill>
+                <a:latin typeface="Courier New" panose="02070309020205020404" pitchFamily="49" charset="0"/>
+                <a:cs typeface="Courier New" panose="02070309020205020404" pitchFamily="49" charset="0"/>
+              </a:rPr>
+              <a:t>;</a:t>
+            </a:r>
+          </a:p>
+          <a:p>
+            <a:pPr marL="0" lvl="0" indent="0">
+              <a:lnSpc>
+                <a:spcPct val="100000"/>
+              </a:lnSpc>
+              <a:spcBef>
+                <a:spcPts val="0"/>
+              </a:spcBef>
+              <a:buNone/>
+            </a:pPr>
+            <a:r>
+              <a:rPr lang="pt-BR" sz="800" dirty="0">
+                <a:solidFill>
+                  <a:srgbClr val="CCCCCC"/>
+                </a:solidFill>
+                <a:latin typeface="Courier New" panose="02070309020205020404" pitchFamily="49" charset="0"/>
+                <a:cs typeface="Courier New" panose="02070309020205020404" pitchFamily="49" charset="0"/>
+              </a:rPr>
+              <a:t>            }</a:t>
+            </a:r>
+          </a:p>
+          <a:p>
+            <a:pPr marL="0" lvl="0" indent="0">
+              <a:lnSpc>
+                <a:spcPct val="100000"/>
+              </a:lnSpc>
+              <a:spcBef>
+                <a:spcPts val="0"/>
+              </a:spcBef>
+              <a:buNone/>
+            </a:pPr>
+            <a:r>
+              <a:rPr lang="pt-BR" sz="800" dirty="0">
+                <a:solidFill>
+                  <a:srgbClr val="CCCCCC"/>
+                </a:solidFill>
+                <a:latin typeface="Courier New" panose="02070309020205020404" pitchFamily="49" charset="0"/>
+                <a:cs typeface="Courier New" panose="02070309020205020404" pitchFamily="49" charset="0"/>
+              </a:rPr>
+              <a:t>            </a:t>
+            </a:r>
+            <a:r>
+              <a:rPr lang="pt-BR" sz="800" dirty="0" err="1">
+                <a:solidFill>
+                  <a:srgbClr val="C586C0"/>
+                </a:solidFill>
+                <a:latin typeface="Courier New" panose="02070309020205020404" pitchFamily="49" charset="0"/>
+                <a:cs typeface="Courier New" panose="02070309020205020404" pitchFamily="49" charset="0"/>
+              </a:rPr>
+              <a:t>return</a:t>
+            </a:r>
+            <a:r>
+              <a:rPr lang="pt-BR" sz="800" dirty="0">
+                <a:solidFill>
+                  <a:srgbClr val="CCCCCC"/>
+                </a:solidFill>
+                <a:latin typeface="Courier New" panose="02070309020205020404" pitchFamily="49" charset="0"/>
+                <a:cs typeface="Courier New" panose="02070309020205020404" pitchFamily="49" charset="0"/>
+              </a:rPr>
+              <a:t> </a:t>
+            </a:r>
+            <a:r>
+              <a:rPr lang="pt-BR" sz="800" dirty="0" err="1">
+                <a:solidFill>
+                  <a:srgbClr val="9CDCFE"/>
+                </a:solidFill>
+                <a:latin typeface="Courier New" panose="02070309020205020404" pitchFamily="49" charset="0"/>
+                <a:cs typeface="Courier New" panose="02070309020205020404" pitchFamily="49" charset="0"/>
+              </a:rPr>
+              <a:t>title</a:t>
+            </a:r>
+            <a:r>
+              <a:rPr lang="pt-BR" sz="800" dirty="0">
+                <a:solidFill>
+                  <a:srgbClr val="CCCCCC"/>
+                </a:solidFill>
+                <a:latin typeface="Courier New" panose="02070309020205020404" pitchFamily="49" charset="0"/>
+                <a:cs typeface="Courier New" panose="02070309020205020404" pitchFamily="49" charset="0"/>
+              </a:rPr>
+              <a:t>;</a:t>
+            </a:r>
+          </a:p>
+          <a:p>
+            <a:pPr marL="0" lvl="0" indent="0">
+              <a:lnSpc>
+                <a:spcPct val="100000"/>
+              </a:lnSpc>
+              <a:spcBef>
+                <a:spcPts val="0"/>
+              </a:spcBef>
+              <a:buNone/>
+            </a:pPr>
+            <a:r>
+              <a:rPr lang="pt-BR" sz="800" dirty="0">
+                <a:solidFill>
+                  <a:srgbClr val="CCCCCC"/>
+                </a:solidFill>
+                <a:latin typeface="Courier New" panose="02070309020205020404" pitchFamily="49" charset="0"/>
+                <a:cs typeface="Courier New" panose="02070309020205020404" pitchFamily="49" charset="0"/>
+              </a:rPr>
+              <a:t>        });</a:t>
+            </a:r>
+          </a:p>
+          <a:p>
+            <a:pPr marL="0" lvl="0" indent="0">
+              <a:lnSpc>
+                <a:spcPct val="100000"/>
+              </a:lnSpc>
+              <a:spcBef>
+                <a:spcPts val="0"/>
+              </a:spcBef>
+              <a:buNone/>
+            </a:pPr>
+            <a:br>
+              <a:rPr lang="pt-BR" sz="800" dirty="0">
+                <a:solidFill>
+                  <a:srgbClr val="CCCCCC"/>
+                </a:solidFill>
+                <a:latin typeface="Courier New" panose="02070309020205020404" pitchFamily="49" charset="0"/>
+                <a:cs typeface="Courier New" panose="02070309020205020404" pitchFamily="49" charset="0"/>
+              </a:rPr>
+            </a:br>
+            <a:r>
+              <a:rPr lang="pt-BR" sz="800" dirty="0">
+                <a:solidFill>
+                  <a:srgbClr val="CCCCCC"/>
+                </a:solidFill>
+                <a:latin typeface="Courier New" panose="02070309020205020404" pitchFamily="49" charset="0"/>
+                <a:cs typeface="Courier New" panose="02070309020205020404" pitchFamily="49" charset="0"/>
+              </a:rPr>
+              <a:t>        </a:t>
+            </a:r>
+            <a:r>
+              <a:rPr lang="pt-BR" sz="800" dirty="0" err="1">
+                <a:solidFill>
+                  <a:srgbClr val="C586C0"/>
+                </a:solidFill>
+                <a:latin typeface="Courier New" panose="02070309020205020404" pitchFamily="49" charset="0"/>
+                <a:cs typeface="Courier New" panose="02070309020205020404" pitchFamily="49" charset="0"/>
+              </a:rPr>
+              <a:t>return</a:t>
+            </a:r>
+            <a:r>
+              <a:rPr lang="pt-BR" sz="800" dirty="0">
+                <a:solidFill>
+                  <a:srgbClr val="CCCCCC"/>
+                </a:solidFill>
+                <a:latin typeface="Courier New" panose="02070309020205020404" pitchFamily="49" charset="0"/>
+                <a:cs typeface="Courier New" panose="02070309020205020404" pitchFamily="49" charset="0"/>
+              </a:rPr>
+              <a:t> (</a:t>
+            </a:r>
+          </a:p>
+          <a:p>
+            <a:pPr marL="0" lvl="0" indent="0">
+              <a:lnSpc>
+                <a:spcPct val="100000"/>
+              </a:lnSpc>
+              <a:spcBef>
+                <a:spcPts val="0"/>
+              </a:spcBef>
+              <a:buNone/>
+            </a:pPr>
+            <a:r>
+              <a:rPr lang="pt-BR" sz="800" dirty="0">
+                <a:solidFill>
+                  <a:srgbClr val="CCCCCC"/>
+                </a:solidFill>
+                <a:latin typeface="Courier New" panose="02070309020205020404" pitchFamily="49" charset="0"/>
+                <a:cs typeface="Courier New" panose="02070309020205020404" pitchFamily="49" charset="0"/>
+              </a:rPr>
+              <a:t>            </a:t>
+            </a:r>
+            <a:r>
+              <a:rPr lang="pt-BR" sz="800" dirty="0">
+                <a:solidFill>
+                  <a:srgbClr val="808080"/>
+                </a:solidFill>
+                <a:latin typeface="Courier New" panose="02070309020205020404" pitchFamily="49" charset="0"/>
+                <a:cs typeface="Courier New" panose="02070309020205020404" pitchFamily="49" charset="0"/>
+              </a:rPr>
+              <a:t>&lt;</a:t>
+            </a:r>
+            <a:r>
+              <a:rPr lang="pt-BR" sz="800" dirty="0" err="1">
+                <a:solidFill>
+                  <a:srgbClr val="569CD6"/>
+                </a:solidFill>
+                <a:latin typeface="Courier New" panose="02070309020205020404" pitchFamily="49" charset="0"/>
+                <a:cs typeface="Courier New" panose="02070309020205020404" pitchFamily="49" charset="0"/>
+              </a:rPr>
+              <a:t>table</a:t>
+            </a:r>
+            <a:r>
+              <a:rPr lang="pt-BR" sz="800" dirty="0">
+                <a:solidFill>
+                  <a:srgbClr val="CCCCCC"/>
+                </a:solidFill>
+                <a:latin typeface="Courier New" panose="02070309020205020404" pitchFamily="49" charset="0"/>
+                <a:cs typeface="Courier New" panose="02070309020205020404" pitchFamily="49" charset="0"/>
+              </a:rPr>
+              <a:t> </a:t>
+            </a:r>
+            <a:r>
+              <a:rPr lang="pt-BR" sz="800" dirty="0" err="1">
+                <a:solidFill>
+                  <a:srgbClr val="9CDCFE"/>
+                </a:solidFill>
+                <a:latin typeface="Courier New" panose="02070309020205020404" pitchFamily="49" charset="0"/>
+                <a:cs typeface="Courier New" panose="02070309020205020404" pitchFamily="49" charset="0"/>
+              </a:rPr>
+              <a:t>onClick</a:t>
+            </a:r>
+            <a:r>
+              <a:rPr lang="pt-BR" sz="800" dirty="0">
+                <a:solidFill>
+                  <a:srgbClr val="D4D4D4"/>
+                </a:solidFill>
+                <a:latin typeface="Courier New" panose="02070309020205020404" pitchFamily="49" charset="0"/>
+                <a:cs typeface="Courier New" panose="02070309020205020404" pitchFamily="49" charset="0"/>
+              </a:rPr>
+              <a:t>=</a:t>
+            </a:r>
+            <a:r>
+              <a:rPr lang="pt-BR" sz="800" dirty="0">
+                <a:solidFill>
+                  <a:srgbClr val="569CD6"/>
+                </a:solidFill>
+                <a:latin typeface="Courier New" panose="02070309020205020404" pitchFamily="49" charset="0"/>
+                <a:cs typeface="Courier New" panose="02070309020205020404" pitchFamily="49" charset="0"/>
+              </a:rPr>
+              <a:t>{</a:t>
+            </a:r>
+            <a:r>
+              <a:rPr lang="pt-BR" sz="800" dirty="0" err="1">
+                <a:solidFill>
+                  <a:srgbClr val="569CD6"/>
+                </a:solidFill>
+                <a:latin typeface="Courier New" panose="02070309020205020404" pitchFamily="49" charset="0"/>
+                <a:cs typeface="Courier New" panose="02070309020205020404" pitchFamily="49" charset="0"/>
+              </a:rPr>
+              <a:t>this</a:t>
+            </a:r>
+            <a:r>
+              <a:rPr lang="pt-BR" sz="800" dirty="0" err="1">
+                <a:solidFill>
+                  <a:srgbClr val="D4D4D4"/>
+                </a:solidFill>
+                <a:latin typeface="Courier New" panose="02070309020205020404" pitchFamily="49" charset="0"/>
+                <a:cs typeface="Courier New" panose="02070309020205020404" pitchFamily="49" charset="0"/>
+              </a:rPr>
+              <a:t>.</a:t>
+            </a:r>
+            <a:r>
+              <a:rPr lang="pt-BR" sz="800" dirty="0" err="1">
+                <a:solidFill>
+                  <a:srgbClr val="DCDCAA"/>
+                </a:solidFill>
+                <a:latin typeface="Courier New" panose="02070309020205020404" pitchFamily="49" charset="0"/>
+                <a:cs typeface="Courier New" panose="02070309020205020404" pitchFamily="49" charset="0"/>
+              </a:rPr>
+              <a:t>onClick</a:t>
+            </a:r>
+            <a:r>
+              <a:rPr lang="pt-BR" sz="800" dirty="0">
+                <a:solidFill>
+                  <a:srgbClr val="569CD6"/>
+                </a:solidFill>
+                <a:latin typeface="Courier New" panose="02070309020205020404" pitchFamily="49" charset="0"/>
+                <a:cs typeface="Courier New" panose="02070309020205020404" pitchFamily="49" charset="0"/>
+              </a:rPr>
+              <a:t>}</a:t>
+            </a:r>
+            <a:r>
+              <a:rPr lang="pt-BR" sz="800" dirty="0">
+                <a:solidFill>
+                  <a:srgbClr val="808080"/>
+                </a:solidFill>
+                <a:latin typeface="Courier New" panose="02070309020205020404" pitchFamily="49" charset="0"/>
+                <a:cs typeface="Courier New" panose="02070309020205020404" pitchFamily="49" charset="0"/>
+              </a:rPr>
+              <a:t>&gt;</a:t>
+            </a:r>
+            <a:endParaRPr lang="pt-BR" sz="800" dirty="0">
+              <a:solidFill>
+                <a:srgbClr val="CCCCCC"/>
+              </a:solidFill>
+              <a:latin typeface="Courier New" panose="02070309020205020404" pitchFamily="49" charset="0"/>
+              <a:cs typeface="Courier New" panose="02070309020205020404" pitchFamily="49" charset="0"/>
+            </a:endParaRPr>
+          </a:p>
+          <a:p>
+            <a:pPr marL="0" lvl="0" indent="0">
+              <a:lnSpc>
+                <a:spcPct val="100000"/>
+              </a:lnSpc>
+              <a:spcBef>
+                <a:spcPts val="0"/>
+              </a:spcBef>
+              <a:buNone/>
+            </a:pPr>
+            <a:r>
+              <a:rPr lang="pt-BR" sz="800" dirty="0">
+                <a:solidFill>
+                  <a:srgbClr val="CCCCCC"/>
+                </a:solidFill>
+                <a:latin typeface="Courier New" panose="02070309020205020404" pitchFamily="49" charset="0"/>
+                <a:cs typeface="Courier New" panose="02070309020205020404" pitchFamily="49" charset="0"/>
+              </a:rPr>
+              <a:t>                </a:t>
+            </a:r>
+            <a:r>
+              <a:rPr lang="pt-BR" sz="800" dirty="0">
+                <a:solidFill>
+                  <a:srgbClr val="808080"/>
+                </a:solidFill>
+                <a:latin typeface="Courier New" panose="02070309020205020404" pitchFamily="49" charset="0"/>
+                <a:cs typeface="Courier New" panose="02070309020205020404" pitchFamily="49" charset="0"/>
+              </a:rPr>
+              <a:t>&lt;</a:t>
+            </a:r>
+            <a:r>
+              <a:rPr lang="pt-BR" sz="800" dirty="0" err="1">
+                <a:solidFill>
+                  <a:srgbClr val="569CD6"/>
+                </a:solidFill>
+                <a:latin typeface="Courier New" panose="02070309020205020404" pitchFamily="49" charset="0"/>
+                <a:cs typeface="Courier New" panose="02070309020205020404" pitchFamily="49" charset="0"/>
+              </a:rPr>
+              <a:t>caption</a:t>
+            </a:r>
+            <a:r>
+              <a:rPr lang="pt-BR" sz="800" dirty="0">
+                <a:solidFill>
+                  <a:srgbClr val="808080"/>
+                </a:solidFill>
+                <a:latin typeface="Courier New" panose="02070309020205020404" pitchFamily="49" charset="0"/>
+                <a:cs typeface="Courier New" panose="02070309020205020404" pitchFamily="49" charset="0"/>
+              </a:rPr>
+              <a:t>&gt;</a:t>
+            </a:r>
+            <a:r>
+              <a:rPr lang="pt-BR" sz="800" dirty="0">
+                <a:solidFill>
+                  <a:srgbClr val="569CD6"/>
+                </a:solidFill>
+                <a:latin typeface="Courier New" panose="02070309020205020404" pitchFamily="49" charset="0"/>
+                <a:cs typeface="Courier New" panose="02070309020205020404" pitchFamily="49" charset="0"/>
+              </a:rPr>
+              <a:t>{</a:t>
+            </a:r>
+            <a:r>
+              <a:rPr lang="pt-BR" sz="800" dirty="0" err="1">
+                <a:solidFill>
+                  <a:srgbClr val="4FC1FF"/>
+                </a:solidFill>
+                <a:latin typeface="Courier New" panose="02070309020205020404" pitchFamily="49" charset="0"/>
+                <a:cs typeface="Courier New" panose="02070309020205020404" pitchFamily="49" charset="0"/>
+              </a:rPr>
+              <a:t>caption</a:t>
+            </a:r>
+            <a:r>
+              <a:rPr lang="pt-BR" sz="800" dirty="0">
+                <a:solidFill>
+                  <a:srgbClr val="569CD6"/>
+                </a:solidFill>
+                <a:latin typeface="Courier New" panose="02070309020205020404" pitchFamily="49" charset="0"/>
+                <a:cs typeface="Courier New" panose="02070309020205020404" pitchFamily="49" charset="0"/>
+              </a:rPr>
+              <a:t>}</a:t>
+            </a:r>
+            <a:r>
+              <a:rPr lang="pt-BR" sz="800" dirty="0">
+                <a:solidFill>
+                  <a:srgbClr val="808080"/>
+                </a:solidFill>
+                <a:latin typeface="Courier New" panose="02070309020205020404" pitchFamily="49" charset="0"/>
+                <a:cs typeface="Courier New" panose="02070309020205020404" pitchFamily="49" charset="0"/>
+              </a:rPr>
+              <a:t>&lt;/</a:t>
+            </a:r>
+            <a:r>
+              <a:rPr lang="pt-BR" sz="800" dirty="0" err="1">
+                <a:solidFill>
+                  <a:srgbClr val="569CD6"/>
+                </a:solidFill>
+                <a:latin typeface="Courier New" panose="02070309020205020404" pitchFamily="49" charset="0"/>
+                <a:cs typeface="Courier New" panose="02070309020205020404" pitchFamily="49" charset="0"/>
+              </a:rPr>
+              <a:t>caption</a:t>
+            </a:r>
+            <a:r>
+              <a:rPr lang="pt-BR" sz="800" dirty="0">
+                <a:solidFill>
+                  <a:srgbClr val="808080"/>
+                </a:solidFill>
+                <a:latin typeface="Courier New" panose="02070309020205020404" pitchFamily="49" charset="0"/>
+                <a:cs typeface="Courier New" panose="02070309020205020404" pitchFamily="49" charset="0"/>
+              </a:rPr>
+              <a:t>&gt;</a:t>
+            </a:r>
+            <a:endParaRPr lang="pt-BR" sz="800" dirty="0">
+              <a:solidFill>
+                <a:srgbClr val="CCCCCC"/>
+              </a:solidFill>
+              <a:latin typeface="Courier New" panose="02070309020205020404" pitchFamily="49" charset="0"/>
+              <a:cs typeface="Courier New" panose="02070309020205020404" pitchFamily="49" charset="0"/>
+            </a:endParaRPr>
+          </a:p>
+          <a:p>
+            <a:pPr marL="0" lvl="0" indent="0">
+              <a:lnSpc>
+                <a:spcPct val="100000"/>
+              </a:lnSpc>
+              <a:spcBef>
+                <a:spcPts val="0"/>
+              </a:spcBef>
+              <a:buNone/>
+            </a:pPr>
+            <a:r>
+              <a:rPr lang="pt-BR" sz="800" dirty="0">
+                <a:solidFill>
+                  <a:srgbClr val="CCCCCC"/>
+                </a:solidFill>
+                <a:latin typeface="Courier New" panose="02070309020205020404" pitchFamily="49" charset="0"/>
+                <a:cs typeface="Courier New" panose="02070309020205020404" pitchFamily="49" charset="0"/>
+              </a:rPr>
+              <a:t>                </a:t>
+            </a:r>
+            <a:r>
+              <a:rPr lang="pt-BR" sz="800" dirty="0">
+                <a:solidFill>
+                  <a:srgbClr val="808080"/>
+                </a:solidFill>
+                <a:latin typeface="Courier New" panose="02070309020205020404" pitchFamily="49" charset="0"/>
+                <a:cs typeface="Courier New" panose="02070309020205020404" pitchFamily="49" charset="0"/>
+              </a:rPr>
+              <a:t>&lt;</a:t>
+            </a:r>
+            <a:r>
+              <a:rPr lang="pt-BR" sz="800" dirty="0" err="1">
+                <a:solidFill>
+                  <a:srgbClr val="569CD6"/>
+                </a:solidFill>
+                <a:latin typeface="Courier New" panose="02070309020205020404" pitchFamily="49" charset="0"/>
+                <a:cs typeface="Courier New" panose="02070309020205020404" pitchFamily="49" charset="0"/>
+              </a:rPr>
+              <a:t>thead</a:t>
+            </a:r>
+            <a:r>
+              <a:rPr lang="pt-BR" sz="800" dirty="0">
+                <a:solidFill>
+                  <a:srgbClr val="808080"/>
+                </a:solidFill>
+                <a:latin typeface="Courier New" panose="02070309020205020404" pitchFamily="49" charset="0"/>
+                <a:cs typeface="Courier New" panose="02070309020205020404" pitchFamily="49" charset="0"/>
+              </a:rPr>
+              <a:t>&gt;</a:t>
+            </a:r>
+            <a:endParaRPr lang="pt-BR" sz="800" dirty="0">
+              <a:solidFill>
+                <a:srgbClr val="CCCCCC"/>
+              </a:solidFill>
+              <a:latin typeface="Courier New" panose="02070309020205020404" pitchFamily="49" charset="0"/>
+              <a:cs typeface="Courier New" panose="02070309020205020404" pitchFamily="49" charset="0"/>
+            </a:endParaRPr>
+          </a:p>
+          <a:p>
+            <a:pPr marL="0" lvl="0" indent="0">
+              <a:lnSpc>
+                <a:spcPct val="100000"/>
+              </a:lnSpc>
+              <a:spcBef>
+                <a:spcPts val="0"/>
+              </a:spcBef>
+              <a:buNone/>
+            </a:pPr>
+            <a:r>
+              <a:rPr lang="pt-BR" sz="800" dirty="0">
+                <a:solidFill>
+                  <a:srgbClr val="CCCCCC"/>
+                </a:solidFill>
+                <a:latin typeface="Courier New" panose="02070309020205020404" pitchFamily="49" charset="0"/>
+                <a:cs typeface="Courier New" panose="02070309020205020404" pitchFamily="49" charset="0"/>
+              </a:rPr>
+              <a:t>                    </a:t>
+            </a:r>
+            <a:r>
+              <a:rPr lang="pt-BR" sz="800" dirty="0">
+                <a:solidFill>
+                  <a:srgbClr val="808080"/>
+                </a:solidFill>
+                <a:latin typeface="Courier New" panose="02070309020205020404" pitchFamily="49" charset="0"/>
+                <a:cs typeface="Courier New" panose="02070309020205020404" pitchFamily="49" charset="0"/>
+              </a:rPr>
+              <a:t>&lt;</a:t>
+            </a:r>
+            <a:r>
+              <a:rPr lang="pt-BR" sz="800" dirty="0" err="1">
+                <a:solidFill>
+                  <a:srgbClr val="569CD6"/>
+                </a:solidFill>
+                <a:latin typeface="Courier New" panose="02070309020205020404" pitchFamily="49" charset="0"/>
+                <a:cs typeface="Courier New" panose="02070309020205020404" pitchFamily="49" charset="0"/>
+              </a:rPr>
+              <a:t>tr</a:t>
+            </a:r>
+            <a:r>
+              <a:rPr lang="pt-BR" sz="800" dirty="0">
+                <a:solidFill>
+                  <a:srgbClr val="808080"/>
+                </a:solidFill>
+                <a:latin typeface="Courier New" panose="02070309020205020404" pitchFamily="49" charset="0"/>
+                <a:cs typeface="Courier New" panose="02070309020205020404" pitchFamily="49" charset="0"/>
+              </a:rPr>
+              <a:t>&gt;</a:t>
+            </a:r>
+            <a:endParaRPr lang="pt-BR" sz="800" dirty="0">
+              <a:solidFill>
+                <a:srgbClr val="CCCCCC"/>
+              </a:solidFill>
+              <a:latin typeface="Courier New" panose="02070309020205020404" pitchFamily="49" charset="0"/>
+              <a:cs typeface="Courier New" panose="02070309020205020404" pitchFamily="49" charset="0"/>
+            </a:endParaRPr>
+          </a:p>
+          <a:p>
+            <a:pPr marL="0" lvl="0" indent="0">
+              <a:lnSpc>
+                <a:spcPct val="100000"/>
+              </a:lnSpc>
+              <a:spcBef>
+                <a:spcPts val="0"/>
+              </a:spcBef>
+              <a:buNone/>
+            </a:pPr>
+            <a:r>
+              <a:rPr lang="pt-BR" sz="800" dirty="0">
+                <a:solidFill>
+                  <a:srgbClr val="CCCCCC"/>
+                </a:solidFill>
+                <a:latin typeface="Courier New" panose="02070309020205020404" pitchFamily="49" charset="0"/>
+                <a:cs typeface="Courier New" panose="02070309020205020404" pitchFamily="49" charset="0"/>
+              </a:rPr>
+              <a:t>                        </a:t>
+            </a:r>
+            <a:r>
+              <a:rPr lang="pt-BR" sz="800" dirty="0">
+                <a:solidFill>
+                  <a:srgbClr val="569CD6"/>
+                </a:solidFill>
+                <a:latin typeface="Courier New" panose="02070309020205020404" pitchFamily="49" charset="0"/>
+                <a:cs typeface="Courier New" panose="02070309020205020404" pitchFamily="49" charset="0"/>
+              </a:rPr>
+              <a:t>{</a:t>
+            </a:r>
+            <a:r>
+              <a:rPr lang="pt-BR" sz="800" dirty="0" err="1">
+                <a:solidFill>
+                  <a:srgbClr val="4FC1FF"/>
+                </a:solidFill>
+                <a:latin typeface="Courier New" panose="02070309020205020404" pitchFamily="49" charset="0"/>
+                <a:cs typeface="Courier New" panose="02070309020205020404" pitchFamily="49" charset="0"/>
+              </a:rPr>
+              <a:t>header</a:t>
+            </a:r>
+            <a:r>
+              <a:rPr lang="pt-BR" sz="800" dirty="0" err="1">
+                <a:solidFill>
+                  <a:srgbClr val="D4D4D4"/>
+                </a:solidFill>
+                <a:latin typeface="Courier New" panose="02070309020205020404" pitchFamily="49" charset="0"/>
+                <a:cs typeface="Courier New" panose="02070309020205020404" pitchFamily="49" charset="0"/>
+              </a:rPr>
+              <a:t>.</a:t>
+            </a:r>
+            <a:r>
+              <a:rPr lang="pt-BR" sz="800" dirty="0" err="1">
+                <a:solidFill>
+                  <a:srgbClr val="DCDCAA"/>
+                </a:solidFill>
+                <a:latin typeface="Courier New" panose="02070309020205020404" pitchFamily="49" charset="0"/>
+                <a:cs typeface="Courier New" panose="02070309020205020404" pitchFamily="49" charset="0"/>
+              </a:rPr>
+              <a:t>map</a:t>
+            </a:r>
+            <a:r>
+              <a:rPr lang="pt-BR" sz="800" dirty="0">
+                <a:solidFill>
+                  <a:srgbClr val="D4D4D4"/>
+                </a:solidFill>
+                <a:latin typeface="Courier New" panose="02070309020205020404" pitchFamily="49" charset="0"/>
+                <a:cs typeface="Courier New" panose="02070309020205020404" pitchFamily="49" charset="0"/>
+              </a:rPr>
+              <a:t>((</a:t>
+            </a:r>
+            <a:r>
+              <a:rPr lang="pt-BR" sz="800" dirty="0" err="1">
+                <a:solidFill>
+                  <a:srgbClr val="9CDCFE"/>
+                </a:solidFill>
+                <a:latin typeface="Courier New" panose="02070309020205020404" pitchFamily="49" charset="0"/>
+                <a:cs typeface="Courier New" panose="02070309020205020404" pitchFamily="49" charset="0"/>
+              </a:rPr>
+              <a:t>title</a:t>
+            </a:r>
+            <a:r>
+              <a:rPr lang="pt-BR" sz="800" dirty="0">
+                <a:solidFill>
+                  <a:srgbClr val="D4D4D4"/>
+                </a:solidFill>
+                <a:latin typeface="Courier New" panose="02070309020205020404" pitchFamily="49" charset="0"/>
+                <a:cs typeface="Courier New" panose="02070309020205020404" pitchFamily="49" charset="0"/>
+              </a:rPr>
+              <a:t>, </a:t>
+            </a:r>
+            <a:r>
+              <a:rPr lang="pt-BR" sz="800" dirty="0" err="1">
+                <a:solidFill>
+                  <a:srgbClr val="9CDCFE"/>
+                </a:solidFill>
+                <a:latin typeface="Courier New" panose="02070309020205020404" pitchFamily="49" charset="0"/>
+                <a:cs typeface="Courier New" panose="02070309020205020404" pitchFamily="49" charset="0"/>
+              </a:rPr>
+              <a:t>idx</a:t>
+            </a:r>
+            <a:r>
+              <a:rPr lang="pt-BR" sz="800" dirty="0">
+                <a:solidFill>
+                  <a:srgbClr val="D4D4D4"/>
+                </a:solidFill>
+                <a:latin typeface="Courier New" panose="02070309020205020404" pitchFamily="49" charset="0"/>
+                <a:cs typeface="Courier New" panose="02070309020205020404" pitchFamily="49" charset="0"/>
+              </a:rPr>
+              <a:t>) </a:t>
+            </a:r>
+            <a:r>
+              <a:rPr lang="pt-BR" sz="800" dirty="0">
+                <a:solidFill>
+                  <a:srgbClr val="569CD6"/>
+                </a:solidFill>
+                <a:latin typeface="Courier New" panose="02070309020205020404" pitchFamily="49" charset="0"/>
+                <a:cs typeface="Courier New" panose="02070309020205020404" pitchFamily="49" charset="0"/>
+              </a:rPr>
+              <a:t>=&gt;</a:t>
+            </a:r>
+            <a:r>
+              <a:rPr lang="pt-BR" sz="800" dirty="0">
+                <a:solidFill>
+                  <a:srgbClr val="D4D4D4"/>
+                </a:solidFill>
+                <a:latin typeface="Courier New" panose="02070309020205020404" pitchFamily="49" charset="0"/>
+                <a:cs typeface="Courier New" panose="02070309020205020404" pitchFamily="49" charset="0"/>
+              </a:rPr>
+              <a:t> {</a:t>
+            </a:r>
+            <a:endParaRPr lang="pt-BR" sz="800" dirty="0">
+              <a:solidFill>
+                <a:srgbClr val="CCCCCC"/>
+              </a:solidFill>
+              <a:latin typeface="Courier New" panose="02070309020205020404" pitchFamily="49" charset="0"/>
+              <a:cs typeface="Courier New" panose="02070309020205020404" pitchFamily="49" charset="0"/>
+            </a:endParaRPr>
+          </a:p>
+          <a:p>
+            <a:pPr marL="0" lvl="0" indent="0">
+              <a:lnSpc>
+                <a:spcPct val="100000"/>
+              </a:lnSpc>
+              <a:spcBef>
+                <a:spcPts val="0"/>
+              </a:spcBef>
+              <a:buNone/>
+            </a:pPr>
+            <a:r>
+              <a:rPr lang="pt-BR" sz="800" dirty="0">
+                <a:solidFill>
+                  <a:srgbClr val="D4D4D4"/>
+                </a:solidFill>
+                <a:latin typeface="Courier New" panose="02070309020205020404" pitchFamily="49" charset="0"/>
+                <a:cs typeface="Courier New" panose="02070309020205020404" pitchFamily="49" charset="0"/>
+              </a:rPr>
+              <a:t>                            </a:t>
+            </a:r>
+            <a:r>
+              <a:rPr lang="pt-BR" sz="800" dirty="0" err="1">
+                <a:solidFill>
+                  <a:srgbClr val="C586C0"/>
+                </a:solidFill>
+                <a:latin typeface="Courier New" panose="02070309020205020404" pitchFamily="49" charset="0"/>
+                <a:cs typeface="Courier New" panose="02070309020205020404" pitchFamily="49" charset="0"/>
+              </a:rPr>
+              <a:t>return</a:t>
+            </a:r>
+            <a:r>
+              <a:rPr lang="pt-BR" sz="800" dirty="0">
+                <a:solidFill>
+                  <a:srgbClr val="D4D4D4"/>
+                </a:solidFill>
+                <a:latin typeface="Courier New" panose="02070309020205020404" pitchFamily="49" charset="0"/>
+                <a:cs typeface="Courier New" panose="02070309020205020404" pitchFamily="49" charset="0"/>
+              </a:rPr>
+              <a:t> </a:t>
+            </a:r>
+            <a:r>
+              <a:rPr lang="pt-BR" sz="800" dirty="0">
+                <a:solidFill>
+                  <a:srgbClr val="808080"/>
+                </a:solidFill>
+                <a:latin typeface="Courier New" panose="02070309020205020404" pitchFamily="49" charset="0"/>
+                <a:cs typeface="Courier New" panose="02070309020205020404" pitchFamily="49" charset="0"/>
+              </a:rPr>
+              <a:t>&lt;</a:t>
+            </a:r>
+            <a:r>
+              <a:rPr lang="pt-BR" sz="800" dirty="0" err="1">
+                <a:solidFill>
+                  <a:srgbClr val="569CD6"/>
+                </a:solidFill>
+                <a:latin typeface="Courier New" panose="02070309020205020404" pitchFamily="49" charset="0"/>
+                <a:cs typeface="Courier New" panose="02070309020205020404" pitchFamily="49" charset="0"/>
+              </a:rPr>
+              <a:t>th</a:t>
+            </a:r>
+            <a:r>
+              <a:rPr lang="pt-BR" sz="800" dirty="0">
+                <a:solidFill>
+                  <a:srgbClr val="D4D4D4"/>
+                </a:solidFill>
+                <a:latin typeface="Courier New" panose="02070309020205020404" pitchFamily="49" charset="0"/>
+                <a:cs typeface="Courier New" panose="02070309020205020404" pitchFamily="49" charset="0"/>
+              </a:rPr>
+              <a:t> </a:t>
+            </a:r>
+            <a:r>
+              <a:rPr lang="pt-BR" sz="800" dirty="0" err="1">
+                <a:solidFill>
+                  <a:srgbClr val="9CDCFE"/>
+                </a:solidFill>
+                <a:latin typeface="Courier New" panose="02070309020205020404" pitchFamily="49" charset="0"/>
+                <a:cs typeface="Courier New" panose="02070309020205020404" pitchFamily="49" charset="0"/>
+              </a:rPr>
+              <a:t>key</a:t>
+            </a:r>
+            <a:r>
+              <a:rPr lang="pt-BR" sz="800" dirty="0">
+                <a:solidFill>
+                  <a:srgbClr val="D4D4D4"/>
+                </a:solidFill>
+                <a:latin typeface="Courier New" panose="02070309020205020404" pitchFamily="49" charset="0"/>
+                <a:cs typeface="Courier New" panose="02070309020205020404" pitchFamily="49" charset="0"/>
+              </a:rPr>
+              <a:t>=</a:t>
+            </a:r>
+            <a:r>
+              <a:rPr lang="pt-BR" sz="800" dirty="0">
+                <a:solidFill>
+                  <a:srgbClr val="569CD6"/>
+                </a:solidFill>
+                <a:latin typeface="Courier New" panose="02070309020205020404" pitchFamily="49" charset="0"/>
+                <a:cs typeface="Courier New" panose="02070309020205020404" pitchFamily="49" charset="0"/>
+              </a:rPr>
+              <a:t>{</a:t>
+            </a:r>
+            <a:r>
+              <a:rPr lang="pt-BR" sz="800" dirty="0" err="1">
+                <a:solidFill>
+                  <a:srgbClr val="9CDCFE"/>
+                </a:solidFill>
+                <a:latin typeface="Courier New" panose="02070309020205020404" pitchFamily="49" charset="0"/>
+                <a:cs typeface="Courier New" panose="02070309020205020404" pitchFamily="49" charset="0"/>
+              </a:rPr>
+              <a:t>idx</a:t>
+            </a:r>
+            <a:r>
+              <a:rPr lang="pt-BR" sz="800" dirty="0">
+                <a:solidFill>
+                  <a:srgbClr val="569CD6"/>
+                </a:solidFill>
+                <a:latin typeface="Courier New" panose="02070309020205020404" pitchFamily="49" charset="0"/>
+                <a:cs typeface="Courier New" panose="02070309020205020404" pitchFamily="49" charset="0"/>
+              </a:rPr>
+              <a:t>}</a:t>
+            </a:r>
+            <a:r>
+              <a:rPr lang="pt-BR" sz="800" dirty="0">
+                <a:solidFill>
+                  <a:srgbClr val="808080"/>
+                </a:solidFill>
+                <a:latin typeface="Courier New" panose="02070309020205020404" pitchFamily="49" charset="0"/>
+                <a:cs typeface="Courier New" panose="02070309020205020404" pitchFamily="49" charset="0"/>
+              </a:rPr>
+              <a:t>&gt;</a:t>
+            </a:r>
+            <a:r>
+              <a:rPr lang="pt-BR" sz="800" dirty="0">
+                <a:solidFill>
+                  <a:srgbClr val="569CD6"/>
+                </a:solidFill>
+                <a:latin typeface="Courier New" panose="02070309020205020404" pitchFamily="49" charset="0"/>
+                <a:cs typeface="Courier New" panose="02070309020205020404" pitchFamily="49" charset="0"/>
+              </a:rPr>
+              <a:t>{</a:t>
+            </a:r>
+            <a:r>
+              <a:rPr lang="pt-BR" sz="800" dirty="0" err="1">
+                <a:solidFill>
+                  <a:srgbClr val="9CDCFE"/>
+                </a:solidFill>
+                <a:latin typeface="Courier New" panose="02070309020205020404" pitchFamily="49" charset="0"/>
+                <a:cs typeface="Courier New" panose="02070309020205020404" pitchFamily="49" charset="0"/>
+              </a:rPr>
+              <a:t>title</a:t>
+            </a:r>
+            <a:r>
+              <a:rPr lang="pt-BR" sz="800" dirty="0">
+                <a:solidFill>
+                  <a:srgbClr val="569CD6"/>
+                </a:solidFill>
+                <a:latin typeface="Courier New" panose="02070309020205020404" pitchFamily="49" charset="0"/>
+                <a:cs typeface="Courier New" panose="02070309020205020404" pitchFamily="49" charset="0"/>
+              </a:rPr>
+              <a:t>}</a:t>
+            </a:r>
+            <a:r>
+              <a:rPr lang="pt-BR" sz="800" dirty="0">
+                <a:solidFill>
+                  <a:srgbClr val="808080"/>
+                </a:solidFill>
+                <a:latin typeface="Courier New" panose="02070309020205020404" pitchFamily="49" charset="0"/>
+                <a:cs typeface="Courier New" panose="02070309020205020404" pitchFamily="49" charset="0"/>
+              </a:rPr>
+              <a:t>&lt;/</a:t>
+            </a:r>
+            <a:r>
+              <a:rPr lang="pt-BR" sz="800" dirty="0" err="1">
+                <a:solidFill>
+                  <a:srgbClr val="569CD6"/>
+                </a:solidFill>
+                <a:latin typeface="Courier New" panose="02070309020205020404" pitchFamily="49" charset="0"/>
+                <a:cs typeface="Courier New" panose="02070309020205020404" pitchFamily="49" charset="0"/>
+              </a:rPr>
+              <a:t>th</a:t>
+            </a:r>
+            <a:r>
+              <a:rPr lang="pt-BR" sz="800" dirty="0">
+                <a:solidFill>
+                  <a:srgbClr val="808080"/>
+                </a:solidFill>
+                <a:latin typeface="Courier New" panose="02070309020205020404" pitchFamily="49" charset="0"/>
+                <a:cs typeface="Courier New" panose="02070309020205020404" pitchFamily="49" charset="0"/>
+              </a:rPr>
+              <a:t>&gt;</a:t>
+            </a:r>
+            <a:r>
+              <a:rPr lang="pt-BR" sz="800" dirty="0">
+                <a:solidFill>
+                  <a:srgbClr val="D4D4D4"/>
+                </a:solidFill>
+                <a:latin typeface="Courier New" panose="02070309020205020404" pitchFamily="49" charset="0"/>
+                <a:cs typeface="Courier New" panose="02070309020205020404" pitchFamily="49" charset="0"/>
+              </a:rPr>
+              <a:t>;</a:t>
+            </a:r>
+            <a:endParaRPr lang="pt-BR" sz="800" dirty="0">
+              <a:solidFill>
+                <a:srgbClr val="CCCCCC"/>
+              </a:solidFill>
+              <a:latin typeface="Courier New" panose="02070309020205020404" pitchFamily="49" charset="0"/>
+              <a:cs typeface="Courier New" panose="02070309020205020404" pitchFamily="49" charset="0"/>
+            </a:endParaRPr>
+          </a:p>
+          <a:p>
+            <a:pPr marL="0" lvl="0" indent="0">
+              <a:lnSpc>
+                <a:spcPct val="100000"/>
+              </a:lnSpc>
+              <a:spcBef>
+                <a:spcPts val="0"/>
+              </a:spcBef>
+              <a:buNone/>
+            </a:pPr>
+            <a:r>
+              <a:rPr lang="pt-BR" sz="800" dirty="0">
+                <a:solidFill>
+                  <a:srgbClr val="D4D4D4"/>
+                </a:solidFill>
+                <a:latin typeface="Courier New" panose="02070309020205020404" pitchFamily="49" charset="0"/>
+                <a:cs typeface="Courier New" panose="02070309020205020404" pitchFamily="49" charset="0"/>
+              </a:rPr>
+              <a:t>                        })</a:t>
+            </a:r>
+            <a:r>
+              <a:rPr lang="pt-BR" sz="800" dirty="0">
+                <a:solidFill>
+                  <a:srgbClr val="569CD6"/>
+                </a:solidFill>
+                <a:latin typeface="Courier New" panose="02070309020205020404" pitchFamily="49" charset="0"/>
+                <a:cs typeface="Courier New" panose="02070309020205020404" pitchFamily="49" charset="0"/>
+              </a:rPr>
+              <a:t>}</a:t>
+            </a:r>
+            <a:endParaRPr lang="pt-BR" sz="800" dirty="0">
+              <a:solidFill>
+                <a:srgbClr val="CCCCCC"/>
+              </a:solidFill>
+              <a:latin typeface="Courier New" panose="02070309020205020404" pitchFamily="49" charset="0"/>
+              <a:cs typeface="Courier New" panose="02070309020205020404" pitchFamily="49" charset="0"/>
+            </a:endParaRPr>
+          </a:p>
+          <a:p>
+            <a:pPr marL="0" lvl="0" indent="0">
+              <a:lnSpc>
+                <a:spcPct val="100000"/>
+              </a:lnSpc>
+              <a:spcBef>
+                <a:spcPts val="0"/>
+              </a:spcBef>
+              <a:buNone/>
+            </a:pPr>
+            <a:r>
+              <a:rPr lang="pt-BR" sz="800" dirty="0">
+                <a:solidFill>
+                  <a:srgbClr val="CCCCCC"/>
+                </a:solidFill>
+                <a:latin typeface="Courier New" panose="02070309020205020404" pitchFamily="49" charset="0"/>
+                <a:cs typeface="Courier New" panose="02070309020205020404" pitchFamily="49" charset="0"/>
+              </a:rPr>
+              <a:t>                    </a:t>
+            </a:r>
+            <a:r>
+              <a:rPr lang="pt-BR" sz="800" dirty="0">
+                <a:solidFill>
+                  <a:srgbClr val="808080"/>
+                </a:solidFill>
+                <a:latin typeface="Courier New" panose="02070309020205020404" pitchFamily="49" charset="0"/>
+                <a:cs typeface="Courier New" panose="02070309020205020404" pitchFamily="49" charset="0"/>
+              </a:rPr>
+              <a:t>&lt;/</a:t>
+            </a:r>
+            <a:r>
+              <a:rPr lang="pt-BR" sz="800" dirty="0" err="1">
+                <a:solidFill>
+                  <a:srgbClr val="569CD6"/>
+                </a:solidFill>
+                <a:latin typeface="Courier New" panose="02070309020205020404" pitchFamily="49" charset="0"/>
+                <a:cs typeface="Courier New" panose="02070309020205020404" pitchFamily="49" charset="0"/>
+              </a:rPr>
+              <a:t>tr</a:t>
+            </a:r>
+            <a:r>
+              <a:rPr lang="pt-BR" sz="800" dirty="0">
+                <a:solidFill>
+                  <a:srgbClr val="808080"/>
+                </a:solidFill>
+                <a:latin typeface="Courier New" panose="02070309020205020404" pitchFamily="49" charset="0"/>
+                <a:cs typeface="Courier New" panose="02070309020205020404" pitchFamily="49" charset="0"/>
+              </a:rPr>
+              <a:t>&gt;</a:t>
+            </a:r>
+            <a:endParaRPr lang="pt-BR" sz="800" dirty="0">
+              <a:solidFill>
+                <a:srgbClr val="CCCCCC"/>
+              </a:solidFill>
+              <a:latin typeface="Courier New" panose="02070309020205020404" pitchFamily="49" charset="0"/>
+              <a:cs typeface="Courier New" panose="02070309020205020404" pitchFamily="49" charset="0"/>
+            </a:endParaRPr>
+          </a:p>
+          <a:p>
+            <a:pPr marL="0" lvl="0" indent="0">
+              <a:lnSpc>
+                <a:spcPct val="100000"/>
+              </a:lnSpc>
+              <a:spcBef>
+                <a:spcPts val="0"/>
+              </a:spcBef>
+              <a:buNone/>
+            </a:pPr>
+            <a:r>
+              <a:rPr lang="pt-BR" sz="800" dirty="0">
+                <a:solidFill>
+                  <a:srgbClr val="CCCCCC"/>
+                </a:solidFill>
+                <a:latin typeface="Courier New" panose="02070309020205020404" pitchFamily="49" charset="0"/>
+                <a:cs typeface="Courier New" panose="02070309020205020404" pitchFamily="49" charset="0"/>
+              </a:rPr>
+              <a:t>                </a:t>
+            </a:r>
+            <a:r>
+              <a:rPr lang="pt-BR" sz="800" dirty="0">
+                <a:solidFill>
+                  <a:srgbClr val="808080"/>
+                </a:solidFill>
+                <a:latin typeface="Courier New" panose="02070309020205020404" pitchFamily="49" charset="0"/>
+                <a:cs typeface="Courier New" panose="02070309020205020404" pitchFamily="49" charset="0"/>
+              </a:rPr>
+              <a:t>&lt;/</a:t>
+            </a:r>
+            <a:r>
+              <a:rPr lang="pt-BR" sz="800" dirty="0" err="1">
+                <a:solidFill>
+                  <a:srgbClr val="569CD6"/>
+                </a:solidFill>
+                <a:latin typeface="Courier New" panose="02070309020205020404" pitchFamily="49" charset="0"/>
+                <a:cs typeface="Courier New" panose="02070309020205020404" pitchFamily="49" charset="0"/>
+              </a:rPr>
+              <a:t>thead</a:t>
+            </a:r>
+            <a:r>
+              <a:rPr lang="pt-BR" sz="800" dirty="0">
+                <a:solidFill>
+                  <a:srgbClr val="808080"/>
+                </a:solidFill>
+                <a:latin typeface="Courier New" panose="02070309020205020404" pitchFamily="49" charset="0"/>
+                <a:cs typeface="Courier New" panose="02070309020205020404" pitchFamily="49" charset="0"/>
+              </a:rPr>
+              <a:t>&gt;</a:t>
+            </a:r>
+            <a:endParaRPr lang="pt-BR" sz="800" dirty="0">
+              <a:solidFill>
+                <a:srgbClr val="CCCCCC"/>
+              </a:solidFill>
+              <a:latin typeface="Courier New" panose="02070309020205020404" pitchFamily="49" charset="0"/>
+              <a:cs typeface="Courier New" panose="02070309020205020404" pitchFamily="49" charset="0"/>
+            </a:endParaRPr>
+          </a:p>
+          <a:p>
+            <a:pPr marL="0" lvl="0" indent="0">
+              <a:lnSpc>
+                <a:spcPct val="100000"/>
+              </a:lnSpc>
+              <a:spcBef>
+                <a:spcPts val="0"/>
+              </a:spcBef>
+              <a:buNone/>
+            </a:pPr>
+            <a:r>
+              <a:rPr lang="pt-BR" sz="800" dirty="0">
+                <a:solidFill>
+                  <a:srgbClr val="CCCCCC"/>
+                </a:solidFill>
+                <a:latin typeface="Courier New" panose="02070309020205020404" pitchFamily="49" charset="0"/>
+                <a:cs typeface="Courier New" panose="02070309020205020404" pitchFamily="49" charset="0"/>
+              </a:rPr>
+              <a:t>                </a:t>
+            </a:r>
+            <a:r>
+              <a:rPr lang="pt-BR" sz="800" dirty="0">
+                <a:solidFill>
+                  <a:srgbClr val="808080"/>
+                </a:solidFill>
+                <a:latin typeface="Courier New" panose="02070309020205020404" pitchFamily="49" charset="0"/>
+                <a:cs typeface="Courier New" panose="02070309020205020404" pitchFamily="49" charset="0"/>
+              </a:rPr>
+              <a:t>&lt;</a:t>
+            </a:r>
+            <a:r>
+              <a:rPr lang="pt-BR" sz="800" dirty="0" err="1">
+                <a:solidFill>
+                  <a:srgbClr val="569CD6"/>
+                </a:solidFill>
+                <a:latin typeface="Courier New" panose="02070309020205020404" pitchFamily="49" charset="0"/>
+                <a:cs typeface="Courier New" panose="02070309020205020404" pitchFamily="49" charset="0"/>
+              </a:rPr>
+              <a:t>tbody</a:t>
+            </a:r>
+            <a:r>
+              <a:rPr lang="pt-BR" sz="800" dirty="0">
+                <a:solidFill>
+                  <a:srgbClr val="808080"/>
+                </a:solidFill>
+                <a:latin typeface="Courier New" panose="02070309020205020404" pitchFamily="49" charset="0"/>
+                <a:cs typeface="Courier New" panose="02070309020205020404" pitchFamily="49" charset="0"/>
+              </a:rPr>
+              <a:t>&gt;</a:t>
+            </a:r>
+            <a:endParaRPr lang="pt-BR" sz="800" dirty="0">
+              <a:solidFill>
+                <a:srgbClr val="CCCCCC"/>
+              </a:solidFill>
+              <a:latin typeface="Courier New" panose="02070309020205020404" pitchFamily="49" charset="0"/>
+              <a:cs typeface="Courier New" panose="02070309020205020404" pitchFamily="49" charset="0"/>
+            </a:endParaRPr>
+          </a:p>
+          <a:p>
+            <a:pPr marL="0" lvl="0" indent="0">
+              <a:lnSpc>
+                <a:spcPct val="100000"/>
+              </a:lnSpc>
+              <a:spcBef>
+                <a:spcPts val="0"/>
+              </a:spcBef>
+              <a:buNone/>
+            </a:pPr>
+            <a:r>
+              <a:rPr lang="pt-BR" sz="800" dirty="0">
+                <a:solidFill>
+                  <a:srgbClr val="CCCCCC"/>
+                </a:solidFill>
+                <a:latin typeface="Courier New" panose="02070309020205020404" pitchFamily="49" charset="0"/>
+                <a:cs typeface="Courier New" panose="02070309020205020404" pitchFamily="49" charset="0"/>
+              </a:rPr>
+              <a:t>                    </a:t>
+            </a:r>
+            <a:r>
+              <a:rPr lang="pt-BR" sz="800" dirty="0">
+                <a:solidFill>
+                  <a:srgbClr val="569CD6"/>
+                </a:solidFill>
+                <a:latin typeface="Courier New" panose="02070309020205020404" pitchFamily="49" charset="0"/>
+                <a:cs typeface="Courier New" panose="02070309020205020404" pitchFamily="49" charset="0"/>
+              </a:rPr>
+              <a:t>{</a:t>
+            </a:r>
+            <a:endParaRPr lang="pt-BR" sz="800" dirty="0">
+              <a:solidFill>
+                <a:srgbClr val="CCCCCC"/>
+              </a:solidFill>
+              <a:latin typeface="Courier New" panose="02070309020205020404" pitchFamily="49" charset="0"/>
+              <a:cs typeface="Courier New" panose="02070309020205020404" pitchFamily="49" charset="0"/>
+            </a:endParaRPr>
+          </a:p>
+          <a:p>
+            <a:pPr marL="0" lvl="0" indent="0">
+              <a:lnSpc>
+                <a:spcPct val="100000"/>
+              </a:lnSpc>
+              <a:spcBef>
+                <a:spcPts val="0"/>
+              </a:spcBef>
+              <a:buNone/>
+            </a:pPr>
+            <a:r>
+              <a:rPr lang="pt-BR" sz="800" dirty="0">
+                <a:solidFill>
+                  <a:srgbClr val="D4D4D4"/>
+                </a:solidFill>
+                <a:latin typeface="Courier New" panose="02070309020205020404" pitchFamily="49" charset="0"/>
+                <a:cs typeface="Courier New" panose="02070309020205020404" pitchFamily="49" charset="0"/>
+              </a:rPr>
+              <a:t>                        </a:t>
+            </a:r>
+            <a:r>
+              <a:rPr lang="pt-BR" sz="800" dirty="0" err="1">
+                <a:solidFill>
+                  <a:srgbClr val="4FC1FF"/>
+                </a:solidFill>
+                <a:latin typeface="Courier New" panose="02070309020205020404" pitchFamily="49" charset="0"/>
+                <a:cs typeface="Courier New" panose="02070309020205020404" pitchFamily="49" charset="0"/>
+              </a:rPr>
+              <a:t>data</a:t>
+            </a:r>
+            <a:r>
+              <a:rPr lang="pt-BR" sz="800" dirty="0" err="1">
+                <a:solidFill>
+                  <a:srgbClr val="D4D4D4"/>
+                </a:solidFill>
+                <a:latin typeface="Courier New" panose="02070309020205020404" pitchFamily="49" charset="0"/>
+                <a:cs typeface="Courier New" panose="02070309020205020404" pitchFamily="49" charset="0"/>
+              </a:rPr>
+              <a:t>.</a:t>
+            </a:r>
+            <a:r>
+              <a:rPr lang="pt-BR" sz="800" dirty="0" err="1">
+                <a:solidFill>
+                  <a:srgbClr val="DCDCAA"/>
+                </a:solidFill>
+                <a:latin typeface="Courier New" panose="02070309020205020404" pitchFamily="49" charset="0"/>
+                <a:cs typeface="Courier New" panose="02070309020205020404" pitchFamily="49" charset="0"/>
+              </a:rPr>
+              <a:t>map</a:t>
+            </a:r>
+            <a:r>
+              <a:rPr lang="pt-BR" sz="800" dirty="0">
+                <a:solidFill>
+                  <a:srgbClr val="D4D4D4"/>
+                </a:solidFill>
+                <a:latin typeface="Courier New" panose="02070309020205020404" pitchFamily="49" charset="0"/>
+                <a:cs typeface="Courier New" panose="02070309020205020404" pitchFamily="49" charset="0"/>
+              </a:rPr>
+              <a:t>((</a:t>
+            </a:r>
+            <a:r>
+              <a:rPr lang="pt-BR" sz="800" dirty="0" err="1">
+                <a:solidFill>
+                  <a:srgbClr val="9CDCFE"/>
+                </a:solidFill>
+                <a:latin typeface="Courier New" panose="02070309020205020404" pitchFamily="49" charset="0"/>
+                <a:cs typeface="Courier New" panose="02070309020205020404" pitchFamily="49" charset="0"/>
+              </a:rPr>
+              <a:t>row</a:t>
+            </a:r>
+            <a:r>
+              <a:rPr lang="pt-BR" sz="800" dirty="0">
+                <a:solidFill>
+                  <a:srgbClr val="D4D4D4"/>
+                </a:solidFill>
+                <a:latin typeface="Courier New" panose="02070309020205020404" pitchFamily="49" charset="0"/>
+                <a:cs typeface="Courier New" panose="02070309020205020404" pitchFamily="49" charset="0"/>
+              </a:rPr>
+              <a:t>, </a:t>
+            </a:r>
+            <a:r>
+              <a:rPr lang="pt-BR" sz="800" dirty="0" err="1">
+                <a:solidFill>
+                  <a:srgbClr val="9CDCFE"/>
+                </a:solidFill>
+                <a:latin typeface="Courier New" panose="02070309020205020404" pitchFamily="49" charset="0"/>
+                <a:cs typeface="Courier New" panose="02070309020205020404" pitchFamily="49" charset="0"/>
+              </a:rPr>
+              <a:t>idx</a:t>
+            </a:r>
+            <a:r>
+              <a:rPr lang="pt-BR" sz="800" dirty="0">
+                <a:solidFill>
+                  <a:srgbClr val="D4D4D4"/>
+                </a:solidFill>
+                <a:latin typeface="Courier New" panose="02070309020205020404" pitchFamily="49" charset="0"/>
+                <a:cs typeface="Courier New" panose="02070309020205020404" pitchFamily="49" charset="0"/>
+              </a:rPr>
+              <a:t>) </a:t>
+            </a:r>
+            <a:r>
+              <a:rPr lang="pt-BR" sz="800" dirty="0">
+                <a:solidFill>
+                  <a:srgbClr val="569CD6"/>
+                </a:solidFill>
+                <a:latin typeface="Courier New" panose="02070309020205020404" pitchFamily="49" charset="0"/>
+                <a:cs typeface="Courier New" panose="02070309020205020404" pitchFamily="49" charset="0"/>
+              </a:rPr>
+              <a:t>=&gt;</a:t>
+            </a:r>
+            <a:r>
+              <a:rPr lang="pt-BR" sz="800" dirty="0">
+                <a:solidFill>
+                  <a:srgbClr val="D4D4D4"/>
+                </a:solidFill>
+                <a:latin typeface="Courier New" panose="02070309020205020404" pitchFamily="49" charset="0"/>
+                <a:cs typeface="Courier New" panose="02070309020205020404" pitchFamily="49" charset="0"/>
+              </a:rPr>
+              <a:t> {</a:t>
+            </a:r>
+            <a:endParaRPr lang="pt-BR" sz="800" dirty="0">
+              <a:solidFill>
+                <a:srgbClr val="CCCCCC"/>
+              </a:solidFill>
+              <a:latin typeface="Courier New" panose="02070309020205020404" pitchFamily="49" charset="0"/>
+              <a:cs typeface="Courier New" panose="02070309020205020404" pitchFamily="49" charset="0"/>
+            </a:endParaRPr>
+          </a:p>
+          <a:p>
+            <a:pPr marL="0" lvl="0" indent="0">
+              <a:lnSpc>
+                <a:spcPct val="100000"/>
+              </a:lnSpc>
+              <a:spcBef>
+                <a:spcPts val="0"/>
+              </a:spcBef>
+              <a:buNone/>
+            </a:pPr>
+            <a:r>
+              <a:rPr lang="pt-BR" sz="800" dirty="0">
+                <a:solidFill>
+                  <a:srgbClr val="D4D4D4"/>
+                </a:solidFill>
+                <a:latin typeface="Courier New" panose="02070309020205020404" pitchFamily="49" charset="0"/>
+                <a:cs typeface="Courier New" panose="02070309020205020404" pitchFamily="49" charset="0"/>
+              </a:rPr>
+              <a:t>                            </a:t>
+            </a:r>
+            <a:r>
+              <a:rPr lang="pt-BR" sz="800" dirty="0" err="1">
+                <a:solidFill>
+                  <a:srgbClr val="C586C0"/>
+                </a:solidFill>
+                <a:latin typeface="Courier New" panose="02070309020205020404" pitchFamily="49" charset="0"/>
+                <a:cs typeface="Courier New" panose="02070309020205020404" pitchFamily="49" charset="0"/>
+              </a:rPr>
+              <a:t>return</a:t>
+            </a:r>
+            <a:r>
+              <a:rPr lang="pt-BR" sz="800" dirty="0">
+                <a:solidFill>
+                  <a:srgbClr val="D4D4D4"/>
+                </a:solidFill>
+                <a:latin typeface="Courier New" panose="02070309020205020404" pitchFamily="49" charset="0"/>
+                <a:cs typeface="Courier New" panose="02070309020205020404" pitchFamily="49" charset="0"/>
+              </a:rPr>
+              <a:t> (</a:t>
+            </a:r>
+            <a:endParaRPr lang="pt-BR" sz="800" dirty="0">
+              <a:solidFill>
+                <a:srgbClr val="CCCCCC"/>
+              </a:solidFill>
+              <a:latin typeface="Courier New" panose="02070309020205020404" pitchFamily="49" charset="0"/>
+              <a:cs typeface="Courier New" panose="02070309020205020404" pitchFamily="49" charset="0"/>
+            </a:endParaRPr>
+          </a:p>
+          <a:p>
+            <a:pPr marL="0" lvl="0" indent="0">
+              <a:lnSpc>
+                <a:spcPct val="100000"/>
+              </a:lnSpc>
+              <a:spcBef>
+                <a:spcPts val="0"/>
+              </a:spcBef>
+              <a:buNone/>
+            </a:pPr>
+            <a:r>
+              <a:rPr lang="pt-BR" sz="800" dirty="0">
+                <a:solidFill>
+                  <a:srgbClr val="D4D4D4"/>
+                </a:solidFill>
+                <a:latin typeface="Courier New" panose="02070309020205020404" pitchFamily="49" charset="0"/>
+                <a:cs typeface="Courier New" panose="02070309020205020404" pitchFamily="49" charset="0"/>
+              </a:rPr>
+              <a:t>                                </a:t>
+            </a:r>
+            <a:r>
+              <a:rPr lang="pt-BR" sz="800" dirty="0">
+                <a:solidFill>
+                  <a:srgbClr val="808080"/>
+                </a:solidFill>
+                <a:latin typeface="Courier New" panose="02070309020205020404" pitchFamily="49" charset="0"/>
+                <a:cs typeface="Courier New" panose="02070309020205020404" pitchFamily="49" charset="0"/>
+              </a:rPr>
+              <a:t>&lt;</a:t>
+            </a:r>
+            <a:r>
+              <a:rPr lang="pt-BR" sz="800" dirty="0" err="1">
+                <a:solidFill>
+                  <a:srgbClr val="569CD6"/>
+                </a:solidFill>
+                <a:latin typeface="Courier New" panose="02070309020205020404" pitchFamily="49" charset="0"/>
+                <a:cs typeface="Courier New" panose="02070309020205020404" pitchFamily="49" charset="0"/>
+              </a:rPr>
+              <a:t>tr</a:t>
+            </a:r>
+            <a:r>
+              <a:rPr lang="pt-BR" sz="800" dirty="0">
+                <a:solidFill>
+                  <a:srgbClr val="D4D4D4"/>
+                </a:solidFill>
+                <a:latin typeface="Courier New" panose="02070309020205020404" pitchFamily="49" charset="0"/>
+                <a:cs typeface="Courier New" panose="02070309020205020404" pitchFamily="49" charset="0"/>
+              </a:rPr>
+              <a:t> </a:t>
+            </a:r>
+            <a:r>
+              <a:rPr lang="pt-BR" sz="800" dirty="0" err="1">
+                <a:solidFill>
+                  <a:srgbClr val="9CDCFE"/>
+                </a:solidFill>
+                <a:latin typeface="Courier New" panose="02070309020205020404" pitchFamily="49" charset="0"/>
+                <a:cs typeface="Courier New" panose="02070309020205020404" pitchFamily="49" charset="0"/>
+              </a:rPr>
+              <a:t>key</a:t>
+            </a:r>
+            <a:r>
+              <a:rPr lang="pt-BR" sz="800" dirty="0">
+                <a:solidFill>
+                  <a:srgbClr val="D4D4D4"/>
+                </a:solidFill>
+                <a:latin typeface="Courier New" panose="02070309020205020404" pitchFamily="49" charset="0"/>
+                <a:cs typeface="Courier New" panose="02070309020205020404" pitchFamily="49" charset="0"/>
+              </a:rPr>
+              <a:t>=</a:t>
+            </a:r>
+            <a:r>
+              <a:rPr lang="pt-BR" sz="800" dirty="0">
+                <a:solidFill>
+                  <a:srgbClr val="569CD6"/>
+                </a:solidFill>
+                <a:latin typeface="Courier New" panose="02070309020205020404" pitchFamily="49" charset="0"/>
+                <a:cs typeface="Courier New" panose="02070309020205020404" pitchFamily="49" charset="0"/>
+              </a:rPr>
+              <a:t>{</a:t>
+            </a:r>
+            <a:r>
+              <a:rPr lang="pt-BR" sz="800" dirty="0" err="1">
+                <a:solidFill>
+                  <a:srgbClr val="9CDCFE"/>
+                </a:solidFill>
+                <a:latin typeface="Courier New" panose="02070309020205020404" pitchFamily="49" charset="0"/>
+                <a:cs typeface="Courier New" panose="02070309020205020404" pitchFamily="49" charset="0"/>
+              </a:rPr>
+              <a:t>idx</a:t>
+            </a:r>
+            <a:r>
+              <a:rPr lang="pt-BR" sz="800" dirty="0">
+                <a:solidFill>
+                  <a:srgbClr val="569CD6"/>
+                </a:solidFill>
+                <a:latin typeface="Courier New" panose="02070309020205020404" pitchFamily="49" charset="0"/>
+                <a:cs typeface="Courier New" panose="02070309020205020404" pitchFamily="49" charset="0"/>
+              </a:rPr>
+              <a:t>}</a:t>
+            </a:r>
+            <a:r>
+              <a:rPr lang="pt-BR" sz="800" dirty="0">
+                <a:solidFill>
+                  <a:srgbClr val="808080"/>
+                </a:solidFill>
+                <a:latin typeface="Courier New" panose="02070309020205020404" pitchFamily="49" charset="0"/>
+                <a:cs typeface="Courier New" panose="02070309020205020404" pitchFamily="49" charset="0"/>
+              </a:rPr>
+              <a:t>&gt;</a:t>
+            </a:r>
+            <a:endParaRPr lang="pt-BR" sz="800" dirty="0">
+              <a:solidFill>
+                <a:srgbClr val="CCCCCC"/>
+              </a:solidFill>
+              <a:latin typeface="Courier New" panose="02070309020205020404" pitchFamily="49" charset="0"/>
+              <a:cs typeface="Courier New" panose="02070309020205020404" pitchFamily="49" charset="0"/>
+            </a:endParaRPr>
+          </a:p>
+          <a:p>
+            <a:pPr marL="0" lvl="0" indent="0">
+              <a:lnSpc>
+                <a:spcPct val="100000"/>
+              </a:lnSpc>
+              <a:spcBef>
+                <a:spcPts val="0"/>
+              </a:spcBef>
+              <a:buNone/>
+            </a:pPr>
+            <a:r>
+              <a:rPr lang="pt-BR" sz="800" dirty="0">
+                <a:solidFill>
+                  <a:srgbClr val="D4D4D4"/>
+                </a:solidFill>
+                <a:latin typeface="Courier New" panose="02070309020205020404" pitchFamily="49" charset="0"/>
+                <a:cs typeface="Courier New" panose="02070309020205020404" pitchFamily="49" charset="0"/>
+              </a:rPr>
+              <a:t>                                    </a:t>
+            </a:r>
+            <a:r>
+              <a:rPr lang="pt-BR" sz="800" dirty="0">
+                <a:solidFill>
+                  <a:srgbClr val="569CD6"/>
+                </a:solidFill>
+                <a:latin typeface="Courier New" panose="02070309020205020404" pitchFamily="49" charset="0"/>
+                <a:cs typeface="Courier New" panose="02070309020205020404" pitchFamily="49" charset="0"/>
+              </a:rPr>
+              <a:t>{</a:t>
+            </a:r>
+            <a:r>
+              <a:rPr lang="pt-BR" sz="800" dirty="0" err="1">
+                <a:solidFill>
+                  <a:srgbClr val="9CDCFE"/>
+                </a:solidFill>
+                <a:latin typeface="Courier New" panose="02070309020205020404" pitchFamily="49" charset="0"/>
+                <a:cs typeface="Courier New" panose="02070309020205020404" pitchFamily="49" charset="0"/>
+              </a:rPr>
+              <a:t>row</a:t>
+            </a:r>
+            <a:r>
+              <a:rPr lang="pt-BR" sz="800" dirty="0" err="1">
+                <a:solidFill>
+                  <a:srgbClr val="D4D4D4"/>
+                </a:solidFill>
+                <a:latin typeface="Courier New" panose="02070309020205020404" pitchFamily="49" charset="0"/>
+                <a:cs typeface="Courier New" panose="02070309020205020404" pitchFamily="49" charset="0"/>
+              </a:rPr>
+              <a:t>.</a:t>
+            </a:r>
+            <a:r>
+              <a:rPr lang="pt-BR" sz="800" dirty="0" err="1">
+                <a:solidFill>
+                  <a:srgbClr val="DCDCAA"/>
+                </a:solidFill>
+                <a:latin typeface="Courier New" panose="02070309020205020404" pitchFamily="49" charset="0"/>
+                <a:cs typeface="Courier New" panose="02070309020205020404" pitchFamily="49" charset="0"/>
+              </a:rPr>
+              <a:t>map</a:t>
+            </a:r>
+            <a:r>
+              <a:rPr lang="pt-BR" sz="800" dirty="0">
+                <a:solidFill>
+                  <a:srgbClr val="D4D4D4"/>
+                </a:solidFill>
+                <a:latin typeface="Courier New" panose="02070309020205020404" pitchFamily="49" charset="0"/>
+                <a:cs typeface="Courier New" panose="02070309020205020404" pitchFamily="49" charset="0"/>
+              </a:rPr>
+              <a:t>((</a:t>
+            </a:r>
+            <a:r>
+              <a:rPr lang="pt-BR" sz="800" dirty="0" err="1">
+                <a:solidFill>
+                  <a:srgbClr val="9CDCFE"/>
+                </a:solidFill>
+                <a:latin typeface="Courier New" panose="02070309020205020404" pitchFamily="49" charset="0"/>
+                <a:cs typeface="Courier New" panose="02070309020205020404" pitchFamily="49" charset="0"/>
+              </a:rPr>
+              <a:t>cell</a:t>
+            </a:r>
+            <a:r>
+              <a:rPr lang="pt-BR" sz="800" dirty="0">
+                <a:solidFill>
+                  <a:srgbClr val="D4D4D4"/>
+                </a:solidFill>
+                <a:latin typeface="Courier New" panose="02070309020205020404" pitchFamily="49" charset="0"/>
+                <a:cs typeface="Courier New" panose="02070309020205020404" pitchFamily="49" charset="0"/>
+              </a:rPr>
+              <a:t>, </a:t>
+            </a:r>
+            <a:r>
+              <a:rPr lang="pt-BR" sz="800" dirty="0" err="1">
+                <a:solidFill>
+                  <a:srgbClr val="9CDCFE"/>
+                </a:solidFill>
+                <a:latin typeface="Courier New" panose="02070309020205020404" pitchFamily="49" charset="0"/>
+                <a:cs typeface="Courier New" panose="02070309020205020404" pitchFamily="49" charset="0"/>
+              </a:rPr>
+              <a:t>idx</a:t>
+            </a:r>
+            <a:r>
+              <a:rPr lang="pt-BR" sz="800" dirty="0">
+                <a:solidFill>
+                  <a:srgbClr val="D4D4D4"/>
+                </a:solidFill>
+                <a:latin typeface="Courier New" panose="02070309020205020404" pitchFamily="49" charset="0"/>
+                <a:cs typeface="Courier New" panose="02070309020205020404" pitchFamily="49" charset="0"/>
+              </a:rPr>
+              <a:t>) </a:t>
+            </a:r>
+            <a:r>
+              <a:rPr lang="pt-BR" sz="800" dirty="0">
+                <a:solidFill>
+                  <a:srgbClr val="569CD6"/>
+                </a:solidFill>
+                <a:latin typeface="Courier New" panose="02070309020205020404" pitchFamily="49" charset="0"/>
+                <a:cs typeface="Courier New" panose="02070309020205020404" pitchFamily="49" charset="0"/>
+              </a:rPr>
+              <a:t>=&gt;</a:t>
+            </a:r>
+            <a:r>
+              <a:rPr lang="pt-BR" sz="800" dirty="0">
+                <a:solidFill>
+                  <a:srgbClr val="D4D4D4"/>
+                </a:solidFill>
+                <a:latin typeface="Courier New" panose="02070309020205020404" pitchFamily="49" charset="0"/>
+                <a:cs typeface="Courier New" panose="02070309020205020404" pitchFamily="49" charset="0"/>
+              </a:rPr>
+              <a:t> {</a:t>
+            </a:r>
+            <a:endParaRPr lang="pt-BR" sz="800" dirty="0">
+              <a:solidFill>
+                <a:srgbClr val="CCCCCC"/>
+              </a:solidFill>
+              <a:latin typeface="Courier New" panose="02070309020205020404" pitchFamily="49" charset="0"/>
+              <a:cs typeface="Courier New" panose="02070309020205020404" pitchFamily="49" charset="0"/>
+            </a:endParaRPr>
+          </a:p>
+          <a:p>
+            <a:pPr marL="0" lvl="0" indent="0">
+              <a:lnSpc>
+                <a:spcPct val="100000"/>
+              </a:lnSpc>
+              <a:spcBef>
+                <a:spcPts val="0"/>
+              </a:spcBef>
+              <a:buNone/>
+            </a:pPr>
+            <a:r>
+              <a:rPr lang="pt-BR" sz="800" dirty="0">
+                <a:solidFill>
+                  <a:srgbClr val="D4D4D4"/>
+                </a:solidFill>
+                <a:latin typeface="Courier New" panose="02070309020205020404" pitchFamily="49" charset="0"/>
+                <a:cs typeface="Courier New" panose="02070309020205020404" pitchFamily="49" charset="0"/>
+              </a:rPr>
+              <a:t>                                        </a:t>
+            </a:r>
+            <a:r>
+              <a:rPr lang="pt-BR" sz="800" dirty="0" err="1">
+                <a:solidFill>
+                  <a:srgbClr val="C586C0"/>
+                </a:solidFill>
+                <a:latin typeface="Courier New" panose="02070309020205020404" pitchFamily="49" charset="0"/>
+                <a:cs typeface="Courier New" panose="02070309020205020404" pitchFamily="49" charset="0"/>
+              </a:rPr>
+              <a:t>return</a:t>
+            </a:r>
+            <a:r>
+              <a:rPr lang="pt-BR" sz="800" dirty="0">
+                <a:solidFill>
+                  <a:srgbClr val="D4D4D4"/>
+                </a:solidFill>
+                <a:latin typeface="Courier New" panose="02070309020205020404" pitchFamily="49" charset="0"/>
+                <a:cs typeface="Courier New" panose="02070309020205020404" pitchFamily="49" charset="0"/>
+              </a:rPr>
+              <a:t> </a:t>
+            </a:r>
+            <a:r>
+              <a:rPr lang="pt-BR" sz="800" dirty="0">
+                <a:solidFill>
+                  <a:srgbClr val="808080"/>
+                </a:solidFill>
+                <a:latin typeface="Courier New" panose="02070309020205020404" pitchFamily="49" charset="0"/>
+                <a:cs typeface="Courier New" panose="02070309020205020404" pitchFamily="49" charset="0"/>
+              </a:rPr>
+              <a:t>&lt;</a:t>
+            </a:r>
+            <a:r>
+              <a:rPr lang="pt-BR" sz="800" dirty="0" err="1">
+                <a:solidFill>
+                  <a:srgbClr val="569CD6"/>
+                </a:solidFill>
+                <a:latin typeface="Courier New" panose="02070309020205020404" pitchFamily="49" charset="0"/>
+                <a:cs typeface="Courier New" panose="02070309020205020404" pitchFamily="49" charset="0"/>
+              </a:rPr>
+              <a:t>td</a:t>
+            </a:r>
+            <a:r>
+              <a:rPr lang="pt-BR" sz="800" dirty="0">
+                <a:solidFill>
+                  <a:srgbClr val="D4D4D4"/>
+                </a:solidFill>
+                <a:latin typeface="Courier New" panose="02070309020205020404" pitchFamily="49" charset="0"/>
+                <a:cs typeface="Courier New" panose="02070309020205020404" pitchFamily="49" charset="0"/>
+              </a:rPr>
+              <a:t> </a:t>
+            </a:r>
+            <a:r>
+              <a:rPr lang="pt-BR" sz="800" dirty="0" err="1">
+                <a:solidFill>
+                  <a:srgbClr val="9CDCFE"/>
+                </a:solidFill>
+                <a:latin typeface="Courier New" panose="02070309020205020404" pitchFamily="49" charset="0"/>
+                <a:cs typeface="Courier New" panose="02070309020205020404" pitchFamily="49" charset="0"/>
+              </a:rPr>
+              <a:t>key</a:t>
+            </a:r>
+            <a:r>
+              <a:rPr lang="pt-BR" sz="800" dirty="0">
+                <a:solidFill>
+                  <a:srgbClr val="D4D4D4"/>
+                </a:solidFill>
+                <a:latin typeface="Courier New" panose="02070309020205020404" pitchFamily="49" charset="0"/>
+                <a:cs typeface="Courier New" panose="02070309020205020404" pitchFamily="49" charset="0"/>
+              </a:rPr>
+              <a:t>=</a:t>
+            </a:r>
+            <a:r>
+              <a:rPr lang="pt-BR" sz="800" dirty="0">
+                <a:solidFill>
+                  <a:srgbClr val="569CD6"/>
+                </a:solidFill>
+                <a:latin typeface="Courier New" panose="02070309020205020404" pitchFamily="49" charset="0"/>
+                <a:cs typeface="Courier New" panose="02070309020205020404" pitchFamily="49" charset="0"/>
+              </a:rPr>
+              <a:t>{</a:t>
+            </a:r>
+            <a:r>
+              <a:rPr lang="pt-BR" sz="800" dirty="0" err="1">
+                <a:solidFill>
+                  <a:srgbClr val="9CDCFE"/>
+                </a:solidFill>
+                <a:latin typeface="Courier New" panose="02070309020205020404" pitchFamily="49" charset="0"/>
+                <a:cs typeface="Courier New" panose="02070309020205020404" pitchFamily="49" charset="0"/>
+              </a:rPr>
+              <a:t>idx</a:t>
+            </a:r>
+            <a:r>
+              <a:rPr lang="pt-BR" sz="800" dirty="0">
+                <a:solidFill>
+                  <a:srgbClr val="569CD6"/>
+                </a:solidFill>
+                <a:latin typeface="Courier New" panose="02070309020205020404" pitchFamily="49" charset="0"/>
+                <a:cs typeface="Courier New" panose="02070309020205020404" pitchFamily="49" charset="0"/>
+              </a:rPr>
+              <a:t>}</a:t>
+            </a:r>
+            <a:r>
+              <a:rPr lang="pt-BR" sz="800" dirty="0">
+                <a:solidFill>
+                  <a:srgbClr val="808080"/>
+                </a:solidFill>
+                <a:latin typeface="Courier New" panose="02070309020205020404" pitchFamily="49" charset="0"/>
+                <a:cs typeface="Courier New" panose="02070309020205020404" pitchFamily="49" charset="0"/>
+              </a:rPr>
+              <a:t>&gt;</a:t>
+            </a:r>
+            <a:r>
+              <a:rPr lang="pt-BR" sz="800" dirty="0">
+                <a:solidFill>
+                  <a:srgbClr val="569CD6"/>
+                </a:solidFill>
+                <a:latin typeface="Courier New" panose="02070309020205020404" pitchFamily="49" charset="0"/>
+                <a:cs typeface="Courier New" panose="02070309020205020404" pitchFamily="49" charset="0"/>
+              </a:rPr>
+              <a:t>{</a:t>
+            </a:r>
+            <a:r>
+              <a:rPr lang="pt-BR" sz="800" dirty="0" err="1">
+                <a:solidFill>
+                  <a:srgbClr val="9CDCFE"/>
+                </a:solidFill>
+                <a:latin typeface="Courier New" panose="02070309020205020404" pitchFamily="49" charset="0"/>
+                <a:cs typeface="Courier New" panose="02070309020205020404" pitchFamily="49" charset="0"/>
+              </a:rPr>
+              <a:t>cell</a:t>
+            </a:r>
+            <a:r>
+              <a:rPr lang="pt-BR" sz="800" dirty="0">
+                <a:solidFill>
+                  <a:srgbClr val="569CD6"/>
+                </a:solidFill>
+                <a:latin typeface="Courier New" panose="02070309020205020404" pitchFamily="49" charset="0"/>
+                <a:cs typeface="Courier New" panose="02070309020205020404" pitchFamily="49" charset="0"/>
+              </a:rPr>
+              <a:t>}</a:t>
+            </a:r>
+            <a:r>
+              <a:rPr lang="pt-BR" sz="800" dirty="0">
+                <a:solidFill>
+                  <a:srgbClr val="808080"/>
+                </a:solidFill>
+                <a:latin typeface="Courier New" panose="02070309020205020404" pitchFamily="49" charset="0"/>
+                <a:cs typeface="Courier New" panose="02070309020205020404" pitchFamily="49" charset="0"/>
+              </a:rPr>
+              <a:t>&lt;/</a:t>
+            </a:r>
+            <a:r>
+              <a:rPr lang="pt-BR" sz="800" dirty="0" err="1">
+                <a:solidFill>
+                  <a:srgbClr val="569CD6"/>
+                </a:solidFill>
+                <a:latin typeface="Courier New" panose="02070309020205020404" pitchFamily="49" charset="0"/>
+                <a:cs typeface="Courier New" panose="02070309020205020404" pitchFamily="49" charset="0"/>
+              </a:rPr>
+              <a:t>td</a:t>
+            </a:r>
+            <a:r>
+              <a:rPr lang="pt-BR" sz="800" dirty="0">
+                <a:solidFill>
+                  <a:srgbClr val="808080"/>
+                </a:solidFill>
+                <a:latin typeface="Courier New" panose="02070309020205020404" pitchFamily="49" charset="0"/>
+                <a:cs typeface="Courier New" panose="02070309020205020404" pitchFamily="49" charset="0"/>
+              </a:rPr>
+              <a:t>&gt;</a:t>
+            </a:r>
+            <a:r>
+              <a:rPr lang="pt-BR" sz="800" dirty="0">
+                <a:solidFill>
+                  <a:srgbClr val="D4D4D4"/>
+                </a:solidFill>
+                <a:latin typeface="Courier New" panose="02070309020205020404" pitchFamily="49" charset="0"/>
+                <a:cs typeface="Courier New" panose="02070309020205020404" pitchFamily="49" charset="0"/>
+              </a:rPr>
+              <a:t>;</a:t>
+            </a:r>
+            <a:endParaRPr lang="pt-BR" sz="800" dirty="0">
+              <a:solidFill>
+                <a:srgbClr val="CCCCCC"/>
+              </a:solidFill>
+              <a:latin typeface="Courier New" panose="02070309020205020404" pitchFamily="49" charset="0"/>
+              <a:cs typeface="Courier New" panose="02070309020205020404" pitchFamily="49" charset="0"/>
+            </a:endParaRPr>
+          </a:p>
+          <a:p>
+            <a:pPr marL="0" lvl="0" indent="0">
+              <a:lnSpc>
+                <a:spcPct val="100000"/>
+              </a:lnSpc>
+              <a:spcBef>
+                <a:spcPts val="0"/>
+              </a:spcBef>
+              <a:buNone/>
+            </a:pPr>
+            <a:r>
+              <a:rPr lang="pt-BR" sz="800" dirty="0">
+                <a:solidFill>
+                  <a:srgbClr val="D4D4D4"/>
+                </a:solidFill>
+                <a:latin typeface="Courier New" panose="02070309020205020404" pitchFamily="49" charset="0"/>
+                <a:cs typeface="Courier New" panose="02070309020205020404" pitchFamily="49" charset="0"/>
+              </a:rPr>
+              <a:t>                                    }</a:t>
+            </a:r>
+            <a:endParaRPr lang="pt-BR" sz="800" dirty="0">
+              <a:solidFill>
+                <a:srgbClr val="CCCCCC"/>
+              </a:solidFill>
+              <a:latin typeface="Courier New" panose="02070309020205020404" pitchFamily="49" charset="0"/>
+              <a:cs typeface="Courier New" panose="02070309020205020404" pitchFamily="49" charset="0"/>
+            </a:endParaRPr>
+          </a:p>
+          <a:p>
+            <a:pPr marL="0" lvl="0" indent="0">
+              <a:lnSpc>
+                <a:spcPct val="100000"/>
+              </a:lnSpc>
+              <a:spcBef>
+                <a:spcPts val="0"/>
+              </a:spcBef>
+              <a:buNone/>
+            </a:pPr>
+            <a:r>
+              <a:rPr lang="pt-BR" sz="800" dirty="0">
+                <a:solidFill>
+                  <a:srgbClr val="D4D4D4"/>
+                </a:solidFill>
+                <a:latin typeface="Courier New" panose="02070309020205020404" pitchFamily="49" charset="0"/>
+                <a:cs typeface="Courier New" panose="02070309020205020404" pitchFamily="49" charset="0"/>
+              </a:rPr>
+              <a:t>                                    )</a:t>
+            </a:r>
+            <a:r>
+              <a:rPr lang="pt-BR" sz="800" dirty="0">
+                <a:solidFill>
+                  <a:srgbClr val="569CD6"/>
+                </a:solidFill>
+                <a:latin typeface="Courier New" panose="02070309020205020404" pitchFamily="49" charset="0"/>
+                <a:cs typeface="Courier New" panose="02070309020205020404" pitchFamily="49" charset="0"/>
+              </a:rPr>
+              <a:t>}</a:t>
+            </a:r>
+            <a:endParaRPr lang="pt-BR" sz="800" dirty="0">
+              <a:solidFill>
+                <a:srgbClr val="CCCCCC"/>
+              </a:solidFill>
+              <a:latin typeface="Courier New" panose="02070309020205020404" pitchFamily="49" charset="0"/>
+              <a:cs typeface="Courier New" panose="02070309020205020404" pitchFamily="49" charset="0"/>
+            </a:endParaRPr>
+          </a:p>
+          <a:p>
+            <a:pPr marL="0" lvl="0" indent="0">
+              <a:lnSpc>
+                <a:spcPct val="100000"/>
+              </a:lnSpc>
+              <a:spcBef>
+                <a:spcPts val="0"/>
+              </a:spcBef>
+              <a:buNone/>
+            </a:pPr>
+            <a:r>
+              <a:rPr lang="pt-BR" sz="800" dirty="0">
+                <a:solidFill>
+                  <a:srgbClr val="D4D4D4"/>
+                </a:solidFill>
+                <a:latin typeface="Courier New" panose="02070309020205020404" pitchFamily="49" charset="0"/>
+                <a:cs typeface="Courier New" panose="02070309020205020404" pitchFamily="49" charset="0"/>
+              </a:rPr>
+              <a:t>                                </a:t>
+            </a:r>
+            <a:r>
+              <a:rPr lang="pt-BR" sz="800" dirty="0">
+                <a:solidFill>
+                  <a:srgbClr val="808080"/>
+                </a:solidFill>
+                <a:latin typeface="Courier New" panose="02070309020205020404" pitchFamily="49" charset="0"/>
+                <a:cs typeface="Courier New" panose="02070309020205020404" pitchFamily="49" charset="0"/>
+              </a:rPr>
+              <a:t>&lt;/</a:t>
+            </a:r>
+            <a:r>
+              <a:rPr lang="pt-BR" sz="800" dirty="0" err="1">
+                <a:solidFill>
+                  <a:srgbClr val="569CD6"/>
+                </a:solidFill>
+                <a:latin typeface="Courier New" panose="02070309020205020404" pitchFamily="49" charset="0"/>
+                <a:cs typeface="Courier New" panose="02070309020205020404" pitchFamily="49" charset="0"/>
+              </a:rPr>
+              <a:t>tr</a:t>
+            </a:r>
+            <a:r>
+              <a:rPr lang="pt-BR" sz="800" dirty="0">
+                <a:solidFill>
+                  <a:srgbClr val="808080"/>
+                </a:solidFill>
+                <a:latin typeface="Courier New" panose="02070309020205020404" pitchFamily="49" charset="0"/>
+                <a:cs typeface="Courier New" panose="02070309020205020404" pitchFamily="49" charset="0"/>
+              </a:rPr>
+              <a:t>&gt;</a:t>
+            </a:r>
+            <a:endParaRPr lang="pt-BR" sz="800" dirty="0">
+              <a:solidFill>
+                <a:srgbClr val="CCCCCC"/>
+              </a:solidFill>
+              <a:latin typeface="Courier New" panose="02070309020205020404" pitchFamily="49" charset="0"/>
+              <a:cs typeface="Courier New" panose="02070309020205020404" pitchFamily="49" charset="0"/>
+            </a:endParaRPr>
+          </a:p>
+          <a:p>
+            <a:pPr marL="0" lvl="0" indent="0">
+              <a:lnSpc>
+                <a:spcPct val="100000"/>
+              </a:lnSpc>
+              <a:spcBef>
+                <a:spcPts val="0"/>
+              </a:spcBef>
+              <a:buNone/>
+            </a:pPr>
+            <a:r>
+              <a:rPr lang="pt-BR" sz="800" dirty="0">
+                <a:solidFill>
+                  <a:srgbClr val="D4D4D4"/>
+                </a:solidFill>
+                <a:latin typeface="Courier New" panose="02070309020205020404" pitchFamily="49" charset="0"/>
+                <a:cs typeface="Courier New" panose="02070309020205020404" pitchFamily="49" charset="0"/>
+              </a:rPr>
+              <a:t>                               );</a:t>
+            </a:r>
+            <a:endParaRPr lang="pt-BR" sz="800" dirty="0">
+              <a:solidFill>
+                <a:srgbClr val="CCCCCC"/>
+              </a:solidFill>
+              <a:latin typeface="Courier New" panose="02070309020205020404" pitchFamily="49" charset="0"/>
+              <a:cs typeface="Courier New" panose="02070309020205020404" pitchFamily="49" charset="0"/>
+            </a:endParaRPr>
+          </a:p>
+          <a:p>
+            <a:pPr marL="0" lvl="0" indent="0">
+              <a:lnSpc>
+                <a:spcPct val="100000"/>
+              </a:lnSpc>
+              <a:spcBef>
+                <a:spcPts val="0"/>
+              </a:spcBef>
+              <a:buNone/>
+            </a:pPr>
+            <a:r>
+              <a:rPr lang="pt-BR" sz="800" dirty="0">
+                <a:solidFill>
+                  <a:srgbClr val="D4D4D4"/>
+                </a:solidFill>
+                <a:latin typeface="Courier New" panose="02070309020205020404" pitchFamily="49" charset="0"/>
+                <a:cs typeface="Courier New" panose="02070309020205020404" pitchFamily="49" charset="0"/>
+              </a:rPr>
+              <a:t>                            }</a:t>
+            </a:r>
+            <a:endParaRPr lang="pt-BR" sz="800" dirty="0">
+              <a:solidFill>
+                <a:srgbClr val="CCCCCC"/>
+              </a:solidFill>
+              <a:latin typeface="Courier New" panose="02070309020205020404" pitchFamily="49" charset="0"/>
+              <a:cs typeface="Courier New" panose="02070309020205020404" pitchFamily="49" charset="0"/>
+            </a:endParaRPr>
+          </a:p>
+          <a:p>
+            <a:pPr marL="0" lvl="0" indent="0">
+              <a:lnSpc>
+                <a:spcPct val="100000"/>
+              </a:lnSpc>
+              <a:spcBef>
+                <a:spcPts val="0"/>
+              </a:spcBef>
+              <a:buNone/>
+            </a:pPr>
+            <a:r>
+              <a:rPr lang="pt-BR" sz="800" dirty="0">
+                <a:solidFill>
+                  <a:srgbClr val="D4D4D4"/>
+                </a:solidFill>
+                <a:latin typeface="Courier New" panose="02070309020205020404" pitchFamily="49" charset="0"/>
+                <a:cs typeface="Courier New" panose="02070309020205020404" pitchFamily="49" charset="0"/>
+              </a:rPr>
+              <a:t>                        );</a:t>
+            </a:r>
+            <a:endParaRPr lang="pt-BR" sz="800" dirty="0">
+              <a:solidFill>
+                <a:srgbClr val="CCCCCC"/>
+              </a:solidFill>
+              <a:latin typeface="Courier New" panose="02070309020205020404" pitchFamily="49" charset="0"/>
+              <a:cs typeface="Courier New" panose="02070309020205020404" pitchFamily="49" charset="0"/>
+            </a:endParaRPr>
+          </a:p>
+          <a:p>
+            <a:pPr marL="0" lvl="0" indent="0">
+              <a:lnSpc>
+                <a:spcPct val="100000"/>
+              </a:lnSpc>
+              <a:spcBef>
+                <a:spcPts val="0"/>
+              </a:spcBef>
+              <a:buNone/>
+            </a:pPr>
+            <a:r>
+              <a:rPr lang="pt-BR" sz="800" dirty="0">
+                <a:solidFill>
+                  <a:srgbClr val="D4D4D4"/>
+                </a:solidFill>
+                <a:latin typeface="Courier New" panose="02070309020205020404" pitchFamily="49" charset="0"/>
+                <a:cs typeface="Courier New" panose="02070309020205020404" pitchFamily="49" charset="0"/>
+              </a:rPr>
+              <a:t>                    </a:t>
+            </a:r>
+            <a:r>
+              <a:rPr lang="pt-BR" sz="800" dirty="0">
+                <a:solidFill>
+                  <a:srgbClr val="569CD6"/>
+                </a:solidFill>
+                <a:latin typeface="Courier New" panose="02070309020205020404" pitchFamily="49" charset="0"/>
+                <a:cs typeface="Courier New" panose="02070309020205020404" pitchFamily="49" charset="0"/>
+              </a:rPr>
+              <a:t>}</a:t>
+            </a:r>
+            <a:endParaRPr lang="pt-BR" sz="800" dirty="0">
+              <a:solidFill>
+                <a:srgbClr val="CCCCCC"/>
+              </a:solidFill>
+              <a:latin typeface="Courier New" panose="02070309020205020404" pitchFamily="49" charset="0"/>
+              <a:cs typeface="Courier New" panose="02070309020205020404" pitchFamily="49" charset="0"/>
+            </a:endParaRPr>
+          </a:p>
+          <a:p>
+            <a:pPr marL="0" lvl="0" indent="0">
+              <a:lnSpc>
+                <a:spcPct val="100000"/>
+              </a:lnSpc>
+              <a:spcBef>
+                <a:spcPts val="0"/>
+              </a:spcBef>
+              <a:buNone/>
+            </a:pPr>
+            <a:r>
+              <a:rPr lang="pt-BR" sz="800" dirty="0">
+                <a:solidFill>
+                  <a:srgbClr val="CCCCCC"/>
+                </a:solidFill>
+                <a:latin typeface="Courier New" panose="02070309020205020404" pitchFamily="49" charset="0"/>
+                <a:cs typeface="Courier New" panose="02070309020205020404" pitchFamily="49" charset="0"/>
+              </a:rPr>
+              <a:t>                </a:t>
+            </a:r>
+            <a:r>
+              <a:rPr lang="pt-BR" sz="800" dirty="0">
+                <a:solidFill>
+                  <a:srgbClr val="808080"/>
+                </a:solidFill>
+                <a:latin typeface="Courier New" panose="02070309020205020404" pitchFamily="49" charset="0"/>
+                <a:cs typeface="Courier New" panose="02070309020205020404" pitchFamily="49" charset="0"/>
+              </a:rPr>
+              <a:t>&lt;/</a:t>
+            </a:r>
+            <a:r>
+              <a:rPr lang="pt-BR" sz="800" dirty="0" err="1">
+                <a:solidFill>
+                  <a:srgbClr val="569CD6"/>
+                </a:solidFill>
+                <a:latin typeface="Courier New" panose="02070309020205020404" pitchFamily="49" charset="0"/>
+                <a:cs typeface="Courier New" panose="02070309020205020404" pitchFamily="49" charset="0"/>
+              </a:rPr>
+              <a:t>tbody</a:t>
+            </a:r>
+            <a:r>
+              <a:rPr lang="pt-BR" sz="800" dirty="0">
+                <a:solidFill>
+                  <a:srgbClr val="808080"/>
+                </a:solidFill>
+                <a:latin typeface="Courier New" panose="02070309020205020404" pitchFamily="49" charset="0"/>
+                <a:cs typeface="Courier New" panose="02070309020205020404" pitchFamily="49" charset="0"/>
+              </a:rPr>
+              <a:t>&gt;</a:t>
+            </a:r>
+            <a:endParaRPr lang="pt-BR" sz="800" dirty="0">
+              <a:solidFill>
+                <a:srgbClr val="CCCCCC"/>
+              </a:solidFill>
+              <a:latin typeface="Courier New" panose="02070309020205020404" pitchFamily="49" charset="0"/>
+              <a:cs typeface="Courier New" panose="02070309020205020404" pitchFamily="49" charset="0"/>
+            </a:endParaRPr>
+          </a:p>
+          <a:p>
+            <a:pPr marL="0" lvl="0" indent="0">
+              <a:lnSpc>
+                <a:spcPct val="100000"/>
+              </a:lnSpc>
+              <a:spcBef>
+                <a:spcPts val="0"/>
+              </a:spcBef>
+              <a:buNone/>
+            </a:pPr>
+            <a:r>
+              <a:rPr lang="pt-BR" sz="800" dirty="0">
+                <a:solidFill>
+                  <a:srgbClr val="CCCCCC"/>
+                </a:solidFill>
+                <a:latin typeface="Courier New" panose="02070309020205020404" pitchFamily="49" charset="0"/>
+                <a:cs typeface="Courier New" panose="02070309020205020404" pitchFamily="49" charset="0"/>
+              </a:rPr>
+              <a:t>            </a:t>
+            </a:r>
+            <a:r>
+              <a:rPr lang="pt-BR" sz="800" dirty="0">
+                <a:solidFill>
+                  <a:srgbClr val="808080"/>
+                </a:solidFill>
+                <a:latin typeface="Courier New" panose="02070309020205020404" pitchFamily="49" charset="0"/>
+                <a:cs typeface="Courier New" panose="02070309020205020404" pitchFamily="49" charset="0"/>
+              </a:rPr>
+              <a:t>&lt;/</a:t>
+            </a:r>
+            <a:r>
+              <a:rPr lang="pt-BR" sz="800" dirty="0" err="1">
+                <a:solidFill>
+                  <a:srgbClr val="569CD6"/>
+                </a:solidFill>
+                <a:latin typeface="Courier New" panose="02070309020205020404" pitchFamily="49" charset="0"/>
+                <a:cs typeface="Courier New" panose="02070309020205020404" pitchFamily="49" charset="0"/>
+              </a:rPr>
+              <a:t>table</a:t>
+            </a:r>
+            <a:r>
+              <a:rPr lang="pt-BR" sz="800" dirty="0">
+                <a:solidFill>
+                  <a:srgbClr val="808080"/>
+                </a:solidFill>
+                <a:latin typeface="Courier New" panose="02070309020205020404" pitchFamily="49" charset="0"/>
+                <a:cs typeface="Courier New" panose="02070309020205020404" pitchFamily="49" charset="0"/>
+              </a:rPr>
+              <a:t>&gt;</a:t>
+            </a:r>
+            <a:endParaRPr lang="pt-BR" sz="800" dirty="0">
+              <a:solidFill>
+                <a:srgbClr val="CCCCCC"/>
+              </a:solidFill>
+              <a:latin typeface="Courier New" panose="02070309020205020404" pitchFamily="49" charset="0"/>
+              <a:cs typeface="Courier New" panose="02070309020205020404" pitchFamily="49" charset="0"/>
+            </a:endParaRPr>
+          </a:p>
+          <a:p>
+            <a:pPr marL="0" lvl="0" indent="0">
+              <a:lnSpc>
+                <a:spcPct val="100000"/>
+              </a:lnSpc>
+              <a:spcBef>
+                <a:spcPts val="0"/>
+              </a:spcBef>
+              <a:buNone/>
+            </a:pPr>
+            <a:r>
+              <a:rPr lang="pt-BR" sz="800" dirty="0">
+                <a:solidFill>
+                  <a:srgbClr val="CCCCCC"/>
+                </a:solidFill>
+                <a:latin typeface="Courier New" panose="02070309020205020404" pitchFamily="49" charset="0"/>
+                <a:cs typeface="Courier New" panose="02070309020205020404" pitchFamily="49" charset="0"/>
+              </a:rPr>
+              <a:t>        );</a:t>
+            </a:r>
+          </a:p>
+          <a:p>
+            <a:pPr marL="0" lvl="0" indent="0">
+              <a:lnSpc>
+                <a:spcPct val="100000"/>
+              </a:lnSpc>
+              <a:spcBef>
+                <a:spcPts val="0"/>
+              </a:spcBef>
+              <a:buNone/>
+            </a:pPr>
+            <a:r>
+              <a:rPr lang="pt-BR" sz="1200" dirty="0">
+                <a:solidFill>
+                  <a:srgbClr val="CCCCCC"/>
+                </a:solidFill>
+                <a:latin typeface="Courier New" panose="02070309020205020404" pitchFamily="49" charset="0"/>
+                <a:cs typeface="Courier New" panose="02070309020205020404" pitchFamily="49" charset="0"/>
+              </a:rPr>
+              <a:t>}</a:t>
+            </a:r>
+            <a:endParaRPr lang="pt-BR" sz="1200" dirty="0">
+              <a:latin typeface="Courier New" panose="02070309020205020404" pitchFamily="49" charset="0"/>
+              <a:cs typeface="Courier New" panose="02070309020205020404" pitchFamily="49" charset="0"/>
+            </a:endParaRPr>
+          </a:p>
+        </p:txBody>
+      </p:sp>
+    </p:spTree>
+    <p:extLst>
+      <p:ext uri="{BB962C8B-B14F-4D97-AF65-F5344CB8AC3E}">
+        <p14:creationId xmlns:p14="http://schemas.microsoft.com/office/powerpoint/2010/main" val="3849167505"/>
+      </p:ext>
+    </p:extLst>
+  </p:cSld>
+  <p:clrMapOvr>
+    <a:masterClrMapping/>
+  </p:clrMapOvr>
+</p:sld>
+</file>
+
+<file path=ppt/slides/slide23.xml><?xml version="1.0" encoding="utf-8"?>
+<p:sld xmlns:a="http://schemas.openxmlformats.org/drawingml/2006/main" xmlns:r="http://schemas.openxmlformats.org/officeDocument/2006/relationships" xmlns:p="http://schemas.openxmlformats.org/presentationml/2006/main">
+  <p:cSld>
+    <p:spTree>
+      <p:nvGrpSpPr>
+        <p:cNvPr id="1" name=""/>
+        <p:cNvGrpSpPr/>
+        <p:nvPr/>
+      </p:nvGrpSpPr>
+      <p:grpSpPr>
+        <a:xfrm>
+          <a:off x="0" y="0"/>
+          <a:ext cx="0" cy="0"/>
+          <a:chOff x="0" y="0"/>
+          <a:chExt cx="0" cy="0"/>
+        </a:xfrm>
+      </p:grpSpPr>
+      <p:sp>
+        <p:nvSpPr>
+          <p:cNvPr id="2" name="Título 1">
+            <a:extLst>
+              <a:ext uri="{FF2B5EF4-FFF2-40B4-BE49-F238E27FC236}">
+                <a16:creationId xmlns:a16="http://schemas.microsoft.com/office/drawing/2014/main" id="{AE3EA2E6-2E1F-4910-80F5-FEA8176D6347}"/>
+              </a:ext>
+            </a:extLst>
+          </p:cNvPr>
+          <p:cNvSpPr>
+            <a:spLocks noGrp="1"/>
+          </p:cNvSpPr>
+          <p:nvPr>
+            <p:ph type="title"/>
+          </p:nvPr>
+        </p:nvSpPr>
+        <p:spPr/>
+        <p:txBody>
+          <a:bodyPr/>
+          <a:lstStyle/>
+          <a:p>
+            <a:pPr algn="r"/>
+            <a:r>
+              <a:rPr lang="pt-BR" dirty="0">
+                <a:solidFill>
+                  <a:prstClr val="black"/>
+                </a:solidFill>
+              </a:rPr>
+              <a:t>Criação da Tabela</a:t>
+            </a:r>
+            <a:br>
+              <a:rPr lang="pt-BR" dirty="0">
+                <a:solidFill>
+                  <a:prstClr val="black"/>
+                </a:solidFill>
+              </a:rPr>
+            </a:br>
+            <a:r>
+              <a:rPr lang="pt-BR" sz="2400" dirty="0">
+                <a:solidFill>
+                  <a:prstClr val="black"/>
+                </a:solidFill>
+              </a:rPr>
+              <a:t>(Declaração das </a:t>
+            </a:r>
+            <a:r>
+              <a:rPr lang="pt-BR" sz="2400" dirty="0" err="1">
+                <a:solidFill>
+                  <a:prstClr val="black"/>
+                </a:solidFill>
+              </a:rPr>
+              <a:t>Prop</a:t>
+            </a:r>
+            <a:r>
+              <a:rPr lang="pt-BR" sz="2400" dirty="0">
+                <a:solidFill>
+                  <a:prstClr val="black"/>
+                </a:solidFill>
+              </a:rPr>
+              <a:t> </a:t>
+            </a:r>
+            <a:r>
+              <a:rPr lang="pt-BR" sz="2400" dirty="0" err="1">
+                <a:solidFill>
+                  <a:prstClr val="black"/>
+                </a:solidFill>
+              </a:rPr>
+              <a:t>Types</a:t>
+            </a:r>
+            <a:r>
+              <a:rPr lang="pt-BR" sz="2400" dirty="0">
+                <a:solidFill>
+                  <a:prstClr val="black"/>
+                </a:solidFill>
+              </a:rPr>
+              <a:t> e Default </a:t>
+            </a:r>
+            <a:r>
+              <a:rPr lang="pt-BR" sz="2400" dirty="0" err="1">
+                <a:solidFill>
+                  <a:prstClr val="black"/>
+                </a:solidFill>
+              </a:rPr>
+              <a:t>Props</a:t>
+            </a:r>
+            <a:r>
+              <a:rPr lang="pt-BR" sz="2400" dirty="0">
+                <a:solidFill>
+                  <a:prstClr val="black"/>
+                </a:solidFill>
+              </a:rPr>
+              <a:t>)</a:t>
+            </a:r>
+            <a:endParaRPr lang="pt-BR" dirty="0"/>
+          </a:p>
+        </p:txBody>
+      </p:sp>
+      <p:sp>
+        <p:nvSpPr>
+          <p:cNvPr id="3" name="Espaço Reservado para Conteúdo 2">
+            <a:extLst>
+              <a:ext uri="{FF2B5EF4-FFF2-40B4-BE49-F238E27FC236}">
+                <a16:creationId xmlns:a16="http://schemas.microsoft.com/office/drawing/2014/main" id="{76A075FF-5552-4825-A833-DC93985E762E}"/>
+              </a:ext>
+            </a:extLst>
+          </p:cNvPr>
+          <p:cNvSpPr>
+            <a:spLocks noGrp="1"/>
+          </p:cNvSpPr>
+          <p:nvPr>
+            <p:ph idx="1"/>
+          </p:nvPr>
+        </p:nvSpPr>
+        <p:spPr/>
+        <p:txBody>
+          <a:bodyPr>
+            <a:normAutofit/>
+          </a:bodyPr>
+          <a:lstStyle/>
+          <a:p>
+            <a:pPr marL="0" indent="0">
+              <a:spcBef>
+                <a:spcPts val="0"/>
+              </a:spcBef>
+              <a:buNone/>
+            </a:pPr>
+            <a:r>
+              <a:rPr lang="pt-BR" sz="1200" dirty="0" err="1">
+                <a:solidFill>
+                  <a:srgbClr val="4EC9B0"/>
+                </a:solidFill>
+                <a:latin typeface="Consolas" panose="020B0609020204030204" pitchFamily="49" charset="0"/>
+              </a:rPr>
+              <a:t>PMTable</a:t>
+            </a:r>
+            <a:r>
+              <a:rPr lang="pt-BR" sz="1200" dirty="0" err="1">
+                <a:solidFill>
+                  <a:srgbClr val="CCCCCC"/>
+                </a:solidFill>
+                <a:latin typeface="Consolas" panose="020B0609020204030204" pitchFamily="49" charset="0"/>
+              </a:rPr>
+              <a:t>.</a:t>
+            </a:r>
+            <a:r>
+              <a:rPr lang="pt-BR" sz="1200" dirty="0" err="1">
+                <a:solidFill>
+                  <a:srgbClr val="9CDCFE"/>
+                </a:solidFill>
+                <a:latin typeface="Consolas" panose="020B0609020204030204" pitchFamily="49" charset="0"/>
+              </a:rPr>
+              <a:t>propTypes</a:t>
+            </a:r>
+            <a:r>
+              <a:rPr lang="pt-BR" sz="1200" dirty="0">
+                <a:solidFill>
+                  <a:srgbClr val="CCCCCC"/>
+                </a:solidFill>
+                <a:latin typeface="Consolas" panose="020B0609020204030204" pitchFamily="49" charset="0"/>
+              </a:rPr>
+              <a:t> </a:t>
+            </a:r>
+            <a:r>
+              <a:rPr lang="pt-BR" sz="1200" dirty="0">
+                <a:solidFill>
+                  <a:srgbClr val="D4D4D4"/>
+                </a:solidFill>
+                <a:latin typeface="Consolas" panose="020B0609020204030204" pitchFamily="49" charset="0"/>
+              </a:rPr>
+              <a:t>=</a:t>
+            </a:r>
+            <a:r>
+              <a:rPr lang="pt-BR" sz="1200" dirty="0">
+                <a:solidFill>
+                  <a:srgbClr val="CCCCCC"/>
+                </a:solidFill>
+                <a:latin typeface="Consolas" panose="020B0609020204030204" pitchFamily="49" charset="0"/>
+              </a:rPr>
+              <a:t> {</a:t>
+            </a:r>
+          </a:p>
+          <a:p>
+            <a:pPr marL="0" indent="0">
+              <a:spcBef>
+                <a:spcPts val="0"/>
+              </a:spcBef>
+              <a:buNone/>
+            </a:pPr>
+            <a:r>
+              <a:rPr lang="pt-BR" sz="1200" dirty="0">
+                <a:solidFill>
+                  <a:srgbClr val="CCCCCC"/>
+                </a:solidFill>
+                <a:latin typeface="Consolas" panose="020B0609020204030204" pitchFamily="49" charset="0"/>
+              </a:rPr>
+              <a:t>    </a:t>
+            </a:r>
+            <a:r>
+              <a:rPr lang="pt-BR" sz="1200" dirty="0" err="1">
+                <a:solidFill>
+                  <a:srgbClr val="9CDCFE"/>
+                </a:solidFill>
+                <a:latin typeface="Consolas" panose="020B0609020204030204" pitchFamily="49" charset="0"/>
+              </a:rPr>
+              <a:t>caption</a:t>
+            </a:r>
+            <a:r>
+              <a:rPr lang="pt-BR" sz="1200" dirty="0">
+                <a:solidFill>
+                  <a:srgbClr val="9CDCFE"/>
+                </a:solidFill>
+                <a:latin typeface="Consolas" panose="020B0609020204030204" pitchFamily="49" charset="0"/>
+              </a:rPr>
+              <a:t>:</a:t>
+            </a:r>
+            <a:r>
+              <a:rPr lang="pt-BR" sz="1200" dirty="0">
+                <a:solidFill>
+                  <a:srgbClr val="CCCCCC"/>
+                </a:solidFill>
+                <a:latin typeface="Consolas" panose="020B0609020204030204" pitchFamily="49" charset="0"/>
+              </a:rPr>
+              <a:t> </a:t>
+            </a:r>
+            <a:r>
+              <a:rPr lang="pt-BR" sz="1200" dirty="0" err="1">
+                <a:solidFill>
+                  <a:srgbClr val="9CDCFE"/>
+                </a:solidFill>
+                <a:latin typeface="Consolas" panose="020B0609020204030204" pitchFamily="49" charset="0"/>
+              </a:rPr>
+              <a:t>PropTypes</a:t>
+            </a:r>
+            <a:r>
+              <a:rPr lang="pt-BR" sz="1200" dirty="0" err="1">
+                <a:solidFill>
+                  <a:srgbClr val="CCCCCC"/>
+                </a:solidFill>
+                <a:latin typeface="Consolas" panose="020B0609020204030204" pitchFamily="49" charset="0"/>
+              </a:rPr>
+              <a:t>.</a:t>
+            </a:r>
+            <a:r>
+              <a:rPr lang="pt-BR" sz="1200" dirty="0" err="1">
+                <a:solidFill>
+                  <a:srgbClr val="4FC1FF"/>
+                </a:solidFill>
+                <a:latin typeface="Consolas" panose="020B0609020204030204" pitchFamily="49" charset="0"/>
+              </a:rPr>
+              <a:t>string</a:t>
+            </a:r>
+            <a:r>
+              <a:rPr lang="pt-BR" sz="1200" dirty="0" err="1">
+                <a:solidFill>
+                  <a:srgbClr val="CCCCCC"/>
+                </a:solidFill>
+                <a:latin typeface="Consolas" panose="020B0609020204030204" pitchFamily="49" charset="0"/>
+              </a:rPr>
+              <a:t>.</a:t>
+            </a:r>
+            <a:r>
+              <a:rPr lang="pt-BR" sz="1200" dirty="0" err="1">
+                <a:solidFill>
+                  <a:srgbClr val="9CDCFE"/>
+                </a:solidFill>
+                <a:latin typeface="Consolas" panose="020B0609020204030204" pitchFamily="49" charset="0"/>
+              </a:rPr>
+              <a:t>isRequired</a:t>
+            </a:r>
+            <a:r>
+              <a:rPr lang="pt-BR" sz="1200" dirty="0">
+                <a:solidFill>
+                  <a:srgbClr val="CCCCCC"/>
+                </a:solidFill>
+                <a:latin typeface="Consolas" panose="020B0609020204030204" pitchFamily="49" charset="0"/>
+              </a:rPr>
+              <a:t>,</a:t>
+            </a:r>
+          </a:p>
+          <a:p>
+            <a:pPr marL="0" indent="0">
+              <a:spcBef>
+                <a:spcPts val="0"/>
+              </a:spcBef>
+              <a:buNone/>
+            </a:pPr>
+            <a:r>
+              <a:rPr lang="pt-BR" sz="1200" dirty="0">
+                <a:solidFill>
+                  <a:srgbClr val="CCCCCC"/>
+                </a:solidFill>
+                <a:latin typeface="Consolas" panose="020B0609020204030204" pitchFamily="49" charset="0"/>
+              </a:rPr>
+              <a:t>    </a:t>
+            </a:r>
+            <a:r>
+              <a:rPr lang="pt-BR" sz="1200" dirty="0">
+                <a:solidFill>
+                  <a:srgbClr val="9CDCFE"/>
+                </a:solidFill>
+                <a:latin typeface="Consolas" panose="020B0609020204030204" pitchFamily="49" charset="0"/>
+              </a:rPr>
+              <a:t>header:</a:t>
+            </a:r>
+            <a:r>
+              <a:rPr lang="pt-BR" sz="1200" dirty="0">
+                <a:solidFill>
+                  <a:srgbClr val="CCCCCC"/>
+                </a:solidFill>
+                <a:latin typeface="Consolas" panose="020B0609020204030204" pitchFamily="49" charset="0"/>
+              </a:rPr>
+              <a:t> </a:t>
+            </a:r>
+            <a:r>
+              <a:rPr lang="pt-BR" sz="1200" dirty="0" err="1">
+                <a:solidFill>
+                  <a:srgbClr val="9CDCFE"/>
+                </a:solidFill>
+                <a:latin typeface="Consolas" panose="020B0609020204030204" pitchFamily="49" charset="0"/>
+              </a:rPr>
+              <a:t>PropTypes</a:t>
+            </a:r>
+            <a:r>
+              <a:rPr lang="pt-BR" sz="1200" dirty="0" err="1">
+                <a:solidFill>
+                  <a:srgbClr val="CCCCCC"/>
+                </a:solidFill>
+                <a:latin typeface="Consolas" panose="020B0609020204030204" pitchFamily="49" charset="0"/>
+              </a:rPr>
+              <a:t>.</a:t>
+            </a:r>
+            <a:r>
+              <a:rPr lang="pt-BR" sz="1200" dirty="0" err="1">
+                <a:solidFill>
+                  <a:srgbClr val="4FC1FF"/>
+                </a:solidFill>
+                <a:latin typeface="Consolas" panose="020B0609020204030204" pitchFamily="49" charset="0"/>
+              </a:rPr>
+              <a:t>array</a:t>
+            </a:r>
+            <a:r>
+              <a:rPr lang="pt-BR" sz="1200" dirty="0">
+                <a:solidFill>
+                  <a:srgbClr val="CCCCCC"/>
+                </a:solidFill>
+                <a:latin typeface="Consolas" panose="020B0609020204030204" pitchFamily="49" charset="0"/>
+              </a:rPr>
+              <a:t>,</a:t>
+            </a:r>
+          </a:p>
+          <a:p>
+            <a:pPr marL="0" indent="0">
+              <a:spcBef>
+                <a:spcPts val="0"/>
+              </a:spcBef>
+              <a:buNone/>
+            </a:pPr>
+            <a:r>
+              <a:rPr lang="pt-BR" sz="1200" dirty="0">
+                <a:solidFill>
+                  <a:srgbClr val="CCCCCC"/>
+                </a:solidFill>
+                <a:latin typeface="Consolas" panose="020B0609020204030204" pitchFamily="49" charset="0"/>
+              </a:rPr>
+              <a:t>    </a:t>
+            </a:r>
+            <a:r>
+              <a:rPr lang="pt-BR" sz="1200" dirty="0">
+                <a:solidFill>
+                  <a:srgbClr val="9CDCFE"/>
+                </a:solidFill>
+                <a:latin typeface="Consolas" panose="020B0609020204030204" pitchFamily="49" charset="0"/>
+              </a:rPr>
+              <a:t>data:</a:t>
+            </a:r>
+            <a:r>
+              <a:rPr lang="pt-BR" sz="1200" dirty="0">
+                <a:solidFill>
+                  <a:srgbClr val="CCCCCC"/>
+                </a:solidFill>
+                <a:latin typeface="Consolas" panose="020B0609020204030204" pitchFamily="49" charset="0"/>
+              </a:rPr>
+              <a:t> </a:t>
+            </a:r>
+            <a:r>
+              <a:rPr lang="pt-BR" sz="1200" dirty="0" err="1">
+                <a:solidFill>
+                  <a:srgbClr val="9CDCFE"/>
+                </a:solidFill>
+                <a:latin typeface="Consolas" panose="020B0609020204030204" pitchFamily="49" charset="0"/>
+              </a:rPr>
+              <a:t>PropTypes</a:t>
+            </a:r>
+            <a:r>
+              <a:rPr lang="pt-BR" sz="1200" dirty="0" err="1">
+                <a:solidFill>
+                  <a:srgbClr val="CCCCCC"/>
+                </a:solidFill>
+                <a:latin typeface="Consolas" panose="020B0609020204030204" pitchFamily="49" charset="0"/>
+              </a:rPr>
+              <a:t>.</a:t>
+            </a:r>
+            <a:r>
+              <a:rPr lang="pt-BR" sz="1200" dirty="0" err="1">
+                <a:solidFill>
+                  <a:srgbClr val="4FC1FF"/>
+                </a:solidFill>
+                <a:latin typeface="Consolas" panose="020B0609020204030204" pitchFamily="49" charset="0"/>
+              </a:rPr>
+              <a:t>array</a:t>
+            </a:r>
+            <a:r>
+              <a:rPr lang="pt-BR" sz="1200" dirty="0">
+                <a:solidFill>
+                  <a:srgbClr val="CCCCCC"/>
+                </a:solidFill>
+                <a:latin typeface="Consolas" panose="020B0609020204030204" pitchFamily="49" charset="0"/>
+              </a:rPr>
+              <a:t>,</a:t>
+            </a:r>
+          </a:p>
+          <a:p>
+            <a:pPr marL="0" indent="0">
+              <a:spcBef>
+                <a:spcPts val="0"/>
+              </a:spcBef>
+              <a:buNone/>
+            </a:pPr>
+            <a:r>
+              <a:rPr lang="pt-BR" sz="1200" dirty="0">
+                <a:solidFill>
+                  <a:srgbClr val="CCCCCC"/>
+                </a:solidFill>
+                <a:latin typeface="Consolas" panose="020B0609020204030204" pitchFamily="49" charset="0"/>
+              </a:rPr>
+              <a:t>};</a:t>
+            </a:r>
+          </a:p>
+          <a:p>
+            <a:pPr marL="0" indent="0">
+              <a:spcBef>
+                <a:spcPts val="0"/>
+              </a:spcBef>
+              <a:buNone/>
+            </a:pPr>
+            <a:br>
+              <a:rPr lang="pt-BR" sz="1200" dirty="0">
+                <a:solidFill>
+                  <a:srgbClr val="CCCCCC"/>
+                </a:solidFill>
+                <a:latin typeface="Consolas" panose="020B0609020204030204" pitchFamily="49" charset="0"/>
+              </a:rPr>
+            </a:br>
+            <a:r>
+              <a:rPr lang="pt-BR" sz="1200" dirty="0" err="1">
+                <a:solidFill>
+                  <a:srgbClr val="4EC9B0"/>
+                </a:solidFill>
+                <a:latin typeface="Consolas" panose="020B0609020204030204" pitchFamily="49" charset="0"/>
+              </a:rPr>
+              <a:t>PMTable</a:t>
+            </a:r>
+            <a:r>
+              <a:rPr lang="pt-BR" sz="1200" dirty="0" err="1">
+                <a:solidFill>
+                  <a:srgbClr val="CCCCCC"/>
+                </a:solidFill>
+                <a:latin typeface="Consolas" panose="020B0609020204030204" pitchFamily="49" charset="0"/>
+              </a:rPr>
+              <a:t>.</a:t>
+            </a:r>
+            <a:r>
+              <a:rPr lang="pt-BR" sz="1200" dirty="0" err="1">
+                <a:solidFill>
+                  <a:srgbClr val="9CDCFE"/>
+                </a:solidFill>
+                <a:latin typeface="Consolas" panose="020B0609020204030204" pitchFamily="49" charset="0"/>
+              </a:rPr>
+              <a:t>defaultProps</a:t>
+            </a:r>
+            <a:r>
+              <a:rPr lang="pt-BR" sz="1200" dirty="0">
+                <a:solidFill>
+                  <a:srgbClr val="CCCCCC"/>
+                </a:solidFill>
+                <a:latin typeface="Consolas" panose="020B0609020204030204" pitchFamily="49" charset="0"/>
+              </a:rPr>
+              <a:t> </a:t>
+            </a:r>
+            <a:r>
+              <a:rPr lang="pt-BR" sz="1200" dirty="0">
+                <a:solidFill>
+                  <a:srgbClr val="D4D4D4"/>
+                </a:solidFill>
+                <a:latin typeface="Consolas" panose="020B0609020204030204" pitchFamily="49" charset="0"/>
+              </a:rPr>
+              <a:t>=</a:t>
+            </a:r>
+            <a:r>
+              <a:rPr lang="pt-BR" sz="1200" dirty="0">
+                <a:solidFill>
+                  <a:srgbClr val="CCCCCC"/>
+                </a:solidFill>
+                <a:latin typeface="Consolas" panose="020B0609020204030204" pitchFamily="49" charset="0"/>
+              </a:rPr>
+              <a:t> {</a:t>
+            </a:r>
+          </a:p>
+          <a:p>
+            <a:pPr marL="0" indent="0">
+              <a:spcBef>
+                <a:spcPts val="0"/>
+              </a:spcBef>
+              <a:buNone/>
+            </a:pPr>
+            <a:r>
+              <a:rPr lang="pt-BR" sz="1200" dirty="0">
+                <a:solidFill>
+                  <a:srgbClr val="CCCCCC"/>
+                </a:solidFill>
+                <a:latin typeface="Consolas" panose="020B0609020204030204" pitchFamily="49" charset="0"/>
+              </a:rPr>
+              <a:t>    </a:t>
+            </a:r>
+            <a:r>
+              <a:rPr lang="pt-BR" sz="1200" dirty="0" err="1">
+                <a:solidFill>
+                  <a:srgbClr val="9CDCFE"/>
+                </a:solidFill>
+                <a:latin typeface="Consolas" panose="020B0609020204030204" pitchFamily="49" charset="0"/>
+              </a:rPr>
+              <a:t>caption</a:t>
+            </a:r>
+            <a:r>
+              <a:rPr lang="pt-BR" sz="1200" dirty="0">
+                <a:solidFill>
+                  <a:srgbClr val="9CDCFE"/>
+                </a:solidFill>
+                <a:latin typeface="Consolas" panose="020B0609020204030204" pitchFamily="49" charset="0"/>
+              </a:rPr>
+              <a:t>:</a:t>
+            </a:r>
+            <a:r>
+              <a:rPr lang="pt-BR" sz="1200" dirty="0">
+                <a:solidFill>
+                  <a:srgbClr val="CCCCCC"/>
+                </a:solidFill>
+                <a:latin typeface="Consolas" panose="020B0609020204030204" pitchFamily="49" charset="0"/>
+              </a:rPr>
+              <a:t> </a:t>
+            </a:r>
+            <a:r>
+              <a:rPr lang="pt-BR" sz="1200" dirty="0">
+                <a:solidFill>
+                  <a:srgbClr val="CE9178"/>
+                </a:solidFill>
+                <a:latin typeface="Consolas" panose="020B0609020204030204" pitchFamily="49" charset="0"/>
+              </a:rPr>
+              <a:t>'</a:t>
+            </a:r>
+            <a:r>
+              <a:rPr lang="pt-BR" sz="1200" dirty="0" err="1">
+                <a:solidFill>
+                  <a:srgbClr val="CE9178"/>
+                </a:solidFill>
+                <a:latin typeface="Consolas" panose="020B0609020204030204" pitchFamily="49" charset="0"/>
+              </a:rPr>
+              <a:t>Table</a:t>
+            </a:r>
+            <a:r>
+              <a:rPr lang="pt-BR" sz="1200" dirty="0">
+                <a:solidFill>
+                  <a:srgbClr val="CE9178"/>
+                </a:solidFill>
+                <a:latin typeface="Consolas" panose="020B0609020204030204" pitchFamily="49" charset="0"/>
+              </a:rPr>
+              <a:t>'</a:t>
+            </a:r>
+            <a:r>
+              <a:rPr lang="pt-BR" sz="1200" dirty="0">
+                <a:solidFill>
+                  <a:srgbClr val="CCCCCC"/>
+                </a:solidFill>
+                <a:latin typeface="Consolas" panose="020B0609020204030204" pitchFamily="49" charset="0"/>
+              </a:rPr>
+              <a:t>,</a:t>
+            </a:r>
+          </a:p>
+          <a:p>
+            <a:pPr marL="0" indent="0">
+              <a:spcBef>
+                <a:spcPts val="0"/>
+              </a:spcBef>
+              <a:buNone/>
+            </a:pPr>
+            <a:r>
+              <a:rPr lang="pt-BR" sz="1200" dirty="0">
+                <a:solidFill>
+                  <a:srgbClr val="CCCCCC"/>
+                </a:solidFill>
+                <a:latin typeface="Consolas" panose="020B0609020204030204" pitchFamily="49" charset="0"/>
+              </a:rPr>
+              <a:t>    </a:t>
+            </a:r>
+            <a:r>
+              <a:rPr lang="pt-BR" sz="1200" dirty="0">
+                <a:solidFill>
+                  <a:srgbClr val="9CDCFE"/>
+                </a:solidFill>
+                <a:latin typeface="Consolas" panose="020B0609020204030204" pitchFamily="49" charset="0"/>
+              </a:rPr>
+              <a:t>header:</a:t>
+            </a:r>
+            <a:r>
+              <a:rPr lang="pt-BR" sz="1200" dirty="0">
+                <a:solidFill>
+                  <a:srgbClr val="CCCCCC"/>
+                </a:solidFill>
+                <a:latin typeface="Consolas" panose="020B0609020204030204" pitchFamily="49" charset="0"/>
+              </a:rPr>
+              <a:t> [],</a:t>
+            </a:r>
+          </a:p>
+          <a:p>
+            <a:pPr marL="0" indent="0">
+              <a:spcBef>
+                <a:spcPts val="0"/>
+              </a:spcBef>
+              <a:buNone/>
+            </a:pPr>
+            <a:r>
+              <a:rPr lang="pt-BR" sz="1200" dirty="0">
+                <a:solidFill>
+                  <a:srgbClr val="CCCCCC"/>
+                </a:solidFill>
+                <a:latin typeface="Consolas" panose="020B0609020204030204" pitchFamily="49" charset="0"/>
+              </a:rPr>
+              <a:t>    </a:t>
+            </a:r>
+            <a:r>
+              <a:rPr lang="pt-BR" sz="1200" dirty="0">
+                <a:solidFill>
+                  <a:srgbClr val="9CDCFE"/>
+                </a:solidFill>
+                <a:latin typeface="Consolas" panose="020B0609020204030204" pitchFamily="49" charset="0"/>
+              </a:rPr>
+              <a:t>data:</a:t>
+            </a:r>
+            <a:r>
+              <a:rPr lang="pt-BR" sz="1200" dirty="0">
+                <a:solidFill>
+                  <a:srgbClr val="CCCCCC"/>
+                </a:solidFill>
+                <a:latin typeface="Consolas" panose="020B0609020204030204" pitchFamily="49" charset="0"/>
+              </a:rPr>
+              <a:t> [],</a:t>
+            </a:r>
+          </a:p>
+          <a:p>
+            <a:pPr marL="0" indent="0">
+              <a:spcBef>
+                <a:spcPts val="0"/>
+              </a:spcBef>
+              <a:buNone/>
+            </a:pPr>
+            <a:r>
+              <a:rPr lang="pt-BR" sz="1200" dirty="0">
+                <a:solidFill>
+                  <a:srgbClr val="CCCCCC"/>
+                </a:solidFill>
+                <a:latin typeface="Consolas" panose="020B0609020204030204" pitchFamily="49" charset="0"/>
+              </a:rPr>
+              <a:t>};</a:t>
+            </a:r>
+          </a:p>
+          <a:p>
+            <a:pPr marL="0" lvl="0" indent="0">
+              <a:lnSpc>
+                <a:spcPct val="100000"/>
+              </a:lnSpc>
+              <a:spcBef>
+                <a:spcPts val="0"/>
+              </a:spcBef>
+              <a:buNone/>
+            </a:pPr>
+            <a:endParaRPr lang="pt-BR" dirty="0">
+              <a:latin typeface="Courier New" panose="02070309020205020404" pitchFamily="49" charset="0"/>
+              <a:cs typeface="Courier New" panose="02070309020205020404" pitchFamily="49" charset="0"/>
+            </a:endParaRPr>
+          </a:p>
+        </p:txBody>
+      </p:sp>
+    </p:spTree>
+    <p:extLst>
+      <p:ext uri="{BB962C8B-B14F-4D97-AF65-F5344CB8AC3E}">
+        <p14:creationId xmlns:p14="http://schemas.microsoft.com/office/powerpoint/2010/main" val="391794225"/>
+      </p:ext>
+    </p:extLst>
+  </p:cSld>
+  <p:clrMapOvr>
+    <a:masterClrMapping/>
+  </p:clrMapOvr>
+</p:sld>
+</file>
+
+<file path=ppt/slides/slide24.xml><?xml version="1.0" encoding="utf-8"?>
+<p:sld xmlns:a="http://schemas.openxmlformats.org/drawingml/2006/main" xmlns:r="http://schemas.openxmlformats.org/officeDocument/2006/relationships" xmlns:p="http://schemas.openxmlformats.org/presentationml/2006/main">
+  <p:cSld>
+    <p:spTree>
+      <p:nvGrpSpPr>
+        <p:cNvPr id="1" name=""/>
+        <p:cNvGrpSpPr/>
+        <p:nvPr/>
+      </p:nvGrpSpPr>
+      <p:grpSpPr>
+        <a:xfrm>
+          <a:off x="0" y="0"/>
+          <a:ext cx="0" cy="0"/>
+          <a:chOff x="0" y="0"/>
+          <a:chExt cx="0" cy="0"/>
+        </a:xfrm>
+      </p:grpSpPr>
+      <p:sp>
+        <p:nvSpPr>
+          <p:cNvPr id="2" name="Título 1">
+            <a:extLst>
+              <a:ext uri="{FF2B5EF4-FFF2-40B4-BE49-F238E27FC236}">
+                <a16:creationId xmlns:a16="http://schemas.microsoft.com/office/drawing/2014/main" id="{AE3EA2E6-2E1F-4910-80F5-FEA8176D6347}"/>
+              </a:ext>
+            </a:extLst>
+          </p:cNvPr>
+          <p:cNvSpPr>
+            <a:spLocks noGrp="1"/>
+          </p:cNvSpPr>
+          <p:nvPr>
+            <p:ph type="title"/>
+          </p:nvPr>
+        </p:nvSpPr>
+        <p:spPr/>
+        <p:txBody>
+          <a:bodyPr/>
+          <a:lstStyle/>
+          <a:p>
+            <a:pPr algn="r"/>
+            <a:r>
+              <a:rPr lang="pt-BR" dirty="0">
+                <a:solidFill>
+                  <a:prstClr val="black"/>
+                </a:solidFill>
+              </a:rPr>
+              <a:t>Criação da Tabela</a:t>
+            </a:r>
+            <a:br>
+              <a:rPr lang="pt-BR" dirty="0">
+                <a:solidFill>
+                  <a:prstClr val="black"/>
+                </a:solidFill>
+              </a:rPr>
+            </a:br>
+            <a:r>
+              <a:rPr lang="pt-BR" sz="2400" dirty="0">
+                <a:solidFill>
+                  <a:prstClr val="black"/>
+                </a:solidFill>
+              </a:rPr>
+              <a:t>(</a:t>
+            </a:r>
+            <a:r>
+              <a:rPr lang="pt-BR" sz="2400" dirty="0" err="1">
+                <a:solidFill>
+                  <a:prstClr val="black"/>
+                </a:solidFill>
+              </a:rPr>
+              <a:t>Event</a:t>
+            </a:r>
+            <a:r>
+              <a:rPr lang="pt-BR" sz="2400" dirty="0">
+                <a:solidFill>
+                  <a:prstClr val="black"/>
+                </a:solidFill>
+              </a:rPr>
+              <a:t> </a:t>
+            </a:r>
+            <a:r>
+              <a:rPr lang="pt-BR" sz="2400" dirty="0" err="1">
+                <a:solidFill>
+                  <a:prstClr val="black"/>
+                </a:solidFill>
+              </a:rPr>
+              <a:t>Handler</a:t>
+            </a:r>
+            <a:r>
+              <a:rPr lang="pt-BR" sz="2400" dirty="0">
+                <a:solidFill>
+                  <a:prstClr val="black"/>
+                </a:solidFill>
+              </a:rPr>
+              <a:t>: </a:t>
+            </a:r>
+            <a:r>
+              <a:rPr lang="pt-BR" sz="2400" dirty="0" err="1">
+                <a:solidFill>
+                  <a:prstClr val="black"/>
+                </a:solidFill>
+              </a:rPr>
+              <a:t>onClick</a:t>
+            </a:r>
+            <a:r>
+              <a:rPr lang="pt-BR" sz="2400" dirty="0">
+                <a:solidFill>
+                  <a:prstClr val="black"/>
+                </a:solidFill>
+              </a:rPr>
+              <a:t>)</a:t>
+            </a:r>
+            <a:endParaRPr lang="pt-BR" dirty="0"/>
+          </a:p>
+        </p:txBody>
+      </p:sp>
+      <p:sp>
+        <p:nvSpPr>
+          <p:cNvPr id="3" name="Espaço Reservado para Conteúdo 2">
+            <a:extLst>
+              <a:ext uri="{FF2B5EF4-FFF2-40B4-BE49-F238E27FC236}">
+                <a16:creationId xmlns:a16="http://schemas.microsoft.com/office/drawing/2014/main" id="{76A075FF-5552-4825-A833-DC93985E762E}"/>
+              </a:ext>
+            </a:extLst>
+          </p:cNvPr>
+          <p:cNvSpPr>
+            <a:spLocks noGrp="1"/>
+          </p:cNvSpPr>
+          <p:nvPr>
+            <p:ph idx="1"/>
+          </p:nvPr>
+        </p:nvSpPr>
+        <p:spPr/>
+        <p:txBody>
+          <a:bodyPr>
+            <a:normAutofit fontScale="47500" lnSpcReduction="20000"/>
+          </a:bodyPr>
+          <a:lstStyle/>
+          <a:p>
+            <a:pPr marL="0" indent="0">
+              <a:buNone/>
+            </a:pPr>
+            <a:r>
+              <a:rPr lang="pt-BR" sz="1200" dirty="0">
+                <a:solidFill>
+                  <a:srgbClr val="CCCCCC"/>
+                </a:solidFill>
+                <a:latin typeface="Consolas" panose="020B0609020204030204" pitchFamily="49" charset="0"/>
+              </a:rPr>
+              <a:t>    </a:t>
+            </a:r>
+            <a:r>
+              <a:rPr lang="pt-BR" sz="1200" dirty="0" err="1">
+                <a:solidFill>
+                  <a:srgbClr val="DCDCAA"/>
+                </a:solidFill>
+                <a:latin typeface="Consolas" panose="020B0609020204030204" pitchFamily="49" charset="0"/>
+              </a:rPr>
+              <a:t>onClick</a:t>
+            </a:r>
+            <a:r>
+              <a:rPr lang="pt-BR" sz="1200" dirty="0">
+                <a:solidFill>
+                  <a:srgbClr val="CCCCCC"/>
+                </a:solidFill>
+                <a:latin typeface="Consolas" panose="020B0609020204030204" pitchFamily="49" charset="0"/>
+              </a:rPr>
+              <a:t> </a:t>
+            </a:r>
+            <a:r>
+              <a:rPr lang="pt-BR" sz="1200" dirty="0">
+                <a:solidFill>
+                  <a:srgbClr val="D4D4D4"/>
+                </a:solidFill>
+                <a:latin typeface="Consolas" panose="020B0609020204030204" pitchFamily="49" charset="0"/>
+              </a:rPr>
+              <a:t>=</a:t>
+            </a:r>
+            <a:r>
+              <a:rPr lang="pt-BR" sz="1200" dirty="0">
+                <a:solidFill>
+                  <a:srgbClr val="CCCCCC"/>
+                </a:solidFill>
+                <a:latin typeface="Consolas" panose="020B0609020204030204" pitchFamily="49" charset="0"/>
+              </a:rPr>
+              <a:t> (</a:t>
+            </a:r>
+            <a:r>
+              <a:rPr lang="pt-BR" sz="1200" dirty="0" err="1">
+                <a:solidFill>
+                  <a:srgbClr val="9CDCFE"/>
+                </a:solidFill>
+                <a:latin typeface="Consolas" panose="020B0609020204030204" pitchFamily="49" charset="0"/>
+              </a:rPr>
+              <a:t>event</a:t>
+            </a:r>
+            <a:r>
+              <a:rPr lang="pt-BR" sz="1200" dirty="0">
+                <a:solidFill>
+                  <a:srgbClr val="CCCCCC"/>
+                </a:solidFill>
+                <a:latin typeface="Consolas" panose="020B0609020204030204" pitchFamily="49" charset="0"/>
+              </a:rPr>
+              <a:t>) </a:t>
+            </a:r>
+            <a:r>
+              <a:rPr lang="pt-BR" sz="1200" dirty="0">
+                <a:solidFill>
+                  <a:srgbClr val="569CD6"/>
+                </a:solidFill>
+                <a:latin typeface="Consolas" panose="020B0609020204030204" pitchFamily="49" charset="0"/>
+              </a:rPr>
+              <a:t>=&gt;</a:t>
+            </a:r>
+            <a:r>
+              <a:rPr lang="pt-BR" sz="1200" dirty="0">
+                <a:solidFill>
+                  <a:srgbClr val="CCCCCC"/>
+                </a:solidFill>
+                <a:latin typeface="Consolas" panose="020B0609020204030204" pitchFamily="49" charset="0"/>
+              </a:rPr>
+              <a:t> {</a:t>
+            </a:r>
+          </a:p>
+          <a:p>
+            <a:pPr marL="0" indent="0">
+              <a:buNone/>
+            </a:pPr>
+            <a:r>
+              <a:rPr lang="pt-BR" sz="1200" dirty="0">
+                <a:solidFill>
+                  <a:srgbClr val="CCCCCC"/>
+                </a:solidFill>
+                <a:latin typeface="Consolas" panose="020B0609020204030204" pitchFamily="49" charset="0"/>
+              </a:rPr>
+              <a:t>        </a:t>
+            </a:r>
+            <a:r>
+              <a:rPr lang="pt-BR" sz="1200" dirty="0" err="1">
+                <a:solidFill>
+                  <a:srgbClr val="569CD6"/>
+                </a:solidFill>
+                <a:latin typeface="Consolas" panose="020B0609020204030204" pitchFamily="49" charset="0"/>
+              </a:rPr>
+              <a:t>const</a:t>
+            </a:r>
+            <a:r>
+              <a:rPr lang="pt-BR" sz="1200" dirty="0">
+                <a:solidFill>
+                  <a:srgbClr val="CCCCCC"/>
+                </a:solidFill>
+                <a:latin typeface="Consolas" panose="020B0609020204030204" pitchFamily="49" charset="0"/>
+              </a:rPr>
+              <a:t> </a:t>
+            </a:r>
+            <a:r>
+              <a:rPr lang="pt-BR" sz="1200" dirty="0" err="1">
+                <a:solidFill>
+                  <a:srgbClr val="4FC1FF"/>
+                </a:solidFill>
+                <a:latin typeface="Consolas" panose="020B0609020204030204" pitchFamily="49" charset="0"/>
+              </a:rPr>
+              <a:t>column</a:t>
+            </a:r>
+            <a:r>
+              <a:rPr lang="pt-BR" sz="1200" dirty="0">
+                <a:solidFill>
+                  <a:srgbClr val="CCCCCC"/>
+                </a:solidFill>
+                <a:latin typeface="Consolas" panose="020B0609020204030204" pitchFamily="49" charset="0"/>
+              </a:rPr>
+              <a:t> </a:t>
+            </a:r>
+            <a:r>
+              <a:rPr lang="pt-BR" sz="1200" dirty="0">
+                <a:solidFill>
+                  <a:srgbClr val="D4D4D4"/>
+                </a:solidFill>
+                <a:latin typeface="Consolas" panose="020B0609020204030204" pitchFamily="49" charset="0"/>
+              </a:rPr>
+              <a:t>=</a:t>
+            </a:r>
+            <a:r>
+              <a:rPr lang="pt-BR" sz="1200" dirty="0">
+                <a:solidFill>
+                  <a:srgbClr val="CCCCCC"/>
+                </a:solidFill>
+                <a:latin typeface="Consolas" panose="020B0609020204030204" pitchFamily="49" charset="0"/>
+              </a:rPr>
+              <a:t> </a:t>
+            </a:r>
+            <a:r>
+              <a:rPr lang="pt-BR" sz="1200" dirty="0" err="1">
+                <a:solidFill>
+                  <a:srgbClr val="9CDCFE"/>
+                </a:solidFill>
+                <a:latin typeface="Consolas" panose="020B0609020204030204" pitchFamily="49" charset="0"/>
+              </a:rPr>
+              <a:t>event</a:t>
+            </a:r>
+            <a:r>
+              <a:rPr lang="pt-BR" sz="1200" dirty="0" err="1">
+                <a:solidFill>
+                  <a:srgbClr val="CCCCCC"/>
+                </a:solidFill>
+                <a:latin typeface="Consolas" panose="020B0609020204030204" pitchFamily="49" charset="0"/>
+              </a:rPr>
+              <a:t>.</a:t>
+            </a:r>
+            <a:r>
+              <a:rPr lang="pt-BR" sz="1200" dirty="0" err="1">
+                <a:solidFill>
+                  <a:srgbClr val="9CDCFE"/>
+                </a:solidFill>
+                <a:latin typeface="Consolas" panose="020B0609020204030204" pitchFamily="49" charset="0"/>
+              </a:rPr>
+              <a:t>target</a:t>
+            </a:r>
+            <a:r>
+              <a:rPr lang="pt-BR" sz="1200" dirty="0" err="1">
+                <a:solidFill>
+                  <a:srgbClr val="CCCCCC"/>
+                </a:solidFill>
+                <a:latin typeface="Consolas" panose="020B0609020204030204" pitchFamily="49" charset="0"/>
+              </a:rPr>
+              <a:t>.</a:t>
+            </a:r>
+            <a:r>
+              <a:rPr lang="pt-BR" sz="1200" dirty="0" err="1">
+                <a:solidFill>
+                  <a:srgbClr val="9CDCFE"/>
+                </a:solidFill>
+                <a:latin typeface="Consolas" panose="020B0609020204030204" pitchFamily="49" charset="0"/>
+              </a:rPr>
+              <a:t>tagName</a:t>
+            </a:r>
+            <a:r>
+              <a:rPr lang="pt-BR" sz="1200" dirty="0" err="1">
+                <a:solidFill>
+                  <a:srgbClr val="CCCCCC"/>
+                </a:solidFill>
+                <a:latin typeface="Consolas" panose="020B0609020204030204" pitchFamily="49" charset="0"/>
+              </a:rPr>
+              <a:t>.</a:t>
+            </a:r>
+            <a:r>
+              <a:rPr lang="pt-BR" sz="1200" dirty="0" err="1">
+                <a:solidFill>
+                  <a:srgbClr val="DCDCAA"/>
+                </a:solidFill>
+                <a:latin typeface="Consolas" panose="020B0609020204030204" pitchFamily="49" charset="0"/>
+              </a:rPr>
+              <a:t>toUpperCase</a:t>
+            </a:r>
+            <a:r>
+              <a:rPr lang="pt-BR" sz="1200" dirty="0">
+                <a:solidFill>
+                  <a:srgbClr val="CCCCCC"/>
+                </a:solidFill>
+                <a:latin typeface="Consolas" panose="020B0609020204030204" pitchFamily="49" charset="0"/>
+              </a:rPr>
+              <a:t>() </a:t>
+            </a:r>
+            <a:r>
+              <a:rPr lang="pt-BR" sz="1200" dirty="0">
+                <a:solidFill>
+                  <a:srgbClr val="D4D4D4"/>
+                </a:solidFill>
+                <a:latin typeface="Consolas" panose="020B0609020204030204" pitchFamily="49" charset="0"/>
+              </a:rPr>
+              <a:t>===</a:t>
+            </a:r>
+            <a:r>
+              <a:rPr lang="pt-BR" sz="1200" dirty="0">
+                <a:solidFill>
+                  <a:srgbClr val="CCCCCC"/>
+                </a:solidFill>
+                <a:latin typeface="Consolas" panose="020B0609020204030204" pitchFamily="49" charset="0"/>
+              </a:rPr>
+              <a:t> </a:t>
+            </a:r>
+            <a:r>
+              <a:rPr lang="pt-BR" sz="1200" dirty="0">
+                <a:solidFill>
+                  <a:srgbClr val="CE9178"/>
+                </a:solidFill>
+                <a:latin typeface="Consolas" panose="020B0609020204030204" pitchFamily="49" charset="0"/>
+              </a:rPr>
+              <a:t>'TH'</a:t>
+            </a:r>
+            <a:r>
+              <a:rPr lang="pt-BR" sz="1200" dirty="0">
+                <a:solidFill>
+                  <a:srgbClr val="CCCCCC"/>
+                </a:solidFill>
+                <a:latin typeface="Consolas" panose="020B0609020204030204" pitchFamily="49" charset="0"/>
+              </a:rPr>
+              <a:t> </a:t>
+            </a:r>
+            <a:r>
+              <a:rPr lang="pt-BR" sz="1200" dirty="0">
+                <a:solidFill>
+                  <a:srgbClr val="D4D4D4"/>
+                </a:solidFill>
+                <a:latin typeface="Consolas" panose="020B0609020204030204" pitchFamily="49" charset="0"/>
+              </a:rPr>
+              <a:t>?</a:t>
+            </a:r>
+            <a:r>
+              <a:rPr lang="pt-BR" sz="1200" dirty="0">
+                <a:solidFill>
+                  <a:srgbClr val="CCCCCC"/>
+                </a:solidFill>
+                <a:latin typeface="Consolas" panose="020B0609020204030204" pitchFamily="49" charset="0"/>
+              </a:rPr>
+              <a:t> </a:t>
+            </a:r>
+            <a:r>
+              <a:rPr lang="pt-BR" sz="1200" dirty="0" err="1">
+                <a:solidFill>
+                  <a:srgbClr val="9CDCFE"/>
+                </a:solidFill>
+                <a:latin typeface="Consolas" panose="020B0609020204030204" pitchFamily="49" charset="0"/>
+              </a:rPr>
+              <a:t>event</a:t>
+            </a:r>
+            <a:r>
+              <a:rPr lang="pt-BR" sz="1200" dirty="0" err="1">
+                <a:solidFill>
+                  <a:srgbClr val="CCCCCC"/>
+                </a:solidFill>
+                <a:latin typeface="Consolas" panose="020B0609020204030204" pitchFamily="49" charset="0"/>
+              </a:rPr>
+              <a:t>.</a:t>
+            </a:r>
+            <a:r>
+              <a:rPr lang="pt-BR" sz="1200" dirty="0" err="1">
+                <a:solidFill>
+                  <a:srgbClr val="9CDCFE"/>
+                </a:solidFill>
+                <a:latin typeface="Consolas" panose="020B0609020204030204" pitchFamily="49" charset="0"/>
+              </a:rPr>
+              <a:t>target</a:t>
+            </a:r>
+            <a:r>
+              <a:rPr lang="pt-BR" sz="1200" dirty="0" err="1">
+                <a:solidFill>
+                  <a:srgbClr val="CCCCCC"/>
+                </a:solidFill>
+                <a:latin typeface="Consolas" panose="020B0609020204030204" pitchFamily="49" charset="0"/>
+              </a:rPr>
+              <a:t>.</a:t>
+            </a:r>
+            <a:r>
+              <a:rPr lang="pt-BR" sz="1200" dirty="0" err="1">
+                <a:solidFill>
+                  <a:srgbClr val="9CDCFE"/>
+                </a:solidFill>
+                <a:latin typeface="Consolas" panose="020B0609020204030204" pitchFamily="49" charset="0"/>
+              </a:rPr>
+              <a:t>cellIndex</a:t>
+            </a:r>
+            <a:r>
+              <a:rPr lang="pt-BR" sz="1200" dirty="0">
+                <a:solidFill>
+                  <a:srgbClr val="CCCCCC"/>
+                </a:solidFill>
+                <a:latin typeface="Consolas" panose="020B0609020204030204" pitchFamily="49" charset="0"/>
+              </a:rPr>
+              <a:t> </a:t>
+            </a:r>
+            <a:r>
+              <a:rPr lang="pt-BR" sz="1200" dirty="0">
+                <a:solidFill>
+                  <a:srgbClr val="D4D4D4"/>
+                </a:solidFill>
+                <a:latin typeface="Consolas" panose="020B0609020204030204" pitchFamily="49" charset="0"/>
+              </a:rPr>
+              <a:t>:</a:t>
+            </a:r>
+            <a:r>
+              <a:rPr lang="pt-BR" sz="1200" dirty="0">
+                <a:solidFill>
+                  <a:srgbClr val="CCCCCC"/>
+                </a:solidFill>
+                <a:latin typeface="Consolas" panose="020B0609020204030204" pitchFamily="49" charset="0"/>
+              </a:rPr>
+              <a:t> </a:t>
+            </a:r>
+            <a:r>
+              <a:rPr lang="pt-BR" sz="1200" dirty="0">
+                <a:solidFill>
+                  <a:srgbClr val="D4D4D4"/>
+                </a:solidFill>
+                <a:latin typeface="Consolas" panose="020B0609020204030204" pitchFamily="49" charset="0"/>
+              </a:rPr>
+              <a:t>-</a:t>
+            </a:r>
+            <a:r>
+              <a:rPr lang="pt-BR" sz="1200" dirty="0">
+                <a:solidFill>
+                  <a:srgbClr val="B5CEA8"/>
+                </a:solidFill>
+                <a:latin typeface="Consolas" panose="020B0609020204030204" pitchFamily="49" charset="0"/>
+              </a:rPr>
+              <a:t>1</a:t>
+            </a:r>
+            <a:r>
+              <a:rPr lang="pt-BR" sz="1200" dirty="0">
+                <a:solidFill>
+                  <a:srgbClr val="CCCCCC"/>
+                </a:solidFill>
+                <a:latin typeface="Consolas" panose="020B0609020204030204" pitchFamily="49" charset="0"/>
+              </a:rPr>
+              <a:t>;</a:t>
+            </a:r>
+          </a:p>
+          <a:p>
+            <a:pPr marL="0" indent="0">
+              <a:buNone/>
+            </a:pPr>
+            <a:r>
+              <a:rPr lang="pt-BR" sz="1200" dirty="0">
+                <a:solidFill>
+                  <a:srgbClr val="CCCCCC"/>
+                </a:solidFill>
+                <a:latin typeface="Consolas" panose="020B0609020204030204" pitchFamily="49" charset="0"/>
+              </a:rPr>
+              <a:t>        </a:t>
+            </a:r>
+            <a:r>
+              <a:rPr lang="pt-BR" sz="1200" dirty="0" err="1">
+                <a:solidFill>
+                  <a:srgbClr val="569CD6"/>
+                </a:solidFill>
+                <a:latin typeface="Consolas" panose="020B0609020204030204" pitchFamily="49" charset="0"/>
+              </a:rPr>
+              <a:t>const</a:t>
+            </a:r>
+            <a:r>
+              <a:rPr lang="pt-BR" sz="1200" dirty="0">
+                <a:solidFill>
+                  <a:srgbClr val="CCCCCC"/>
+                </a:solidFill>
+                <a:latin typeface="Consolas" panose="020B0609020204030204" pitchFamily="49" charset="0"/>
+              </a:rPr>
+              <a:t> </a:t>
+            </a:r>
+            <a:r>
+              <a:rPr lang="pt-BR" sz="1200" dirty="0">
+                <a:solidFill>
+                  <a:srgbClr val="4FC1FF"/>
+                </a:solidFill>
+                <a:latin typeface="Consolas" panose="020B0609020204030204" pitchFamily="49" charset="0"/>
+              </a:rPr>
+              <a:t>data</a:t>
+            </a:r>
+            <a:r>
+              <a:rPr lang="pt-BR" sz="1200" dirty="0">
+                <a:solidFill>
+                  <a:srgbClr val="CCCCCC"/>
+                </a:solidFill>
+                <a:latin typeface="Consolas" panose="020B0609020204030204" pitchFamily="49" charset="0"/>
+              </a:rPr>
+              <a:t> </a:t>
+            </a:r>
+            <a:r>
+              <a:rPr lang="pt-BR" sz="1200" dirty="0">
+                <a:solidFill>
+                  <a:srgbClr val="D4D4D4"/>
+                </a:solidFill>
+                <a:latin typeface="Consolas" panose="020B0609020204030204" pitchFamily="49" charset="0"/>
+              </a:rPr>
+              <a:t>=</a:t>
+            </a:r>
+            <a:r>
+              <a:rPr lang="pt-BR" sz="1200" dirty="0">
+                <a:solidFill>
+                  <a:srgbClr val="CCCCCC"/>
+                </a:solidFill>
+                <a:latin typeface="Consolas" panose="020B0609020204030204" pitchFamily="49" charset="0"/>
+              </a:rPr>
+              <a:t> </a:t>
+            </a:r>
+            <a:r>
+              <a:rPr lang="pt-BR" sz="1200" dirty="0" err="1">
+                <a:solidFill>
+                  <a:srgbClr val="4EC9B0"/>
+                </a:solidFill>
+                <a:latin typeface="Consolas" panose="020B0609020204030204" pitchFamily="49" charset="0"/>
+              </a:rPr>
+              <a:t>Array</a:t>
+            </a:r>
+            <a:r>
+              <a:rPr lang="pt-BR" sz="1200" dirty="0" err="1">
+                <a:solidFill>
+                  <a:srgbClr val="CCCCCC"/>
+                </a:solidFill>
+                <a:latin typeface="Consolas" panose="020B0609020204030204" pitchFamily="49" charset="0"/>
+              </a:rPr>
+              <a:t>.</a:t>
+            </a:r>
+            <a:r>
+              <a:rPr lang="pt-BR" sz="1200" dirty="0" err="1">
+                <a:solidFill>
+                  <a:srgbClr val="DCDCAA"/>
+                </a:solidFill>
+                <a:latin typeface="Consolas" panose="020B0609020204030204" pitchFamily="49" charset="0"/>
+              </a:rPr>
+              <a:t>from</a:t>
+            </a:r>
+            <a:r>
+              <a:rPr lang="pt-BR" sz="1200" dirty="0">
+                <a:solidFill>
+                  <a:srgbClr val="CCCCCC"/>
+                </a:solidFill>
+                <a:latin typeface="Consolas" panose="020B0609020204030204" pitchFamily="49" charset="0"/>
+              </a:rPr>
+              <a:t>(</a:t>
+            </a:r>
+            <a:r>
+              <a:rPr lang="pt-BR" sz="1200" dirty="0" err="1">
+                <a:solidFill>
+                  <a:srgbClr val="569CD6"/>
+                </a:solidFill>
+                <a:latin typeface="Consolas" panose="020B0609020204030204" pitchFamily="49" charset="0"/>
+              </a:rPr>
+              <a:t>this</a:t>
+            </a:r>
+            <a:r>
+              <a:rPr lang="pt-BR" sz="1200" dirty="0" err="1">
+                <a:solidFill>
+                  <a:srgbClr val="CCCCCC"/>
+                </a:solidFill>
+                <a:latin typeface="Consolas" panose="020B0609020204030204" pitchFamily="49" charset="0"/>
+              </a:rPr>
+              <a:t>.</a:t>
+            </a:r>
+            <a:r>
+              <a:rPr lang="pt-BR" sz="1200" dirty="0" err="1">
+                <a:solidFill>
+                  <a:srgbClr val="9CDCFE"/>
+                </a:solidFill>
+                <a:latin typeface="Consolas" panose="020B0609020204030204" pitchFamily="49" charset="0"/>
+              </a:rPr>
+              <a:t>state</a:t>
+            </a:r>
+            <a:r>
+              <a:rPr lang="pt-BR" sz="1200" dirty="0" err="1">
+                <a:solidFill>
+                  <a:srgbClr val="CCCCCC"/>
+                </a:solidFill>
+                <a:latin typeface="Consolas" panose="020B0609020204030204" pitchFamily="49" charset="0"/>
+              </a:rPr>
+              <a:t>.</a:t>
+            </a:r>
+            <a:r>
+              <a:rPr lang="pt-BR" sz="1200" dirty="0" err="1">
+                <a:solidFill>
+                  <a:srgbClr val="9CDCFE"/>
+                </a:solidFill>
+                <a:latin typeface="Consolas" panose="020B0609020204030204" pitchFamily="49" charset="0"/>
+              </a:rPr>
+              <a:t>data</a:t>
+            </a:r>
+            <a:r>
+              <a:rPr lang="pt-BR" sz="1200" dirty="0">
+                <a:solidFill>
+                  <a:srgbClr val="CCCCCC"/>
+                </a:solidFill>
+                <a:latin typeface="Consolas" panose="020B0609020204030204" pitchFamily="49" charset="0"/>
+              </a:rPr>
+              <a:t>);</a:t>
+            </a:r>
+          </a:p>
+          <a:p>
+            <a:pPr marL="0" indent="0">
+              <a:buNone/>
+            </a:pPr>
+            <a:r>
+              <a:rPr lang="pt-BR" sz="1200" dirty="0">
+                <a:solidFill>
+                  <a:srgbClr val="CCCCCC"/>
+                </a:solidFill>
+                <a:latin typeface="Consolas" panose="020B0609020204030204" pitchFamily="49" charset="0"/>
+              </a:rPr>
+              <a:t>        </a:t>
+            </a:r>
+            <a:r>
+              <a:rPr lang="pt-BR" sz="1200" dirty="0" err="1">
+                <a:solidFill>
+                  <a:srgbClr val="569CD6"/>
+                </a:solidFill>
+                <a:latin typeface="Consolas" panose="020B0609020204030204" pitchFamily="49" charset="0"/>
+              </a:rPr>
+              <a:t>const</a:t>
+            </a:r>
+            <a:r>
+              <a:rPr lang="pt-BR" sz="1200" dirty="0">
+                <a:solidFill>
+                  <a:srgbClr val="CCCCCC"/>
+                </a:solidFill>
+                <a:latin typeface="Consolas" panose="020B0609020204030204" pitchFamily="49" charset="0"/>
+              </a:rPr>
+              <a:t> </a:t>
+            </a:r>
+            <a:r>
+              <a:rPr lang="pt-BR" sz="1200" dirty="0" err="1">
+                <a:solidFill>
+                  <a:srgbClr val="4FC1FF"/>
+                </a:solidFill>
+                <a:latin typeface="Consolas" panose="020B0609020204030204" pitchFamily="49" charset="0"/>
+              </a:rPr>
+              <a:t>descending</a:t>
+            </a:r>
+            <a:r>
+              <a:rPr lang="pt-BR" sz="1200" dirty="0">
+                <a:solidFill>
+                  <a:srgbClr val="CCCCCC"/>
+                </a:solidFill>
+                <a:latin typeface="Consolas" panose="020B0609020204030204" pitchFamily="49" charset="0"/>
+              </a:rPr>
+              <a:t> </a:t>
+            </a:r>
+            <a:r>
+              <a:rPr lang="pt-BR" sz="1200" dirty="0">
+                <a:solidFill>
+                  <a:srgbClr val="D4D4D4"/>
+                </a:solidFill>
+                <a:latin typeface="Consolas" panose="020B0609020204030204" pitchFamily="49" charset="0"/>
+              </a:rPr>
+              <a:t>=</a:t>
+            </a:r>
+            <a:r>
+              <a:rPr lang="pt-BR" sz="1200" dirty="0">
+                <a:solidFill>
+                  <a:srgbClr val="CCCCCC"/>
+                </a:solidFill>
+                <a:latin typeface="Consolas" panose="020B0609020204030204" pitchFamily="49" charset="0"/>
+              </a:rPr>
+              <a:t> </a:t>
+            </a:r>
+            <a:r>
+              <a:rPr lang="pt-BR" sz="1200" dirty="0" err="1">
+                <a:solidFill>
+                  <a:srgbClr val="569CD6"/>
+                </a:solidFill>
+                <a:latin typeface="Consolas" panose="020B0609020204030204" pitchFamily="49" charset="0"/>
+              </a:rPr>
+              <a:t>this</a:t>
+            </a:r>
+            <a:r>
+              <a:rPr lang="pt-BR" sz="1200" dirty="0" err="1">
+                <a:solidFill>
+                  <a:srgbClr val="CCCCCC"/>
+                </a:solidFill>
+                <a:latin typeface="Consolas" panose="020B0609020204030204" pitchFamily="49" charset="0"/>
+              </a:rPr>
+              <a:t>.</a:t>
+            </a:r>
+            <a:r>
+              <a:rPr lang="pt-BR" sz="1200" dirty="0" err="1">
+                <a:solidFill>
+                  <a:srgbClr val="9CDCFE"/>
+                </a:solidFill>
+                <a:latin typeface="Consolas" panose="020B0609020204030204" pitchFamily="49" charset="0"/>
+              </a:rPr>
+              <a:t>state</a:t>
+            </a:r>
+            <a:r>
+              <a:rPr lang="pt-BR" sz="1200" dirty="0" err="1">
+                <a:solidFill>
+                  <a:srgbClr val="CCCCCC"/>
+                </a:solidFill>
+                <a:latin typeface="Consolas" panose="020B0609020204030204" pitchFamily="49" charset="0"/>
+              </a:rPr>
+              <a:t>.</a:t>
+            </a:r>
+            <a:r>
+              <a:rPr lang="pt-BR" sz="1200" dirty="0" err="1">
+                <a:solidFill>
+                  <a:srgbClr val="9CDCFE"/>
+                </a:solidFill>
+                <a:latin typeface="Consolas" panose="020B0609020204030204" pitchFamily="49" charset="0"/>
+              </a:rPr>
+              <a:t>sortby</a:t>
+            </a:r>
+            <a:r>
+              <a:rPr lang="pt-BR" sz="1200" dirty="0">
+                <a:solidFill>
+                  <a:srgbClr val="CCCCCC"/>
+                </a:solidFill>
+                <a:latin typeface="Consolas" panose="020B0609020204030204" pitchFamily="49" charset="0"/>
+              </a:rPr>
+              <a:t> </a:t>
+            </a:r>
+            <a:r>
+              <a:rPr lang="pt-BR" sz="1200" dirty="0">
+                <a:solidFill>
+                  <a:srgbClr val="D4D4D4"/>
+                </a:solidFill>
+                <a:latin typeface="Consolas" panose="020B0609020204030204" pitchFamily="49" charset="0"/>
+              </a:rPr>
+              <a:t>===</a:t>
+            </a:r>
+            <a:r>
+              <a:rPr lang="pt-BR" sz="1200" dirty="0">
+                <a:solidFill>
+                  <a:srgbClr val="CCCCCC"/>
+                </a:solidFill>
+                <a:latin typeface="Consolas" panose="020B0609020204030204" pitchFamily="49" charset="0"/>
+              </a:rPr>
+              <a:t> </a:t>
+            </a:r>
+            <a:r>
+              <a:rPr lang="pt-BR" sz="1200" dirty="0" err="1">
+                <a:solidFill>
+                  <a:srgbClr val="4FC1FF"/>
+                </a:solidFill>
+                <a:latin typeface="Consolas" panose="020B0609020204030204" pitchFamily="49" charset="0"/>
+              </a:rPr>
+              <a:t>column</a:t>
+            </a:r>
+            <a:r>
+              <a:rPr lang="pt-BR" sz="1200" dirty="0">
+                <a:solidFill>
+                  <a:srgbClr val="CCCCCC"/>
+                </a:solidFill>
+                <a:latin typeface="Consolas" panose="020B0609020204030204" pitchFamily="49" charset="0"/>
+              </a:rPr>
+              <a:t> </a:t>
+            </a:r>
+            <a:r>
+              <a:rPr lang="pt-BR" sz="1200" dirty="0">
+                <a:solidFill>
+                  <a:srgbClr val="D4D4D4"/>
+                </a:solidFill>
+                <a:latin typeface="Consolas" panose="020B0609020204030204" pitchFamily="49" charset="0"/>
+              </a:rPr>
+              <a:t>&amp;&amp;</a:t>
+            </a:r>
+            <a:r>
+              <a:rPr lang="pt-BR" sz="1200" dirty="0">
+                <a:solidFill>
+                  <a:srgbClr val="CCCCCC"/>
+                </a:solidFill>
+                <a:latin typeface="Consolas" panose="020B0609020204030204" pitchFamily="49" charset="0"/>
+              </a:rPr>
+              <a:t> </a:t>
+            </a:r>
+            <a:r>
+              <a:rPr lang="pt-BR" sz="1200" dirty="0">
+                <a:solidFill>
+                  <a:srgbClr val="D4D4D4"/>
+                </a:solidFill>
+                <a:latin typeface="Consolas" panose="020B0609020204030204" pitchFamily="49" charset="0"/>
+              </a:rPr>
+              <a:t>!</a:t>
+            </a:r>
+            <a:r>
+              <a:rPr lang="pt-BR" sz="1200" dirty="0" err="1">
+                <a:solidFill>
+                  <a:srgbClr val="569CD6"/>
+                </a:solidFill>
+                <a:latin typeface="Consolas" panose="020B0609020204030204" pitchFamily="49" charset="0"/>
+              </a:rPr>
+              <a:t>this</a:t>
+            </a:r>
+            <a:r>
+              <a:rPr lang="pt-BR" sz="1200" dirty="0" err="1">
+                <a:solidFill>
+                  <a:srgbClr val="CCCCCC"/>
+                </a:solidFill>
+                <a:latin typeface="Consolas" panose="020B0609020204030204" pitchFamily="49" charset="0"/>
+              </a:rPr>
+              <a:t>.</a:t>
+            </a:r>
+            <a:r>
+              <a:rPr lang="pt-BR" sz="1200" dirty="0" err="1">
+                <a:solidFill>
+                  <a:srgbClr val="9CDCFE"/>
+                </a:solidFill>
+                <a:latin typeface="Consolas" panose="020B0609020204030204" pitchFamily="49" charset="0"/>
+              </a:rPr>
+              <a:t>state</a:t>
+            </a:r>
+            <a:r>
+              <a:rPr lang="pt-BR" sz="1200" dirty="0" err="1">
+                <a:solidFill>
+                  <a:srgbClr val="CCCCCC"/>
+                </a:solidFill>
+                <a:latin typeface="Consolas" panose="020B0609020204030204" pitchFamily="49" charset="0"/>
+              </a:rPr>
+              <a:t>.</a:t>
+            </a:r>
+            <a:r>
+              <a:rPr lang="pt-BR" sz="1200" dirty="0" err="1">
+                <a:solidFill>
+                  <a:srgbClr val="9CDCFE"/>
+                </a:solidFill>
+                <a:latin typeface="Consolas" panose="020B0609020204030204" pitchFamily="49" charset="0"/>
+              </a:rPr>
+              <a:t>descending</a:t>
+            </a:r>
+            <a:r>
+              <a:rPr lang="pt-BR" sz="1200" dirty="0">
+                <a:solidFill>
+                  <a:srgbClr val="CCCCCC"/>
+                </a:solidFill>
+                <a:latin typeface="Consolas" panose="020B0609020204030204" pitchFamily="49" charset="0"/>
+              </a:rPr>
+              <a:t>;</a:t>
+            </a:r>
+          </a:p>
+          <a:p>
+            <a:pPr marL="0" indent="0">
+              <a:buNone/>
+            </a:pPr>
+            <a:r>
+              <a:rPr lang="pt-BR" sz="1200" dirty="0">
+                <a:solidFill>
+                  <a:srgbClr val="CCCCCC"/>
+                </a:solidFill>
+                <a:latin typeface="Consolas" panose="020B0609020204030204" pitchFamily="49" charset="0"/>
+              </a:rPr>
+              <a:t>        </a:t>
+            </a:r>
+            <a:r>
+              <a:rPr lang="pt-BR" sz="1200" dirty="0" err="1">
+                <a:solidFill>
+                  <a:srgbClr val="4FC1FF"/>
+                </a:solidFill>
+                <a:latin typeface="Consolas" panose="020B0609020204030204" pitchFamily="49" charset="0"/>
+              </a:rPr>
+              <a:t>data</a:t>
+            </a:r>
+            <a:r>
+              <a:rPr lang="pt-BR" sz="1200" dirty="0" err="1">
+                <a:solidFill>
+                  <a:srgbClr val="CCCCCC"/>
+                </a:solidFill>
+                <a:latin typeface="Consolas" panose="020B0609020204030204" pitchFamily="49" charset="0"/>
+              </a:rPr>
+              <a:t>.</a:t>
+            </a:r>
+            <a:r>
+              <a:rPr lang="pt-BR" sz="1200" dirty="0" err="1">
+                <a:solidFill>
+                  <a:srgbClr val="DCDCAA"/>
+                </a:solidFill>
+                <a:latin typeface="Consolas" panose="020B0609020204030204" pitchFamily="49" charset="0"/>
+              </a:rPr>
+              <a:t>sort</a:t>
+            </a:r>
+            <a:r>
+              <a:rPr lang="pt-BR" sz="1200" dirty="0">
+                <a:solidFill>
+                  <a:srgbClr val="CCCCCC"/>
+                </a:solidFill>
+                <a:latin typeface="Consolas" panose="020B0609020204030204" pitchFamily="49" charset="0"/>
+              </a:rPr>
+              <a:t>((</a:t>
+            </a:r>
+            <a:r>
+              <a:rPr lang="pt-BR" sz="1200" dirty="0">
+                <a:solidFill>
+                  <a:srgbClr val="9CDCFE"/>
+                </a:solidFill>
+                <a:latin typeface="Consolas" panose="020B0609020204030204" pitchFamily="49" charset="0"/>
+              </a:rPr>
+              <a:t>a</a:t>
+            </a:r>
+            <a:r>
+              <a:rPr lang="pt-BR" sz="1200" dirty="0">
+                <a:solidFill>
+                  <a:srgbClr val="CCCCCC"/>
+                </a:solidFill>
+                <a:latin typeface="Consolas" panose="020B0609020204030204" pitchFamily="49" charset="0"/>
+              </a:rPr>
+              <a:t>, </a:t>
+            </a:r>
+            <a:r>
+              <a:rPr lang="pt-BR" sz="1200" dirty="0">
+                <a:solidFill>
+                  <a:srgbClr val="9CDCFE"/>
+                </a:solidFill>
+                <a:latin typeface="Consolas" panose="020B0609020204030204" pitchFamily="49" charset="0"/>
+              </a:rPr>
+              <a:t>b</a:t>
+            </a:r>
+            <a:r>
+              <a:rPr lang="pt-BR" sz="1200" dirty="0">
+                <a:solidFill>
+                  <a:srgbClr val="CCCCCC"/>
+                </a:solidFill>
+                <a:latin typeface="Consolas" panose="020B0609020204030204" pitchFamily="49" charset="0"/>
+              </a:rPr>
+              <a:t>) </a:t>
+            </a:r>
+            <a:r>
+              <a:rPr lang="pt-BR" sz="1200" dirty="0">
+                <a:solidFill>
+                  <a:srgbClr val="569CD6"/>
+                </a:solidFill>
+                <a:latin typeface="Consolas" panose="020B0609020204030204" pitchFamily="49" charset="0"/>
+              </a:rPr>
+              <a:t>=&gt;</a:t>
+            </a:r>
+            <a:r>
+              <a:rPr lang="pt-BR" sz="1200" dirty="0">
+                <a:solidFill>
+                  <a:srgbClr val="CCCCCC"/>
+                </a:solidFill>
+                <a:latin typeface="Consolas" panose="020B0609020204030204" pitchFamily="49" charset="0"/>
+              </a:rPr>
+              <a:t> {</a:t>
+            </a:r>
+          </a:p>
+          <a:p>
+            <a:pPr marL="0" indent="0">
+              <a:buNone/>
+            </a:pPr>
+            <a:r>
+              <a:rPr lang="pt-BR" sz="1200" dirty="0">
+                <a:solidFill>
+                  <a:srgbClr val="CCCCCC"/>
+                </a:solidFill>
+                <a:latin typeface="Consolas" panose="020B0609020204030204" pitchFamily="49" charset="0"/>
+              </a:rPr>
+              <a:t>            </a:t>
+            </a:r>
+            <a:r>
+              <a:rPr lang="pt-BR" sz="1200" dirty="0" err="1">
+                <a:solidFill>
+                  <a:srgbClr val="C586C0"/>
+                </a:solidFill>
+                <a:latin typeface="Consolas" panose="020B0609020204030204" pitchFamily="49" charset="0"/>
+              </a:rPr>
+              <a:t>if</a:t>
+            </a:r>
+            <a:r>
+              <a:rPr lang="pt-BR" sz="1200" dirty="0">
+                <a:solidFill>
+                  <a:srgbClr val="CCCCCC"/>
+                </a:solidFill>
+                <a:latin typeface="Consolas" panose="020B0609020204030204" pitchFamily="49" charset="0"/>
+              </a:rPr>
+              <a:t> (</a:t>
+            </a:r>
+            <a:r>
+              <a:rPr lang="pt-BR" sz="1200" dirty="0">
+                <a:solidFill>
+                  <a:srgbClr val="9CDCFE"/>
+                </a:solidFill>
+                <a:latin typeface="Consolas" panose="020B0609020204030204" pitchFamily="49" charset="0"/>
+              </a:rPr>
+              <a:t>a</a:t>
+            </a:r>
+            <a:r>
+              <a:rPr lang="pt-BR" sz="1200" dirty="0">
+                <a:solidFill>
+                  <a:srgbClr val="CCCCCC"/>
+                </a:solidFill>
+                <a:latin typeface="Consolas" panose="020B0609020204030204" pitchFamily="49" charset="0"/>
+              </a:rPr>
+              <a:t>[</a:t>
+            </a:r>
+            <a:r>
+              <a:rPr lang="pt-BR" sz="1200" dirty="0" err="1">
+                <a:solidFill>
+                  <a:srgbClr val="4FC1FF"/>
+                </a:solidFill>
+                <a:latin typeface="Consolas" panose="020B0609020204030204" pitchFamily="49" charset="0"/>
+              </a:rPr>
+              <a:t>column</a:t>
+            </a:r>
+            <a:r>
+              <a:rPr lang="pt-BR" sz="1200" dirty="0">
+                <a:solidFill>
+                  <a:srgbClr val="CCCCCC"/>
+                </a:solidFill>
+                <a:latin typeface="Consolas" panose="020B0609020204030204" pitchFamily="49" charset="0"/>
+              </a:rPr>
+              <a:t>] </a:t>
+            </a:r>
+            <a:r>
+              <a:rPr lang="pt-BR" sz="1200" dirty="0">
+                <a:solidFill>
+                  <a:srgbClr val="D4D4D4"/>
+                </a:solidFill>
+                <a:latin typeface="Consolas" panose="020B0609020204030204" pitchFamily="49" charset="0"/>
+              </a:rPr>
+              <a:t>===</a:t>
+            </a:r>
+            <a:r>
+              <a:rPr lang="pt-BR" sz="1200" dirty="0">
+                <a:solidFill>
+                  <a:srgbClr val="CCCCCC"/>
+                </a:solidFill>
+                <a:latin typeface="Consolas" panose="020B0609020204030204" pitchFamily="49" charset="0"/>
+              </a:rPr>
+              <a:t> </a:t>
+            </a:r>
+            <a:r>
+              <a:rPr lang="pt-BR" sz="1200" dirty="0">
+                <a:solidFill>
+                  <a:srgbClr val="9CDCFE"/>
+                </a:solidFill>
+                <a:latin typeface="Consolas" panose="020B0609020204030204" pitchFamily="49" charset="0"/>
+              </a:rPr>
+              <a:t>b</a:t>
+            </a:r>
+            <a:r>
+              <a:rPr lang="pt-BR" sz="1200" dirty="0">
+                <a:solidFill>
+                  <a:srgbClr val="CCCCCC"/>
+                </a:solidFill>
+                <a:latin typeface="Consolas" panose="020B0609020204030204" pitchFamily="49" charset="0"/>
+              </a:rPr>
+              <a:t>[</a:t>
+            </a:r>
+            <a:r>
+              <a:rPr lang="pt-BR" sz="1200" dirty="0" err="1">
+                <a:solidFill>
+                  <a:srgbClr val="4FC1FF"/>
+                </a:solidFill>
+                <a:latin typeface="Consolas" panose="020B0609020204030204" pitchFamily="49" charset="0"/>
+              </a:rPr>
+              <a:t>column</a:t>
+            </a:r>
+            <a:r>
+              <a:rPr lang="pt-BR" sz="1200" dirty="0">
+                <a:solidFill>
+                  <a:srgbClr val="CCCCCC"/>
+                </a:solidFill>
+                <a:latin typeface="Consolas" panose="020B0609020204030204" pitchFamily="49" charset="0"/>
+              </a:rPr>
+              <a:t>]) {</a:t>
+            </a:r>
+          </a:p>
+          <a:p>
+            <a:pPr marL="0" indent="0">
+              <a:buNone/>
+            </a:pPr>
+            <a:r>
+              <a:rPr lang="pt-BR" sz="1200" dirty="0">
+                <a:solidFill>
+                  <a:srgbClr val="CCCCCC"/>
+                </a:solidFill>
+                <a:latin typeface="Consolas" panose="020B0609020204030204" pitchFamily="49" charset="0"/>
+              </a:rPr>
+              <a:t>                </a:t>
+            </a:r>
+            <a:r>
+              <a:rPr lang="pt-BR" sz="1200" dirty="0" err="1">
+                <a:solidFill>
+                  <a:srgbClr val="C586C0"/>
+                </a:solidFill>
+                <a:latin typeface="Consolas" panose="020B0609020204030204" pitchFamily="49" charset="0"/>
+              </a:rPr>
+              <a:t>return</a:t>
+            </a:r>
+            <a:r>
+              <a:rPr lang="pt-BR" sz="1200" dirty="0">
+                <a:solidFill>
+                  <a:srgbClr val="CCCCCC"/>
+                </a:solidFill>
+                <a:latin typeface="Consolas" panose="020B0609020204030204" pitchFamily="49" charset="0"/>
+              </a:rPr>
+              <a:t> </a:t>
+            </a:r>
+            <a:r>
+              <a:rPr lang="pt-BR" sz="1200" dirty="0">
+                <a:solidFill>
+                  <a:srgbClr val="B5CEA8"/>
+                </a:solidFill>
+                <a:latin typeface="Consolas" panose="020B0609020204030204" pitchFamily="49" charset="0"/>
+              </a:rPr>
+              <a:t>0</a:t>
+            </a:r>
+            <a:r>
+              <a:rPr lang="pt-BR" sz="1200" dirty="0">
+                <a:solidFill>
+                  <a:srgbClr val="CCCCCC"/>
+                </a:solidFill>
+                <a:latin typeface="Consolas" panose="020B0609020204030204" pitchFamily="49" charset="0"/>
+              </a:rPr>
+              <a:t>;</a:t>
+            </a:r>
+          </a:p>
+          <a:p>
+            <a:pPr marL="0" indent="0">
+              <a:buNone/>
+            </a:pPr>
+            <a:r>
+              <a:rPr lang="pt-BR" sz="1200" dirty="0">
+                <a:solidFill>
+                  <a:srgbClr val="CCCCCC"/>
+                </a:solidFill>
+                <a:latin typeface="Consolas" panose="020B0609020204030204" pitchFamily="49" charset="0"/>
+              </a:rPr>
+              <a:t>            }</a:t>
+            </a:r>
+          </a:p>
+          <a:p>
+            <a:pPr marL="0" indent="0">
+              <a:buNone/>
+            </a:pPr>
+            <a:r>
+              <a:rPr lang="pt-BR" sz="1200" dirty="0">
+                <a:solidFill>
+                  <a:srgbClr val="CCCCCC"/>
+                </a:solidFill>
+                <a:latin typeface="Consolas" panose="020B0609020204030204" pitchFamily="49" charset="0"/>
+              </a:rPr>
+              <a:t>            </a:t>
+            </a:r>
+            <a:r>
+              <a:rPr lang="pt-BR" sz="1200" dirty="0" err="1">
+                <a:solidFill>
+                  <a:srgbClr val="C586C0"/>
+                </a:solidFill>
+                <a:latin typeface="Consolas" panose="020B0609020204030204" pitchFamily="49" charset="0"/>
+              </a:rPr>
+              <a:t>return</a:t>
+            </a:r>
+            <a:r>
+              <a:rPr lang="pt-BR" sz="1200" dirty="0">
+                <a:solidFill>
+                  <a:srgbClr val="CCCCCC"/>
+                </a:solidFill>
+                <a:latin typeface="Consolas" panose="020B0609020204030204" pitchFamily="49" charset="0"/>
+              </a:rPr>
+              <a:t> </a:t>
+            </a:r>
+            <a:r>
+              <a:rPr lang="pt-BR" sz="1200" dirty="0" err="1">
+                <a:solidFill>
+                  <a:srgbClr val="4FC1FF"/>
+                </a:solidFill>
+                <a:latin typeface="Consolas" panose="020B0609020204030204" pitchFamily="49" charset="0"/>
+              </a:rPr>
+              <a:t>descending</a:t>
+            </a:r>
+            <a:endParaRPr lang="pt-BR" sz="1200" dirty="0">
+              <a:solidFill>
+                <a:srgbClr val="CCCCCC"/>
+              </a:solidFill>
+              <a:latin typeface="Consolas" panose="020B0609020204030204" pitchFamily="49" charset="0"/>
+            </a:endParaRPr>
+          </a:p>
+          <a:p>
+            <a:pPr marL="0" indent="0">
+              <a:buNone/>
+            </a:pPr>
+            <a:r>
+              <a:rPr lang="pt-BR" sz="1200" dirty="0">
+                <a:solidFill>
+                  <a:srgbClr val="CCCCCC"/>
+                </a:solidFill>
+                <a:latin typeface="Consolas" panose="020B0609020204030204" pitchFamily="49" charset="0"/>
+              </a:rPr>
+              <a:t>                </a:t>
+            </a:r>
+            <a:r>
+              <a:rPr lang="pt-BR" sz="1200" dirty="0">
+                <a:solidFill>
+                  <a:srgbClr val="D4D4D4"/>
+                </a:solidFill>
+                <a:latin typeface="Consolas" panose="020B0609020204030204" pitchFamily="49" charset="0"/>
+              </a:rPr>
+              <a:t>?</a:t>
+            </a:r>
+            <a:r>
+              <a:rPr lang="pt-BR" sz="1200" dirty="0">
+                <a:solidFill>
+                  <a:srgbClr val="CCCCCC"/>
+                </a:solidFill>
+                <a:latin typeface="Consolas" panose="020B0609020204030204" pitchFamily="49" charset="0"/>
+              </a:rPr>
+              <a:t> </a:t>
+            </a:r>
+            <a:r>
+              <a:rPr lang="pt-BR" sz="1200" dirty="0">
+                <a:solidFill>
+                  <a:srgbClr val="9CDCFE"/>
+                </a:solidFill>
+                <a:latin typeface="Consolas" panose="020B0609020204030204" pitchFamily="49" charset="0"/>
+              </a:rPr>
+              <a:t>a</a:t>
+            </a:r>
+            <a:r>
+              <a:rPr lang="pt-BR" sz="1200" dirty="0">
+                <a:solidFill>
+                  <a:srgbClr val="CCCCCC"/>
+                </a:solidFill>
+                <a:latin typeface="Consolas" panose="020B0609020204030204" pitchFamily="49" charset="0"/>
+              </a:rPr>
+              <a:t>[</a:t>
+            </a:r>
+            <a:r>
+              <a:rPr lang="pt-BR" sz="1200" dirty="0" err="1">
+                <a:solidFill>
+                  <a:srgbClr val="4FC1FF"/>
+                </a:solidFill>
+                <a:latin typeface="Consolas" panose="020B0609020204030204" pitchFamily="49" charset="0"/>
+              </a:rPr>
+              <a:t>column</a:t>
+            </a:r>
+            <a:r>
+              <a:rPr lang="pt-BR" sz="1200" dirty="0">
+                <a:solidFill>
+                  <a:srgbClr val="CCCCCC"/>
+                </a:solidFill>
+                <a:latin typeface="Consolas" panose="020B0609020204030204" pitchFamily="49" charset="0"/>
+              </a:rPr>
+              <a:t>] </a:t>
+            </a:r>
+            <a:r>
+              <a:rPr lang="pt-BR" sz="1200" dirty="0">
+                <a:solidFill>
+                  <a:srgbClr val="D4D4D4"/>
+                </a:solidFill>
+                <a:latin typeface="Consolas" panose="020B0609020204030204" pitchFamily="49" charset="0"/>
+              </a:rPr>
+              <a:t>&lt;</a:t>
+            </a:r>
+            <a:r>
+              <a:rPr lang="pt-BR" sz="1200" dirty="0">
+                <a:solidFill>
+                  <a:srgbClr val="CCCCCC"/>
+                </a:solidFill>
+                <a:latin typeface="Consolas" panose="020B0609020204030204" pitchFamily="49" charset="0"/>
+              </a:rPr>
+              <a:t> </a:t>
+            </a:r>
+            <a:r>
+              <a:rPr lang="pt-BR" sz="1200" dirty="0">
+                <a:solidFill>
+                  <a:srgbClr val="9CDCFE"/>
+                </a:solidFill>
+                <a:latin typeface="Consolas" panose="020B0609020204030204" pitchFamily="49" charset="0"/>
+              </a:rPr>
+              <a:t>b</a:t>
+            </a:r>
+            <a:r>
+              <a:rPr lang="pt-BR" sz="1200" dirty="0">
+                <a:solidFill>
+                  <a:srgbClr val="CCCCCC"/>
+                </a:solidFill>
+                <a:latin typeface="Consolas" panose="020B0609020204030204" pitchFamily="49" charset="0"/>
+              </a:rPr>
+              <a:t>[</a:t>
+            </a:r>
+            <a:r>
+              <a:rPr lang="pt-BR" sz="1200" dirty="0" err="1">
+                <a:solidFill>
+                  <a:srgbClr val="4FC1FF"/>
+                </a:solidFill>
+                <a:latin typeface="Consolas" panose="020B0609020204030204" pitchFamily="49" charset="0"/>
+              </a:rPr>
+              <a:t>column</a:t>
+            </a:r>
+            <a:r>
+              <a:rPr lang="pt-BR" sz="1200" dirty="0">
+                <a:solidFill>
+                  <a:srgbClr val="CCCCCC"/>
+                </a:solidFill>
+                <a:latin typeface="Consolas" panose="020B0609020204030204" pitchFamily="49" charset="0"/>
+              </a:rPr>
+              <a:t>]</a:t>
+            </a:r>
+          </a:p>
+          <a:p>
+            <a:pPr marL="0" indent="0">
+              <a:buNone/>
+            </a:pPr>
+            <a:r>
+              <a:rPr lang="pt-BR" sz="1200" dirty="0">
+                <a:solidFill>
+                  <a:srgbClr val="CCCCCC"/>
+                </a:solidFill>
+                <a:latin typeface="Consolas" panose="020B0609020204030204" pitchFamily="49" charset="0"/>
+              </a:rPr>
+              <a:t>                    </a:t>
+            </a:r>
+            <a:r>
+              <a:rPr lang="pt-BR" sz="1200" dirty="0">
+                <a:solidFill>
+                  <a:srgbClr val="D4D4D4"/>
+                </a:solidFill>
+                <a:latin typeface="Consolas" panose="020B0609020204030204" pitchFamily="49" charset="0"/>
+              </a:rPr>
+              <a:t>?</a:t>
+            </a:r>
+            <a:r>
+              <a:rPr lang="pt-BR" sz="1200" dirty="0">
+                <a:solidFill>
+                  <a:srgbClr val="CCCCCC"/>
+                </a:solidFill>
+                <a:latin typeface="Consolas" panose="020B0609020204030204" pitchFamily="49" charset="0"/>
+              </a:rPr>
+              <a:t> </a:t>
+            </a:r>
+            <a:r>
+              <a:rPr lang="pt-BR" sz="1200" dirty="0">
+                <a:solidFill>
+                  <a:srgbClr val="B5CEA8"/>
+                </a:solidFill>
+                <a:latin typeface="Consolas" panose="020B0609020204030204" pitchFamily="49" charset="0"/>
+              </a:rPr>
+              <a:t>1</a:t>
+            </a:r>
+            <a:endParaRPr lang="pt-BR" sz="1200" dirty="0">
+              <a:solidFill>
+                <a:srgbClr val="CCCCCC"/>
+              </a:solidFill>
+              <a:latin typeface="Consolas" panose="020B0609020204030204" pitchFamily="49" charset="0"/>
+            </a:endParaRPr>
+          </a:p>
+          <a:p>
+            <a:pPr marL="0" indent="0">
+              <a:buNone/>
+            </a:pPr>
+            <a:r>
+              <a:rPr lang="pt-BR" sz="1200" dirty="0">
+                <a:solidFill>
+                  <a:srgbClr val="CCCCCC"/>
+                </a:solidFill>
+                <a:latin typeface="Consolas" panose="020B0609020204030204" pitchFamily="49" charset="0"/>
+              </a:rPr>
+              <a:t>                    </a:t>
+            </a:r>
+            <a:r>
+              <a:rPr lang="pt-BR" sz="1200" dirty="0">
+                <a:solidFill>
+                  <a:srgbClr val="D4D4D4"/>
+                </a:solidFill>
+                <a:latin typeface="Consolas" panose="020B0609020204030204" pitchFamily="49" charset="0"/>
+              </a:rPr>
+              <a:t>:</a:t>
+            </a:r>
+            <a:r>
+              <a:rPr lang="pt-BR" sz="1200" dirty="0">
+                <a:solidFill>
+                  <a:srgbClr val="CCCCCC"/>
+                </a:solidFill>
+                <a:latin typeface="Consolas" panose="020B0609020204030204" pitchFamily="49" charset="0"/>
+              </a:rPr>
+              <a:t> </a:t>
+            </a:r>
+            <a:r>
+              <a:rPr lang="pt-BR" sz="1200" dirty="0">
+                <a:solidFill>
+                  <a:srgbClr val="D4D4D4"/>
+                </a:solidFill>
+                <a:latin typeface="Consolas" panose="020B0609020204030204" pitchFamily="49" charset="0"/>
+              </a:rPr>
+              <a:t>-</a:t>
+            </a:r>
+            <a:r>
+              <a:rPr lang="pt-BR" sz="1200" dirty="0">
+                <a:solidFill>
+                  <a:srgbClr val="B5CEA8"/>
+                </a:solidFill>
+                <a:latin typeface="Consolas" panose="020B0609020204030204" pitchFamily="49" charset="0"/>
+              </a:rPr>
+              <a:t>1</a:t>
+            </a:r>
+            <a:endParaRPr lang="pt-BR" sz="1200" dirty="0">
+              <a:solidFill>
+                <a:srgbClr val="CCCCCC"/>
+              </a:solidFill>
+              <a:latin typeface="Consolas" panose="020B0609020204030204" pitchFamily="49" charset="0"/>
+            </a:endParaRPr>
+          </a:p>
+          <a:p>
+            <a:pPr marL="0" indent="0">
+              <a:buNone/>
+            </a:pPr>
+            <a:r>
+              <a:rPr lang="pt-BR" sz="1200" dirty="0">
+                <a:solidFill>
+                  <a:srgbClr val="CCCCCC"/>
+                </a:solidFill>
+                <a:latin typeface="Consolas" panose="020B0609020204030204" pitchFamily="49" charset="0"/>
+              </a:rPr>
+              <a:t>                </a:t>
+            </a:r>
+            <a:r>
+              <a:rPr lang="pt-BR" sz="1200" dirty="0">
+                <a:solidFill>
+                  <a:srgbClr val="D4D4D4"/>
+                </a:solidFill>
+                <a:latin typeface="Consolas" panose="020B0609020204030204" pitchFamily="49" charset="0"/>
+              </a:rPr>
+              <a:t>:</a:t>
+            </a:r>
+            <a:r>
+              <a:rPr lang="pt-BR" sz="1200" dirty="0">
+                <a:solidFill>
+                  <a:srgbClr val="CCCCCC"/>
+                </a:solidFill>
+                <a:latin typeface="Consolas" panose="020B0609020204030204" pitchFamily="49" charset="0"/>
+              </a:rPr>
+              <a:t> </a:t>
+            </a:r>
+            <a:r>
+              <a:rPr lang="pt-BR" sz="1200" dirty="0">
+                <a:solidFill>
+                  <a:srgbClr val="9CDCFE"/>
+                </a:solidFill>
+                <a:latin typeface="Consolas" panose="020B0609020204030204" pitchFamily="49" charset="0"/>
+              </a:rPr>
+              <a:t>a</a:t>
+            </a:r>
+            <a:r>
+              <a:rPr lang="pt-BR" sz="1200" dirty="0">
+                <a:solidFill>
+                  <a:srgbClr val="CCCCCC"/>
+                </a:solidFill>
+                <a:latin typeface="Consolas" panose="020B0609020204030204" pitchFamily="49" charset="0"/>
+              </a:rPr>
+              <a:t>[</a:t>
+            </a:r>
+            <a:r>
+              <a:rPr lang="pt-BR" sz="1200" dirty="0" err="1">
+                <a:solidFill>
+                  <a:srgbClr val="4FC1FF"/>
+                </a:solidFill>
+                <a:latin typeface="Consolas" panose="020B0609020204030204" pitchFamily="49" charset="0"/>
+              </a:rPr>
+              <a:t>column</a:t>
+            </a:r>
+            <a:r>
+              <a:rPr lang="pt-BR" sz="1200" dirty="0">
+                <a:solidFill>
+                  <a:srgbClr val="CCCCCC"/>
+                </a:solidFill>
+                <a:latin typeface="Consolas" panose="020B0609020204030204" pitchFamily="49" charset="0"/>
+              </a:rPr>
+              <a:t>] </a:t>
+            </a:r>
+            <a:r>
+              <a:rPr lang="pt-BR" sz="1200" dirty="0">
+                <a:solidFill>
+                  <a:srgbClr val="D4D4D4"/>
+                </a:solidFill>
+                <a:latin typeface="Consolas" panose="020B0609020204030204" pitchFamily="49" charset="0"/>
+              </a:rPr>
+              <a:t>&gt;</a:t>
+            </a:r>
+            <a:r>
+              <a:rPr lang="pt-BR" sz="1200" dirty="0">
+                <a:solidFill>
+                  <a:srgbClr val="CCCCCC"/>
+                </a:solidFill>
+                <a:latin typeface="Consolas" panose="020B0609020204030204" pitchFamily="49" charset="0"/>
+              </a:rPr>
+              <a:t> </a:t>
+            </a:r>
+            <a:r>
+              <a:rPr lang="pt-BR" sz="1200" dirty="0">
+                <a:solidFill>
+                  <a:srgbClr val="9CDCFE"/>
+                </a:solidFill>
+                <a:latin typeface="Consolas" panose="020B0609020204030204" pitchFamily="49" charset="0"/>
+              </a:rPr>
+              <a:t>b</a:t>
+            </a:r>
+            <a:r>
+              <a:rPr lang="pt-BR" sz="1200" dirty="0">
+                <a:solidFill>
+                  <a:srgbClr val="CCCCCC"/>
+                </a:solidFill>
+                <a:latin typeface="Consolas" panose="020B0609020204030204" pitchFamily="49" charset="0"/>
+              </a:rPr>
+              <a:t>[</a:t>
+            </a:r>
+            <a:r>
+              <a:rPr lang="pt-BR" sz="1200" dirty="0" err="1">
+                <a:solidFill>
+                  <a:srgbClr val="4FC1FF"/>
+                </a:solidFill>
+                <a:latin typeface="Consolas" panose="020B0609020204030204" pitchFamily="49" charset="0"/>
+              </a:rPr>
+              <a:t>column</a:t>
+            </a:r>
+            <a:r>
+              <a:rPr lang="pt-BR" sz="1200" dirty="0">
+                <a:solidFill>
+                  <a:srgbClr val="CCCCCC"/>
+                </a:solidFill>
+                <a:latin typeface="Consolas" panose="020B0609020204030204" pitchFamily="49" charset="0"/>
+              </a:rPr>
+              <a:t>]</a:t>
+            </a:r>
+          </a:p>
+          <a:p>
+            <a:pPr marL="0" indent="0">
+              <a:buNone/>
+            </a:pPr>
+            <a:r>
+              <a:rPr lang="pt-BR" sz="1200" dirty="0">
+                <a:solidFill>
+                  <a:srgbClr val="CCCCCC"/>
+                </a:solidFill>
+                <a:latin typeface="Consolas" panose="020B0609020204030204" pitchFamily="49" charset="0"/>
+              </a:rPr>
+              <a:t>                    </a:t>
+            </a:r>
+            <a:r>
+              <a:rPr lang="pt-BR" sz="1200" dirty="0">
+                <a:solidFill>
+                  <a:srgbClr val="D4D4D4"/>
+                </a:solidFill>
+                <a:latin typeface="Consolas" panose="020B0609020204030204" pitchFamily="49" charset="0"/>
+              </a:rPr>
+              <a:t>?</a:t>
+            </a:r>
+            <a:r>
+              <a:rPr lang="pt-BR" sz="1200" dirty="0">
+                <a:solidFill>
+                  <a:srgbClr val="CCCCCC"/>
+                </a:solidFill>
+                <a:latin typeface="Consolas" panose="020B0609020204030204" pitchFamily="49" charset="0"/>
+              </a:rPr>
+              <a:t> </a:t>
+            </a:r>
+            <a:r>
+              <a:rPr lang="pt-BR" sz="1200" dirty="0">
+                <a:solidFill>
+                  <a:srgbClr val="B5CEA8"/>
+                </a:solidFill>
+                <a:latin typeface="Consolas" panose="020B0609020204030204" pitchFamily="49" charset="0"/>
+              </a:rPr>
+              <a:t>1</a:t>
+            </a:r>
+            <a:endParaRPr lang="pt-BR" sz="1200" dirty="0">
+              <a:solidFill>
+                <a:srgbClr val="CCCCCC"/>
+              </a:solidFill>
+              <a:latin typeface="Consolas" panose="020B0609020204030204" pitchFamily="49" charset="0"/>
+            </a:endParaRPr>
+          </a:p>
+          <a:p>
+            <a:pPr marL="0" indent="0">
+              <a:buNone/>
+            </a:pPr>
+            <a:r>
+              <a:rPr lang="pt-BR" sz="1200" dirty="0">
+                <a:solidFill>
+                  <a:srgbClr val="CCCCCC"/>
+                </a:solidFill>
+                <a:latin typeface="Consolas" panose="020B0609020204030204" pitchFamily="49" charset="0"/>
+              </a:rPr>
+              <a:t>                    </a:t>
+            </a:r>
+            <a:r>
+              <a:rPr lang="pt-BR" sz="1200" dirty="0">
+                <a:solidFill>
+                  <a:srgbClr val="D4D4D4"/>
+                </a:solidFill>
+                <a:latin typeface="Consolas" panose="020B0609020204030204" pitchFamily="49" charset="0"/>
+              </a:rPr>
+              <a:t>:</a:t>
+            </a:r>
+            <a:r>
+              <a:rPr lang="pt-BR" sz="1200" dirty="0">
+                <a:solidFill>
+                  <a:srgbClr val="CCCCCC"/>
+                </a:solidFill>
+                <a:latin typeface="Consolas" panose="020B0609020204030204" pitchFamily="49" charset="0"/>
+              </a:rPr>
+              <a:t> </a:t>
+            </a:r>
+            <a:r>
+              <a:rPr lang="pt-BR" sz="1200" dirty="0">
+                <a:solidFill>
+                  <a:srgbClr val="D4D4D4"/>
+                </a:solidFill>
+                <a:latin typeface="Consolas" panose="020B0609020204030204" pitchFamily="49" charset="0"/>
+              </a:rPr>
+              <a:t>-</a:t>
+            </a:r>
+            <a:r>
+              <a:rPr lang="pt-BR" sz="1200" dirty="0">
+                <a:solidFill>
+                  <a:srgbClr val="B5CEA8"/>
+                </a:solidFill>
+                <a:latin typeface="Consolas" panose="020B0609020204030204" pitchFamily="49" charset="0"/>
+              </a:rPr>
+              <a:t>1</a:t>
+            </a:r>
+            <a:r>
+              <a:rPr lang="pt-BR" sz="1200" dirty="0">
+                <a:solidFill>
+                  <a:srgbClr val="CCCCCC"/>
+                </a:solidFill>
+                <a:latin typeface="Consolas" panose="020B0609020204030204" pitchFamily="49" charset="0"/>
+              </a:rPr>
+              <a:t>;</a:t>
+            </a:r>
+          </a:p>
+          <a:p>
+            <a:pPr marL="0" indent="0">
+              <a:buNone/>
+            </a:pPr>
+            <a:r>
+              <a:rPr lang="pt-BR" sz="1200" dirty="0">
+                <a:solidFill>
+                  <a:srgbClr val="CCCCCC"/>
+                </a:solidFill>
+                <a:latin typeface="Consolas" panose="020B0609020204030204" pitchFamily="49" charset="0"/>
+              </a:rPr>
+              <a:t>        });</a:t>
+            </a:r>
+          </a:p>
+          <a:p>
+            <a:pPr marL="0" indent="0">
+              <a:buNone/>
+            </a:pPr>
+            <a:r>
+              <a:rPr lang="pt-BR" sz="1200" dirty="0">
+                <a:solidFill>
+                  <a:srgbClr val="CCCCCC"/>
+                </a:solidFill>
+                <a:latin typeface="Consolas" panose="020B0609020204030204" pitchFamily="49" charset="0"/>
+              </a:rPr>
+              <a:t>        </a:t>
+            </a:r>
+            <a:r>
+              <a:rPr lang="pt-BR" sz="1200" dirty="0" err="1">
+                <a:solidFill>
+                  <a:srgbClr val="569CD6"/>
+                </a:solidFill>
+                <a:latin typeface="Consolas" panose="020B0609020204030204" pitchFamily="49" charset="0"/>
+              </a:rPr>
+              <a:t>this</a:t>
+            </a:r>
+            <a:r>
+              <a:rPr lang="pt-BR" sz="1200" dirty="0" err="1">
+                <a:solidFill>
+                  <a:srgbClr val="CCCCCC"/>
+                </a:solidFill>
+                <a:latin typeface="Consolas" panose="020B0609020204030204" pitchFamily="49" charset="0"/>
+              </a:rPr>
+              <a:t>.</a:t>
+            </a:r>
+            <a:r>
+              <a:rPr lang="pt-BR" sz="1200" dirty="0" err="1">
+                <a:solidFill>
+                  <a:srgbClr val="DCDCAA"/>
+                </a:solidFill>
+                <a:latin typeface="Consolas" panose="020B0609020204030204" pitchFamily="49" charset="0"/>
+              </a:rPr>
+              <a:t>setState</a:t>
+            </a:r>
+            <a:r>
+              <a:rPr lang="pt-BR" sz="1200" dirty="0">
+                <a:solidFill>
+                  <a:srgbClr val="CCCCCC"/>
+                </a:solidFill>
+                <a:latin typeface="Consolas" panose="020B0609020204030204" pitchFamily="49" charset="0"/>
+              </a:rPr>
+              <a:t>({</a:t>
+            </a:r>
+          </a:p>
+          <a:p>
+            <a:pPr marL="0" indent="0">
+              <a:buNone/>
+            </a:pPr>
+            <a:r>
+              <a:rPr lang="pt-BR" sz="1200" dirty="0">
+                <a:solidFill>
+                  <a:srgbClr val="CCCCCC"/>
+                </a:solidFill>
+                <a:latin typeface="Consolas" panose="020B0609020204030204" pitchFamily="49" charset="0"/>
+              </a:rPr>
+              <a:t>            </a:t>
+            </a:r>
+            <a:r>
+              <a:rPr lang="pt-BR" sz="1200" dirty="0">
+                <a:solidFill>
+                  <a:srgbClr val="9CDCFE"/>
+                </a:solidFill>
+                <a:latin typeface="Consolas" panose="020B0609020204030204" pitchFamily="49" charset="0"/>
+              </a:rPr>
+              <a:t>data</a:t>
+            </a:r>
+            <a:r>
+              <a:rPr lang="pt-BR" sz="1200" dirty="0">
+                <a:solidFill>
+                  <a:srgbClr val="CCCCCC"/>
+                </a:solidFill>
+                <a:latin typeface="Consolas" panose="020B0609020204030204" pitchFamily="49" charset="0"/>
+              </a:rPr>
+              <a:t>,</a:t>
+            </a:r>
+          </a:p>
+          <a:p>
+            <a:pPr marL="0" indent="0">
+              <a:buNone/>
+            </a:pPr>
+            <a:r>
+              <a:rPr lang="pt-BR" sz="1200" dirty="0">
+                <a:solidFill>
+                  <a:srgbClr val="CCCCCC"/>
+                </a:solidFill>
+                <a:latin typeface="Consolas" panose="020B0609020204030204" pitchFamily="49" charset="0"/>
+              </a:rPr>
+              <a:t>            </a:t>
+            </a:r>
+            <a:r>
+              <a:rPr lang="pt-BR" sz="1200" dirty="0" err="1">
+                <a:solidFill>
+                  <a:srgbClr val="9CDCFE"/>
+                </a:solidFill>
+                <a:latin typeface="Consolas" panose="020B0609020204030204" pitchFamily="49" charset="0"/>
+              </a:rPr>
+              <a:t>sortby</a:t>
+            </a:r>
+            <a:r>
+              <a:rPr lang="pt-BR" sz="1200" dirty="0">
+                <a:solidFill>
+                  <a:srgbClr val="9CDCFE"/>
+                </a:solidFill>
+                <a:latin typeface="Consolas" panose="020B0609020204030204" pitchFamily="49" charset="0"/>
+              </a:rPr>
+              <a:t>:</a:t>
+            </a:r>
+            <a:r>
+              <a:rPr lang="pt-BR" sz="1200" dirty="0">
+                <a:solidFill>
+                  <a:srgbClr val="CCCCCC"/>
+                </a:solidFill>
+                <a:latin typeface="Consolas" panose="020B0609020204030204" pitchFamily="49" charset="0"/>
+              </a:rPr>
+              <a:t> </a:t>
+            </a:r>
+            <a:r>
+              <a:rPr lang="pt-BR" sz="1200" dirty="0" err="1">
+                <a:solidFill>
+                  <a:srgbClr val="4FC1FF"/>
+                </a:solidFill>
+                <a:latin typeface="Consolas" panose="020B0609020204030204" pitchFamily="49" charset="0"/>
+              </a:rPr>
+              <a:t>column</a:t>
+            </a:r>
+            <a:r>
+              <a:rPr lang="pt-BR" sz="1200" dirty="0">
+                <a:solidFill>
+                  <a:srgbClr val="CCCCCC"/>
+                </a:solidFill>
+                <a:latin typeface="Consolas" panose="020B0609020204030204" pitchFamily="49" charset="0"/>
+              </a:rPr>
+              <a:t>,</a:t>
+            </a:r>
+          </a:p>
+          <a:p>
+            <a:pPr marL="0" indent="0">
+              <a:buNone/>
+            </a:pPr>
+            <a:r>
+              <a:rPr lang="pt-BR" sz="1200" dirty="0">
+                <a:solidFill>
+                  <a:srgbClr val="CCCCCC"/>
+                </a:solidFill>
+                <a:latin typeface="Consolas" panose="020B0609020204030204" pitchFamily="49" charset="0"/>
+              </a:rPr>
+              <a:t>            </a:t>
+            </a:r>
+            <a:r>
+              <a:rPr lang="pt-BR" sz="1200" dirty="0" err="1">
+                <a:solidFill>
+                  <a:srgbClr val="9CDCFE"/>
+                </a:solidFill>
+                <a:latin typeface="Consolas" panose="020B0609020204030204" pitchFamily="49" charset="0"/>
+              </a:rPr>
+              <a:t>descending</a:t>
+            </a:r>
+            <a:r>
+              <a:rPr lang="pt-BR" sz="1200" dirty="0">
+                <a:solidFill>
+                  <a:srgbClr val="CCCCCC"/>
+                </a:solidFill>
+                <a:latin typeface="Consolas" panose="020B0609020204030204" pitchFamily="49" charset="0"/>
+              </a:rPr>
+              <a:t>,</a:t>
+            </a:r>
+          </a:p>
+          <a:p>
+            <a:pPr marL="0" indent="0">
+              <a:buNone/>
+            </a:pPr>
+            <a:r>
+              <a:rPr lang="pt-BR" sz="1200" dirty="0">
+                <a:solidFill>
+                  <a:srgbClr val="CCCCCC"/>
+                </a:solidFill>
+                <a:latin typeface="Consolas" panose="020B0609020204030204" pitchFamily="49" charset="0"/>
+              </a:rPr>
+              <a:t>        });</a:t>
+            </a:r>
+          </a:p>
+          <a:p>
+            <a:pPr marL="0" indent="0">
+              <a:buNone/>
+            </a:pPr>
+            <a:r>
+              <a:rPr lang="pt-BR" sz="1200" dirty="0">
+                <a:solidFill>
+                  <a:srgbClr val="CCCCCC"/>
+                </a:solidFill>
+                <a:latin typeface="Consolas" panose="020B0609020204030204" pitchFamily="49" charset="0"/>
+              </a:rPr>
+              <a:t>    }</a:t>
+            </a:r>
+          </a:p>
+          <a:p>
+            <a:pPr marL="0" lvl="0" indent="0">
+              <a:lnSpc>
+                <a:spcPct val="100000"/>
+              </a:lnSpc>
+              <a:spcBef>
+                <a:spcPts val="0"/>
+              </a:spcBef>
+              <a:buNone/>
+            </a:pPr>
+            <a:endParaRPr lang="pt-BR" sz="1200" dirty="0">
+              <a:latin typeface="Courier New" panose="02070309020205020404" pitchFamily="49" charset="0"/>
+              <a:cs typeface="Courier New" panose="02070309020205020404" pitchFamily="49" charset="0"/>
+            </a:endParaRPr>
+          </a:p>
+        </p:txBody>
+      </p:sp>
+    </p:spTree>
+    <p:extLst>
+      <p:ext uri="{BB962C8B-B14F-4D97-AF65-F5344CB8AC3E}">
+        <p14:creationId xmlns:p14="http://schemas.microsoft.com/office/powerpoint/2010/main" val="2051602151"/>
       </p:ext>
     </p:extLst>
   </p:cSld>

--- a/Aulas/04 - Criação de Tabela com Controles/04 - Tabela com Controles.pptx
+++ b/Aulas/04 - Criação de Tabela com Controles/04 - Tabela com Controles.pptx
@@ -29,6 +29,11 @@
     <p:sldId id="277" r:id="rId23"/>
     <p:sldId id="278" r:id="rId24"/>
     <p:sldId id="279" r:id="rId25"/>
+    <p:sldId id="280" r:id="rId26"/>
+    <p:sldId id="281" r:id="rId27"/>
+    <p:sldId id="282" r:id="rId28"/>
+    <p:sldId id="283" r:id="rId29"/>
+    <p:sldId id="284" r:id="rId30"/>
   </p:sldIdLst>
   <p:sldSz cx="12192000" cy="6858000"/>
   <p:notesSz cx="6858000" cy="9144000"/>
@@ -129,7 +134,18 @@
   </p:defaultTextStyle>
   <p:extLst>
     <p:ext uri="{EFAFB233-063F-42B5-8137-9DF3F51BA10A}">
-      <p15:sldGuideLst xmlns:p15="http://schemas.microsoft.com/office/powerpoint/2012/main"/>
+      <p15:sldGuideLst xmlns:p15="http://schemas.microsoft.com/office/powerpoint/2012/main">
+        <p15:guide id="1" orient="horz" pos="2160" userDrawn="1">
+          <p15:clr>
+            <a:srgbClr val="A4A3A4"/>
+          </p15:clr>
+        </p15:guide>
+        <p15:guide id="2" pos="3840" userDrawn="1">
+          <p15:clr>
+            <a:srgbClr val="A4A3A4"/>
+          </p15:clr>
+        </p15:guide>
+      </p15:sldGuideLst>
     </p:ext>
   </p:extLst>
 </p:presentation>
@@ -282,7 +298,7 @@
           <a:p>
             <a:fld id="{24D17872-9A4D-44D0-91A6-4828DF7E3E35}" type="datetimeFigureOut">
               <a:rPr lang="pt-BR" smtClean="0"/>
-              <a:t>28/03/2024</a:t>
+              <a:t>01/04/2024</a:t>
             </a:fld>
             <a:endParaRPr lang="pt-BR"/>
           </a:p>
@@ -480,7 +496,7 @@
           <a:p>
             <a:fld id="{24D17872-9A4D-44D0-91A6-4828DF7E3E35}" type="datetimeFigureOut">
               <a:rPr lang="pt-BR" smtClean="0"/>
-              <a:t>28/03/2024</a:t>
+              <a:t>01/04/2024</a:t>
             </a:fld>
             <a:endParaRPr lang="pt-BR"/>
           </a:p>
@@ -688,7 +704,7 @@
           <a:p>
             <a:fld id="{24D17872-9A4D-44D0-91A6-4828DF7E3E35}" type="datetimeFigureOut">
               <a:rPr lang="pt-BR" smtClean="0"/>
-              <a:t>28/03/2024</a:t>
+              <a:t>01/04/2024</a:t>
             </a:fld>
             <a:endParaRPr lang="pt-BR"/>
           </a:p>
@@ -886,7 +902,7 @@
           <a:p>
             <a:fld id="{24D17872-9A4D-44D0-91A6-4828DF7E3E35}" type="datetimeFigureOut">
               <a:rPr lang="pt-BR" smtClean="0"/>
-              <a:t>28/03/2024</a:t>
+              <a:t>01/04/2024</a:t>
             </a:fld>
             <a:endParaRPr lang="pt-BR"/>
           </a:p>
@@ -1161,7 +1177,7 @@
           <a:p>
             <a:fld id="{24D17872-9A4D-44D0-91A6-4828DF7E3E35}" type="datetimeFigureOut">
               <a:rPr lang="pt-BR" smtClean="0"/>
-              <a:t>28/03/2024</a:t>
+              <a:t>01/04/2024</a:t>
             </a:fld>
             <a:endParaRPr lang="pt-BR"/>
           </a:p>
@@ -1426,7 +1442,7 @@
           <a:p>
             <a:fld id="{24D17872-9A4D-44D0-91A6-4828DF7E3E35}" type="datetimeFigureOut">
               <a:rPr lang="pt-BR" smtClean="0"/>
-              <a:t>28/03/2024</a:t>
+              <a:t>01/04/2024</a:t>
             </a:fld>
             <a:endParaRPr lang="pt-BR"/>
           </a:p>
@@ -1838,7 +1854,7 @@
           <a:p>
             <a:fld id="{24D17872-9A4D-44D0-91A6-4828DF7E3E35}" type="datetimeFigureOut">
               <a:rPr lang="pt-BR" smtClean="0"/>
-              <a:t>28/03/2024</a:t>
+              <a:t>01/04/2024</a:t>
             </a:fld>
             <a:endParaRPr lang="pt-BR"/>
           </a:p>
@@ -1979,7 +1995,7 @@
           <a:p>
             <a:fld id="{24D17872-9A4D-44D0-91A6-4828DF7E3E35}" type="datetimeFigureOut">
               <a:rPr lang="pt-BR" smtClean="0"/>
-              <a:t>28/03/2024</a:t>
+              <a:t>01/04/2024</a:t>
             </a:fld>
             <a:endParaRPr lang="pt-BR"/>
           </a:p>
@@ -2092,7 +2108,7 @@
           <a:p>
             <a:fld id="{24D17872-9A4D-44D0-91A6-4828DF7E3E35}" type="datetimeFigureOut">
               <a:rPr lang="pt-BR" smtClean="0"/>
-              <a:t>28/03/2024</a:t>
+              <a:t>01/04/2024</a:t>
             </a:fld>
             <a:endParaRPr lang="pt-BR"/>
           </a:p>
@@ -2403,7 +2419,7 @@
           <a:p>
             <a:fld id="{24D17872-9A4D-44D0-91A6-4828DF7E3E35}" type="datetimeFigureOut">
               <a:rPr lang="pt-BR" smtClean="0"/>
-              <a:t>28/03/2024</a:t>
+              <a:t>01/04/2024</a:t>
             </a:fld>
             <a:endParaRPr lang="pt-BR"/>
           </a:p>
@@ -2691,7 +2707,7 @@
           <a:p>
             <a:fld id="{24D17872-9A4D-44D0-91A6-4828DF7E3E35}" type="datetimeFigureOut">
               <a:rPr lang="pt-BR" smtClean="0"/>
-              <a:t>28/03/2024</a:t>
+              <a:t>01/04/2024</a:t>
             </a:fld>
             <a:endParaRPr lang="pt-BR"/>
           </a:p>
@@ -2932,7 +2948,7 @@
           <a:p>
             <a:fld id="{24D17872-9A4D-44D0-91A6-4828DF7E3E35}" type="datetimeFigureOut">
               <a:rPr lang="pt-BR" smtClean="0"/>
-              <a:t>28/03/2024</a:t>
+              <a:t>01/04/2024</a:t>
             </a:fld>
             <a:endParaRPr lang="pt-BR"/>
           </a:p>
@@ -17111,6 +17127,5901 @@
 </p:sld>
 </file>
 
+<file path=ppt/slides/slide25.xml><?xml version="1.0" encoding="utf-8"?>
+<p:sld xmlns:a="http://schemas.openxmlformats.org/drawingml/2006/main" xmlns:r="http://schemas.openxmlformats.org/officeDocument/2006/relationships" xmlns:p="http://schemas.openxmlformats.org/presentationml/2006/main">
+  <p:cSld>
+    <p:spTree>
+      <p:nvGrpSpPr>
+        <p:cNvPr id="1" name=""/>
+        <p:cNvGrpSpPr/>
+        <p:nvPr/>
+      </p:nvGrpSpPr>
+      <p:grpSpPr>
+        <a:xfrm>
+          <a:off x="0" y="0"/>
+          <a:ext cx="0" cy="0"/>
+          <a:chOff x="0" y="0"/>
+          <a:chExt cx="0" cy="0"/>
+        </a:xfrm>
+      </p:grpSpPr>
+      <p:sp>
+        <p:nvSpPr>
+          <p:cNvPr id="2" name="Título 1">
+            <a:extLst>
+              <a:ext uri="{FF2B5EF4-FFF2-40B4-BE49-F238E27FC236}">
+                <a16:creationId xmlns:a16="http://schemas.microsoft.com/office/drawing/2014/main" id="{AE3EA2E6-2E1F-4910-80F5-FEA8176D6347}"/>
+              </a:ext>
+            </a:extLst>
+          </p:cNvPr>
+          <p:cNvSpPr>
+            <a:spLocks noGrp="1"/>
+          </p:cNvSpPr>
+          <p:nvPr>
+            <p:ph type="title"/>
+          </p:nvPr>
+        </p:nvSpPr>
+        <p:spPr/>
+        <p:txBody>
+          <a:bodyPr/>
+          <a:lstStyle/>
+          <a:p>
+            <a:pPr algn="r"/>
+            <a:r>
+              <a:rPr lang="pt-BR" dirty="0">
+                <a:solidFill>
+                  <a:prstClr val="black"/>
+                </a:solidFill>
+              </a:rPr>
+              <a:t>Criação da Tabela</a:t>
+            </a:r>
+            <a:br>
+              <a:rPr lang="pt-BR" dirty="0">
+                <a:solidFill>
+                  <a:prstClr val="black"/>
+                </a:solidFill>
+              </a:rPr>
+            </a:br>
+            <a:r>
+              <a:rPr lang="pt-BR" sz="2400" dirty="0">
+                <a:solidFill>
+                  <a:prstClr val="black"/>
+                </a:solidFill>
+              </a:rPr>
+              <a:t>(Edição de Célula)</a:t>
+            </a:r>
+            <a:endParaRPr lang="pt-BR" dirty="0"/>
+          </a:p>
+        </p:txBody>
+      </p:sp>
+      <p:sp>
+        <p:nvSpPr>
+          <p:cNvPr id="3" name="Espaço Reservado para Conteúdo 2">
+            <a:extLst>
+              <a:ext uri="{FF2B5EF4-FFF2-40B4-BE49-F238E27FC236}">
+                <a16:creationId xmlns:a16="http://schemas.microsoft.com/office/drawing/2014/main" id="{76A075FF-5552-4825-A833-DC93985E762E}"/>
+              </a:ext>
+            </a:extLst>
+          </p:cNvPr>
+          <p:cNvSpPr>
+            <a:spLocks noGrp="1"/>
+          </p:cNvSpPr>
+          <p:nvPr>
+            <p:ph idx="1"/>
+          </p:nvPr>
+        </p:nvSpPr>
+        <p:spPr/>
+        <p:txBody>
+          <a:bodyPr>
+            <a:normAutofit lnSpcReduction="10000"/>
+          </a:bodyPr>
+          <a:lstStyle/>
+          <a:p>
+            <a:pPr marL="0" lvl="0" indent="0">
+              <a:lnSpc>
+                <a:spcPct val="100000"/>
+              </a:lnSpc>
+              <a:spcBef>
+                <a:spcPts val="0"/>
+              </a:spcBef>
+              <a:buNone/>
+            </a:pPr>
+            <a:r>
+              <a:rPr lang="pt-BR" sz="1200" b="1" dirty="0">
+                <a:latin typeface="Courier New" panose="02070309020205020404" pitchFamily="49" charset="0"/>
+                <a:cs typeface="Courier New" panose="02070309020205020404" pitchFamily="49" charset="0"/>
+              </a:rPr>
+              <a:t>// </a:t>
+            </a:r>
+            <a:r>
+              <a:rPr lang="pt-BR" sz="1200" b="1" dirty="0" err="1">
+                <a:latin typeface="Courier New" panose="02070309020205020404" pitchFamily="49" charset="0"/>
+                <a:cs typeface="Courier New" panose="02070309020205020404" pitchFamily="49" charset="0"/>
+              </a:rPr>
+              <a:t>constructor</a:t>
+            </a:r>
+            <a:endParaRPr lang="pt-BR" sz="1200" b="1" dirty="0">
+              <a:latin typeface="Courier New" panose="02070309020205020404" pitchFamily="49" charset="0"/>
+              <a:cs typeface="Courier New" panose="02070309020205020404" pitchFamily="49" charset="0"/>
+            </a:endParaRPr>
+          </a:p>
+          <a:p>
+            <a:pPr marL="0" lvl="0" indent="0">
+              <a:lnSpc>
+                <a:spcPct val="100000"/>
+              </a:lnSpc>
+              <a:spcBef>
+                <a:spcPts val="0"/>
+              </a:spcBef>
+              <a:buNone/>
+            </a:pPr>
+            <a:r>
+              <a:rPr lang="pt-BR" sz="1200" b="1" dirty="0">
+                <a:latin typeface="Courier New" panose="02070309020205020404" pitchFamily="49" charset="0"/>
+                <a:cs typeface="Courier New" panose="02070309020205020404" pitchFamily="49" charset="0"/>
+              </a:rPr>
+              <a:t>// </a:t>
+            </a:r>
+          </a:p>
+          <a:p>
+            <a:pPr marL="0" lvl="0" indent="0">
+              <a:lnSpc>
+                <a:spcPct val="100000"/>
+              </a:lnSpc>
+              <a:spcBef>
+                <a:spcPts val="0"/>
+              </a:spcBef>
+              <a:buNone/>
+            </a:pPr>
+            <a:r>
+              <a:rPr lang="pt-BR" sz="1200" b="1" dirty="0">
+                <a:latin typeface="Courier New" panose="02070309020205020404" pitchFamily="49" charset="0"/>
+                <a:cs typeface="Courier New" panose="02070309020205020404" pitchFamily="49" charset="0"/>
+              </a:rPr>
+              <a:t>// acrescentar estado </a:t>
+            </a:r>
+            <a:r>
+              <a:rPr lang="pt-BR" sz="1200" b="1" dirty="0" err="1">
+                <a:latin typeface="Courier New" panose="02070309020205020404" pitchFamily="49" charset="0"/>
+                <a:cs typeface="Courier New" panose="02070309020205020404" pitchFamily="49" charset="0"/>
+              </a:rPr>
+              <a:t>edit</a:t>
+            </a:r>
+            <a:r>
+              <a:rPr lang="pt-BR" sz="1200" b="1" dirty="0">
+                <a:latin typeface="Courier New" panose="02070309020205020404" pitchFamily="49" charset="0"/>
+                <a:cs typeface="Courier New" panose="02070309020205020404" pitchFamily="49" charset="0"/>
+              </a:rPr>
+              <a:t> e manipulador para </a:t>
+            </a:r>
+            <a:r>
+              <a:rPr lang="pt-BR" sz="1200" b="1" dirty="0" err="1">
+                <a:latin typeface="Courier New" panose="02070309020205020404" pitchFamily="49" charset="0"/>
+                <a:cs typeface="Courier New" panose="02070309020205020404" pitchFamily="49" charset="0"/>
+              </a:rPr>
+              <a:t>double</a:t>
+            </a:r>
+            <a:r>
+              <a:rPr lang="pt-BR" sz="1200" b="1" dirty="0">
+                <a:latin typeface="Courier New" panose="02070309020205020404" pitchFamily="49" charset="0"/>
+                <a:cs typeface="Courier New" panose="02070309020205020404" pitchFamily="49" charset="0"/>
+              </a:rPr>
+              <a:t> click</a:t>
+            </a:r>
+          </a:p>
+          <a:p>
+            <a:pPr marL="0" lvl="0" indent="0">
+              <a:lnSpc>
+                <a:spcPct val="100000"/>
+              </a:lnSpc>
+              <a:spcBef>
+                <a:spcPts val="0"/>
+              </a:spcBef>
+              <a:buNone/>
+            </a:pPr>
+            <a:r>
+              <a:rPr lang="pt-BR" sz="1200" b="1" dirty="0">
+                <a:latin typeface="Courier New" panose="02070309020205020404" pitchFamily="49" charset="0"/>
+                <a:cs typeface="Courier New" panose="02070309020205020404" pitchFamily="49" charset="0"/>
+              </a:rPr>
+              <a:t>//</a:t>
+            </a:r>
+          </a:p>
+          <a:p>
+            <a:pPr marL="0" indent="0">
+              <a:buNone/>
+            </a:pPr>
+            <a:r>
+              <a:rPr lang="pt-BR" sz="1050" dirty="0">
+                <a:solidFill>
+                  <a:srgbClr val="CCCCCC"/>
+                </a:solidFill>
+                <a:latin typeface="Courier New" panose="02070309020205020404" pitchFamily="49" charset="0"/>
+                <a:cs typeface="Courier New" panose="02070309020205020404" pitchFamily="49" charset="0"/>
+              </a:rPr>
+              <a:t>        </a:t>
+            </a:r>
+            <a:r>
+              <a:rPr lang="pt-BR" sz="1050" dirty="0" err="1">
+                <a:solidFill>
+                  <a:srgbClr val="569CD6"/>
+                </a:solidFill>
+                <a:latin typeface="Courier New" panose="02070309020205020404" pitchFamily="49" charset="0"/>
+                <a:cs typeface="Courier New" panose="02070309020205020404" pitchFamily="49" charset="0"/>
+              </a:rPr>
+              <a:t>this</a:t>
+            </a:r>
+            <a:r>
+              <a:rPr lang="pt-BR" sz="1050" dirty="0" err="1">
+                <a:solidFill>
+                  <a:srgbClr val="CCCCCC"/>
+                </a:solidFill>
+                <a:latin typeface="Courier New" panose="02070309020205020404" pitchFamily="49" charset="0"/>
+                <a:cs typeface="Courier New" panose="02070309020205020404" pitchFamily="49" charset="0"/>
+              </a:rPr>
+              <a:t>.</a:t>
+            </a:r>
+            <a:r>
+              <a:rPr lang="pt-BR" sz="1050" dirty="0" err="1">
+                <a:solidFill>
+                  <a:srgbClr val="9CDCFE"/>
+                </a:solidFill>
+                <a:latin typeface="Courier New" panose="02070309020205020404" pitchFamily="49" charset="0"/>
+                <a:cs typeface="Courier New" panose="02070309020205020404" pitchFamily="49" charset="0"/>
+              </a:rPr>
+              <a:t>state</a:t>
+            </a:r>
+            <a:r>
+              <a:rPr lang="pt-BR" sz="1050" dirty="0">
+                <a:solidFill>
+                  <a:srgbClr val="CCCCCC"/>
+                </a:solidFill>
+                <a:latin typeface="Courier New" panose="02070309020205020404" pitchFamily="49" charset="0"/>
+                <a:cs typeface="Courier New" panose="02070309020205020404" pitchFamily="49" charset="0"/>
+              </a:rPr>
+              <a:t> </a:t>
+            </a:r>
+            <a:r>
+              <a:rPr lang="pt-BR" sz="1050" dirty="0">
+                <a:solidFill>
+                  <a:srgbClr val="D4D4D4"/>
+                </a:solidFill>
+                <a:latin typeface="Courier New" panose="02070309020205020404" pitchFamily="49" charset="0"/>
+                <a:cs typeface="Courier New" panose="02070309020205020404" pitchFamily="49" charset="0"/>
+              </a:rPr>
+              <a:t>=</a:t>
+            </a:r>
+            <a:r>
+              <a:rPr lang="pt-BR" sz="1050" dirty="0">
+                <a:solidFill>
+                  <a:srgbClr val="CCCCCC"/>
+                </a:solidFill>
+                <a:latin typeface="Courier New" panose="02070309020205020404" pitchFamily="49" charset="0"/>
+                <a:cs typeface="Courier New" panose="02070309020205020404" pitchFamily="49" charset="0"/>
+              </a:rPr>
+              <a:t> {</a:t>
+            </a:r>
+          </a:p>
+          <a:p>
+            <a:pPr marL="0" indent="0">
+              <a:buNone/>
+            </a:pPr>
+            <a:r>
+              <a:rPr lang="pt-BR" sz="1050" dirty="0">
+                <a:solidFill>
+                  <a:srgbClr val="CCCCCC"/>
+                </a:solidFill>
+                <a:latin typeface="Courier New" panose="02070309020205020404" pitchFamily="49" charset="0"/>
+                <a:cs typeface="Courier New" panose="02070309020205020404" pitchFamily="49" charset="0"/>
+              </a:rPr>
+              <a:t>            </a:t>
+            </a:r>
+            <a:r>
+              <a:rPr lang="pt-BR" sz="1050" dirty="0" err="1">
+                <a:solidFill>
+                  <a:srgbClr val="9CDCFE"/>
+                </a:solidFill>
+                <a:latin typeface="Courier New" panose="02070309020205020404" pitchFamily="49" charset="0"/>
+                <a:cs typeface="Courier New" panose="02070309020205020404" pitchFamily="49" charset="0"/>
+              </a:rPr>
+              <a:t>caption</a:t>
+            </a:r>
+            <a:r>
+              <a:rPr lang="pt-BR" sz="1050" dirty="0">
+                <a:solidFill>
+                  <a:srgbClr val="9CDCFE"/>
+                </a:solidFill>
+                <a:latin typeface="Courier New" panose="02070309020205020404" pitchFamily="49" charset="0"/>
+                <a:cs typeface="Courier New" panose="02070309020205020404" pitchFamily="49" charset="0"/>
+              </a:rPr>
+              <a:t>:</a:t>
+            </a:r>
+            <a:r>
+              <a:rPr lang="pt-BR" sz="1050" dirty="0">
+                <a:solidFill>
+                  <a:srgbClr val="CCCCCC"/>
+                </a:solidFill>
+                <a:latin typeface="Courier New" panose="02070309020205020404" pitchFamily="49" charset="0"/>
+                <a:cs typeface="Courier New" panose="02070309020205020404" pitchFamily="49" charset="0"/>
+              </a:rPr>
+              <a:t> </a:t>
+            </a:r>
+            <a:r>
+              <a:rPr lang="pt-BR" sz="1050" dirty="0" err="1">
+                <a:solidFill>
+                  <a:srgbClr val="9CDCFE"/>
+                </a:solidFill>
+                <a:latin typeface="Courier New" panose="02070309020205020404" pitchFamily="49" charset="0"/>
+                <a:cs typeface="Courier New" panose="02070309020205020404" pitchFamily="49" charset="0"/>
+              </a:rPr>
+              <a:t>props</a:t>
+            </a:r>
+            <a:r>
+              <a:rPr lang="pt-BR" sz="1050" dirty="0" err="1">
+                <a:solidFill>
+                  <a:srgbClr val="CCCCCC"/>
+                </a:solidFill>
+                <a:latin typeface="Courier New" panose="02070309020205020404" pitchFamily="49" charset="0"/>
+                <a:cs typeface="Courier New" panose="02070309020205020404" pitchFamily="49" charset="0"/>
+              </a:rPr>
+              <a:t>.</a:t>
+            </a:r>
+            <a:r>
+              <a:rPr lang="pt-BR" sz="1050" dirty="0" err="1">
+                <a:solidFill>
+                  <a:srgbClr val="9CDCFE"/>
+                </a:solidFill>
+                <a:latin typeface="Courier New" panose="02070309020205020404" pitchFamily="49" charset="0"/>
+                <a:cs typeface="Courier New" panose="02070309020205020404" pitchFamily="49" charset="0"/>
+              </a:rPr>
+              <a:t>caption</a:t>
+            </a:r>
+            <a:r>
+              <a:rPr lang="pt-BR" sz="1050" dirty="0">
+                <a:solidFill>
+                  <a:srgbClr val="CCCCCC"/>
+                </a:solidFill>
+                <a:latin typeface="Courier New" panose="02070309020205020404" pitchFamily="49" charset="0"/>
+                <a:cs typeface="Courier New" panose="02070309020205020404" pitchFamily="49" charset="0"/>
+              </a:rPr>
+              <a:t>,</a:t>
+            </a:r>
+          </a:p>
+          <a:p>
+            <a:pPr marL="0" indent="0">
+              <a:buNone/>
+            </a:pPr>
+            <a:r>
+              <a:rPr lang="pt-BR" sz="1050" dirty="0">
+                <a:solidFill>
+                  <a:srgbClr val="CCCCCC"/>
+                </a:solidFill>
+                <a:latin typeface="Courier New" panose="02070309020205020404" pitchFamily="49" charset="0"/>
+                <a:cs typeface="Courier New" panose="02070309020205020404" pitchFamily="49" charset="0"/>
+              </a:rPr>
+              <a:t>            </a:t>
+            </a:r>
+            <a:r>
+              <a:rPr lang="pt-BR" sz="1050" dirty="0">
+                <a:solidFill>
+                  <a:srgbClr val="9CDCFE"/>
+                </a:solidFill>
+                <a:latin typeface="Courier New" panose="02070309020205020404" pitchFamily="49" charset="0"/>
+                <a:cs typeface="Courier New" panose="02070309020205020404" pitchFamily="49" charset="0"/>
+              </a:rPr>
+              <a:t>header:</a:t>
+            </a:r>
+            <a:r>
+              <a:rPr lang="pt-BR" sz="1050" dirty="0">
+                <a:solidFill>
+                  <a:srgbClr val="CCCCCC"/>
+                </a:solidFill>
+                <a:latin typeface="Courier New" panose="02070309020205020404" pitchFamily="49" charset="0"/>
+                <a:cs typeface="Courier New" panose="02070309020205020404" pitchFamily="49" charset="0"/>
+              </a:rPr>
+              <a:t> </a:t>
+            </a:r>
+            <a:r>
+              <a:rPr lang="pt-BR" sz="1050" dirty="0" err="1">
+                <a:solidFill>
+                  <a:srgbClr val="9CDCFE"/>
+                </a:solidFill>
+                <a:latin typeface="Courier New" panose="02070309020205020404" pitchFamily="49" charset="0"/>
+                <a:cs typeface="Courier New" panose="02070309020205020404" pitchFamily="49" charset="0"/>
+              </a:rPr>
+              <a:t>props</a:t>
+            </a:r>
+            <a:r>
+              <a:rPr lang="pt-BR" sz="1050" dirty="0" err="1">
+                <a:solidFill>
+                  <a:srgbClr val="CCCCCC"/>
+                </a:solidFill>
+                <a:latin typeface="Courier New" panose="02070309020205020404" pitchFamily="49" charset="0"/>
+                <a:cs typeface="Courier New" panose="02070309020205020404" pitchFamily="49" charset="0"/>
+              </a:rPr>
+              <a:t>.</a:t>
+            </a:r>
+            <a:r>
+              <a:rPr lang="pt-BR" sz="1050" dirty="0" err="1">
+                <a:solidFill>
+                  <a:srgbClr val="9CDCFE"/>
+                </a:solidFill>
+                <a:latin typeface="Courier New" panose="02070309020205020404" pitchFamily="49" charset="0"/>
+                <a:cs typeface="Courier New" panose="02070309020205020404" pitchFamily="49" charset="0"/>
+              </a:rPr>
+              <a:t>header</a:t>
+            </a:r>
+            <a:r>
+              <a:rPr lang="pt-BR" sz="1050" dirty="0">
+                <a:solidFill>
+                  <a:srgbClr val="CCCCCC"/>
+                </a:solidFill>
+                <a:latin typeface="Courier New" panose="02070309020205020404" pitchFamily="49" charset="0"/>
+                <a:cs typeface="Courier New" panose="02070309020205020404" pitchFamily="49" charset="0"/>
+              </a:rPr>
+              <a:t>,</a:t>
+            </a:r>
+          </a:p>
+          <a:p>
+            <a:pPr marL="0" indent="0">
+              <a:buNone/>
+            </a:pPr>
+            <a:r>
+              <a:rPr lang="pt-BR" sz="1050" dirty="0">
+                <a:solidFill>
+                  <a:srgbClr val="CCCCCC"/>
+                </a:solidFill>
+                <a:latin typeface="Courier New" panose="02070309020205020404" pitchFamily="49" charset="0"/>
+                <a:cs typeface="Courier New" panose="02070309020205020404" pitchFamily="49" charset="0"/>
+              </a:rPr>
+              <a:t>            </a:t>
+            </a:r>
+            <a:r>
+              <a:rPr lang="pt-BR" sz="1050" dirty="0">
+                <a:solidFill>
+                  <a:srgbClr val="9CDCFE"/>
+                </a:solidFill>
+                <a:latin typeface="Courier New" panose="02070309020205020404" pitchFamily="49" charset="0"/>
+                <a:cs typeface="Courier New" panose="02070309020205020404" pitchFamily="49" charset="0"/>
+              </a:rPr>
+              <a:t>data:</a:t>
+            </a:r>
+            <a:r>
+              <a:rPr lang="pt-BR" sz="1050" dirty="0">
+                <a:solidFill>
+                  <a:srgbClr val="CCCCCC"/>
+                </a:solidFill>
+                <a:latin typeface="Courier New" panose="02070309020205020404" pitchFamily="49" charset="0"/>
+                <a:cs typeface="Courier New" panose="02070309020205020404" pitchFamily="49" charset="0"/>
+              </a:rPr>
+              <a:t> </a:t>
+            </a:r>
+            <a:r>
+              <a:rPr lang="pt-BR" sz="1050" dirty="0" err="1">
+                <a:solidFill>
+                  <a:srgbClr val="9CDCFE"/>
+                </a:solidFill>
+                <a:latin typeface="Courier New" panose="02070309020205020404" pitchFamily="49" charset="0"/>
+                <a:cs typeface="Courier New" panose="02070309020205020404" pitchFamily="49" charset="0"/>
+              </a:rPr>
+              <a:t>props</a:t>
+            </a:r>
+            <a:r>
+              <a:rPr lang="pt-BR" sz="1050" dirty="0" err="1">
+                <a:solidFill>
+                  <a:srgbClr val="CCCCCC"/>
+                </a:solidFill>
+                <a:latin typeface="Courier New" panose="02070309020205020404" pitchFamily="49" charset="0"/>
+                <a:cs typeface="Courier New" panose="02070309020205020404" pitchFamily="49" charset="0"/>
+              </a:rPr>
+              <a:t>.</a:t>
+            </a:r>
+            <a:r>
+              <a:rPr lang="pt-BR" sz="1050" dirty="0" err="1">
+                <a:solidFill>
+                  <a:srgbClr val="9CDCFE"/>
+                </a:solidFill>
+                <a:latin typeface="Courier New" panose="02070309020205020404" pitchFamily="49" charset="0"/>
+                <a:cs typeface="Courier New" panose="02070309020205020404" pitchFamily="49" charset="0"/>
+              </a:rPr>
+              <a:t>data</a:t>
+            </a:r>
+            <a:r>
+              <a:rPr lang="pt-BR" sz="1050" dirty="0">
+                <a:solidFill>
+                  <a:srgbClr val="CCCCCC"/>
+                </a:solidFill>
+                <a:latin typeface="Courier New" panose="02070309020205020404" pitchFamily="49" charset="0"/>
+                <a:cs typeface="Courier New" panose="02070309020205020404" pitchFamily="49" charset="0"/>
+              </a:rPr>
+              <a:t>,</a:t>
+            </a:r>
+          </a:p>
+          <a:p>
+            <a:pPr marL="0" indent="0">
+              <a:buNone/>
+            </a:pPr>
+            <a:r>
+              <a:rPr lang="pt-BR" sz="1050" dirty="0">
+                <a:solidFill>
+                  <a:srgbClr val="CCCCCC"/>
+                </a:solidFill>
+                <a:latin typeface="Courier New" panose="02070309020205020404" pitchFamily="49" charset="0"/>
+                <a:cs typeface="Courier New" panose="02070309020205020404" pitchFamily="49" charset="0"/>
+              </a:rPr>
+              <a:t>            </a:t>
+            </a:r>
+            <a:r>
+              <a:rPr lang="pt-BR" sz="1050" dirty="0" err="1">
+                <a:solidFill>
+                  <a:srgbClr val="9CDCFE"/>
+                </a:solidFill>
+                <a:latin typeface="Courier New" panose="02070309020205020404" pitchFamily="49" charset="0"/>
+                <a:cs typeface="Courier New" panose="02070309020205020404" pitchFamily="49" charset="0"/>
+              </a:rPr>
+              <a:t>sortby</a:t>
+            </a:r>
+            <a:r>
+              <a:rPr lang="pt-BR" sz="1050" dirty="0">
+                <a:solidFill>
+                  <a:srgbClr val="9CDCFE"/>
+                </a:solidFill>
+                <a:latin typeface="Courier New" panose="02070309020205020404" pitchFamily="49" charset="0"/>
+                <a:cs typeface="Courier New" panose="02070309020205020404" pitchFamily="49" charset="0"/>
+              </a:rPr>
+              <a:t>:</a:t>
+            </a:r>
+            <a:r>
+              <a:rPr lang="pt-BR" sz="1050" dirty="0">
+                <a:solidFill>
+                  <a:srgbClr val="CCCCCC"/>
+                </a:solidFill>
+                <a:latin typeface="Courier New" panose="02070309020205020404" pitchFamily="49" charset="0"/>
+                <a:cs typeface="Courier New" panose="02070309020205020404" pitchFamily="49" charset="0"/>
+              </a:rPr>
+              <a:t> </a:t>
+            </a:r>
+            <a:r>
+              <a:rPr lang="pt-BR" sz="1050" dirty="0" err="1">
+                <a:solidFill>
+                  <a:srgbClr val="569CD6"/>
+                </a:solidFill>
+                <a:latin typeface="Courier New" panose="02070309020205020404" pitchFamily="49" charset="0"/>
+                <a:cs typeface="Courier New" panose="02070309020205020404" pitchFamily="49" charset="0"/>
+              </a:rPr>
+              <a:t>null</a:t>
+            </a:r>
+            <a:r>
+              <a:rPr lang="pt-BR" sz="1050" dirty="0">
+                <a:solidFill>
+                  <a:srgbClr val="CCCCCC"/>
+                </a:solidFill>
+                <a:latin typeface="Courier New" panose="02070309020205020404" pitchFamily="49" charset="0"/>
+                <a:cs typeface="Courier New" panose="02070309020205020404" pitchFamily="49" charset="0"/>
+              </a:rPr>
+              <a:t>,</a:t>
+            </a:r>
+          </a:p>
+          <a:p>
+            <a:pPr marL="0" indent="0">
+              <a:buNone/>
+            </a:pPr>
+            <a:r>
+              <a:rPr lang="pt-BR" sz="1050" dirty="0">
+                <a:solidFill>
+                  <a:srgbClr val="CCCCCC"/>
+                </a:solidFill>
+                <a:latin typeface="Courier New" panose="02070309020205020404" pitchFamily="49" charset="0"/>
+                <a:cs typeface="Courier New" panose="02070309020205020404" pitchFamily="49" charset="0"/>
+              </a:rPr>
+              <a:t>            </a:t>
+            </a:r>
+            <a:r>
+              <a:rPr lang="pt-BR" sz="1050" dirty="0" err="1">
+                <a:solidFill>
+                  <a:srgbClr val="9CDCFE"/>
+                </a:solidFill>
+                <a:latin typeface="Courier New" panose="02070309020205020404" pitchFamily="49" charset="0"/>
+                <a:cs typeface="Courier New" panose="02070309020205020404" pitchFamily="49" charset="0"/>
+              </a:rPr>
+              <a:t>descending</a:t>
+            </a:r>
+            <a:r>
+              <a:rPr lang="pt-BR" sz="1050" dirty="0">
+                <a:solidFill>
+                  <a:srgbClr val="9CDCFE"/>
+                </a:solidFill>
+                <a:latin typeface="Courier New" panose="02070309020205020404" pitchFamily="49" charset="0"/>
+                <a:cs typeface="Courier New" panose="02070309020205020404" pitchFamily="49" charset="0"/>
+              </a:rPr>
+              <a:t>:</a:t>
+            </a:r>
+            <a:r>
+              <a:rPr lang="pt-BR" sz="1050" dirty="0">
+                <a:solidFill>
+                  <a:srgbClr val="CCCCCC"/>
+                </a:solidFill>
+                <a:latin typeface="Courier New" panose="02070309020205020404" pitchFamily="49" charset="0"/>
+                <a:cs typeface="Courier New" panose="02070309020205020404" pitchFamily="49" charset="0"/>
+              </a:rPr>
+              <a:t> </a:t>
+            </a:r>
+            <a:r>
+              <a:rPr lang="pt-BR" sz="1050" dirty="0">
+                <a:solidFill>
+                  <a:srgbClr val="569CD6"/>
+                </a:solidFill>
+                <a:latin typeface="Courier New" panose="02070309020205020404" pitchFamily="49" charset="0"/>
+                <a:cs typeface="Courier New" panose="02070309020205020404" pitchFamily="49" charset="0"/>
+              </a:rPr>
+              <a:t>false</a:t>
+            </a:r>
+            <a:r>
+              <a:rPr lang="pt-BR" sz="1050" dirty="0">
+                <a:solidFill>
+                  <a:srgbClr val="CCCCCC"/>
+                </a:solidFill>
+                <a:latin typeface="Courier New" panose="02070309020205020404" pitchFamily="49" charset="0"/>
+                <a:cs typeface="Courier New" panose="02070309020205020404" pitchFamily="49" charset="0"/>
+              </a:rPr>
+              <a:t>,</a:t>
+            </a:r>
+          </a:p>
+          <a:p>
+            <a:pPr marL="0" indent="0">
+              <a:buNone/>
+            </a:pPr>
+            <a:r>
+              <a:rPr lang="pt-BR" sz="1050" b="1" dirty="0">
+                <a:solidFill>
+                  <a:srgbClr val="FF0000"/>
+                </a:solidFill>
+                <a:latin typeface="Courier New" panose="02070309020205020404" pitchFamily="49" charset="0"/>
+                <a:cs typeface="Courier New" panose="02070309020205020404" pitchFamily="49" charset="0"/>
+              </a:rPr>
+              <a:t>            </a:t>
+            </a:r>
+            <a:r>
+              <a:rPr lang="pt-BR" sz="1050" b="1" dirty="0" err="1">
+                <a:solidFill>
+                  <a:srgbClr val="FF0000"/>
+                </a:solidFill>
+                <a:latin typeface="Courier New" panose="02070309020205020404" pitchFamily="49" charset="0"/>
+                <a:cs typeface="Courier New" panose="02070309020205020404" pitchFamily="49" charset="0"/>
+              </a:rPr>
+              <a:t>edit</a:t>
+            </a:r>
+            <a:r>
+              <a:rPr lang="pt-BR" sz="1050" b="1" dirty="0">
+                <a:solidFill>
+                  <a:srgbClr val="FF0000"/>
+                </a:solidFill>
+                <a:latin typeface="Courier New" panose="02070309020205020404" pitchFamily="49" charset="0"/>
+                <a:cs typeface="Courier New" panose="02070309020205020404" pitchFamily="49" charset="0"/>
+              </a:rPr>
+              <a:t>: {</a:t>
+            </a:r>
+          </a:p>
+          <a:p>
+            <a:pPr marL="0" indent="0">
+              <a:buNone/>
+            </a:pPr>
+            <a:r>
+              <a:rPr lang="pt-BR" sz="1050" b="1" dirty="0">
+                <a:solidFill>
+                  <a:srgbClr val="FF0000"/>
+                </a:solidFill>
+                <a:latin typeface="Courier New" panose="02070309020205020404" pitchFamily="49" charset="0"/>
+                <a:cs typeface="Courier New" panose="02070309020205020404" pitchFamily="49" charset="0"/>
+              </a:rPr>
+              <a:t>                </a:t>
+            </a:r>
+            <a:r>
+              <a:rPr lang="pt-BR" sz="1050" b="1" dirty="0" err="1">
+                <a:solidFill>
+                  <a:srgbClr val="FF0000"/>
+                </a:solidFill>
+                <a:latin typeface="Courier New" panose="02070309020205020404" pitchFamily="49" charset="0"/>
+                <a:cs typeface="Courier New" panose="02070309020205020404" pitchFamily="49" charset="0"/>
+              </a:rPr>
+              <a:t>row</a:t>
+            </a:r>
+            <a:r>
+              <a:rPr lang="pt-BR" sz="1050" b="1" dirty="0">
+                <a:solidFill>
+                  <a:srgbClr val="FF0000"/>
+                </a:solidFill>
+                <a:latin typeface="Courier New" panose="02070309020205020404" pitchFamily="49" charset="0"/>
+                <a:cs typeface="Courier New" panose="02070309020205020404" pitchFamily="49" charset="0"/>
+              </a:rPr>
+              <a:t>: -1,</a:t>
+            </a:r>
+          </a:p>
+          <a:p>
+            <a:pPr marL="0" indent="0">
+              <a:buNone/>
+            </a:pPr>
+            <a:r>
+              <a:rPr lang="pt-BR" sz="1050" b="1" dirty="0">
+                <a:solidFill>
+                  <a:srgbClr val="FF0000"/>
+                </a:solidFill>
+                <a:latin typeface="Courier New" panose="02070309020205020404" pitchFamily="49" charset="0"/>
+                <a:cs typeface="Courier New" panose="02070309020205020404" pitchFamily="49" charset="0"/>
+              </a:rPr>
+              <a:t>                </a:t>
+            </a:r>
+            <a:r>
+              <a:rPr lang="pt-BR" sz="1050" b="1" dirty="0" err="1">
+                <a:solidFill>
+                  <a:srgbClr val="FF0000"/>
+                </a:solidFill>
+                <a:latin typeface="Courier New" panose="02070309020205020404" pitchFamily="49" charset="0"/>
+                <a:cs typeface="Courier New" panose="02070309020205020404" pitchFamily="49" charset="0"/>
+              </a:rPr>
+              <a:t>column</a:t>
+            </a:r>
+            <a:r>
+              <a:rPr lang="pt-BR" sz="1050" b="1" dirty="0">
+                <a:solidFill>
+                  <a:srgbClr val="FF0000"/>
+                </a:solidFill>
+                <a:latin typeface="Courier New" panose="02070309020205020404" pitchFamily="49" charset="0"/>
+                <a:cs typeface="Courier New" panose="02070309020205020404" pitchFamily="49" charset="0"/>
+              </a:rPr>
+              <a:t>: -1,</a:t>
+            </a:r>
+          </a:p>
+          <a:p>
+            <a:pPr marL="0" indent="0">
+              <a:buNone/>
+            </a:pPr>
+            <a:r>
+              <a:rPr lang="pt-BR" sz="1050" b="1" dirty="0">
+                <a:solidFill>
+                  <a:srgbClr val="FF0000"/>
+                </a:solidFill>
+                <a:latin typeface="Courier New" panose="02070309020205020404" pitchFamily="49" charset="0"/>
+                <a:cs typeface="Courier New" panose="02070309020205020404" pitchFamily="49" charset="0"/>
+              </a:rPr>
+              <a:t>            },</a:t>
+            </a:r>
+          </a:p>
+          <a:p>
+            <a:pPr marL="0" indent="0">
+              <a:buNone/>
+            </a:pPr>
+            <a:r>
+              <a:rPr lang="pt-BR" sz="1050" dirty="0">
+                <a:solidFill>
+                  <a:srgbClr val="CCCCCC"/>
+                </a:solidFill>
+                <a:latin typeface="Courier New" panose="02070309020205020404" pitchFamily="49" charset="0"/>
+                <a:cs typeface="Courier New" panose="02070309020205020404" pitchFamily="49" charset="0"/>
+              </a:rPr>
+              <a:t>        };</a:t>
+            </a:r>
+          </a:p>
+          <a:p>
+            <a:pPr marL="0" indent="0">
+              <a:buNone/>
+            </a:pPr>
+            <a:r>
+              <a:rPr lang="pt-BR" sz="1200" dirty="0">
+                <a:solidFill>
+                  <a:srgbClr val="CCCCCC"/>
+                </a:solidFill>
+                <a:latin typeface="Courier New" panose="02070309020205020404" pitchFamily="49" charset="0"/>
+                <a:cs typeface="Courier New" panose="02070309020205020404" pitchFamily="49" charset="0"/>
+              </a:rPr>
+              <a:t>       ...</a:t>
+            </a:r>
+          </a:p>
+          <a:p>
+            <a:pPr marL="0" indent="0">
+              <a:buNone/>
+            </a:pPr>
+            <a:r>
+              <a:rPr lang="en-US" sz="1200" dirty="0">
+                <a:solidFill>
+                  <a:srgbClr val="CCCCCC"/>
+                </a:solidFill>
+                <a:latin typeface="Courier New" panose="02070309020205020404" pitchFamily="49" charset="0"/>
+                <a:cs typeface="Courier New" panose="02070309020205020404" pitchFamily="49" charset="0"/>
+              </a:rPr>
+              <a:t>       </a:t>
+            </a:r>
+            <a:r>
+              <a:rPr lang="en-US" sz="1050" b="1" dirty="0" err="1">
+                <a:solidFill>
+                  <a:srgbClr val="FF0000"/>
+                </a:solidFill>
+                <a:latin typeface="Courier New" panose="02070309020205020404" pitchFamily="49" charset="0"/>
+                <a:cs typeface="Courier New" panose="02070309020205020404" pitchFamily="49" charset="0"/>
+              </a:rPr>
+              <a:t>this.onDoubleClick</a:t>
+            </a:r>
+            <a:r>
+              <a:rPr lang="en-US" sz="1050" b="1" dirty="0">
+                <a:solidFill>
+                  <a:srgbClr val="FF0000"/>
+                </a:solidFill>
+                <a:latin typeface="Courier New" panose="02070309020205020404" pitchFamily="49" charset="0"/>
+                <a:cs typeface="Courier New" panose="02070309020205020404" pitchFamily="49" charset="0"/>
+              </a:rPr>
+              <a:t> = </a:t>
+            </a:r>
+            <a:r>
+              <a:rPr lang="en-US" sz="1050" b="1" dirty="0" err="1">
+                <a:solidFill>
+                  <a:srgbClr val="FF0000"/>
+                </a:solidFill>
+                <a:latin typeface="Courier New" panose="02070309020205020404" pitchFamily="49" charset="0"/>
+                <a:cs typeface="Courier New" panose="02070309020205020404" pitchFamily="49" charset="0"/>
+              </a:rPr>
+              <a:t>this.onDoubleClick.bind</a:t>
+            </a:r>
+            <a:r>
+              <a:rPr lang="en-US" sz="1050" b="1" dirty="0">
+                <a:solidFill>
+                  <a:srgbClr val="FF0000"/>
+                </a:solidFill>
+                <a:latin typeface="Courier New" panose="02070309020205020404" pitchFamily="49" charset="0"/>
+                <a:cs typeface="Courier New" panose="02070309020205020404" pitchFamily="49" charset="0"/>
+              </a:rPr>
+              <a:t>(this);</a:t>
+            </a:r>
+            <a:endParaRPr lang="en-US" sz="1200" b="1" dirty="0">
+              <a:solidFill>
+                <a:srgbClr val="FF0000"/>
+              </a:solidFill>
+              <a:latin typeface="Courier New" panose="02070309020205020404" pitchFamily="49" charset="0"/>
+              <a:cs typeface="Courier New" panose="02070309020205020404" pitchFamily="49" charset="0"/>
+            </a:endParaRPr>
+          </a:p>
+          <a:p>
+            <a:pPr marL="0" lvl="0" indent="0">
+              <a:lnSpc>
+                <a:spcPct val="100000"/>
+              </a:lnSpc>
+              <a:spcBef>
+                <a:spcPts val="0"/>
+              </a:spcBef>
+              <a:buNone/>
+            </a:pPr>
+            <a:endParaRPr lang="pt-BR" sz="1200" dirty="0">
+              <a:latin typeface="Courier New" panose="02070309020205020404" pitchFamily="49" charset="0"/>
+              <a:cs typeface="Courier New" panose="02070309020205020404" pitchFamily="49" charset="0"/>
+            </a:endParaRPr>
+          </a:p>
+        </p:txBody>
+      </p:sp>
+    </p:spTree>
+    <p:extLst>
+      <p:ext uri="{BB962C8B-B14F-4D97-AF65-F5344CB8AC3E}">
+        <p14:creationId xmlns:p14="http://schemas.microsoft.com/office/powerpoint/2010/main" val="4192510593"/>
+      </p:ext>
+    </p:extLst>
+  </p:cSld>
+  <p:clrMapOvr>
+    <a:masterClrMapping/>
+  </p:clrMapOvr>
+</p:sld>
+</file>
+
+<file path=ppt/slides/slide26.xml><?xml version="1.0" encoding="utf-8"?>
+<p:sld xmlns:a="http://schemas.openxmlformats.org/drawingml/2006/main" xmlns:r="http://schemas.openxmlformats.org/officeDocument/2006/relationships" xmlns:p="http://schemas.openxmlformats.org/presentationml/2006/main">
+  <p:cSld>
+    <p:spTree>
+      <p:nvGrpSpPr>
+        <p:cNvPr id="1" name=""/>
+        <p:cNvGrpSpPr/>
+        <p:nvPr/>
+      </p:nvGrpSpPr>
+      <p:grpSpPr>
+        <a:xfrm>
+          <a:off x="0" y="0"/>
+          <a:ext cx="0" cy="0"/>
+          <a:chOff x="0" y="0"/>
+          <a:chExt cx="0" cy="0"/>
+        </a:xfrm>
+      </p:grpSpPr>
+      <p:sp>
+        <p:nvSpPr>
+          <p:cNvPr id="2" name="Título 1">
+            <a:extLst>
+              <a:ext uri="{FF2B5EF4-FFF2-40B4-BE49-F238E27FC236}">
+                <a16:creationId xmlns:a16="http://schemas.microsoft.com/office/drawing/2014/main" id="{AE3EA2E6-2E1F-4910-80F5-FEA8176D6347}"/>
+              </a:ext>
+            </a:extLst>
+          </p:cNvPr>
+          <p:cNvSpPr>
+            <a:spLocks noGrp="1"/>
+          </p:cNvSpPr>
+          <p:nvPr>
+            <p:ph type="title"/>
+          </p:nvPr>
+        </p:nvSpPr>
+        <p:spPr/>
+        <p:txBody>
+          <a:bodyPr/>
+          <a:lstStyle/>
+          <a:p>
+            <a:pPr algn="r"/>
+            <a:r>
+              <a:rPr lang="pt-BR" dirty="0">
+                <a:solidFill>
+                  <a:prstClr val="black"/>
+                </a:solidFill>
+              </a:rPr>
+              <a:t>Criação da Tabela</a:t>
+            </a:r>
+            <a:br>
+              <a:rPr lang="pt-BR" dirty="0">
+                <a:solidFill>
+                  <a:prstClr val="black"/>
+                </a:solidFill>
+              </a:rPr>
+            </a:br>
+            <a:r>
+              <a:rPr lang="pt-BR" sz="2400" dirty="0">
+                <a:solidFill>
+                  <a:prstClr val="black"/>
+                </a:solidFill>
+              </a:rPr>
+              <a:t>(Edição de Célula)</a:t>
+            </a:r>
+            <a:endParaRPr lang="pt-BR" dirty="0"/>
+          </a:p>
+        </p:txBody>
+      </p:sp>
+      <p:sp>
+        <p:nvSpPr>
+          <p:cNvPr id="3" name="Espaço Reservado para Conteúdo 2">
+            <a:extLst>
+              <a:ext uri="{FF2B5EF4-FFF2-40B4-BE49-F238E27FC236}">
+                <a16:creationId xmlns:a16="http://schemas.microsoft.com/office/drawing/2014/main" id="{76A075FF-5552-4825-A833-DC93985E762E}"/>
+              </a:ext>
+            </a:extLst>
+          </p:cNvPr>
+          <p:cNvSpPr>
+            <a:spLocks noGrp="1"/>
+          </p:cNvSpPr>
+          <p:nvPr>
+            <p:ph idx="1"/>
+          </p:nvPr>
+        </p:nvSpPr>
+        <p:spPr/>
+        <p:txBody>
+          <a:bodyPr>
+            <a:normAutofit/>
+          </a:bodyPr>
+          <a:lstStyle/>
+          <a:p>
+            <a:pPr marL="0" lvl="0" indent="0">
+              <a:lnSpc>
+                <a:spcPct val="100000"/>
+              </a:lnSpc>
+              <a:spcBef>
+                <a:spcPts val="0"/>
+              </a:spcBef>
+              <a:buNone/>
+            </a:pPr>
+            <a:r>
+              <a:rPr lang="pt-BR" sz="1200" b="1" dirty="0">
+                <a:latin typeface="Courier New" panose="02070309020205020404" pitchFamily="49" charset="0"/>
+                <a:cs typeface="Courier New" panose="02070309020205020404" pitchFamily="49" charset="0"/>
+              </a:rPr>
+              <a:t>// manipulador de eventos para clique duplo</a:t>
+            </a:r>
+          </a:p>
+          <a:p>
+            <a:pPr marL="0" lvl="0" indent="0">
+              <a:lnSpc>
+                <a:spcPct val="100000"/>
+              </a:lnSpc>
+              <a:spcBef>
+                <a:spcPts val="0"/>
+              </a:spcBef>
+              <a:buNone/>
+            </a:pPr>
+            <a:r>
+              <a:rPr lang="pt-BR" sz="1200" b="1" dirty="0">
+                <a:latin typeface="Courier New" panose="02070309020205020404" pitchFamily="49" charset="0"/>
+                <a:cs typeface="Courier New" panose="02070309020205020404" pitchFamily="49" charset="0"/>
+              </a:rPr>
+              <a:t>// </a:t>
+            </a:r>
+          </a:p>
+          <a:p>
+            <a:pPr marL="0" indent="0">
+              <a:buNone/>
+            </a:pPr>
+            <a:r>
+              <a:rPr lang="pt-BR" sz="1100" dirty="0">
+                <a:solidFill>
+                  <a:srgbClr val="CCCCCC"/>
+                </a:solidFill>
+                <a:latin typeface="Courier New" panose="02070309020205020404" pitchFamily="49" charset="0"/>
+                <a:cs typeface="Courier New" panose="02070309020205020404" pitchFamily="49" charset="0"/>
+              </a:rPr>
+              <a:t>    </a:t>
+            </a:r>
+            <a:r>
+              <a:rPr lang="pt-BR" sz="1100" dirty="0" err="1">
+                <a:solidFill>
+                  <a:srgbClr val="DCDCAA"/>
+                </a:solidFill>
+                <a:latin typeface="Courier New" panose="02070309020205020404" pitchFamily="49" charset="0"/>
+                <a:cs typeface="Courier New" panose="02070309020205020404" pitchFamily="49" charset="0"/>
+              </a:rPr>
+              <a:t>onDoubleClick</a:t>
+            </a:r>
+            <a:r>
+              <a:rPr lang="pt-BR" sz="1100" dirty="0">
+                <a:solidFill>
+                  <a:srgbClr val="CCCCCC"/>
+                </a:solidFill>
+                <a:latin typeface="Courier New" panose="02070309020205020404" pitchFamily="49" charset="0"/>
+                <a:cs typeface="Courier New" panose="02070309020205020404" pitchFamily="49" charset="0"/>
+              </a:rPr>
+              <a:t> </a:t>
+            </a:r>
+            <a:r>
+              <a:rPr lang="pt-BR" sz="1100" dirty="0">
+                <a:solidFill>
+                  <a:srgbClr val="D4D4D4"/>
+                </a:solidFill>
+                <a:latin typeface="Courier New" panose="02070309020205020404" pitchFamily="49" charset="0"/>
+                <a:cs typeface="Courier New" panose="02070309020205020404" pitchFamily="49" charset="0"/>
+              </a:rPr>
+              <a:t>=</a:t>
+            </a:r>
+            <a:r>
+              <a:rPr lang="pt-BR" sz="1100" dirty="0">
+                <a:solidFill>
+                  <a:srgbClr val="CCCCCC"/>
+                </a:solidFill>
+                <a:latin typeface="Courier New" panose="02070309020205020404" pitchFamily="49" charset="0"/>
+                <a:cs typeface="Courier New" panose="02070309020205020404" pitchFamily="49" charset="0"/>
+              </a:rPr>
+              <a:t> (</a:t>
+            </a:r>
+            <a:r>
+              <a:rPr lang="pt-BR" sz="1100" dirty="0" err="1">
+                <a:solidFill>
+                  <a:srgbClr val="9CDCFE"/>
+                </a:solidFill>
+                <a:latin typeface="Courier New" panose="02070309020205020404" pitchFamily="49" charset="0"/>
+                <a:cs typeface="Courier New" panose="02070309020205020404" pitchFamily="49" charset="0"/>
+              </a:rPr>
+              <a:t>event</a:t>
+            </a:r>
+            <a:r>
+              <a:rPr lang="pt-BR" sz="1100" dirty="0">
+                <a:solidFill>
+                  <a:srgbClr val="CCCCCC"/>
+                </a:solidFill>
+                <a:latin typeface="Courier New" panose="02070309020205020404" pitchFamily="49" charset="0"/>
+                <a:cs typeface="Courier New" panose="02070309020205020404" pitchFamily="49" charset="0"/>
+              </a:rPr>
+              <a:t>) </a:t>
+            </a:r>
+            <a:r>
+              <a:rPr lang="pt-BR" sz="1100" dirty="0">
+                <a:solidFill>
+                  <a:srgbClr val="569CD6"/>
+                </a:solidFill>
+                <a:latin typeface="Courier New" panose="02070309020205020404" pitchFamily="49" charset="0"/>
+                <a:cs typeface="Courier New" panose="02070309020205020404" pitchFamily="49" charset="0"/>
+              </a:rPr>
+              <a:t>=&gt;</a:t>
+            </a:r>
+            <a:r>
+              <a:rPr lang="pt-BR" sz="1100" dirty="0">
+                <a:solidFill>
+                  <a:srgbClr val="CCCCCC"/>
+                </a:solidFill>
+                <a:latin typeface="Courier New" panose="02070309020205020404" pitchFamily="49" charset="0"/>
+                <a:cs typeface="Courier New" panose="02070309020205020404" pitchFamily="49" charset="0"/>
+              </a:rPr>
+              <a:t> {</a:t>
+            </a:r>
+          </a:p>
+          <a:p>
+            <a:pPr marL="0" indent="0">
+              <a:buNone/>
+            </a:pPr>
+            <a:r>
+              <a:rPr lang="pt-BR" sz="1100" dirty="0">
+                <a:solidFill>
+                  <a:srgbClr val="CCCCCC"/>
+                </a:solidFill>
+                <a:latin typeface="Courier New" panose="02070309020205020404" pitchFamily="49" charset="0"/>
+                <a:cs typeface="Courier New" panose="02070309020205020404" pitchFamily="49" charset="0"/>
+              </a:rPr>
+              <a:t>        </a:t>
+            </a:r>
+            <a:r>
+              <a:rPr lang="pt-BR" sz="1100" dirty="0" err="1">
+                <a:solidFill>
+                  <a:srgbClr val="C586C0"/>
+                </a:solidFill>
+                <a:latin typeface="Courier New" panose="02070309020205020404" pitchFamily="49" charset="0"/>
+                <a:cs typeface="Courier New" panose="02070309020205020404" pitchFamily="49" charset="0"/>
+              </a:rPr>
+              <a:t>if</a:t>
+            </a:r>
+            <a:r>
+              <a:rPr lang="pt-BR" sz="1100" dirty="0">
+                <a:solidFill>
+                  <a:srgbClr val="CCCCCC"/>
+                </a:solidFill>
+                <a:latin typeface="Courier New" panose="02070309020205020404" pitchFamily="49" charset="0"/>
+                <a:cs typeface="Courier New" panose="02070309020205020404" pitchFamily="49" charset="0"/>
+              </a:rPr>
+              <a:t> (</a:t>
+            </a:r>
+            <a:r>
+              <a:rPr lang="pt-BR" sz="1100" dirty="0" err="1">
+                <a:solidFill>
+                  <a:srgbClr val="9CDCFE"/>
+                </a:solidFill>
+                <a:latin typeface="Courier New" panose="02070309020205020404" pitchFamily="49" charset="0"/>
+                <a:cs typeface="Courier New" panose="02070309020205020404" pitchFamily="49" charset="0"/>
+              </a:rPr>
+              <a:t>event</a:t>
+            </a:r>
+            <a:r>
+              <a:rPr lang="pt-BR" sz="1100" dirty="0" err="1">
+                <a:solidFill>
+                  <a:srgbClr val="CCCCCC"/>
+                </a:solidFill>
+                <a:latin typeface="Courier New" panose="02070309020205020404" pitchFamily="49" charset="0"/>
+                <a:cs typeface="Courier New" panose="02070309020205020404" pitchFamily="49" charset="0"/>
+              </a:rPr>
+              <a:t>.</a:t>
+            </a:r>
+            <a:r>
+              <a:rPr lang="pt-BR" sz="1100" dirty="0" err="1">
+                <a:solidFill>
+                  <a:srgbClr val="9CDCFE"/>
+                </a:solidFill>
+                <a:latin typeface="Courier New" panose="02070309020205020404" pitchFamily="49" charset="0"/>
+                <a:cs typeface="Courier New" panose="02070309020205020404" pitchFamily="49" charset="0"/>
+              </a:rPr>
+              <a:t>target</a:t>
+            </a:r>
+            <a:r>
+              <a:rPr lang="pt-BR" sz="1100" dirty="0" err="1">
+                <a:solidFill>
+                  <a:srgbClr val="CCCCCC"/>
+                </a:solidFill>
+                <a:latin typeface="Courier New" panose="02070309020205020404" pitchFamily="49" charset="0"/>
+                <a:cs typeface="Courier New" panose="02070309020205020404" pitchFamily="49" charset="0"/>
+              </a:rPr>
+              <a:t>.</a:t>
+            </a:r>
+            <a:r>
+              <a:rPr lang="pt-BR" sz="1100" dirty="0" err="1">
+                <a:solidFill>
+                  <a:srgbClr val="9CDCFE"/>
+                </a:solidFill>
+                <a:latin typeface="Courier New" panose="02070309020205020404" pitchFamily="49" charset="0"/>
+                <a:cs typeface="Courier New" panose="02070309020205020404" pitchFamily="49" charset="0"/>
+              </a:rPr>
+              <a:t>tagName</a:t>
+            </a:r>
+            <a:r>
+              <a:rPr lang="pt-BR" sz="1100" dirty="0" err="1">
+                <a:solidFill>
+                  <a:srgbClr val="CCCCCC"/>
+                </a:solidFill>
+                <a:latin typeface="Courier New" panose="02070309020205020404" pitchFamily="49" charset="0"/>
+                <a:cs typeface="Courier New" panose="02070309020205020404" pitchFamily="49" charset="0"/>
+              </a:rPr>
+              <a:t>.</a:t>
+            </a:r>
+            <a:r>
+              <a:rPr lang="pt-BR" sz="1100" dirty="0" err="1">
+                <a:solidFill>
+                  <a:srgbClr val="DCDCAA"/>
+                </a:solidFill>
+                <a:latin typeface="Courier New" panose="02070309020205020404" pitchFamily="49" charset="0"/>
+                <a:cs typeface="Courier New" panose="02070309020205020404" pitchFamily="49" charset="0"/>
+              </a:rPr>
+              <a:t>toUpperCase</a:t>
+            </a:r>
+            <a:r>
+              <a:rPr lang="pt-BR" sz="1100" dirty="0">
+                <a:solidFill>
+                  <a:srgbClr val="CCCCCC"/>
+                </a:solidFill>
+                <a:latin typeface="Courier New" panose="02070309020205020404" pitchFamily="49" charset="0"/>
+                <a:cs typeface="Courier New" panose="02070309020205020404" pitchFamily="49" charset="0"/>
+              </a:rPr>
+              <a:t>() </a:t>
+            </a:r>
+            <a:r>
+              <a:rPr lang="pt-BR" sz="1100" dirty="0">
+                <a:solidFill>
+                  <a:srgbClr val="D4D4D4"/>
+                </a:solidFill>
+                <a:latin typeface="Courier New" panose="02070309020205020404" pitchFamily="49" charset="0"/>
+                <a:cs typeface="Courier New" panose="02070309020205020404" pitchFamily="49" charset="0"/>
+              </a:rPr>
+              <a:t>===</a:t>
+            </a:r>
+            <a:r>
+              <a:rPr lang="pt-BR" sz="1100" dirty="0">
+                <a:solidFill>
+                  <a:srgbClr val="CCCCCC"/>
+                </a:solidFill>
+                <a:latin typeface="Courier New" panose="02070309020205020404" pitchFamily="49" charset="0"/>
+                <a:cs typeface="Courier New" panose="02070309020205020404" pitchFamily="49" charset="0"/>
+              </a:rPr>
+              <a:t> </a:t>
+            </a:r>
+            <a:r>
+              <a:rPr lang="pt-BR" sz="1100" dirty="0">
+                <a:solidFill>
+                  <a:srgbClr val="CE9178"/>
+                </a:solidFill>
+                <a:latin typeface="Courier New" panose="02070309020205020404" pitchFamily="49" charset="0"/>
+                <a:cs typeface="Courier New" panose="02070309020205020404" pitchFamily="49" charset="0"/>
+              </a:rPr>
+              <a:t>'TD'</a:t>
+            </a:r>
+            <a:r>
+              <a:rPr lang="pt-BR" sz="1100" dirty="0">
+                <a:solidFill>
+                  <a:srgbClr val="CCCCCC"/>
+                </a:solidFill>
+                <a:latin typeface="Courier New" panose="02070309020205020404" pitchFamily="49" charset="0"/>
+                <a:cs typeface="Courier New" panose="02070309020205020404" pitchFamily="49" charset="0"/>
+              </a:rPr>
+              <a:t>) {</a:t>
+            </a:r>
+          </a:p>
+          <a:p>
+            <a:pPr marL="0" indent="0">
+              <a:buNone/>
+            </a:pPr>
+            <a:r>
+              <a:rPr lang="pt-BR" sz="1100" dirty="0">
+                <a:solidFill>
+                  <a:srgbClr val="CCCCCC"/>
+                </a:solidFill>
+                <a:latin typeface="Courier New" panose="02070309020205020404" pitchFamily="49" charset="0"/>
+                <a:cs typeface="Courier New" panose="02070309020205020404" pitchFamily="49" charset="0"/>
+              </a:rPr>
+              <a:t>            </a:t>
+            </a:r>
+            <a:r>
+              <a:rPr lang="pt-BR" sz="1100" dirty="0" err="1">
+                <a:solidFill>
+                  <a:srgbClr val="569CD6"/>
+                </a:solidFill>
+                <a:latin typeface="Courier New" panose="02070309020205020404" pitchFamily="49" charset="0"/>
+                <a:cs typeface="Courier New" panose="02070309020205020404" pitchFamily="49" charset="0"/>
+              </a:rPr>
+              <a:t>this</a:t>
+            </a:r>
+            <a:r>
+              <a:rPr lang="pt-BR" sz="1100" dirty="0" err="1">
+                <a:solidFill>
+                  <a:srgbClr val="CCCCCC"/>
+                </a:solidFill>
+                <a:latin typeface="Courier New" panose="02070309020205020404" pitchFamily="49" charset="0"/>
+                <a:cs typeface="Courier New" panose="02070309020205020404" pitchFamily="49" charset="0"/>
+              </a:rPr>
+              <a:t>.</a:t>
+            </a:r>
+            <a:r>
+              <a:rPr lang="pt-BR" sz="1100" dirty="0" err="1">
+                <a:solidFill>
+                  <a:srgbClr val="DCDCAA"/>
+                </a:solidFill>
+                <a:latin typeface="Courier New" panose="02070309020205020404" pitchFamily="49" charset="0"/>
+                <a:cs typeface="Courier New" panose="02070309020205020404" pitchFamily="49" charset="0"/>
+              </a:rPr>
+              <a:t>setState</a:t>
+            </a:r>
+            <a:r>
+              <a:rPr lang="pt-BR" sz="1100" dirty="0">
+                <a:solidFill>
+                  <a:srgbClr val="CCCCCC"/>
+                </a:solidFill>
+                <a:latin typeface="Courier New" panose="02070309020205020404" pitchFamily="49" charset="0"/>
+                <a:cs typeface="Courier New" panose="02070309020205020404" pitchFamily="49" charset="0"/>
+              </a:rPr>
+              <a:t>({</a:t>
+            </a:r>
+          </a:p>
+          <a:p>
+            <a:pPr marL="0" indent="0">
+              <a:buNone/>
+            </a:pPr>
+            <a:r>
+              <a:rPr lang="pt-BR" sz="1100" dirty="0">
+                <a:solidFill>
+                  <a:srgbClr val="CCCCCC"/>
+                </a:solidFill>
+                <a:latin typeface="Courier New" panose="02070309020205020404" pitchFamily="49" charset="0"/>
+                <a:cs typeface="Courier New" panose="02070309020205020404" pitchFamily="49" charset="0"/>
+              </a:rPr>
+              <a:t>                </a:t>
+            </a:r>
+            <a:r>
+              <a:rPr lang="pt-BR" sz="1100" dirty="0">
+                <a:solidFill>
+                  <a:srgbClr val="6A9955"/>
+                </a:solidFill>
+                <a:latin typeface="Courier New" panose="02070309020205020404" pitchFamily="49" charset="0"/>
+                <a:cs typeface="Courier New" panose="02070309020205020404" pitchFamily="49" charset="0"/>
+              </a:rPr>
+              <a:t>//header: </a:t>
+            </a:r>
+            <a:r>
+              <a:rPr lang="pt-BR" sz="1100" dirty="0" err="1">
+                <a:solidFill>
+                  <a:srgbClr val="6A9955"/>
+                </a:solidFill>
+                <a:latin typeface="Courier New" panose="02070309020205020404" pitchFamily="49" charset="0"/>
+                <a:cs typeface="Courier New" panose="02070309020205020404" pitchFamily="49" charset="0"/>
+              </a:rPr>
+              <a:t>this.props.header</a:t>
+            </a:r>
+            <a:r>
+              <a:rPr lang="pt-BR" sz="1100" dirty="0">
+                <a:solidFill>
+                  <a:srgbClr val="6A9955"/>
+                </a:solidFill>
+                <a:latin typeface="Courier New" panose="02070309020205020404" pitchFamily="49" charset="0"/>
+                <a:cs typeface="Courier New" panose="02070309020205020404" pitchFamily="49" charset="0"/>
+              </a:rPr>
+              <a:t>,</a:t>
+            </a:r>
+            <a:endParaRPr lang="pt-BR" sz="1100" dirty="0">
+              <a:solidFill>
+                <a:srgbClr val="CCCCCC"/>
+              </a:solidFill>
+              <a:latin typeface="Courier New" panose="02070309020205020404" pitchFamily="49" charset="0"/>
+              <a:cs typeface="Courier New" panose="02070309020205020404" pitchFamily="49" charset="0"/>
+            </a:endParaRPr>
+          </a:p>
+          <a:p>
+            <a:pPr marL="0" indent="0">
+              <a:buNone/>
+            </a:pPr>
+            <a:r>
+              <a:rPr lang="pt-BR" sz="1100" dirty="0">
+                <a:solidFill>
+                  <a:srgbClr val="CCCCCC"/>
+                </a:solidFill>
+                <a:latin typeface="Courier New" panose="02070309020205020404" pitchFamily="49" charset="0"/>
+                <a:cs typeface="Courier New" panose="02070309020205020404" pitchFamily="49" charset="0"/>
+              </a:rPr>
+              <a:t>                </a:t>
+            </a:r>
+            <a:r>
+              <a:rPr lang="pt-BR" sz="1100" dirty="0">
+                <a:solidFill>
+                  <a:srgbClr val="6A9955"/>
+                </a:solidFill>
+                <a:latin typeface="Courier New" panose="02070309020205020404" pitchFamily="49" charset="0"/>
+                <a:cs typeface="Courier New" panose="02070309020205020404" pitchFamily="49" charset="0"/>
+              </a:rPr>
+              <a:t>//data: </a:t>
+            </a:r>
+            <a:r>
+              <a:rPr lang="pt-BR" sz="1100" dirty="0" err="1">
+                <a:solidFill>
+                  <a:srgbClr val="6A9955"/>
+                </a:solidFill>
+                <a:latin typeface="Courier New" panose="02070309020205020404" pitchFamily="49" charset="0"/>
+                <a:cs typeface="Courier New" panose="02070309020205020404" pitchFamily="49" charset="0"/>
+              </a:rPr>
+              <a:t>this.props.data</a:t>
+            </a:r>
+            <a:r>
+              <a:rPr lang="pt-BR" sz="1100" dirty="0">
+                <a:solidFill>
+                  <a:srgbClr val="6A9955"/>
+                </a:solidFill>
+                <a:latin typeface="Courier New" panose="02070309020205020404" pitchFamily="49" charset="0"/>
+                <a:cs typeface="Courier New" panose="02070309020205020404" pitchFamily="49" charset="0"/>
+              </a:rPr>
+              <a:t>,</a:t>
+            </a:r>
+            <a:endParaRPr lang="pt-BR" sz="1100" dirty="0">
+              <a:solidFill>
+                <a:srgbClr val="CCCCCC"/>
+              </a:solidFill>
+              <a:latin typeface="Courier New" panose="02070309020205020404" pitchFamily="49" charset="0"/>
+              <a:cs typeface="Courier New" panose="02070309020205020404" pitchFamily="49" charset="0"/>
+            </a:endParaRPr>
+          </a:p>
+          <a:p>
+            <a:pPr marL="0" indent="0">
+              <a:buNone/>
+            </a:pPr>
+            <a:r>
+              <a:rPr lang="pt-BR" sz="1100" dirty="0">
+                <a:solidFill>
+                  <a:srgbClr val="CCCCCC"/>
+                </a:solidFill>
+                <a:latin typeface="Courier New" panose="02070309020205020404" pitchFamily="49" charset="0"/>
+                <a:cs typeface="Courier New" panose="02070309020205020404" pitchFamily="49" charset="0"/>
+              </a:rPr>
+              <a:t>                </a:t>
+            </a:r>
+            <a:r>
+              <a:rPr lang="pt-BR" sz="1100" dirty="0">
+                <a:solidFill>
+                  <a:srgbClr val="6A9955"/>
+                </a:solidFill>
+                <a:latin typeface="Courier New" panose="02070309020205020404" pitchFamily="49" charset="0"/>
+                <a:cs typeface="Courier New" panose="02070309020205020404" pitchFamily="49" charset="0"/>
+              </a:rPr>
+              <a:t>//</a:t>
+            </a:r>
+            <a:r>
+              <a:rPr lang="pt-BR" sz="1100" dirty="0" err="1">
+                <a:solidFill>
+                  <a:srgbClr val="6A9955"/>
+                </a:solidFill>
+                <a:latin typeface="Courier New" panose="02070309020205020404" pitchFamily="49" charset="0"/>
+                <a:cs typeface="Courier New" panose="02070309020205020404" pitchFamily="49" charset="0"/>
+              </a:rPr>
+              <a:t>sortby</a:t>
+            </a:r>
+            <a:r>
+              <a:rPr lang="pt-BR" sz="1100" dirty="0">
+                <a:solidFill>
+                  <a:srgbClr val="6A9955"/>
+                </a:solidFill>
+                <a:latin typeface="Courier New" panose="02070309020205020404" pitchFamily="49" charset="0"/>
+                <a:cs typeface="Courier New" panose="02070309020205020404" pitchFamily="49" charset="0"/>
+              </a:rPr>
+              <a:t>: </a:t>
+            </a:r>
+            <a:r>
+              <a:rPr lang="pt-BR" sz="1100" dirty="0" err="1">
+                <a:solidFill>
+                  <a:srgbClr val="6A9955"/>
+                </a:solidFill>
+                <a:latin typeface="Courier New" panose="02070309020205020404" pitchFamily="49" charset="0"/>
+                <a:cs typeface="Courier New" panose="02070309020205020404" pitchFamily="49" charset="0"/>
+              </a:rPr>
+              <a:t>null</a:t>
+            </a:r>
+            <a:r>
+              <a:rPr lang="pt-BR" sz="1100" dirty="0">
+                <a:solidFill>
+                  <a:srgbClr val="6A9955"/>
+                </a:solidFill>
+                <a:latin typeface="Courier New" panose="02070309020205020404" pitchFamily="49" charset="0"/>
+                <a:cs typeface="Courier New" panose="02070309020205020404" pitchFamily="49" charset="0"/>
+              </a:rPr>
+              <a:t>,</a:t>
+            </a:r>
+            <a:endParaRPr lang="pt-BR" sz="1100" dirty="0">
+              <a:solidFill>
+                <a:srgbClr val="CCCCCC"/>
+              </a:solidFill>
+              <a:latin typeface="Courier New" panose="02070309020205020404" pitchFamily="49" charset="0"/>
+              <a:cs typeface="Courier New" panose="02070309020205020404" pitchFamily="49" charset="0"/>
+            </a:endParaRPr>
+          </a:p>
+          <a:p>
+            <a:pPr marL="0" indent="0">
+              <a:buNone/>
+            </a:pPr>
+            <a:r>
+              <a:rPr lang="pt-BR" sz="1100" dirty="0">
+                <a:solidFill>
+                  <a:srgbClr val="CCCCCC"/>
+                </a:solidFill>
+                <a:latin typeface="Courier New" panose="02070309020205020404" pitchFamily="49" charset="0"/>
+                <a:cs typeface="Courier New" panose="02070309020205020404" pitchFamily="49" charset="0"/>
+              </a:rPr>
+              <a:t>                </a:t>
+            </a:r>
+            <a:r>
+              <a:rPr lang="pt-BR" sz="1100" dirty="0">
+                <a:solidFill>
+                  <a:srgbClr val="6A9955"/>
+                </a:solidFill>
+                <a:latin typeface="Courier New" panose="02070309020205020404" pitchFamily="49" charset="0"/>
+                <a:cs typeface="Courier New" panose="02070309020205020404" pitchFamily="49" charset="0"/>
+              </a:rPr>
+              <a:t>//</a:t>
+            </a:r>
+            <a:r>
+              <a:rPr lang="pt-BR" sz="1100" dirty="0" err="1">
+                <a:solidFill>
+                  <a:srgbClr val="6A9955"/>
+                </a:solidFill>
+                <a:latin typeface="Courier New" panose="02070309020205020404" pitchFamily="49" charset="0"/>
+                <a:cs typeface="Courier New" panose="02070309020205020404" pitchFamily="49" charset="0"/>
+              </a:rPr>
+              <a:t>descending</a:t>
+            </a:r>
+            <a:r>
+              <a:rPr lang="pt-BR" sz="1100" dirty="0">
+                <a:solidFill>
+                  <a:srgbClr val="6A9955"/>
+                </a:solidFill>
+                <a:latin typeface="Courier New" panose="02070309020205020404" pitchFamily="49" charset="0"/>
+                <a:cs typeface="Courier New" panose="02070309020205020404" pitchFamily="49" charset="0"/>
+              </a:rPr>
+              <a:t>: false,</a:t>
+            </a:r>
+            <a:endParaRPr lang="pt-BR" sz="1100" dirty="0">
+              <a:solidFill>
+                <a:srgbClr val="CCCCCC"/>
+              </a:solidFill>
+              <a:latin typeface="Courier New" panose="02070309020205020404" pitchFamily="49" charset="0"/>
+              <a:cs typeface="Courier New" panose="02070309020205020404" pitchFamily="49" charset="0"/>
+            </a:endParaRPr>
+          </a:p>
+          <a:p>
+            <a:pPr marL="0" indent="0">
+              <a:buNone/>
+            </a:pPr>
+            <a:r>
+              <a:rPr lang="pt-BR" sz="1100" dirty="0">
+                <a:solidFill>
+                  <a:srgbClr val="CCCCCC"/>
+                </a:solidFill>
+                <a:latin typeface="Courier New" panose="02070309020205020404" pitchFamily="49" charset="0"/>
+                <a:cs typeface="Courier New" panose="02070309020205020404" pitchFamily="49" charset="0"/>
+              </a:rPr>
+              <a:t>                </a:t>
+            </a:r>
+            <a:r>
+              <a:rPr lang="pt-BR" sz="1100" dirty="0" err="1">
+                <a:solidFill>
+                  <a:srgbClr val="9CDCFE"/>
+                </a:solidFill>
+                <a:latin typeface="Courier New" panose="02070309020205020404" pitchFamily="49" charset="0"/>
+                <a:cs typeface="Courier New" panose="02070309020205020404" pitchFamily="49" charset="0"/>
+              </a:rPr>
+              <a:t>edit</a:t>
+            </a:r>
+            <a:r>
+              <a:rPr lang="pt-BR" sz="1100" dirty="0">
+                <a:solidFill>
+                  <a:srgbClr val="9CDCFE"/>
+                </a:solidFill>
+                <a:latin typeface="Courier New" panose="02070309020205020404" pitchFamily="49" charset="0"/>
+                <a:cs typeface="Courier New" panose="02070309020205020404" pitchFamily="49" charset="0"/>
+              </a:rPr>
+              <a:t>:</a:t>
+            </a:r>
+            <a:r>
+              <a:rPr lang="pt-BR" sz="1100" dirty="0">
+                <a:solidFill>
+                  <a:srgbClr val="CCCCCC"/>
+                </a:solidFill>
+                <a:latin typeface="Courier New" panose="02070309020205020404" pitchFamily="49" charset="0"/>
+                <a:cs typeface="Courier New" panose="02070309020205020404" pitchFamily="49" charset="0"/>
+              </a:rPr>
+              <a:t> {</a:t>
+            </a:r>
+          </a:p>
+          <a:p>
+            <a:pPr marL="0" indent="0">
+              <a:buNone/>
+            </a:pPr>
+            <a:r>
+              <a:rPr lang="pt-BR" sz="1100" dirty="0">
+                <a:solidFill>
+                  <a:srgbClr val="CCCCCC"/>
+                </a:solidFill>
+                <a:latin typeface="Courier New" panose="02070309020205020404" pitchFamily="49" charset="0"/>
+                <a:cs typeface="Courier New" panose="02070309020205020404" pitchFamily="49" charset="0"/>
+              </a:rPr>
+              <a:t>                    </a:t>
+            </a:r>
+            <a:r>
+              <a:rPr lang="pt-BR" sz="1100" dirty="0" err="1">
+                <a:solidFill>
+                  <a:srgbClr val="9CDCFE"/>
+                </a:solidFill>
+                <a:latin typeface="Courier New" panose="02070309020205020404" pitchFamily="49" charset="0"/>
+                <a:cs typeface="Courier New" panose="02070309020205020404" pitchFamily="49" charset="0"/>
+              </a:rPr>
+              <a:t>row</a:t>
+            </a:r>
+            <a:r>
+              <a:rPr lang="pt-BR" sz="1100" dirty="0">
+                <a:solidFill>
+                  <a:srgbClr val="9CDCFE"/>
+                </a:solidFill>
+                <a:latin typeface="Courier New" panose="02070309020205020404" pitchFamily="49" charset="0"/>
+                <a:cs typeface="Courier New" panose="02070309020205020404" pitchFamily="49" charset="0"/>
+              </a:rPr>
+              <a:t>:</a:t>
+            </a:r>
+            <a:r>
+              <a:rPr lang="pt-BR" sz="1100" dirty="0">
+                <a:solidFill>
+                  <a:srgbClr val="CCCCCC"/>
+                </a:solidFill>
+                <a:latin typeface="Courier New" panose="02070309020205020404" pitchFamily="49" charset="0"/>
+                <a:cs typeface="Courier New" panose="02070309020205020404" pitchFamily="49" charset="0"/>
+              </a:rPr>
+              <a:t> </a:t>
+            </a:r>
+            <a:r>
+              <a:rPr lang="pt-BR" sz="1100" dirty="0" err="1">
+                <a:solidFill>
+                  <a:srgbClr val="DCDCAA"/>
+                </a:solidFill>
+                <a:latin typeface="Courier New" panose="02070309020205020404" pitchFamily="49" charset="0"/>
+                <a:cs typeface="Courier New" panose="02070309020205020404" pitchFamily="49" charset="0"/>
+              </a:rPr>
+              <a:t>parseInt</a:t>
+            </a:r>
+            <a:r>
+              <a:rPr lang="pt-BR" sz="1100" dirty="0">
+                <a:solidFill>
+                  <a:srgbClr val="CCCCCC"/>
+                </a:solidFill>
+                <a:latin typeface="Courier New" panose="02070309020205020404" pitchFamily="49" charset="0"/>
+                <a:cs typeface="Courier New" panose="02070309020205020404" pitchFamily="49" charset="0"/>
+              </a:rPr>
+              <a:t>(</a:t>
+            </a:r>
+            <a:r>
+              <a:rPr lang="pt-BR" sz="1100" dirty="0" err="1">
+                <a:solidFill>
+                  <a:srgbClr val="9CDCFE"/>
+                </a:solidFill>
+                <a:latin typeface="Courier New" panose="02070309020205020404" pitchFamily="49" charset="0"/>
+                <a:cs typeface="Courier New" panose="02070309020205020404" pitchFamily="49" charset="0"/>
+              </a:rPr>
+              <a:t>event</a:t>
+            </a:r>
+            <a:r>
+              <a:rPr lang="pt-BR" sz="1100" dirty="0" err="1">
+                <a:solidFill>
+                  <a:srgbClr val="CCCCCC"/>
+                </a:solidFill>
+                <a:latin typeface="Courier New" panose="02070309020205020404" pitchFamily="49" charset="0"/>
+                <a:cs typeface="Courier New" panose="02070309020205020404" pitchFamily="49" charset="0"/>
+              </a:rPr>
+              <a:t>.</a:t>
+            </a:r>
+            <a:r>
+              <a:rPr lang="pt-BR" sz="1100" dirty="0" err="1">
+                <a:solidFill>
+                  <a:srgbClr val="9CDCFE"/>
+                </a:solidFill>
+                <a:latin typeface="Courier New" panose="02070309020205020404" pitchFamily="49" charset="0"/>
+                <a:cs typeface="Courier New" panose="02070309020205020404" pitchFamily="49" charset="0"/>
+              </a:rPr>
+              <a:t>target</a:t>
+            </a:r>
+            <a:r>
+              <a:rPr lang="pt-BR" sz="1100" dirty="0" err="1">
+                <a:solidFill>
+                  <a:srgbClr val="CCCCCC"/>
+                </a:solidFill>
+                <a:latin typeface="Courier New" panose="02070309020205020404" pitchFamily="49" charset="0"/>
+                <a:cs typeface="Courier New" panose="02070309020205020404" pitchFamily="49" charset="0"/>
+              </a:rPr>
+              <a:t>.</a:t>
+            </a:r>
+            <a:r>
+              <a:rPr lang="pt-BR" sz="1100" dirty="0" err="1">
+                <a:solidFill>
+                  <a:srgbClr val="9CDCFE"/>
+                </a:solidFill>
+                <a:latin typeface="Courier New" panose="02070309020205020404" pitchFamily="49" charset="0"/>
+                <a:cs typeface="Courier New" panose="02070309020205020404" pitchFamily="49" charset="0"/>
+              </a:rPr>
+              <a:t>parentNode</a:t>
+            </a:r>
+            <a:r>
+              <a:rPr lang="pt-BR" sz="1100" dirty="0" err="1">
+                <a:solidFill>
+                  <a:srgbClr val="CCCCCC"/>
+                </a:solidFill>
+                <a:latin typeface="Courier New" panose="02070309020205020404" pitchFamily="49" charset="0"/>
+                <a:cs typeface="Courier New" panose="02070309020205020404" pitchFamily="49" charset="0"/>
+              </a:rPr>
+              <a:t>.</a:t>
+            </a:r>
+            <a:r>
+              <a:rPr lang="pt-BR" sz="1100" dirty="0" err="1">
+                <a:solidFill>
+                  <a:srgbClr val="9CDCFE"/>
+                </a:solidFill>
+                <a:latin typeface="Courier New" panose="02070309020205020404" pitchFamily="49" charset="0"/>
+                <a:cs typeface="Courier New" panose="02070309020205020404" pitchFamily="49" charset="0"/>
+              </a:rPr>
+              <a:t>dataset</a:t>
+            </a:r>
+            <a:r>
+              <a:rPr lang="pt-BR" sz="1100" dirty="0" err="1">
+                <a:solidFill>
+                  <a:srgbClr val="CCCCCC"/>
+                </a:solidFill>
+                <a:latin typeface="Courier New" panose="02070309020205020404" pitchFamily="49" charset="0"/>
+                <a:cs typeface="Courier New" panose="02070309020205020404" pitchFamily="49" charset="0"/>
+              </a:rPr>
+              <a:t>.</a:t>
+            </a:r>
+            <a:r>
+              <a:rPr lang="pt-BR" sz="1100" dirty="0" err="1">
+                <a:solidFill>
+                  <a:srgbClr val="9CDCFE"/>
+                </a:solidFill>
+                <a:latin typeface="Courier New" panose="02070309020205020404" pitchFamily="49" charset="0"/>
+                <a:cs typeface="Courier New" panose="02070309020205020404" pitchFamily="49" charset="0"/>
+              </a:rPr>
+              <a:t>row</a:t>
+            </a:r>
+            <a:r>
+              <a:rPr lang="pt-BR" sz="1100" dirty="0">
+                <a:solidFill>
+                  <a:srgbClr val="CCCCCC"/>
+                </a:solidFill>
+                <a:latin typeface="Courier New" panose="02070309020205020404" pitchFamily="49" charset="0"/>
+                <a:cs typeface="Courier New" panose="02070309020205020404" pitchFamily="49" charset="0"/>
+              </a:rPr>
+              <a:t>, </a:t>
+            </a:r>
+            <a:r>
+              <a:rPr lang="pt-BR" sz="1100" dirty="0">
+                <a:solidFill>
+                  <a:srgbClr val="B5CEA8"/>
+                </a:solidFill>
+                <a:latin typeface="Courier New" panose="02070309020205020404" pitchFamily="49" charset="0"/>
+                <a:cs typeface="Courier New" panose="02070309020205020404" pitchFamily="49" charset="0"/>
+              </a:rPr>
+              <a:t>10</a:t>
+            </a:r>
+            <a:r>
+              <a:rPr lang="pt-BR" sz="1100" dirty="0">
+                <a:solidFill>
+                  <a:srgbClr val="CCCCCC"/>
+                </a:solidFill>
+                <a:latin typeface="Courier New" panose="02070309020205020404" pitchFamily="49" charset="0"/>
+                <a:cs typeface="Courier New" panose="02070309020205020404" pitchFamily="49" charset="0"/>
+              </a:rPr>
+              <a:t>),</a:t>
+            </a:r>
+          </a:p>
+          <a:p>
+            <a:pPr marL="0" indent="0">
+              <a:buNone/>
+            </a:pPr>
+            <a:r>
+              <a:rPr lang="pt-BR" sz="1100" dirty="0">
+                <a:solidFill>
+                  <a:srgbClr val="CCCCCC"/>
+                </a:solidFill>
+                <a:latin typeface="Courier New" panose="02070309020205020404" pitchFamily="49" charset="0"/>
+                <a:cs typeface="Courier New" panose="02070309020205020404" pitchFamily="49" charset="0"/>
+              </a:rPr>
+              <a:t>                    </a:t>
+            </a:r>
+            <a:r>
+              <a:rPr lang="pt-BR" sz="1100" dirty="0" err="1">
+                <a:solidFill>
+                  <a:srgbClr val="9CDCFE"/>
+                </a:solidFill>
+                <a:latin typeface="Courier New" panose="02070309020205020404" pitchFamily="49" charset="0"/>
+                <a:cs typeface="Courier New" panose="02070309020205020404" pitchFamily="49" charset="0"/>
+              </a:rPr>
+              <a:t>column</a:t>
+            </a:r>
+            <a:r>
+              <a:rPr lang="pt-BR" sz="1100" dirty="0">
+                <a:solidFill>
+                  <a:srgbClr val="9CDCFE"/>
+                </a:solidFill>
+                <a:latin typeface="Courier New" panose="02070309020205020404" pitchFamily="49" charset="0"/>
+                <a:cs typeface="Courier New" panose="02070309020205020404" pitchFamily="49" charset="0"/>
+              </a:rPr>
+              <a:t>:</a:t>
+            </a:r>
+            <a:r>
+              <a:rPr lang="pt-BR" sz="1100" dirty="0">
+                <a:solidFill>
+                  <a:srgbClr val="CCCCCC"/>
+                </a:solidFill>
+                <a:latin typeface="Courier New" panose="02070309020205020404" pitchFamily="49" charset="0"/>
+                <a:cs typeface="Courier New" panose="02070309020205020404" pitchFamily="49" charset="0"/>
+              </a:rPr>
+              <a:t> </a:t>
+            </a:r>
+            <a:r>
+              <a:rPr lang="pt-BR" sz="1100" dirty="0" err="1">
+                <a:solidFill>
+                  <a:srgbClr val="9CDCFE"/>
+                </a:solidFill>
+                <a:latin typeface="Courier New" panose="02070309020205020404" pitchFamily="49" charset="0"/>
+                <a:cs typeface="Courier New" panose="02070309020205020404" pitchFamily="49" charset="0"/>
+              </a:rPr>
+              <a:t>event</a:t>
+            </a:r>
+            <a:r>
+              <a:rPr lang="pt-BR" sz="1100" dirty="0" err="1">
+                <a:solidFill>
+                  <a:srgbClr val="CCCCCC"/>
+                </a:solidFill>
+                <a:latin typeface="Courier New" panose="02070309020205020404" pitchFamily="49" charset="0"/>
+                <a:cs typeface="Courier New" panose="02070309020205020404" pitchFamily="49" charset="0"/>
+              </a:rPr>
+              <a:t>.</a:t>
+            </a:r>
+            <a:r>
+              <a:rPr lang="pt-BR" sz="1100" dirty="0" err="1">
+                <a:solidFill>
+                  <a:srgbClr val="9CDCFE"/>
+                </a:solidFill>
+                <a:latin typeface="Courier New" panose="02070309020205020404" pitchFamily="49" charset="0"/>
+                <a:cs typeface="Courier New" panose="02070309020205020404" pitchFamily="49" charset="0"/>
+              </a:rPr>
+              <a:t>target</a:t>
+            </a:r>
+            <a:r>
+              <a:rPr lang="pt-BR" sz="1100" dirty="0" err="1">
+                <a:solidFill>
+                  <a:srgbClr val="CCCCCC"/>
+                </a:solidFill>
+                <a:latin typeface="Courier New" panose="02070309020205020404" pitchFamily="49" charset="0"/>
+                <a:cs typeface="Courier New" panose="02070309020205020404" pitchFamily="49" charset="0"/>
+              </a:rPr>
+              <a:t>.</a:t>
+            </a:r>
+            <a:r>
+              <a:rPr lang="pt-BR" sz="1100" dirty="0" err="1">
+                <a:solidFill>
+                  <a:srgbClr val="9CDCFE"/>
+                </a:solidFill>
+                <a:latin typeface="Courier New" panose="02070309020205020404" pitchFamily="49" charset="0"/>
+                <a:cs typeface="Courier New" panose="02070309020205020404" pitchFamily="49" charset="0"/>
+              </a:rPr>
+              <a:t>cellIndex</a:t>
+            </a:r>
+            <a:r>
+              <a:rPr lang="pt-BR" sz="1100" dirty="0">
+                <a:solidFill>
+                  <a:srgbClr val="CCCCCC"/>
+                </a:solidFill>
+                <a:latin typeface="Courier New" panose="02070309020205020404" pitchFamily="49" charset="0"/>
+                <a:cs typeface="Courier New" panose="02070309020205020404" pitchFamily="49" charset="0"/>
+              </a:rPr>
+              <a:t>,</a:t>
+            </a:r>
+          </a:p>
+          <a:p>
+            <a:pPr marL="0" indent="0">
+              <a:buNone/>
+            </a:pPr>
+            <a:r>
+              <a:rPr lang="pt-BR" sz="1100" dirty="0">
+                <a:solidFill>
+                  <a:srgbClr val="CCCCCC"/>
+                </a:solidFill>
+                <a:latin typeface="Courier New" panose="02070309020205020404" pitchFamily="49" charset="0"/>
+                <a:cs typeface="Courier New" panose="02070309020205020404" pitchFamily="49" charset="0"/>
+              </a:rPr>
+              <a:t>                }</a:t>
+            </a:r>
+          </a:p>
+          <a:p>
+            <a:pPr marL="0" indent="0">
+              <a:buNone/>
+            </a:pPr>
+            <a:r>
+              <a:rPr lang="pt-BR" sz="1100" dirty="0">
+                <a:solidFill>
+                  <a:srgbClr val="CCCCCC"/>
+                </a:solidFill>
+                <a:latin typeface="Courier New" panose="02070309020205020404" pitchFamily="49" charset="0"/>
+                <a:cs typeface="Courier New" panose="02070309020205020404" pitchFamily="49" charset="0"/>
+              </a:rPr>
+              <a:t>            });</a:t>
+            </a:r>
+          </a:p>
+          <a:p>
+            <a:pPr marL="0" indent="0">
+              <a:buNone/>
+            </a:pPr>
+            <a:r>
+              <a:rPr lang="pt-BR" sz="1100" dirty="0">
+                <a:solidFill>
+                  <a:srgbClr val="CCCCCC"/>
+                </a:solidFill>
+                <a:latin typeface="Courier New" panose="02070309020205020404" pitchFamily="49" charset="0"/>
+                <a:cs typeface="Courier New" panose="02070309020205020404" pitchFamily="49" charset="0"/>
+              </a:rPr>
+              <a:t>        }</a:t>
+            </a:r>
+          </a:p>
+          <a:p>
+            <a:pPr marL="0" indent="0">
+              <a:buNone/>
+            </a:pPr>
+            <a:r>
+              <a:rPr lang="pt-BR" sz="1100" dirty="0">
+                <a:solidFill>
+                  <a:srgbClr val="CCCCCC"/>
+                </a:solidFill>
+                <a:latin typeface="Courier New" panose="02070309020205020404" pitchFamily="49" charset="0"/>
+                <a:cs typeface="Courier New" panose="02070309020205020404" pitchFamily="49" charset="0"/>
+              </a:rPr>
+              <a:t>    }</a:t>
+            </a:r>
+          </a:p>
+          <a:p>
+            <a:pPr marL="0" lvl="0" indent="0">
+              <a:lnSpc>
+                <a:spcPct val="100000"/>
+              </a:lnSpc>
+              <a:spcBef>
+                <a:spcPts val="0"/>
+              </a:spcBef>
+              <a:buNone/>
+            </a:pPr>
+            <a:endParaRPr lang="pt-BR" sz="1200" dirty="0">
+              <a:latin typeface="Courier New" panose="02070309020205020404" pitchFamily="49" charset="0"/>
+              <a:cs typeface="Courier New" panose="02070309020205020404" pitchFamily="49" charset="0"/>
+            </a:endParaRPr>
+          </a:p>
+        </p:txBody>
+      </p:sp>
+    </p:spTree>
+    <p:extLst>
+      <p:ext uri="{BB962C8B-B14F-4D97-AF65-F5344CB8AC3E}">
+        <p14:creationId xmlns:p14="http://schemas.microsoft.com/office/powerpoint/2010/main" val="3684002809"/>
+      </p:ext>
+    </p:extLst>
+  </p:cSld>
+  <p:clrMapOvr>
+    <a:masterClrMapping/>
+  </p:clrMapOvr>
+</p:sld>
+</file>
+
+<file path=ppt/slides/slide27.xml><?xml version="1.0" encoding="utf-8"?>
+<p:sld xmlns:a="http://schemas.openxmlformats.org/drawingml/2006/main" xmlns:r="http://schemas.openxmlformats.org/officeDocument/2006/relationships" xmlns:p="http://schemas.openxmlformats.org/presentationml/2006/main">
+  <p:cSld>
+    <p:spTree>
+      <p:nvGrpSpPr>
+        <p:cNvPr id="1" name=""/>
+        <p:cNvGrpSpPr/>
+        <p:nvPr/>
+      </p:nvGrpSpPr>
+      <p:grpSpPr>
+        <a:xfrm>
+          <a:off x="0" y="0"/>
+          <a:ext cx="0" cy="0"/>
+          <a:chOff x="0" y="0"/>
+          <a:chExt cx="0" cy="0"/>
+        </a:xfrm>
+      </p:grpSpPr>
+      <p:sp>
+        <p:nvSpPr>
+          <p:cNvPr id="2" name="Título 1">
+            <a:extLst>
+              <a:ext uri="{FF2B5EF4-FFF2-40B4-BE49-F238E27FC236}">
+                <a16:creationId xmlns:a16="http://schemas.microsoft.com/office/drawing/2014/main" id="{AE3EA2E6-2E1F-4910-80F5-FEA8176D6347}"/>
+              </a:ext>
+            </a:extLst>
+          </p:cNvPr>
+          <p:cNvSpPr>
+            <a:spLocks noGrp="1"/>
+          </p:cNvSpPr>
+          <p:nvPr>
+            <p:ph type="title"/>
+          </p:nvPr>
+        </p:nvSpPr>
+        <p:spPr/>
+        <p:txBody>
+          <a:bodyPr/>
+          <a:lstStyle/>
+          <a:p>
+            <a:pPr algn="r"/>
+            <a:r>
+              <a:rPr lang="pt-BR" dirty="0">
+                <a:solidFill>
+                  <a:prstClr val="black"/>
+                </a:solidFill>
+              </a:rPr>
+              <a:t>Criação da Tabela</a:t>
+            </a:r>
+            <a:br>
+              <a:rPr lang="pt-BR" dirty="0">
+                <a:solidFill>
+                  <a:prstClr val="black"/>
+                </a:solidFill>
+              </a:rPr>
+            </a:br>
+            <a:r>
+              <a:rPr lang="pt-BR" sz="2400" dirty="0">
+                <a:solidFill>
+                  <a:prstClr val="black"/>
+                </a:solidFill>
+              </a:rPr>
+              <a:t>(Edição de Célula)</a:t>
+            </a:r>
+            <a:endParaRPr lang="pt-BR" dirty="0"/>
+          </a:p>
+        </p:txBody>
+      </p:sp>
+      <p:sp>
+        <p:nvSpPr>
+          <p:cNvPr id="3" name="Espaço Reservado para Conteúdo 2">
+            <a:extLst>
+              <a:ext uri="{FF2B5EF4-FFF2-40B4-BE49-F238E27FC236}">
+                <a16:creationId xmlns:a16="http://schemas.microsoft.com/office/drawing/2014/main" id="{76A075FF-5552-4825-A833-DC93985E762E}"/>
+              </a:ext>
+            </a:extLst>
+          </p:cNvPr>
+          <p:cNvSpPr>
+            <a:spLocks noGrp="1"/>
+          </p:cNvSpPr>
+          <p:nvPr>
+            <p:ph idx="1"/>
+          </p:nvPr>
+        </p:nvSpPr>
+        <p:spPr/>
+        <p:txBody>
+          <a:bodyPr>
+            <a:normAutofit/>
+          </a:bodyPr>
+          <a:lstStyle/>
+          <a:p>
+            <a:pPr marL="0" lvl="0" indent="0">
+              <a:lnSpc>
+                <a:spcPct val="100000"/>
+              </a:lnSpc>
+              <a:spcBef>
+                <a:spcPts val="0"/>
+              </a:spcBef>
+              <a:buNone/>
+            </a:pPr>
+            <a:r>
+              <a:rPr lang="pt-BR" sz="1200" b="1" dirty="0">
+                <a:latin typeface="Courier New" panose="02070309020205020404" pitchFamily="49" charset="0"/>
+                <a:cs typeface="Courier New" panose="02070309020205020404" pitchFamily="49" charset="0"/>
+              </a:rPr>
+              <a:t>// alterar o método render para</a:t>
+            </a:r>
+          </a:p>
+          <a:p>
+            <a:pPr marL="0" lvl="0" indent="0">
+              <a:lnSpc>
+                <a:spcPct val="100000"/>
+              </a:lnSpc>
+              <a:spcBef>
+                <a:spcPts val="0"/>
+              </a:spcBef>
+              <a:buNone/>
+            </a:pPr>
+            <a:r>
+              <a:rPr lang="pt-BR" sz="1200" b="1" dirty="0">
+                <a:latin typeface="Courier New" panose="02070309020205020404" pitchFamily="49" charset="0"/>
+                <a:cs typeface="Courier New" panose="02070309020205020404" pitchFamily="49" charset="0"/>
+              </a:rPr>
+              <a:t>// </a:t>
+            </a:r>
+          </a:p>
+          <a:p>
+            <a:pPr marL="0" indent="0">
+              <a:spcBef>
+                <a:spcPts val="0"/>
+              </a:spcBef>
+              <a:buNone/>
+            </a:pPr>
+            <a:r>
+              <a:rPr lang="pt-BR" sz="1050" dirty="0">
+                <a:solidFill>
+                  <a:srgbClr val="808080"/>
+                </a:solidFill>
+                <a:latin typeface="Consolas" panose="020B0609020204030204" pitchFamily="49" charset="0"/>
+              </a:rPr>
+              <a:t>&lt;</a:t>
+            </a:r>
+            <a:r>
+              <a:rPr lang="pt-BR" sz="1050" dirty="0" err="1">
+                <a:solidFill>
+                  <a:srgbClr val="569CD6"/>
+                </a:solidFill>
+                <a:latin typeface="Consolas" panose="020B0609020204030204" pitchFamily="49" charset="0"/>
+              </a:rPr>
+              <a:t>tbody</a:t>
+            </a:r>
+            <a:r>
+              <a:rPr lang="pt-BR" sz="1050" dirty="0">
+                <a:solidFill>
+                  <a:srgbClr val="CCCCCC"/>
+                </a:solidFill>
+                <a:latin typeface="Consolas" panose="020B0609020204030204" pitchFamily="49" charset="0"/>
+              </a:rPr>
+              <a:t> </a:t>
+            </a:r>
+            <a:r>
+              <a:rPr lang="pt-BR" sz="1050" dirty="0" err="1">
+                <a:solidFill>
+                  <a:srgbClr val="9CDCFE"/>
+                </a:solidFill>
+                <a:latin typeface="Consolas" panose="020B0609020204030204" pitchFamily="49" charset="0"/>
+              </a:rPr>
+              <a:t>onDoubleClick</a:t>
+            </a:r>
+            <a:r>
+              <a:rPr lang="pt-BR" sz="1050" dirty="0">
+                <a:solidFill>
+                  <a:srgbClr val="D4D4D4"/>
+                </a:solidFill>
+                <a:latin typeface="Consolas" panose="020B0609020204030204" pitchFamily="49" charset="0"/>
+              </a:rPr>
+              <a:t>=</a:t>
+            </a:r>
+            <a:r>
+              <a:rPr lang="pt-BR" sz="1050" dirty="0">
+                <a:solidFill>
+                  <a:srgbClr val="569CD6"/>
+                </a:solidFill>
+                <a:latin typeface="Consolas" panose="020B0609020204030204" pitchFamily="49" charset="0"/>
+              </a:rPr>
+              <a:t>{</a:t>
+            </a:r>
+            <a:r>
+              <a:rPr lang="pt-BR" sz="1050" dirty="0" err="1">
+                <a:solidFill>
+                  <a:srgbClr val="569CD6"/>
+                </a:solidFill>
+                <a:latin typeface="Consolas" panose="020B0609020204030204" pitchFamily="49" charset="0"/>
+              </a:rPr>
+              <a:t>this</a:t>
+            </a:r>
+            <a:r>
+              <a:rPr lang="pt-BR" sz="1050" dirty="0" err="1">
+                <a:solidFill>
+                  <a:srgbClr val="D4D4D4"/>
+                </a:solidFill>
+                <a:latin typeface="Consolas" panose="020B0609020204030204" pitchFamily="49" charset="0"/>
+              </a:rPr>
+              <a:t>.</a:t>
+            </a:r>
+            <a:r>
+              <a:rPr lang="pt-BR" sz="1050" dirty="0" err="1">
+                <a:solidFill>
+                  <a:srgbClr val="DCDCAA"/>
+                </a:solidFill>
+                <a:latin typeface="Consolas" panose="020B0609020204030204" pitchFamily="49" charset="0"/>
+              </a:rPr>
+              <a:t>onDoubleClick</a:t>
+            </a:r>
+            <a:r>
+              <a:rPr lang="pt-BR" sz="1050" dirty="0">
+                <a:solidFill>
+                  <a:srgbClr val="569CD6"/>
+                </a:solidFill>
+                <a:latin typeface="Consolas" panose="020B0609020204030204" pitchFamily="49" charset="0"/>
+              </a:rPr>
+              <a:t>}</a:t>
+            </a:r>
+            <a:r>
+              <a:rPr lang="pt-BR" sz="1050" dirty="0">
+                <a:solidFill>
+                  <a:srgbClr val="808080"/>
+                </a:solidFill>
+                <a:latin typeface="Consolas" panose="020B0609020204030204" pitchFamily="49" charset="0"/>
+              </a:rPr>
+              <a:t>&gt;</a:t>
+            </a:r>
+            <a:endParaRPr lang="pt-BR" sz="1050" dirty="0">
+              <a:solidFill>
+                <a:srgbClr val="CCCCCC"/>
+              </a:solidFill>
+              <a:latin typeface="Consolas" panose="020B0609020204030204" pitchFamily="49" charset="0"/>
+            </a:endParaRPr>
+          </a:p>
+          <a:p>
+            <a:pPr marL="0" indent="0">
+              <a:spcBef>
+                <a:spcPts val="0"/>
+              </a:spcBef>
+              <a:buNone/>
+            </a:pPr>
+            <a:r>
+              <a:rPr lang="pt-BR" sz="1050" dirty="0">
+                <a:solidFill>
+                  <a:srgbClr val="569CD6"/>
+                </a:solidFill>
+                <a:latin typeface="Consolas" panose="020B0609020204030204" pitchFamily="49" charset="0"/>
+              </a:rPr>
+              <a:t>{</a:t>
+            </a:r>
+            <a:endParaRPr lang="pt-BR" sz="1050" dirty="0">
+              <a:solidFill>
+                <a:srgbClr val="CCCCCC"/>
+              </a:solidFill>
+              <a:latin typeface="Consolas" panose="020B0609020204030204" pitchFamily="49" charset="0"/>
+            </a:endParaRPr>
+          </a:p>
+          <a:p>
+            <a:pPr marL="0" indent="0">
+              <a:spcBef>
+                <a:spcPts val="0"/>
+              </a:spcBef>
+              <a:buNone/>
+            </a:pPr>
+            <a:r>
+              <a:rPr lang="pt-BR" sz="1050" dirty="0">
+                <a:solidFill>
+                  <a:srgbClr val="D4D4D4"/>
+                </a:solidFill>
+                <a:latin typeface="Consolas" panose="020B0609020204030204" pitchFamily="49" charset="0"/>
+              </a:rPr>
+              <a:t>   </a:t>
+            </a:r>
+            <a:r>
+              <a:rPr lang="pt-BR" sz="1050" dirty="0" err="1">
+                <a:solidFill>
+                  <a:srgbClr val="4FC1FF"/>
+                </a:solidFill>
+                <a:latin typeface="Consolas" panose="020B0609020204030204" pitchFamily="49" charset="0"/>
+              </a:rPr>
+              <a:t>data</a:t>
+            </a:r>
+            <a:r>
+              <a:rPr lang="pt-BR" sz="1050" dirty="0" err="1">
+                <a:solidFill>
+                  <a:srgbClr val="D4D4D4"/>
+                </a:solidFill>
+                <a:latin typeface="Consolas" panose="020B0609020204030204" pitchFamily="49" charset="0"/>
+              </a:rPr>
+              <a:t>.</a:t>
+            </a:r>
+            <a:r>
+              <a:rPr lang="pt-BR" sz="1050" dirty="0" err="1">
+                <a:solidFill>
+                  <a:srgbClr val="DCDCAA"/>
+                </a:solidFill>
+                <a:latin typeface="Consolas" panose="020B0609020204030204" pitchFamily="49" charset="0"/>
+              </a:rPr>
+              <a:t>map</a:t>
+            </a:r>
+            <a:r>
+              <a:rPr lang="pt-BR" sz="1050" dirty="0">
+                <a:solidFill>
+                  <a:srgbClr val="D4D4D4"/>
+                </a:solidFill>
+                <a:latin typeface="Consolas" panose="020B0609020204030204" pitchFamily="49" charset="0"/>
+              </a:rPr>
+              <a:t>((</a:t>
+            </a:r>
+            <a:r>
+              <a:rPr lang="pt-BR" sz="1050" dirty="0" err="1">
+                <a:solidFill>
+                  <a:srgbClr val="9CDCFE"/>
+                </a:solidFill>
+                <a:latin typeface="Consolas" panose="020B0609020204030204" pitchFamily="49" charset="0"/>
+              </a:rPr>
+              <a:t>row</a:t>
+            </a:r>
+            <a:r>
+              <a:rPr lang="pt-BR" sz="1050" dirty="0">
+                <a:solidFill>
+                  <a:srgbClr val="D4D4D4"/>
+                </a:solidFill>
+                <a:latin typeface="Consolas" panose="020B0609020204030204" pitchFamily="49" charset="0"/>
+              </a:rPr>
+              <a:t>, </a:t>
+            </a:r>
+            <a:r>
+              <a:rPr lang="pt-BR" sz="1050" dirty="0" err="1">
+                <a:solidFill>
+                  <a:srgbClr val="9CDCFE"/>
+                </a:solidFill>
+                <a:latin typeface="Consolas" panose="020B0609020204030204" pitchFamily="49" charset="0"/>
+              </a:rPr>
+              <a:t>rowidx</a:t>
+            </a:r>
+            <a:r>
+              <a:rPr lang="pt-BR" sz="1050" dirty="0">
+                <a:solidFill>
+                  <a:srgbClr val="D4D4D4"/>
+                </a:solidFill>
+                <a:latin typeface="Consolas" panose="020B0609020204030204" pitchFamily="49" charset="0"/>
+              </a:rPr>
+              <a:t>) </a:t>
+            </a:r>
+            <a:r>
+              <a:rPr lang="pt-BR" sz="1050" dirty="0">
+                <a:solidFill>
+                  <a:srgbClr val="569CD6"/>
+                </a:solidFill>
+                <a:latin typeface="Consolas" panose="020B0609020204030204" pitchFamily="49" charset="0"/>
+              </a:rPr>
+              <a:t>=&gt;</a:t>
+            </a:r>
+            <a:r>
+              <a:rPr lang="pt-BR" sz="1050" dirty="0">
+                <a:solidFill>
+                  <a:srgbClr val="D4D4D4"/>
+                </a:solidFill>
+                <a:latin typeface="Consolas" panose="020B0609020204030204" pitchFamily="49" charset="0"/>
+              </a:rPr>
+              <a:t> {</a:t>
+            </a:r>
+            <a:endParaRPr lang="pt-BR" sz="1050" dirty="0">
+              <a:solidFill>
+                <a:srgbClr val="CCCCCC"/>
+              </a:solidFill>
+              <a:latin typeface="Consolas" panose="020B0609020204030204" pitchFamily="49" charset="0"/>
+            </a:endParaRPr>
+          </a:p>
+          <a:p>
+            <a:pPr marL="0" indent="0">
+              <a:spcBef>
+                <a:spcPts val="0"/>
+              </a:spcBef>
+              <a:buNone/>
+            </a:pPr>
+            <a:r>
+              <a:rPr lang="pt-BR" sz="1050" dirty="0">
+                <a:solidFill>
+                  <a:srgbClr val="D4D4D4"/>
+                </a:solidFill>
+                <a:latin typeface="Consolas" panose="020B0609020204030204" pitchFamily="49" charset="0"/>
+              </a:rPr>
+              <a:t>     </a:t>
+            </a:r>
+            <a:r>
+              <a:rPr lang="pt-BR" sz="1050" dirty="0" err="1">
+                <a:solidFill>
+                  <a:srgbClr val="C586C0"/>
+                </a:solidFill>
+                <a:latin typeface="Consolas" panose="020B0609020204030204" pitchFamily="49" charset="0"/>
+              </a:rPr>
+              <a:t>return</a:t>
+            </a:r>
+            <a:r>
+              <a:rPr lang="pt-BR" sz="1050" dirty="0">
+                <a:solidFill>
+                  <a:srgbClr val="D4D4D4"/>
+                </a:solidFill>
+                <a:latin typeface="Consolas" panose="020B0609020204030204" pitchFamily="49" charset="0"/>
+              </a:rPr>
+              <a:t> (</a:t>
+            </a:r>
+            <a:endParaRPr lang="pt-BR" sz="1050" dirty="0">
+              <a:solidFill>
+                <a:srgbClr val="CCCCCC"/>
+              </a:solidFill>
+              <a:latin typeface="Consolas" panose="020B0609020204030204" pitchFamily="49" charset="0"/>
+            </a:endParaRPr>
+          </a:p>
+          <a:p>
+            <a:pPr marL="0" indent="0">
+              <a:spcBef>
+                <a:spcPts val="0"/>
+              </a:spcBef>
+              <a:buNone/>
+            </a:pPr>
+            <a:r>
+              <a:rPr lang="pt-BR" sz="1050" dirty="0">
+                <a:solidFill>
+                  <a:srgbClr val="D4D4D4"/>
+                </a:solidFill>
+                <a:latin typeface="Consolas" panose="020B0609020204030204" pitchFamily="49" charset="0"/>
+              </a:rPr>
+              <a:t>       </a:t>
+            </a:r>
+            <a:r>
+              <a:rPr lang="pt-BR" sz="1050" dirty="0">
+                <a:solidFill>
+                  <a:srgbClr val="808080"/>
+                </a:solidFill>
+                <a:latin typeface="Consolas" panose="020B0609020204030204" pitchFamily="49" charset="0"/>
+              </a:rPr>
+              <a:t>&lt;</a:t>
+            </a:r>
+            <a:r>
+              <a:rPr lang="pt-BR" sz="1050" dirty="0" err="1">
+                <a:solidFill>
+                  <a:srgbClr val="569CD6"/>
+                </a:solidFill>
+                <a:latin typeface="Consolas" panose="020B0609020204030204" pitchFamily="49" charset="0"/>
+              </a:rPr>
+              <a:t>tr</a:t>
+            </a:r>
+            <a:r>
+              <a:rPr lang="pt-BR" sz="1050" dirty="0">
+                <a:solidFill>
+                  <a:srgbClr val="D4D4D4"/>
+                </a:solidFill>
+                <a:latin typeface="Consolas" panose="020B0609020204030204" pitchFamily="49" charset="0"/>
+              </a:rPr>
+              <a:t> </a:t>
+            </a:r>
+            <a:r>
+              <a:rPr lang="pt-BR" sz="1050" dirty="0" err="1">
+                <a:solidFill>
+                  <a:srgbClr val="9CDCFE"/>
+                </a:solidFill>
+                <a:latin typeface="Consolas" panose="020B0609020204030204" pitchFamily="49" charset="0"/>
+              </a:rPr>
+              <a:t>key</a:t>
+            </a:r>
+            <a:r>
+              <a:rPr lang="pt-BR" sz="1050" dirty="0">
+                <a:solidFill>
+                  <a:srgbClr val="D4D4D4"/>
+                </a:solidFill>
+                <a:latin typeface="Consolas" panose="020B0609020204030204" pitchFamily="49" charset="0"/>
+              </a:rPr>
+              <a:t>=</a:t>
+            </a:r>
+            <a:r>
+              <a:rPr lang="pt-BR" sz="1050" dirty="0">
+                <a:solidFill>
+                  <a:srgbClr val="569CD6"/>
+                </a:solidFill>
+                <a:latin typeface="Consolas" panose="020B0609020204030204" pitchFamily="49" charset="0"/>
+              </a:rPr>
+              <a:t>{</a:t>
+            </a:r>
+            <a:r>
+              <a:rPr lang="pt-BR" sz="1050" dirty="0" err="1">
+                <a:solidFill>
+                  <a:srgbClr val="9CDCFE"/>
+                </a:solidFill>
+                <a:latin typeface="Consolas" panose="020B0609020204030204" pitchFamily="49" charset="0"/>
+              </a:rPr>
+              <a:t>rowidx</a:t>
+            </a:r>
+            <a:r>
+              <a:rPr lang="pt-BR" sz="1050" dirty="0">
+                <a:solidFill>
+                  <a:srgbClr val="569CD6"/>
+                </a:solidFill>
+                <a:latin typeface="Consolas" panose="020B0609020204030204" pitchFamily="49" charset="0"/>
+              </a:rPr>
+              <a:t>}</a:t>
+            </a:r>
+            <a:r>
+              <a:rPr lang="pt-BR" sz="1050" dirty="0">
+                <a:solidFill>
+                  <a:srgbClr val="D4D4D4"/>
+                </a:solidFill>
+                <a:latin typeface="Consolas" panose="020B0609020204030204" pitchFamily="49" charset="0"/>
+              </a:rPr>
+              <a:t> </a:t>
+            </a:r>
+            <a:r>
+              <a:rPr lang="pt-BR" sz="1050" dirty="0">
+                <a:solidFill>
+                  <a:srgbClr val="9CDCFE"/>
+                </a:solidFill>
+                <a:latin typeface="Consolas" panose="020B0609020204030204" pitchFamily="49" charset="0"/>
+              </a:rPr>
+              <a:t>data-</a:t>
+            </a:r>
+            <a:r>
+              <a:rPr lang="pt-BR" sz="1050" dirty="0" err="1">
+                <a:solidFill>
+                  <a:srgbClr val="9CDCFE"/>
+                </a:solidFill>
+                <a:latin typeface="Consolas" panose="020B0609020204030204" pitchFamily="49" charset="0"/>
+              </a:rPr>
+              <a:t>row</a:t>
+            </a:r>
+            <a:r>
+              <a:rPr lang="pt-BR" sz="1050" dirty="0">
+                <a:solidFill>
+                  <a:srgbClr val="D4D4D4"/>
+                </a:solidFill>
+                <a:latin typeface="Consolas" panose="020B0609020204030204" pitchFamily="49" charset="0"/>
+              </a:rPr>
+              <a:t>=</a:t>
+            </a:r>
+            <a:r>
+              <a:rPr lang="pt-BR" sz="1050" dirty="0">
+                <a:solidFill>
+                  <a:srgbClr val="569CD6"/>
+                </a:solidFill>
+                <a:latin typeface="Consolas" panose="020B0609020204030204" pitchFamily="49" charset="0"/>
+              </a:rPr>
+              <a:t>{</a:t>
+            </a:r>
+            <a:r>
+              <a:rPr lang="pt-BR" sz="1050" dirty="0" err="1">
+                <a:solidFill>
+                  <a:srgbClr val="9CDCFE"/>
+                </a:solidFill>
+                <a:latin typeface="Consolas" panose="020B0609020204030204" pitchFamily="49" charset="0"/>
+              </a:rPr>
+              <a:t>rowidx</a:t>
+            </a:r>
+            <a:r>
+              <a:rPr lang="pt-BR" sz="1050" dirty="0">
+                <a:solidFill>
+                  <a:srgbClr val="569CD6"/>
+                </a:solidFill>
+                <a:latin typeface="Consolas" panose="020B0609020204030204" pitchFamily="49" charset="0"/>
+              </a:rPr>
+              <a:t>}</a:t>
+            </a:r>
+            <a:r>
+              <a:rPr lang="pt-BR" sz="1050" dirty="0">
+                <a:solidFill>
+                  <a:srgbClr val="808080"/>
+                </a:solidFill>
+                <a:latin typeface="Consolas" panose="020B0609020204030204" pitchFamily="49" charset="0"/>
+              </a:rPr>
+              <a:t>&gt;</a:t>
+            </a:r>
+            <a:endParaRPr lang="pt-BR" sz="1050" dirty="0">
+              <a:solidFill>
+                <a:srgbClr val="CCCCCC"/>
+              </a:solidFill>
+              <a:latin typeface="Consolas" panose="020B0609020204030204" pitchFamily="49" charset="0"/>
+            </a:endParaRPr>
+          </a:p>
+          <a:p>
+            <a:pPr marL="0" indent="0">
+              <a:spcBef>
+                <a:spcPts val="0"/>
+              </a:spcBef>
+              <a:buNone/>
+            </a:pPr>
+            <a:r>
+              <a:rPr lang="pt-BR" sz="1050" dirty="0">
+                <a:solidFill>
+                  <a:srgbClr val="D4D4D4"/>
+                </a:solidFill>
+                <a:latin typeface="Consolas" panose="020B0609020204030204" pitchFamily="49" charset="0"/>
+              </a:rPr>
+              <a:t>       </a:t>
+            </a:r>
+            <a:r>
+              <a:rPr lang="pt-BR" sz="1050" dirty="0">
+                <a:solidFill>
+                  <a:srgbClr val="569CD6"/>
+                </a:solidFill>
+                <a:latin typeface="Consolas" panose="020B0609020204030204" pitchFamily="49" charset="0"/>
+              </a:rPr>
+              <a:t>{</a:t>
+            </a:r>
+            <a:endParaRPr lang="pt-BR" sz="1050" dirty="0">
+              <a:solidFill>
+                <a:srgbClr val="CCCCCC"/>
+              </a:solidFill>
+              <a:latin typeface="Consolas" panose="020B0609020204030204" pitchFamily="49" charset="0"/>
+            </a:endParaRPr>
+          </a:p>
+          <a:p>
+            <a:pPr marL="0" indent="0">
+              <a:spcBef>
+                <a:spcPts val="0"/>
+              </a:spcBef>
+              <a:buNone/>
+            </a:pPr>
+            <a:r>
+              <a:rPr lang="pt-BR" sz="1050" dirty="0">
+                <a:solidFill>
+                  <a:srgbClr val="D4D4D4"/>
+                </a:solidFill>
+                <a:latin typeface="Consolas" panose="020B0609020204030204" pitchFamily="49" charset="0"/>
+              </a:rPr>
+              <a:t>          </a:t>
+            </a:r>
+            <a:r>
+              <a:rPr lang="pt-BR" sz="1050" dirty="0" err="1">
+                <a:solidFill>
+                  <a:srgbClr val="9CDCFE"/>
+                </a:solidFill>
+                <a:latin typeface="Consolas" panose="020B0609020204030204" pitchFamily="49" charset="0"/>
+              </a:rPr>
+              <a:t>row</a:t>
+            </a:r>
+            <a:r>
+              <a:rPr lang="pt-BR" sz="1050" dirty="0" err="1">
+                <a:solidFill>
+                  <a:srgbClr val="D4D4D4"/>
+                </a:solidFill>
+                <a:latin typeface="Consolas" panose="020B0609020204030204" pitchFamily="49" charset="0"/>
+              </a:rPr>
+              <a:t>.</a:t>
+            </a:r>
+            <a:r>
+              <a:rPr lang="pt-BR" sz="1050" dirty="0" err="1">
+                <a:solidFill>
+                  <a:srgbClr val="DCDCAA"/>
+                </a:solidFill>
+                <a:latin typeface="Consolas" panose="020B0609020204030204" pitchFamily="49" charset="0"/>
+              </a:rPr>
+              <a:t>map</a:t>
+            </a:r>
+            <a:r>
+              <a:rPr lang="pt-BR" sz="1050" dirty="0">
+                <a:solidFill>
+                  <a:srgbClr val="D4D4D4"/>
+                </a:solidFill>
+                <a:latin typeface="Consolas" panose="020B0609020204030204" pitchFamily="49" charset="0"/>
+              </a:rPr>
+              <a:t>((</a:t>
+            </a:r>
+            <a:r>
+              <a:rPr lang="pt-BR" sz="1050" dirty="0" err="1">
+                <a:solidFill>
+                  <a:srgbClr val="9CDCFE"/>
+                </a:solidFill>
+                <a:latin typeface="Consolas" panose="020B0609020204030204" pitchFamily="49" charset="0"/>
+              </a:rPr>
+              <a:t>cell</a:t>
+            </a:r>
+            <a:r>
+              <a:rPr lang="pt-BR" sz="1050" dirty="0">
+                <a:solidFill>
+                  <a:srgbClr val="D4D4D4"/>
+                </a:solidFill>
+                <a:latin typeface="Consolas" panose="020B0609020204030204" pitchFamily="49" charset="0"/>
+              </a:rPr>
+              <a:t>, </a:t>
+            </a:r>
+            <a:r>
+              <a:rPr lang="pt-BR" sz="1050" dirty="0" err="1">
+                <a:solidFill>
+                  <a:srgbClr val="9CDCFE"/>
+                </a:solidFill>
+                <a:latin typeface="Consolas" panose="020B0609020204030204" pitchFamily="49" charset="0"/>
+              </a:rPr>
+              <a:t>columnidx</a:t>
+            </a:r>
+            <a:r>
+              <a:rPr lang="pt-BR" sz="1050" dirty="0">
+                <a:solidFill>
+                  <a:srgbClr val="D4D4D4"/>
+                </a:solidFill>
+                <a:latin typeface="Consolas" panose="020B0609020204030204" pitchFamily="49" charset="0"/>
+              </a:rPr>
+              <a:t>) </a:t>
+            </a:r>
+            <a:r>
+              <a:rPr lang="pt-BR" sz="1050" dirty="0">
+                <a:solidFill>
+                  <a:srgbClr val="569CD6"/>
+                </a:solidFill>
+                <a:latin typeface="Consolas" panose="020B0609020204030204" pitchFamily="49" charset="0"/>
+              </a:rPr>
+              <a:t>=&gt;</a:t>
+            </a:r>
+            <a:r>
+              <a:rPr lang="pt-BR" sz="1050" dirty="0">
+                <a:solidFill>
+                  <a:srgbClr val="D4D4D4"/>
+                </a:solidFill>
+                <a:latin typeface="Consolas" panose="020B0609020204030204" pitchFamily="49" charset="0"/>
+              </a:rPr>
+              <a:t> {</a:t>
+            </a:r>
+            <a:endParaRPr lang="pt-BR" sz="1050" dirty="0">
+              <a:solidFill>
+                <a:srgbClr val="CCCCCC"/>
+              </a:solidFill>
+              <a:latin typeface="Consolas" panose="020B0609020204030204" pitchFamily="49" charset="0"/>
+            </a:endParaRPr>
+          </a:p>
+          <a:p>
+            <a:pPr marL="0" indent="0">
+              <a:spcBef>
+                <a:spcPts val="0"/>
+              </a:spcBef>
+              <a:buNone/>
+            </a:pPr>
+            <a:r>
+              <a:rPr lang="pt-BR" sz="1050" dirty="0">
+                <a:solidFill>
+                  <a:srgbClr val="D4D4D4"/>
+                </a:solidFill>
+                <a:latin typeface="Consolas" panose="020B0609020204030204" pitchFamily="49" charset="0"/>
+              </a:rPr>
+              <a:t>            </a:t>
+            </a:r>
+            <a:r>
+              <a:rPr lang="pt-BR" sz="1050" dirty="0" err="1">
+                <a:solidFill>
+                  <a:srgbClr val="569CD6"/>
+                </a:solidFill>
+                <a:latin typeface="Consolas" panose="020B0609020204030204" pitchFamily="49" charset="0"/>
+              </a:rPr>
+              <a:t>const</a:t>
+            </a:r>
+            <a:r>
+              <a:rPr lang="pt-BR" sz="1050" dirty="0">
+                <a:solidFill>
+                  <a:srgbClr val="D4D4D4"/>
+                </a:solidFill>
+                <a:latin typeface="Consolas" panose="020B0609020204030204" pitchFamily="49" charset="0"/>
+              </a:rPr>
+              <a:t> </a:t>
+            </a:r>
+            <a:r>
+              <a:rPr lang="pt-BR" sz="1050" dirty="0" err="1">
+                <a:solidFill>
+                  <a:srgbClr val="4FC1FF"/>
+                </a:solidFill>
+                <a:latin typeface="Consolas" panose="020B0609020204030204" pitchFamily="49" charset="0"/>
+              </a:rPr>
+              <a:t>edit</a:t>
+            </a:r>
+            <a:r>
+              <a:rPr lang="pt-BR" sz="1050" dirty="0">
+                <a:solidFill>
+                  <a:srgbClr val="D4D4D4"/>
+                </a:solidFill>
+                <a:latin typeface="Consolas" panose="020B0609020204030204" pitchFamily="49" charset="0"/>
+              </a:rPr>
+              <a:t> = </a:t>
+            </a:r>
+            <a:r>
+              <a:rPr lang="pt-BR" sz="1050" dirty="0" err="1">
+                <a:solidFill>
+                  <a:srgbClr val="569CD6"/>
+                </a:solidFill>
+                <a:latin typeface="Consolas" panose="020B0609020204030204" pitchFamily="49" charset="0"/>
+              </a:rPr>
+              <a:t>this</a:t>
+            </a:r>
+            <a:r>
+              <a:rPr lang="pt-BR" sz="1050" dirty="0" err="1">
+                <a:solidFill>
+                  <a:srgbClr val="D4D4D4"/>
+                </a:solidFill>
+                <a:latin typeface="Consolas" panose="020B0609020204030204" pitchFamily="49" charset="0"/>
+              </a:rPr>
+              <a:t>.</a:t>
+            </a:r>
+            <a:r>
+              <a:rPr lang="pt-BR" sz="1050" dirty="0" err="1">
+                <a:solidFill>
+                  <a:srgbClr val="9CDCFE"/>
+                </a:solidFill>
+                <a:latin typeface="Consolas" panose="020B0609020204030204" pitchFamily="49" charset="0"/>
+              </a:rPr>
+              <a:t>state</a:t>
+            </a:r>
+            <a:r>
+              <a:rPr lang="pt-BR" sz="1050" dirty="0" err="1">
+                <a:solidFill>
+                  <a:srgbClr val="D4D4D4"/>
+                </a:solidFill>
+                <a:latin typeface="Consolas" panose="020B0609020204030204" pitchFamily="49" charset="0"/>
+              </a:rPr>
+              <a:t>.</a:t>
+            </a:r>
+            <a:r>
+              <a:rPr lang="pt-BR" sz="1050" dirty="0" err="1">
+                <a:solidFill>
+                  <a:srgbClr val="9CDCFE"/>
+                </a:solidFill>
+                <a:latin typeface="Consolas" panose="020B0609020204030204" pitchFamily="49" charset="0"/>
+              </a:rPr>
+              <a:t>edit</a:t>
+            </a:r>
+            <a:r>
+              <a:rPr lang="pt-BR" sz="1050" dirty="0">
+                <a:solidFill>
+                  <a:srgbClr val="D4D4D4"/>
+                </a:solidFill>
+                <a:latin typeface="Consolas" panose="020B0609020204030204" pitchFamily="49" charset="0"/>
+              </a:rPr>
+              <a:t>;</a:t>
+            </a:r>
+            <a:endParaRPr lang="pt-BR" sz="1050" dirty="0">
+              <a:solidFill>
+                <a:srgbClr val="CCCCCC"/>
+              </a:solidFill>
+              <a:latin typeface="Consolas" panose="020B0609020204030204" pitchFamily="49" charset="0"/>
+            </a:endParaRPr>
+          </a:p>
+          <a:p>
+            <a:pPr marL="0" indent="0">
+              <a:spcBef>
+                <a:spcPts val="0"/>
+              </a:spcBef>
+              <a:buNone/>
+            </a:pPr>
+            <a:r>
+              <a:rPr lang="pt-BR" sz="1050" dirty="0">
+                <a:solidFill>
+                  <a:srgbClr val="D4D4D4"/>
+                </a:solidFill>
+                <a:latin typeface="Consolas" panose="020B0609020204030204" pitchFamily="49" charset="0"/>
+              </a:rPr>
+              <a:t>            </a:t>
+            </a:r>
+            <a:r>
+              <a:rPr lang="pt-BR" sz="1050" dirty="0" err="1">
+                <a:solidFill>
+                  <a:srgbClr val="C586C0"/>
+                </a:solidFill>
+                <a:latin typeface="Consolas" panose="020B0609020204030204" pitchFamily="49" charset="0"/>
+              </a:rPr>
+              <a:t>if</a:t>
+            </a:r>
+            <a:r>
+              <a:rPr lang="pt-BR" sz="1050" dirty="0">
+                <a:solidFill>
+                  <a:srgbClr val="D4D4D4"/>
+                </a:solidFill>
+                <a:latin typeface="Consolas" panose="020B0609020204030204" pitchFamily="49" charset="0"/>
+              </a:rPr>
+              <a:t> (</a:t>
+            </a:r>
+            <a:r>
+              <a:rPr lang="pt-BR" sz="1050" dirty="0" err="1">
+                <a:solidFill>
+                  <a:srgbClr val="4FC1FF"/>
+                </a:solidFill>
+                <a:latin typeface="Consolas" panose="020B0609020204030204" pitchFamily="49" charset="0"/>
+              </a:rPr>
+              <a:t>edit</a:t>
+            </a:r>
+            <a:r>
+              <a:rPr lang="pt-BR" sz="1050" dirty="0">
+                <a:solidFill>
+                  <a:srgbClr val="D4D4D4"/>
+                </a:solidFill>
+                <a:latin typeface="Consolas" panose="020B0609020204030204" pitchFamily="49" charset="0"/>
+              </a:rPr>
+              <a:t> &amp;&amp; </a:t>
+            </a:r>
+            <a:r>
+              <a:rPr lang="pt-BR" sz="1050" dirty="0" err="1">
+                <a:solidFill>
+                  <a:srgbClr val="4FC1FF"/>
+                </a:solidFill>
+                <a:latin typeface="Consolas" panose="020B0609020204030204" pitchFamily="49" charset="0"/>
+              </a:rPr>
+              <a:t>edit</a:t>
+            </a:r>
+            <a:r>
+              <a:rPr lang="pt-BR" sz="1050" dirty="0" err="1">
+                <a:solidFill>
+                  <a:srgbClr val="D4D4D4"/>
+                </a:solidFill>
+                <a:latin typeface="Consolas" panose="020B0609020204030204" pitchFamily="49" charset="0"/>
+              </a:rPr>
+              <a:t>.</a:t>
+            </a:r>
+            <a:r>
+              <a:rPr lang="pt-BR" sz="1050" dirty="0" err="1">
+                <a:solidFill>
+                  <a:srgbClr val="9CDCFE"/>
+                </a:solidFill>
+                <a:latin typeface="Consolas" panose="020B0609020204030204" pitchFamily="49" charset="0"/>
+              </a:rPr>
+              <a:t>row</a:t>
+            </a:r>
+            <a:r>
+              <a:rPr lang="pt-BR" sz="1050" dirty="0">
+                <a:solidFill>
+                  <a:srgbClr val="D4D4D4"/>
+                </a:solidFill>
+                <a:latin typeface="Consolas" panose="020B0609020204030204" pitchFamily="49" charset="0"/>
+              </a:rPr>
+              <a:t> === </a:t>
+            </a:r>
+            <a:r>
+              <a:rPr lang="pt-BR" sz="1050" dirty="0" err="1">
+                <a:solidFill>
+                  <a:srgbClr val="9CDCFE"/>
+                </a:solidFill>
+                <a:latin typeface="Consolas" panose="020B0609020204030204" pitchFamily="49" charset="0"/>
+              </a:rPr>
+              <a:t>rowidx</a:t>
+            </a:r>
+            <a:r>
+              <a:rPr lang="pt-BR" sz="1050" dirty="0">
+                <a:solidFill>
+                  <a:srgbClr val="D4D4D4"/>
+                </a:solidFill>
+                <a:latin typeface="Consolas" panose="020B0609020204030204" pitchFamily="49" charset="0"/>
+              </a:rPr>
+              <a:t> &amp;&amp; </a:t>
+            </a:r>
+            <a:r>
+              <a:rPr lang="pt-BR" sz="1050" dirty="0" err="1">
+                <a:solidFill>
+                  <a:srgbClr val="4FC1FF"/>
+                </a:solidFill>
+                <a:latin typeface="Consolas" panose="020B0609020204030204" pitchFamily="49" charset="0"/>
+              </a:rPr>
+              <a:t>edit</a:t>
+            </a:r>
+            <a:r>
+              <a:rPr lang="pt-BR" sz="1050" dirty="0" err="1">
+                <a:solidFill>
+                  <a:srgbClr val="D4D4D4"/>
+                </a:solidFill>
+                <a:latin typeface="Consolas" panose="020B0609020204030204" pitchFamily="49" charset="0"/>
+              </a:rPr>
+              <a:t>.</a:t>
+            </a:r>
+            <a:r>
+              <a:rPr lang="pt-BR" sz="1050" dirty="0" err="1">
+                <a:solidFill>
+                  <a:srgbClr val="9CDCFE"/>
+                </a:solidFill>
+                <a:latin typeface="Consolas" panose="020B0609020204030204" pitchFamily="49" charset="0"/>
+              </a:rPr>
+              <a:t>column</a:t>
+            </a:r>
+            <a:r>
+              <a:rPr lang="pt-BR" sz="1050" dirty="0">
+                <a:solidFill>
+                  <a:srgbClr val="D4D4D4"/>
+                </a:solidFill>
+                <a:latin typeface="Consolas" panose="020B0609020204030204" pitchFamily="49" charset="0"/>
+              </a:rPr>
+              <a:t> === </a:t>
+            </a:r>
+            <a:r>
+              <a:rPr lang="pt-BR" sz="1050" dirty="0" err="1">
+                <a:solidFill>
+                  <a:srgbClr val="9CDCFE"/>
+                </a:solidFill>
+                <a:latin typeface="Consolas" panose="020B0609020204030204" pitchFamily="49" charset="0"/>
+              </a:rPr>
+              <a:t>columnidx</a:t>
+            </a:r>
+            <a:r>
+              <a:rPr lang="pt-BR" sz="1050" dirty="0">
+                <a:solidFill>
+                  <a:srgbClr val="D4D4D4"/>
+                </a:solidFill>
+                <a:latin typeface="Consolas" panose="020B0609020204030204" pitchFamily="49" charset="0"/>
+              </a:rPr>
+              <a:t>) {</a:t>
+            </a:r>
+            <a:endParaRPr lang="pt-BR" sz="1050" dirty="0">
+              <a:solidFill>
+                <a:srgbClr val="CCCCCC"/>
+              </a:solidFill>
+              <a:latin typeface="Consolas" panose="020B0609020204030204" pitchFamily="49" charset="0"/>
+            </a:endParaRPr>
+          </a:p>
+          <a:p>
+            <a:pPr marL="0" indent="0">
+              <a:spcBef>
+                <a:spcPts val="0"/>
+              </a:spcBef>
+              <a:buNone/>
+            </a:pPr>
+            <a:r>
+              <a:rPr lang="pt-BR" sz="1050" dirty="0">
+                <a:solidFill>
+                  <a:srgbClr val="D4D4D4"/>
+                </a:solidFill>
+                <a:latin typeface="Consolas" panose="020B0609020204030204" pitchFamily="49" charset="0"/>
+              </a:rPr>
+              <a:t>               </a:t>
+            </a:r>
+            <a:r>
+              <a:rPr lang="pt-BR" sz="1050" dirty="0" err="1">
+                <a:solidFill>
+                  <a:srgbClr val="9CDCFE"/>
+                </a:solidFill>
+                <a:latin typeface="Consolas" panose="020B0609020204030204" pitchFamily="49" charset="0"/>
+              </a:rPr>
+              <a:t>cell</a:t>
+            </a:r>
+            <a:r>
+              <a:rPr lang="pt-BR" sz="1050" dirty="0">
+                <a:solidFill>
+                  <a:srgbClr val="D4D4D4"/>
+                </a:solidFill>
+                <a:latin typeface="Consolas" panose="020B0609020204030204" pitchFamily="49" charset="0"/>
+              </a:rPr>
+              <a:t> = (</a:t>
+            </a:r>
+            <a:endParaRPr lang="pt-BR" sz="1050" dirty="0">
+              <a:solidFill>
+                <a:srgbClr val="CCCCCC"/>
+              </a:solidFill>
+              <a:latin typeface="Consolas" panose="020B0609020204030204" pitchFamily="49" charset="0"/>
+            </a:endParaRPr>
+          </a:p>
+          <a:p>
+            <a:pPr marL="0" indent="0">
+              <a:spcBef>
+                <a:spcPts val="0"/>
+              </a:spcBef>
+              <a:buNone/>
+            </a:pPr>
+            <a:r>
+              <a:rPr lang="pt-BR" sz="1050" dirty="0">
+                <a:solidFill>
+                  <a:srgbClr val="D4D4D4"/>
+                </a:solidFill>
+                <a:latin typeface="Consolas" panose="020B0609020204030204" pitchFamily="49" charset="0"/>
+              </a:rPr>
+              <a:t>                 </a:t>
+            </a:r>
+            <a:r>
+              <a:rPr lang="pt-BR" sz="1050" dirty="0">
+                <a:solidFill>
+                  <a:srgbClr val="808080"/>
+                </a:solidFill>
+                <a:latin typeface="Consolas" panose="020B0609020204030204" pitchFamily="49" charset="0"/>
+              </a:rPr>
+              <a:t>&lt;</a:t>
+            </a:r>
+            <a:r>
+              <a:rPr lang="pt-BR" sz="1050" dirty="0" err="1">
+                <a:solidFill>
+                  <a:srgbClr val="569CD6"/>
+                </a:solidFill>
+                <a:latin typeface="Consolas" panose="020B0609020204030204" pitchFamily="49" charset="0"/>
+              </a:rPr>
+              <a:t>form</a:t>
+            </a:r>
+            <a:r>
+              <a:rPr lang="pt-BR" sz="1050" dirty="0">
+                <a:solidFill>
+                  <a:srgbClr val="D4D4D4"/>
+                </a:solidFill>
+                <a:latin typeface="Consolas" panose="020B0609020204030204" pitchFamily="49" charset="0"/>
+              </a:rPr>
+              <a:t> </a:t>
+            </a:r>
+            <a:r>
+              <a:rPr lang="pt-BR" sz="1050" dirty="0" err="1">
+                <a:solidFill>
+                  <a:srgbClr val="9CDCFE"/>
+                </a:solidFill>
+                <a:latin typeface="Consolas" panose="020B0609020204030204" pitchFamily="49" charset="0"/>
+              </a:rPr>
+              <a:t>onSubmit</a:t>
+            </a:r>
+            <a:r>
+              <a:rPr lang="pt-BR" sz="1050" dirty="0">
+                <a:solidFill>
+                  <a:srgbClr val="D4D4D4"/>
+                </a:solidFill>
+                <a:latin typeface="Consolas" panose="020B0609020204030204" pitchFamily="49" charset="0"/>
+              </a:rPr>
+              <a:t>=</a:t>
+            </a:r>
+            <a:r>
+              <a:rPr lang="pt-BR" sz="1050" dirty="0">
+                <a:solidFill>
+                  <a:srgbClr val="569CD6"/>
+                </a:solidFill>
+                <a:latin typeface="Consolas" panose="020B0609020204030204" pitchFamily="49" charset="0"/>
+              </a:rPr>
+              <a:t>{</a:t>
+            </a:r>
+            <a:r>
+              <a:rPr lang="pt-BR" sz="1050" dirty="0" err="1">
+                <a:solidFill>
+                  <a:srgbClr val="569CD6"/>
+                </a:solidFill>
+                <a:latin typeface="Consolas" panose="020B0609020204030204" pitchFamily="49" charset="0"/>
+              </a:rPr>
+              <a:t>this</a:t>
+            </a:r>
+            <a:r>
+              <a:rPr lang="pt-BR" sz="1050" dirty="0">
+                <a:solidFill>
+                  <a:srgbClr val="D4D4D4"/>
+                </a:solidFill>
+                <a:latin typeface="Consolas" panose="020B0609020204030204" pitchFamily="49" charset="0"/>
+              </a:rPr>
+              <a:t>. </a:t>
+            </a:r>
+            <a:r>
+              <a:rPr lang="pt-BR" sz="1050" dirty="0" err="1">
+                <a:solidFill>
+                  <a:srgbClr val="DCDCAA"/>
+                </a:solidFill>
+                <a:latin typeface="Consolas" panose="020B0609020204030204" pitchFamily="49" charset="0"/>
+              </a:rPr>
+              <a:t>onSaveEdit</a:t>
+            </a:r>
+            <a:r>
+              <a:rPr lang="pt-BR" sz="1050" dirty="0">
+                <a:solidFill>
+                  <a:srgbClr val="569CD6"/>
+                </a:solidFill>
+                <a:latin typeface="Consolas" panose="020B0609020204030204" pitchFamily="49" charset="0"/>
+              </a:rPr>
+              <a:t>}</a:t>
+            </a:r>
+            <a:r>
+              <a:rPr lang="pt-BR" sz="1050" dirty="0">
+                <a:solidFill>
+                  <a:srgbClr val="808080"/>
+                </a:solidFill>
+                <a:latin typeface="Consolas" panose="020B0609020204030204" pitchFamily="49" charset="0"/>
+              </a:rPr>
+              <a:t>&gt;</a:t>
+            </a:r>
+            <a:endParaRPr lang="pt-BR" sz="1050" dirty="0">
+              <a:solidFill>
+                <a:srgbClr val="CCCCCC"/>
+              </a:solidFill>
+              <a:latin typeface="Consolas" panose="020B0609020204030204" pitchFamily="49" charset="0"/>
+            </a:endParaRPr>
+          </a:p>
+          <a:p>
+            <a:pPr marL="0" indent="0">
+              <a:spcBef>
+                <a:spcPts val="0"/>
+              </a:spcBef>
+              <a:buNone/>
+            </a:pPr>
+            <a:r>
+              <a:rPr lang="pt-BR" sz="1050" dirty="0">
+                <a:solidFill>
+                  <a:srgbClr val="D4D4D4"/>
+                </a:solidFill>
+                <a:latin typeface="Consolas" panose="020B0609020204030204" pitchFamily="49" charset="0"/>
+              </a:rPr>
+              <a:t>                   </a:t>
+            </a:r>
+            <a:r>
+              <a:rPr lang="pt-BR" sz="1050" dirty="0">
+                <a:solidFill>
+                  <a:srgbClr val="808080"/>
+                </a:solidFill>
+                <a:latin typeface="Consolas" panose="020B0609020204030204" pitchFamily="49" charset="0"/>
+              </a:rPr>
+              <a:t>&lt;</a:t>
+            </a:r>
+            <a:r>
+              <a:rPr lang="pt-BR" sz="1050" dirty="0">
+                <a:solidFill>
+                  <a:srgbClr val="569CD6"/>
+                </a:solidFill>
+                <a:latin typeface="Consolas" panose="020B0609020204030204" pitchFamily="49" charset="0"/>
+              </a:rPr>
+              <a:t>input</a:t>
+            </a:r>
+            <a:r>
+              <a:rPr lang="pt-BR" sz="1050" dirty="0">
+                <a:solidFill>
+                  <a:srgbClr val="D4D4D4"/>
+                </a:solidFill>
+                <a:latin typeface="Consolas" panose="020B0609020204030204" pitchFamily="49" charset="0"/>
+              </a:rPr>
+              <a:t> </a:t>
+            </a:r>
+            <a:r>
+              <a:rPr lang="pt-BR" sz="1050" dirty="0" err="1">
+                <a:solidFill>
+                  <a:srgbClr val="9CDCFE"/>
+                </a:solidFill>
+                <a:latin typeface="Consolas" panose="020B0609020204030204" pitchFamily="49" charset="0"/>
+              </a:rPr>
+              <a:t>type</a:t>
+            </a:r>
+            <a:r>
+              <a:rPr lang="pt-BR" sz="1050" dirty="0">
+                <a:solidFill>
+                  <a:srgbClr val="D4D4D4"/>
+                </a:solidFill>
+                <a:latin typeface="Consolas" panose="020B0609020204030204" pitchFamily="49" charset="0"/>
+              </a:rPr>
+              <a:t>=</a:t>
+            </a:r>
+            <a:r>
+              <a:rPr lang="pt-BR" sz="1050" dirty="0">
+                <a:solidFill>
+                  <a:srgbClr val="CE9178"/>
+                </a:solidFill>
+                <a:latin typeface="Consolas" panose="020B0609020204030204" pitchFamily="49" charset="0"/>
+              </a:rPr>
+              <a:t>"</a:t>
+            </a:r>
+            <a:r>
+              <a:rPr lang="pt-BR" sz="1050" dirty="0" err="1">
+                <a:solidFill>
+                  <a:srgbClr val="CE9178"/>
+                </a:solidFill>
+                <a:latin typeface="Consolas" panose="020B0609020204030204" pitchFamily="49" charset="0"/>
+              </a:rPr>
+              <a:t>text</a:t>
+            </a:r>
+            <a:r>
+              <a:rPr lang="pt-BR" sz="1050" dirty="0">
+                <a:solidFill>
+                  <a:srgbClr val="CE9178"/>
+                </a:solidFill>
+                <a:latin typeface="Consolas" panose="020B0609020204030204" pitchFamily="49" charset="0"/>
+              </a:rPr>
+              <a:t>"</a:t>
+            </a:r>
+            <a:r>
+              <a:rPr lang="pt-BR" sz="1050" dirty="0">
+                <a:solidFill>
+                  <a:srgbClr val="D4D4D4"/>
+                </a:solidFill>
+                <a:latin typeface="Consolas" panose="020B0609020204030204" pitchFamily="49" charset="0"/>
+              </a:rPr>
+              <a:t> </a:t>
+            </a:r>
+            <a:r>
+              <a:rPr lang="pt-BR" sz="1050" dirty="0" err="1">
+                <a:solidFill>
+                  <a:srgbClr val="9CDCFE"/>
+                </a:solidFill>
+                <a:latin typeface="Consolas" panose="020B0609020204030204" pitchFamily="49" charset="0"/>
+              </a:rPr>
+              <a:t>defaultValue</a:t>
+            </a:r>
+            <a:r>
+              <a:rPr lang="pt-BR" sz="1050" dirty="0">
+                <a:solidFill>
+                  <a:srgbClr val="D4D4D4"/>
+                </a:solidFill>
+                <a:latin typeface="Consolas" panose="020B0609020204030204" pitchFamily="49" charset="0"/>
+              </a:rPr>
+              <a:t>=</a:t>
+            </a:r>
+            <a:r>
+              <a:rPr lang="pt-BR" sz="1050" dirty="0">
+                <a:solidFill>
+                  <a:srgbClr val="569CD6"/>
+                </a:solidFill>
+                <a:latin typeface="Consolas" panose="020B0609020204030204" pitchFamily="49" charset="0"/>
+              </a:rPr>
+              <a:t>{</a:t>
+            </a:r>
+            <a:r>
+              <a:rPr lang="pt-BR" sz="1050" dirty="0" err="1">
+                <a:solidFill>
+                  <a:srgbClr val="9CDCFE"/>
+                </a:solidFill>
+                <a:latin typeface="Consolas" panose="020B0609020204030204" pitchFamily="49" charset="0"/>
+              </a:rPr>
+              <a:t>cell</a:t>
+            </a:r>
+            <a:r>
+              <a:rPr lang="pt-BR" sz="1050" dirty="0">
+                <a:solidFill>
+                  <a:srgbClr val="569CD6"/>
+                </a:solidFill>
+                <a:latin typeface="Consolas" panose="020B0609020204030204" pitchFamily="49" charset="0"/>
+              </a:rPr>
+              <a:t>}</a:t>
+            </a:r>
+            <a:r>
+              <a:rPr lang="pt-BR" sz="1050" dirty="0">
+                <a:solidFill>
+                  <a:srgbClr val="D4D4D4"/>
+                </a:solidFill>
+                <a:latin typeface="Consolas" panose="020B0609020204030204" pitchFamily="49" charset="0"/>
+              </a:rPr>
+              <a:t> </a:t>
+            </a:r>
+            <a:r>
+              <a:rPr lang="pt-BR" sz="1050" dirty="0">
+                <a:solidFill>
+                  <a:srgbClr val="808080"/>
+                </a:solidFill>
+                <a:latin typeface="Consolas" panose="020B0609020204030204" pitchFamily="49" charset="0"/>
+              </a:rPr>
+              <a:t>/&gt;</a:t>
+            </a:r>
+            <a:endParaRPr lang="pt-BR" sz="1050" dirty="0">
+              <a:solidFill>
+                <a:srgbClr val="CCCCCC"/>
+              </a:solidFill>
+              <a:latin typeface="Consolas" panose="020B0609020204030204" pitchFamily="49" charset="0"/>
+            </a:endParaRPr>
+          </a:p>
+          <a:p>
+            <a:pPr marL="0" indent="0">
+              <a:spcBef>
+                <a:spcPts val="0"/>
+              </a:spcBef>
+              <a:buNone/>
+            </a:pPr>
+            <a:r>
+              <a:rPr lang="pt-BR" sz="1050" dirty="0">
+                <a:solidFill>
+                  <a:srgbClr val="D4D4D4"/>
+                </a:solidFill>
+                <a:latin typeface="Consolas" panose="020B0609020204030204" pitchFamily="49" charset="0"/>
+              </a:rPr>
+              <a:t>                 </a:t>
+            </a:r>
+            <a:r>
+              <a:rPr lang="pt-BR" sz="1050" dirty="0">
+                <a:solidFill>
+                  <a:srgbClr val="808080"/>
+                </a:solidFill>
+                <a:latin typeface="Consolas" panose="020B0609020204030204" pitchFamily="49" charset="0"/>
+              </a:rPr>
+              <a:t>&lt;/</a:t>
+            </a:r>
+            <a:r>
+              <a:rPr lang="pt-BR" sz="1050" dirty="0" err="1">
+                <a:solidFill>
+                  <a:srgbClr val="569CD6"/>
+                </a:solidFill>
+                <a:latin typeface="Consolas" panose="020B0609020204030204" pitchFamily="49" charset="0"/>
+              </a:rPr>
+              <a:t>form</a:t>
+            </a:r>
+            <a:r>
+              <a:rPr lang="pt-BR" sz="1050" dirty="0">
+                <a:solidFill>
+                  <a:srgbClr val="808080"/>
+                </a:solidFill>
+                <a:latin typeface="Consolas" panose="020B0609020204030204" pitchFamily="49" charset="0"/>
+              </a:rPr>
+              <a:t>&gt;</a:t>
+            </a:r>
+            <a:endParaRPr lang="pt-BR" sz="1050" dirty="0">
+              <a:solidFill>
+                <a:srgbClr val="CCCCCC"/>
+              </a:solidFill>
+              <a:latin typeface="Consolas" panose="020B0609020204030204" pitchFamily="49" charset="0"/>
+            </a:endParaRPr>
+          </a:p>
+          <a:p>
+            <a:pPr marL="0" indent="0">
+              <a:spcBef>
+                <a:spcPts val="0"/>
+              </a:spcBef>
+              <a:buNone/>
+            </a:pPr>
+            <a:r>
+              <a:rPr lang="pt-BR" sz="1050" dirty="0">
+                <a:solidFill>
+                  <a:srgbClr val="D4D4D4"/>
+                </a:solidFill>
+                <a:latin typeface="Consolas" panose="020B0609020204030204" pitchFamily="49" charset="0"/>
+              </a:rPr>
+              <a:t>               );  </a:t>
+            </a:r>
+            <a:endParaRPr lang="pt-BR" sz="1050" dirty="0">
+              <a:solidFill>
+                <a:srgbClr val="CCCCCC"/>
+              </a:solidFill>
+              <a:latin typeface="Consolas" panose="020B0609020204030204" pitchFamily="49" charset="0"/>
+            </a:endParaRPr>
+          </a:p>
+          <a:p>
+            <a:pPr marL="0" indent="0">
+              <a:spcBef>
+                <a:spcPts val="0"/>
+              </a:spcBef>
+              <a:buNone/>
+            </a:pPr>
+            <a:r>
+              <a:rPr lang="pt-BR" sz="1050" dirty="0">
+                <a:solidFill>
+                  <a:srgbClr val="D4D4D4"/>
+                </a:solidFill>
+                <a:latin typeface="Consolas" panose="020B0609020204030204" pitchFamily="49" charset="0"/>
+              </a:rPr>
+              <a:t>            }</a:t>
+            </a:r>
+            <a:endParaRPr lang="pt-BR" sz="1050" dirty="0">
+              <a:solidFill>
+                <a:srgbClr val="CCCCCC"/>
+              </a:solidFill>
+              <a:latin typeface="Consolas" panose="020B0609020204030204" pitchFamily="49" charset="0"/>
+            </a:endParaRPr>
+          </a:p>
+          <a:p>
+            <a:pPr marL="0" indent="0">
+              <a:spcBef>
+                <a:spcPts val="0"/>
+              </a:spcBef>
+              <a:buNone/>
+            </a:pPr>
+            <a:r>
+              <a:rPr lang="pt-BR" sz="1050" dirty="0">
+                <a:solidFill>
+                  <a:srgbClr val="D4D4D4"/>
+                </a:solidFill>
+                <a:latin typeface="Consolas" panose="020B0609020204030204" pitchFamily="49" charset="0"/>
+              </a:rPr>
+              <a:t>            </a:t>
+            </a:r>
+            <a:r>
+              <a:rPr lang="pt-BR" sz="1050" dirty="0" err="1">
+                <a:solidFill>
+                  <a:srgbClr val="C586C0"/>
+                </a:solidFill>
+                <a:latin typeface="Consolas" panose="020B0609020204030204" pitchFamily="49" charset="0"/>
+              </a:rPr>
+              <a:t>return</a:t>
+            </a:r>
+            <a:r>
+              <a:rPr lang="pt-BR" sz="1050" dirty="0">
+                <a:solidFill>
+                  <a:srgbClr val="D4D4D4"/>
+                </a:solidFill>
+                <a:latin typeface="Consolas" panose="020B0609020204030204" pitchFamily="49" charset="0"/>
+              </a:rPr>
+              <a:t> </a:t>
+            </a:r>
+            <a:r>
+              <a:rPr lang="pt-BR" sz="1050" dirty="0">
+                <a:solidFill>
+                  <a:srgbClr val="808080"/>
+                </a:solidFill>
+                <a:latin typeface="Consolas" panose="020B0609020204030204" pitchFamily="49" charset="0"/>
+              </a:rPr>
+              <a:t>&lt;</a:t>
+            </a:r>
+            <a:r>
+              <a:rPr lang="pt-BR" sz="1050" dirty="0" err="1">
+                <a:solidFill>
+                  <a:srgbClr val="569CD6"/>
+                </a:solidFill>
+                <a:latin typeface="Consolas" panose="020B0609020204030204" pitchFamily="49" charset="0"/>
+              </a:rPr>
+              <a:t>td</a:t>
+            </a:r>
+            <a:r>
+              <a:rPr lang="pt-BR" sz="1050" dirty="0">
+                <a:solidFill>
+                  <a:srgbClr val="D4D4D4"/>
+                </a:solidFill>
+                <a:latin typeface="Consolas" panose="020B0609020204030204" pitchFamily="49" charset="0"/>
+              </a:rPr>
+              <a:t> </a:t>
+            </a:r>
+            <a:r>
+              <a:rPr lang="pt-BR" sz="1050" dirty="0" err="1">
+                <a:solidFill>
+                  <a:srgbClr val="9CDCFE"/>
+                </a:solidFill>
+                <a:latin typeface="Consolas" panose="020B0609020204030204" pitchFamily="49" charset="0"/>
+              </a:rPr>
+              <a:t>onClick</a:t>
+            </a:r>
+            <a:r>
+              <a:rPr lang="pt-BR" sz="1050" dirty="0">
+                <a:solidFill>
+                  <a:srgbClr val="D4D4D4"/>
+                </a:solidFill>
+                <a:latin typeface="Consolas" panose="020B0609020204030204" pitchFamily="49" charset="0"/>
+              </a:rPr>
+              <a:t>=</a:t>
+            </a:r>
+            <a:r>
+              <a:rPr lang="pt-BR" sz="1050" dirty="0">
+                <a:solidFill>
+                  <a:srgbClr val="569CD6"/>
+                </a:solidFill>
+                <a:latin typeface="Consolas" panose="020B0609020204030204" pitchFamily="49" charset="0"/>
+              </a:rPr>
+              <a:t>{</a:t>
+            </a:r>
+            <a:r>
+              <a:rPr lang="pt-BR" sz="1050" dirty="0" err="1">
+                <a:solidFill>
+                  <a:srgbClr val="569CD6"/>
+                </a:solidFill>
+                <a:latin typeface="Consolas" panose="020B0609020204030204" pitchFamily="49" charset="0"/>
+              </a:rPr>
+              <a:t>this</a:t>
+            </a:r>
+            <a:r>
+              <a:rPr lang="pt-BR" sz="1050" dirty="0" err="1">
+                <a:solidFill>
+                  <a:srgbClr val="D4D4D4"/>
+                </a:solidFill>
+                <a:latin typeface="Consolas" panose="020B0609020204030204" pitchFamily="49" charset="0"/>
+              </a:rPr>
+              <a:t>.</a:t>
+            </a:r>
+            <a:r>
+              <a:rPr lang="pt-BR" sz="1050" dirty="0" err="1">
+                <a:solidFill>
+                  <a:srgbClr val="DCDCAA"/>
+                </a:solidFill>
+                <a:latin typeface="Consolas" panose="020B0609020204030204" pitchFamily="49" charset="0"/>
+              </a:rPr>
+              <a:t>onResetTable</a:t>
+            </a:r>
+            <a:r>
+              <a:rPr lang="pt-BR" sz="1050" dirty="0">
+                <a:solidFill>
+                  <a:srgbClr val="569CD6"/>
+                </a:solidFill>
+                <a:latin typeface="Consolas" panose="020B0609020204030204" pitchFamily="49" charset="0"/>
+              </a:rPr>
+              <a:t>}</a:t>
+            </a:r>
+            <a:r>
+              <a:rPr lang="pt-BR" sz="1050" dirty="0">
+                <a:solidFill>
+                  <a:srgbClr val="D4D4D4"/>
+                </a:solidFill>
+                <a:latin typeface="Consolas" panose="020B0609020204030204" pitchFamily="49" charset="0"/>
+              </a:rPr>
+              <a:t> </a:t>
+            </a:r>
+            <a:r>
+              <a:rPr lang="pt-BR" sz="1050" dirty="0" err="1">
+                <a:solidFill>
+                  <a:srgbClr val="9CDCFE"/>
+                </a:solidFill>
+                <a:latin typeface="Consolas" panose="020B0609020204030204" pitchFamily="49" charset="0"/>
+              </a:rPr>
+              <a:t>key</a:t>
+            </a:r>
+            <a:r>
+              <a:rPr lang="pt-BR" sz="1050" dirty="0">
+                <a:solidFill>
+                  <a:srgbClr val="D4D4D4"/>
+                </a:solidFill>
+                <a:latin typeface="Consolas" panose="020B0609020204030204" pitchFamily="49" charset="0"/>
+              </a:rPr>
+              <a:t>=</a:t>
+            </a:r>
+            <a:r>
+              <a:rPr lang="pt-BR" sz="1050" dirty="0">
+                <a:solidFill>
+                  <a:srgbClr val="569CD6"/>
+                </a:solidFill>
+                <a:latin typeface="Consolas" panose="020B0609020204030204" pitchFamily="49" charset="0"/>
+              </a:rPr>
+              <a:t>{</a:t>
+            </a:r>
+            <a:r>
+              <a:rPr lang="pt-BR" sz="1050" dirty="0" err="1">
+                <a:solidFill>
+                  <a:srgbClr val="9CDCFE"/>
+                </a:solidFill>
+                <a:latin typeface="Consolas" panose="020B0609020204030204" pitchFamily="49" charset="0"/>
+              </a:rPr>
+              <a:t>columnidx</a:t>
+            </a:r>
+            <a:r>
+              <a:rPr lang="pt-BR" sz="1050" dirty="0">
+                <a:solidFill>
+                  <a:srgbClr val="569CD6"/>
+                </a:solidFill>
+                <a:latin typeface="Consolas" panose="020B0609020204030204" pitchFamily="49" charset="0"/>
+              </a:rPr>
+              <a:t>}</a:t>
+            </a:r>
+            <a:r>
+              <a:rPr lang="pt-BR" sz="1050" dirty="0">
+                <a:solidFill>
+                  <a:srgbClr val="808080"/>
+                </a:solidFill>
+                <a:latin typeface="Consolas" panose="020B0609020204030204" pitchFamily="49" charset="0"/>
+              </a:rPr>
+              <a:t>&gt;</a:t>
+            </a:r>
+            <a:r>
+              <a:rPr lang="pt-BR" sz="1050" dirty="0">
+                <a:solidFill>
+                  <a:srgbClr val="569CD6"/>
+                </a:solidFill>
+                <a:latin typeface="Consolas" panose="020B0609020204030204" pitchFamily="49" charset="0"/>
+              </a:rPr>
+              <a:t>{</a:t>
+            </a:r>
+            <a:r>
+              <a:rPr lang="pt-BR" sz="1050" dirty="0" err="1">
+                <a:solidFill>
+                  <a:srgbClr val="9CDCFE"/>
+                </a:solidFill>
+                <a:latin typeface="Consolas" panose="020B0609020204030204" pitchFamily="49" charset="0"/>
+              </a:rPr>
+              <a:t>cell</a:t>
+            </a:r>
+            <a:r>
+              <a:rPr lang="pt-BR" sz="1050" dirty="0">
+                <a:solidFill>
+                  <a:srgbClr val="569CD6"/>
+                </a:solidFill>
+                <a:latin typeface="Consolas" panose="020B0609020204030204" pitchFamily="49" charset="0"/>
+              </a:rPr>
+              <a:t>}</a:t>
+            </a:r>
+            <a:r>
+              <a:rPr lang="pt-BR" sz="1050" dirty="0">
+                <a:solidFill>
+                  <a:srgbClr val="808080"/>
+                </a:solidFill>
+                <a:latin typeface="Consolas" panose="020B0609020204030204" pitchFamily="49" charset="0"/>
+              </a:rPr>
+              <a:t>&lt;/</a:t>
+            </a:r>
+            <a:r>
+              <a:rPr lang="pt-BR" sz="1050" dirty="0" err="1">
+                <a:solidFill>
+                  <a:srgbClr val="569CD6"/>
+                </a:solidFill>
+                <a:latin typeface="Consolas" panose="020B0609020204030204" pitchFamily="49" charset="0"/>
+              </a:rPr>
+              <a:t>td</a:t>
+            </a:r>
+            <a:r>
+              <a:rPr lang="pt-BR" sz="1050" dirty="0">
+                <a:solidFill>
+                  <a:srgbClr val="808080"/>
+                </a:solidFill>
+                <a:latin typeface="Consolas" panose="020B0609020204030204" pitchFamily="49" charset="0"/>
+              </a:rPr>
+              <a:t>&gt;</a:t>
+            </a:r>
+            <a:r>
+              <a:rPr lang="pt-BR" sz="1050" dirty="0">
+                <a:solidFill>
+                  <a:srgbClr val="D4D4D4"/>
+                </a:solidFill>
+                <a:latin typeface="Consolas" panose="020B0609020204030204" pitchFamily="49" charset="0"/>
+              </a:rPr>
+              <a:t>;</a:t>
+            </a:r>
+            <a:endParaRPr lang="pt-BR" sz="1050" dirty="0">
+              <a:solidFill>
+                <a:srgbClr val="CCCCCC"/>
+              </a:solidFill>
+              <a:latin typeface="Consolas" panose="020B0609020204030204" pitchFamily="49" charset="0"/>
+            </a:endParaRPr>
+          </a:p>
+          <a:p>
+            <a:pPr marL="0" indent="0">
+              <a:spcBef>
+                <a:spcPts val="0"/>
+              </a:spcBef>
+              <a:buNone/>
+            </a:pPr>
+            <a:r>
+              <a:rPr lang="pt-BR" sz="1050" dirty="0">
+                <a:solidFill>
+                  <a:srgbClr val="D4D4D4"/>
+                </a:solidFill>
+                <a:latin typeface="Consolas" panose="020B0609020204030204" pitchFamily="49" charset="0"/>
+              </a:rPr>
+              <a:t>          })</a:t>
+            </a:r>
+            <a:endParaRPr lang="pt-BR" sz="1050" dirty="0">
+              <a:solidFill>
+                <a:srgbClr val="CCCCCC"/>
+              </a:solidFill>
+              <a:latin typeface="Consolas" panose="020B0609020204030204" pitchFamily="49" charset="0"/>
+            </a:endParaRPr>
+          </a:p>
+          <a:p>
+            <a:pPr marL="0" indent="0">
+              <a:spcBef>
+                <a:spcPts val="0"/>
+              </a:spcBef>
+              <a:buNone/>
+            </a:pPr>
+            <a:r>
+              <a:rPr lang="pt-BR" sz="1050" dirty="0">
+                <a:solidFill>
+                  <a:srgbClr val="D4D4D4"/>
+                </a:solidFill>
+                <a:latin typeface="Consolas" panose="020B0609020204030204" pitchFamily="49" charset="0"/>
+              </a:rPr>
+              <a:t>        </a:t>
+            </a:r>
+            <a:r>
+              <a:rPr lang="pt-BR" sz="1050" dirty="0">
+                <a:solidFill>
+                  <a:srgbClr val="569CD6"/>
+                </a:solidFill>
+                <a:latin typeface="Consolas" panose="020B0609020204030204" pitchFamily="49" charset="0"/>
+              </a:rPr>
+              <a:t>}</a:t>
+            </a:r>
+            <a:endParaRPr lang="pt-BR" sz="1050" dirty="0">
+              <a:solidFill>
+                <a:srgbClr val="CCCCCC"/>
+              </a:solidFill>
+              <a:latin typeface="Consolas" panose="020B0609020204030204" pitchFamily="49" charset="0"/>
+            </a:endParaRPr>
+          </a:p>
+          <a:p>
+            <a:pPr marL="0" indent="0">
+              <a:spcBef>
+                <a:spcPts val="0"/>
+              </a:spcBef>
+              <a:buNone/>
+            </a:pPr>
+            <a:r>
+              <a:rPr lang="pt-BR" sz="1050" dirty="0">
+                <a:solidFill>
+                  <a:srgbClr val="D4D4D4"/>
+                </a:solidFill>
+                <a:latin typeface="Consolas" panose="020B0609020204030204" pitchFamily="49" charset="0"/>
+              </a:rPr>
+              <a:t>        </a:t>
+            </a:r>
+            <a:r>
+              <a:rPr lang="pt-BR" sz="1050" dirty="0">
+                <a:solidFill>
+                  <a:srgbClr val="808080"/>
+                </a:solidFill>
+                <a:latin typeface="Consolas" panose="020B0609020204030204" pitchFamily="49" charset="0"/>
+              </a:rPr>
+              <a:t>&lt;/</a:t>
+            </a:r>
+            <a:r>
+              <a:rPr lang="pt-BR" sz="1050" dirty="0" err="1">
+                <a:solidFill>
+                  <a:srgbClr val="569CD6"/>
+                </a:solidFill>
+                <a:latin typeface="Consolas" panose="020B0609020204030204" pitchFamily="49" charset="0"/>
+              </a:rPr>
+              <a:t>tr</a:t>
+            </a:r>
+            <a:r>
+              <a:rPr lang="pt-BR" sz="1050" dirty="0">
+                <a:solidFill>
+                  <a:srgbClr val="808080"/>
+                </a:solidFill>
+                <a:latin typeface="Consolas" panose="020B0609020204030204" pitchFamily="49" charset="0"/>
+              </a:rPr>
+              <a:t>&gt;</a:t>
+            </a:r>
+            <a:endParaRPr lang="pt-BR" sz="1050" dirty="0">
+              <a:solidFill>
+                <a:srgbClr val="CCCCCC"/>
+              </a:solidFill>
+              <a:latin typeface="Consolas" panose="020B0609020204030204" pitchFamily="49" charset="0"/>
+            </a:endParaRPr>
+          </a:p>
+          <a:p>
+            <a:pPr marL="0" indent="0">
+              <a:spcBef>
+                <a:spcPts val="0"/>
+              </a:spcBef>
+              <a:buNone/>
+            </a:pPr>
+            <a:r>
+              <a:rPr lang="pt-BR" sz="1050" dirty="0">
+                <a:solidFill>
+                  <a:srgbClr val="D4D4D4"/>
+                </a:solidFill>
+                <a:latin typeface="Consolas" panose="020B0609020204030204" pitchFamily="49" charset="0"/>
+              </a:rPr>
+              <a:t>      );</a:t>
+            </a:r>
+            <a:endParaRPr lang="pt-BR" sz="1050" dirty="0">
+              <a:solidFill>
+                <a:srgbClr val="CCCCCC"/>
+              </a:solidFill>
+              <a:latin typeface="Consolas" panose="020B0609020204030204" pitchFamily="49" charset="0"/>
+            </a:endParaRPr>
+          </a:p>
+          <a:p>
+            <a:pPr marL="0" indent="0">
+              <a:spcBef>
+                <a:spcPts val="0"/>
+              </a:spcBef>
+              <a:buNone/>
+            </a:pPr>
+            <a:r>
+              <a:rPr lang="pt-BR" sz="1050" dirty="0">
+                <a:solidFill>
+                  <a:srgbClr val="D4D4D4"/>
+                </a:solidFill>
+                <a:latin typeface="Consolas" panose="020B0609020204030204" pitchFamily="49" charset="0"/>
+              </a:rPr>
+              <a:t>   })</a:t>
+            </a:r>
+            <a:endParaRPr lang="pt-BR" sz="1050" dirty="0">
+              <a:solidFill>
+                <a:srgbClr val="CCCCCC"/>
+              </a:solidFill>
+              <a:latin typeface="Consolas" panose="020B0609020204030204" pitchFamily="49" charset="0"/>
+            </a:endParaRPr>
+          </a:p>
+          <a:p>
+            <a:pPr marL="0" indent="0">
+              <a:spcBef>
+                <a:spcPts val="0"/>
+              </a:spcBef>
+              <a:buNone/>
+            </a:pPr>
+            <a:r>
+              <a:rPr lang="pt-BR" sz="1050" dirty="0">
+                <a:solidFill>
+                  <a:srgbClr val="569CD6"/>
+                </a:solidFill>
+                <a:latin typeface="Consolas" panose="020B0609020204030204" pitchFamily="49" charset="0"/>
+              </a:rPr>
+              <a:t>}</a:t>
+            </a:r>
+            <a:endParaRPr lang="pt-BR" sz="1050" dirty="0">
+              <a:solidFill>
+                <a:srgbClr val="CCCCCC"/>
+              </a:solidFill>
+              <a:latin typeface="Consolas" panose="020B0609020204030204" pitchFamily="49" charset="0"/>
+            </a:endParaRPr>
+          </a:p>
+          <a:p>
+            <a:pPr marL="0" indent="0">
+              <a:spcBef>
+                <a:spcPts val="0"/>
+              </a:spcBef>
+              <a:buNone/>
+            </a:pPr>
+            <a:r>
+              <a:rPr lang="pt-BR" sz="1050" dirty="0">
+                <a:solidFill>
+                  <a:srgbClr val="808080"/>
+                </a:solidFill>
+                <a:latin typeface="Consolas" panose="020B0609020204030204" pitchFamily="49" charset="0"/>
+              </a:rPr>
+              <a:t>&lt;/</a:t>
+            </a:r>
+            <a:r>
+              <a:rPr lang="pt-BR" sz="1050" dirty="0" err="1">
+                <a:solidFill>
+                  <a:srgbClr val="569CD6"/>
+                </a:solidFill>
+                <a:latin typeface="Consolas" panose="020B0609020204030204" pitchFamily="49" charset="0"/>
+              </a:rPr>
+              <a:t>tbody</a:t>
+            </a:r>
+            <a:r>
+              <a:rPr lang="pt-BR" sz="1050" dirty="0">
+                <a:solidFill>
+                  <a:srgbClr val="808080"/>
+                </a:solidFill>
+                <a:latin typeface="Consolas" panose="020B0609020204030204" pitchFamily="49" charset="0"/>
+              </a:rPr>
+              <a:t>&gt;</a:t>
+            </a:r>
+            <a:endParaRPr lang="pt-BR" sz="1050" dirty="0">
+              <a:solidFill>
+                <a:srgbClr val="CCCCCC"/>
+              </a:solidFill>
+              <a:latin typeface="Consolas" panose="020B0609020204030204" pitchFamily="49" charset="0"/>
+            </a:endParaRPr>
+          </a:p>
+          <a:p>
+            <a:pPr marL="0" lvl="0" indent="0">
+              <a:lnSpc>
+                <a:spcPct val="100000"/>
+              </a:lnSpc>
+              <a:spcBef>
+                <a:spcPts val="0"/>
+              </a:spcBef>
+              <a:buNone/>
+            </a:pPr>
+            <a:endParaRPr lang="pt-BR" sz="1200" dirty="0">
+              <a:latin typeface="Courier New" panose="02070309020205020404" pitchFamily="49" charset="0"/>
+              <a:cs typeface="Courier New" panose="02070309020205020404" pitchFamily="49" charset="0"/>
+            </a:endParaRPr>
+          </a:p>
+        </p:txBody>
+      </p:sp>
+    </p:spTree>
+    <p:extLst>
+      <p:ext uri="{BB962C8B-B14F-4D97-AF65-F5344CB8AC3E}">
+        <p14:creationId xmlns:p14="http://schemas.microsoft.com/office/powerpoint/2010/main" val="3715654533"/>
+      </p:ext>
+    </p:extLst>
+  </p:cSld>
+  <p:clrMapOvr>
+    <a:masterClrMapping/>
+  </p:clrMapOvr>
+</p:sld>
+</file>
+
+<file path=ppt/slides/slide28.xml><?xml version="1.0" encoding="utf-8"?>
+<p:sld xmlns:a="http://schemas.openxmlformats.org/drawingml/2006/main" xmlns:r="http://schemas.openxmlformats.org/officeDocument/2006/relationships" xmlns:p="http://schemas.openxmlformats.org/presentationml/2006/main">
+  <p:cSld>
+    <p:spTree>
+      <p:nvGrpSpPr>
+        <p:cNvPr id="1" name=""/>
+        <p:cNvGrpSpPr/>
+        <p:nvPr/>
+      </p:nvGrpSpPr>
+      <p:grpSpPr>
+        <a:xfrm>
+          <a:off x="0" y="0"/>
+          <a:ext cx="0" cy="0"/>
+          <a:chOff x="0" y="0"/>
+          <a:chExt cx="0" cy="0"/>
+        </a:xfrm>
+      </p:grpSpPr>
+      <p:sp>
+        <p:nvSpPr>
+          <p:cNvPr id="2" name="Título 1">
+            <a:extLst>
+              <a:ext uri="{FF2B5EF4-FFF2-40B4-BE49-F238E27FC236}">
+                <a16:creationId xmlns:a16="http://schemas.microsoft.com/office/drawing/2014/main" id="{AE3EA2E6-2E1F-4910-80F5-FEA8176D6347}"/>
+              </a:ext>
+            </a:extLst>
+          </p:cNvPr>
+          <p:cNvSpPr>
+            <a:spLocks noGrp="1"/>
+          </p:cNvSpPr>
+          <p:nvPr>
+            <p:ph type="title"/>
+          </p:nvPr>
+        </p:nvSpPr>
+        <p:spPr/>
+        <p:txBody>
+          <a:bodyPr/>
+          <a:lstStyle/>
+          <a:p>
+            <a:pPr algn="r"/>
+            <a:r>
+              <a:rPr lang="pt-BR" dirty="0">
+                <a:solidFill>
+                  <a:prstClr val="black"/>
+                </a:solidFill>
+              </a:rPr>
+              <a:t>Criação da Tabela</a:t>
+            </a:r>
+            <a:br>
+              <a:rPr lang="pt-BR" dirty="0">
+                <a:solidFill>
+                  <a:prstClr val="black"/>
+                </a:solidFill>
+              </a:rPr>
+            </a:br>
+            <a:r>
+              <a:rPr lang="pt-BR" sz="2400" dirty="0">
+                <a:solidFill>
+                  <a:prstClr val="black"/>
+                </a:solidFill>
+              </a:rPr>
+              <a:t>(Edição de Célula)</a:t>
+            </a:r>
+            <a:endParaRPr lang="pt-BR" dirty="0"/>
+          </a:p>
+        </p:txBody>
+      </p:sp>
+      <p:sp>
+        <p:nvSpPr>
+          <p:cNvPr id="3" name="Espaço Reservado para Conteúdo 2">
+            <a:extLst>
+              <a:ext uri="{FF2B5EF4-FFF2-40B4-BE49-F238E27FC236}">
+                <a16:creationId xmlns:a16="http://schemas.microsoft.com/office/drawing/2014/main" id="{76A075FF-5552-4825-A833-DC93985E762E}"/>
+              </a:ext>
+            </a:extLst>
+          </p:cNvPr>
+          <p:cNvSpPr>
+            <a:spLocks noGrp="1"/>
+          </p:cNvSpPr>
+          <p:nvPr>
+            <p:ph idx="1"/>
+          </p:nvPr>
+        </p:nvSpPr>
+        <p:spPr/>
+        <p:txBody>
+          <a:bodyPr>
+            <a:normAutofit/>
+          </a:bodyPr>
+          <a:lstStyle/>
+          <a:p>
+            <a:pPr marL="0" lvl="0" indent="0">
+              <a:lnSpc>
+                <a:spcPct val="100000"/>
+              </a:lnSpc>
+              <a:spcBef>
+                <a:spcPts val="0"/>
+              </a:spcBef>
+              <a:buNone/>
+            </a:pPr>
+            <a:r>
+              <a:rPr lang="pt-BR" sz="1200" b="1" dirty="0">
+                <a:latin typeface="Courier New" panose="02070309020205020404" pitchFamily="49" charset="0"/>
+                <a:cs typeface="Courier New" panose="02070309020205020404" pitchFamily="49" charset="0"/>
+              </a:rPr>
+              <a:t>// alterar o método </a:t>
+            </a:r>
+            <a:r>
+              <a:rPr lang="pt-BR" sz="1200" b="1" dirty="0" err="1">
+                <a:latin typeface="Courier New" panose="02070309020205020404" pitchFamily="49" charset="0"/>
+                <a:cs typeface="Courier New" panose="02070309020205020404" pitchFamily="49" charset="0"/>
+              </a:rPr>
+              <a:t>onSaveEdit</a:t>
+            </a:r>
+            <a:endParaRPr lang="pt-BR" sz="1200" b="1" dirty="0">
+              <a:latin typeface="Courier New" panose="02070309020205020404" pitchFamily="49" charset="0"/>
+              <a:cs typeface="Courier New" panose="02070309020205020404" pitchFamily="49" charset="0"/>
+            </a:endParaRPr>
+          </a:p>
+          <a:p>
+            <a:pPr marL="0" lvl="0" indent="0">
+              <a:lnSpc>
+                <a:spcPct val="100000"/>
+              </a:lnSpc>
+              <a:spcBef>
+                <a:spcPts val="0"/>
+              </a:spcBef>
+              <a:buNone/>
+            </a:pPr>
+            <a:r>
+              <a:rPr lang="pt-BR" sz="1200" b="1" dirty="0">
+                <a:latin typeface="Courier New" panose="02070309020205020404" pitchFamily="49" charset="0"/>
+                <a:cs typeface="Courier New" panose="02070309020205020404" pitchFamily="49" charset="0"/>
+              </a:rPr>
+              <a:t>// </a:t>
+            </a:r>
+          </a:p>
+          <a:p>
+            <a:pPr marL="0" indent="0">
+              <a:buNone/>
+            </a:pPr>
+            <a:r>
+              <a:rPr lang="pt-BR" sz="1200" dirty="0">
+                <a:solidFill>
+                  <a:srgbClr val="CCCCCC"/>
+                </a:solidFill>
+                <a:latin typeface="Consolas" panose="020B0609020204030204" pitchFamily="49" charset="0"/>
+              </a:rPr>
+              <a:t>     </a:t>
+            </a:r>
+            <a:r>
+              <a:rPr lang="pt-BR" sz="1200" dirty="0" err="1">
+                <a:solidFill>
+                  <a:srgbClr val="DCDCAA"/>
+                </a:solidFill>
+                <a:latin typeface="Consolas" panose="020B0609020204030204" pitchFamily="49" charset="0"/>
+              </a:rPr>
+              <a:t>onSaveEdit</a:t>
+            </a:r>
+            <a:r>
+              <a:rPr lang="pt-BR" sz="1200" dirty="0">
+                <a:solidFill>
+                  <a:srgbClr val="CCCCCC"/>
+                </a:solidFill>
+                <a:latin typeface="Consolas" panose="020B0609020204030204" pitchFamily="49" charset="0"/>
+              </a:rPr>
+              <a:t>(</a:t>
+            </a:r>
+            <a:r>
+              <a:rPr lang="pt-BR" sz="1200" dirty="0" err="1">
+                <a:solidFill>
+                  <a:srgbClr val="9CDCFE"/>
+                </a:solidFill>
+                <a:latin typeface="Consolas" panose="020B0609020204030204" pitchFamily="49" charset="0"/>
+              </a:rPr>
+              <a:t>event</a:t>
+            </a:r>
+            <a:r>
+              <a:rPr lang="pt-BR" sz="1200" dirty="0">
+                <a:solidFill>
+                  <a:srgbClr val="CCCCCC"/>
+                </a:solidFill>
+                <a:latin typeface="Consolas" panose="020B0609020204030204" pitchFamily="49" charset="0"/>
+              </a:rPr>
+              <a:t>) {</a:t>
+            </a:r>
+          </a:p>
+          <a:p>
+            <a:pPr marL="0" indent="0">
+              <a:buNone/>
+            </a:pPr>
+            <a:r>
+              <a:rPr lang="pt-BR" sz="1200" dirty="0">
+                <a:solidFill>
+                  <a:srgbClr val="CCCCCC"/>
+                </a:solidFill>
+                <a:latin typeface="Consolas" panose="020B0609020204030204" pitchFamily="49" charset="0"/>
+              </a:rPr>
+              <a:t>        </a:t>
+            </a:r>
+            <a:r>
+              <a:rPr lang="pt-BR" sz="1200" dirty="0" err="1">
+                <a:solidFill>
+                  <a:srgbClr val="9CDCFE"/>
+                </a:solidFill>
+                <a:latin typeface="Consolas" panose="020B0609020204030204" pitchFamily="49" charset="0"/>
+              </a:rPr>
+              <a:t>event</a:t>
+            </a:r>
+            <a:r>
+              <a:rPr lang="pt-BR" sz="1200" dirty="0" err="1">
+                <a:solidFill>
+                  <a:srgbClr val="CCCCCC"/>
+                </a:solidFill>
+                <a:latin typeface="Consolas" panose="020B0609020204030204" pitchFamily="49" charset="0"/>
+              </a:rPr>
+              <a:t>.</a:t>
+            </a:r>
+            <a:r>
+              <a:rPr lang="pt-BR" sz="1200" dirty="0" err="1">
+                <a:solidFill>
+                  <a:srgbClr val="DCDCAA"/>
+                </a:solidFill>
+                <a:latin typeface="Consolas" panose="020B0609020204030204" pitchFamily="49" charset="0"/>
+              </a:rPr>
+              <a:t>preventDefault</a:t>
+            </a:r>
+            <a:r>
+              <a:rPr lang="pt-BR" sz="1200" dirty="0">
+                <a:solidFill>
+                  <a:srgbClr val="CCCCCC"/>
+                </a:solidFill>
+                <a:latin typeface="Consolas" panose="020B0609020204030204" pitchFamily="49" charset="0"/>
+              </a:rPr>
+              <a:t>();</a:t>
+            </a:r>
+          </a:p>
+          <a:p>
+            <a:pPr marL="0" indent="0">
+              <a:buNone/>
+            </a:pPr>
+            <a:r>
+              <a:rPr lang="pt-BR" sz="1200" dirty="0">
+                <a:solidFill>
+                  <a:srgbClr val="CCCCCC"/>
+                </a:solidFill>
+                <a:latin typeface="Consolas" panose="020B0609020204030204" pitchFamily="49" charset="0"/>
+              </a:rPr>
+              <a:t>        </a:t>
+            </a:r>
+            <a:r>
+              <a:rPr lang="pt-BR" sz="1200" dirty="0" err="1">
+                <a:solidFill>
+                  <a:srgbClr val="569CD6"/>
+                </a:solidFill>
+                <a:latin typeface="Consolas" panose="020B0609020204030204" pitchFamily="49" charset="0"/>
+              </a:rPr>
+              <a:t>const</a:t>
+            </a:r>
+            <a:r>
+              <a:rPr lang="pt-BR" sz="1200" dirty="0">
+                <a:solidFill>
+                  <a:srgbClr val="CCCCCC"/>
+                </a:solidFill>
+                <a:latin typeface="Consolas" panose="020B0609020204030204" pitchFamily="49" charset="0"/>
+              </a:rPr>
+              <a:t> </a:t>
+            </a:r>
+            <a:r>
+              <a:rPr lang="pt-BR" sz="1200" dirty="0">
+                <a:solidFill>
+                  <a:srgbClr val="4FC1FF"/>
+                </a:solidFill>
+                <a:latin typeface="Consolas" panose="020B0609020204030204" pitchFamily="49" charset="0"/>
+              </a:rPr>
+              <a:t>input</a:t>
+            </a:r>
+            <a:r>
+              <a:rPr lang="pt-BR" sz="1200" dirty="0">
+                <a:solidFill>
+                  <a:srgbClr val="CCCCCC"/>
+                </a:solidFill>
+                <a:latin typeface="Consolas" panose="020B0609020204030204" pitchFamily="49" charset="0"/>
+              </a:rPr>
+              <a:t> </a:t>
+            </a:r>
+            <a:r>
+              <a:rPr lang="pt-BR" sz="1200" dirty="0">
+                <a:solidFill>
+                  <a:srgbClr val="D4D4D4"/>
+                </a:solidFill>
+                <a:latin typeface="Consolas" panose="020B0609020204030204" pitchFamily="49" charset="0"/>
+              </a:rPr>
+              <a:t>=</a:t>
+            </a:r>
+            <a:r>
+              <a:rPr lang="pt-BR" sz="1200" dirty="0">
+                <a:solidFill>
+                  <a:srgbClr val="CCCCCC"/>
+                </a:solidFill>
+                <a:latin typeface="Consolas" panose="020B0609020204030204" pitchFamily="49" charset="0"/>
+              </a:rPr>
+              <a:t> </a:t>
+            </a:r>
+            <a:r>
+              <a:rPr lang="pt-BR" sz="1200" dirty="0" err="1">
+                <a:solidFill>
+                  <a:srgbClr val="9CDCFE"/>
+                </a:solidFill>
+                <a:latin typeface="Consolas" panose="020B0609020204030204" pitchFamily="49" charset="0"/>
+              </a:rPr>
+              <a:t>event</a:t>
+            </a:r>
+            <a:r>
+              <a:rPr lang="pt-BR" sz="1200" dirty="0" err="1">
+                <a:solidFill>
+                  <a:srgbClr val="CCCCCC"/>
+                </a:solidFill>
+                <a:latin typeface="Consolas" panose="020B0609020204030204" pitchFamily="49" charset="0"/>
+              </a:rPr>
+              <a:t>.</a:t>
+            </a:r>
+            <a:r>
+              <a:rPr lang="pt-BR" sz="1200" dirty="0" err="1">
+                <a:solidFill>
+                  <a:srgbClr val="9CDCFE"/>
+                </a:solidFill>
+                <a:latin typeface="Consolas" panose="020B0609020204030204" pitchFamily="49" charset="0"/>
+              </a:rPr>
+              <a:t>target</a:t>
+            </a:r>
+            <a:r>
+              <a:rPr lang="pt-BR" sz="1200" dirty="0" err="1">
+                <a:solidFill>
+                  <a:srgbClr val="CCCCCC"/>
+                </a:solidFill>
+                <a:latin typeface="Consolas" panose="020B0609020204030204" pitchFamily="49" charset="0"/>
+              </a:rPr>
+              <a:t>.</a:t>
+            </a:r>
+            <a:r>
+              <a:rPr lang="pt-BR" sz="1200" dirty="0" err="1">
+                <a:solidFill>
+                  <a:srgbClr val="9CDCFE"/>
+                </a:solidFill>
+                <a:latin typeface="Consolas" panose="020B0609020204030204" pitchFamily="49" charset="0"/>
+              </a:rPr>
+              <a:t>firstChild</a:t>
+            </a:r>
+            <a:r>
+              <a:rPr lang="pt-BR" sz="1200" dirty="0">
+                <a:solidFill>
+                  <a:srgbClr val="CCCCCC"/>
+                </a:solidFill>
+                <a:latin typeface="Consolas" panose="020B0609020204030204" pitchFamily="49" charset="0"/>
+              </a:rPr>
+              <a:t>;</a:t>
+            </a:r>
+          </a:p>
+          <a:p>
+            <a:pPr marL="0" indent="0">
+              <a:buNone/>
+            </a:pPr>
+            <a:r>
+              <a:rPr lang="pt-BR" sz="1200" dirty="0">
+                <a:solidFill>
+                  <a:srgbClr val="CCCCCC"/>
+                </a:solidFill>
+                <a:latin typeface="Consolas" panose="020B0609020204030204" pitchFamily="49" charset="0"/>
+              </a:rPr>
+              <a:t>        </a:t>
+            </a:r>
+            <a:r>
+              <a:rPr lang="pt-BR" sz="1200" dirty="0" err="1">
+                <a:solidFill>
+                  <a:srgbClr val="569CD6"/>
+                </a:solidFill>
+                <a:latin typeface="Consolas" panose="020B0609020204030204" pitchFamily="49" charset="0"/>
+              </a:rPr>
+              <a:t>const</a:t>
+            </a:r>
+            <a:r>
+              <a:rPr lang="pt-BR" sz="1200" dirty="0">
+                <a:solidFill>
+                  <a:srgbClr val="CCCCCC"/>
+                </a:solidFill>
+                <a:latin typeface="Consolas" panose="020B0609020204030204" pitchFamily="49" charset="0"/>
+              </a:rPr>
+              <a:t> </a:t>
+            </a:r>
+            <a:r>
+              <a:rPr lang="pt-BR" sz="1200" dirty="0">
+                <a:solidFill>
+                  <a:srgbClr val="4FC1FF"/>
+                </a:solidFill>
+                <a:latin typeface="Consolas" panose="020B0609020204030204" pitchFamily="49" charset="0"/>
+              </a:rPr>
+              <a:t>data</a:t>
+            </a:r>
+            <a:r>
+              <a:rPr lang="pt-BR" sz="1200" dirty="0">
+                <a:solidFill>
+                  <a:srgbClr val="CCCCCC"/>
+                </a:solidFill>
+                <a:latin typeface="Consolas" panose="020B0609020204030204" pitchFamily="49" charset="0"/>
+              </a:rPr>
+              <a:t> </a:t>
+            </a:r>
+            <a:r>
+              <a:rPr lang="pt-BR" sz="1200" dirty="0">
+                <a:solidFill>
+                  <a:srgbClr val="D4D4D4"/>
+                </a:solidFill>
+                <a:latin typeface="Consolas" panose="020B0609020204030204" pitchFamily="49" charset="0"/>
+              </a:rPr>
+              <a:t>=</a:t>
+            </a:r>
+            <a:r>
+              <a:rPr lang="pt-BR" sz="1200" dirty="0">
+                <a:solidFill>
+                  <a:srgbClr val="CCCCCC"/>
+                </a:solidFill>
+                <a:latin typeface="Consolas" panose="020B0609020204030204" pitchFamily="49" charset="0"/>
+              </a:rPr>
+              <a:t> </a:t>
+            </a:r>
+            <a:r>
+              <a:rPr lang="pt-BR" sz="1200" dirty="0" err="1">
+                <a:solidFill>
+                  <a:srgbClr val="4EC9B0"/>
+                </a:solidFill>
+                <a:latin typeface="Consolas" panose="020B0609020204030204" pitchFamily="49" charset="0"/>
+              </a:rPr>
+              <a:t>Array</a:t>
+            </a:r>
+            <a:r>
+              <a:rPr lang="pt-BR" sz="1200" dirty="0" err="1">
+                <a:solidFill>
+                  <a:srgbClr val="CCCCCC"/>
+                </a:solidFill>
+                <a:latin typeface="Consolas" panose="020B0609020204030204" pitchFamily="49" charset="0"/>
+              </a:rPr>
+              <a:t>.</a:t>
+            </a:r>
+            <a:r>
+              <a:rPr lang="pt-BR" sz="1200" dirty="0" err="1">
+                <a:solidFill>
+                  <a:srgbClr val="DCDCAA"/>
+                </a:solidFill>
+                <a:latin typeface="Consolas" panose="020B0609020204030204" pitchFamily="49" charset="0"/>
+              </a:rPr>
+              <a:t>from</a:t>
+            </a:r>
+            <a:r>
+              <a:rPr lang="pt-BR" sz="1200" dirty="0">
+                <a:solidFill>
+                  <a:srgbClr val="CCCCCC"/>
+                </a:solidFill>
+                <a:latin typeface="Consolas" panose="020B0609020204030204" pitchFamily="49" charset="0"/>
+              </a:rPr>
+              <a:t>(</a:t>
+            </a:r>
+            <a:r>
+              <a:rPr lang="pt-BR" sz="1200" dirty="0" err="1">
+                <a:solidFill>
+                  <a:srgbClr val="569CD6"/>
+                </a:solidFill>
+                <a:latin typeface="Consolas" panose="020B0609020204030204" pitchFamily="49" charset="0"/>
+              </a:rPr>
+              <a:t>this</a:t>
+            </a:r>
+            <a:r>
+              <a:rPr lang="pt-BR" sz="1200" dirty="0" err="1">
+                <a:solidFill>
+                  <a:srgbClr val="CCCCCC"/>
+                </a:solidFill>
+                <a:latin typeface="Consolas" panose="020B0609020204030204" pitchFamily="49" charset="0"/>
+              </a:rPr>
+              <a:t>.</a:t>
+            </a:r>
+            <a:r>
+              <a:rPr lang="pt-BR" sz="1200" dirty="0" err="1">
+                <a:solidFill>
+                  <a:srgbClr val="9CDCFE"/>
+                </a:solidFill>
+                <a:latin typeface="Consolas" panose="020B0609020204030204" pitchFamily="49" charset="0"/>
+              </a:rPr>
+              <a:t>state</a:t>
+            </a:r>
+            <a:r>
+              <a:rPr lang="pt-BR" sz="1200" dirty="0" err="1">
+                <a:solidFill>
+                  <a:srgbClr val="CCCCCC"/>
+                </a:solidFill>
+                <a:latin typeface="Consolas" panose="020B0609020204030204" pitchFamily="49" charset="0"/>
+              </a:rPr>
+              <a:t>.</a:t>
+            </a:r>
+            <a:r>
+              <a:rPr lang="pt-BR" sz="1200" dirty="0" err="1">
+                <a:solidFill>
+                  <a:srgbClr val="9CDCFE"/>
+                </a:solidFill>
+                <a:latin typeface="Consolas" panose="020B0609020204030204" pitchFamily="49" charset="0"/>
+              </a:rPr>
+              <a:t>data</a:t>
+            </a:r>
+            <a:r>
+              <a:rPr lang="pt-BR" sz="1200" dirty="0">
+                <a:solidFill>
+                  <a:srgbClr val="CCCCCC"/>
+                </a:solidFill>
+                <a:latin typeface="Consolas" panose="020B0609020204030204" pitchFamily="49" charset="0"/>
+              </a:rPr>
+              <a:t>);</a:t>
+            </a:r>
+          </a:p>
+          <a:p>
+            <a:pPr marL="0" indent="0">
+              <a:buNone/>
+            </a:pPr>
+            <a:r>
+              <a:rPr lang="pt-BR" sz="1200" dirty="0">
+                <a:solidFill>
+                  <a:srgbClr val="CCCCCC"/>
+                </a:solidFill>
+                <a:latin typeface="Consolas" panose="020B0609020204030204" pitchFamily="49" charset="0"/>
+              </a:rPr>
+              <a:t>        </a:t>
+            </a:r>
+            <a:r>
+              <a:rPr lang="pt-BR" sz="1200" dirty="0">
+                <a:solidFill>
+                  <a:srgbClr val="4FC1FF"/>
+                </a:solidFill>
+                <a:latin typeface="Consolas" panose="020B0609020204030204" pitchFamily="49" charset="0"/>
+              </a:rPr>
+              <a:t>data</a:t>
+            </a:r>
+            <a:r>
+              <a:rPr lang="pt-BR" sz="1200" dirty="0">
+                <a:solidFill>
+                  <a:srgbClr val="CCCCCC"/>
+                </a:solidFill>
+                <a:latin typeface="Consolas" panose="020B0609020204030204" pitchFamily="49" charset="0"/>
+              </a:rPr>
+              <a:t>[</a:t>
+            </a:r>
+            <a:r>
+              <a:rPr lang="pt-BR" sz="1200" dirty="0" err="1">
+                <a:solidFill>
+                  <a:srgbClr val="569CD6"/>
+                </a:solidFill>
+                <a:latin typeface="Consolas" panose="020B0609020204030204" pitchFamily="49" charset="0"/>
+              </a:rPr>
+              <a:t>this</a:t>
+            </a:r>
+            <a:r>
+              <a:rPr lang="pt-BR" sz="1200" dirty="0" err="1">
+                <a:solidFill>
+                  <a:srgbClr val="CCCCCC"/>
+                </a:solidFill>
+                <a:latin typeface="Consolas" panose="020B0609020204030204" pitchFamily="49" charset="0"/>
+              </a:rPr>
+              <a:t>.</a:t>
+            </a:r>
+            <a:r>
+              <a:rPr lang="pt-BR" sz="1200" dirty="0" err="1">
+                <a:solidFill>
+                  <a:srgbClr val="9CDCFE"/>
+                </a:solidFill>
+                <a:latin typeface="Consolas" panose="020B0609020204030204" pitchFamily="49" charset="0"/>
+              </a:rPr>
+              <a:t>state</a:t>
+            </a:r>
+            <a:r>
+              <a:rPr lang="pt-BR" sz="1200" dirty="0" err="1">
+                <a:solidFill>
+                  <a:srgbClr val="CCCCCC"/>
+                </a:solidFill>
+                <a:latin typeface="Consolas" panose="020B0609020204030204" pitchFamily="49" charset="0"/>
+              </a:rPr>
+              <a:t>.</a:t>
+            </a:r>
+            <a:r>
+              <a:rPr lang="pt-BR" sz="1200" dirty="0" err="1">
+                <a:solidFill>
+                  <a:srgbClr val="9CDCFE"/>
+                </a:solidFill>
+                <a:latin typeface="Consolas" panose="020B0609020204030204" pitchFamily="49" charset="0"/>
+              </a:rPr>
+              <a:t>edit</a:t>
+            </a:r>
+            <a:r>
+              <a:rPr lang="pt-BR" sz="1200" dirty="0" err="1">
+                <a:solidFill>
+                  <a:srgbClr val="CCCCCC"/>
+                </a:solidFill>
+                <a:latin typeface="Consolas" panose="020B0609020204030204" pitchFamily="49" charset="0"/>
+              </a:rPr>
+              <a:t>.</a:t>
+            </a:r>
+            <a:r>
+              <a:rPr lang="pt-BR" sz="1200" dirty="0" err="1">
+                <a:solidFill>
+                  <a:srgbClr val="9CDCFE"/>
+                </a:solidFill>
+                <a:latin typeface="Consolas" panose="020B0609020204030204" pitchFamily="49" charset="0"/>
+              </a:rPr>
+              <a:t>row</a:t>
+            </a:r>
+            <a:r>
+              <a:rPr lang="pt-BR" sz="1200" dirty="0">
+                <a:solidFill>
+                  <a:srgbClr val="CCCCCC"/>
+                </a:solidFill>
+                <a:latin typeface="Consolas" panose="020B0609020204030204" pitchFamily="49" charset="0"/>
+              </a:rPr>
+              <a:t>][</a:t>
+            </a:r>
+            <a:r>
+              <a:rPr lang="pt-BR" sz="1200" dirty="0" err="1">
+                <a:solidFill>
+                  <a:srgbClr val="569CD6"/>
+                </a:solidFill>
+                <a:latin typeface="Consolas" panose="020B0609020204030204" pitchFamily="49" charset="0"/>
+              </a:rPr>
+              <a:t>this</a:t>
+            </a:r>
+            <a:r>
+              <a:rPr lang="pt-BR" sz="1200" dirty="0" err="1">
+                <a:solidFill>
+                  <a:srgbClr val="CCCCCC"/>
+                </a:solidFill>
+                <a:latin typeface="Consolas" panose="020B0609020204030204" pitchFamily="49" charset="0"/>
+              </a:rPr>
+              <a:t>.</a:t>
+            </a:r>
+            <a:r>
+              <a:rPr lang="pt-BR" sz="1200" dirty="0" err="1">
+                <a:solidFill>
+                  <a:srgbClr val="9CDCFE"/>
+                </a:solidFill>
+                <a:latin typeface="Consolas" panose="020B0609020204030204" pitchFamily="49" charset="0"/>
+              </a:rPr>
+              <a:t>state</a:t>
+            </a:r>
+            <a:r>
+              <a:rPr lang="pt-BR" sz="1200" dirty="0" err="1">
+                <a:solidFill>
+                  <a:srgbClr val="CCCCCC"/>
+                </a:solidFill>
+                <a:latin typeface="Consolas" panose="020B0609020204030204" pitchFamily="49" charset="0"/>
+              </a:rPr>
+              <a:t>.</a:t>
+            </a:r>
+            <a:r>
+              <a:rPr lang="pt-BR" sz="1200" dirty="0" err="1">
+                <a:solidFill>
+                  <a:srgbClr val="9CDCFE"/>
+                </a:solidFill>
+                <a:latin typeface="Consolas" panose="020B0609020204030204" pitchFamily="49" charset="0"/>
+              </a:rPr>
+              <a:t>edit</a:t>
+            </a:r>
+            <a:r>
+              <a:rPr lang="pt-BR" sz="1200" dirty="0" err="1">
+                <a:solidFill>
+                  <a:srgbClr val="CCCCCC"/>
+                </a:solidFill>
+                <a:latin typeface="Consolas" panose="020B0609020204030204" pitchFamily="49" charset="0"/>
+              </a:rPr>
+              <a:t>.</a:t>
+            </a:r>
+            <a:r>
+              <a:rPr lang="pt-BR" sz="1200" dirty="0" err="1">
+                <a:solidFill>
+                  <a:srgbClr val="9CDCFE"/>
+                </a:solidFill>
+                <a:latin typeface="Consolas" panose="020B0609020204030204" pitchFamily="49" charset="0"/>
+              </a:rPr>
+              <a:t>column</a:t>
+            </a:r>
+            <a:r>
+              <a:rPr lang="pt-BR" sz="1200" dirty="0">
+                <a:solidFill>
+                  <a:srgbClr val="CCCCCC"/>
+                </a:solidFill>
+                <a:latin typeface="Consolas" panose="020B0609020204030204" pitchFamily="49" charset="0"/>
+              </a:rPr>
+              <a:t>] </a:t>
+            </a:r>
+            <a:r>
+              <a:rPr lang="pt-BR" sz="1200" dirty="0">
+                <a:solidFill>
+                  <a:srgbClr val="D4D4D4"/>
+                </a:solidFill>
+                <a:latin typeface="Consolas" panose="020B0609020204030204" pitchFamily="49" charset="0"/>
+              </a:rPr>
+              <a:t>=</a:t>
+            </a:r>
+            <a:r>
+              <a:rPr lang="pt-BR" sz="1200" dirty="0">
+                <a:solidFill>
+                  <a:srgbClr val="CCCCCC"/>
+                </a:solidFill>
+                <a:latin typeface="Consolas" panose="020B0609020204030204" pitchFamily="49" charset="0"/>
+              </a:rPr>
+              <a:t> </a:t>
+            </a:r>
+            <a:r>
+              <a:rPr lang="pt-BR" sz="1200" dirty="0" err="1">
+                <a:solidFill>
+                  <a:srgbClr val="4FC1FF"/>
+                </a:solidFill>
+                <a:latin typeface="Consolas" panose="020B0609020204030204" pitchFamily="49" charset="0"/>
+              </a:rPr>
+              <a:t>input</a:t>
+            </a:r>
+            <a:r>
+              <a:rPr lang="pt-BR" sz="1200" dirty="0" err="1">
+                <a:solidFill>
+                  <a:srgbClr val="CCCCCC"/>
+                </a:solidFill>
+                <a:latin typeface="Consolas" panose="020B0609020204030204" pitchFamily="49" charset="0"/>
+              </a:rPr>
+              <a:t>.</a:t>
+            </a:r>
+            <a:r>
+              <a:rPr lang="pt-BR" sz="1200" dirty="0" err="1">
+                <a:solidFill>
+                  <a:srgbClr val="9CDCFE"/>
+                </a:solidFill>
+                <a:latin typeface="Consolas" panose="020B0609020204030204" pitchFamily="49" charset="0"/>
+              </a:rPr>
+              <a:t>value</a:t>
+            </a:r>
+            <a:r>
+              <a:rPr lang="pt-BR" sz="1200" dirty="0">
+                <a:solidFill>
+                  <a:srgbClr val="CCCCCC"/>
+                </a:solidFill>
+                <a:latin typeface="Consolas" panose="020B0609020204030204" pitchFamily="49" charset="0"/>
+              </a:rPr>
+              <a:t>;</a:t>
+            </a:r>
+          </a:p>
+          <a:p>
+            <a:pPr marL="0" indent="0">
+              <a:buNone/>
+            </a:pPr>
+            <a:r>
+              <a:rPr lang="pt-BR" sz="1200" dirty="0">
+                <a:solidFill>
+                  <a:srgbClr val="CCCCCC"/>
+                </a:solidFill>
+                <a:latin typeface="Consolas" panose="020B0609020204030204" pitchFamily="49" charset="0"/>
+              </a:rPr>
+              <a:t>        </a:t>
+            </a:r>
+            <a:r>
+              <a:rPr lang="pt-BR" sz="1200" dirty="0" err="1">
+                <a:solidFill>
+                  <a:srgbClr val="569CD6"/>
+                </a:solidFill>
+                <a:latin typeface="Consolas" panose="020B0609020204030204" pitchFamily="49" charset="0"/>
+              </a:rPr>
+              <a:t>this</a:t>
+            </a:r>
+            <a:r>
+              <a:rPr lang="pt-BR" sz="1200" dirty="0" err="1">
+                <a:solidFill>
+                  <a:srgbClr val="CCCCCC"/>
+                </a:solidFill>
+                <a:latin typeface="Consolas" panose="020B0609020204030204" pitchFamily="49" charset="0"/>
+              </a:rPr>
+              <a:t>.</a:t>
+            </a:r>
+            <a:r>
+              <a:rPr lang="pt-BR" sz="1200" dirty="0" err="1">
+                <a:solidFill>
+                  <a:srgbClr val="DCDCAA"/>
+                </a:solidFill>
+                <a:latin typeface="Consolas" panose="020B0609020204030204" pitchFamily="49" charset="0"/>
+              </a:rPr>
+              <a:t>setState</a:t>
+            </a:r>
+            <a:r>
+              <a:rPr lang="pt-BR" sz="1200" dirty="0">
+                <a:solidFill>
+                  <a:srgbClr val="CCCCCC"/>
+                </a:solidFill>
+                <a:latin typeface="Consolas" panose="020B0609020204030204" pitchFamily="49" charset="0"/>
+              </a:rPr>
+              <a:t>({</a:t>
+            </a:r>
+          </a:p>
+          <a:p>
+            <a:pPr marL="0" indent="0">
+              <a:buNone/>
+            </a:pPr>
+            <a:r>
+              <a:rPr lang="pt-BR" sz="1200" dirty="0">
+                <a:solidFill>
+                  <a:srgbClr val="CCCCCC"/>
+                </a:solidFill>
+                <a:latin typeface="Consolas" panose="020B0609020204030204" pitchFamily="49" charset="0"/>
+              </a:rPr>
+              <a:t>            </a:t>
+            </a:r>
+            <a:r>
+              <a:rPr lang="pt-BR" sz="1200" dirty="0">
+                <a:solidFill>
+                  <a:srgbClr val="9CDCFE"/>
+                </a:solidFill>
+                <a:latin typeface="Consolas" panose="020B0609020204030204" pitchFamily="49" charset="0"/>
+              </a:rPr>
+              <a:t>data</a:t>
+            </a:r>
+            <a:r>
+              <a:rPr lang="pt-BR" sz="1200" dirty="0">
+                <a:solidFill>
+                  <a:srgbClr val="CCCCCC"/>
+                </a:solidFill>
+                <a:latin typeface="Consolas" panose="020B0609020204030204" pitchFamily="49" charset="0"/>
+              </a:rPr>
+              <a:t>,</a:t>
+            </a:r>
+          </a:p>
+          <a:p>
+            <a:pPr marL="0" indent="0">
+              <a:buNone/>
+            </a:pPr>
+            <a:r>
+              <a:rPr lang="pt-BR" sz="1200" dirty="0">
+                <a:solidFill>
+                  <a:srgbClr val="CCCCCC"/>
+                </a:solidFill>
+                <a:latin typeface="Consolas" panose="020B0609020204030204" pitchFamily="49" charset="0"/>
+              </a:rPr>
+              <a:t>            </a:t>
+            </a:r>
+            <a:r>
+              <a:rPr lang="pt-BR" sz="1200" dirty="0" err="1">
+                <a:solidFill>
+                  <a:srgbClr val="9CDCFE"/>
+                </a:solidFill>
+                <a:latin typeface="Consolas" panose="020B0609020204030204" pitchFamily="49" charset="0"/>
+              </a:rPr>
+              <a:t>edit</a:t>
+            </a:r>
+            <a:r>
+              <a:rPr lang="pt-BR" sz="1200" dirty="0">
+                <a:solidFill>
+                  <a:srgbClr val="9CDCFE"/>
+                </a:solidFill>
+                <a:latin typeface="Consolas" panose="020B0609020204030204" pitchFamily="49" charset="0"/>
+              </a:rPr>
+              <a:t>:</a:t>
+            </a:r>
+            <a:r>
+              <a:rPr lang="pt-BR" sz="1200" dirty="0">
+                <a:solidFill>
+                  <a:srgbClr val="CCCCCC"/>
+                </a:solidFill>
+                <a:latin typeface="Consolas" panose="020B0609020204030204" pitchFamily="49" charset="0"/>
+              </a:rPr>
+              <a:t> </a:t>
+            </a:r>
+            <a:r>
+              <a:rPr lang="pt-BR" sz="1200" dirty="0" err="1">
+                <a:solidFill>
+                  <a:srgbClr val="569CD6"/>
+                </a:solidFill>
+                <a:latin typeface="Consolas" panose="020B0609020204030204" pitchFamily="49" charset="0"/>
+              </a:rPr>
+              <a:t>null</a:t>
+            </a:r>
+            <a:endParaRPr lang="pt-BR" sz="1200" dirty="0">
+              <a:solidFill>
+                <a:srgbClr val="CCCCCC"/>
+              </a:solidFill>
+              <a:latin typeface="Consolas" panose="020B0609020204030204" pitchFamily="49" charset="0"/>
+            </a:endParaRPr>
+          </a:p>
+          <a:p>
+            <a:pPr marL="0" indent="0">
+              <a:buNone/>
+            </a:pPr>
+            <a:r>
+              <a:rPr lang="pt-BR" sz="1200" dirty="0">
+                <a:solidFill>
+                  <a:srgbClr val="CCCCCC"/>
+                </a:solidFill>
+                <a:latin typeface="Consolas" panose="020B0609020204030204" pitchFamily="49" charset="0"/>
+              </a:rPr>
+              <a:t>        });</a:t>
+            </a:r>
+          </a:p>
+          <a:p>
+            <a:pPr marL="0" indent="0">
+              <a:buNone/>
+            </a:pPr>
+            <a:r>
+              <a:rPr lang="pt-BR" sz="1200" dirty="0">
+                <a:solidFill>
+                  <a:srgbClr val="CCCCCC"/>
+                </a:solidFill>
+                <a:latin typeface="Consolas" panose="020B0609020204030204" pitchFamily="49" charset="0"/>
+              </a:rPr>
+              <a:t>    }</a:t>
+            </a:r>
+          </a:p>
+          <a:p>
+            <a:pPr marL="0" lvl="0" indent="0">
+              <a:lnSpc>
+                <a:spcPct val="100000"/>
+              </a:lnSpc>
+              <a:spcBef>
+                <a:spcPts val="0"/>
+              </a:spcBef>
+              <a:buNone/>
+            </a:pPr>
+            <a:endParaRPr lang="pt-BR" sz="1200" dirty="0">
+              <a:latin typeface="Courier New" panose="02070309020205020404" pitchFamily="49" charset="0"/>
+              <a:cs typeface="Courier New" panose="02070309020205020404" pitchFamily="49" charset="0"/>
+            </a:endParaRPr>
+          </a:p>
+        </p:txBody>
+      </p:sp>
+    </p:spTree>
+    <p:extLst>
+      <p:ext uri="{BB962C8B-B14F-4D97-AF65-F5344CB8AC3E}">
+        <p14:creationId xmlns:p14="http://schemas.microsoft.com/office/powerpoint/2010/main" val="2131387739"/>
+      </p:ext>
+    </p:extLst>
+  </p:cSld>
+  <p:clrMapOvr>
+    <a:masterClrMapping/>
+  </p:clrMapOvr>
+</p:sld>
+</file>
+
+<file path=ppt/slides/slide29.xml><?xml version="1.0" encoding="utf-8"?>
+<p:sld xmlns:a="http://schemas.openxmlformats.org/drawingml/2006/main" xmlns:r="http://schemas.openxmlformats.org/officeDocument/2006/relationships" xmlns:p="http://schemas.openxmlformats.org/presentationml/2006/main">
+  <p:cSld>
+    <p:spTree>
+      <p:nvGrpSpPr>
+        <p:cNvPr id="1" name=""/>
+        <p:cNvGrpSpPr/>
+        <p:nvPr/>
+      </p:nvGrpSpPr>
+      <p:grpSpPr>
+        <a:xfrm>
+          <a:off x="0" y="0"/>
+          <a:ext cx="0" cy="0"/>
+          <a:chOff x="0" y="0"/>
+          <a:chExt cx="0" cy="0"/>
+        </a:xfrm>
+      </p:grpSpPr>
+      <p:sp>
+        <p:nvSpPr>
+          <p:cNvPr id="2" name="Título 1">
+            <a:extLst>
+              <a:ext uri="{FF2B5EF4-FFF2-40B4-BE49-F238E27FC236}">
+                <a16:creationId xmlns:a16="http://schemas.microsoft.com/office/drawing/2014/main" id="{AE3EA2E6-2E1F-4910-80F5-FEA8176D6347}"/>
+              </a:ext>
+            </a:extLst>
+          </p:cNvPr>
+          <p:cNvSpPr>
+            <a:spLocks noGrp="1"/>
+          </p:cNvSpPr>
+          <p:nvPr>
+            <p:ph type="title"/>
+          </p:nvPr>
+        </p:nvSpPr>
+        <p:spPr/>
+        <p:txBody>
+          <a:bodyPr/>
+          <a:lstStyle/>
+          <a:p>
+            <a:pPr algn="r"/>
+            <a:r>
+              <a:rPr lang="pt-BR" dirty="0">
+                <a:solidFill>
+                  <a:prstClr val="black"/>
+                </a:solidFill>
+              </a:rPr>
+              <a:t>Criação da Tabela</a:t>
+            </a:r>
+            <a:br>
+              <a:rPr lang="pt-BR" dirty="0">
+                <a:solidFill>
+                  <a:prstClr val="black"/>
+                </a:solidFill>
+              </a:rPr>
+            </a:br>
+            <a:r>
+              <a:rPr lang="pt-BR" sz="2400" dirty="0">
+                <a:solidFill>
+                  <a:prstClr val="black"/>
+                </a:solidFill>
+              </a:rPr>
+              <a:t>(Edição de Célula)</a:t>
+            </a:r>
+            <a:endParaRPr lang="pt-BR" dirty="0"/>
+          </a:p>
+        </p:txBody>
+      </p:sp>
+      <p:sp>
+        <p:nvSpPr>
+          <p:cNvPr id="3" name="Espaço Reservado para Conteúdo 2">
+            <a:extLst>
+              <a:ext uri="{FF2B5EF4-FFF2-40B4-BE49-F238E27FC236}">
+                <a16:creationId xmlns:a16="http://schemas.microsoft.com/office/drawing/2014/main" id="{76A075FF-5552-4825-A833-DC93985E762E}"/>
+              </a:ext>
+            </a:extLst>
+          </p:cNvPr>
+          <p:cNvSpPr>
+            <a:spLocks noGrp="1"/>
+          </p:cNvSpPr>
+          <p:nvPr>
+            <p:ph idx="1"/>
+          </p:nvPr>
+        </p:nvSpPr>
+        <p:spPr/>
+        <p:txBody>
+          <a:bodyPr>
+            <a:normAutofit fontScale="85000" lnSpcReduction="20000"/>
+          </a:bodyPr>
+          <a:lstStyle/>
+          <a:p>
+            <a:pPr marL="0" lvl="0" indent="0">
+              <a:lnSpc>
+                <a:spcPct val="100000"/>
+              </a:lnSpc>
+              <a:spcBef>
+                <a:spcPts val="0"/>
+              </a:spcBef>
+              <a:buNone/>
+            </a:pPr>
+            <a:r>
+              <a:rPr lang="pt-BR" sz="1200" b="1" dirty="0">
+                <a:latin typeface="Courier New" panose="02070309020205020404" pitchFamily="49" charset="0"/>
+                <a:cs typeface="Courier New" panose="02070309020205020404" pitchFamily="49" charset="0"/>
+              </a:rPr>
+              <a:t>// alterar o método </a:t>
+            </a:r>
+            <a:r>
+              <a:rPr lang="pt-BR" sz="1200" b="1" dirty="0" err="1">
+                <a:latin typeface="Courier New" panose="02070309020205020404" pitchFamily="49" charset="0"/>
+                <a:cs typeface="Courier New" panose="02070309020205020404" pitchFamily="49" charset="0"/>
+              </a:rPr>
+              <a:t>onResetTable</a:t>
+            </a:r>
+            <a:endParaRPr lang="pt-BR" sz="1200" b="1" dirty="0">
+              <a:latin typeface="Courier New" panose="02070309020205020404" pitchFamily="49" charset="0"/>
+              <a:cs typeface="Courier New" panose="02070309020205020404" pitchFamily="49" charset="0"/>
+            </a:endParaRPr>
+          </a:p>
+          <a:p>
+            <a:pPr marL="0" lvl="0" indent="0">
+              <a:lnSpc>
+                <a:spcPct val="100000"/>
+              </a:lnSpc>
+              <a:spcBef>
+                <a:spcPts val="0"/>
+              </a:spcBef>
+              <a:buNone/>
+            </a:pPr>
+            <a:r>
+              <a:rPr lang="pt-BR" sz="1200" b="1" dirty="0">
+                <a:latin typeface="Courier New" panose="02070309020205020404" pitchFamily="49" charset="0"/>
+                <a:cs typeface="Courier New" panose="02070309020205020404" pitchFamily="49" charset="0"/>
+              </a:rPr>
+              <a:t>// </a:t>
+            </a:r>
+          </a:p>
+          <a:p>
+            <a:pPr marL="0" indent="0">
+              <a:buNone/>
+            </a:pPr>
+            <a:r>
+              <a:rPr lang="pt-BR" sz="1200" dirty="0">
+                <a:solidFill>
+                  <a:srgbClr val="CCCCCC"/>
+                </a:solidFill>
+                <a:latin typeface="Consolas" panose="020B0609020204030204" pitchFamily="49" charset="0"/>
+              </a:rPr>
+              <a:t>    </a:t>
+            </a:r>
+            <a:r>
+              <a:rPr lang="pt-BR" sz="1200" dirty="0" err="1">
+                <a:solidFill>
+                  <a:srgbClr val="DCDCAA"/>
+                </a:solidFill>
+                <a:latin typeface="Consolas" panose="020B0609020204030204" pitchFamily="49" charset="0"/>
+              </a:rPr>
+              <a:t>onResetTable</a:t>
+            </a:r>
+            <a:r>
+              <a:rPr lang="pt-BR" sz="1200" dirty="0">
+                <a:solidFill>
+                  <a:srgbClr val="CCCCCC"/>
+                </a:solidFill>
+                <a:latin typeface="Consolas" panose="020B0609020204030204" pitchFamily="49" charset="0"/>
+              </a:rPr>
+              <a:t>(</a:t>
+            </a:r>
+            <a:r>
+              <a:rPr lang="pt-BR" sz="1200" dirty="0" err="1">
+                <a:solidFill>
+                  <a:srgbClr val="9CDCFE"/>
+                </a:solidFill>
+                <a:latin typeface="Consolas" panose="020B0609020204030204" pitchFamily="49" charset="0"/>
+              </a:rPr>
+              <a:t>event</a:t>
+            </a:r>
+            <a:r>
+              <a:rPr lang="pt-BR" sz="1200" dirty="0">
+                <a:solidFill>
+                  <a:srgbClr val="CCCCCC"/>
+                </a:solidFill>
+                <a:latin typeface="Consolas" panose="020B0609020204030204" pitchFamily="49" charset="0"/>
+              </a:rPr>
+              <a:t>) {</a:t>
+            </a:r>
+          </a:p>
+          <a:p>
+            <a:pPr marL="0" indent="0">
+              <a:buNone/>
+            </a:pPr>
+            <a:r>
+              <a:rPr lang="pt-BR" sz="1200" dirty="0">
+                <a:solidFill>
+                  <a:srgbClr val="CCCCCC"/>
+                </a:solidFill>
+                <a:latin typeface="Consolas" panose="020B0609020204030204" pitchFamily="49" charset="0"/>
+              </a:rPr>
+              <a:t>        </a:t>
+            </a:r>
+            <a:r>
+              <a:rPr lang="pt-BR" sz="1200" dirty="0" err="1">
+                <a:solidFill>
+                  <a:srgbClr val="569CD6"/>
+                </a:solidFill>
+                <a:latin typeface="Consolas" panose="020B0609020204030204" pitchFamily="49" charset="0"/>
+              </a:rPr>
+              <a:t>const</a:t>
+            </a:r>
+            <a:r>
+              <a:rPr lang="pt-BR" sz="1200" dirty="0">
+                <a:solidFill>
+                  <a:srgbClr val="CCCCCC"/>
+                </a:solidFill>
+                <a:latin typeface="Consolas" panose="020B0609020204030204" pitchFamily="49" charset="0"/>
+              </a:rPr>
+              <a:t> </a:t>
+            </a:r>
+            <a:r>
+              <a:rPr lang="pt-BR" sz="1200" dirty="0" err="1">
+                <a:solidFill>
+                  <a:srgbClr val="4FC1FF"/>
+                </a:solidFill>
+                <a:latin typeface="Consolas" panose="020B0609020204030204" pitchFamily="49" charset="0"/>
+              </a:rPr>
+              <a:t>target</a:t>
+            </a:r>
+            <a:r>
+              <a:rPr lang="pt-BR" sz="1200" dirty="0">
+                <a:solidFill>
+                  <a:srgbClr val="CCCCCC"/>
+                </a:solidFill>
+                <a:latin typeface="Consolas" panose="020B0609020204030204" pitchFamily="49" charset="0"/>
+              </a:rPr>
+              <a:t> </a:t>
+            </a:r>
+            <a:r>
+              <a:rPr lang="pt-BR" sz="1200" dirty="0">
+                <a:solidFill>
+                  <a:srgbClr val="D4D4D4"/>
+                </a:solidFill>
+                <a:latin typeface="Consolas" panose="020B0609020204030204" pitchFamily="49" charset="0"/>
+              </a:rPr>
+              <a:t>=</a:t>
+            </a:r>
+            <a:r>
+              <a:rPr lang="pt-BR" sz="1200" dirty="0">
+                <a:solidFill>
+                  <a:srgbClr val="CCCCCC"/>
+                </a:solidFill>
+                <a:latin typeface="Consolas" panose="020B0609020204030204" pitchFamily="49" charset="0"/>
+              </a:rPr>
+              <a:t> </a:t>
+            </a:r>
+            <a:r>
+              <a:rPr lang="pt-BR" sz="1200" dirty="0" err="1">
+                <a:solidFill>
+                  <a:srgbClr val="9CDCFE"/>
+                </a:solidFill>
+                <a:latin typeface="Consolas" panose="020B0609020204030204" pitchFamily="49" charset="0"/>
+              </a:rPr>
+              <a:t>event</a:t>
+            </a:r>
+            <a:r>
+              <a:rPr lang="pt-BR" sz="1200" dirty="0" err="1">
+                <a:solidFill>
+                  <a:srgbClr val="CCCCCC"/>
+                </a:solidFill>
+                <a:latin typeface="Consolas" panose="020B0609020204030204" pitchFamily="49" charset="0"/>
+              </a:rPr>
+              <a:t>.</a:t>
+            </a:r>
+            <a:r>
+              <a:rPr lang="pt-BR" sz="1200" dirty="0" err="1">
+                <a:solidFill>
+                  <a:srgbClr val="9CDCFE"/>
+                </a:solidFill>
+                <a:latin typeface="Consolas" panose="020B0609020204030204" pitchFamily="49" charset="0"/>
+              </a:rPr>
+              <a:t>target</a:t>
+            </a:r>
+            <a:r>
+              <a:rPr lang="pt-BR" sz="1200" dirty="0">
+                <a:solidFill>
+                  <a:srgbClr val="CCCCCC"/>
+                </a:solidFill>
+                <a:latin typeface="Consolas" panose="020B0609020204030204" pitchFamily="49" charset="0"/>
+              </a:rPr>
+              <a:t>;</a:t>
+            </a:r>
+          </a:p>
+          <a:p>
+            <a:pPr marL="0" indent="0">
+              <a:buNone/>
+            </a:pPr>
+            <a:r>
+              <a:rPr lang="pt-BR" sz="1200" dirty="0">
+                <a:solidFill>
+                  <a:srgbClr val="CCCCCC"/>
+                </a:solidFill>
+                <a:latin typeface="Consolas" panose="020B0609020204030204" pitchFamily="49" charset="0"/>
+              </a:rPr>
+              <a:t>        </a:t>
+            </a:r>
+            <a:r>
+              <a:rPr lang="pt-BR" sz="1200" dirty="0" err="1">
+                <a:solidFill>
+                  <a:srgbClr val="C586C0"/>
+                </a:solidFill>
+                <a:latin typeface="Consolas" panose="020B0609020204030204" pitchFamily="49" charset="0"/>
+              </a:rPr>
+              <a:t>if</a:t>
+            </a:r>
+            <a:r>
+              <a:rPr lang="pt-BR" sz="1200" dirty="0">
+                <a:solidFill>
+                  <a:srgbClr val="CCCCCC"/>
+                </a:solidFill>
+                <a:latin typeface="Consolas" panose="020B0609020204030204" pitchFamily="49" charset="0"/>
+              </a:rPr>
+              <a:t> (</a:t>
+            </a:r>
+            <a:r>
+              <a:rPr lang="pt-BR" sz="1200" dirty="0" err="1">
+                <a:solidFill>
+                  <a:srgbClr val="4FC1FF"/>
+                </a:solidFill>
+                <a:latin typeface="Consolas" panose="020B0609020204030204" pitchFamily="49" charset="0"/>
+              </a:rPr>
+              <a:t>target</a:t>
+            </a:r>
+            <a:r>
+              <a:rPr lang="pt-BR" sz="1200" dirty="0" err="1">
+                <a:solidFill>
+                  <a:srgbClr val="CCCCCC"/>
+                </a:solidFill>
+                <a:latin typeface="Consolas" panose="020B0609020204030204" pitchFamily="49" charset="0"/>
+              </a:rPr>
+              <a:t>.</a:t>
+            </a:r>
+            <a:r>
+              <a:rPr lang="pt-BR" sz="1200" dirty="0" err="1">
+                <a:solidFill>
+                  <a:srgbClr val="9CDCFE"/>
+                </a:solidFill>
+                <a:latin typeface="Consolas" panose="020B0609020204030204" pitchFamily="49" charset="0"/>
+              </a:rPr>
+              <a:t>tagName</a:t>
+            </a:r>
+            <a:r>
+              <a:rPr lang="pt-BR" sz="1200" dirty="0" err="1">
+                <a:solidFill>
+                  <a:srgbClr val="CCCCCC"/>
+                </a:solidFill>
+                <a:latin typeface="Consolas" panose="020B0609020204030204" pitchFamily="49" charset="0"/>
+              </a:rPr>
+              <a:t>.</a:t>
+            </a:r>
+            <a:r>
+              <a:rPr lang="pt-BR" sz="1200" dirty="0" err="1">
+                <a:solidFill>
+                  <a:srgbClr val="DCDCAA"/>
+                </a:solidFill>
+                <a:latin typeface="Consolas" panose="020B0609020204030204" pitchFamily="49" charset="0"/>
+              </a:rPr>
+              <a:t>toUpperCase</a:t>
+            </a:r>
+            <a:r>
+              <a:rPr lang="pt-BR" sz="1200" dirty="0">
+                <a:solidFill>
+                  <a:srgbClr val="CCCCCC"/>
+                </a:solidFill>
+                <a:latin typeface="Consolas" panose="020B0609020204030204" pitchFamily="49" charset="0"/>
+              </a:rPr>
+              <a:t>() </a:t>
+            </a:r>
+            <a:r>
+              <a:rPr lang="pt-BR" sz="1200" dirty="0">
+                <a:solidFill>
+                  <a:srgbClr val="D4D4D4"/>
+                </a:solidFill>
+                <a:latin typeface="Consolas" panose="020B0609020204030204" pitchFamily="49" charset="0"/>
+              </a:rPr>
+              <a:t>!==</a:t>
+            </a:r>
+            <a:r>
+              <a:rPr lang="pt-BR" sz="1200" dirty="0">
+                <a:solidFill>
+                  <a:srgbClr val="CCCCCC"/>
+                </a:solidFill>
+                <a:latin typeface="Consolas" panose="020B0609020204030204" pitchFamily="49" charset="0"/>
+              </a:rPr>
+              <a:t> </a:t>
+            </a:r>
+            <a:r>
+              <a:rPr lang="pt-BR" sz="1200" dirty="0">
+                <a:solidFill>
+                  <a:srgbClr val="CE9178"/>
+                </a:solidFill>
+                <a:latin typeface="Consolas" panose="020B0609020204030204" pitchFamily="49" charset="0"/>
+              </a:rPr>
+              <a:t>'TD'</a:t>
+            </a:r>
+            <a:r>
+              <a:rPr lang="pt-BR" sz="1200" dirty="0">
+                <a:solidFill>
+                  <a:srgbClr val="CCCCCC"/>
+                </a:solidFill>
+                <a:latin typeface="Consolas" panose="020B0609020204030204" pitchFamily="49" charset="0"/>
+              </a:rPr>
+              <a:t>)</a:t>
+            </a:r>
+          </a:p>
+          <a:p>
+            <a:pPr marL="0" indent="0">
+              <a:buNone/>
+            </a:pPr>
+            <a:r>
+              <a:rPr lang="pt-BR" sz="1200" dirty="0">
+                <a:solidFill>
+                  <a:srgbClr val="CCCCCC"/>
+                </a:solidFill>
+                <a:latin typeface="Consolas" panose="020B0609020204030204" pitchFamily="49" charset="0"/>
+              </a:rPr>
+              <a:t>        {</a:t>
+            </a:r>
+          </a:p>
+          <a:p>
+            <a:pPr marL="0" indent="0">
+              <a:buNone/>
+            </a:pPr>
+            <a:r>
+              <a:rPr lang="pt-BR" sz="1200" dirty="0">
+                <a:solidFill>
+                  <a:srgbClr val="CCCCCC"/>
+                </a:solidFill>
+                <a:latin typeface="Consolas" panose="020B0609020204030204" pitchFamily="49" charset="0"/>
+              </a:rPr>
+              <a:t>            </a:t>
+            </a:r>
+            <a:r>
+              <a:rPr lang="pt-BR" sz="1200" dirty="0" err="1">
+                <a:solidFill>
+                  <a:srgbClr val="C586C0"/>
+                </a:solidFill>
+                <a:latin typeface="Consolas" panose="020B0609020204030204" pitchFamily="49" charset="0"/>
+              </a:rPr>
+              <a:t>return</a:t>
+            </a:r>
+            <a:endParaRPr lang="pt-BR" sz="1200" dirty="0">
+              <a:solidFill>
+                <a:srgbClr val="CCCCCC"/>
+              </a:solidFill>
+              <a:latin typeface="Consolas" panose="020B0609020204030204" pitchFamily="49" charset="0"/>
+            </a:endParaRPr>
+          </a:p>
+          <a:p>
+            <a:pPr marL="0" indent="0">
+              <a:buNone/>
+            </a:pPr>
+            <a:r>
+              <a:rPr lang="pt-BR" sz="1200" dirty="0">
+                <a:solidFill>
+                  <a:srgbClr val="CCCCCC"/>
+                </a:solidFill>
+                <a:latin typeface="Consolas" panose="020B0609020204030204" pitchFamily="49" charset="0"/>
+              </a:rPr>
+              <a:t>        }</a:t>
+            </a:r>
+          </a:p>
+          <a:p>
+            <a:pPr marL="0" indent="0">
+              <a:buNone/>
+            </a:pPr>
+            <a:r>
+              <a:rPr lang="pt-BR" sz="1200" dirty="0">
+                <a:solidFill>
+                  <a:srgbClr val="CCCCCC"/>
+                </a:solidFill>
+                <a:latin typeface="Consolas" panose="020B0609020204030204" pitchFamily="49" charset="0"/>
+              </a:rPr>
+              <a:t>        </a:t>
+            </a:r>
+            <a:r>
+              <a:rPr lang="pt-BR" sz="1200" dirty="0" err="1">
+                <a:solidFill>
+                  <a:srgbClr val="569CD6"/>
+                </a:solidFill>
+                <a:latin typeface="Consolas" panose="020B0609020204030204" pitchFamily="49" charset="0"/>
+              </a:rPr>
+              <a:t>this</a:t>
+            </a:r>
+            <a:r>
+              <a:rPr lang="pt-BR" sz="1200" dirty="0" err="1">
+                <a:solidFill>
+                  <a:srgbClr val="CCCCCC"/>
+                </a:solidFill>
+                <a:latin typeface="Consolas" panose="020B0609020204030204" pitchFamily="49" charset="0"/>
+              </a:rPr>
+              <a:t>.</a:t>
+            </a:r>
+            <a:r>
+              <a:rPr lang="pt-BR" sz="1200" dirty="0" err="1">
+                <a:solidFill>
+                  <a:srgbClr val="DCDCAA"/>
+                </a:solidFill>
+                <a:latin typeface="Consolas" panose="020B0609020204030204" pitchFamily="49" charset="0"/>
+              </a:rPr>
+              <a:t>setState</a:t>
+            </a:r>
+            <a:r>
+              <a:rPr lang="pt-BR" sz="1200" dirty="0">
+                <a:solidFill>
+                  <a:srgbClr val="CCCCCC"/>
+                </a:solidFill>
+                <a:latin typeface="Consolas" panose="020B0609020204030204" pitchFamily="49" charset="0"/>
+              </a:rPr>
+              <a:t>({</a:t>
+            </a:r>
+          </a:p>
+          <a:p>
+            <a:pPr marL="0" indent="0">
+              <a:buNone/>
+            </a:pPr>
+            <a:r>
+              <a:rPr lang="pt-BR" sz="1200" dirty="0">
+                <a:solidFill>
+                  <a:srgbClr val="CCCCCC"/>
+                </a:solidFill>
+                <a:latin typeface="Consolas" panose="020B0609020204030204" pitchFamily="49" charset="0"/>
+              </a:rPr>
+              <a:t>            </a:t>
+            </a:r>
+            <a:r>
+              <a:rPr lang="pt-BR" sz="1200" dirty="0">
+                <a:solidFill>
+                  <a:srgbClr val="9CDCFE"/>
+                </a:solidFill>
+                <a:latin typeface="Consolas" panose="020B0609020204030204" pitchFamily="49" charset="0"/>
+              </a:rPr>
+              <a:t>header:</a:t>
+            </a:r>
+            <a:r>
+              <a:rPr lang="pt-BR" sz="1200" dirty="0">
+                <a:solidFill>
+                  <a:srgbClr val="CCCCCC"/>
+                </a:solidFill>
+                <a:latin typeface="Consolas" panose="020B0609020204030204" pitchFamily="49" charset="0"/>
+              </a:rPr>
+              <a:t> </a:t>
+            </a:r>
+            <a:r>
+              <a:rPr lang="pt-BR" sz="1200" dirty="0" err="1">
+                <a:solidFill>
+                  <a:srgbClr val="569CD6"/>
+                </a:solidFill>
+                <a:latin typeface="Consolas" panose="020B0609020204030204" pitchFamily="49" charset="0"/>
+              </a:rPr>
+              <a:t>this</a:t>
+            </a:r>
+            <a:r>
+              <a:rPr lang="pt-BR" sz="1200" dirty="0" err="1">
+                <a:solidFill>
+                  <a:srgbClr val="CCCCCC"/>
+                </a:solidFill>
+                <a:latin typeface="Consolas" panose="020B0609020204030204" pitchFamily="49" charset="0"/>
+              </a:rPr>
+              <a:t>.</a:t>
+            </a:r>
+            <a:r>
+              <a:rPr lang="pt-BR" sz="1200" dirty="0" err="1">
+                <a:solidFill>
+                  <a:srgbClr val="4FC1FF"/>
+                </a:solidFill>
+                <a:latin typeface="Consolas" panose="020B0609020204030204" pitchFamily="49" charset="0"/>
+              </a:rPr>
+              <a:t>props</a:t>
+            </a:r>
+            <a:r>
+              <a:rPr lang="pt-BR" sz="1200" dirty="0" err="1">
+                <a:solidFill>
+                  <a:srgbClr val="CCCCCC"/>
+                </a:solidFill>
+                <a:latin typeface="Consolas" panose="020B0609020204030204" pitchFamily="49" charset="0"/>
+              </a:rPr>
+              <a:t>.</a:t>
+            </a:r>
+            <a:r>
+              <a:rPr lang="pt-BR" sz="1200" dirty="0" err="1">
+                <a:solidFill>
+                  <a:srgbClr val="9CDCFE"/>
+                </a:solidFill>
+                <a:latin typeface="Consolas" panose="020B0609020204030204" pitchFamily="49" charset="0"/>
+              </a:rPr>
+              <a:t>header</a:t>
+            </a:r>
+            <a:r>
+              <a:rPr lang="pt-BR" sz="1200" dirty="0">
+                <a:solidFill>
+                  <a:srgbClr val="CCCCCC"/>
+                </a:solidFill>
+                <a:latin typeface="Consolas" panose="020B0609020204030204" pitchFamily="49" charset="0"/>
+              </a:rPr>
+              <a:t>,</a:t>
+            </a:r>
+          </a:p>
+          <a:p>
+            <a:pPr marL="0" indent="0">
+              <a:buNone/>
+            </a:pPr>
+            <a:r>
+              <a:rPr lang="pt-BR" sz="1200" dirty="0">
+                <a:solidFill>
+                  <a:srgbClr val="CCCCCC"/>
+                </a:solidFill>
+                <a:latin typeface="Consolas" panose="020B0609020204030204" pitchFamily="49" charset="0"/>
+              </a:rPr>
+              <a:t>            </a:t>
+            </a:r>
+            <a:r>
+              <a:rPr lang="pt-BR" sz="1200" dirty="0">
+                <a:solidFill>
+                  <a:srgbClr val="9CDCFE"/>
+                </a:solidFill>
+                <a:latin typeface="Consolas" panose="020B0609020204030204" pitchFamily="49" charset="0"/>
+              </a:rPr>
+              <a:t>data:</a:t>
+            </a:r>
+            <a:r>
+              <a:rPr lang="pt-BR" sz="1200" dirty="0">
+                <a:solidFill>
+                  <a:srgbClr val="CCCCCC"/>
+                </a:solidFill>
+                <a:latin typeface="Consolas" panose="020B0609020204030204" pitchFamily="49" charset="0"/>
+              </a:rPr>
+              <a:t> </a:t>
+            </a:r>
+            <a:r>
+              <a:rPr lang="pt-BR" sz="1200" dirty="0" err="1">
+                <a:solidFill>
+                  <a:srgbClr val="569CD6"/>
+                </a:solidFill>
+                <a:latin typeface="Consolas" panose="020B0609020204030204" pitchFamily="49" charset="0"/>
+              </a:rPr>
+              <a:t>this</a:t>
+            </a:r>
+            <a:r>
+              <a:rPr lang="pt-BR" sz="1200" dirty="0" err="1">
+                <a:solidFill>
+                  <a:srgbClr val="CCCCCC"/>
+                </a:solidFill>
+                <a:latin typeface="Consolas" panose="020B0609020204030204" pitchFamily="49" charset="0"/>
+              </a:rPr>
+              <a:t>.</a:t>
+            </a:r>
+            <a:r>
+              <a:rPr lang="pt-BR" sz="1200" dirty="0" err="1">
+                <a:solidFill>
+                  <a:srgbClr val="4FC1FF"/>
+                </a:solidFill>
+                <a:latin typeface="Consolas" panose="020B0609020204030204" pitchFamily="49" charset="0"/>
+              </a:rPr>
+              <a:t>props</a:t>
+            </a:r>
+            <a:r>
+              <a:rPr lang="pt-BR" sz="1200" dirty="0" err="1">
+                <a:solidFill>
+                  <a:srgbClr val="CCCCCC"/>
+                </a:solidFill>
+                <a:latin typeface="Consolas" panose="020B0609020204030204" pitchFamily="49" charset="0"/>
+              </a:rPr>
+              <a:t>.</a:t>
+            </a:r>
+            <a:r>
+              <a:rPr lang="pt-BR" sz="1200" dirty="0" err="1">
+                <a:solidFill>
+                  <a:srgbClr val="9CDCFE"/>
+                </a:solidFill>
+                <a:latin typeface="Consolas" panose="020B0609020204030204" pitchFamily="49" charset="0"/>
+              </a:rPr>
+              <a:t>data</a:t>
+            </a:r>
+            <a:r>
+              <a:rPr lang="pt-BR" sz="1200" dirty="0">
+                <a:solidFill>
+                  <a:srgbClr val="CCCCCC"/>
+                </a:solidFill>
+                <a:latin typeface="Consolas" panose="020B0609020204030204" pitchFamily="49" charset="0"/>
+              </a:rPr>
+              <a:t>,</a:t>
+            </a:r>
+          </a:p>
+          <a:p>
+            <a:pPr marL="0" indent="0">
+              <a:buNone/>
+            </a:pPr>
+            <a:r>
+              <a:rPr lang="pt-BR" sz="1200" dirty="0">
+                <a:solidFill>
+                  <a:srgbClr val="CCCCCC"/>
+                </a:solidFill>
+                <a:latin typeface="Consolas" panose="020B0609020204030204" pitchFamily="49" charset="0"/>
+              </a:rPr>
+              <a:t>            </a:t>
+            </a:r>
+            <a:r>
+              <a:rPr lang="pt-BR" sz="1200" dirty="0" err="1">
+                <a:solidFill>
+                  <a:srgbClr val="9CDCFE"/>
+                </a:solidFill>
+                <a:latin typeface="Consolas" panose="020B0609020204030204" pitchFamily="49" charset="0"/>
+              </a:rPr>
+              <a:t>sortby</a:t>
+            </a:r>
+            <a:r>
+              <a:rPr lang="pt-BR" sz="1200" dirty="0">
+                <a:solidFill>
+                  <a:srgbClr val="9CDCFE"/>
+                </a:solidFill>
+                <a:latin typeface="Consolas" panose="020B0609020204030204" pitchFamily="49" charset="0"/>
+              </a:rPr>
+              <a:t>:</a:t>
+            </a:r>
+            <a:r>
+              <a:rPr lang="pt-BR" sz="1200" dirty="0">
+                <a:solidFill>
+                  <a:srgbClr val="CCCCCC"/>
+                </a:solidFill>
+                <a:latin typeface="Consolas" panose="020B0609020204030204" pitchFamily="49" charset="0"/>
+              </a:rPr>
+              <a:t> </a:t>
+            </a:r>
+            <a:r>
+              <a:rPr lang="pt-BR" sz="1200" dirty="0" err="1">
+                <a:solidFill>
+                  <a:srgbClr val="569CD6"/>
+                </a:solidFill>
+                <a:latin typeface="Consolas" panose="020B0609020204030204" pitchFamily="49" charset="0"/>
+              </a:rPr>
+              <a:t>null</a:t>
+            </a:r>
+            <a:r>
+              <a:rPr lang="pt-BR" sz="1200" dirty="0">
+                <a:solidFill>
+                  <a:srgbClr val="CCCCCC"/>
+                </a:solidFill>
+                <a:latin typeface="Consolas" panose="020B0609020204030204" pitchFamily="49" charset="0"/>
+              </a:rPr>
+              <a:t>,</a:t>
+            </a:r>
+          </a:p>
+          <a:p>
+            <a:pPr marL="0" indent="0">
+              <a:buNone/>
+            </a:pPr>
+            <a:r>
+              <a:rPr lang="pt-BR" sz="1200" dirty="0">
+                <a:solidFill>
+                  <a:srgbClr val="CCCCCC"/>
+                </a:solidFill>
+                <a:latin typeface="Consolas" panose="020B0609020204030204" pitchFamily="49" charset="0"/>
+              </a:rPr>
+              <a:t>            </a:t>
+            </a:r>
+            <a:r>
+              <a:rPr lang="pt-BR" sz="1200" dirty="0" err="1">
+                <a:solidFill>
+                  <a:srgbClr val="9CDCFE"/>
+                </a:solidFill>
+                <a:latin typeface="Consolas" panose="020B0609020204030204" pitchFamily="49" charset="0"/>
+              </a:rPr>
+              <a:t>descending</a:t>
+            </a:r>
+            <a:r>
+              <a:rPr lang="pt-BR" sz="1200" dirty="0">
+                <a:solidFill>
+                  <a:srgbClr val="9CDCFE"/>
+                </a:solidFill>
+                <a:latin typeface="Consolas" panose="020B0609020204030204" pitchFamily="49" charset="0"/>
+              </a:rPr>
+              <a:t>:</a:t>
+            </a:r>
+            <a:r>
+              <a:rPr lang="pt-BR" sz="1200" dirty="0">
+                <a:solidFill>
+                  <a:srgbClr val="CCCCCC"/>
+                </a:solidFill>
+                <a:latin typeface="Consolas" panose="020B0609020204030204" pitchFamily="49" charset="0"/>
+              </a:rPr>
+              <a:t> </a:t>
+            </a:r>
+            <a:r>
+              <a:rPr lang="pt-BR" sz="1200" dirty="0">
+                <a:solidFill>
+                  <a:srgbClr val="569CD6"/>
+                </a:solidFill>
+                <a:latin typeface="Consolas" panose="020B0609020204030204" pitchFamily="49" charset="0"/>
+              </a:rPr>
+              <a:t>false</a:t>
+            </a:r>
+            <a:r>
+              <a:rPr lang="pt-BR" sz="1200" dirty="0">
+                <a:solidFill>
+                  <a:srgbClr val="CCCCCC"/>
+                </a:solidFill>
+                <a:latin typeface="Consolas" panose="020B0609020204030204" pitchFamily="49" charset="0"/>
+              </a:rPr>
+              <a:t>,</a:t>
+            </a:r>
+          </a:p>
+          <a:p>
+            <a:pPr marL="0" indent="0">
+              <a:buNone/>
+            </a:pPr>
+            <a:r>
+              <a:rPr lang="pt-BR" sz="1200" dirty="0">
+                <a:solidFill>
+                  <a:srgbClr val="CCCCCC"/>
+                </a:solidFill>
+                <a:latin typeface="Consolas" panose="020B0609020204030204" pitchFamily="49" charset="0"/>
+              </a:rPr>
+              <a:t>            </a:t>
+            </a:r>
+            <a:r>
+              <a:rPr lang="pt-BR" sz="1200" dirty="0" err="1">
+                <a:solidFill>
+                  <a:srgbClr val="9CDCFE"/>
+                </a:solidFill>
+                <a:latin typeface="Consolas" panose="020B0609020204030204" pitchFamily="49" charset="0"/>
+              </a:rPr>
+              <a:t>edit</a:t>
+            </a:r>
+            <a:r>
+              <a:rPr lang="pt-BR" sz="1200" dirty="0">
+                <a:solidFill>
+                  <a:srgbClr val="9CDCFE"/>
+                </a:solidFill>
+                <a:latin typeface="Consolas" panose="020B0609020204030204" pitchFamily="49" charset="0"/>
+              </a:rPr>
+              <a:t>:</a:t>
+            </a:r>
+            <a:r>
+              <a:rPr lang="pt-BR" sz="1200" dirty="0">
+                <a:solidFill>
+                  <a:srgbClr val="CCCCCC"/>
+                </a:solidFill>
+                <a:latin typeface="Consolas" panose="020B0609020204030204" pitchFamily="49" charset="0"/>
+              </a:rPr>
+              <a:t> {</a:t>
+            </a:r>
+          </a:p>
+          <a:p>
+            <a:pPr marL="0" indent="0">
+              <a:buNone/>
+            </a:pPr>
+            <a:r>
+              <a:rPr lang="pt-BR" sz="1200" dirty="0">
+                <a:solidFill>
+                  <a:srgbClr val="CCCCCC"/>
+                </a:solidFill>
+                <a:latin typeface="Consolas" panose="020B0609020204030204" pitchFamily="49" charset="0"/>
+              </a:rPr>
+              <a:t>                </a:t>
+            </a:r>
+            <a:r>
+              <a:rPr lang="pt-BR" sz="1200" dirty="0" err="1">
+                <a:solidFill>
+                  <a:srgbClr val="9CDCFE"/>
+                </a:solidFill>
+                <a:latin typeface="Consolas" panose="020B0609020204030204" pitchFamily="49" charset="0"/>
+              </a:rPr>
+              <a:t>row</a:t>
+            </a:r>
+            <a:r>
+              <a:rPr lang="pt-BR" sz="1200" dirty="0">
+                <a:solidFill>
+                  <a:srgbClr val="9CDCFE"/>
+                </a:solidFill>
+                <a:latin typeface="Consolas" panose="020B0609020204030204" pitchFamily="49" charset="0"/>
+              </a:rPr>
+              <a:t>:</a:t>
+            </a:r>
+            <a:r>
+              <a:rPr lang="pt-BR" sz="1200" dirty="0">
+                <a:solidFill>
+                  <a:srgbClr val="CCCCCC"/>
+                </a:solidFill>
+                <a:latin typeface="Consolas" panose="020B0609020204030204" pitchFamily="49" charset="0"/>
+              </a:rPr>
+              <a:t> </a:t>
+            </a:r>
+            <a:r>
+              <a:rPr lang="pt-BR" sz="1200" dirty="0">
+                <a:solidFill>
+                  <a:srgbClr val="D4D4D4"/>
+                </a:solidFill>
+                <a:latin typeface="Consolas" panose="020B0609020204030204" pitchFamily="49" charset="0"/>
+              </a:rPr>
+              <a:t>-</a:t>
+            </a:r>
+            <a:r>
+              <a:rPr lang="pt-BR" sz="1200" dirty="0">
+                <a:solidFill>
+                  <a:srgbClr val="B5CEA8"/>
+                </a:solidFill>
+                <a:latin typeface="Consolas" panose="020B0609020204030204" pitchFamily="49" charset="0"/>
+              </a:rPr>
+              <a:t>1</a:t>
+            </a:r>
+            <a:r>
+              <a:rPr lang="pt-BR" sz="1200" dirty="0">
+                <a:solidFill>
+                  <a:srgbClr val="CCCCCC"/>
+                </a:solidFill>
+                <a:latin typeface="Consolas" panose="020B0609020204030204" pitchFamily="49" charset="0"/>
+              </a:rPr>
+              <a:t>,</a:t>
+            </a:r>
+          </a:p>
+          <a:p>
+            <a:pPr marL="0" indent="0">
+              <a:buNone/>
+            </a:pPr>
+            <a:r>
+              <a:rPr lang="pt-BR" sz="1200" dirty="0">
+                <a:solidFill>
+                  <a:srgbClr val="CCCCCC"/>
+                </a:solidFill>
+                <a:latin typeface="Consolas" panose="020B0609020204030204" pitchFamily="49" charset="0"/>
+              </a:rPr>
+              <a:t>                </a:t>
+            </a:r>
+            <a:r>
+              <a:rPr lang="pt-BR" sz="1200" dirty="0" err="1">
+                <a:solidFill>
+                  <a:srgbClr val="9CDCFE"/>
+                </a:solidFill>
+                <a:latin typeface="Consolas" panose="020B0609020204030204" pitchFamily="49" charset="0"/>
+              </a:rPr>
+              <a:t>column</a:t>
+            </a:r>
+            <a:r>
+              <a:rPr lang="pt-BR" sz="1200" dirty="0">
+                <a:solidFill>
+                  <a:srgbClr val="9CDCFE"/>
+                </a:solidFill>
+                <a:latin typeface="Consolas" panose="020B0609020204030204" pitchFamily="49" charset="0"/>
+              </a:rPr>
+              <a:t>:</a:t>
+            </a:r>
+            <a:r>
+              <a:rPr lang="pt-BR" sz="1200" dirty="0">
+                <a:solidFill>
+                  <a:srgbClr val="CCCCCC"/>
+                </a:solidFill>
+                <a:latin typeface="Consolas" panose="020B0609020204030204" pitchFamily="49" charset="0"/>
+              </a:rPr>
+              <a:t> </a:t>
+            </a:r>
+            <a:r>
+              <a:rPr lang="pt-BR" sz="1200" dirty="0">
+                <a:solidFill>
+                  <a:srgbClr val="D4D4D4"/>
+                </a:solidFill>
+                <a:latin typeface="Consolas" panose="020B0609020204030204" pitchFamily="49" charset="0"/>
+              </a:rPr>
+              <a:t>-</a:t>
+            </a:r>
+            <a:r>
+              <a:rPr lang="pt-BR" sz="1200" dirty="0">
+                <a:solidFill>
+                  <a:srgbClr val="B5CEA8"/>
+                </a:solidFill>
+                <a:latin typeface="Consolas" panose="020B0609020204030204" pitchFamily="49" charset="0"/>
+              </a:rPr>
+              <a:t>1</a:t>
+            </a:r>
+            <a:r>
+              <a:rPr lang="pt-BR" sz="1200" dirty="0">
+                <a:solidFill>
+                  <a:srgbClr val="CCCCCC"/>
+                </a:solidFill>
+                <a:latin typeface="Consolas" panose="020B0609020204030204" pitchFamily="49" charset="0"/>
+              </a:rPr>
+              <a:t>,</a:t>
+            </a:r>
+          </a:p>
+          <a:p>
+            <a:pPr marL="0" indent="0">
+              <a:buNone/>
+            </a:pPr>
+            <a:r>
+              <a:rPr lang="pt-BR" sz="1200" dirty="0">
+                <a:solidFill>
+                  <a:srgbClr val="CCCCCC"/>
+                </a:solidFill>
+                <a:latin typeface="Consolas" panose="020B0609020204030204" pitchFamily="49" charset="0"/>
+              </a:rPr>
+              <a:t>            }</a:t>
+            </a:r>
+          </a:p>
+          <a:p>
+            <a:pPr marL="0" indent="0">
+              <a:buNone/>
+            </a:pPr>
+            <a:r>
+              <a:rPr lang="pt-BR" sz="1200" dirty="0">
+                <a:solidFill>
+                  <a:srgbClr val="CCCCCC"/>
+                </a:solidFill>
+                <a:latin typeface="Consolas" panose="020B0609020204030204" pitchFamily="49" charset="0"/>
+              </a:rPr>
+              <a:t>        });</a:t>
+            </a:r>
+          </a:p>
+          <a:p>
+            <a:pPr marL="0" indent="0">
+              <a:buNone/>
+            </a:pPr>
+            <a:r>
+              <a:rPr lang="pt-BR" sz="1200" dirty="0">
+                <a:solidFill>
+                  <a:srgbClr val="CCCCCC"/>
+                </a:solidFill>
+                <a:latin typeface="Consolas" panose="020B0609020204030204" pitchFamily="49" charset="0"/>
+              </a:rPr>
+              <a:t>    }</a:t>
+            </a:r>
+          </a:p>
+          <a:p>
+            <a:pPr marL="0" lvl="0" indent="0">
+              <a:lnSpc>
+                <a:spcPct val="100000"/>
+              </a:lnSpc>
+              <a:spcBef>
+                <a:spcPts val="0"/>
+              </a:spcBef>
+              <a:buNone/>
+            </a:pPr>
+            <a:endParaRPr lang="pt-BR" sz="1200" dirty="0">
+              <a:latin typeface="Courier New" panose="02070309020205020404" pitchFamily="49" charset="0"/>
+              <a:cs typeface="Courier New" panose="02070309020205020404" pitchFamily="49" charset="0"/>
+            </a:endParaRPr>
+          </a:p>
+        </p:txBody>
+      </p:sp>
+    </p:spTree>
+    <p:extLst>
+      <p:ext uri="{BB962C8B-B14F-4D97-AF65-F5344CB8AC3E}">
+        <p14:creationId xmlns:p14="http://schemas.microsoft.com/office/powerpoint/2010/main" val="2974070717"/>
+      </p:ext>
+    </p:extLst>
+  </p:cSld>
+  <p:clrMapOvr>
+    <a:masterClrMapping/>
+  </p:clrMapOvr>
+</p:sld>
+</file>
+
 <file path=ppt/slides/slide3.xml><?xml version="1.0" encoding="utf-8"?>
 <p:sld xmlns:a="http://schemas.openxmlformats.org/drawingml/2006/main" xmlns:r="http://schemas.openxmlformats.org/officeDocument/2006/relationships" xmlns:p="http://schemas.openxmlformats.org/presentationml/2006/main">
   <p:cSld>

--- a/Aulas/04 - Criação de Tabela com Controles/04 - Tabela com Controles.pptx
+++ b/Aulas/04 - Criação de Tabela com Controles/04 - Tabela com Controles.pptx
@@ -34,6 +34,7 @@
     <p:sldId id="282" r:id="rId28"/>
     <p:sldId id="283" r:id="rId29"/>
     <p:sldId id="284" r:id="rId30"/>
+    <p:sldId id="285" r:id="rId31"/>
   </p:sldIdLst>
   <p:sldSz cx="12192000" cy="6858000"/>
   <p:notesSz cx="6858000" cy="9144000"/>
@@ -18111,25 +18112,7 @@
                 <a:latin typeface="Courier New" panose="02070309020205020404" pitchFamily="49" charset="0"/>
                 <a:cs typeface="Courier New" panose="02070309020205020404" pitchFamily="49" charset="0"/>
               </a:rPr>
-              <a:t>// manipulador de eventos para clique duplo</a:t>
-            </a:r>
-          </a:p>
-          <a:p>
-            <a:pPr marL="0" lvl="0" indent="0">
-              <a:lnSpc>
-                <a:spcPct val="100000"/>
-              </a:lnSpc>
-              <a:spcBef>
-                <a:spcPts val="0"/>
-              </a:spcBef>
-              <a:buNone/>
-            </a:pPr>
-            <a:r>
-              <a:rPr lang="pt-BR" sz="1200" b="1" dirty="0">
-                <a:latin typeface="Courier New" panose="02070309020205020404" pitchFamily="49" charset="0"/>
-                <a:cs typeface="Courier New" panose="02070309020205020404" pitchFamily="49" charset="0"/>
-              </a:rPr>
-              <a:t>// </a:t>
+              <a:t>// criar manipulador de eventos para clique duplo</a:t>
             </a:r>
           </a:p>
           <a:p>
@@ -21127,7 +21110,7 @@
                 <a:latin typeface="Courier New" panose="02070309020205020404" pitchFamily="49" charset="0"/>
                 <a:cs typeface="Courier New" panose="02070309020205020404" pitchFamily="49" charset="0"/>
               </a:rPr>
-              <a:t>// alterar o método </a:t>
+              <a:t>// criar o método </a:t>
             </a:r>
             <a:r>
               <a:rPr lang="pt-BR" sz="1200" b="1" dirty="0" err="1">
@@ -23400,6 +23383,630 @@
     <p:extLst>
       <p:ext uri="{BB962C8B-B14F-4D97-AF65-F5344CB8AC3E}">
         <p14:creationId xmlns:p14="http://schemas.microsoft.com/office/powerpoint/2010/main" val="2525430843"/>
+      </p:ext>
+    </p:extLst>
+  </p:cSld>
+  <p:clrMapOvr>
+    <a:masterClrMapping/>
+  </p:clrMapOvr>
+</p:sld>
+</file>
+
+<file path=ppt/slides/slide30.xml><?xml version="1.0" encoding="utf-8"?>
+<p:sld xmlns:a="http://schemas.openxmlformats.org/drawingml/2006/main" xmlns:r="http://schemas.openxmlformats.org/officeDocument/2006/relationships" xmlns:p="http://schemas.openxmlformats.org/presentationml/2006/main">
+  <p:cSld>
+    <p:spTree>
+      <p:nvGrpSpPr>
+        <p:cNvPr id="1" name=""/>
+        <p:cNvGrpSpPr/>
+        <p:nvPr/>
+      </p:nvGrpSpPr>
+      <p:grpSpPr>
+        <a:xfrm>
+          <a:off x="0" y="0"/>
+          <a:ext cx="0" cy="0"/>
+          <a:chOff x="0" y="0"/>
+          <a:chExt cx="0" cy="0"/>
+        </a:xfrm>
+      </p:grpSpPr>
+      <p:sp>
+        <p:nvSpPr>
+          <p:cNvPr id="2" name="Título 1">
+            <a:extLst>
+              <a:ext uri="{FF2B5EF4-FFF2-40B4-BE49-F238E27FC236}">
+                <a16:creationId xmlns:a16="http://schemas.microsoft.com/office/drawing/2014/main" id="{AE3EA2E6-2E1F-4910-80F5-FEA8176D6347}"/>
+              </a:ext>
+            </a:extLst>
+          </p:cNvPr>
+          <p:cNvSpPr>
+            <a:spLocks noGrp="1"/>
+          </p:cNvSpPr>
+          <p:nvPr>
+            <p:ph type="title"/>
+          </p:nvPr>
+        </p:nvSpPr>
+        <p:spPr/>
+        <p:txBody>
+          <a:bodyPr/>
+          <a:lstStyle/>
+          <a:p>
+            <a:pPr algn="r"/>
+            <a:r>
+              <a:rPr lang="pt-BR" dirty="0">
+                <a:solidFill>
+                  <a:prstClr val="black"/>
+                </a:solidFill>
+              </a:rPr>
+              <a:t>Criação da Tabela</a:t>
+            </a:r>
+            <a:br>
+              <a:rPr lang="pt-BR" dirty="0">
+                <a:solidFill>
+                  <a:prstClr val="black"/>
+                </a:solidFill>
+              </a:rPr>
+            </a:br>
+            <a:r>
+              <a:rPr lang="pt-BR" sz="2400" dirty="0">
+                <a:solidFill>
+                  <a:prstClr val="black"/>
+                </a:solidFill>
+              </a:rPr>
+              <a:t>(Edição de Célula)</a:t>
+            </a:r>
+            <a:endParaRPr lang="pt-BR" dirty="0"/>
+          </a:p>
+        </p:txBody>
+      </p:sp>
+      <p:sp>
+        <p:nvSpPr>
+          <p:cNvPr id="3" name="Espaço Reservado para Conteúdo 2">
+            <a:extLst>
+              <a:ext uri="{FF2B5EF4-FFF2-40B4-BE49-F238E27FC236}">
+                <a16:creationId xmlns:a16="http://schemas.microsoft.com/office/drawing/2014/main" id="{76A075FF-5552-4825-A833-DC93985E762E}"/>
+              </a:ext>
+            </a:extLst>
+          </p:cNvPr>
+          <p:cNvSpPr>
+            <a:spLocks noGrp="1"/>
+          </p:cNvSpPr>
+          <p:nvPr>
+            <p:ph idx="1"/>
+          </p:nvPr>
+        </p:nvSpPr>
+        <p:spPr/>
+        <p:txBody>
+          <a:bodyPr>
+            <a:normAutofit/>
+          </a:bodyPr>
+          <a:lstStyle/>
+          <a:p>
+            <a:pPr marL="0" lvl="0" indent="0">
+              <a:lnSpc>
+                <a:spcPct val="100000"/>
+              </a:lnSpc>
+              <a:spcBef>
+                <a:spcPts val="0"/>
+              </a:spcBef>
+              <a:buNone/>
+            </a:pPr>
+            <a:r>
+              <a:rPr lang="pt-BR" sz="1200" b="1" dirty="0">
+                <a:latin typeface="Courier New" panose="02070309020205020404" pitchFamily="49" charset="0"/>
+                <a:cs typeface="Courier New" panose="02070309020205020404" pitchFamily="49" charset="0"/>
+              </a:rPr>
+              <a:t>// alterar o construtor</a:t>
+            </a:r>
+          </a:p>
+          <a:p>
+            <a:pPr marL="0" lvl="0" indent="0">
+              <a:lnSpc>
+                <a:spcPct val="100000"/>
+              </a:lnSpc>
+              <a:spcBef>
+                <a:spcPts val="0"/>
+              </a:spcBef>
+              <a:buNone/>
+            </a:pPr>
+            <a:r>
+              <a:rPr lang="pt-BR" sz="1200" b="1" dirty="0">
+                <a:latin typeface="Courier New" panose="02070309020205020404" pitchFamily="49" charset="0"/>
+                <a:cs typeface="Courier New" panose="02070309020205020404" pitchFamily="49" charset="0"/>
+              </a:rPr>
+              <a:t>//</a:t>
+            </a:r>
+          </a:p>
+          <a:p>
+            <a:pPr marL="0" indent="0">
+              <a:buNone/>
+            </a:pPr>
+            <a:r>
+              <a:rPr lang="pt-BR" sz="1200" dirty="0">
+                <a:solidFill>
+                  <a:srgbClr val="CCCCCC"/>
+                </a:solidFill>
+                <a:latin typeface="Consolas" panose="020B0609020204030204" pitchFamily="49" charset="0"/>
+              </a:rPr>
+              <a:t>        </a:t>
+            </a:r>
+            <a:r>
+              <a:rPr lang="pt-BR" sz="1200" dirty="0" err="1">
+                <a:solidFill>
+                  <a:srgbClr val="569CD6"/>
+                </a:solidFill>
+                <a:latin typeface="Consolas" panose="020B0609020204030204" pitchFamily="49" charset="0"/>
+              </a:rPr>
+              <a:t>this</a:t>
+            </a:r>
+            <a:r>
+              <a:rPr lang="pt-BR" sz="1200" dirty="0" err="1">
+                <a:solidFill>
+                  <a:srgbClr val="CCCCCC"/>
+                </a:solidFill>
+                <a:latin typeface="Consolas" panose="020B0609020204030204" pitchFamily="49" charset="0"/>
+              </a:rPr>
+              <a:t>.</a:t>
+            </a:r>
+            <a:r>
+              <a:rPr lang="pt-BR" sz="1200" dirty="0" err="1">
+                <a:solidFill>
+                  <a:srgbClr val="DCDCAA"/>
+                </a:solidFill>
+                <a:latin typeface="Consolas" panose="020B0609020204030204" pitchFamily="49" charset="0"/>
+              </a:rPr>
+              <a:t>onClick</a:t>
+            </a:r>
+            <a:r>
+              <a:rPr lang="pt-BR" sz="1200" dirty="0">
+                <a:solidFill>
+                  <a:srgbClr val="CCCCCC"/>
+                </a:solidFill>
+                <a:latin typeface="Consolas" panose="020B0609020204030204" pitchFamily="49" charset="0"/>
+              </a:rPr>
+              <a:t> </a:t>
+            </a:r>
+            <a:r>
+              <a:rPr lang="pt-BR" sz="1200" dirty="0">
+                <a:solidFill>
+                  <a:srgbClr val="D4D4D4"/>
+                </a:solidFill>
+                <a:latin typeface="Consolas" panose="020B0609020204030204" pitchFamily="49" charset="0"/>
+              </a:rPr>
+              <a:t>=</a:t>
+            </a:r>
+            <a:r>
+              <a:rPr lang="pt-BR" sz="1200" dirty="0">
+                <a:solidFill>
+                  <a:srgbClr val="CCCCCC"/>
+                </a:solidFill>
+                <a:latin typeface="Consolas" panose="020B0609020204030204" pitchFamily="49" charset="0"/>
+              </a:rPr>
+              <a:t> </a:t>
+            </a:r>
+            <a:r>
+              <a:rPr lang="pt-BR" sz="1200" dirty="0" err="1">
+                <a:solidFill>
+                  <a:srgbClr val="569CD6"/>
+                </a:solidFill>
+                <a:latin typeface="Consolas" panose="020B0609020204030204" pitchFamily="49" charset="0"/>
+              </a:rPr>
+              <a:t>this</a:t>
+            </a:r>
+            <a:r>
+              <a:rPr lang="pt-BR" sz="1200" dirty="0" err="1">
+                <a:solidFill>
+                  <a:srgbClr val="CCCCCC"/>
+                </a:solidFill>
+                <a:latin typeface="Consolas" panose="020B0609020204030204" pitchFamily="49" charset="0"/>
+              </a:rPr>
+              <a:t>.</a:t>
+            </a:r>
+            <a:r>
+              <a:rPr lang="pt-BR" sz="1200" dirty="0" err="1">
+                <a:solidFill>
+                  <a:srgbClr val="DCDCAA"/>
+                </a:solidFill>
+                <a:latin typeface="Consolas" panose="020B0609020204030204" pitchFamily="49" charset="0"/>
+              </a:rPr>
+              <a:t>onClick</a:t>
+            </a:r>
+            <a:r>
+              <a:rPr lang="pt-BR" sz="1200" dirty="0" err="1">
+                <a:solidFill>
+                  <a:srgbClr val="CCCCCC"/>
+                </a:solidFill>
+                <a:latin typeface="Consolas" panose="020B0609020204030204" pitchFamily="49" charset="0"/>
+              </a:rPr>
+              <a:t>.</a:t>
+            </a:r>
+            <a:r>
+              <a:rPr lang="pt-BR" sz="1200" dirty="0" err="1">
+                <a:solidFill>
+                  <a:srgbClr val="DCDCAA"/>
+                </a:solidFill>
+                <a:latin typeface="Consolas" panose="020B0609020204030204" pitchFamily="49" charset="0"/>
+              </a:rPr>
+              <a:t>bind</a:t>
+            </a:r>
+            <a:r>
+              <a:rPr lang="pt-BR" sz="1200" dirty="0">
+                <a:solidFill>
+                  <a:srgbClr val="CCCCCC"/>
+                </a:solidFill>
+                <a:latin typeface="Consolas" panose="020B0609020204030204" pitchFamily="49" charset="0"/>
+              </a:rPr>
+              <a:t>(</a:t>
+            </a:r>
+            <a:r>
+              <a:rPr lang="pt-BR" sz="1200" dirty="0" err="1">
+                <a:solidFill>
+                  <a:srgbClr val="569CD6"/>
+                </a:solidFill>
+                <a:latin typeface="Consolas" panose="020B0609020204030204" pitchFamily="49" charset="0"/>
+              </a:rPr>
+              <a:t>this</a:t>
+            </a:r>
+            <a:r>
+              <a:rPr lang="pt-BR" sz="1200" dirty="0">
+                <a:solidFill>
+                  <a:srgbClr val="CCCCCC"/>
+                </a:solidFill>
+                <a:latin typeface="Consolas" panose="020B0609020204030204" pitchFamily="49" charset="0"/>
+              </a:rPr>
+              <a:t>);</a:t>
+            </a:r>
+          </a:p>
+          <a:p>
+            <a:pPr marL="0" indent="0">
+              <a:buNone/>
+            </a:pPr>
+            <a:r>
+              <a:rPr lang="pt-BR" sz="1200" dirty="0">
+                <a:solidFill>
+                  <a:srgbClr val="CCCCCC"/>
+                </a:solidFill>
+                <a:latin typeface="Consolas" panose="020B0609020204030204" pitchFamily="49" charset="0"/>
+              </a:rPr>
+              <a:t>        </a:t>
+            </a:r>
+            <a:r>
+              <a:rPr lang="pt-BR" sz="1200" dirty="0" err="1">
+                <a:solidFill>
+                  <a:srgbClr val="569CD6"/>
+                </a:solidFill>
+                <a:latin typeface="Consolas" panose="020B0609020204030204" pitchFamily="49" charset="0"/>
+              </a:rPr>
+              <a:t>this</a:t>
+            </a:r>
+            <a:r>
+              <a:rPr lang="pt-BR" sz="1200" dirty="0" err="1">
+                <a:solidFill>
+                  <a:srgbClr val="CCCCCC"/>
+                </a:solidFill>
+                <a:latin typeface="Consolas" panose="020B0609020204030204" pitchFamily="49" charset="0"/>
+              </a:rPr>
+              <a:t>.</a:t>
+            </a:r>
+            <a:r>
+              <a:rPr lang="pt-BR" sz="1200" dirty="0" err="1">
+                <a:solidFill>
+                  <a:srgbClr val="DCDCAA"/>
+                </a:solidFill>
+                <a:latin typeface="Consolas" panose="020B0609020204030204" pitchFamily="49" charset="0"/>
+              </a:rPr>
+              <a:t>onDoubleClick</a:t>
+            </a:r>
+            <a:r>
+              <a:rPr lang="pt-BR" sz="1200" dirty="0">
+                <a:solidFill>
+                  <a:srgbClr val="CCCCCC"/>
+                </a:solidFill>
+                <a:latin typeface="Consolas" panose="020B0609020204030204" pitchFamily="49" charset="0"/>
+              </a:rPr>
+              <a:t> </a:t>
+            </a:r>
+            <a:r>
+              <a:rPr lang="pt-BR" sz="1200" dirty="0">
+                <a:solidFill>
+                  <a:srgbClr val="D4D4D4"/>
+                </a:solidFill>
+                <a:latin typeface="Consolas" panose="020B0609020204030204" pitchFamily="49" charset="0"/>
+              </a:rPr>
+              <a:t>=</a:t>
+            </a:r>
+            <a:r>
+              <a:rPr lang="pt-BR" sz="1200" dirty="0">
+                <a:solidFill>
+                  <a:srgbClr val="CCCCCC"/>
+                </a:solidFill>
+                <a:latin typeface="Consolas" panose="020B0609020204030204" pitchFamily="49" charset="0"/>
+              </a:rPr>
+              <a:t> </a:t>
+            </a:r>
+            <a:r>
+              <a:rPr lang="pt-BR" sz="1200" dirty="0" err="1">
+                <a:solidFill>
+                  <a:srgbClr val="569CD6"/>
+                </a:solidFill>
+                <a:latin typeface="Consolas" panose="020B0609020204030204" pitchFamily="49" charset="0"/>
+              </a:rPr>
+              <a:t>this</a:t>
+            </a:r>
+            <a:r>
+              <a:rPr lang="pt-BR" sz="1200" dirty="0" err="1">
+                <a:solidFill>
+                  <a:srgbClr val="CCCCCC"/>
+                </a:solidFill>
+                <a:latin typeface="Consolas" panose="020B0609020204030204" pitchFamily="49" charset="0"/>
+              </a:rPr>
+              <a:t>.</a:t>
+            </a:r>
+            <a:r>
+              <a:rPr lang="pt-BR" sz="1200" dirty="0" err="1">
+                <a:solidFill>
+                  <a:srgbClr val="DCDCAA"/>
+                </a:solidFill>
+                <a:latin typeface="Consolas" panose="020B0609020204030204" pitchFamily="49" charset="0"/>
+              </a:rPr>
+              <a:t>onDoubleClick</a:t>
+            </a:r>
+            <a:r>
+              <a:rPr lang="pt-BR" sz="1200" dirty="0" err="1">
+                <a:solidFill>
+                  <a:srgbClr val="CCCCCC"/>
+                </a:solidFill>
+                <a:latin typeface="Consolas" panose="020B0609020204030204" pitchFamily="49" charset="0"/>
+              </a:rPr>
+              <a:t>.</a:t>
+            </a:r>
+            <a:r>
+              <a:rPr lang="pt-BR" sz="1200" dirty="0" err="1">
+                <a:solidFill>
+                  <a:srgbClr val="DCDCAA"/>
+                </a:solidFill>
+                <a:latin typeface="Consolas" panose="020B0609020204030204" pitchFamily="49" charset="0"/>
+              </a:rPr>
+              <a:t>bind</a:t>
+            </a:r>
+            <a:r>
+              <a:rPr lang="pt-BR" sz="1200" dirty="0">
+                <a:solidFill>
+                  <a:srgbClr val="CCCCCC"/>
+                </a:solidFill>
+                <a:latin typeface="Consolas" panose="020B0609020204030204" pitchFamily="49" charset="0"/>
+              </a:rPr>
+              <a:t>(</a:t>
+            </a:r>
+            <a:r>
+              <a:rPr lang="pt-BR" sz="1200" dirty="0" err="1">
+                <a:solidFill>
+                  <a:srgbClr val="569CD6"/>
+                </a:solidFill>
+                <a:latin typeface="Consolas" panose="020B0609020204030204" pitchFamily="49" charset="0"/>
+              </a:rPr>
+              <a:t>this</a:t>
+            </a:r>
+            <a:r>
+              <a:rPr lang="pt-BR" sz="1200" dirty="0">
+                <a:solidFill>
+                  <a:srgbClr val="CCCCCC"/>
+                </a:solidFill>
+                <a:latin typeface="Consolas" panose="020B0609020204030204" pitchFamily="49" charset="0"/>
+              </a:rPr>
+              <a:t>);</a:t>
+            </a:r>
+          </a:p>
+          <a:p>
+            <a:pPr marL="0" indent="0">
+              <a:buNone/>
+            </a:pPr>
+            <a:r>
+              <a:rPr lang="pt-BR" sz="1200" b="1" dirty="0">
+                <a:solidFill>
+                  <a:srgbClr val="FF0000"/>
+                </a:solidFill>
+                <a:latin typeface="Consolas" panose="020B0609020204030204" pitchFamily="49" charset="0"/>
+              </a:rPr>
+              <a:t>        </a:t>
+            </a:r>
+            <a:r>
+              <a:rPr lang="pt-BR" sz="1200" b="1" dirty="0" err="1">
+                <a:solidFill>
+                  <a:srgbClr val="FF0000"/>
+                </a:solidFill>
+                <a:latin typeface="Consolas" panose="020B0609020204030204" pitchFamily="49" charset="0"/>
+              </a:rPr>
+              <a:t>this</a:t>
+            </a:r>
+            <a:r>
+              <a:rPr lang="pt-BR" sz="1200" b="1" dirty="0">
+                <a:solidFill>
+                  <a:srgbClr val="FF0000"/>
+                </a:solidFill>
+                <a:latin typeface="Consolas" panose="020B0609020204030204" pitchFamily="49" charset="0"/>
+              </a:rPr>
+              <a:t>. </a:t>
+            </a:r>
+            <a:r>
+              <a:rPr lang="pt-BR" sz="1200" b="1" dirty="0" err="1">
+                <a:solidFill>
+                  <a:srgbClr val="FF0000"/>
+                </a:solidFill>
+                <a:latin typeface="Consolas" panose="020B0609020204030204" pitchFamily="49" charset="0"/>
+              </a:rPr>
+              <a:t>onSaveEdit</a:t>
+            </a:r>
+            <a:r>
+              <a:rPr lang="pt-BR" sz="1200" b="1" dirty="0">
+                <a:solidFill>
+                  <a:srgbClr val="FF0000"/>
+                </a:solidFill>
+                <a:latin typeface="Consolas" panose="020B0609020204030204" pitchFamily="49" charset="0"/>
+              </a:rPr>
+              <a:t> = </a:t>
+            </a:r>
+            <a:r>
+              <a:rPr lang="pt-BR" sz="1200" b="1" dirty="0" err="1">
+                <a:solidFill>
+                  <a:srgbClr val="FF0000"/>
+                </a:solidFill>
+                <a:latin typeface="Consolas" panose="020B0609020204030204" pitchFamily="49" charset="0"/>
+              </a:rPr>
+              <a:t>this</a:t>
+            </a:r>
+            <a:r>
+              <a:rPr lang="pt-BR" sz="1200" b="1" dirty="0">
+                <a:solidFill>
+                  <a:srgbClr val="FF0000"/>
+                </a:solidFill>
+                <a:latin typeface="Consolas" panose="020B0609020204030204" pitchFamily="49" charset="0"/>
+              </a:rPr>
+              <a:t>. </a:t>
+            </a:r>
+            <a:r>
+              <a:rPr lang="pt-BR" sz="1200" b="1" dirty="0" err="1">
+                <a:solidFill>
+                  <a:srgbClr val="FF0000"/>
+                </a:solidFill>
+                <a:latin typeface="Consolas" panose="020B0609020204030204" pitchFamily="49" charset="0"/>
+              </a:rPr>
+              <a:t>onSaveEdit.bind</a:t>
+            </a:r>
+            <a:r>
+              <a:rPr lang="pt-BR" sz="1200" b="1" dirty="0">
+                <a:solidFill>
+                  <a:srgbClr val="FF0000"/>
+                </a:solidFill>
+                <a:latin typeface="Consolas" panose="020B0609020204030204" pitchFamily="49" charset="0"/>
+              </a:rPr>
+              <a:t>(</a:t>
+            </a:r>
+            <a:r>
+              <a:rPr lang="pt-BR" sz="1200" b="1" dirty="0" err="1">
+                <a:solidFill>
+                  <a:srgbClr val="FF0000"/>
+                </a:solidFill>
+                <a:latin typeface="Consolas" panose="020B0609020204030204" pitchFamily="49" charset="0"/>
+              </a:rPr>
+              <a:t>this</a:t>
+            </a:r>
+            <a:r>
+              <a:rPr lang="pt-BR" sz="1200" b="1" dirty="0">
+                <a:solidFill>
+                  <a:srgbClr val="FF0000"/>
+                </a:solidFill>
+                <a:latin typeface="Consolas" panose="020B0609020204030204" pitchFamily="49" charset="0"/>
+              </a:rPr>
+              <a:t>);</a:t>
+            </a:r>
+          </a:p>
+          <a:p>
+            <a:pPr marL="0" indent="0">
+              <a:buNone/>
+            </a:pPr>
+            <a:r>
+              <a:rPr lang="pt-BR" sz="1200" b="1" dirty="0">
+                <a:solidFill>
+                  <a:srgbClr val="FF0000"/>
+                </a:solidFill>
+                <a:latin typeface="Consolas" panose="020B0609020204030204" pitchFamily="49" charset="0"/>
+              </a:rPr>
+              <a:t>        </a:t>
+            </a:r>
+            <a:r>
+              <a:rPr lang="pt-BR" sz="1200" b="1" dirty="0" err="1">
+                <a:solidFill>
+                  <a:srgbClr val="FF0000"/>
+                </a:solidFill>
+                <a:latin typeface="Consolas" panose="020B0609020204030204" pitchFamily="49" charset="0"/>
+              </a:rPr>
+              <a:t>this.onResetTable</a:t>
+            </a:r>
+            <a:r>
+              <a:rPr lang="pt-BR" sz="1200" b="1" dirty="0">
+                <a:solidFill>
+                  <a:srgbClr val="FF0000"/>
+                </a:solidFill>
+                <a:latin typeface="Consolas" panose="020B0609020204030204" pitchFamily="49" charset="0"/>
+              </a:rPr>
+              <a:t> = </a:t>
+            </a:r>
+            <a:r>
+              <a:rPr lang="pt-BR" sz="1200" b="1" dirty="0" err="1">
+                <a:solidFill>
+                  <a:srgbClr val="FF0000"/>
+                </a:solidFill>
+                <a:latin typeface="Consolas" panose="020B0609020204030204" pitchFamily="49" charset="0"/>
+              </a:rPr>
+              <a:t>this.onResetTable.bind</a:t>
+            </a:r>
+            <a:r>
+              <a:rPr lang="pt-BR" sz="1200" b="1" dirty="0">
+                <a:solidFill>
+                  <a:srgbClr val="FF0000"/>
+                </a:solidFill>
+                <a:latin typeface="Consolas" panose="020B0609020204030204" pitchFamily="49" charset="0"/>
+              </a:rPr>
+              <a:t>(</a:t>
+            </a:r>
+            <a:r>
+              <a:rPr lang="pt-BR" sz="1200" b="1" dirty="0" err="1">
+                <a:solidFill>
+                  <a:srgbClr val="FF0000"/>
+                </a:solidFill>
+                <a:latin typeface="Consolas" panose="020B0609020204030204" pitchFamily="49" charset="0"/>
+              </a:rPr>
+              <a:t>this</a:t>
+            </a:r>
+            <a:r>
+              <a:rPr lang="pt-BR" sz="1200" b="1" dirty="0">
+                <a:solidFill>
+                  <a:srgbClr val="FF0000"/>
+                </a:solidFill>
+                <a:latin typeface="Consolas" panose="020B0609020204030204" pitchFamily="49" charset="0"/>
+              </a:rPr>
+              <a:t>);</a:t>
+            </a:r>
+          </a:p>
+          <a:p>
+            <a:pPr marL="0" lvl="0" indent="0">
+              <a:lnSpc>
+                <a:spcPct val="100000"/>
+              </a:lnSpc>
+              <a:spcBef>
+                <a:spcPts val="0"/>
+              </a:spcBef>
+              <a:buNone/>
+            </a:pPr>
+            <a:endParaRPr lang="pt-BR" sz="1200" b="1" dirty="0">
+              <a:latin typeface="Courier New" panose="02070309020205020404" pitchFamily="49" charset="0"/>
+              <a:cs typeface="Courier New" panose="02070309020205020404" pitchFamily="49" charset="0"/>
+            </a:endParaRPr>
+          </a:p>
+          <a:p>
+            <a:pPr marL="0" indent="0">
+              <a:buNone/>
+            </a:pPr>
+            <a:r>
+              <a:rPr lang="pt-BR" sz="1200" dirty="0">
+                <a:solidFill>
+                  <a:srgbClr val="CCCCCC"/>
+                </a:solidFill>
+                <a:latin typeface="Consolas" panose="020B0609020204030204" pitchFamily="49" charset="0"/>
+              </a:rPr>
+              <a:t>   </a:t>
+            </a:r>
+            <a:endParaRPr lang="pt-BR" sz="1200" dirty="0">
+              <a:latin typeface="Courier New" panose="02070309020205020404" pitchFamily="49" charset="0"/>
+              <a:cs typeface="Courier New" panose="02070309020205020404" pitchFamily="49" charset="0"/>
+            </a:endParaRPr>
+          </a:p>
+        </p:txBody>
+      </p:sp>
+    </p:spTree>
+    <p:extLst>
+      <p:ext uri="{BB962C8B-B14F-4D97-AF65-F5344CB8AC3E}">
+        <p14:creationId xmlns:p14="http://schemas.microsoft.com/office/powerpoint/2010/main" val="1196480943"/>
       </p:ext>
     </p:extLst>
   </p:cSld>

--- a/Aulas/04 - Criação de Tabela com Controles/04 - Tabela com Controles.pptx
+++ b/Aulas/04 - Criação de Tabela com Controles/04 - Tabela com Controles.pptx
@@ -35,6 +35,12 @@
     <p:sldId id="283" r:id="rId29"/>
     <p:sldId id="284" r:id="rId30"/>
     <p:sldId id="285" r:id="rId31"/>
+    <p:sldId id="286" r:id="rId32"/>
+    <p:sldId id="287" r:id="rId33"/>
+    <p:sldId id="288" r:id="rId34"/>
+    <p:sldId id="289" r:id="rId35"/>
+    <p:sldId id="290" r:id="rId36"/>
+    <p:sldId id="291" r:id="rId37"/>
   </p:sldIdLst>
   <p:sldSz cx="12192000" cy="6858000"/>
   <p:notesSz cx="6858000" cy="9144000"/>
@@ -299,7 +305,7 @@
           <a:p>
             <a:fld id="{24D17872-9A4D-44D0-91A6-4828DF7E3E35}" type="datetimeFigureOut">
               <a:rPr lang="pt-BR" smtClean="0"/>
-              <a:t>01/04/2024</a:t>
+              <a:t>04/04/2024</a:t>
             </a:fld>
             <a:endParaRPr lang="pt-BR"/>
           </a:p>
@@ -497,7 +503,7 @@
           <a:p>
             <a:fld id="{24D17872-9A4D-44D0-91A6-4828DF7E3E35}" type="datetimeFigureOut">
               <a:rPr lang="pt-BR" smtClean="0"/>
-              <a:t>01/04/2024</a:t>
+              <a:t>04/04/2024</a:t>
             </a:fld>
             <a:endParaRPr lang="pt-BR"/>
           </a:p>
@@ -705,7 +711,7 @@
           <a:p>
             <a:fld id="{24D17872-9A4D-44D0-91A6-4828DF7E3E35}" type="datetimeFigureOut">
               <a:rPr lang="pt-BR" smtClean="0"/>
-              <a:t>01/04/2024</a:t>
+              <a:t>04/04/2024</a:t>
             </a:fld>
             <a:endParaRPr lang="pt-BR"/>
           </a:p>
@@ -903,7 +909,7 @@
           <a:p>
             <a:fld id="{24D17872-9A4D-44D0-91A6-4828DF7E3E35}" type="datetimeFigureOut">
               <a:rPr lang="pt-BR" smtClean="0"/>
-              <a:t>01/04/2024</a:t>
+              <a:t>04/04/2024</a:t>
             </a:fld>
             <a:endParaRPr lang="pt-BR"/>
           </a:p>
@@ -1178,7 +1184,7 @@
           <a:p>
             <a:fld id="{24D17872-9A4D-44D0-91A6-4828DF7E3E35}" type="datetimeFigureOut">
               <a:rPr lang="pt-BR" smtClean="0"/>
-              <a:t>01/04/2024</a:t>
+              <a:t>04/04/2024</a:t>
             </a:fld>
             <a:endParaRPr lang="pt-BR"/>
           </a:p>
@@ -1443,7 +1449,7 @@
           <a:p>
             <a:fld id="{24D17872-9A4D-44D0-91A6-4828DF7E3E35}" type="datetimeFigureOut">
               <a:rPr lang="pt-BR" smtClean="0"/>
-              <a:t>01/04/2024</a:t>
+              <a:t>04/04/2024</a:t>
             </a:fld>
             <a:endParaRPr lang="pt-BR"/>
           </a:p>
@@ -1855,7 +1861,7 @@
           <a:p>
             <a:fld id="{24D17872-9A4D-44D0-91A6-4828DF7E3E35}" type="datetimeFigureOut">
               <a:rPr lang="pt-BR" smtClean="0"/>
-              <a:t>01/04/2024</a:t>
+              <a:t>04/04/2024</a:t>
             </a:fld>
             <a:endParaRPr lang="pt-BR"/>
           </a:p>
@@ -1996,7 +2002,7 @@
           <a:p>
             <a:fld id="{24D17872-9A4D-44D0-91A6-4828DF7E3E35}" type="datetimeFigureOut">
               <a:rPr lang="pt-BR" smtClean="0"/>
-              <a:t>01/04/2024</a:t>
+              <a:t>04/04/2024</a:t>
             </a:fld>
             <a:endParaRPr lang="pt-BR"/>
           </a:p>
@@ -2109,7 +2115,7 @@
           <a:p>
             <a:fld id="{24D17872-9A4D-44D0-91A6-4828DF7E3E35}" type="datetimeFigureOut">
               <a:rPr lang="pt-BR" smtClean="0"/>
-              <a:t>01/04/2024</a:t>
+              <a:t>04/04/2024</a:t>
             </a:fld>
             <a:endParaRPr lang="pt-BR"/>
           </a:p>
@@ -2420,7 +2426,7 @@
           <a:p>
             <a:fld id="{24D17872-9A4D-44D0-91A6-4828DF7E3E35}" type="datetimeFigureOut">
               <a:rPr lang="pt-BR" smtClean="0"/>
-              <a:t>01/04/2024</a:t>
+              <a:t>04/04/2024</a:t>
             </a:fld>
             <a:endParaRPr lang="pt-BR"/>
           </a:p>
@@ -2708,7 +2714,7 @@
           <a:p>
             <a:fld id="{24D17872-9A4D-44D0-91A6-4828DF7E3E35}" type="datetimeFigureOut">
               <a:rPr lang="pt-BR" smtClean="0"/>
-              <a:t>01/04/2024</a:t>
+              <a:t>04/04/2024</a:t>
             </a:fld>
             <a:endParaRPr lang="pt-BR"/>
           </a:p>
@@ -2949,7 +2955,7 @@
           <a:p>
             <a:fld id="{24D17872-9A4D-44D0-91A6-4828DF7E3E35}" type="datetimeFigureOut">
               <a:rPr lang="pt-BR" smtClean="0"/>
-              <a:t>01/04/2024</a:t>
+              <a:t>04/04/2024</a:t>
             </a:fld>
             <a:endParaRPr lang="pt-BR"/>
           </a:p>
@@ -24016,6 +24022,4433 @@
 </p:sld>
 </file>
 
+<file path=ppt/slides/slide31.xml><?xml version="1.0" encoding="utf-8"?>
+<p:sld xmlns:a="http://schemas.openxmlformats.org/drawingml/2006/main" xmlns:r="http://schemas.openxmlformats.org/officeDocument/2006/relationships" xmlns:p="http://schemas.openxmlformats.org/presentationml/2006/main">
+  <p:cSld>
+    <p:spTree>
+      <p:nvGrpSpPr>
+        <p:cNvPr id="1" name=""/>
+        <p:cNvGrpSpPr/>
+        <p:nvPr/>
+      </p:nvGrpSpPr>
+      <p:grpSpPr>
+        <a:xfrm>
+          <a:off x="0" y="0"/>
+          <a:ext cx="0" cy="0"/>
+          <a:chOff x="0" y="0"/>
+          <a:chExt cx="0" cy="0"/>
+        </a:xfrm>
+      </p:grpSpPr>
+      <p:sp>
+        <p:nvSpPr>
+          <p:cNvPr id="2" name="Título 1">
+            <a:extLst>
+              <a:ext uri="{FF2B5EF4-FFF2-40B4-BE49-F238E27FC236}">
+                <a16:creationId xmlns:a16="http://schemas.microsoft.com/office/drawing/2014/main" id="{AE3EA2E6-2E1F-4910-80F5-FEA8176D6347}"/>
+              </a:ext>
+            </a:extLst>
+          </p:cNvPr>
+          <p:cNvSpPr>
+            <a:spLocks noGrp="1"/>
+          </p:cNvSpPr>
+          <p:nvPr>
+            <p:ph type="title"/>
+          </p:nvPr>
+        </p:nvSpPr>
+        <p:spPr/>
+        <p:txBody>
+          <a:bodyPr/>
+          <a:lstStyle/>
+          <a:p>
+            <a:pPr algn="r"/>
+            <a:r>
+              <a:rPr lang="pt-BR" dirty="0">
+                <a:solidFill>
+                  <a:prstClr val="black"/>
+                </a:solidFill>
+              </a:rPr>
+              <a:t>Criação da Tabela</a:t>
+            </a:r>
+            <a:br>
+              <a:rPr lang="pt-BR" dirty="0">
+                <a:solidFill>
+                  <a:prstClr val="black"/>
+                </a:solidFill>
+              </a:rPr>
+            </a:br>
+            <a:r>
+              <a:rPr lang="pt-BR" sz="2400" dirty="0">
+                <a:solidFill>
+                  <a:prstClr val="black"/>
+                </a:solidFill>
+              </a:rPr>
+              <a:t>(Busca e Filtragem de Dados)</a:t>
+            </a:r>
+            <a:endParaRPr lang="pt-BR" dirty="0"/>
+          </a:p>
+        </p:txBody>
+      </p:sp>
+      <p:sp>
+        <p:nvSpPr>
+          <p:cNvPr id="3" name="Espaço Reservado para Conteúdo 2">
+            <a:extLst>
+              <a:ext uri="{FF2B5EF4-FFF2-40B4-BE49-F238E27FC236}">
+                <a16:creationId xmlns:a16="http://schemas.microsoft.com/office/drawing/2014/main" id="{76A075FF-5552-4825-A833-DC93985E762E}"/>
+              </a:ext>
+            </a:extLst>
+          </p:cNvPr>
+          <p:cNvSpPr>
+            <a:spLocks noGrp="1"/>
+          </p:cNvSpPr>
+          <p:nvPr>
+            <p:ph idx="1"/>
+          </p:nvPr>
+        </p:nvSpPr>
+        <p:spPr/>
+        <p:txBody>
+          <a:bodyPr>
+            <a:normAutofit fontScale="25000" lnSpcReduction="20000"/>
+          </a:bodyPr>
+          <a:lstStyle/>
+          <a:p>
+            <a:pPr marL="0" lvl="0" indent="0">
+              <a:lnSpc>
+                <a:spcPct val="100000"/>
+              </a:lnSpc>
+              <a:spcBef>
+                <a:spcPts val="0"/>
+              </a:spcBef>
+              <a:buNone/>
+            </a:pPr>
+            <a:r>
+              <a:rPr lang="pt-BR" sz="4000" b="1" dirty="0">
+                <a:latin typeface="Courier New" panose="02070309020205020404" pitchFamily="49" charset="0"/>
+                <a:cs typeface="Courier New" panose="02070309020205020404" pitchFamily="49" charset="0"/>
+              </a:rPr>
+              <a:t>// </a:t>
+            </a:r>
+            <a:r>
+              <a:rPr lang="pt-BR" sz="4000" b="1" dirty="0" err="1">
+                <a:latin typeface="Courier New" panose="02070309020205020404" pitchFamily="49" charset="0"/>
+                <a:cs typeface="Courier New" panose="02070309020205020404" pitchFamily="49" charset="0"/>
+              </a:rPr>
+              <a:t>constructor</a:t>
+            </a:r>
+            <a:endParaRPr lang="pt-BR" sz="4000" b="1" dirty="0">
+              <a:latin typeface="Courier New" panose="02070309020205020404" pitchFamily="49" charset="0"/>
+              <a:cs typeface="Courier New" panose="02070309020205020404" pitchFamily="49" charset="0"/>
+            </a:endParaRPr>
+          </a:p>
+          <a:p>
+            <a:pPr marL="0" lvl="0" indent="0">
+              <a:lnSpc>
+                <a:spcPct val="100000"/>
+              </a:lnSpc>
+              <a:spcBef>
+                <a:spcPts val="0"/>
+              </a:spcBef>
+              <a:buNone/>
+            </a:pPr>
+            <a:r>
+              <a:rPr lang="pt-BR" sz="4000" b="1" dirty="0">
+                <a:latin typeface="Courier New" panose="02070309020205020404" pitchFamily="49" charset="0"/>
+                <a:cs typeface="Courier New" panose="02070309020205020404" pitchFamily="49" charset="0"/>
+              </a:rPr>
+              <a:t>// </a:t>
+            </a:r>
+          </a:p>
+          <a:p>
+            <a:pPr marL="0" lvl="0" indent="0">
+              <a:lnSpc>
+                <a:spcPct val="100000"/>
+              </a:lnSpc>
+              <a:spcBef>
+                <a:spcPts val="0"/>
+              </a:spcBef>
+              <a:buNone/>
+            </a:pPr>
+            <a:r>
+              <a:rPr lang="pt-BR" sz="4000" b="1" dirty="0">
+                <a:latin typeface="Courier New" panose="02070309020205020404" pitchFamily="49" charset="0"/>
+                <a:cs typeface="Courier New" panose="02070309020205020404" pitchFamily="49" charset="0"/>
+              </a:rPr>
+              <a:t>// acrescentar estado </a:t>
+            </a:r>
+            <a:r>
+              <a:rPr lang="pt-BR" sz="4000" b="1" dirty="0" err="1">
+                <a:latin typeface="Courier New" panose="02070309020205020404" pitchFamily="49" charset="0"/>
+                <a:cs typeface="Courier New" panose="02070309020205020404" pitchFamily="49" charset="0"/>
+              </a:rPr>
+              <a:t>search</a:t>
+            </a:r>
+            <a:r>
+              <a:rPr lang="pt-BR" sz="4000" b="1" dirty="0">
+                <a:latin typeface="Courier New" panose="02070309020205020404" pitchFamily="49" charset="0"/>
+                <a:cs typeface="Courier New" panose="02070309020205020404" pitchFamily="49" charset="0"/>
+              </a:rPr>
+              <a:t> e manipulador para </a:t>
+            </a:r>
+            <a:r>
+              <a:rPr lang="pt-BR" sz="4000" b="1" dirty="0" err="1">
+                <a:latin typeface="Courier New" panose="02070309020205020404" pitchFamily="49" charset="0"/>
+                <a:cs typeface="Courier New" panose="02070309020205020404" pitchFamily="49" charset="0"/>
+              </a:rPr>
+              <a:t>Search</a:t>
+            </a:r>
+            <a:endParaRPr lang="pt-BR" sz="4000" b="1" dirty="0">
+              <a:latin typeface="Courier New" panose="02070309020205020404" pitchFamily="49" charset="0"/>
+              <a:cs typeface="Courier New" panose="02070309020205020404" pitchFamily="49" charset="0"/>
+            </a:endParaRPr>
+          </a:p>
+          <a:p>
+            <a:pPr marL="0" lvl="0" indent="0">
+              <a:lnSpc>
+                <a:spcPct val="100000"/>
+              </a:lnSpc>
+              <a:spcBef>
+                <a:spcPts val="0"/>
+              </a:spcBef>
+              <a:buNone/>
+            </a:pPr>
+            <a:r>
+              <a:rPr lang="pt-BR" sz="4000" b="1" dirty="0">
+                <a:latin typeface="Courier New" panose="02070309020205020404" pitchFamily="49" charset="0"/>
+                <a:cs typeface="Courier New" panose="02070309020205020404" pitchFamily="49" charset="0"/>
+              </a:rPr>
+              <a:t>//</a:t>
+            </a:r>
+          </a:p>
+          <a:p>
+            <a:pPr marL="0" indent="0">
+              <a:buNone/>
+            </a:pPr>
+            <a:r>
+              <a:rPr lang="pt-BR" sz="4000" dirty="0">
+                <a:latin typeface="Courier New" panose="02070309020205020404" pitchFamily="49" charset="0"/>
+                <a:cs typeface="Courier New" panose="02070309020205020404" pitchFamily="49" charset="0"/>
+              </a:rPr>
+              <a:t>        </a:t>
+            </a:r>
+            <a:r>
+              <a:rPr lang="pt-BR" sz="4000" dirty="0" err="1">
+                <a:latin typeface="Courier New" panose="02070309020205020404" pitchFamily="49" charset="0"/>
+                <a:cs typeface="Courier New" panose="02070309020205020404" pitchFamily="49" charset="0"/>
+              </a:rPr>
+              <a:t>this.state</a:t>
+            </a:r>
+            <a:r>
+              <a:rPr lang="pt-BR" sz="4000" dirty="0">
+                <a:latin typeface="Courier New" panose="02070309020205020404" pitchFamily="49" charset="0"/>
+                <a:cs typeface="Courier New" panose="02070309020205020404" pitchFamily="49" charset="0"/>
+              </a:rPr>
+              <a:t> = {</a:t>
+            </a:r>
+          </a:p>
+          <a:p>
+            <a:pPr marL="0" indent="0">
+              <a:buNone/>
+            </a:pPr>
+            <a:r>
+              <a:rPr lang="pt-BR" sz="4000" dirty="0">
+                <a:latin typeface="Courier New" panose="02070309020205020404" pitchFamily="49" charset="0"/>
+                <a:cs typeface="Courier New" panose="02070309020205020404" pitchFamily="49" charset="0"/>
+              </a:rPr>
+              <a:t>            </a:t>
+            </a:r>
+            <a:r>
+              <a:rPr lang="pt-BR" sz="4000" dirty="0" err="1">
+                <a:latin typeface="Courier New" panose="02070309020205020404" pitchFamily="49" charset="0"/>
+                <a:cs typeface="Courier New" panose="02070309020205020404" pitchFamily="49" charset="0"/>
+              </a:rPr>
+              <a:t>caption</a:t>
+            </a:r>
+            <a:r>
+              <a:rPr lang="pt-BR" sz="4000" dirty="0">
+                <a:latin typeface="Courier New" panose="02070309020205020404" pitchFamily="49" charset="0"/>
+                <a:cs typeface="Courier New" panose="02070309020205020404" pitchFamily="49" charset="0"/>
+              </a:rPr>
+              <a:t>: </a:t>
+            </a:r>
+            <a:r>
+              <a:rPr lang="pt-BR" sz="4000" dirty="0" err="1">
+                <a:latin typeface="Courier New" panose="02070309020205020404" pitchFamily="49" charset="0"/>
+                <a:cs typeface="Courier New" panose="02070309020205020404" pitchFamily="49" charset="0"/>
+              </a:rPr>
+              <a:t>pCaption</a:t>
+            </a:r>
+            <a:r>
+              <a:rPr lang="pt-BR" sz="4000" dirty="0">
+                <a:latin typeface="Courier New" panose="02070309020205020404" pitchFamily="49" charset="0"/>
+                <a:cs typeface="Courier New" panose="02070309020205020404" pitchFamily="49" charset="0"/>
+              </a:rPr>
+              <a:t>,</a:t>
+            </a:r>
+          </a:p>
+          <a:p>
+            <a:pPr marL="0" indent="0">
+              <a:buNone/>
+            </a:pPr>
+            <a:r>
+              <a:rPr lang="pt-BR" sz="4000" dirty="0">
+                <a:latin typeface="Courier New" panose="02070309020205020404" pitchFamily="49" charset="0"/>
+                <a:cs typeface="Courier New" panose="02070309020205020404" pitchFamily="49" charset="0"/>
+              </a:rPr>
+              <a:t>            header: </a:t>
+            </a:r>
+            <a:r>
+              <a:rPr lang="pt-BR" sz="4000" dirty="0" err="1">
+                <a:latin typeface="Courier New" panose="02070309020205020404" pitchFamily="49" charset="0"/>
+                <a:cs typeface="Courier New" panose="02070309020205020404" pitchFamily="49" charset="0"/>
+              </a:rPr>
+              <a:t>pHeader</a:t>
+            </a:r>
+            <a:r>
+              <a:rPr lang="pt-BR" sz="4000" dirty="0">
+                <a:latin typeface="Courier New" panose="02070309020205020404" pitchFamily="49" charset="0"/>
+                <a:cs typeface="Courier New" panose="02070309020205020404" pitchFamily="49" charset="0"/>
+              </a:rPr>
+              <a:t>,</a:t>
+            </a:r>
+          </a:p>
+          <a:p>
+            <a:pPr marL="0" indent="0">
+              <a:buNone/>
+            </a:pPr>
+            <a:r>
+              <a:rPr lang="pt-BR" sz="4000" dirty="0">
+                <a:latin typeface="Courier New" panose="02070309020205020404" pitchFamily="49" charset="0"/>
+                <a:cs typeface="Courier New" panose="02070309020205020404" pitchFamily="49" charset="0"/>
+              </a:rPr>
+              <a:t>            data: </a:t>
+            </a:r>
+            <a:r>
+              <a:rPr lang="pt-BR" sz="4000" dirty="0" err="1">
+                <a:latin typeface="Courier New" panose="02070309020205020404" pitchFamily="49" charset="0"/>
+                <a:cs typeface="Courier New" panose="02070309020205020404" pitchFamily="49" charset="0"/>
+              </a:rPr>
+              <a:t>pData</a:t>
+            </a:r>
+            <a:r>
+              <a:rPr lang="pt-BR" sz="4000" dirty="0">
+                <a:latin typeface="Courier New" panose="02070309020205020404" pitchFamily="49" charset="0"/>
+                <a:cs typeface="Courier New" panose="02070309020205020404" pitchFamily="49" charset="0"/>
+              </a:rPr>
+              <a:t>,</a:t>
+            </a:r>
+          </a:p>
+          <a:p>
+            <a:pPr marL="0" indent="0">
+              <a:buNone/>
+            </a:pPr>
+            <a:r>
+              <a:rPr lang="pt-BR" sz="4000" dirty="0">
+                <a:latin typeface="Courier New" panose="02070309020205020404" pitchFamily="49" charset="0"/>
+                <a:cs typeface="Courier New" panose="02070309020205020404" pitchFamily="49" charset="0"/>
+              </a:rPr>
+              <a:t>            </a:t>
+            </a:r>
+            <a:r>
+              <a:rPr lang="pt-BR" sz="4000" dirty="0" err="1">
+                <a:solidFill>
+                  <a:srgbClr val="FF0000"/>
+                </a:solidFill>
+                <a:latin typeface="Courier New" panose="02070309020205020404" pitchFamily="49" charset="0"/>
+                <a:cs typeface="Courier New" panose="02070309020205020404" pitchFamily="49" charset="0"/>
+              </a:rPr>
+              <a:t>search</a:t>
+            </a:r>
+            <a:r>
+              <a:rPr lang="pt-BR" sz="4000" dirty="0">
+                <a:solidFill>
+                  <a:srgbClr val="FF0000"/>
+                </a:solidFill>
+                <a:latin typeface="Courier New" panose="02070309020205020404" pitchFamily="49" charset="0"/>
+                <a:cs typeface="Courier New" panose="02070309020205020404" pitchFamily="49" charset="0"/>
+              </a:rPr>
+              <a:t>: </a:t>
+            </a:r>
+            <a:r>
+              <a:rPr lang="pt-BR" sz="4000" dirty="0" err="1">
+                <a:solidFill>
+                  <a:srgbClr val="FF0000"/>
+                </a:solidFill>
+                <a:latin typeface="Courier New" panose="02070309020205020404" pitchFamily="49" charset="0"/>
+                <a:cs typeface="Courier New" panose="02070309020205020404" pitchFamily="49" charset="0"/>
+              </a:rPr>
+              <a:t>true</a:t>
+            </a:r>
+            <a:r>
+              <a:rPr lang="pt-BR" sz="4000" dirty="0">
+                <a:solidFill>
+                  <a:srgbClr val="FF0000"/>
+                </a:solidFill>
+                <a:latin typeface="Courier New" panose="02070309020205020404" pitchFamily="49" charset="0"/>
+                <a:cs typeface="Courier New" panose="02070309020205020404" pitchFamily="49" charset="0"/>
+              </a:rPr>
+              <a:t>,</a:t>
+            </a:r>
+          </a:p>
+          <a:p>
+            <a:pPr marL="0" indent="0">
+              <a:buNone/>
+            </a:pPr>
+            <a:r>
+              <a:rPr lang="pt-BR" sz="4000" dirty="0">
+                <a:latin typeface="Courier New" panose="02070309020205020404" pitchFamily="49" charset="0"/>
+                <a:cs typeface="Courier New" panose="02070309020205020404" pitchFamily="49" charset="0"/>
+              </a:rPr>
+              <a:t>            </a:t>
+            </a:r>
+            <a:r>
+              <a:rPr lang="pt-BR" sz="4000" dirty="0" err="1">
+                <a:latin typeface="Courier New" panose="02070309020205020404" pitchFamily="49" charset="0"/>
+                <a:cs typeface="Courier New" panose="02070309020205020404" pitchFamily="49" charset="0"/>
+              </a:rPr>
+              <a:t>sortby</a:t>
+            </a:r>
+            <a:r>
+              <a:rPr lang="pt-BR" sz="4000" dirty="0">
+                <a:latin typeface="Courier New" panose="02070309020205020404" pitchFamily="49" charset="0"/>
+                <a:cs typeface="Courier New" panose="02070309020205020404" pitchFamily="49" charset="0"/>
+              </a:rPr>
+              <a:t>: </a:t>
+            </a:r>
+            <a:r>
+              <a:rPr lang="pt-BR" sz="4000" dirty="0" err="1">
+                <a:latin typeface="Courier New" panose="02070309020205020404" pitchFamily="49" charset="0"/>
+                <a:cs typeface="Courier New" panose="02070309020205020404" pitchFamily="49" charset="0"/>
+              </a:rPr>
+              <a:t>null</a:t>
+            </a:r>
+            <a:r>
+              <a:rPr lang="pt-BR" sz="4000" dirty="0">
+                <a:latin typeface="Courier New" panose="02070309020205020404" pitchFamily="49" charset="0"/>
+                <a:cs typeface="Courier New" panose="02070309020205020404" pitchFamily="49" charset="0"/>
+              </a:rPr>
+              <a:t>,</a:t>
+            </a:r>
+          </a:p>
+          <a:p>
+            <a:pPr marL="0" indent="0">
+              <a:buNone/>
+            </a:pPr>
+            <a:r>
+              <a:rPr lang="pt-BR" sz="4000" dirty="0">
+                <a:latin typeface="Courier New" panose="02070309020205020404" pitchFamily="49" charset="0"/>
+                <a:cs typeface="Courier New" panose="02070309020205020404" pitchFamily="49" charset="0"/>
+              </a:rPr>
+              <a:t>            </a:t>
+            </a:r>
+            <a:r>
+              <a:rPr lang="pt-BR" sz="4000" dirty="0" err="1">
+                <a:latin typeface="Courier New" panose="02070309020205020404" pitchFamily="49" charset="0"/>
+                <a:cs typeface="Courier New" panose="02070309020205020404" pitchFamily="49" charset="0"/>
+              </a:rPr>
+              <a:t>descending</a:t>
+            </a:r>
+            <a:r>
+              <a:rPr lang="pt-BR" sz="4000" dirty="0">
+                <a:latin typeface="Courier New" panose="02070309020205020404" pitchFamily="49" charset="0"/>
+                <a:cs typeface="Courier New" panose="02070309020205020404" pitchFamily="49" charset="0"/>
+              </a:rPr>
+              <a:t>: false,</a:t>
+            </a:r>
+          </a:p>
+          <a:p>
+            <a:pPr marL="0" indent="0">
+              <a:buNone/>
+            </a:pPr>
+            <a:r>
+              <a:rPr lang="pt-BR" sz="4000" dirty="0">
+                <a:latin typeface="Courier New" panose="02070309020205020404" pitchFamily="49" charset="0"/>
+                <a:cs typeface="Courier New" panose="02070309020205020404" pitchFamily="49" charset="0"/>
+              </a:rPr>
+              <a:t>            download: false,</a:t>
+            </a:r>
+          </a:p>
+          <a:p>
+            <a:pPr marL="0" indent="0">
+              <a:buNone/>
+            </a:pPr>
+            <a:r>
+              <a:rPr lang="pt-BR" sz="4000" dirty="0">
+                <a:latin typeface="Courier New" panose="02070309020205020404" pitchFamily="49" charset="0"/>
+                <a:cs typeface="Courier New" panose="02070309020205020404" pitchFamily="49" charset="0"/>
+              </a:rPr>
+              <a:t>            </a:t>
+            </a:r>
+            <a:r>
+              <a:rPr lang="pt-BR" sz="4000" dirty="0" err="1">
+                <a:latin typeface="Courier New" panose="02070309020205020404" pitchFamily="49" charset="0"/>
+                <a:cs typeface="Courier New" panose="02070309020205020404" pitchFamily="49" charset="0"/>
+              </a:rPr>
+              <a:t>edit</a:t>
+            </a:r>
+            <a:r>
+              <a:rPr lang="pt-BR" sz="4000" dirty="0">
+                <a:latin typeface="Courier New" panose="02070309020205020404" pitchFamily="49" charset="0"/>
+                <a:cs typeface="Courier New" panose="02070309020205020404" pitchFamily="49" charset="0"/>
+              </a:rPr>
+              <a:t>: {</a:t>
+            </a:r>
+          </a:p>
+          <a:p>
+            <a:pPr marL="0" indent="0">
+              <a:buNone/>
+            </a:pPr>
+            <a:r>
+              <a:rPr lang="pt-BR" sz="4000" dirty="0">
+                <a:latin typeface="Courier New" panose="02070309020205020404" pitchFamily="49" charset="0"/>
+                <a:cs typeface="Courier New" panose="02070309020205020404" pitchFamily="49" charset="0"/>
+              </a:rPr>
+              <a:t>                </a:t>
+            </a:r>
+            <a:r>
+              <a:rPr lang="pt-BR" sz="4000" dirty="0" err="1">
+                <a:latin typeface="Courier New" panose="02070309020205020404" pitchFamily="49" charset="0"/>
+                <a:cs typeface="Courier New" panose="02070309020205020404" pitchFamily="49" charset="0"/>
+              </a:rPr>
+              <a:t>row</a:t>
+            </a:r>
+            <a:r>
+              <a:rPr lang="pt-BR" sz="4000" dirty="0">
+                <a:latin typeface="Courier New" panose="02070309020205020404" pitchFamily="49" charset="0"/>
+                <a:cs typeface="Courier New" panose="02070309020205020404" pitchFamily="49" charset="0"/>
+              </a:rPr>
+              <a:t>: -1,</a:t>
+            </a:r>
+          </a:p>
+          <a:p>
+            <a:pPr marL="0" indent="0">
+              <a:buNone/>
+            </a:pPr>
+            <a:r>
+              <a:rPr lang="pt-BR" sz="4000" dirty="0">
+                <a:latin typeface="Courier New" panose="02070309020205020404" pitchFamily="49" charset="0"/>
+                <a:cs typeface="Courier New" panose="02070309020205020404" pitchFamily="49" charset="0"/>
+              </a:rPr>
+              <a:t>                </a:t>
+            </a:r>
+            <a:r>
+              <a:rPr lang="pt-BR" sz="4000" dirty="0" err="1">
+                <a:latin typeface="Courier New" panose="02070309020205020404" pitchFamily="49" charset="0"/>
+                <a:cs typeface="Courier New" panose="02070309020205020404" pitchFamily="49" charset="0"/>
+              </a:rPr>
+              <a:t>column</a:t>
+            </a:r>
+            <a:r>
+              <a:rPr lang="pt-BR" sz="4000" dirty="0">
+                <a:latin typeface="Courier New" panose="02070309020205020404" pitchFamily="49" charset="0"/>
+                <a:cs typeface="Courier New" panose="02070309020205020404" pitchFamily="49" charset="0"/>
+              </a:rPr>
+              <a:t>: -1,</a:t>
+            </a:r>
+          </a:p>
+          <a:p>
+            <a:pPr marL="0" indent="0">
+              <a:buNone/>
+            </a:pPr>
+            <a:r>
+              <a:rPr lang="pt-BR" sz="4000" dirty="0">
+                <a:latin typeface="Courier New" panose="02070309020205020404" pitchFamily="49" charset="0"/>
+                <a:cs typeface="Courier New" panose="02070309020205020404" pitchFamily="49" charset="0"/>
+              </a:rPr>
+              <a:t>            },</a:t>
+            </a:r>
+          </a:p>
+          <a:p>
+            <a:pPr marL="0" indent="0">
+              <a:buNone/>
+            </a:pPr>
+            <a:r>
+              <a:rPr lang="pt-BR" sz="4000" dirty="0">
+                <a:latin typeface="Courier New" panose="02070309020205020404" pitchFamily="49" charset="0"/>
+                <a:cs typeface="Courier New" panose="02070309020205020404" pitchFamily="49" charset="0"/>
+              </a:rPr>
+              <a:t>        };</a:t>
+            </a:r>
+          </a:p>
+          <a:p>
+            <a:pPr marL="0" lvl="0" indent="0">
+              <a:lnSpc>
+                <a:spcPct val="100000"/>
+              </a:lnSpc>
+              <a:spcBef>
+                <a:spcPts val="0"/>
+              </a:spcBef>
+              <a:buNone/>
+            </a:pPr>
+            <a:endParaRPr lang="pt-BR" sz="4000" b="1" dirty="0">
+              <a:latin typeface="Courier New" panose="02070309020205020404" pitchFamily="49" charset="0"/>
+              <a:cs typeface="Courier New" panose="02070309020205020404" pitchFamily="49" charset="0"/>
+            </a:endParaRPr>
+          </a:p>
+          <a:p>
+            <a:pPr marL="0" indent="0">
+              <a:buNone/>
+            </a:pPr>
+            <a:r>
+              <a:rPr lang="pt-BR" sz="4000" dirty="0">
+                <a:solidFill>
+                  <a:srgbClr val="CCCCCC"/>
+                </a:solidFill>
+                <a:latin typeface="Courier New" panose="02070309020205020404" pitchFamily="49" charset="0"/>
+                <a:cs typeface="Courier New" panose="02070309020205020404" pitchFamily="49" charset="0"/>
+              </a:rPr>
+              <a:t>       </a:t>
+            </a:r>
+            <a:r>
+              <a:rPr lang="pt-BR" sz="4000" dirty="0">
+                <a:latin typeface="Courier New" panose="02070309020205020404" pitchFamily="49" charset="0"/>
+                <a:cs typeface="Courier New" panose="02070309020205020404" pitchFamily="49" charset="0"/>
+              </a:rPr>
+              <a:t> </a:t>
+            </a:r>
+            <a:r>
+              <a:rPr lang="pt-BR" sz="4000" dirty="0" err="1">
+                <a:solidFill>
+                  <a:srgbClr val="FF0000"/>
+                </a:solidFill>
+                <a:latin typeface="Courier New" panose="02070309020205020404" pitchFamily="49" charset="0"/>
+                <a:cs typeface="Courier New" panose="02070309020205020404" pitchFamily="49" charset="0"/>
+              </a:rPr>
+              <a:t>this.onSearchClick</a:t>
+            </a:r>
+            <a:r>
+              <a:rPr lang="pt-BR" sz="4000" dirty="0">
+                <a:solidFill>
+                  <a:srgbClr val="FF0000"/>
+                </a:solidFill>
+                <a:latin typeface="Courier New" panose="02070309020205020404" pitchFamily="49" charset="0"/>
+                <a:cs typeface="Courier New" panose="02070309020205020404" pitchFamily="49" charset="0"/>
+              </a:rPr>
+              <a:t> = </a:t>
+            </a:r>
+            <a:r>
+              <a:rPr lang="pt-BR" sz="4000" dirty="0" err="1">
+                <a:solidFill>
+                  <a:srgbClr val="FF0000"/>
+                </a:solidFill>
+                <a:latin typeface="Courier New" panose="02070309020205020404" pitchFamily="49" charset="0"/>
+                <a:cs typeface="Courier New" panose="02070309020205020404" pitchFamily="49" charset="0"/>
+              </a:rPr>
+              <a:t>this.onSearchClick.bind</a:t>
+            </a:r>
+            <a:r>
+              <a:rPr lang="pt-BR" sz="4000" dirty="0">
+                <a:solidFill>
+                  <a:srgbClr val="FF0000"/>
+                </a:solidFill>
+                <a:latin typeface="Courier New" panose="02070309020205020404" pitchFamily="49" charset="0"/>
+                <a:cs typeface="Courier New" panose="02070309020205020404" pitchFamily="49" charset="0"/>
+              </a:rPr>
+              <a:t>(</a:t>
+            </a:r>
+            <a:r>
+              <a:rPr lang="pt-BR" sz="4000" dirty="0" err="1">
+                <a:solidFill>
+                  <a:srgbClr val="FF0000"/>
+                </a:solidFill>
+                <a:latin typeface="Courier New" panose="02070309020205020404" pitchFamily="49" charset="0"/>
+                <a:cs typeface="Courier New" panose="02070309020205020404" pitchFamily="49" charset="0"/>
+              </a:rPr>
+              <a:t>this</a:t>
+            </a:r>
+            <a:r>
+              <a:rPr lang="pt-BR" sz="4000" dirty="0">
+                <a:solidFill>
+                  <a:srgbClr val="FF0000"/>
+                </a:solidFill>
+                <a:latin typeface="Courier New" panose="02070309020205020404" pitchFamily="49" charset="0"/>
+                <a:cs typeface="Courier New" panose="02070309020205020404" pitchFamily="49" charset="0"/>
+              </a:rPr>
+              <a:t>);</a:t>
+            </a:r>
+          </a:p>
+          <a:p>
+            <a:pPr marL="0" indent="0">
+              <a:buNone/>
+            </a:pPr>
+            <a:r>
+              <a:rPr lang="pt-BR" sz="4000" dirty="0">
+                <a:solidFill>
+                  <a:srgbClr val="FF0000"/>
+                </a:solidFill>
+                <a:latin typeface="Courier New" panose="02070309020205020404" pitchFamily="49" charset="0"/>
+                <a:cs typeface="Courier New" panose="02070309020205020404" pitchFamily="49" charset="0"/>
+              </a:rPr>
+              <a:t>        </a:t>
+            </a:r>
+            <a:r>
+              <a:rPr lang="pt-BR" sz="4000" dirty="0" err="1">
+                <a:solidFill>
+                  <a:srgbClr val="FF0000"/>
+                </a:solidFill>
+                <a:latin typeface="Courier New" panose="02070309020205020404" pitchFamily="49" charset="0"/>
+                <a:cs typeface="Courier New" panose="02070309020205020404" pitchFamily="49" charset="0"/>
+              </a:rPr>
+              <a:t>this.onSearchSubmit</a:t>
+            </a:r>
+            <a:r>
+              <a:rPr lang="pt-BR" sz="4000" dirty="0">
+                <a:solidFill>
+                  <a:srgbClr val="FF0000"/>
+                </a:solidFill>
+                <a:latin typeface="Courier New" panose="02070309020205020404" pitchFamily="49" charset="0"/>
+                <a:cs typeface="Courier New" panose="02070309020205020404" pitchFamily="49" charset="0"/>
+              </a:rPr>
+              <a:t> = </a:t>
+            </a:r>
+            <a:r>
+              <a:rPr lang="pt-BR" sz="4000" dirty="0" err="1">
+                <a:solidFill>
+                  <a:srgbClr val="FF0000"/>
+                </a:solidFill>
+                <a:latin typeface="Courier New" panose="02070309020205020404" pitchFamily="49" charset="0"/>
+                <a:cs typeface="Courier New" panose="02070309020205020404" pitchFamily="49" charset="0"/>
+              </a:rPr>
+              <a:t>this.onSearchSubmit.bind</a:t>
+            </a:r>
+            <a:r>
+              <a:rPr lang="pt-BR" sz="4000" dirty="0">
+                <a:solidFill>
+                  <a:srgbClr val="FF0000"/>
+                </a:solidFill>
+                <a:latin typeface="Courier New" panose="02070309020205020404" pitchFamily="49" charset="0"/>
+                <a:cs typeface="Courier New" panose="02070309020205020404" pitchFamily="49" charset="0"/>
+              </a:rPr>
+              <a:t>(</a:t>
+            </a:r>
+            <a:r>
+              <a:rPr lang="pt-BR" sz="4000" dirty="0" err="1">
+                <a:solidFill>
+                  <a:srgbClr val="FF0000"/>
+                </a:solidFill>
+                <a:latin typeface="Courier New" panose="02070309020205020404" pitchFamily="49" charset="0"/>
+                <a:cs typeface="Courier New" panose="02070309020205020404" pitchFamily="49" charset="0"/>
+              </a:rPr>
+              <a:t>this</a:t>
+            </a:r>
+            <a:r>
+              <a:rPr lang="pt-BR" sz="4000" dirty="0">
+                <a:solidFill>
+                  <a:srgbClr val="FF0000"/>
+                </a:solidFill>
+                <a:latin typeface="Courier New" panose="02070309020205020404" pitchFamily="49" charset="0"/>
+                <a:cs typeface="Courier New" panose="02070309020205020404" pitchFamily="49" charset="0"/>
+              </a:rPr>
+              <a:t>);</a:t>
+            </a:r>
+          </a:p>
+          <a:p>
+            <a:pPr marL="0" indent="0">
+              <a:buNone/>
+            </a:pPr>
+            <a:endParaRPr lang="pt-BR" sz="1200" b="1" dirty="0">
+              <a:latin typeface="Courier New" panose="02070309020205020404" pitchFamily="49" charset="0"/>
+              <a:cs typeface="Courier New" panose="02070309020205020404" pitchFamily="49" charset="0"/>
+            </a:endParaRPr>
+          </a:p>
+          <a:p>
+            <a:pPr marL="0" indent="0">
+              <a:buNone/>
+            </a:pPr>
+            <a:r>
+              <a:rPr lang="pt-BR" sz="1200" dirty="0">
+                <a:solidFill>
+                  <a:srgbClr val="CCCCCC"/>
+                </a:solidFill>
+                <a:latin typeface="Consolas" panose="020B0609020204030204" pitchFamily="49" charset="0"/>
+              </a:rPr>
+              <a:t>   </a:t>
+            </a:r>
+            <a:endParaRPr lang="pt-BR" sz="1200" dirty="0">
+              <a:latin typeface="Courier New" panose="02070309020205020404" pitchFamily="49" charset="0"/>
+              <a:cs typeface="Courier New" panose="02070309020205020404" pitchFamily="49" charset="0"/>
+            </a:endParaRPr>
+          </a:p>
+        </p:txBody>
+      </p:sp>
+    </p:spTree>
+    <p:extLst>
+      <p:ext uri="{BB962C8B-B14F-4D97-AF65-F5344CB8AC3E}">
+        <p14:creationId xmlns:p14="http://schemas.microsoft.com/office/powerpoint/2010/main" val="4181362476"/>
+      </p:ext>
+    </p:extLst>
+  </p:cSld>
+  <p:clrMapOvr>
+    <a:masterClrMapping/>
+  </p:clrMapOvr>
+</p:sld>
+</file>
+
+<file path=ppt/slides/slide32.xml><?xml version="1.0" encoding="utf-8"?>
+<p:sld xmlns:a="http://schemas.openxmlformats.org/drawingml/2006/main" xmlns:r="http://schemas.openxmlformats.org/officeDocument/2006/relationships" xmlns:p="http://schemas.openxmlformats.org/presentationml/2006/main">
+  <p:cSld>
+    <p:spTree>
+      <p:nvGrpSpPr>
+        <p:cNvPr id="1" name=""/>
+        <p:cNvGrpSpPr/>
+        <p:nvPr/>
+      </p:nvGrpSpPr>
+      <p:grpSpPr>
+        <a:xfrm>
+          <a:off x="0" y="0"/>
+          <a:ext cx="0" cy="0"/>
+          <a:chOff x="0" y="0"/>
+          <a:chExt cx="0" cy="0"/>
+        </a:xfrm>
+      </p:grpSpPr>
+      <p:sp>
+        <p:nvSpPr>
+          <p:cNvPr id="2" name="Título 1">
+            <a:extLst>
+              <a:ext uri="{FF2B5EF4-FFF2-40B4-BE49-F238E27FC236}">
+                <a16:creationId xmlns:a16="http://schemas.microsoft.com/office/drawing/2014/main" id="{AE3EA2E6-2E1F-4910-80F5-FEA8176D6347}"/>
+              </a:ext>
+            </a:extLst>
+          </p:cNvPr>
+          <p:cNvSpPr>
+            <a:spLocks noGrp="1"/>
+          </p:cNvSpPr>
+          <p:nvPr>
+            <p:ph type="title"/>
+          </p:nvPr>
+        </p:nvSpPr>
+        <p:spPr/>
+        <p:txBody>
+          <a:bodyPr/>
+          <a:lstStyle/>
+          <a:p>
+            <a:pPr algn="r"/>
+            <a:r>
+              <a:rPr lang="pt-BR" dirty="0">
+                <a:solidFill>
+                  <a:prstClr val="black"/>
+                </a:solidFill>
+              </a:rPr>
+              <a:t>Criação da Tabela</a:t>
+            </a:r>
+            <a:br>
+              <a:rPr lang="pt-BR" dirty="0">
+                <a:solidFill>
+                  <a:prstClr val="black"/>
+                </a:solidFill>
+              </a:rPr>
+            </a:br>
+            <a:r>
+              <a:rPr lang="pt-BR" sz="2400" dirty="0">
+                <a:solidFill>
+                  <a:prstClr val="black"/>
+                </a:solidFill>
+              </a:rPr>
+              <a:t>(Busca e Filtragem de Dados)</a:t>
+            </a:r>
+            <a:endParaRPr lang="pt-BR" dirty="0"/>
+          </a:p>
+        </p:txBody>
+      </p:sp>
+      <p:sp>
+        <p:nvSpPr>
+          <p:cNvPr id="3" name="Espaço Reservado para Conteúdo 2">
+            <a:extLst>
+              <a:ext uri="{FF2B5EF4-FFF2-40B4-BE49-F238E27FC236}">
+                <a16:creationId xmlns:a16="http://schemas.microsoft.com/office/drawing/2014/main" id="{76A075FF-5552-4825-A833-DC93985E762E}"/>
+              </a:ext>
+            </a:extLst>
+          </p:cNvPr>
+          <p:cNvSpPr>
+            <a:spLocks noGrp="1"/>
+          </p:cNvSpPr>
+          <p:nvPr>
+            <p:ph idx="1"/>
+          </p:nvPr>
+        </p:nvSpPr>
+        <p:spPr/>
+        <p:txBody>
+          <a:bodyPr>
+            <a:normAutofit fontScale="25000" lnSpcReduction="20000"/>
+          </a:bodyPr>
+          <a:lstStyle/>
+          <a:p>
+            <a:pPr marL="0" lvl="0" indent="0">
+              <a:lnSpc>
+                <a:spcPct val="100000"/>
+              </a:lnSpc>
+              <a:spcBef>
+                <a:spcPts val="0"/>
+              </a:spcBef>
+              <a:buNone/>
+            </a:pPr>
+            <a:r>
+              <a:rPr lang="pt-BR" sz="4000" b="1" dirty="0">
+                <a:latin typeface="Courier New" panose="02070309020205020404" pitchFamily="49" charset="0"/>
+                <a:cs typeface="Courier New" panose="02070309020205020404" pitchFamily="49" charset="0"/>
+              </a:rPr>
+              <a:t>// </a:t>
+            </a:r>
+          </a:p>
+          <a:p>
+            <a:pPr marL="0" lvl="0" indent="0">
+              <a:lnSpc>
+                <a:spcPct val="100000"/>
+              </a:lnSpc>
+              <a:spcBef>
+                <a:spcPts val="0"/>
+              </a:spcBef>
+              <a:buNone/>
+            </a:pPr>
+            <a:r>
+              <a:rPr lang="pt-BR" sz="4000" b="1" dirty="0">
+                <a:latin typeface="Courier New" panose="02070309020205020404" pitchFamily="49" charset="0"/>
+                <a:cs typeface="Courier New" panose="02070309020205020404" pitchFamily="49" charset="0"/>
+              </a:rPr>
+              <a:t>// manipulador de busca e filtragem</a:t>
+            </a:r>
+          </a:p>
+          <a:p>
+            <a:pPr marL="0" lvl="0" indent="0">
+              <a:lnSpc>
+                <a:spcPct val="100000"/>
+              </a:lnSpc>
+              <a:spcBef>
+                <a:spcPts val="0"/>
+              </a:spcBef>
+              <a:buNone/>
+            </a:pPr>
+            <a:r>
+              <a:rPr lang="pt-BR" sz="4000" b="1" dirty="0">
+                <a:latin typeface="Courier New" panose="02070309020205020404" pitchFamily="49" charset="0"/>
+                <a:cs typeface="Courier New" panose="02070309020205020404" pitchFamily="49" charset="0"/>
+              </a:rPr>
+              <a:t>//</a:t>
+            </a:r>
+          </a:p>
+          <a:p>
+            <a:pPr marL="457200" lvl="1" indent="0">
+              <a:buNone/>
+            </a:pPr>
+            <a:r>
+              <a:rPr lang="pt-BR" sz="4800" dirty="0">
+                <a:latin typeface="Courier New" panose="02070309020205020404" pitchFamily="49" charset="0"/>
+                <a:cs typeface="Courier New" panose="02070309020205020404" pitchFamily="49" charset="0"/>
+              </a:rPr>
+              <a:t>    </a:t>
+            </a:r>
+            <a:r>
+              <a:rPr lang="pt-BR" sz="4800" dirty="0" err="1">
+                <a:latin typeface="Courier New" panose="02070309020205020404" pitchFamily="49" charset="0"/>
+                <a:cs typeface="Courier New" panose="02070309020205020404" pitchFamily="49" charset="0"/>
+              </a:rPr>
+              <a:t>onSearchSubmit</a:t>
+            </a:r>
+            <a:r>
+              <a:rPr lang="pt-BR" sz="4800" dirty="0">
+                <a:latin typeface="Courier New" panose="02070309020205020404" pitchFamily="49" charset="0"/>
+                <a:cs typeface="Courier New" panose="02070309020205020404" pitchFamily="49" charset="0"/>
+              </a:rPr>
+              <a:t> = (</a:t>
+            </a:r>
+            <a:r>
+              <a:rPr lang="pt-BR" sz="4800" dirty="0" err="1">
+                <a:latin typeface="Courier New" panose="02070309020205020404" pitchFamily="49" charset="0"/>
+                <a:cs typeface="Courier New" panose="02070309020205020404" pitchFamily="49" charset="0"/>
+              </a:rPr>
+              <a:t>event</a:t>
+            </a:r>
+            <a:r>
+              <a:rPr lang="pt-BR" sz="4800" dirty="0">
+                <a:latin typeface="Courier New" panose="02070309020205020404" pitchFamily="49" charset="0"/>
+                <a:cs typeface="Courier New" panose="02070309020205020404" pitchFamily="49" charset="0"/>
+              </a:rPr>
+              <a:t>) =&gt; {</a:t>
+            </a:r>
+          </a:p>
+          <a:p>
+            <a:pPr marL="457200" lvl="1" indent="0">
+              <a:buNone/>
+            </a:pPr>
+            <a:r>
+              <a:rPr lang="pt-BR" sz="4800" dirty="0">
+                <a:latin typeface="Courier New" panose="02070309020205020404" pitchFamily="49" charset="0"/>
+                <a:cs typeface="Courier New" panose="02070309020205020404" pitchFamily="49" charset="0"/>
+              </a:rPr>
+              <a:t>        </a:t>
+            </a:r>
+            <a:r>
+              <a:rPr lang="pt-BR" sz="4800" dirty="0" err="1">
+                <a:latin typeface="Courier New" panose="02070309020205020404" pitchFamily="49" charset="0"/>
+                <a:cs typeface="Courier New" panose="02070309020205020404" pitchFamily="49" charset="0"/>
+              </a:rPr>
+              <a:t>event.preventDefault</a:t>
+            </a:r>
+            <a:r>
+              <a:rPr lang="pt-BR" sz="4800" dirty="0">
+                <a:latin typeface="Courier New" panose="02070309020205020404" pitchFamily="49" charset="0"/>
+                <a:cs typeface="Courier New" panose="02070309020205020404" pitchFamily="49" charset="0"/>
+              </a:rPr>
+              <a:t>();</a:t>
+            </a:r>
+          </a:p>
+          <a:p>
+            <a:pPr marL="457200" lvl="1" indent="0">
+              <a:buNone/>
+            </a:pPr>
+            <a:r>
+              <a:rPr lang="pt-BR" sz="4800" dirty="0">
+                <a:latin typeface="Courier New" panose="02070309020205020404" pitchFamily="49" charset="0"/>
+                <a:cs typeface="Courier New" panose="02070309020205020404" pitchFamily="49" charset="0"/>
+              </a:rPr>
+              <a:t>        </a:t>
+            </a:r>
+            <a:r>
+              <a:rPr lang="pt-BR" sz="4800" dirty="0" err="1">
+                <a:latin typeface="Courier New" panose="02070309020205020404" pitchFamily="49" charset="0"/>
+                <a:cs typeface="Courier New" panose="02070309020205020404" pitchFamily="49" charset="0"/>
+              </a:rPr>
+              <a:t>this.logState.push</a:t>
+            </a:r>
+            <a:r>
+              <a:rPr lang="pt-BR" sz="4800" dirty="0">
+                <a:latin typeface="Courier New" panose="02070309020205020404" pitchFamily="49" charset="0"/>
+                <a:cs typeface="Courier New" panose="02070309020205020404" pitchFamily="49" charset="0"/>
+              </a:rPr>
+              <a:t>(</a:t>
+            </a:r>
+            <a:r>
+              <a:rPr lang="pt-BR" sz="4800" dirty="0" err="1">
+                <a:latin typeface="Courier New" panose="02070309020205020404" pitchFamily="49" charset="0"/>
+                <a:cs typeface="Courier New" panose="02070309020205020404" pitchFamily="49" charset="0"/>
+              </a:rPr>
+              <a:t>this.state</a:t>
+            </a:r>
+            <a:r>
+              <a:rPr lang="pt-BR" sz="4800" dirty="0">
+                <a:latin typeface="Courier New" panose="02070309020205020404" pitchFamily="49" charset="0"/>
+                <a:cs typeface="Courier New" panose="02070309020205020404" pitchFamily="49" charset="0"/>
+              </a:rPr>
+              <a:t>);</a:t>
+            </a:r>
+          </a:p>
+          <a:p>
+            <a:pPr marL="457200" lvl="1" indent="0">
+              <a:buNone/>
+            </a:pPr>
+            <a:r>
+              <a:rPr lang="pt-BR" sz="4800" dirty="0">
+                <a:latin typeface="Courier New" panose="02070309020205020404" pitchFamily="49" charset="0"/>
+                <a:cs typeface="Courier New" panose="02070309020205020404" pitchFamily="49" charset="0"/>
+              </a:rPr>
+              <a:t>        </a:t>
+            </a:r>
+            <a:r>
+              <a:rPr lang="pt-BR" sz="4800" dirty="0" err="1">
+                <a:latin typeface="Courier New" panose="02070309020205020404" pitchFamily="49" charset="0"/>
+                <a:cs typeface="Courier New" panose="02070309020205020404" pitchFamily="49" charset="0"/>
+              </a:rPr>
+              <a:t>const</a:t>
+            </a:r>
+            <a:r>
+              <a:rPr lang="pt-BR" sz="4800" dirty="0">
+                <a:latin typeface="Courier New" panose="02070309020205020404" pitchFamily="49" charset="0"/>
+                <a:cs typeface="Courier New" panose="02070309020205020404" pitchFamily="49" charset="0"/>
+              </a:rPr>
+              <a:t> input = </a:t>
+            </a:r>
+            <a:r>
+              <a:rPr lang="pt-BR" sz="4800" dirty="0" err="1">
+                <a:latin typeface="Courier New" panose="02070309020205020404" pitchFamily="49" charset="0"/>
+                <a:cs typeface="Courier New" panose="02070309020205020404" pitchFamily="49" charset="0"/>
+              </a:rPr>
+              <a:t>event.target.firstChild</a:t>
+            </a:r>
+            <a:r>
+              <a:rPr lang="pt-BR" sz="4800" dirty="0">
+                <a:latin typeface="Courier New" panose="02070309020205020404" pitchFamily="49" charset="0"/>
+                <a:cs typeface="Courier New" panose="02070309020205020404" pitchFamily="49" charset="0"/>
+              </a:rPr>
+              <a:t>;</a:t>
+            </a:r>
+          </a:p>
+          <a:p>
+            <a:pPr marL="457200" lvl="1" indent="0">
+              <a:buNone/>
+            </a:pPr>
+            <a:r>
+              <a:rPr lang="pt-BR" sz="4800" dirty="0">
+                <a:latin typeface="Courier New" panose="02070309020205020404" pitchFamily="49" charset="0"/>
+                <a:cs typeface="Courier New" panose="02070309020205020404" pitchFamily="49" charset="0"/>
+              </a:rPr>
+              <a:t>        </a:t>
+            </a:r>
+            <a:r>
+              <a:rPr lang="pt-BR" sz="4800" dirty="0" err="1">
+                <a:latin typeface="Courier New" panose="02070309020205020404" pitchFamily="49" charset="0"/>
+                <a:cs typeface="Courier New" panose="02070309020205020404" pitchFamily="49" charset="0"/>
+              </a:rPr>
+              <a:t>const</a:t>
+            </a:r>
+            <a:r>
+              <a:rPr lang="pt-BR" sz="4800" dirty="0">
+                <a:latin typeface="Courier New" panose="02070309020205020404" pitchFamily="49" charset="0"/>
+                <a:cs typeface="Courier New" panose="02070309020205020404" pitchFamily="49" charset="0"/>
+              </a:rPr>
+              <a:t> data = </a:t>
+            </a:r>
+            <a:r>
+              <a:rPr lang="pt-BR" sz="4800" dirty="0" err="1">
+                <a:latin typeface="Courier New" panose="02070309020205020404" pitchFamily="49" charset="0"/>
+                <a:cs typeface="Courier New" panose="02070309020205020404" pitchFamily="49" charset="0"/>
+              </a:rPr>
+              <a:t>Array.from</a:t>
+            </a:r>
+            <a:r>
+              <a:rPr lang="pt-BR" sz="4800" dirty="0">
+                <a:latin typeface="Courier New" panose="02070309020205020404" pitchFamily="49" charset="0"/>
+                <a:cs typeface="Courier New" panose="02070309020205020404" pitchFamily="49" charset="0"/>
+              </a:rPr>
+              <a:t>(</a:t>
+            </a:r>
+            <a:r>
+              <a:rPr lang="pt-BR" sz="4800" dirty="0" err="1">
+                <a:latin typeface="Courier New" panose="02070309020205020404" pitchFamily="49" charset="0"/>
+                <a:cs typeface="Courier New" panose="02070309020205020404" pitchFamily="49" charset="0"/>
+              </a:rPr>
+              <a:t>this.state.data</a:t>
+            </a:r>
+            <a:r>
+              <a:rPr lang="pt-BR" sz="4800" dirty="0">
+                <a:latin typeface="Courier New" panose="02070309020205020404" pitchFamily="49" charset="0"/>
+                <a:cs typeface="Courier New" panose="02070309020205020404" pitchFamily="49" charset="0"/>
+              </a:rPr>
+              <a:t>);</a:t>
+            </a:r>
+          </a:p>
+          <a:p>
+            <a:pPr marL="457200" lvl="1" indent="0">
+              <a:buNone/>
+            </a:pPr>
+            <a:r>
+              <a:rPr lang="pt-BR" sz="4800" dirty="0">
+                <a:latin typeface="Courier New" panose="02070309020205020404" pitchFamily="49" charset="0"/>
+                <a:cs typeface="Courier New" panose="02070309020205020404" pitchFamily="49" charset="0"/>
+              </a:rPr>
+              <a:t>        </a:t>
+            </a:r>
+            <a:r>
+              <a:rPr lang="pt-BR" sz="4800" dirty="0" err="1">
+                <a:latin typeface="Courier New" panose="02070309020205020404" pitchFamily="49" charset="0"/>
+                <a:cs typeface="Courier New" panose="02070309020205020404" pitchFamily="49" charset="0"/>
+              </a:rPr>
+              <a:t>const</a:t>
+            </a:r>
+            <a:r>
+              <a:rPr lang="pt-BR" sz="4800" dirty="0">
+                <a:latin typeface="Courier New" panose="02070309020205020404" pitchFamily="49" charset="0"/>
+                <a:cs typeface="Courier New" panose="02070309020205020404" pitchFamily="49" charset="0"/>
+              </a:rPr>
+              <a:t> </a:t>
+            </a:r>
+            <a:r>
+              <a:rPr lang="pt-BR" sz="4800" dirty="0" err="1">
+                <a:latin typeface="Courier New" panose="02070309020205020404" pitchFamily="49" charset="0"/>
+                <a:cs typeface="Courier New" panose="02070309020205020404" pitchFamily="49" charset="0"/>
+              </a:rPr>
+              <a:t>search</a:t>
+            </a:r>
+            <a:r>
+              <a:rPr lang="pt-BR" sz="4800" dirty="0">
+                <a:latin typeface="Courier New" panose="02070309020205020404" pitchFamily="49" charset="0"/>
+                <a:cs typeface="Courier New" panose="02070309020205020404" pitchFamily="49" charset="0"/>
+              </a:rPr>
+              <a:t> = </a:t>
+            </a:r>
+            <a:r>
+              <a:rPr lang="pt-BR" sz="4800" dirty="0" err="1">
+                <a:latin typeface="Courier New" panose="02070309020205020404" pitchFamily="49" charset="0"/>
+                <a:cs typeface="Courier New" panose="02070309020205020404" pitchFamily="49" charset="0"/>
+              </a:rPr>
+              <a:t>input.value.toLowerCase</a:t>
+            </a:r>
+            <a:r>
+              <a:rPr lang="pt-BR" sz="4800" dirty="0">
+                <a:latin typeface="Courier New" panose="02070309020205020404" pitchFamily="49" charset="0"/>
+                <a:cs typeface="Courier New" panose="02070309020205020404" pitchFamily="49" charset="0"/>
+              </a:rPr>
+              <a:t>();</a:t>
+            </a:r>
+          </a:p>
+          <a:p>
+            <a:pPr marL="457200" lvl="1" indent="0">
+              <a:buNone/>
+            </a:pPr>
+            <a:r>
+              <a:rPr lang="pt-BR" sz="4800" dirty="0">
+                <a:latin typeface="Courier New" panose="02070309020205020404" pitchFamily="49" charset="0"/>
+                <a:cs typeface="Courier New" panose="02070309020205020404" pitchFamily="49" charset="0"/>
+              </a:rPr>
+              <a:t>        </a:t>
+            </a:r>
+            <a:r>
+              <a:rPr lang="pt-BR" sz="4800" dirty="0" err="1">
+                <a:latin typeface="Courier New" panose="02070309020205020404" pitchFamily="49" charset="0"/>
+                <a:cs typeface="Courier New" panose="02070309020205020404" pitchFamily="49" charset="0"/>
+              </a:rPr>
+              <a:t>const</a:t>
+            </a:r>
+            <a:r>
+              <a:rPr lang="pt-BR" sz="4800" dirty="0">
+                <a:latin typeface="Courier New" panose="02070309020205020404" pitchFamily="49" charset="0"/>
+                <a:cs typeface="Courier New" panose="02070309020205020404" pitchFamily="49" charset="0"/>
+              </a:rPr>
+              <a:t> </a:t>
+            </a:r>
+            <a:r>
+              <a:rPr lang="pt-BR" sz="4800" dirty="0" err="1">
+                <a:latin typeface="Courier New" panose="02070309020205020404" pitchFamily="49" charset="0"/>
+                <a:cs typeface="Courier New" panose="02070309020205020404" pitchFamily="49" charset="0"/>
+              </a:rPr>
+              <a:t>filteredData</a:t>
+            </a:r>
+            <a:r>
+              <a:rPr lang="pt-BR" sz="4800" dirty="0">
+                <a:latin typeface="Courier New" panose="02070309020205020404" pitchFamily="49" charset="0"/>
+                <a:cs typeface="Courier New" panose="02070309020205020404" pitchFamily="49" charset="0"/>
+              </a:rPr>
+              <a:t> = </a:t>
+            </a:r>
+            <a:r>
+              <a:rPr lang="pt-BR" sz="4800" dirty="0" err="1">
+                <a:latin typeface="Courier New" panose="02070309020205020404" pitchFamily="49" charset="0"/>
+                <a:cs typeface="Courier New" panose="02070309020205020404" pitchFamily="49" charset="0"/>
+              </a:rPr>
+              <a:t>data.filter</a:t>
+            </a:r>
+            <a:r>
+              <a:rPr lang="pt-BR" sz="4800" dirty="0">
+                <a:latin typeface="Courier New" panose="02070309020205020404" pitchFamily="49" charset="0"/>
+                <a:cs typeface="Courier New" panose="02070309020205020404" pitchFamily="49" charset="0"/>
+              </a:rPr>
+              <a:t>(</a:t>
+            </a:r>
+            <a:r>
+              <a:rPr lang="pt-BR" sz="4800" dirty="0" err="1">
+                <a:latin typeface="Courier New" panose="02070309020205020404" pitchFamily="49" charset="0"/>
+                <a:cs typeface="Courier New" panose="02070309020205020404" pitchFamily="49" charset="0"/>
+              </a:rPr>
+              <a:t>row</a:t>
+            </a:r>
+            <a:r>
+              <a:rPr lang="pt-BR" sz="4800" dirty="0">
+                <a:latin typeface="Courier New" panose="02070309020205020404" pitchFamily="49" charset="0"/>
+                <a:cs typeface="Courier New" panose="02070309020205020404" pitchFamily="49" charset="0"/>
+              </a:rPr>
+              <a:t> =&gt; </a:t>
+            </a:r>
+            <a:r>
+              <a:rPr lang="pt-BR" sz="4800" dirty="0" err="1">
+                <a:latin typeface="Courier New" panose="02070309020205020404" pitchFamily="49" charset="0"/>
+                <a:cs typeface="Courier New" panose="02070309020205020404" pitchFamily="49" charset="0"/>
+              </a:rPr>
+              <a:t>row.some</a:t>
+            </a:r>
+            <a:r>
+              <a:rPr lang="pt-BR" sz="4800" dirty="0">
+                <a:latin typeface="Courier New" panose="02070309020205020404" pitchFamily="49" charset="0"/>
+                <a:cs typeface="Courier New" panose="02070309020205020404" pitchFamily="49" charset="0"/>
+              </a:rPr>
+              <a:t>(</a:t>
+            </a:r>
+            <a:r>
+              <a:rPr lang="pt-BR" sz="4800" dirty="0" err="1">
+                <a:latin typeface="Courier New" panose="02070309020205020404" pitchFamily="49" charset="0"/>
+                <a:cs typeface="Courier New" panose="02070309020205020404" pitchFamily="49" charset="0"/>
+              </a:rPr>
+              <a:t>cell</a:t>
+            </a:r>
+            <a:r>
+              <a:rPr lang="pt-BR" sz="4800" dirty="0">
+                <a:latin typeface="Courier New" panose="02070309020205020404" pitchFamily="49" charset="0"/>
+                <a:cs typeface="Courier New" panose="02070309020205020404" pitchFamily="49" charset="0"/>
+              </a:rPr>
+              <a:t> =&gt; 			   </a:t>
+            </a:r>
+          </a:p>
+          <a:p>
+            <a:pPr marL="457200" lvl="1" indent="0">
+              <a:buNone/>
+            </a:pPr>
+            <a:r>
+              <a:rPr lang="pt-BR" sz="4800" dirty="0">
+                <a:latin typeface="Courier New" panose="02070309020205020404" pitchFamily="49" charset="0"/>
+                <a:cs typeface="Courier New" panose="02070309020205020404" pitchFamily="49" charset="0"/>
+              </a:rPr>
+              <a:t>                                    </a:t>
+            </a:r>
+            <a:r>
+              <a:rPr lang="pt-BR" sz="4800" dirty="0" err="1">
+                <a:latin typeface="Courier New" panose="02070309020205020404" pitchFamily="49" charset="0"/>
+                <a:cs typeface="Courier New" panose="02070309020205020404" pitchFamily="49" charset="0"/>
+              </a:rPr>
+              <a:t>cell.toString</a:t>
+            </a:r>
+            <a:r>
+              <a:rPr lang="pt-BR" sz="4800" dirty="0">
+                <a:latin typeface="Courier New" panose="02070309020205020404" pitchFamily="49" charset="0"/>
+                <a:cs typeface="Courier New" panose="02070309020205020404" pitchFamily="49" charset="0"/>
+              </a:rPr>
+              <a:t>().</a:t>
+            </a:r>
+            <a:r>
+              <a:rPr lang="pt-BR" sz="4800" dirty="0" err="1">
+                <a:latin typeface="Courier New" panose="02070309020205020404" pitchFamily="49" charset="0"/>
+                <a:cs typeface="Courier New" panose="02070309020205020404" pitchFamily="49" charset="0"/>
+              </a:rPr>
+              <a:t>toLowerCase</a:t>
+            </a:r>
+            <a:r>
+              <a:rPr lang="pt-BR" sz="4800" dirty="0">
+                <a:latin typeface="Courier New" panose="02070309020205020404" pitchFamily="49" charset="0"/>
+                <a:cs typeface="Courier New" panose="02070309020205020404" pitchFamily="49" charset="0"/>
+              </a:rPr>
+              <a:t>().includes(</a:t>
+            </a:r>
+            <a:r>
+              <a:rPr lang="pt-BR" sz="4800" dirty="0" err="1">
+                <a:latin typeface="Courier New" panose="02070309020205020404" pitchFamily="49" charset="0"/>
+                <a:cs typeface="Courier New" panose="02070309020205020404" pitchFamily="49" charset="0"/>
+              </a:rPr>
+              <a:t>search</a:t>
+            </a:r>
+            <a:r>
+              <a:rPr lang="pt-BR" sz="4800" dirty="0">
+                <a:latin typeface="Courier New" panose="02070309020205020404" pitchFamily="49" charset="0"/>
+                <a:cs typeface="Courier New" panose="02070309020205020404" pitchFamily="49" charset="0"/>
+              </a:rPr>
+              <a:t>)</a:t>
+            </a:r>
+          </a:p>
+          <a:p>
+            <a:pPr marL="457200" lvl="1" indent="0">
+              <a:buNone/>
+            </a:pPr>
+            <a:r>
+              <a:rPr lang="pt-BR" sz="4800" dirty="0">
+                <a:latin typeface="Courier New" panose="02070309020205020404" pitchFamily="49" charset="0"/>
+                <a:cs typeface="Courier New" panose="02070309020205020404" pitchFamily="49" charset="0"/>
+              </a:rPr>
+              <a:t>                                 )</a:t>
+            </a:r>
+          </a:p>
+          <a:p>
+            <a:pPr marL="457200" lvl="1" indent="0">
+              <a:buNone/>
+            </a:pPr>
+            <a:r>
+              <a:rPr lang="pt-BR" sz="4800" dirty="0">
+                <a:latin typeface="Courier New" panose="02070309020205020404" pitchFamily="49" charset="0"/>
+                <a:cs typeface="Courier New" panose="02070309020205020404" pitchFamily="49" charset="0"/>
+              </a:rPr>
+              <a:t>                             );</a:t>
+            </a:r>
+          </a:p>
+          <a:p>
+            <a:pPr marL="457200" lvl="1" indent="0">
+              <a:buNone/>
+            </a:pPr>
+            <a:r>
+              <a:rPr lang="pt-BR" sz="4800" dirty="0">
+                <a:latin typeface="Courier New" panose="02070309020205020404" pitchFamily="49" charset="0"/>
+                <a:cs typeface="Courier New" panose="02070309020205020404" pitchFamily="49" charset="0"/>
+              </a:rPr>
+              <a:t>        </a:t>
+            </a:r>
+            <a:r>
+              <a:rPr lang="pt-BR" sz="4800" dirty="0" err="1">
+                <a:latin typeface="Courier New" panose="02070309020205020404" pitchFamily="49" charset="0"/>
+                <a:cs typeface="Courier New" panose="02070309020205020404" pitchFamily="49" charset="0"/>
+              </a:rPr>
+              <a:t>this.setState</a:t>
+            </a:r>
+            <a:r>
+              <a:rPr lang="pt-BR" sz="4800" dirty="0">
+                <a:latin typeface="Courier New" panose="02070309020205020404" pitchFamily="49" charset="0"/>
+                <a:cs typeface="Courier New" panose="02070309020205020404" pitchFamily="49" charset="0"/>
+              </a:rPr>
+              <a:t>({</a:t>
+            </a:r>
+          </a:p>
+          <a:p>
+            <a:pPr marL="457200" lvl="1" indent="0">
+              <a:buNone/>
+            </a:pPr>
+            <a:r>
+              <a:rPr lang="pt-BR" sz="4800" dirty="0">
+                <a:latin typeface="Courier New" panose="02070309020205020404" pitchFamily="49" charset="0"/>
+                <a:cs typeface="Courier New" panose="02070309020205020404" pitchFamily="49" charset="0"/>
+              </a:rPr>
+              <a:t>            data: </a:t>
+            </a:r>
+            <a:r>
+              <a:rPr lang="pt-BR" sz="4800" dirty="0" err="1">
+                <a:latin typeface="Courier New" panose="02070309020205020404" pitchFamily="49" charset="0"/>
+                <a:cs typeface="Courier New" panose="02070309020205020404" pitchFamily="49" charset="0"/>
+              </a:rPr>
+              <a:t>filteredData</a:t>
+            </a:r>
+            <a:r>
+              <a:rPr lang="pt-BR" sz="4800" dirty="0">
+                <a:latin typeface="Courier New" panose="02070309020205020404" pitchFamily="49" charset="0"/>
+                <a:cs typeface="Courier New" panose="02070309020205020404" pitchFamily="49" charset="0"/>
+              </a:rPr>
+              <a:t>,</a:t>
+            </a:r>
+          </a:p>
+          <a:p>
+            <a:pPr marL="457200" lvl="1" indent="0">
+              <a:buNone/>
+            </a:pPr>
+            <a:r>
+              <a:rPr lang="pt-BR" sz="4800" dirty="0">
+                <a:latin typeface="Courier New" panose="02070309020205020404" pitchFamily="49" charset="0"/>
+                <a:cs typeface="Courier New" panose="02070309020205020404" pitchFamily="49" charset="0"/>
+              </a:rPr>
+              <a:t>        });</a:t>
+            </a:r>
+          </a:p>
+          <a:p>
+            <a:pPr marL="457200" lvl="1" indent="0">
+              <a:buNone/>
+            </a:pPr>
+            <a:r>
+              <a:rPr lang="pt-BR" sz="4800" dirty="0">
+                <a:latin typeface="Courier New" panose="02070309020205020404" pitchFamily="49" charset="0"/>
+                <a:cs typeface="Courier New" panose="02070309020205020404" pitchFamily="49" charset="0"/>
+              </a:rPr>
+              <a:t>    }</a:t>
+            </a:r>
+          </a:p>
+          <a:p>
+            <a:pPr marL="457200" lvl="1" indent="0">
+              <a:buNone/>
+            </a:pPr>
+            <a:br>
+              <a:rPr lang="pt-BR" sz="4800" dirty="0">
+                <a:latin typeface="Courier New" panose="02070309020205020404" pitchFamily="49" charset="0"/>
+                <a:cs typeface="Courier New" panose="02070309020205020404" pitchFamily="49" charset="0"/>
+              </a:rPr>
+            </a:br>
+            <a:r>
+              <a:rPr lang="pt-BR" sz="4800" dirty="0">
+                <a:latin typeface="Courier New" panose="02070309020205020404" pitchFamily="49" charset="0"/>
+                <a:cs typeface="Courier New" panose="02070309020205020404" pitchFamily="49" charset="0"/>
+              </a:rPr>
+              <a:t>    </a:t>
+            </a:r>
+            <a:r>
+              <a:rPr lang="pt-BR" sz="4800" dirty="0" err="1">
+                <a:latin typeface="Courier New" panose="02070309020205020404" pitchFamily="49" charset="0"/>
+                <a:cs typeface="Courier New" panose="02070309020205020404" pitchFamily="49" charset="0"/>
+              </a:rPr>
+              <a:t>onSearchOffClick</a:t>
+            </a:r>
+            <a:r>
+              <a:rPr lang="pt-BR" sz="4800" dirty="0">
+                <a:latin typeface="Courier New" panose="02070309020205020404" pitchFamily="49" charset="0"/>
+                <a:cs typeface="Courier New" panose="02070309020205020404" pitchFamily="49" charset="0"/>
+              </a:rPr>
+              <a:t> = () =&gt; {</a:t>
+            </a:r>
+          </a:p>
+          <a:p>
+            <a:pPr marL="457200" lvl="1" indent="0">
+              <a:buNone/>
+            </a:pPr>
+            <a:r>
+              <a:rPr lang="pt-BR" sz="4800" dirty="0">
+                <a:latin typeface="Courier New" panose="02070309020205020404" pitchFamily="49" charset="0"/>
+                <a:cs typeface="Courier New" panose="02070309020205020404" pitchFamily="49" charset="0"/>
+              </a:rPr>
+              <a:t>        </a:t>
+            </a:r>
+            <a:r>
+              <a:rPr lang="pt-BR" sz="4800" dirty="0" err="1">
+                <a:latin typeface="Courier New" panose="02070309020205020404" pitchFamily="49" charset="0"/>
+                <a:cs typeface="Courier New" panose="02070309020205020404" pitchFamily="49" charset="0"/>
+              </a:rPr>
+              <a:t>if</a:t>
+            </a:r>
+            <a:r>
+              <a:rPr lang="pt-BR" sz="4800" dirty="0">
+                <a:latin typeface="Courier New" panose="02070309020205020404" pitchFamily="49" charset="0"/>
+                <a:cs typeface="Courier New" panose="02070309020205020404" pitchFamily="49" charset="0"/>
+              </a:rPr>
+              <a:t> (</a:t>
+            </a:r>
+            <a:r>
+              <a:rPr lang="pt-BR" sz="4800" dirty="0" err="1">
+                <a:latin typeface="Courier New" panose="02070309020205020404" pitchFamily="49" charset="0"/>
+                <a:cs typeface="Courier New" panose="02070309020205020404" pitchFamily="49" charset="0"/>
+              </a:rPr>
+              <a:t>this.logState.length</a:t>
+            </a:r>
+            <a:r>
+              <a:rPr lang="pt-BR" sz="4800" dirty="0">
+                <a:latin typeface="Courier New" panose="02070309020205020404" pitchFamily="49" charset="0"/>
+                <a:cs typeface="Courier New" panose="02070309020205020404" pitchFamily="49" charset="0"/>
+              </a:rPr>
+              <a:t> &gt; 0) {</a:t>
+            </a:r>
+          </a:p>
+          <a:p>
+            <a:pPr marL="457200" lvl="1" indent="0">
+              <a:buNone/>
+            </a:pPr>
+            <a:r>
+              <a:rPr lang="pt-BR" sz="4800" dirty="0">
+                <a:latin typeface="Courier New" panose="02070309020205020404" pitchFamily="49" charset="0"/>
+                <a:cs typeface="Courier New" panose="02070309020205020404" pitchFamily="49" charset="0"/>
+              </a:rPr>
+              <a:t>            </a:t>
+            </a:r>
+            <a:r>
+              <a:rPr lang="pt-BR" sz="4800" dirty="0" err="1">
+                <a:latin typeface="Courier New" panose="02070309020205020404" pitchFamily="49" charset="0"/>
+                <a:cs typeface="Courier New" panose="02070309020205020404" pitchFamily="49" charset="0"/>
+              </a:rPr>
+              <a:t>this.setState</a:t>
+            </a:r>
+            <a:r>
+              <a:rPr lang="pt-BR" sz="4800" dirty="0">
+                <a:latin typeface="Courier New" panose="02070309020205020404" pitchFamily="49" charset="0"/>
+                <a:cs typeface="Courier New" panose="02070309020205020404" pitchFamily="49" charset="0"/>
+              </a:rPr>
+              <a:t>(</a:t>
+            </a:r>
+            <a:r>
+              <a:rPr lang="pt-BR" sz="4800" dirty="0" err="1">
+                <a:latin typeface="Courier New" panose="02070309020205020404" pitchFamily="49" charset="0"/>
+                <a:cs typeface="Courier New" panose="02070309020205020404" pitchFamily="49" charset="0"/>
+              </a:rPr>
+              <a:t>this.logState.pop</a:t>
+            </a:r>
+            <a:r>
+              <a:rPr lang="pt-BR" sz="4800" dirty="0">
+                <a:latin typeface="Courier New" panose="02070309020205020404" pitchFamily="49" charset="0"/>
+                <a:cs typeface="Courier New" panose="02070309020205020404" pitchFamily="49" charset="0"/>
+              </a:rPr>
+              <a:t>());</a:t>
+            </a:r>
+          </a:p>
+          <a:p>
+            <a:pPr marL="457200" lvl="1" indent="0">
+              <a:buNone/>
+            </a:pPr>
+            <a:r>
+              <a:rPr lang="pt-BR" sz="4800" dirty="0">
+                <a:latin typeface="Courier New" panose="02070309020205020404" pitchFamily="49" charset="0"/>
+                <a:cs typeface="Courier New" panose="02070309020205020404" pitchFamily="49" charset="0"/>
+              </a:rPr>
+              <a:t>        }</a:t>
+            </a:r>
+          </a:p>
+          <a:p>
+            <a:pPr marL="457200" lvl="1" indent="0">
+              <a:buNone/>
+            </a:pPr>
+            <a:r>
+              <a:rPr lang="pt-BR" sz="4800" dirty="0">
+                <a:latin typeface="Courier New" panose="02070309020205020404" pitchFamily="49" charset="0"/>
+                <a:cs typeface="Courier New" panose="02070309020205020404" pitchFamily="49" charset="0"/>
+              </a:rPr>
+              <a:t>    }</a:t>
+            </a:r>
+          </a:p>
+          <a:p>
+            <a:pPr marL="0" indent="0">
+              <a:buNone/>
+            </a:pPr>
+            <a:endParaRPr lang="pt-BR" sz="1200" b="1" dirty="0">
+              <a:latin typeface="Courier New" panose="02070309020205020404" pitchFamily="49" charset="0"/>
+              <a:cs typeface="Courier New" panose="02070309020205020404" pitchFamily="49" charset="0"/>
+            </a:endParaRPr>
+          </a:p>
+          <a:p>
+            <a:pPr marL="0" indent="0">
+              <a:buNone/>
+            </a:pPr>
+            <a:r>
+              <a:rPr lang="pt-BR" sz="1200" dirty="0">
+                <a:solidFill>
+                  <a:srgbClr val="CCCCCC"/>
+                </a:solidFill>
+                <a:latin typeface="Consolas" panose="020B0609020204030204" pitchFamily="49" charset="0"/>
+              </a:rPr>
+              <a:t>   </a:t>
+            </a:r>
+            <a:endParaRPr lang="pt-BR" sz="1200" dirty="0">
+              <a:latin typeface="Courier New" panose="02070309020205020404" pitchFamily="49" charset="0"/>
+              <a:cs typeface="Courier New" panose="02070309020205020404" pitchFamily="49" charset="0"/>
+            </a:endParaRPr>
+          </a:p>
+        </p:txBody>
+      </p:sp>
+    </p:spTree>
+    <p:extLst>
+      <p:ext uri="{BB962C8B-B14F-4D97-AF65-F5344CB8AC3E}">
+        <p14:creationId xmlns:p14="http://schemas.microsoft.com/office/powerpoint/2010/main" val="784962767"/>
+      </p:ext>
+    </p:extLst>
+  </p:cSld>
+  <p:clrMapOvr>
+    <a:masterClrMapping/>
+  </p:clrMapOvr>
+</p:sld>
+</file>
+
+<file path=ppt/slides/slide33.xml><?xml version="1.0" encoding="utf-8"?>
+<p:sld xmlns:a="http://schemas.openxmlformats.org/drawingml/2006/main" xmlns:r="http://schemas.openxmlformats.org/officeDocument/2006/relationships" xmlns:p="http://schemas.openxmlformats.org/presentationml/2006/main">
+  <p:cSld>
+    <p:spTree>
+      <p:nvGrpSpPr>
+        <p:cNvPr id="1" name=""/>
+        <p:cNvGrpSpPr/>
+        <p:nvPr/>
+      </p:nvGrpSpPr>
+      <p:grpSpPr>
+        <a:xfrm>
+          <a:off x="0" y="0"/>
+          <a:ext cx="0" cy="0"/>
+          <a:chOff x="0" y="0"/>
+          <a:chExt cx="0" cy="0"/>
+        </a:xfrm>
+      </p:grpSpPr>
+      <p:sp>
+        <p:nvSpPr>
+          <p:cNvPr id="2" name="Título 1">
+            <a:extLst>
+              <a:ext uri="{FF2B5EF4-FFF2-40B4-BE49-F238E27FC236}">
+                <a16:creationId xmlns:a16="http://schemas.microsoft.com/office/drawing/2014/main" id="{AE3EA2E6-2E1F-4910-80F5-FEA8176D6347}"/>
+              </a:ext>
+            </a:extLst>
+          </p:cNvPr>
+          <p:cNvSpPr>
+            <a:spLocks noGrp="1"/>
+          </p:cNvSpPr>
+          <p:nvPr>
+            <p:ph type="title"/>
+          </p:nvPr>
+        </p:nvSpPr>
+        <p:spPr/>
+        <p:txBody>
+          <a:bodyPr/>
+          <a:lstStyle/>
+          <a:p>
+            <a:pPr algn="r"/>
+            <a:r>
+              <a:rPr lang="pt-BR" dirty="0">
+                <a:solidFill>
+                  <a:prstClr val="black"/>
+                </a:solidFill>
+              </a:rPr>
+              <a:t>Criação da Tabela</a:t>
+            </a:r>
+            <a:br>
+              <a:rPr lang="pt-BR" dirty="0">
+                <a:solidFill>
+                  <a:prstClr val="black"/>
+                </a:solidFill>
+              </a:rPr>
+            </a:br>
+            <a:r>
+              <a:rPr lang="pt-BR" sz="2400" dirty="0">
+                <a:solidFill>
+                  <a:prstClr val="black"/>
+                </a:solidFill>
+              </a:rPr>
+              <a:t>(Busca e Filtragem de Dados)</a:t>
+            </a:r>
+            <a:endParaRPr lang="pt-BR" dirty="0"/>
+          </a:p>
+        </p:txBody>
+      </p:sp>
+      <p:sp>
+        <p:nvSpPr>
+          <p:cNvPr id="3" name="Espaço Reservado para Conteúdo 2">
+            <a:extLst>
+              <a:ext uri="{FF2B5EF4-FFF2-40B4-BE49-F238E27FC236}">
+                <a16:creationId xmlns:a16="http://schemas.microsoft.com/office/drawing/2014/main" id="{76A075FF-5552-4825-A833-DC93985E762E}"/>
+              </a:ext>
+            </a:extLst>
+          </p:cNvPr>
+          <p:cNvSpPr>
+            <a:spLocks noGrp="1"/>
+          </p:cNvSpPr>
+          <p:nvPr>
+            <p:ph idx="1"/>
+          </p:nvPr>
+        </p:nvSpPr>
+        <p:spPr/>
+        <p:txBody>
+          <a:bodyPr>
+            <a:normAutofit lnSpcReduction="10000"/>
+          </a:bodyPr>
+          <a:lstStyle/>
+          <a:p>
+            <a:pPr marL="0" lvl="0" indent="0">
+              <a:lnSpc>
+                <a:spcPct val="100000"/>
+              </a:lnSpc>
+              <a:spcBef>
+                <a:spcPts val="0"/>
+              </a:spcBef>
+              <a:buNone/>
+            </a:pPr>
+            <a:r>
+              <a:rPr lang="pt-BR" sz="1000" b="1" dirty="0">
+                <a:latin typeface="Courier New" panose="02070309020205020404" pitchFamily="49" charset="0"/>
+                <a:cs typeface="Courier New" panose="02070309020205020404" pitchFamily="49" charset="0"/>
+              </a:rPr>
+              <a:t>// </a:t>
+            </a:r>
+          </a:p>
+          <a:p>
+            <a:pPr marL="0" lvl="0" indent="0">
+              <a:lnSpc>
+                <a:spcPct val="100000"/>
+              </a:lnSpc>
+              <a:spcBef>
+                <a:spcPts val="0"/>
+              </a:spcBef>
+              <a:buNone/>
+            </a:pPr>
+            <a:r>
+              <a:rPr lang="pt-BR" sz="1000" b="1" dirty="0">
+                <a:latin typeface="Courier New" panose="02070309020205020404" pitchFamily="49" charset="0"/>
+                <a:cs typeface="Courier New" panose="02070309020205020404" pitchFamily="49" charset="0"/>
+              </a:rPr>
+              <a:t>// manipulador de busca e filtragem</a:t>
+            </a:r>
+          </a:p>
+          <a:p>
+            <a:pPr marL="0" lvl="0" indent="0">
+              <a:lnSpc>
+                <a:spcPct val="100000"/>
+              </a:lnSpc>
+              <a:spcBef>
+                <a:spcPts val="0"/>
+              </a:spcBef>
+              <a:buNone/>
+            </a:pPr>
+            <a:r>
+              <a:rPr lang="pt-BR" sz="1000" b="1" dirty="0">
+                <a:latin typeface="Courier New" panose="02070309020205020404" pitchFamily="49" charset="0"/>
+                <a:cs typeface="Courier New" panose="02070309020205020404" pitchFamily="49" charset="0"/>
+              </a:rPr>
+              <a:t>// exibe caixa de pesquisa/filtro</a:t>
+            </a:r>
+          </a:p>
+          <a:p>
+            <a:pPr marL="0" lvl="0" indent="0">
+              <a:lnSpc>
+                <a:spcPct val="100000"/>
+              </a:lnSpc>
+              <a:spcBef>
+                <a:spcPts val="0"/>
+              </a:spcBef>
+              <a:buNone/>
+            </a:pPr>
+            <a:r>
+              <a:rPr lang="pt-BR" sz="1000" b="1" dirty="0">
+                <a:latin typeface="Courier New" panose="02070309020205020404" pitchFamily="49" charset="0"/>
+                <a:cs typeface="Courier New" panose="02070309020205020404" pitchFamily="49" charset="0"/>
+              </a:rPr>
+              <a:t>// quando a caixa de texto é preenchida e tecla </a:t>
+            </a:r>
+            <a:r>
+              <a:rPr lang="pt-BR" sz="1000" b="1" i="1" dirty="0" err="1">
+                <a:latin typeface="Courier New" panose="02070309020205020404" pitchFamily="49" charset="0"/>
+                <a:cs typeface="Courier New" panose="02070309020205020404" pitchFamily="49" charset="0"/>
+              </a:rPr>
+              <a:t>enter</a:t>
+            </a:r>
+            <a:r>
+              <a:rPr lang="pt-BR" sz="1000" b="1" dirty="0">
+                <a:latin typeface="Courier New" panose="02070309020205020404" pitchFamily="49" charset="0"/>
+                <a:cs typeface="Courier New" panose="02070309020205020404" pitchFamily="49" charset="0"/>
+              </a:rPr>
+              <a:t> é pressionado o manipulador </a:t>
+            </a:r>
+            <a:r>
+              <a:rPr lang="pt-BR" sz="1000" b="1" dirty="0" err="1">
+                <a:latin typeface="Courier New" panose="02070309020205020404" pitchFamily="49" charset="0"/>
+                <a:cs typeface="Courier New" panose="02070309020205020404" pitchFamily="49" charset="0"/>
+              </a:rPr>
+              <a:t>onSerachSubmit</a:t>
+            </a:r>
+            <a:r>
+              <a:rPr lang="pt-BR" sz="1000" b="1" dirty="0">
+                <a:latin typeface="Courier New" panose="02070309020205020404" pitchFamily="49" charset="0"/>
+                <a:cs typeface="Courier New" panose="02070309020205020404" pitchFamily="49" charset="0"/>
+              </a:rPr>
+              <a:t> é chamado</a:t>
+            </a:r>
+          </a:p>
+          <a:p>
+            <a:pPr marL="0" lvl="0" indent="0">
+              <a:lnSpc>
+                <a:spcPct val="100000"/>
+              </a:lnSpc>
+              <a:spcBef>
+                <a:spcPts val="0"/>
+              </a:spcBef>
+              <a:buNone/>
+            </a:pPr>
+            <a:r>
+              <a:rPr lang="pt-BR" sz="1000" b="1" dirty="0">
+                <a:latin typeface="Courier New" panose="02070309020205020404" pitchFamily="49" charset="0"/>
+                <a:cs typeface="Courier New" panose="02070309020205020404" pitchFamily="49" charset="0"/>
+              </a:rPr>
+              <a:t>//</a:t>
+            </a:r>
+          </a:p>
+          <a:p>
+            <a:pPr marL="0" indent="0">
+              <a:spcBef>
+                <a:spcPts val="0"/>
+              </a:spcBef>
+              <a:buNone/>
+            </a:pPr>
+            <a:r>
+              <a:rPr lang="pt-BR" sz="1000" dirty="0">
+                <a:latin typeface="Courier New" panose="02070309020205020404" pitchFamily="49" charset="0"/>
+                <a:cs typeface="Courier New" panose="02070309020205020404" pitchFamily="49" charset="0"/>
+              </a:rPr>
+              <a:t>               </a:t>
+            </a:r>
+          </a:p>
+          <a:p>
+            <a:pPr marL="0" indent="0">
+              <a:spcBef>
+                <a:spcPts val="100"/>
+              </a:spcBef>
+              <a:buNone/>
+            </a:pPr>
+            <a:r>
+              <a:rPr lang="pt-BR" sz="1000" dirty="0">
+                <a:solidFill>
+                  <a:srgbClr val="FF0000"/>
+                </a:solidFill>
+                <a:latin typeface="Courier New" panose="02070309020205020404" pitchFamily="49" charset="0"/>
+                <a:cs typeface="Courier New" panose="02070309020205020404" pitchFamily="49" charset="0"/>
+              </a:rPr>
+              <a:t>               &lt;</a:t>
+            </a:r>
+            <a:r>
+              <a:rPr lang="pt-BR" sz="1000" dirty="0" err="1">
+                <a:solidFill>
+                  <a:srgbClr val="FF0000"/>
+                </a:solidFill>
+                <a:latin typeface="Courier New" panose="02070309020205020404" pitchFamily="49" charset="0"/>
+                <a:cs typeface="Courier New" panose="02070309020205020404" pitchFamily="49" charset="0"/>
+              </a:rPr>
+              <a:t>SearchIcon</a:t>
+            </a:r>
+            <a:r>
+              <a:rPr lang="pt-BR" sz="1000" dirty="0">
+                <a:solidFill>
+                  <a:srgbClr val="FF0000"/>
+                </a:solidFill>
+                <a:latin typeface="Courier New" panose="02070309020205020404" pitchFamily="49" charset="0"/>
+                <a:cs typeface="Courier New" panose="02070309020205020404" pitchFamily="49" charset="0"/>
+              </a:rPr>
+              <a:t> </a:t>
+            </a:r>
+            <a:r>
+              <a:rPr lang="pt-BR" sz="1000" dirty="0" err="1">
+                <a:solidFill>
+                  <a:srgbClr val="FF0000"/>
+                </a:solidFill>
+                <a:latin typeface="Courier New" panose="02070309020205020404" pitchFamily="49" charset="0"/>
+                <a:cs typeface="Courier New" panose="02070309020205020404" pitchFamily="49" charset="0"/>
+              </a:rPr>
+              <a:t>onClick</a:t>
+            </a:r>
+            <a:r>
+              <a:rPr lang="pt-BR" sz="1000" dirty="0">
+                <a:solidFill>
+                  <a:srgbClr val="FF0000"/>
+                </a:solidFill>
+                <a:latin typeface="Courier New" panose="02070309020205020404" pitchFamily="49" charset="0"/>
+                <a:cs typeface="Courier New" panose="02070309020205020404" pitchFamily="49" charset="0"/>
+              </a:rPr>
+              <a:t>={</a:t>
+            </a:r>
+            <a:r>
+              <a:rPr lang="pt-BR" sz="1000" dirty="0" err="1">
+                <a:solidFill>
+                  <a:srgbClr val="FF0000"/>
+                </a:solidFill>
+                <a:latin typeface="Courier New" panose="02070309020205020404" pitchFamily="49" charset="0"/>
+                <a:cs typeface="Courier New" panose="02070309020205020404" pitchFamily="49" charset="0"/>
+              </a:rPr>
+              <a:t>this.onSearchClick</a:t>
+            </a:r>
+            <a:r>
+              <a:rPr lang="pt-BR" sz="1000" dirty="0">
+                <a:solidFill>
+                  <a:srgbClr val="FF0000"/>
+                </a:solidFill>
+                <a:latin typeface="Courier New" panose="02070309020205020404" pitchFamily="49" charset="0"/>
+                <a:cs typeface="Courier New" panose="02070309020205020404" pitchFamily="49" charset="0"/>
+              </a:rPr>
+              <a:t>} </a:t>
+            </a:r>
+            <a:r>
+              <a:rPr lang="pt-BR" sz="1000" dirty="0" err="1">
+                <a:solidFill>
+                  <a:srgbClr val="FF0000"/>
+                </a:solidFill>
+                <a:latin typeface="Courier New" panose="02070309020205020404" pitchFamily="49" charset="0"/>
+                <a:cs typeface="Courier New" panose="02070309020205020404" pitchFamily="49" charset="0"/>
+              </a:rPr>
+              <a:t>onMouseOver</a:t>
+            </a:r>
+            <a:r>
+              <a:rPr lang="pt-BR" sz="1000" dirty="0">
+                <a:solidFill>
+                  <a:srgbClr val="FF0000"/>
+                </a:solidFill>
+                <a:latin typeface="Courier New" panose="02070309020205020404" pitchFamily="49" charset="0"/>
+                <a:cs typeface="Courier New" panose="02070309020205020404" pitchFamily="49" charset="0"/>
+              </a:rPr>
+              <a:t>={</a:t>
+            </a:r>
+            <a:r>
+              <a:rPr lang="pt-BR" sz="1000" dirty="0" err="1">
+                <a:solidFill>
+                  <a:srgbClr val="FF0000"/>
+                </a:solidFill>
+                <a:latin typeface="Courier New" panose="02070309020205020404" pitchFamily="49" charset="0"/>
+                <a:cs typeface="Courier New" panose="02070309020205020404" pitchFamily="49" charset="0"/>
+              </a:rPr>
+              <a:t>this.onMouseOverIcon</a:t>
+            </a:r>
+            <a:r>
+              <a:rPr lang="pt-BR" sz="1000" dirty="0">
+                <a:solidFill>
+                  <a:srgbClr val="FF0000"/>
+                </a:solidFill>
+                <a:latin typeface="Courier New" panose="02070309020205020404" pitchFamily="49" charset="0"/>
+                <a:cs typeface="Courier New" panose="02070309020205020404" pitchFamily="49" charset="0"/>
+              </a:rPr>
+              <a:t>} </a:t>
+            </a:r>
+          </a:p>
+          <a:p>
+            <a:pPr marL="0" indent="0">
+              <a:spcBef>
+                <a:spcPts val="100"/>
+              </a:spcBef>
+              <a:buNone/>
+            </a:pPr>
+            <a:r>
+              <a:rPr lang="pt-BR" sz="1000" dirty="0">
+                <a:solidFill>
+                  <a:srgbClr val="FF0000"/>
+                </a:solidFill>
+                <a:latin typeface="Courier New" panose="02070309020205020404" pitchFamily="49" charset="0"/>
+                <a:cs typeface="Courier New" panose="02070309020205020404" pitchFamily="49" charset="0"/>
+              </a:rPr>
+              <a:t>                      </a:t>
+            </a:r>
+            <a:r>
+              <a:rPr lang="pt-BR" sz="1000" dirty="0" err="1">
+                <a:solidFill>
+                  <a:srgbClr val="FF0000"/>
+                </a:solidFill>
+                <a:latin typeface="Courier New" panose="02070309020205020404" pitchFamily="49" charset="0"/>
+                <a:cs typeface="Courier New" panose="02070309020205020404" pitchFamily="49" charset="0"/>
+              </a:rPr>
+              <a:t>onMouseOut</a:t>
+            </a:r>
+            <a:r>
+              <a:rPr lang="pt-BR" sz="1000" dirty="0">
+                <a:solidFill>
+                  <a:srgbClr val="FF0000"/>
+                </a:solidFill>
+                <a:latin typeface="Courier New" panose="02070309020205020404" pitchFamily="49" charset="0"/>
+                <a:cs typeface="Courier New" panose="02070309020205020404" pitchFamily="49" charset="0"/>
+              </a:rPr>
+              <a:t>={</a:t>
+            </a:r>
+            <a:r>
+              <a:rPr lang="pt-BR" sz="1000" dirty="0" err="1">
+                <a:solidFill>
+                  <a:srgbClr val="FF0000"/>
+                </a:solidFill>
+                <a:latin typeface="Courier New" panose="02070309020205020404" pitchFamily="49" charset="0"/>
+                <a:cs typeface="Courier New" panose="02070309020205020404" pitchFamily="49" charset="0"/>
+              </a:rPr>
+              <a:t>this.onMouseOutIcon</a:t>
+            </a:r>
+            <a:r>
+              <a:rPr lang="pt-BR" sz="1000" dirty="0">
+                <a:solidFill>
+                  <a:srgbClr val="FF0000"/>
+                </a:solidFill>
+                <a:latin typeface="Courier New" panose="02070309020205020404" pitchFamily="49" charset="0"/>
+                <a:cs typeface="Courier New" panose="02070309020205020404" pitchFamily="49" charset="0"/>
+              </a:rPr>
+              <a:t>}</a:t>
+            </a:r>
+          </a:p>
+          <a:p>
+            <a:pPr marL="0" indent="0">
+              <a:spcBef>
+                <a:spcPts val="100"/>
+              </a:spcBef>
+              <a:buNone/>
+            </a:pPr>
+            <a:r>
+              <a:rPr lang="pt-BR" sz="1000" dirty="0">
+                <a:solidFill>
+                  <a:srgbClr val="FF0000"/>
+                </a:solidFill>
+                <a:latin typeface="Courier New" panose="02070309020205020404" pitchFamily="49" charset="0"/>
+                <a:cs typeface="Courier New" panose="02070309020205020404" pitchFamily="49" charset="0"/>
+              </a:rPr>
+              <a:t>                      </a:t>
+            </a:r>
+            <a:r>
+              <a:rPr lang="pt-BR" sz="1000" dirty="0" err="1">
+                <a:solidFill>
+                  <a:srgbClr val="FF0000"/>
+                </a:solidFill>
+                <a:latin typeface="Courier New" panose="02070309020205020404" pitchFamily="49" charset="0"/>
+                <a:cs typeface="Courier New" panose="02070309020205020404" pitchFamily="49" charset="0"/>
+              </a:rPr>
+              <a:t>titleAccess</a:t>
+            </a:r>
+            <a:r>
+              <a:rPr lang="pt-BR" sz="1000" dirty="0">
+                <a:solidFill>
+                  <a:srgbClr val="FF0000"/>
+                </a:solidFill>
+                <a:latin typeface="Courier New" panose="02070309020205020404" pitchFamily="49" charset="0"/>
+                <a:cs typeface="Courier New" panose="02070309020205020404" pitchFamily="49" charset="0"/>
+              </a:rPr>
+              <a:t>='</a:t>
+            </a:r>
+            <a:r>
+              <a:rPr lang="pt-BR" sz="1000" dirty="0" err="1">
+                <a:solidFill>
+                  <a:srgbClr val="FF0000"/>
+                </a:solidFill>
+                <a:latin typeface="Courier New" panose="02070309020205020404" pitchFamily="49" charset="0"/>
+                <a:cs typeface="Courier New" panose="02070309020205020404" pitchFamily="49" charset="0"/>
+              </a:rPr>
+              <a:t>Search</a:t>
+            </a:r>
+            <a:r>
+              <a:rPr lang="pt-BR" sz="1000" dirty="0">
+                <a:solidFill>
+                  <a:srgbClr val="FF0000"/>
+                </a:solidFill>
+                <a:latin typeface="Courier New" panose="02070309020205020404" pitchFamily="49" charset="0"/>
+                <a:cs typeface="Courier New" panose="02070309020205020404" pitchFamily="49" charset="0"/>
+              </a:rPr>
+              <a:t> </a:t>
+            </a:r>
+            <a:r>
+              <a:rPr lang="pt-BR" sz="1000" dirty="0" err="1">
+                <a:solidFill>
+                  <a:srgbClr val="FF0000"/>
+                </a:solidFill>
+                <a:latin typeface="Courier New" panose="02070309020205020404" pitchFamily="49" charset="0"/>
+                <a:cs typeface="Courier New" panose="02070309020205020404" pitchFamily="49" charset="0"/>
+              </a:rPr>
+              <a:t>On</a:t>
+            </a:r>
+            <a:r>
+              <a:rPr lang="pt-BR" sz="1000" dirty="0">
+                <a:solidFill>
+                  <a:srgbClr val="FF0000"/>
+                </a:solidFill>
+                <a:latin typeface="Courier New" panose="02070309020205020404" pitchFamily="49" charset="0"/>
+                <a:cs typeface="Courier New" panose="02070309020205020404" pitchFamily="49" charset="0"/>
+              </a:rPr>
+              <a:t>/Off' /&gt;</a:t>
+            </a:r>
+          </a:p>
+          <a:p>
+            <a:pPr marL="0" indent="0">
+              <a:spcBef>
+                <a:spcPts val="100"/>
+              </a:spcBef>
+              <a:buNone/>
+            </a:pPr>
+            <a:r>
+              <a:rPr lang="pt-BR" sz="1000" dirty="0">
+                <a:latin typeface="Courier New" panose="02070309020205020404" pitchFamily="49" charset="0"/>
+                <a:cs typeface="Courier New" panose="02070309020205020404" pitchFamily="49" charset="0"/>
+              </a:rPr>
+              <a:t>               {</a:t>
+            </a:r>
+          </a:p>
+          <a:p>
+            <a:pPr marL="0" indent="0">
+              <a:spcBef>
+                <a:spcPts val="100"/>
+              </a:spcBef>
+              <a:buNone/>
+            </a:pPr>
+            <a:r>
+              <a:rPr lang="pt-BR" sz="1000" dirty="0">
+                <a:solidFill>
+                  <a:srgbClr val="FF0000"/>
+                </a:solidFill>
+                <a:latin typeface="Courier New" panose="02070309020205020404" pitchFamily="49" charset="0"/>
+                <a:cs typeface="Courier New" panose="02070309020205020404" pitchFamily="49" charset="0"/>
+              </a:rPr>
+              <a:t>                 </a:t>
+            </a:r>
+            <a:r>
+              <a:rPr lang="pt-BR" sz="1000" dirty="0" err="1">
+                <a:solidFill>
+                  <a:srgbClr val="FF0000"/>
+                </a:solidFill>
+                <a:latin typeface="Courier New" panose="02070309020205020404" pitchFamily="49" charset="0"/>
+                <a:cs typeface="Courier New" panose="02070309020205020404" pitchFamily="49" charset="0"/>
+              </a:rPr>
+              <a:t>this.state.search</a:t>
+            </a:r>
+            <a:r>
+              <a:rPr lang="pt-BR" sz="1000" dirty="0">
+                <a:solidFill>
+                  <a:srgbClr val="FF0000"/>
+                </a:solidFill>
+                <a:latin typeface="Courier New" panose="02070309020205020404" pitchFamily="49" charset="0"/>
+                <a:cs typeface="Courier New" panose="02070309020205020404" pitchFamily="49" charset="0"/>
+              </a:rPr>
+              <a:t> &amp;&amp;</a:t>
+            </a:r>
+          </a:p>
+          <a:p>
+            <a:pPr marL="0" indent="0">
+              <a:spcBef>
+                <a:spcPts val="100"/>
+              </a:spcBef>
+              <a:buNone/>
+            </a:pPr>
+            <a:r>
+              <a:rPr lang="pt-BR" sz="1000" dirty="0">
+                <a:solidFill>
+                  <a:srgbClr val="FF0000"/>
+                </a:solidFill>
+                <a:latin typeface="Courier New" panose="02070309020205020404" pitchFamily="49" charset="0"/>
+                <a:cs typeface="Courier New" panose="02070309020205020404" pitchFamily="49" charset="0"/>
+              </a:rPr>
+              <a:t>                 &lt;</a:t>
+            </a:r>
+            <a:r>
+              <a:rPr lang="pt-BR" sz="1000" dirty="0" err="1">
+                <a:solidFill>
+                  <a:srgbClr val="FF0000"/>
+                </a:solidFill>
+                <a:latin typeface="Courier New" panose="02070309020205020404" pitchFamily="49" charset="0"/>
+                <a:cs typeface="Courier New" panose="02070309020205020404" pitchFamily="49" charset="0"/>
+              </a:rPr>
+              <a:t>SearchOffIcon</a:t>
+            </a:r>
+            <a:r>
+              <a:rPr lang="pt-BR" sz="1000" dirty="0">
+                <a:solidFill>
+                  <a:srgbClr val="FF0000"/>
+                </a:solidFill>
+                <a:latin typeface="Courier New" panose="02070309020205020404" pitchFamily="49" charset="0"/>
+                <a:cs typeface="Courier New" panose="02070309020205020404" pitchFamily="49" charset="0"/>
+              </a:rPr>
+              <a:t> </a:t>
+            </a:r>
+            <a:r>
+              <a:rPr lang="pt-BR" sz="1000" dirty="0" err="1">
+                <a:solidFill>
+                  <a:srgbClr val="FF0000"/>
+                </a:solidFill>
+                <a:latin typeface="Courier New" panose="02070309020205020404" pitchFamily="49" charset="0"/>
+                <a:cs typeface="Courier New" panose="02070309020205020404" pitchFamily="49" charset="0"/>
+              </a:rPr>
+              <a:t>onClick</a:t>
+            </a:r>
+            <a:r>
+              <a:rPr lang="pt-BR" sz="1000" dirty="0">
+                <a:solidFill>
+                  <a:srgbClr val="FF0000"/>
+                </a:solidFill>
+                <a:latin typeface="Courier New" panose="02070309020205020404" pitchFamily="49" charset="0"/>
+                <a:cs typeface="Courier New" panose="02070309020205020404" pitchFamily="49" charset="0"/>
+              </a:rPr>
+              <a:t>={</a:t>
+            </a:r>
+            <a:r>
+              <a:rPr lang="pt-BR" sz="1000" dirty="0" err="1">
+                <a:solidFill>
+                  <a:srgbClr val="FF0000"/>
+                </a:solidFill>
+                <a:latin typeface="Courier New" panose="02070309020205020404" pitchFamily="49" charset="0"/>
+                <a:cs typeface="Courier New" panose="02070309020205020404" pitchFamily="49" charset="0"/>
+              </a:rPr>
+              <a:t>this.onSearchOffClick</a:t>
+            </a:r>
+            <a:r>
+              <a:rPr lang="pt-BR" sz="1000" dirty="0">
+                <a:solidFill>
+                  <a:srgbClr val="FF0000"/>
+                </a:solidFill>
+                <a:latin typeface="Courier New" panose="02070309020205020404" pitchFamily="49" charset="0"/>
+                <a:cs typeface="Courier New" panose="02070309020205020404" pitchFamily="49" charset="0"/>
+              </a:rPr>
+              <a:t>}</a:t>
+            </a:r>
+          </a:p>
+          <a:p>
+            <a:pPr marL="0" indent="0">
+              <a:spcBef>
+                <a:spcPts val="100"/>
+              </a:spcBef>
+              <a:buNone/>
+            </a:pPr>
+            <a:r>
+              <a:rPr lang="pt-BR" sz="1000" dirty="0">
+                <a:solidFill>
+                  <a:srgbClr val="FF0000"/>
+                </a:solidFill>
+                <a:latin typeface="Courier New" panose="02070309020205020404" pitchFamily="49" charset="0"/>
+                <a:cs typeface="Courier New" panose="02070309020205020404" pitchFamily="49" charset="0"/>
+              </a:rPr>
+              <a:t>                                </a:t>
+            </a:r>
+            <a:r>
+              <a:rPr lang="pt-BR" sz="1000" dirty="0" err="1">
+                <a:solidFill>
+                  <a:srgbClr val="FF0000"/>
+                </a:solidFill>
+                <a:latin typeface="Courier New" panose="02070309020205020404" pitchFamily="49" charset="0"/>
+                <a:cs typeface="Courier New" panose="02070309020205020404" pitchFamily="49" charset="0"/>
+              </a:rPr>
+              <a:t>onMouseOver</a:t>
+            </a:r>
+            <a:r>
+              <a:rPr lang="pt-BR" sz="1000" dirty="0">
+                <a:solidFill>
+                  <a:srgbClr val="FF0000"/>
+                </a:solidFill>
+                <a:latin typeface="Courier New" panose="02070309020205020404" pitchFamily="49" charset="0"/>
+                <a:cs typeface="Courier New" panose="02070309020205020404" pitchFamily="49" charset="0"/>
+              </a:rPr>
+              <a:t>={</a:t>
+            </a:r>
+            <a:r>
+              <a:rPr lang="pt-BR" sz="1000" dirty="0" err="1">
+                <a:solidFill>
+                  <a:srgbClr val="FF0000"/>
+                </a:solidFill>
+                <a:latin typeface="Courier New" panose="02070309020205020404" pitchFamily="49" charset="0"/>
+                <a:cs typeface="Courier New" panose="02070309020205020404" pitchFamily="49" charset="0"/>
+              </a:rPr>
+              <a:t>this.onMouseOverIcon</a:t>
+            </a:r>
+            <a:r>
+              <a:rPr lang="pt-BR" sz="1000" dirty="0">
+                <a:solidFill>
+                  <a:srgbClr val="FF0000"/>
+                </a:solidFill>
+                <a:latin typeface="Courier New" panose="02070309020205020404" pitchFamily="49" charset="0"/>
+                <a:cs typeface="Courier New" panose="02070309020205020404" pitchFamily="49" charset="0"/>
+              </a:rPr>
+              <a:t>}</a:t>
+            </a:r>
+          </a:p>
+          <a:p>
+            <a:pPr marL="0" indent="0">
+              <a:spcBef>
+                <a:spcPts val="100"/>
+              </a:spcBef>
+              <a:buNone/>
+            </a:pPr>
+            <a:r>
+              <a:rPr lang="pt-BR" sz="1000" dirty="0">
+                <a:solidFill>
+                  <a:srgbClr val="FF0000"/>
+                </a:solidFill>
+                <a:latin typeface="Courier New" panose="02070309020205020404" pitchFamily="49" charset="0"/>
+                <a:cs typeface="Courier New" panose="02070309020205020404" pitchFamily="49" charset="0"/>
+              </a:rPr>
+              <a:t>                                </a:t>
+            </a:r>
+            <a:r>
+              <a:rPr lang="pt-BR" sz="1000" dirty="0" err="1">
+                <a:solidFill>
+                  <a:srgbClr val="FF0000"/>
+                </a:solidFill>
+                <a:latin typeface="Courier New" panose="02070309020205020404" pitchFamily="49" charset="0"/>
+                <a:cs typeface="Courier New" panose="02070309020205020404" pitchFamily="49" charset="0"/>
+              </a:rPr>
+              <a:t>onMouseOut</a:t>
+            </a:r>
+            <a:r>
+              <a:rPr lang="pt-BR" sz="1000" dirty="0">
+                <a:solidFill>
+                  <a:srgbClr val="FF0000"/>
+                </a:solidFill>
+                <a:latin typeface="Courier New" panose="02070309020205020404" pitchFamily="49" charset="0"/>
+                <a:cs typeface="Courier New" panose="02070309020205020404" pitchFamily="49" charset="0"/>
+              </a:rPr>
+              <a:t>={</a:t>
+            </a:r>
+            <a:r>
+              <a:rPr lang="pt-BR" sz="1000" dirty="0" err="1">
+                <a:solidFill>
+                  <a:srgbClr val="FF0000"/>
+                </a:solidFill>
+                <a:latin typeface="Courier New" panose="02070309020205020404" pitchFamily="49" charset="0"/>
+                <a:cs typeface="Courier New" panose="02070309020205020404" pitchFamily="49" charset="0"/>
+              </a:rPr>
+              <a:t>this.onMouseOutIcon</a:t>
+            </a:r>
+            <a:r>
+              <a:rPr lang="pt-BR" sz="1000" dirty="0">
+                <a:solidFill>
+                  <a:srgbClr val="FF0000"/>
+                </a:solidFill>
+                <a:latin typeface="Courier New" panose="02070309020205020404" pitchFamily="49" charset="0"/>
+                <a:cs typeface="Courier New" panose="02070309020205020404" pitchFamily="49" charset="0"/>
+              </a:rPr>
+              <a:t>}</a:t>
+            </a:r>
+          </a:p>
+          <a:p>
+            <a:pPr marL="0" indent="0">
+              <a:spcBef>
+                <a:spcPts val="100"/>
+              </a:spcBef>
+              <a:buNone/>
+            </a:pPr>
+            <a:r>
+              <a:rPr lang="pt-BR" sz="1000" dirty="0">
+                <a:solidFill>
+                  <a:srgbClr val="FF0000"/>
+                </a:solidFill>
+                <a:latin typeface="Courier New" panose="02070309020205020404" pitchFamily="49" charset="0"/>
+                <a:cs typeface="Courier New" panose="02070309020205020404" pitchFamily="49" charset="0"/>
+              </a:rPr>
+              <a:t>                                </a:t>
+            </a:r>
+            <a:r>
+              <a:rPr lang="pt-BR" sz="1000" dirty="0" err="1">
+                <a:solidFill>
+                  <a:srgbClr val="FF0000"/>
+                </a:solidFill>
+                <a:latin typeface="Courier New" panose="02070309020205020404" pitchFamily="49" charset="0"/>
+                <a:cs typeface="Courier New" panose="02070309020205020404" pitchFamily="49" charset="0"/>
+              </a:rPr>
+              <a:t>style</a:t>
+            </a:r>
+            <a:r>
+              <a:rPr lang="pt-BR" sz="1000" dirty="0">
+                <a:solidFill>
+                  <a:srgbClr val="FF0000"/>
+                </a:solidFill>
+                <a:latin typeface="Courier New" panose="02070309020205020404" pitchFamily="49" charset="0"/>
+                <a:cs typeface="Courier New" panose="02070309020205020404" pitchFamily="49" charset="0"/>
+              </a:rPr>
+              <a:t>={{ color: </a:t>
+            </a:r>
+            <a:r>
+              <a:rPr lang="pt-BR" sz="1000" dirty="0" err="1">
+                <a:solidFill>
+                  <a:srgbClr val="FF0000"/>
+                </a:solidFill>
+                <a:latin typeface="Courier New" panose="02070309020205020404" pitchFamily="49" charset="0"/>
+                <a:cs typeface="Courier New" panose="02070309020205020404" pitchFamily="49" charset="0"/>
+              </a:rPr>
+              <a:t>red</a:t>
+            </a:r>
+            <a:r>
+              <a:rPr lang="pt-BR" sz="1000" dirty="0">
+                <a:solidFill>
+                  <a:srgbClr val="FF0000"/>
+                </a:solidFill>
+                <a:latin typeface="Courier New" panose="02070309020205020404" pitchFamily="49" charset="0"/>
+                <a:cs typeface="Courier New" panose="02070309020205020404" pitchFamily="49" charset="0"/>
+              </a:rPr>
+              <a:t>[500] }}</a:t>
+            </a:r>
+          </a:p>
+          <a:p>
+            <a:pPr marL="0" indent="0">
+              <a:spcBef>
+                <a:spcPts val="100"/>
+              </a:spcBef>
+              <a:buNone/>
+            </a:pPr>
+            <a:r>
+              <a:rPr lang="pt-BR" sz="1000" dirty="0">
+                <a:solidFill>
+                  <a:srgbClr val="FF0000"/>
+                </a:solidFill>
+                <a:latin typeface="Courier New" panose="02070309020205020404" pitchFamily="49" charset="0"/>
+                <a:cs typeface="Courier New" panose="02070309020205020404" pitchFamily="49" charset="0"/>
+              </a:rPr>
+              <a:t>                                </a:t>
+            </a:r>
+            <a:r>
+              <a:rPr lang="pt-BR" sz="1000" dirty="0" err="1">
+                <a:solidFill>
+                  <a:srgbClr val="FF0000"/>
+                </a:solidFill>
+                <a:latin typeface="Courier New" panose="02070309020205020404" pitchFamily="49" charset="0"/>
+                <a:cs typeface="Courier New" panose="02070309020205020404" pitchFamily="49" charset="0"/>
+              </a:rPr>
+              <a:t>titleAccess</a:t>
+            </a:r>
+            <a:r>
+              <a:rPr lang="pt-BR" sz="1000" dirty="0">
+                <a:solidFill>
+                  <a:srgbClr val="FF0000"/>
+                </a:solidFill>
+                <a:latin typeface="Courier New" panose="02070309020205020404" pitchFamily="49" charset="0"/>
+                <a:cs typeface="Courier New" panose="02070309020205020404" pitchFamily="49" charset="0"/>
+              </a:rPr>
+              <a:t>='Reset </a:t>
+            </a:r>
+            <a:r>
+              <a:rPr lang="pt-BR" sz="1000" dirty="0" err="1">
+                <a:solidFill>
+                  <a:srgbClr val="FF0000"/>
+                </a:solidFill>
+                <a:latin typeface="Courier New" panose="02070309020205020404" pitchFamily="49" charset="0"/>
+                <a:cs typeface="Courier New" panose="02070309020205020404" pitchFamily="49" charset="0"/>
+              </a:rPr>
+              <a:t>Last</a:t>
+            </a:r>
+            <a:r>
+              <a:rPr lang="pt-BR" sz="1000" dirty="0">
+                <a:solidFill>
+                  <a:srgbClr val="FF0000"/>
+                </a:solidFill>
+                <a:latin typeface="Courier New" panose="02070309020205020404" pitchFamily="49" charset="0"/>
+                <a:cs typeface="Courier New" panose="02070309020205020404" pitchFamily="49" charset="0"/>
+              </a:rPr>
+              <a:t> </a:t>
+            </a:r>
+            <a:r>
+              <a:rPr lang="pt-BR" sz="1000" dirty="0" err="1">
+                <a:solidFill>
+                  <a:srgbClr val="FF0000"/>
+                </a:solidFill>
+                <a:latin typeface="Courier New" panose="02070309020205020404" pitchFamily="49" charset="0"/>
+                <a:cs typeface="Courier New" panose="02070309020205020404" pitchFamily="49" charset="0"/>
+              </a:rPr>
+              <a:t>Search</a:t>
+            </a:r>
+            <a:r>
+              <a:rPr lang="pt-BR" sz="1000" dirty="0">
+                <a:solidFill>
+                  <a:srgbClr val="FF0000"/>
+                </a:solidFill>
+                <a:latin typeface="Courier New" panose="02070309020205020404" pitchFamily="49" charset="0"/>
+                <a:cs typeface="Courier New" panose="02070309020205020404" pitchFamily="49" charset="0"/>
+              </a:rPr>
+              <a:t>' /&gt;</a:t>
+            </a:r>
+          </a:p>
+          <a:p>
+            <a:pPr marL="0" indent="0">
+              <a:spcBef>
+                <a:spcPts val="100"/>
+              </a:spcBef>
+              <a:buNone/>
+            </a:pPr>
+            <a:r>
+              <a:rPr lang="pt-BR" sz="1000" dirty="0">
+                <a:latin typeface="Courier New" panose="02070309020205020404" pitchFamily="49" charset="0"/>
+                <a:cs typeface="Courier New" panose="02070309020205020404" pitchFamily="49" charset="0"/>
+              </a:rPr>
+              <a:t>               }</a:t>
+            </a:r>
+          </a:p>
+          <a:p>
+            <a:pPr marL="0" indent="0">
+              <a:spcBef>
+                <a:spcPts val="100"/>
+              </a:spcBef>
+              <a:buNone/>
+            </a:pPr>
+            <a:r>
+              <a:rPr lang="pt-BR" sz="1000" dirty="0">
+                <a:latin typeface="Courier New" panose="02070309020205020404" pitchFamily="49" charset="0"/>
+                <a:cs typeface="Courier New" panose="02070309020205020404" pitchFamily="49" charset="0"/>
+              </a:rPr>
+              <a:t>               :</a:t>
+            </a:r>
+          </a:p>
+          <a:p>
+            <a:pPr marL="0" indent="0">
+              <a:spcBef>
+                <a:spcPts val="100"/>
+              </a:spcBef>
+              <a:buNone/>
+            </a:pPr>
+            <a:r>
+              <a:rPr lang="pt-BR" sz="1000" dirty="0">
+                <a:latin typeface="Courier New" panose="02070309020205020404" pitchFamily="49" charset="0"/>
+                <a:cs typeface="Courier New" panose="02070309020205020404" pitchFamily="49" charset="0"/>
+              </a:rPr>
+              <a:t>	   :           </a:t>
+            </a:r>
+          </a:p>
+          <a:p>
+            <a:pPr marL="0" indent="0">
+              <a:spcBef>
+                <a:spcPts val="100"/>
+              </a:spcBef>
+              <a:buNone/>
+            </a:pPr>
+            <a:r>
+              <a:rPr lang="pt-BR" sz="1000" dirty="0">
+                <a:latin typeface="Courier New" panose="02070309020205020404" pitchFamily="49" charset="0"/>
+                <a:cs typeface="Courier New" panose="02070309020205020404" pitchFamily="49" charset="0"/>
+              </a:rPr>
+              <a:t>               </a:t>
+            </a:r>
+          </a:p>
+          <a:p>
+            <a:pPr marL="0" indent="0">
+              <a:spcBef>
+                <a:spcPts val="100"/>
+              </a:spcBef>
+              <a:buNone/>
+            </a:pPr>
+            <a:r>
+              <a:rPr lang="pt-BR" sz="1000" dirty="0">
+                <a:latin typeface="Courier New" panose="02070309020205020404" pitchFamily="49" charset="0"/>
+                <a:cs typeface="Courier New" panose="02070309020205020404" pitchFamily="49" charset="0"/>
+              </a:rPr>
+              <a:t>	   </a:t>
+            </a:r>
+          </a:p>
+          <a:p>
+            <a:pPr marL="0" indent="0">
+              <a:spcBef>
+                <a:spcPts val="100"/>
+              </a:spcBef>
+              <a:buNone/>
+            </a:pPr>
+            <a:r>
+              <a:rPr lang="pt-BR" sz="1000" dirty="0">
+                <a:latin typeface="Courier New" panose="02070309020205020404" pitchFamily="49" charset="0"/>
+                <a:cs typeface="Courier New" panose="02070309020205020404" pitchFamily="49" charset="0"/>
+              </a:rPr>
+              <a:t>               {</a:t>
+            </a:r>
+          </a:p>
+          <a:p>
+            <a:pPr marL="0" indent="0">
+              <a:spcBef>
+                <a:spcPts val="100"/>
+              </a:spcBef>
+              <a:buNone/>
+            </a:pPr>
+            <a:r>
+              <a:rPr lang="pt-BR" sz="1000" dirty="0">
+                <a:latin typeface="Courier New" panose="02070309020205020404" pitchFamily="49" charset="0"/>
+                <a:cs typeface="Courier New" panose="02070309020205020404" pitchFamily="49" charset="0"/>
+              </a:rPr>
+              <a:t>                 </a:t>
+            </a:r>
+            <a:r>
+              <a:rPr lang="pt-BR" sz="1000" dirty="0" err="1">
+                <a:solidFill>
+                  <a:srgbClr val="FF0000"/>
+                </a:solidFill>
+                <a:latin typeface="Courier New" panose="02070309020205020404" pitchFamily="49" charset="0"/>
+                <a:cs typeface="Courier New" panose="02070309020205020404" pitchFamily="49" charset="0"/>
+              </a:rPr>
+              <a:t>this.state.search</a:t>
+            </a:r>
+            <a:r>
+              <a:rPr lang="pt-BR" sz="1000" dirty="0">
+                <a:solidFill>
+                  <a:srgbClr val="FF0000"/>
+                </a:solidFill>
+                <a:latin typeface="Courier New" panose="02070309020205020404" pitchFamily="49" charset="0"/>
+                <a:cs typeface="Courier New" panose="02070309020205020404" pitchFamily="49" charset="0"/>
+              </a:rPr>
+              <a:t> &amp;&amp;</a:t>
+            </a:r>
+          </a:p>
+          <a:p>
+            <a:pPr marL="0" indent="0">
+              <a:spcBef>
+                <a:spcPts val="100"/>
+              </a:spcBef>
+              <a:buNone/>
+            </a:pPr>
+            <a:r>
+              <a:rPr lang="pt-BR" sz="1000" dirty="0">
+                <a:solidFill>
+                  <a:srgbClr val="FF0000"/>
+                </a:solidFill>
+                <a:latin typeface="Courier New" panose="02070309020205020404" pitchFamily="49" charset="0"/>
+                <a:cs typeface="Courier New" panose="02070309020205020404" pitchFamily="49" charset="0"/>
+              </a:rPr>
+              <a:t>                 &lt;</a:t>
+            </a:r>
+            <a:r>
+              <a:rPr lang="pt-BR" sz="1000" dirty="0" err="1">
+                <a:solidFill>
+                  <a:srgbClr val="FF0000"/>
+                </a:solidFill>
+                <a:latin typeface="Courier New" panose="02070309020205020404" pitchFamily="49" charset="0"/>
+                <a:cs typeface="Courier New" panose="02070309020205020404" pitchFamily="49" charset="0"/>
+              </a:rPr>
+              <a:t>form</a:t>
+            </a:r>
+            <a:r>
+              <a:rPr lang="pt-BR" sz="1000" dirty="0">
+                <a:solidFill>
+                  <a:srgbClr val="FF0000"/>
+                </a:solidFill>
+                <a:latin typeface="Courier New" panose="02070309020205020404" pitchFamily="49" charset="0"/>
+                <a:cs typeface="Courier New" panose="02070309020205020404" pitchFamily="49" charset="0"/>
+              </a:rPr>
+              <a:t> </a:t>
+            </a:r>
+            <a:r>
+              <a:rPr lang="pt-BR" sz="1000" dirty="0" err="1">
+                <a:solidFill>
+                  <a:srgbClr val="FF0000"/>
+                </a:solidFill>
+                <a:latin typeface="Courier New" panose="02070309020205020404" pitchFamily="49" charset="0"/>
+                <a:cs typeface="Courier New" panose="02070309020205020404" pitchFamily="49" charset="0"/>
+              </a:rPr>
+              <a:t>onSubmit</a:t>
+            </a:r>
+            <a:r>
+              <a:rPr lang="pt-BR" sz="1000" dirty="0">
+                <a:solidFill>
+                  <a:srgbClr val="FF0000"/>
+                </a:solidFill>
+                <a:latin typeface="Courier New" panose="02070309020205020404" pitchFamily="49" charset="0"/>
+                <a:cs typeface="Courier New" panose="02070309020205020404" pitchFamily="49" charset="0"/>
+              </a:rPr>
+              <a:t>={</a:t>
+            </a:r>
+            <a:r>
+              <a:rPr lang="pt-BR" sz="1000" dirty="0" err="1">
+                <a:solidFill>
+                  <a:srgbClr val="FF0000"/>
+                </a:solidFill>
+                <a:latin typeface="Courier New" panose="02070309020205020404" pitchFamily="49" charset="0"/>
+                <a:cs typeface="Courier New" panose="02070309020205020404" pitchFamily="49" charset="0"/>
+              </a:rPr>
+              <a:t>this.onSearchSubmit</a:t>
+            </a:r>
+            <a:r>
+              <a:rPr lang="pt-BR" sz="1000" dirty="0">
+                <a:solidFill>
+                  <a:srgbClr val="FF0000"/>
+                </a:solidFill>
+                <a:latin typeface="Courier New" panose="02070309020205020404" pitchFamily="49" charset="0"/>
+                <a:cs typeface="Courier New" panose="02070309020205020404" pitchFamily="49" charset="0"/>
+              </a:rPr>
+              <a:t>}&gt;</a:t>
+            </a:r>
+          </a:p>
+          <a:p>
+            <a:pPr marL="0" indent="0">
+              <a:spcBef>
+                <a:spcPts val="100"/>
+              </a:spcBef>
+              <a:buNone/>
+            </a:pPr>
+            <a:r>
+              <a:rPr lang="pt-BR" sz="1000" dirty="0">
+                <a:solidFill>
+                  <a:srgbClr val="FF0000"/>
+                </a:solidFill>
+                <a:latin typeface="Courier New" panose="02070309020205020404" pitchFamily="49" charset="0"/>
+                <a:cs typeface="Courier New" panose="02070309020205020404" pitchFamily="49" charset="0"/>
+              </a:rPr>
+              <a:t>                       &lt;input </a:t>
+            </a:r>
+            <a:r>
+              <a:rPr lang="pt-BR" sz="1000" dirty="0" err="1">
+                <a:solidFill>
+                  <a:srgbClr val="FF0000"/>
+                </a:solidFill>
+                <a:latin typeface="Courier New" panose="02070309020205020404" pitchFamily="49" charset="0"/>
+                <a:cs typeface="Courier New" panose="02070309020205020404" pitchFamily="49" charset="0"/>
+              </a:rPr>
+              <a:t>type</a:t>
+            </a:r>
+            <a:r>
+              <a:rPr lang="pt-BR" sz="1000" dirty="0">
+                <a:solidFill>
+                  <a:srgbClr val="FF0000"/>
+                </a:solidFill>
+                <a:latin typeface="Courier New" panose="02070309020205020404" pitchFamily="49" charset="0"/>
+                <a:cs typeface="Courier New" panose="02070309020205020404" pitchFamily="49" charset="0"/>
+              </a:rPr>
+              <a:t>="</a:t>
+            </a:r>
+            <a:r>
+              <a:rPr lang="pt-BR" sz="1000" dirty="0" err="1">
+                <a:solidFill>
+                  <a:srgbClr val="FF0000"/>
+                </a:solidFill>
+                <a:latin typeface="Courier New" panose="02070309020205020404" pitchFamily="49" charset="0"/>
+                <a:cs typeface="Courier New" panose="02070309020205020404" pitchFamily="49" charset="0"/>
+              </a:rPr>
+              <a:t>text</a:t>
+            </a:r>
+            <a:r>
+              <a:rPr lang="pt-BR" sz="1000" dirty="0">
+                <a:solidFill>
+                  <a:srgbClr val="FF0000"/>
+                </a:solidFill>
+                <a:latin typeface="Courier New" panose="02070309020205020404" pitchFamily="49" charset="0"/>
+                <a:cs typeface="Courier New" panose="02070309020205020404" pitchFamily="49" charset="0"/>
+              </a:rPr>
+              <a:t>" </a:t>
+            </a:r>
+            <a:r>
+              <a:rPr lang="pt-BR" sz="1000" dirty="0" err="1">
+                <a:solidFill>
+                  <a:srgbClr val="FF0000"/>
+                </a:solidFill>
+                <a:latin typeface="Courier New" panose="02070309020205020404" pitchFamily="49" charset="0"/>
+                <a:cs typeface="Courier New" panose="02070309020205020404" pitchFamily="49" charset="0"/>
+              </a:rPr>
+              <a:t>placeholder</a:t>
+            </a:r>
+            <a:r>
+              <a:rPr lang="pt-BR" sz="1000" dirty="0">
+                <a:solidFill>
+                  <a:srgbClr val="FF0000"/>
+                </a:solidFill>
+                <a:latin typeface="Courier New" panose="02070309020205020404" pitchFamily="49" charset="0"/>
+                <a:cs typeface="Courier New" panose="02070309020205020404" pitchFamily="49" charset="0"/>
+              </a:rPr>
+              <a:t>='</a:t>
+            </a:r>
+            <a:r>
+              <a:rPr lang="pt-BR" sz="1000" dirty="0" err="1">
+                <a:solidFill>
+                  <a:srgbClr val="FF0000"/>
+                </a:solidFill>
+                <a:latin typeface="Courier New" panose="02070309020205020404" pitchFamily="49" charset="0"/>
+                <a:cs typeface="Courier New" panose="02070309020205020404" pitchFamily="49" charset="0"/>
+              </a:rPr>
+              <a:t>search</a:t>
+            </a:r>
+            <a:r>
+              <a:rPr lang="pt-BR" sz="1000" dirty="0">
+                <a:solidFill>
+                  <a:srgbClr val="FF0000"/>
+                </a:solidFill>
+                <a:latin typeface="Courier New" panose="02070309020205020404" pitchFamily="49" charset="0"/>
+                <a:cs typeface="Courier New" panose="02070309020205020404" pitchFamily="49" charset="0"/>
+              </a:rPr>
+              <a:t> </a:t>
+            </a:r>
+            <a:r>
+              <a:rPr lang="pt-BR" sz="1000" dirty="0" err="1">
+                <a:solidFill>
+                  <a:srgbClr val="FF0000"/>
+                </a:solidFill>
+                <a:latin typeface="Courier New" panose="02070309020205020404" pitchFamily="49" charset="0"/>
+                <a:cs typeface="Courier New" panose="02070309020205020404" pitchFamily="49" charset="0"/>
+              </a:rPr>
+              <a:t>string</a:t>
+            </a:r>
+            <a:r>
+              <a:rPr lang="pt-BR" sz="1000" dirty="0">
+                <a:solidFill>
+                  <a:srgbClr val="FF0000"/>
+                </a:solidFill>
+                <a:latin typeface="Courier New" panose="02070309020205020404" pitchFamily="49" charset="0"/>
+                <a:cs typeface="Courier New" panose="02070309020205020404" pitchFamily="49" charset="0"/>
+              </a:rPr>
+              <a:t>' /&gt;</a:t>
+            </a:r>
+          </a:p>
+          <a:p>
+            <a:pPr marL="0" indent="0">
+              <a:spcBef>
+                <a:spcPts val="100"/>
+              </a:spcBef>
+              <a:buNone/>
+            </a:pPr>
+            <a:r>
+              <a:rPr lang="pt-BR" sz="1000" dirty="0">
+                <a:solidFill>
+                  <a:srgbClr val="FF0000"/>
+                </a:solidFill>
+                <a:latin typeface="Courier New" panose="02070309020205020404" pitchFamily="49" charset="0"/>
+                <a:cs typeface="Courier New" panose="02070309020205020404" pitchFamily="49" charset="0"/>
+              </a:rPr>
+              <a:t>                 &lt;/</a:t>
+            </a:r>
+            <a:r>
+              <a:rPr lang="pt-BR" sz="1000" dirty="0" err="1">
+                <a:solidFill>
+                  <a:srgbClr val="FF0000"/>
+                </a:solidFill>
+                <a:latin typeface="Courier New" panose="02070309020205020404" pitchFamily="49" charset="0"/>
+                <a:cs typeface="Courier New" panose="02070309020205020404" pitchFamily="49" charset="0"/>
+              </a:rPr>
+              <a:t>form</a:t>
+            </a:r>
+            <a:r>
+              <a:rPr lang="pt-BR" sz="1000" dirty="0">
+                <a:solidFill>
+                  <a:srgbClr val="FF0000"/>
+                </a:solidFill>
+                <a:latin typeface="Courier New" panose="02070309020205020404" pitchFamily="49" charset="0"/>
+                <a:cs typeface="Courier New" panose="02070309020205020404" pitchFamily="49" charset="0"/>
+              </a:rPr>
+              <a:t>&gt;</a:t>
+            </a:r>
+          </a:p>
+          <a:p>
+            <a:pPr marL="0" indent="0">
+              <a:spcBef>
+                <a:spcPts val="100"/>
+              </a:spcBef>
+              <a:buNone/>
+            </a:pPr>
+            <a:r>
+              <a:rPr lang="pt-BR" sz="1000" dirty="0">
+                <a:latin typeface="Courier New" panose="02070309020205020404" pitchFamily="49" charset="0"/>
+                <a:cs typeface="Courier New" panose="02070309020205020404" pitchFamily="49" charset="0"/>
+              </a:rPr>
+              <a:t>               }</a:t>
+            </a:r>
+          </a:p>
+          <a:p>
+            <a:pPr marL="0" indent="0">
+              <a:spcBef>
+                <a:spcPts val="0"/>
+              </a:spcBef>
+              <a:buNone/>
+            </a:pPr>
+            <a:r>
+              <a:rPr lang="pt-BR" sz="1000" dirty="0">
+                <a:latin typeface="Courier New" panose="02070309020205020404" pitchFamily="49" charset="0"/>
+                <a:cs typeface="Courier New" panose="02070309020205020404" pitchFamily="49" charset="0"/>
+              </a:rPr>
+              <a:t>               </a:t>
+            </a:r>
+            <a:endParaRPr lang="pt-BR" sz="1000" b="1" dirty="0">
+              <a:latin typeface="Courier New" panose="02070309020205020404" pitchFamily="49" charset="0"/>
+              <a:cs typeface="Courier New" panose="02070309020205020404" pitchFamily="49" charset="0"/>
+            </a:endParaRPr>
+          </a:p>
+          <a:p>
+            <a:pPr marL="0" indent="0">
+              <a:spcBef>
+                <a:spcPts val="0"/>
+              </a:spcBef>
+              <a:buNone/>
+            </a:pPr>
+            <a:r>
+              <a:rPr lang="pt-BR" sz="1000" dirty="0">
+                <a:solidFill>
+                  <a:srgbClr val="CCCCCC"/>
+                </a:solidFill>
+                <a:latin typeface="Courier New" panose="02070309020205020404" pitchFamily="49" charset="0"/>
+                <a:cs typeface="Courier New" panose="02070309020205020404" pitchFamily="49" charset="0"/>
+              </a:rPr>
+              <a:t>   </a:t>
+            </a:r>
+            <a:endParaRPr lang="pt-BR" sz="1000" dirty="0">
+              <a:latin typeface="Courier New" panose="02070309020205020404" pitchFamily="49" charset="0"/>
+              <a:cs typeface="Courier New" panose="02070309020205020404" pitchFamily="49" charset="0"/>
+            </a:endParaRPr>
+          </a:p>
+        </p:txBody>
+      </p:sp>
+    </p:spTree>
+    <p:extLst>
+      <p:ext uri="{BB962C8B-B14F-4D97-AF65-F5344CB8AC3E}">
+        <p14:creationId xmlns:p14="http://schemas.microsoft.com/office/powerpoint/2010/main" val="3878439089"/>
+      </p:ext>
+    </p:extLst>
+  </p:cSld>
+  <p:clrMapOvr>
+    <a:masterClrMapping/>
+  </p:clrMapOvr>
+</p:sld>
+</file>
+
+<file path=ppt/slides/slide34.xml><?xml version="1.0" encoding="utf-8"?>
+<p:sld xmlns:a="http://schemas.openxmlformats.org/drawingml/2006/main" xmlns:r="http://schemas.openxmlformats.org/officeDocument/2006/relationships" xmlns:p="http://schemas.openxmlformats.org/presentationml/2006/main">
+  <p:cSld>
+    <p:spTree>
+      <p:nvGrpSpPr>
+        <p:cNvPr id="1" name=""/>
+        <p:cNvGrpSpPr/>
+        <p:nvPr/>
+      </p:nvGrpSpPr>
+      <p:grpSpPr>
+        <a:xfrm>
+          <a:off x="0" y="0"/>
+          <a:ext cx="0" cy="0"/>
+          <a:chOff x="0" y="0"/>
+          <a:chExt cx="0" cy="0"/>
+        </a:xfrm>
+      </p:grpSpPr>
+      <p:sp>
+        <p:nvSpPr>
+          <p:cNvPr id="2" name="Título 1">
+            <a:extLst>
+              <a:ext uri="{FF2B5EF4-FFF2-40B4-BE49-F238E27FC236}">
+                <a16:creationId xmlns:a16="http://schemas.microsoft.com/office/drawing/2014/main" id="{AE3EA2E6-2E1F-4910-80F5-FEA8176D6347}"/>
+              </a:ext>
+            </a:extLst>
+          </p:cNvPr>
+          <p:cNvSpPr>
+            <a:spLocks noGrp="1"/>
+          </p:cNvSpPr>
+          <p:nvPr>
+            <p:ph type="title"/>
+          </p:nvPr>
+        </p:nvSpPr>
+        <p:spPr/>
+        <p:txBody>
+          <a:bodyPr/>
+          <a:lstStyle/>
+          <a:p>
+            <a:pPr algn="r"/>
+            <a:r>
+              <a:rPr lang="pt-BR" dirty="0">
+                <a:solidFill>
+                  <a:prstClr val="black"/>
+                </a:solidFill>
+              </a:rPr>
+              <a:t>Criação da Tabela</a:t>
+            </a:r>
+            <a:br>
+              <a:rPr lang="pt-BR" dirty="0">
+                <a:solidFill>
+                  <a:prstClr val="black"/>
+                </a:solidFill>
+              </a:rPr>
+            </a:br>
+            <a:r>
+              <a:rPr lang="pt-BR" sz="2400" dirty="0">
+                <a:solidFill>
+                  <a:prstClr val="black"/>
+                </a:solidFill>
+              </a:rPr>
+              <a:t>(Ícones Material UI)</a:t>
+            </a:r>
+            <a:endParaRPr lang="pt-BR" dirty="0"/>
+          </a:p>
+        </p:txBody>
+      </p:sp>
+      <p:sp>
+        <p:nvSpPr>
+          <p:cNvPr id="3" name="Espaço Reservado para Conteúdo 2">
+            <a:extLst>
+              <a:ext uri="{FF2B5EF4-FFF2-40B4-BE49-F238E27FC236}">
+                <a16:creationId xmlns:a16="http://schemas.microsoft.com/office/drawing/2014/main" id="{76A075FF-5552-4825-A833-DC93985E762E}"/>
+              </a:ext>
+            </a:extLst>
+          </p:cNvPr>
+          <p:cNvSpPr>
+            <a:spLocks noGrp="1"/>
+          </p:cNvSpPr>
+          <p:nvPr>
+            <p:ph idx="1"/>
+          </p:nvPr>
+        </p:nvSpPr>
+        <p:spPr/>
+        <p:txBody>
+          <a:bodyPr>
+            <a:normAutofit/>
+          </a:bodyPr>
+          <a:lstStyle/>
+          <a:p>
+            <a:pPr marL="0" indent="0">
+              <a:spcBef>
+                <a:spcPts val="0"/>
+              </a:spcBef>
+              <a:buNone/>
+            </a:pPr>
+            <a:r>
+              <a:rPr lang="en-US" sz="1000" dirty="0">
+                <a:latin typeface="Courier New" panose="02070309020205020404" pitchFamily="49" charset="0"/>
+                <a:cs typeface="Courier New" panose="02070309020205020404" pitchFamily="49" charset="0"/>
+              </a:rPr>
+              <a:t>import </a:t>
+            </a:r>
+            <a:r>
+              <a:rPr lang="en-US" sz="1000" dirty="0" err="1">
+                <a:latin typeface="Courier New" panose="02070309020205020404" pitchFamily="49" charset="0"/>
+                <a:cs typeface="Courier New" panose="02070309020205020404" pitchFamily="49" charset="0"/>
+              </a:rPr>
+              <a:t>SearchIcon</a:t>
+            </a:r>
+            <a:r>
+              <a:rPr lang="en-US" sz="1000" dirty="0">
+                <a:latin typeface="Courier New" panose="02070309020205020404" pitchFamily="49" charset="0"/>
+                <a:cs typeface="Courier New" panose="02070309020205020404" pitchFamily="49" charset="0"/>
+              </a:rPr>
+              <a:t> from '@</a:t>
+            </a:r>
+            <a:r>
+              <a:rPr lang="en-US" sz="1000" dirty="0" err="1">
+                <a:latin typeface="Courier New" panose="02070309020205020404" pitchFamily="49" charset="0"/>
+                <a:cs typeface="Courier New" panose="02070309020205020404" pitchFamily="49" charset="0"/>
+              </a:rPr>
+              <a:t>mui</a:t>
+            </a:r>
+            <a:r>
+              <a:rPr lang="en-US" sz="1000" dirty="0">
+                <a:latin typeface="Courier New" panose="02070309020205020404" pitchFamily="49" charset="0"/>
+                <a:cs typeface="Courier New" panose="02070309020205020404" pitchFamily="49" charset="0"/>
+              </a:rPr>
+              <a:t>/icons-material/Search';</a:t>
+            </a:r>
+          </a:p>
+          <a:p>
+            <a:pPr marL="0" indent="0">
+              <a:spcBef>
+                <a:spcPts val="0"/>
+              </a:spcBef>
+              <a:buNone/>
+            </a:pPr>
+            <a:r>
+              <a:rPr lang="en-US" sz="1000" dirty="0">
+                <a:latin typeface="Courier New" panose="02070309020205020404" pitchFamily="49" charset="0"/>
+                <a:cs typeface="Courier New" panose="02070309020205020404" pitchFamily="49" charset="0"/>
+              </a:rPr>
+              <a:t>import </a:t>
+            </a:r>
+            <a:r>
+              <a:rPr lang="en-US" sz="1000" dirty="0" err="1">
+                <a:latin typeface="Courier New" panose="02070309020205020404" pitchFamily="49" charset="0"/>
+                <a:cs typeface="Courier New" panose="02070309020205020404" pitchFamily="49" charset="0"/>
+              </a:rPr>
+              <a:t>SearchOffIcon</a:t>
+            </a:r>
+            <a:r>
+              <a:rPr lang="en-US" sz="1000" dirty="0">
+                <a:latin typeface="Courier New" panose="02070309020205020404" pitchFamily="49" charset="0"/>
+                <a:cs typeface="Courier New" panose="02070309020205020404" pitchFamily="49" charset="0"/>
+              </a:rPr>
+              <a:t> from '@</a:t>
+            </a:r>
+            <a:r>
+              <a:rPr lang="en-US" sz="1000" dirty="0" err="1">
+                <a:latin typeface="Courier New" panose="02070309020205020404" pitchFamily="49" charset="0"/>
+                <a:cs typeface="Courier New" panose="02070309020205020404" pitchFamily="49" charset="0"/>
+              </a:rPr>
+              <a:t>mui</a:t>
+            </a:r>
+            <a:r>
+              <a:rPr lang="en-US" sz="1000" dirty="0">
+                <a:latin typeface="Courier New" panose="02070309020205020404" pitchFamily="49" charset="0"/>
+                <a:cs typeface="Courier New" panose="02070309020205020404" pitchFamily="49" charset="0"/>
+              </a:rPr>
+              <a:t>/icons-material/</a:t>
+            </a:r>
+            <a:r>
+              <a:rPr lang="en-US" sz="1000" dirty="0" err="1">
+                <a:latin typeface="Courier New" panose="02070309020205020404" pitchFamily="49" charset="0"/>
+                <a:cs typeface="Courier New" panose="02070309020205020404" pitchFamily="49" charset="0"/>
+              </a:rPr>
+              <a:t>SearchOff</a:t>
+            </a:r>
+            <a:r>
+              <a:rPr lang="en-US" sz="1000" dirty="0">
+                <a:latin typeface="Courier New" panose="02070309020205020404" pitchFamily="49" charset="0"/>
+                <a:cs typeface="Courier New" panose="02070309020205020404" pitchFamily="49" charset="0"/>
+              </a:rPr>
+              <a:t>';</a:t>
+            </a:r>
+          </a:p>
+          <a:p>
+            <a:pPr marL="0" indent="0">
+              <a:spcBef>
+                <a:spcPts val="0"/>
+              </a:spcBef>
+              <a:buNone/>
+            </a:pPr>
+            <a:r>
+              <a:rPr lang="en-US" sz="1000" dirty="0">
+                <a:latin typeface="Courier New" panose="02070309020205020404" pitchFamily="49" charset="0"/>
+                <a:cs typeface="Courier New" panose="02070309020205020404" pitchFamily="49" charset="0"/>
+              </a:rPr>
+              <a:t>import </a:t>
+            </a:r>
+            <a:r>
+              <a:rPr lang="en-US" sz="1000" dirty="0" err="1">
+                <a:latin typeface="Courier New" panose="02070309020205020404" pitchFamily="49" charset="0"/>
+                <a:cs typeface="Courier New" panose="02070309020205020404" pitchFamily="49" charset="0"/>
+              </a:rPr>
+              <a:t>ClearIcon</a:t>
+            </a:r>
+            <a:r>
+              <a:rPr lang="en-US" sz="1000" dirty="0">
+                <a:latin typeface="Courier New" panose="02070309020205020404" pitchFamily="49" charset="0"/>
+                <a:cs typeface="Courier New" panose="02070309020205020404" pitchFamily="49" charset="0"/>
+              </a:rPr>
+              <a:t> from '@</a:t>
+            </a:r>
+            <a:r>
+              <a:rPr lang="en-US" sz="1000" dirty="0" err="1">
+                <a:latin typeface="Courier New" panose="02070309020205020404" pitchFamily="49" charset="0"/>
+                <a:cs typeface="Courier New" panose="02070309020205020404" pitchFamily="49" charset="0"/>
+              </a:rPr>
+              <a:t>mui</a:t>
+            </a:r>
+            <a:r>
+              <a:rPr lang="en-US" sz="1000" dirty="0">
+                <a:latin typeface="Courier New" panose="02070309020205020404" pitchFamily="49" charset="0"/>
+                <a:cs typeface="Courier New" panose="02070309020205020404" pitchFamily="49" charset="0"/>
+              </a:rPr>
+              <a:t>/icons-material/Clear';</a:t>
+            </a:r>
+          </a:p>
+          <a:p>
+            <a:pPr marL="0" indent="0">
+              <a:spcBef>
+                <a:spcPts val="0"/>
+              </a:spcBef>
+              <a:buNone/>
+            </a:pPr>
+            <a:r>
+              <a:rPr lang="en-US" sz="1000" dirty="0">
+                <a:latin typeface="Courier New" panose="02070309020205020404" pitchFamily="49" charset="0"/>
+                <a:cs typeface="Courier New" panose="02070309020205020404" pitchFamily="49" charset="0"/>
+              </a:rPr>
+              <a:t>import </a:t>
+            </a:r>
+            <a:r>
+              <a:rPr lang="en-US" sz="1000" dirty="0" err="1">
+                <a:latin typeface="Courier New" panose="02070309020205020404" pitchFamily="49" charset="0"/>
+                <a:cs typeface="Courier New" panose="02070309020205020404" pitchFamily="49" charset="0"/>
+              </a:rPr>
+              <a:t>DownloadIcon</a:t>
+            </a:r>
+            <a:r>
+              <a:rPr lang="en-US" sz="1000" dirty="0">
+                <a:latin typeface="Courier New" panose="02070309020205020404" pitchFamily="49" charset="0"/>
+                <a:cs typeface="Courier New" panose="02070309020205020404" pitchFamily="49" charset="0"/>
+              </a:rPr>
+              <a:t> from '@</a:t>
+            </a:r>
+            <a:r>
+              <a:rPr lang="en-US" sz="1000" dirty="0" err="1">
+                <a:latin typeface="Courier New" panose="02070309020205020404" pitchFamily="49" charset="0"/>
+                <a:cs typeface="Courier New" panose="02070309020205020404" pitchFamily="49" charset="0"/>
+              </a:rPr>
+              <a:t>mui</a:t>
+            </a:r>
+            <a:r>
+              <a:rPr lang="en-US" sz="1000" dirty="0">
+                <a:latin typeface="Courier New" panose="02070309020205020404" pitchFamily="49" charset="0"/>
+                <a:cs typeface="Courier New" panose="02070309020205020404" pitchFamily="49" charset="0"/>
+              </a:rPr>
+              <a:t>/icons-material/Download’;</a:t>
+            </a:r>
+          </a:p>
+          <a:p>
+            <a:pPr marL="0" indent="0">
+              <a:spcBef>
+                <a:spcPts val="0"/>
+              </a:spcBef>
+              <a:buNone/>
+            </a:pPr>
+            <a:endParaRPr lang="en-US" sz="1000" dirty="0">
+              <a:latin typeface="Courier New" panose="02070309020205020404" pitchFamily="49" charset="0"/>
+              <a:cs typeface="Courier New" panose="02070309020205020404" pitchFamily="49" charset="0"/>
+            </a:endParaRPr>
+          </a:p>
+          <a:p>
+            <a:pPr marL="0" indent="0">
+              <a:spcBef>
+                <a:spcPts val="300"/>
+              </a:spcBef>
+              <a:buNone/>
+            </a:pPr>
+            <a:r>
+              <a:rPr lang="pt-BR" sz="1000" dirty="0">
+                <a:latin typeface="Courier New" panose="02070309020205020404" pitchFamily="49" charset="0"/>
+                <a:cs typeface="Courier New" panose="02070309020205020404" pitchFamily="49" charset="0"/>
+              </a:rPr>
+              <a:t>    &lt;</a:t>
+            </a:r>
+            <a:r>
+              <a:rPr lang="pt-BR" sz="1000" dirty="0" err="1">
+                <a:latin typeface="Courier New" panose="02070309020205020404" pitchFamily="49" charset="0"/>
+                <a:cs typeface="Courier New" panose="02070309020205020404" pitchFamily="49" charset="0"/>
+              </a:rPr>
+              <a:t>DownloadIcon</a:t>
+            </a:r>
+            <a:r>
+              <a:rPr lang="pt-BR" sz="1000" dirty="0">
+                <a:latin typeface="Courier New" panose="02070309020205020404" pitchFamily="49" charset="0"/>
+                <a:cs typeface="Courier New" panose="02070309020205020404" pitchFamily="49" charset="0"/>
+              </a:rPr>
+              <a:t> .../&gt;</a:t>
+            </a:r>
+            <a:br>
+              <a:rPr lang="pt-BR" sz="1000" dirty="0">
+                <a:latin typeface="Courier New" panose="02070309020205020404" pitchFamily="49" charset="0"/>
+                <a:cs typeface="Courier New" panose="02070309020205020404" pitchFamily="49" charset="0"/>
+              </a:rPr>
+            </a:br>
+            <a:r>
+              <a:rPr lang="pt-BR" sz="1000" dirty="0">
+                <a:latin typeface="Courier New" panose="02070309020205020404" pitchFamily="49" charset="0"/>
+                <a:cs typeface="Courier New" panose="02070309020205020404" pitchFamily="49" charset="0"/>
+              </a:rPr>
+              <a:t>    &lt;</a:t>
+            </a:r>
+            <a:r>
+              <a:rPr lang="pt-BR" sz="1000" dirty="0" err="1">
+                <a:latin typeface="Courier New" panose="02070309020205020404" pitchFamily="49" charset="0"/>
+                <a:cs typeface="Courier New" panose="02070309020205020404" pitchFamily="49" charset="0"/>
+              </a:rPr>
+              <a:t>ClearIcon</a:t>
+            </a:r>
+            <a:r>
+              <a:rPr lang="pt-BR" sz="1000" dirty="0">
+                <a:latin typeface="Courier New" panose="02070309020205020404" pitchFamily="49" charset="0"/>
+                <a:cs typeface="Courier New" panose="02070309020205020404" pitchFamily="49" charset="0"/>
+              </a:rPr>
+              <a:t> ...  /&gt;</a:t>
+            </a:r>
+          </a:p>
+          <a:p>
+            <a:pPr marL="0" indent="0">
+              <a:spcBef>
+                <a:spcPts val="300"/>
+              </a:spcBef>
+              <a:buNone/>
+            </a:pPr>
+            <a:r>
+              <a:rPr lang="pt-BR" sz="1000" dirty="0">
+                <a:latin typeface="Courier New" panose="02070309020205020404" pitchFamily="49" charset="0"/>
+                <a:cs typeface="Courier New" panose="02070309020205020404" pitchFamily="49" charset="0"/>
+              </a:rPr>
+              <a:t>    &lt;</a:t>
+            </a:r>
+            <a:r>
+              <a:rPr lang="pt-BR" sz="1000" dirty="0" err="1">
+                <a:latin typeface="Courier New" panose="02070309020205020404" pitchFamily="49" charset="0"/>
+                <a:cs typeface="Courier New" panose="02070309020205020404" pitchFamily="49" charset="0"/>
+              </a:rPr>
+              <a:t>SearchIcon</a:t>
+            </a:r>
+            <a:r>
+              <a:rPr lang="pt-BR" sz="1000" dirty="0">
+                <a:latin typeface="Courier New" panose="02070309020205020404" pitchFamily="49" charset="0"/>
+                <a:cs typeface="Courier New" panose="02070309020205020404" pitchFamily="49" charset="0"/>
+              </a:rPr>
+              <a:t>  ... /&gt;</a:t>
+            </a:r>
+          </a:p>
+          <a:p>
+            <a:pPr marL="0" indent="0">
+              <a:spcBef>
+                <a:spcPts val="300"/>
+              </a:spcBef>
+              <a:buNone/>
+            </a:pPr>
+            <a:r>
+              <a:rPr lang="pt-BR" sz="1000" dirty="0">
+                <a:latin typeface="Courier New" panose="02070309020205020404" pitchFamily="49" charset="0"/>
+                <a:cs typeface="Courier New" panose="02070309020205020404" pitchFamily="49" charset="0"/>
+              </a:rPr>
+              <a:t>    &lt;</a:t>
+            </a:r>
+            <a:r>
+              <a:rPr lang="pt-BR" sz="1000" dirty="0" err="1">
+                <a:latin typeface="Courier New" panose="02070309020205020404" pitchFamily="49" charset="0"/>
+                <a:cs typeface="Courier New" panose="02070309020205020404" pitchFamily="49" charset="0"/>
+              </a:rPr>
+              <a:t>SearchOffIcon</a:t>
+            </a:r>
+            <a:r>
+              <a:rPr lang="pt-BR" sz="1000" dirty="0">
+                <a:latin typeface="Courier New" panose="02070309020205020404" pitchFamily="49" charset="0"/>
+                <a:cs typeface="Courier New" panose="02070309020205020404" pitchFamily="49" charset="0"/>
+              </a:rPr>
+              <a:t> ... /&gt;</a:t>
+            </a:r>
+          </a:p>
+          <a:p>
+            <a:pPr marL="0" indent="0">
+              <a:spcBef>
+                <a:spcPts val="0"/>
+              </a:spcBef>
+              <a:buNone/>
+            </a:pPr>
+            <a:endParaRPr lang="en-US" sz="1000" dirty="0">
+              <a:latin typeface="Courier New" panose="02070309020205020404" pitchFamily="49" charset="0"/>
+              <a:cs typeface="Courier New" panose="02070309020205020404" pitchFamily="49" charset="0"/>
+            </a:endParaRPr>
+          </a:p>
+          <a:p>
+            <a:pPr marL="0" lvl="0" indent="0">
+              <a:lnSpc>
+                <a:spcPct val="100000"/>
+              </a:lnSpc>
+              <a:spcBef>
+                <a:spcPts val="0"/>
+              </a:spcBef>
+              <a:buNone/>
+            </a:pPr>
+            <a:r>
+              <a:rPr lang="pt-BR" sz="1000" b="1" dirty="0">
+                <a:latin typeface="Courier New" panose="02070309020205020404" pitchFamily="49" charset="0"/>
+                <a:cs typeface="Courier New" panose="02070309020205020404" pitchFamily="49" charset="0"/>
+              </a:rPr>
+              <a:t> </a:t>
+            </a:r>
+          </a:p>
+          <a:p>
+            <a:pPr marL="0" indent="0">
+              <a:spcBef>
+                <a:spcPts val="0"/>
+              </a:spcBef>
+              <a:buNone/>
+            </a:pPr>
+            <a:r>
+              <a:rPr lang="pt-BR" sz="1000" dirty="0">
+                <a:latin typeface="Courier New" panose="02070309020205020404" pitchFamily="49" charset="0"/>
+                <a:cs typeface="Courier New" panose="02070309020205020404" pitchFamily="49" charset="0"/>
+              </a:rPr>
+              <a:t>               </a:t>
+            </a:r>
+            <a:endParaRPr lang="pt-BR" sz="1000" b="1" dirty="0">
+              <a:latin typeface="Courier New" panose="02070309020205020404" pitchFamily="49" charset="0"/>
+              <a:cs typeface="Courier New" panose="02070309020205020404" pitchFamily="49" charset="0"/>
+            </a:endParaRPr>
+          </a:p>
+          <a:p>
+            <a:pPr marL="0" indent="0">
+              <a:spcBef>
+                <a:spcPts val="0"/>
+              </a:spcBef>
+              <a:buNone/>
+            </a:pPr>
+            <a:r>
+              <a:rPr lang="pt-BR" sz="1000" dirty="0">
+                <a:solidFill>
+                  <a:srgbClr val="CCCCCC"/>
+                </a:solidFill>
+                <a:latin typeface="Courier New" panose="02070309020205020404" pitchFamily="49" charset="0"/>
+                <a:cs typeface="Courier New" panose="02070309020205020404" pitchFamily="49" charset="0"/>
+              </a:rPr>
+              <a:t>   </a:t>
+            </a:r>
+            <a:endParaRPr lang="pt-BR" sz="1000" dirty="0">
+              <a:latin typeface="Courier New" panose="02070309020205020404" pitchFamily="49" charset="0"/>
+              <a:cs typeface="Courier New" panose="02070309020205020404" pitchFamily="49" charset="0"/>
+            </a:endParaRPr>
+          </a:p>
+        </p:txBody>
+      </p:sp>
+    </p:spTree>
+    <p:extLst>
+      <p:ext uri="{BB962C8B-B14F-4D97-AF65-F5344CB8AC3E}">
+        <p14:creationId xmlns:p14="http://schemas.microsoft.com/office/powerpoint/2010/main" val="2543563469"/>
+      </p:ext>
+    </p:extLst>
+  </p:cSld>
+  <p:clrMapOvr>
+    <a:masterClrMapping/>
+  </p:clrMapOvr>
+</p:sld>
+</file>
+
+<file path=ppt/slides/slide35.xml><?xml version="1.0" encoding="utf-8"?>
+<p:sld xmlns:a="http://schemas.openxmlformats.org/drawingml/2006/main" xmlns:r="http://schemas.openxmlformats.org/officeDocument/2006/relationships" xmlns:p="http://schemas.openxmlformats.org/presentationml/2006/main">
+  <p:cSld>
+    <p:spTree>
+      <p:nvGrpSpPr>
+        <p:cNvPr id="1" name=""/>
+        <p:cNvGrpSpPr/>
+        <p:nvPr/>
+      </p:nvGrpSpPr>
+      <p:grpSpPr>
+        <a:xfrm>
+          <a:off x="0" y="0"/>
+          <a:ext cx="0" cy="0"/>
+          <a:chOff x="0" y="0"/>
+          <a:chExt cx="0" cy="0"/>
+        </a:xfrm>
+      </p:grpSpPr>
+      <p:sp>
+        <p:nvSpPr>
+          <p:cNvPr id="2" name="Título 1">
+            <a:extLst>
+              <a:ext uri="{FF2B5EF4-FFF2-40B4-BE49-F238E27FC236}">
+                <a16:creationId xmlns:a16="http://schemas.microsoft.com/office/drawing/2014/main" id="{AE3EA2E6-2E1F-4910-80F5-FEA8176D6347}"/>
+              </a:ext>
+            </a:extLst>
+          </p:cNvPr>
+          <p:cNvSpPr>
+            <a:spLocks noGrp="1"/>
+          </p:cNvSpPr>
+          <p:nvPr>
+            <p:ph type="title"/>
+          </p:nvPr>
+        </p:nvSpPr>
+        <p:spPr/>
+        <p:txBody>
+          <a:bodyPr/>
+          <a:lstStyle/>
+          <a:p>
+            <a:pPr algn="r"/>
+            <a:r>
+              <a:rPr lang="pt-BR" dirty="0">
+                <a:solidFill>
+                  <a:prstClr val="black"/>
+                </a:solidFill>
+              </a:rPr>
+              <a:t>Criação da Tabela</a:t>
+            </a:r>
+            <a:br>
+              <a:rPr lang="pt-BR" dirty="0">
+                <a:solidFill>
+                  <a:prstClr val="black"/>
+                </a:solidFill>
+              </a:rPr>
+            </a:br>
+            <a:r>
+              <a:rPr lang="pt-BR" sz="2400" dirty="0">
+                <a:solidFill>
+                  <a:prstClr val="black"/>
+                </a:solidFill>
+              </a:rPr>
+              <a:t>(Rodapé)</a:t>
+            </a:r>
+            <a:endParaRPr lang="pt-BR" dirty="0"/>
+          </a:p>
+        </p:txBody>
+      </p:sp>
+      <p:sp>
+        <p:nvSpPr>
+          <p:cNvPr id="3" name="Espaço Reservado para Conteúdo 2">
+            <a:extLst>
+              <a:ext uri="{FF2B5EF4-FFF2-40B4-BE49-F238E27FC236}">
+                <a16:creationId xmlns:a16="http://schemas.microsoft.com/office/drawing/2014/main" id="{76A075FF-5552-4825-A833-DC93985E762E}"/>
+              </a:ext>
+            </a:extLst>
+          </p:cNvPr>
+          <p:cNvSpPr>
+            <a:spLocks noGrp="1"/>
+          </p:cNvSpPr>
+          <p:nvPr>
+            <p:ph idx="1"/>
+          </p:nvPr>
+        </p:nvSpPr>
+        <p:spPr/>
+        <p:txBody>
+          <a:bodyPr>
+            <a:normAutofit/>
+          </a:bodyPr>
+          <a:lstStyle/>
+          <a:p>
+            <a:pPr marL="0" indent="0">
+              <a:spcBef>
+                <a:spcPts val="0"/>
+              </a:spcBef>
+              <a:buNone/>
+            </a:pPr>
+            <a:endParaRPr lang="en-US" sz="1000" dirty="0">
+              <a:latin typeface="Courier New" panose="02070309020205020404" pitchFamily="49" charset="0"/>
+              <a:cs typeface="Courier New" panose="02070309020205020404" pitchFamily="49" charset="0"/>
+            </a:endParaRPr>
+          </a:p>
+          <a:p>
+            <a:pPr marL="0" lvl="0" indent="0">
+              <a:lnSpc>
+                <a:spcPct val="100000"/>
+              </a:lnSpc>
+              <a:spcBef>
+                <a:spcPts val="0"/>
+              </a:spcBef>
+              <a:buNone/>
+            </a:pPr>
+            <a:r>
+              <a:rPr lang="pt-BR" sz="1000" b="1" dirty="0">
+                <a:latin typeface="Courier New" panose="02070309020205020404" pitchFamily="49" charset="0"/>
+                <a:cs typeface="Courier New" panose="02070309020205020404" pitchFamily="49" charset="0"/>
+              </a:rPr>
+              <a:t> </a:t>
+            </a:r>
+          </a:p>
+          <a:p>
+            <a:pPr marL="0" indent="0">
+              <a:spcBef>
+                <a:spcPts val="0"/>
+              </a:spcBef>
+              <a:buNone/>
+            </a:pPr>
+            <a:r>
+              <a:rPr lang="pt-BR" sz="1000" dirty="0">
+                <a:latin typeface="Courier New" panose="02070309020205020404" pitchFamily="49" charset="0"/>
+                <a:cs typeface="Courier New" panose="02070309020205020404" pitchFamily="49" charset="0"/>
+              </a:rPr>
+              <a:t>               </a:t>
+            </a:r>
+            <a:endParaRPr lang="pt-BR" sz="1000" b="1" dirty="0">
+              <a:latin typeface="Courier New" panose="02070309020205020404" pitchFamily="49" charset="0"/>
+              <a:cs typeface="Courier New" panose="02070309020205020404" pitchFamily="49" charset="0"/>
+            </a:endParaRPr>
+          </a:p>
+          <a:p>
+            <a:pPr marL="0" indent="0">
+              <a:spcBef>
+                <a:spcPts val="0"/>
+              </a:spcBef>
+              <a:buNone/>
+            </a:pPr>
+            <a:r>
+              <a:rPr lang="pt-BR" sz="1000" dirty="0">
+                <a:solidFill>
+                  <a:srgbClr val="CCCCCC"/>
+                </a:solidFill>
+                <a:latin typeface="Courier New" panose="02070309020205020404" pitchFamily="49" charset="0"/>
+                <a:cs typeface="Courier New" panose="02070309020205020404" pitchFamily="49" charset="0"/>
+              </a:rPr>
+              <a:t>   </a:t>
+            </a:r>
+            <a:endParaRPr lang="pt-BR" sz="1000" dirty="0">
+              <a:latin typeface="Courier New" panose="02070309020205020404" pitchFamily="49" charset="0"/>
+              <a:cs typeface="Courier New" panose="02070309020205020404" pitchFamily="49" charset="0"/>
+            </a:endParaRPr>
+          </a:p>
+        </p:txBody>
+      </p:sp>
+      <p:pic>
+        <p:nvPicPr>
+          <p:cNvPr id="4" name="Imagem 3">
+            <a:extLst>
+              <a:ext uri="{FF2B5EF4-FFF2-40B4-BE49-F238E27FC236}">
+                <a16:creationId xmlns:a16="http://schemas.microsoft.com/office/drawing/2014/main" id="{3ABE5CE3-41BD-4F81-93B5-35F80094E767}"/>
+              </a:ext>
+            </a:extLst>
+          </p:cNvPr>
+          <p:cNvPicPr>
+            <a:picLocks noChangeAspect="1"/>
+          </p:cNvPicPr>
+          <p:nvPr/>
+        </p:nvPicPr>
+        <p:blipFill>
+          <a:blip r:embed="rId2"/>
+          <a:stretch>
+            <a:fillRect/>
+          </a:stretch>
+        </p:blipFill>
+        <p:spPr>
+          <a:xfrm>
+            <a:off x="1271587" y="2009775"/>
+            <a:ext cx="9648825" cy="2838450"/>
+          </a:xfrm>
+          <a:prstGeom prst="rect">
+            <a:avLst/>
+          </a:prstGeom>
+        </p:spPr>
+      </p:pic>
+      <p:sp>
+        <p:nvSpPr>
+          <p:cNvPr id="5" name="Retângulo 4">
+            <a:extLst>
+              <a:ext uri="{FF2B5EF4-FFF2-40B4-BE49-F238E27FC236}">
+                <a16:creationId xmlns:a16="http://schemas.microsoft.com/office/drawing/2014/main" id="{54FF09FE-7658-4EB9-8125-1B0BB8A8F787}"/>
+              </a:ext>
+            </a:extLst>
+          </p:cNvPr>
+          <p:cNvSpPr/>
+          <p:nvPr/>
+        </p:nvSpPr>
+        <p:spPr>
+          <a:xfrm>
+            <a:off x="997527" y="4334494"/>
+            <a:ext cx="10034650" cy="513731"/>
+          </a:xfrm>
+          <a:prstGeom prst="rect">
+            <a:avLst/>
+          </a:prstGeom>
+          <a:noFill/>
+          <a:ln>
+            <a:solidFill>
+              <a:srgbClr val="FF0000"/>
+            </a:solidFill>
+          </a:ln>
+        </p:spPr>
+        <p:style>
+          <a:lnRef idx="2">
+            <a:schemeClr val="accent6"/>
+          </a:lnRef>
+          <a:fillRef idx="1">
+            <a:schemeClr val="lt1"/>
+          </a:fillRef>
+          <a:effectRef idx="0">
+            <a:schemeClr val="accent6"/>
+          </a:effectRef>
+          <a:fontRef idx="minor">
+            <a:schemeClr val="dk1"/>
+          </a:fontRef>
+        </p:style>
+        <p:txBody>
+          <a:bodyPr rtlCol="0" anchor="ctr"/>
+          <a:lstStyle/>
+          <a:p>
+            <a:pPr algn="ctr"/>
+            <a:endParaRPr lang="pt-BR"/>
+          </a:p>
+        </p:txBody>
+      </p:sp>
+    </p:spTree>
+    <p:extLst>
+      <p:ext uri="{BB962C8B-B14F-4D97-AF65-F5344CB8AC3E}">
+        <p14:creationId xmlns:p14="http://schemas.microsoft.com/office/powerpoint/2010/main" val="4159313637"/>
+      </p:ext>
+    </p:extLst>
+  </p:cSld>
+  <p:clrMapOvr>
+    <a:masterClrMapping/>
+  </p:clrMapOvr>
+</p:sld>
+</file>
+
+<file path=ppt/slides/slide36.xml><?xml version="1.0" encoding="utf-8"?>
+<p:sld xmlns:a="http://schemas.openxmlformats.org/drawingml/2006/main" xmlns:r="http://schemas.openxmlformats.org/officeDocument/2006/relationships" xmlns:p="http://schemas.openxmlformats.org/presentationml/2006/main">
+  <p:cSld>
+    <p:spTree>
+      <p:nvGrpSpPr>
+        <p:cNvPr id="1" name=""/>
+        <p:cNvGrpSpPr/>
+        <p:nvPr/>
+      </p:nvGrpSpPr>
+      <p:grpSpPr>
+        <a:xfrm>
+          <a:off x="0" y="0"/>
+          <a:ext cx="0" cy="0"/>
+          <a:chOff x="0" y="0"/>
+          <a:chExt cx="0" cy="0"/>
+        </a:xfrm>
+      </p:grpSpPr>
+      <p:sp>
+        <p:nvSpPr>
+          <p:cNvPr id="2" name="Título 1">
+            <a:extLst>
+              <a:ext uri="{FF2B5EF4-FFF2-40B4-BE49-F238E27FC236}">
+                <a16:creationId xmlns:a16="http://schemas.microsoft.com/office/drawing/2014/main" id="{AE3EA2E6-2E1F-4910-80F5-FEA8176D6347}"/>
+              </a:ext>
+            </a:extLst>
+          </p:cNvPr>
+          <p:cNvSpPr>
+            <a:spLocks noGrp="1"/>
+          </p:cNvSpPr>
+          <p:nvPr>
+            <p:ph type="title"/>
+          </p:nvPr>
+        </p:nvSpPr>
+        <p:spPr/>
+        <p:txBody>
+          <a:bodyPr/>
+          <a:lstStyle/>
+          <a:p>
+            <a:pPr algn="r"/>
+            <a:r>
+              <a:rPr lang="pt-BR" dirty="0">
+                <a:solidFill>
+                  <a:prstClr val="black"/>
+                </a:solidFill>
+              </a:rPr>
+              <a:t>Criação da Tabela</a:t>
+            </a:r>
+            <a:br>
+              <a:rPr lang="pt-BR" dirty="0">
+                <a:solidFill>
+                  <a:prstClr val="black"/>
+                </a:solidFill>
+              </a:rPr>
+            </a:br>
+            <a:r>
+              <a:rPr lang="pt-BR" sz="2400" dirty="0">
+                <a:solidFill>
+                  <a:prstClr val="black"/>
+                </a:solidFill>
+              </a:rPr>
+              <a:t>(Outros Controles)</a:t>
+            </a:r>
+            <a:endParaRPr lang="pt-BR" dirty="0"/>
+          </a:p>
+        </p:txBody>
+      </p:sp>
+      <p:sp>
+        <p:nvSpPr>
+          <p:cNvPr id="3" name="Espaço Reservado para Conteúdo 2">
+            <a:extLst>
+              <a:ext uri="{FF2B5EF4-FFF2-40B4-BE49-F238E27FC236}">
+                <a16:creationId xmlns:a16="http://schemas.microsoft.com/office/drawing/2014/main" id="{76A075FF-5552-4825-A833-DC93985E762E}"/>
+              </a:ext>
+            </a:extLst>
+          </p:cNvPr>
+          <p:cNvSpPr>
+            <a:spLocks noGrp="1"/>
+          </p:cNvSpPr>
+          <p:nvPr>
+            <p:ph idx="1"/>
+          </p:nvPr>
+        </p:nvSpPr>
+        <p:spPr/>
+        <p:txBody>
+          <a:bodyPr>
+            <a:normAutofit lnSpcReduction="10000"/>
+          </a:bodyPr>
+          <a:lstStyle/>
+          <a:p>
+            <a:pPr marL="0" indent="0">
+              <a:lnSpc>
+                <a:spcPct val="100000"/>
+              </a:lnSpc>
+              <a:buNone/>
+            </a:pPr>
+            <a:r>
+              <a:rPr lang="en-US" sz="1400" b="1" dirty="0">
+                <a:latin typeface="Courier New" panose="02070309020205020404" pitchFamily="49" charset="0"/>
+                <a:cs typeface="Courier New" panose="02070309020205020404" pitchFamily="49" charset="0"/>
+              </a:rPr>
+              <a:t>	// Download </a:t>
+            </a:r>
+            <a:r>
+              <a:rPr lang="en-US" sz="1400" b="1" dirty="0" err="1">
+                <a:latin typeface="Courier New" panose="02070309020205020404" pitchFamily="49" charset="0"/>
+                <a:cs typeface="Courier New" panose="02070309020205020404" pitchFamily="49" charset="0"/>
+              </a:rPr>
+              <a:t>em</a:t>
+            </a:r>
+            <a:r>
+              <a:rPr lang="en-US" sz="1400" b="1" dirty="0">
+                <a:latin typeface="Courier New" panose="02070309020205020404" pitchFamily="49" charset="0"/>
+                <a:cs typeface="Courier New" panose="02070309020205020404" pitchFamily="49" charset="0"/>
+              </a:rPr>
+              <a:t> </a:t>
+            </a:r>
+            <a:r>
+              <a:rPr lang="en-US" sz="1400" b="1" dirty="0" err="1">
+                <a:latin typeface="Courier New" panose="02070309020205020404" pitchFamily="49" charset="0"/>
+                <a:cs typeface="Courier New" panose="02070309020205020404" pitchFamily="49" charset="0"/>
+              </a:rPr>
+              <a:t>formato</a:t>
+            </a:r>
+            <a:r>
+              <a:rPr lang="en-US" sz="1400" b="1" dirty="0">
+                <a:latin typeface="Courier New" panose="02070309020205020404" pitchFamily="49" charset="0"/>
+                <a:cs typeface="Courier New" panose="02070309020205020404" pitchFamily="49" charset="0"/>
+              </a:rPr>
+              <a:t> JSON e CSV</a:t>
+            </a:r>
+          </a:p>
+          <a:p>
+            <a:pPr marL="0" indent="0">
+              <a:buNone/>
+            </a:pPr>
+            <a:r>
+              <a:rPr lang="pt-BR" sz="1400" b="1" dirty="0">
+                <a:latin typeface="Courier New" panose="02070309020205020404" pitchFamily="49" charset="0"/>
+                <a:cs typeface="Courier New" panose="02070309020205020404" pitchFamily="49" charset="0"/>
+              </a:rPr>
+              <a:t> </a:t>
+            </a:r>
+            <a:r>
+              <a:rPr lang="pt-BR" sz="1400" dirty="0">
+                <a:latin typeface="Courier New" panose="02070309020205020404" pitchFamily="49" charset="0"/>
+                <a:cs typeface="Courier New" panose="02070309020205020404" pitchFamily="49" charset="0"/>
+              </a:rPr>
+              <a:t>       </a:t>
+            </a:r>
+            <a:r>
+              <a:rPr lang="pt-BR" sz="1400" dirty="0" err="1">
+                <a:latin typeface="Courier New" panose="02070309020205020404" pitchFamily="49" charset="0"/>
+                <a:cs typeface="Courier New" panose="02070309020205020404" pitchFamily="49" charset="0"/>
+              </a:rPr>
+              <a:t>this.onDownloadClickJSON</a:t>
+            </a:r>
+            <a:r>
+              <a:rPr lang="pt-BR" sz="1400" dirty="0">
+                <a:latin typeface="Courier New" panose="02070309020205020404" pitchFamily="49" charset="0"/>
+                <a:cs typeface="Courier New" panose="02070309020205020404" pitchFamily="49" charset="0"/>
+              </a:rPr>
+              <a:t> = </a:t>
+            </a:r>
+            <a:r>
+              <a:rPr lang="pt-BR" sz="1400" dirty="0" err="1">
+                <a:latin typeface="Courier New" panose="02070309020205020404" pitchFamily="49" charset="0"/>
+                <a:cs typeface="Courier New" panose="02070309020205020404" pitchFamily="49" charset="0"/>
+              </a:rPr>
+              <a:t>this.onDownloadClick.bind</a:t>
+            </a:r>
+            <a:r>
+              <a:rPr lang="pt-BR" sz="1400" dirty="0">
+                <a:latin typeface="Courier New" panose="02070309020205020404" pitchFamily="49" charset="0"/>
+                <a:cs typeface="Courier New" panose="02070309020205020404" pitchFamily="49" charset="0"/>
+              </a:rPr>
+              <a:t>(</a:t>
+            </a:r>
+            <a:r>
+              <a:rPr lang="pt-BR" sz="1400" dirty="0" err="1">
+                <a:latin typeface="Courier New" panose="02070309020205020404" pitchFamily="49" charset="0"/>
+                <a:cs typeface="Courier New" panose="02070309020205020404" pitchFamily="49" charset="0"/>
+              </a:rPr>
+              <a:t>this</a:t>
+            </a:r>
+            <a:r>
+              <a:rPr lang="pt-BR" sz="1400" dirty="0">
+                <a:latin typeface="Courier New" panose="02070309020205020404" pitchFamily="49" charset="0"/>
+                <a:cs typeface="Courier New" panose="02070309020205020404" pitchFamily="49" charset="0"/>
+              </a:rPr>
+              <a:t>, '</a:t>
+            </a:r>
+            <a:r>
+              <a:rPr lang="pt-BR" sz="1400" dirty="0" err="1">
+                <a:latin typeface="Courier New" panose="02070309020205020404" pitchFamily="49" charset="0"/>
+                <a:cs typeface="Courier New" panose="02070309020205020404" pitchFamily="49" charset="0"/>
+              </a:rPr>
+              <a:t>json</a:t>
+            </a:r>
+            <a:r>
+              <a:rPr lang="pt-BR" sz="1400" dirty="0">
+                <a:latin typeface="Courier New" panose="02070309020205020404" pitchFamily="49" charset="0"/>
+                <a:cs typeface="Courier New" panose="02070309020205020404" pitchFamily="49" charset="0"/>
+              </a:rPr>
+              <a:t>');</a:t>
+            </a:r>
+          </a:p>
+          <a:p>
+            <a:pPr marL="0" indent="0">
+              <a:buNone/>
+            </a:pPr>
+            <a:r>
+              <a:rPr lang="pt-BR" sz="1400" dirty="0">
+                <a:latin typeface="Courier New" panose="02070309020205020404" pitchFamily="49" charset="0"/>
+                <a:cs typeface="Courier New" panose="02070309020205020404" pitchFamily="49" charset="0"/>
+              </a:rPr>
+              <a:t>        </a:t>
+            </a:r>
+            <a:r>
+              <a:rPr lang="pt-BR" sz="1400" dirty="0" err="1">
+                <a:latin typeface="Courier New" panose="02070309020205020404" pitchFamily="49" charset="0"/>
+                <a:cs typeface="Courier New" panose="02070309020205020404" pitchFamily="49" charset="0"/>
+              </a:rPr>
+              <a:t>this.onDownloadClickCSV</a:t>
+            </a:r>
+            <a:r>
+              <a:rPr lang="pt-BR" sz="1400" dirty="0">
+                <a:latin typeface="Courier New" panose="02070309020205020404" pitchFamily="49" charset="0"/>
+                <a:cs typeface="Courier New" panose="02070309020205020404" pitchFamily="49" charset="0"/>
+              </a:rPr>
+              <a:t> = </a:t>
+            </a:r>
+            <a:r>
+              <a:rPr lang="pt-BR" sz="1400" dirty="0" err="1">
+                <a:latin typeface="Courier New" panose="02070309020205020404" pitchFamily="49" charset="0"/>
+                <a:cs typeface="Courier New" panose="02070309020205020404" pitchFamily="49" charset="0"/>
+              </a:rPr>
+              <a:t>this.onDownloadClick.bind</a:t>
+            </a:r>
+            <a:r>
+              <a:rPr lang="pt-BR" sz="1400" dirty="0">
+                <a:latin typeface="Courier New" panose="02070309020205020404" pitchFamily="49" charset="0"/>
+                <a:cs typeface="Courier New" panose="02070309020205020404" pitchFamily="49" charset="0"/>
+              </a:rPr>
+              <a:t>(</a:t>
+            </a:r>
+            <a:r>
+              <a:rPr lang="pt-BR" sz="1400" dirty="0" err="1">
+                <a:latin typeface="Courier New" panose="02070309020205020404" pitchFamily="49" charset="0"/>
+                <a:cs typeface="Courier New" panose="02070309020205020404" pitchFamily="49" charset="0"/>
+              </a:rPr>
+              <a:t>this</a:t>
+            </a:r>
+            <a:r>
+              <a:rPr lang="pt-BR" sz="1400" dirty="0">
+                <a:latin typeface="Courier New" panose="02070309020205020404" pitchFamily="49" charset="0"/>
+                <a:cs typeface="Courier New" panose="02070309020205020404" pitchFamily="49" charset="0"/>
+              </a:rPr>
+              <a:t>, '</a:t>
+            </a:r>
+            <a:r>
+              <a:rPr lang="pt-BR" sz="1400" dirty="0" err="1">
+                <a:latin typeface="Courier New" panose="02070309020205020404" pitchFamily="49" charset="0"/>
+                <a:cs typeface="Courier New" panose="02070309020205020404" pitchFamily="49" charset="0"/>
+              </a:rPr>
+              <a:t>csv</a:t>
+            </a:r>
+            <a:r>
+              <a:rPr lang="pt-BR" sz="1400" dirty="0">
+                <a:latin typeface="Courier New" panose="02070309020205020404" pitchFamily="49" charset="0"/>
+                <a:cs typeface="Courier New" panose="02070309020205020404" pitchFamily="49" charset="0"/>
+              </a:rPr>
+              <a:t>’);</a:t>
+            </a:r>
+          </a:p>
+          <a:p>
+            <a:pPr marL="0" indent="0">
+              <a:buNone/>
+            </a:pPr>
+            <a:r>
+              <a:rPr lang="pt-BR" sz="1400" dirty="0">
+                <a:latin typeface="Courier New" panose="02070309020205020404" pitchFamily="49" charset="0"/>
+                <a:cs typeface="Courier New" panose="02070309020205020404" pitchFamily="49" charset="0"/>
+              </a:rPr>
+              <a:t>        </a:t>
+            </a:r>
+            <a:r>
+              <a:rPr lang="pt-BR" sz="1400" dirty="0" err="1">
+                <a:latin typeface="Courier New" panose="02070309020205020404" pitchFamily="49" charset="0"/>
+                <a:cs typeface="Courier New" panose="02070309020205020404" pitchFamily="49" charset="0"/>
+              </a:rPr>
+              <a:t>this.onMenuDownloadClick</a:t>
+            </a:r>
+            <a:r>
+              <a:rPr lang="pt-BR" sz="1400" dirty="0">
+                <a:latin typeface="Courier New" panose="02070309020205020404" pitchFamily="49" charset="0"/>
+                <a:cs typeface="Courier New" panose="02070309020205020404" pitchFamily="49" charset="0"/>
+              </a:rPr>
+              <a:t> = </a:t>
+            </a:r>
+            <a:r>
+              <a:rPr lang="pt-BR" sz="1400" dirty="0" err="1">
+                <a:latin typeface="Courier New" panose="02070309020205020404" pitchFamily="49" charset="0"/>
+                <a:cs typeface="Courier New" panose="02070309020205020404" pitchFamily="49" charset="0"/>
+              </a:rPr>
+              <a:t>this.onMenuDownloadClick.bind</a:t>
+            </a:r>
+            <a:r>
+              <a:rPr lang="pt-BR" sz="1400" dirty="0">
+                <a:latin typeface="Courier New" panose="02070309020205020404" pitchFamily="49" charset="0"/>
+                <a:cs typeface="Courier New" panose="02070309020205020404" pitchFamily="49" charset="0"/>
+              </a:rPr>
+              <a:t>(</a:t>
+            </a:r>
+            <a:r>
+              <a:rPr lang="pt-BR" sz="1400" dirty="0" err="1">
+                <a:latin typeface="Courier New" panose="02070309020205020404" pitchFamily="49" charset="0"/>
+                <a:cs typeface="Courier New" panose="02070309020205020404" pitchFamily="49" charset="0"/>
+              </a:rPr>
+              <a:t>this</a:t>
+            </a:r>
+            <a:r>
+              <a:rPr lang="pt-BR" sz="1400" dirty="0">
+                <a:latin typeface="Courier New" panose="02070309020205020404" pitchFamily="49" charset="0"/>
+                <a:cs typeface="Courier New" panose="02070309020205020404" pitchFamily="49" charset="0"/>
+              </a:rPr>
+              <a:t>);</a:t>
+            </a:r>
+          </a:p>
+          <a:p>
+            <a:pPr marL="0" indent="0">
+              <a:buNone/>
+            </a:pPr>
+            <a:r>
+              <a:rPr lang="pt-BR" sz="1400" dirty="0">
+                <a:latin typeface="Courier New" panose="02070309020205020404" pitchFamily="49" charset="0"/>
+                <a:cs typeface="Courier New" panose="02070309020205020404" pitchFamily="49" charset="0"/>
+              </a:rPr>
+              <a:t>	</a:t>
+            </a:r>
+            <a:r>
+              <a:rPr lang="pt-BR" sz="1400" b="1" dirty="0">
+                <a:latin typeface="Courier New" panose="02070309020205020404" pitchFamily="49" charset="0"/>
+                <a:cs typeface="Courier New" panose="02070309020205020404" pitchFamily="49" charset="0"/>
+              </a:rPr>
+              <a:t>// Quando o </a:t>
+            </a:r>
+            <a:r>
+              <a:rPr lang="pt-BR" sz="1400" b="1" i="1" dirty="0" err="1">
+                <a:latin typeface="Courier New" panose="02070309020205020404" pitchFamily="49" charset="0"/>
+                <a:cs typeface="Courier New" panose="02070309020205020404" pitchFamily="49" charset="0"/>
+              </a:rPr>
+              <a:t>móuse</a:t>
+            </a:r>
+            <a:r>
+              <a:rPr lang="pt-BR" sz="1400" b="1" dirty="0">
+                <a:latin typeface="Courier New" panose="02070309020205020404" pitchFamily="49" charset="0"/>
+                <a:cs typeface="Courier New" panose="02070309020205020404" pitchFamily="49" charset="0"/>
+              </a:rPr>
+              <a:t> está sobre o ícone, exibe borda em torno do componente</a:t>
+            </a:r>
+            <a:r>
+              <a:rPr lang="pt-BR" sz="1400" dirty="0">
+                <a:latin typeface="Courier New" panose="02070309020205020404" pitchFamily="49" charset="0"/>
+                <a:cs typeface="Courier New" panose="02070309020205020404" pitchFamily="49" charset="0"/>
+              </a:rPr>
+              <a:t> </a:t>
+            </a:r>
+          </a:p>
+          <a:p>
+            <a:pPr marL="0" indent="0">
+              <a:buNone/>
+            </a:pPr>
+            <a:r>
+              <a:rPr lang="pt-BR" sz="1400" dirty="0">
+                <a:latin typeface="Courier New" panose="02070309020205020404" pitchFamily="49" charset="0"/>
+                <a:cs typeface="Courier New" panose="02070309020205020404" pitchFamily="49" charset="0"/>
+              </a:rPr>
+              <a:t>        </a:t>
+            </a:r>
+            <a:r>
+              <a:rPr lang="pt-BR" sz="1400" dirty="0" err="1">
+                <a:latin typeface="Courier New" panose="02070309020205020404" pitchFamily="49" charset="0"/>
+                <a:cs typeface="Courier New" panose="02070309020205020404" pitchFamily="49" charset="0"/>
+              </a:rPr>
+              <a:t>this.onMouseOverIcon</a:t>
+            </a:r>
+            <a:r>
+              <a:rPr lang="pt-BR" sz="1400" dirty="0">
+                <a:latin typeface="Courier New" panose="02070309020205020404" pitchFamily="49" charset="0"/>
+                <a:cs typeface="Courier New" panose="02070309020205020404" pitchFamily="49" charset="0"/>
+              </a:rPr>
+              <a:t> = </a:t>
+            </a:r>
+            <a:r>
+              <a:rPr lang="pt-BR" sz="1400" dirty="0" err="1">
+                <a:latin typeface="Courier New" panose="02070309020205020404" pitchFamily="49" charset="0"/>
+                <a:cs typeface="Courier New" panose="02070309020205020404" pitchFamily="49" charset="0"/>
+              </a:rPr>
+              <a:t>this.onMouseOverIcon.bind</a:t>
+            </a:r>
+            <a:r>
+              <a:rPr lang="pt-BR" sz="1400" dirty="0">
+                <a:latin typeface="Courier New" panose="02070309020205020404" pitchFamily="49" charset="0"/>
+                <a:cs typeface="Courier New" panose="02070309020205020404" pitchFamily="49" charset="0"/>
+              </a:rPr>
+              <a:t>(</a:t>
+            </a:r>
+            <a:r>
+              <a:rPr lang="pt-BR" sz="1400" dirty="0" err="1">
+                <a:latin typeface="Courier New" panose="02070309020205020404" pitchFamily="49" charset="0"/>
+                <a:cs typeface="Courier New" panose="02070309020205020404" pitchFamily="49" charset="0"/>
+              </a:rPr>
+              <a:t>this</a:t>
+            </a:r>
+            <a:r>
+              <a:rPr lang="pt-BR" sz="1400" dirty="0">
+                <a:latin typeface="Courier New" panose="02070309020205020404" pitchFamily="49" charset="0"/>
+                <a:cs typeface="Courier New" panose="02070309020205020404" pitchFamily="49" charset="0"/>
+              </a:rPr>
+              <a:t>);</a:t>
+            </a:r>
+          </a:p>
+          <a:p>
+            <a:pPr marL="0" indent="0">
+              <a:buNone/>
+            </a:pPr>
+            <a:r>
+              <a:rPr lang="pt-BR" sz="1400" dirty="0">
+                <a:latin typeface="Courier New" panose="02070309020205020404" pitchFamily="49" charset="0"/>
+                <a:cs typeface="Courier New" panose="02070309020205020404" pitchFamily="49" charset="0"/>
+              </a:rPr>
+              <a:t>        </a:t>
+            </a:r>
+            <a:r>
+              <a:rPr lang="pt-BR" sz="1400" dirty="0" err="1">
+                <a:latin typeface="Courier New" panose="02070309020205020404" pitchFamily="49" charset="0"/>
+                <a:cs typeface="Courier New" panose="02070309020205020404" pitchFamily="49" charset="0"/>
+              </a:rPr>
+              <a:t>this.onMouseOutIcon</a:t>
+            </a:r>
+            <a:r>
+              <a:rPr lang="pt-BR" sz="1400" dirty="0">
+                <a:latin typeface="Courier New" panose="02070309020205020404" pitchFamily="49" charset="0"/>
+                <a:cs typeface="Courier New" panose="02070309020205020404" pitchFamily="49" charset="0"/>
+              </a:rPr>
+              <a:t> = </a:t>
+            </a:r>
+            <a:r>
+              <a:rPr lang="pt-BR" sz="1400" dirty="0" err="1">
+                <a:latin typeface="Courier New" panose="02070309020205020404" pitchFamily="49" charset="0"/>
+                <a:cs typeface="Courier New" panose="02070309020205020404" pitchFamily="49" charset="0"/>
+              </a:rPr>
+              <a:t>this.onMouseOutIcon.bind</a:t>
+            </a:r>
+            <a:r>
+              <a:rPr lang="pt-BR" sz="1400" dirty="0">
+                <a:latin typeface="Courier New" panose="02070309020205020404" pitchFamily="49" charset="0"/>
+                <a:cs typeface="Courier New" panose="02070309020205020404" pitchFamily="49" charset="0"/>
+              </a:rPr>
+              <a:t>(</a:t>
+            </a:r>
+            <a:r>
+              <a:rPr lang="pt-BR" sz="1400" dirty="0" err="1">
+                <a:latin typeface="Courier New" panose="02070309020205020404" pitchFamily="49" charset="0"/>
+                <a:cs typeface="Courier New" panose="02070309020205020404" pitchFamily="49" charset="0"/>
+              </a:rPr>
+              <a:t>this</a:t>
+            </a:r>
+            <a:r>
+              <a:rPr lang="pt-BR" sz="1400" dirty="0">
+                <a:latin typeface="Courier New" panose="02070309020205020404" pitchFamily="49" charset="0"/>
+                <a:cs typeface="Courier New" panose="02070309020205020404" pitchFamily="49" charset="0"/>
+              </a:rPr>
+              <a:t>);</a:t>
+            </a:r>
+          </a:p>
+          <a:p>
+            <a:pPr marL="0" indent="0">
+              <a:buNone/>
+            </a:pPr>
+            <a:r>
+              <a:rPr lang="pt-BR" sz="1400" dirty="0">
+                <a:latin typeface="Courier New" panose="02070309020205020404" pitchFamily="49" charset="0"/>
+                <a:cs typeface="Courier New" panose="02070309020205020404" pitchFamily="49" charset="0"/>
+              </a:rPr>
+              <a:t>	</a:t>
+            </a:r>
+            <a:r>
+              <a:rPr lang="pt-BR" sz="1400" b="1" dirty="0">
+                <a:latin typeface="Courier New" panose="02070309020205020404" pitchFamily="49" charset="0"/>
+                <a:cs typeface="Courier New" panose="02070309020205020404" pitchFamily="49" charset="0"/>
+              </a:rPr>
+              <a:t>// Destaca a linha da tabela quando o mouse aponta para o componente</a:t>
+            </a:r>
+          </a:p>
+          <a:p>
+            <a:pPr marL="0" indent="0">
+              <a:buNone/>
+            </a:pPr>
+            <a:r>
+              <a:rPr lang="pt-BR" sz="1400" dirty="0">
+                <a:latin typeface="Courier New" panose="02070309020205020404" pitchFamily="49" charset="0"/>
+                <a:cs typeface="Courier New" panose="02070309020205020404" pitchFamily="49" charset="0"/>
+              </a:rPr>
+              <a:t>        </a:t>
+            </a:r>
+            <a:r>
+              <a:rPr lang="pt-BR" sz="1400" dirty="0" err="1">
+                <a:latin typeface="Courier New" panose="02070309020205020404" pitchFamily="49" charset="0"/>
+                <a:cs typeface="Courier New" panose="02070309020205020404" pitchFamily="49" charset="0"/>
+              </a:rPr>
+              <a:t>this.onMouseOutRow</a:t>
+            </a:r>
+            <a:r>
+              <a:rPr lang="pt-BR" sz="1400" dirty="0">
+                <a:latin typeface="Courier New" panose="02070309020205020404" pitchFamily="49" charset="0"/>
+                <a:cs typeface="Courier New" panose="02070309020205020404" pitchFamily="49" charset="0"/>
+              </a:rPr>
+              <a:t> = </a:t>
+            </a:r>
+            <a:r>
+              <a:rPr lang="pt-BR" sz="1400" dirty="0" err="1">
+                <a:latin typeface="Courier New" panose="02070309020205020404" pitchFamily="49" charset="0"/>
+                <a:cs typeface="Courier New" panose="02070309020205020404" pitchFamily="49" charset="0"/>
+              </a:rPr>
+              <a:t>this.onMouseOutRow.bind</a:t>
+            </a:r>
+            <a:r>
+              <a:rPr lang="pt-BR" sz="1400" dirty="0">
+                <a:latin typeface="Courier New" panose="02070309020205020404" pitchFamily="49" charset="0"/>
+                <a:cs typeface="Courier New" panose="02070309020205020404" pitchFamily="49" charset="0"/>
+              </a:rPr>
+              <a:t>(</a:t>
+            </a:r>
+            <a:r>
+              <a:rPr lang="pt-BR" sz="1400" dirty="0" err="1">
+                <a:latin typeface="Courier New" panose="02070309020205020404" pitchFamily="49" charset="0"/>
+                <a:cs typeface="Courier New" panose="02070309020205020404" pitchFamily="49" charset="0"/>
+              </a:rPr>
+              <a:t>this</a:t>
+            </a:r>
+            <a:r>
+              <a:rPr lang="pt-BR" sz="1400" dirty="0">
+                <a:latin typeface="Courier New" panose="02070309020205020404" pitchFamily="49" charset="0"/>
+                <a:cs typeface="Courier New" panose="02070309020205020404" pitchFamily="49" charset="0"/>
+              </a:rPr>
+              <a:t>);</a:t>
+            </a:r>
+          </a:p>
+          <a:p>
+            <a:pPr marL="0" indent="0">
+              <a:buNone/>
+            </a:pPr>
+            <a:r>
+              <a:rPr lang="pt-BR" sz="1400" dirty="0">
+                <a:latin typeface="Courier New" panose="02070309020205020404" pitchFamily="49" charset="0"/>
+                <a:cs typeface="Courier New" panose="02070309020205020404" pitchFamily="49" charset="0"/>
+              </a:rPr>
+              <a:t>        </a:t>
+            </a:r>
+            <a:r>
+              <a:rPr lang="pt-BR" sz="1400" dirty="0" err="1">
+                <a:latin typeface="Courier New" panose="02070309020205020404" pitchFamily="49" charset="0"/>
+                <a:cs typeface="Courier New" panose="02070309020205020404" pitchFamily="49" charset="0"/>
+              </a:rPr>
+              <a:t>this.onMouseOverRow</a:t>
+            </a:r>
+            <a:r>
+              <a:rPr lang="pt-BR" sz="1400" dirty="0">
+                <a:latin typeface="Courier New" panose="02070309020205020404" pitchFamily="49" charset="0"/>
+                <a:cs typeface="Courier New" panose="02070309020205020404" pitchFamily="49" charset="0"/>
+              </a:rPr>
+              <a:t> = </a:t>
+            </a:r>
+            <a:r>
+              <a:rPr lang="pt-BR" sz="1400" dirty="0" err="1">
+                <a:latin typeface="Courier New" panose="02070309020205020404" pitchFamily="49" charset="0"/>
+                <a:cs typeface="Courier New" panose="02070309020205020404" pitchFamily="49" charset="0"/>
+              </a:rPr>
+              <a:t>this.onMouseOverRow.bind</a:t>
+            </a:r>
+            <a:r>
+              <a:rPr lang="pt-BR" sz="1400" dirty="0">
+                <a:latin typeface="Courier New" panose="02070309020205020404" pitchFamily="49" charset="0"/>
+                <a:cs typeface="Courier New" panose="02070309020205020404" pitchFamily="49" charset="0"/>
+              </a:rPr>
+              <a:t>(</a:t>
+            </a:r>
+            <a:r>
+              <a:rPr lang="pt-BR" sz="1400" dirty="0" err="1">
+                <a:latin typeface="Courier New" panose="02070309020205020404" pitchFamily="49" charset="0"/>
+                <a:cs typeface="Courier New" panose="02070309020205020404" pitchFamily="49" charset="0"/>
+              </a:rPr>
+              <a:t>this</a:t>
+            </a:r>
+            <a:r>
+              <a:rPr lang="pt-BR" sz="1400" dirty="0">
+                <a:latin typeface="Courier New" panose="02070309020205020404" pitchFamily="49" charset="0"/>
+                <a:cs typeface="Courier New" panose="02070309020205020404" pitchFamily="49" charset="0"/>
+              </a:rPr>
+              <a:t>);</a:t>
+            </a:r>
+          </a:p>
+          <a:p>
+            <a:pPr marL="0" indent="0">
+              <a:buNone/>
+            </a:pPr>
+            <a:r>
+              <a:rPr lang="pt-BR" sz="1400" dirty="0">
+                <a:latin typeface="Courier New" panose="02070309020205020404" pitchFamily="49" charset="0"/>
+                <a:cs typeface="Courier New" panose="02070309020205020404" pitchFamily="49" charset="0"/>
+              </a:rPr>
+              <a:t>	</a:t>
+            </a:r>
+            <a:r>
+              <a:rPr lang="pt-BR" sz="1400" b="1" dirty="0">
+                <a:latin typeface="Courier New" panose="02070309020205020404" pitchFamily="49" charset="0"/>
+                <a:cs typeface="Courier New" panose="02070309020205020404" pitchFamily="49" charset="0"/>
+              </a:rPr>
+              <a:t>// Reseta classificação e edição quando a tecla </a:t>
+            </a:r>
+            <a:r>
+              <a:rPr lang="pt-BR" sz="1400" b="1" dirty="0" err="1">
+                <a:latin typeface="Courier New" panose="02070309020205020404" pitchFamily="49" charset="0"/>
+                <a:cs typeface="Courier New" panose="02070309020205020404" pitchFamily="49" charset="0"/>
+              </a:rPr>
+              <a:t>esc</a:t>
+            </a:r>
+            <a:r>
+              <a:rPr lang="pt-BR" sz="1400" b="1" dirty="0">
+                <a:latin typeface="Courier New" panose="02070309020205020404" pitchFamily="49" charset="0"/>
+                <a:cs typeface="Courier New" panose="02070309020205020404" pitchFamily="49" charset="0"/>
+              </a:rPr>
+              <a:t> é pressionada</a:t>
+            </a:r>
+          </a:p>
+          <a:p>
+            <a:pPr marL="0" indent="0">
+              <a:buNone/>
+            </a:pPr>
+            <a:r>
+              <a:rPr lang="pt-BR" sz="1400" dirty="0">
+                <a:latin typeface="Courier New" panose="02070309020205020404" pitchFamily="49" charset="0"/>
+                <a:cs typeface="Courier New" panose="02070309020205020404" pitchFamily="49" charset="0"/>
+              </a:rPr>
+              <a:t>        </a:t>
+            </a:r>
+            <a:r>
+              <a:rPr lang="pt-BR" sz="1400" dirty="0" err="1">
+                <a:latin typeface="Courier New" panose="02070309020205020404" pitchFamily="49" charset="0"/>
+                <a:cs typeface="Courier New" panose="02070309020205020404" pitchFamily="49" charset="0"/>
+              </a:rPr>
+              <a:t>this.onKeyEscPress</a:t>
+            </a:r>
+            <a:r>
+              <a:rPr lang="pt-BR" sz="1400" dirty="0">
+                <a:latin typeface="Courier New" panose="02070309020205020404" pitchFamily="49" charset="0"/>
+                <a:cs typeface="Courier New" panose="02070309020205020404" pitchFamily="49" charset="0"/>
+              </a:rPr>
+              <a:t> = </a:t>
+            </a:r>
+            <a:r>
+              <a:rPr lang="pt-BR" sz="1400" dirty="0" err="1">
+                <a:latin typeface="Courier New" panose="02070309020205020404" pitchFamily="49" charset="0"/>
+                <a:cs typeface="Courier New" panose="02070309020205020404" pitchFamily="49" charset="0"/>
+              </a:rPr>
+              <a:t>this.onKeyEscPress.bind</a:t>
+            </a:r>
+            <a:r>
+              <a:rPr lang="pt-BR" sz="1400" dirty="0">
+                <a:latin typeface="Courier New" panose="02070309020205020404" pitchFamily="49" charset="0"/>
+                <a:cs typeface="Courier New" panose="02070309020205020404" pitchFamily="49" charset="0"/>
+              </a:rPr>
+              <a:t>(</a:t>
+            </a:r>
+            <a:r>
+              <a:rPr lang="pt-BR" sz="1400" dirty="0" err="1">
+                <a:latin typeface="Courier New" panose="02070309020205020404" pitchFamily="49" charset="0"/>
+                <a:cs typeface="Courier New" panose="02070309020205020404" pitchFamily="49" charset="0"/>
+              </a:rPr>
+              <a:t>this</a:t>
+            </a:r>
+            <a:r>
+              <a:rPr lang="pt-BR" sz="1400" dirty="0">
+                <a:latin typeface="Courier New" panose="02070309020205020404" pitchFamily="49" charset="0"/>
+                <a:cs typeface="Courier New" panose="02070309020205020404" pitchFamily="49" charset="0"/>
+              </a:rPr>
+              <a:t>);</a:t>
+            </a:r>
+          </a:p>
+          <a:p>
+            <a:pPr marL="0" indent="0">
+              <a:buNone/>
+            </a:pPr>
+            <a:r>
+              <a:rPr lang="pt-BR" sz="1400" dirty="0">
+                <a:latin typeface="Courier New" panose="02070309020205020404" pitchFamily="49" charset="0"/>
+                <a:cs typeface="Courier New" panose="02070309020205020404" pitchFamily="49" charset="0"/>
+              </a:rPr>
+              <a:t>        </a:t>
+            </a:r>
+            <a:r>
+              <a:rPr lang="pt-BR" sz="1400" dirty="0" err="1">
+                <a:latin typeface="Courier New" panose="02070309020205020404" pitchFamily="49" charset="0"/>
+                <a:cs typeface="Courier New" panose="02070309020205020404" pitchFamily="49" charset="0"/>
+              </a:rPr>
+              <a:t>document.addEventListener</a:t>
+            </a:r>
+            <a:r>
+              <a:rPr lang="pt-BR" sz="1400" dirty="0">
+                <a:latin typeface="Courier New" panose="02070309020205020404" pitchFamily="49" charset="0"/>
+                <a:cs typeface="Courier New" panose="02070309020205020404" pitchFamily="49" charset="0"/>
+              </a:rPr>
+              <a:t>('</a:t>
+            </a:r>
+            <a:r>
+              <a:rPr lang="pt-BR" sz="1400" dirty="0" err="1">
+                <a:latin typeface="Courier New" panose="02070309020205020404" pitchFamily="49" charset="0"/>
+                <a:cs typeface="Courier New" panose="02070309020205020404" pitchFamily="49" charset="0"/>
+              </a:rPr>
+              <a:t>keydown</a:t>
+            </a:r>
+            <a:r>
+              <a:rPr lang="pt-BR" sz="1400" dirty="0">
+                <a:latin typeface="Courier New" panose="02070309020205020404" pitchFamily="49" charset="0"/>
+                <a:cs typeface="Courier New" panose="02070309020205020404" pitchFamily="49" charset="0"/>
+              </a:rPr>
+              <a:t>', </a:t>
+            </a:r>
+            <a:r>
+              <a:rPr lang="pt-BR" sz="1400" dirty="0" err="1">
+                <a:latin typeface="Courier New" panose="02070309020205020404" pitchFamily="49" charset="0"/>
+                <a:cs typeface="Courier New" panose="02070309020205020404" pitchFamily="49" charset="0"/>
+              </a:rPr>
+              <a:t>this.onKeyEscPress</a:t>
+            </a:r>
+            <a:r>
+              <a:rPr lang="pt-BR" sz="1400" dirty="0">
+                <a:latin typeface="Courier New" panose="02070309020205020404" pitchFamily="49" charset="0"/>
+                <a:cs typeface="Courier New" panose="02070309020205020404" pitchFamily="49" charset="0"/>
+              </a:rPr>
+              <a:t>);</a:t>
+            </a:r>
+          </a:p>
+          <a:p>
+            <a:pPr marL="0" lvl="0" indent="0">
+              <a:lnSpc>
+                <a:spcPct val="100000"/>
+              </a:lnSpc>
+              <a:spcBef>
+                <a:spcPts val="0"/>
+              </a:spcBef>
+              <a:buNone/>
+            </a:pPr>
+            <a:endParaRPr lang="pt-BR" sz="1000" b="1" dirty="0">
+              <a:latin typeface="Courier New" panose="02070309020205020404" pitchFamily="49" charset="0"/>
+              <a:cs typeface="Courier New" panose="02070309020205020404" pitchFamily="49" charset="0"/>
+            </a:endParaRPr>
+          </a:p>
+          <a:p>
+            <a:pPr marL="0" indent="0">
+              <a:spcBef>
+                <a:spcPts val="0"/>
+              </a:spcBef>
+              <a:buNone/>
+            </a:pPr>
+            <a:r>
+              <a:rPr lang="pt-BR" sz="1000" dirty="0">
+                <a:latin typeface="Courier New" panose="02070309020205020404" pitchFamily="49" charset="0"/>
+                <a:cs typeface="Courier New" panose="02070309020205020404" pitchFamily="49" charset="0"/>
+              </a:rPr>
+              <a:t>               </a:t>
+            </a:r>
+            <a:endParaRPr lang="pt-BR" sz="1000" b="1" dirty="0">
+              <a:latin typeface="Courier New" panose="02070309020205020404" pitchFamily="49" charset="0"/>
+              <a:cs typeface="Courier New" panose="02070309020205020404" pitchFamily="49" charset="0"/>
+            </a:endParaRPr>
+          </a:p>
+          <a:p>
+            <a:pPr marL="0" indent="0">
+              <a:spcBef>
+                <a:spcPts val="0"/>
+              </a:spcBef>
+              <a:buNone/>
+            </a:pPr>
+            <a:r>
+              <a:rPr lang="pt-BR" sz="1000" dirty="0">
+                <a:solidFill>
+                  <a:srgbClr val="CCCCCC"/>
+                </a:solidFill>
+                <a:latin typeface="Courier New" panose="02070309020205020404" pitchFamily="49" charset="0"/>
+                <a:cs typeface="Courier New" panose="02070309020205020404" pitchFamily="49" charset="0"/>
+              </a:rPr>
+              <a:t>   </a:t>
+            </a:r>
+            <a:endParaRPr lang="pt-BR" sz="1000" dirty="0">
+              <a:latin typeface="Courier New" panose="02070309020205020404" pitchFamily="49" charset="0"/>
+              <a:cs typeface="Courier New" panose="02070309020205020404" pitchFamily="49" charset="0"/>
+            </a:endParaRPr>
+          </a:p>
+        </p:txBody>
+      </p:sp>
+    </p:spTree>
+    <p:extLst>
+      <p:ext uri="{BB962C8B-B14F-4D97-AF65-F5344CB8AC3E}">
+        <p14:creationId xmlns:p14="http://schemas.microsoft.com/office/powerpoint/2010/main" val="2099305744"/>
+      </p:ext>
+    </p:extLst>
+  </p:cSld>
+  <p:clrMapOvr>
+    <a:masterClrMapping/>
+  </p:clrMapOvr>
+</p:sld>
+</file>
+
 <file path=ppt/slides/slide4.xml><?xml version="1.0" encoding="utf-8"?>
 <p:sld xmlns:a="http://schemas.openxmlformats.org/drawingml/2006/main" xmlns:r="http://schemas.openxmlformats.org/officeDocument/2006/relationships" xmlns:p="http://schemas.openxmlformats.org/presentationml/2006/main">
   <p:cSld>
